--- a/Slideshow/Scale-recurrent network for deblurring.pptx
+++ b/Slideshow/Scale-recurrent network for deblurring.pptx
@@ -6,6 +6,7 @@
   </p:sldMasterIdLst>
   <p:sldIdLst>
     <p:sldId id="256" r:id="rId2"/>
+    <p:sldId id="257" r:id="rId3"/>
   </p:sldIdLst>
   <p:sldSz cx="12192000" cy="6858000"/>
   <p:notesSz cx="6858000" cy="9144000"/>
@@ -104,6 +105,11 @@
       </a:defRPr>
     </a:lvl9pPr>
   </p:defaultTextStyle>
+  <p:extLst>
+    <p:ext uri="{EFAFB233-063F-42B5-8137-9DF3F51BA10A}">
+      <p15:sldGuideLst xmlns:p15="http://schemas.microsoft.com/office/powerpoint/2012/main"/>
+    </p:ext>
+  </p:extLst>
 </p:presentation>
 </file>
 
@@ -3337,12 +3343,22 @@
             <p:ph type="ctrTitle"/>
           </p:nvPr>
         </p:nvSpPr>
-        <p:spPr/>
-        <p:txBody>
-          <a:bodyPr/>
-          <a:lstStyle/>
-          <a:p>
-            <a:endParaRPr lang="en-US"/>
+        <p:spPr>
+          <a:xfrm>
+            <a:off x="1524000" y="1122363"/>
+            <a:ext cx="9144000" cy="936592"/>
+          </a:xfrm>
+        </p:spPr>
+        <p:txBody>
+          <a:bodyPr>
+            <a:noAutofit/>
+          </a:bodyPr>
+          <a:lstStyle/>
+          <a:p>
+            <a:r>
+              <a:rPr lang="en-US" sz="3200" dirty="0"/>
+              <a:t>Scale-recurrent Network for Deep Image Deblurring</a:t>
+            </a:r>
           </a:p>
         </p:txBody>
       </p:sp>
@@ -3364,10 +3380,62 @@
         </p:nvSpPr>
         <p:spPr/>
         <p:txBody>
-          <a:bodyPr/>
-          <a:lstStyle/>
-          <a:p>
-            <a:endParaRPr lang="en-US"/>
+          <a:bodyPr>
+            <a:normAutofit/>
+          </a:bodyPr>
+          <a:lstStyle/>
+          <a:p>
+            <a:r>
+              <a:rPr lang="en-US" sz="2400" dirty="0"/>
+              <a:t>Paper authors: Xin Tao, </a:t>
+            </a:r>
+            <a:r>
+              <a:rPr lang="en-US" sz="2400" dirty="0" err="1"/>
+              <a:t>Hongyun</a:t>
+            </a:r>
+            <a:r>
+              <a:rPr lang="en-US" sz="2400" dirty="0"/>
+              <a:t> Gao, </a:t>
+            </a:r>
+            <a:r>
+              <a:rPr lang="en-US" sz="2400" dirty="0" err="1"/>
+              <a:t>Xiaoyong</a:t>
+            </a:r>
+            <a:r>
+              <a:rPr lang="en-US" sz="2400" dirty="0"/>
+              <a:t> Shen, </a:t>
+            </a:r>
+            <a:r>
+              <a:rPr lang="en-US" sz="2400" dirty="0" err="1"/>
+              <a:t>Jue</a:t>
+            </a:r>
+            <a:r>
+              <a:rPr lang="en-US" sz="2400" dirty="0"/>
+              <a:t> Wang, </a:t>
+            </a:r>
+            <a:r>
+              <a:rPr lang="en-US" sz="2400" dirty="0" err="1"/>
+              <a:t>Jiaya</a:t>
+            </a:r>
+            <a:r>
+              <a:rPr lang="en-US" sz="2400" dirty="0"/>
+              <a:t> Jia, </a:t>
+            </a:r>
+          </a:p>
+          <a:p>
+            <a:r>
+              <a:rPr lang="en-US" sz="2400" dirty="0"/>
+              <a:t>The Chinese University of Hong Kong , </a:t>
+            </a:r>
+            <a:r>
+              <a:rPr lang="en-US" sz="2400" dirty="0" err="1"/>
+              <a:t>YouTu</a:t>
+            </a:r>
+            <a:r>
+              <a:rPr lang="en-US" sz="2400" dirty="0"/>
+              <a:t> Lab,  Tencent 3Megvii Inc. </a:t>
+            </a:r>
+            <a:endParaRPr lang="en-US" dirty="0"/>
           </a:p>
         </p:txBody>
       </p:sp>
@@ -3375,6 +3443,108 @@
     <p:extLst>
       <p:ext uri="{BB962C8B-B14F-4D97-AF65-F5344CB8AC3E}">
         <p14:creationId xmlns:p14="http://schemas.microsoft.com/office/powerpoint/2010/main" val="919369906"/>
+      </p:ext>
+    </p:extLst>
+  </p:cSld>
+  <p:clrMapOvr>
+    <a:masterClrMapping/>
+  </p:clrMapOvr>
+</p:sld>
+</file>
+
+<file path=ppt/slides/slide2.xml><?xml version="1.0" encoding="utf-8"?>
+<p:sld xmlns:a="http://schemas.openxmlformats.org/drawingml/2006/main" xmlns:r="http://schemas.openxmlformats.org/officeDocument/2006/relationships" xmlns:p="http://schemas.openxmlformats.org/presentationml/2006/main">
+  <p:cSld>
+    <p:spTree>
+      <p:nvGrpSpPr>
+        <p:cNvPr id="1" name=""/>
+        <p:cNvGrpSpPr/>
+        <p:nvPr/>
+      </p:nvGrpSpPr>
+      <p:grpSpPr>
+        <a:xfrm>
+          <a:off x="0" y="0"/>
+          <a:ext cx="0" cy="0"/>
+          <a:chOff x="0" y="0"/>
+          <a:chExt cx="0" cy="0"/>
+        </a:xfrm>
+      </p:grpSpPr>
+      <p:sp>
+        <p:nvSpPr>
+          <p:cNvPr id="2" name="Title 1">
+            <a:extLst>
+              <a:ext uri="{FF2B5EF4-FFF2-40B4-BE49-F238E27FC236}">
+                <a16:creationId xmlns:a16="http://schemas.microsoft.com/office/drawing/2014/main" id="{A41E552F-8A1E-45A2-868B-F28D08463CFD}"/>
+              </a:ext>
+            </a:extLst>
+          </p:cNvPr>
+          <p:cNvSpPr>
+            <a:spLocks noGrp="1"/>
+          </p:cNvSpPr>
+          <p:nvPr>
+            <p:ph type="title"/>
+          </p:nvPr>
+        </p:nvSpPr>
+        <p:spPr/>
+        <p:txBody>
+          <a:bodyPr/>
+          <a:lstStyle/>
+          <a:p>
+            <a:endParaRPr lang="en-US"/>
+          </a:p>
+        </p:txBody>
+      </p:sp>
+      <p:pic>
+        <p:nvPicPr>
+          <p:cNvPr id="1026" name="Picture 2">
+            <a:extLst>
+              <a:ext uri="{FF2B5EF4-FFF2-40B4-BE49-F238E27FC236}">
+                <a16:creationId xmlns:a16="http://schemas.microsoft.com/office/drawing/2014/main" id="{8D64BCE8-0E52-406A-A204-83EEA7FA9CB9}"/>
+              </a:ext>
+            </a:extLst>
+          </p:cNvPr>
+          <p:cNvPicPr>
+            <a:picLocks noChangeAspect="1" noChangeArrowheads="1"/>
+          </p:cNvPicPr>
+          <p:nvPr/>
+        </p:nvPicPr>
+        <p:blipFill>
+          <a:blip r:embed="rId2">
+            <a:extLst>
+              <a:ext uri="{28A0092B-C50C-407E-A947-70E740481C1C}">
+                <a14:useLocalDpi xmlns:a14="http://schemas.microsoft.com/office/drawing/2010/main" val="0"/>
+              </a:ext>
+            </a:extLst>
+          </a:blip>
+          <a:srcRect/>
+          <a:stretch>
+            <a:fillRect/>
+          </a:stretch>
+        </p:blipFill>
+        <p:spPr bwMode="auto">
+          <a:xfrm>
+            <a:off x="1203649" y="2395108"/>
+            <a:ext cx="9784702" cy="2067783"/>
+          </a:xfrm>
+          <a:prstGeom prst="rect">
+            <a:avLst/>
+          </a:prstGeom>
+          <a:noFill/>
+          <a:extLst>
+            <a:ext uri="{909E8E84-426E-40DD-AFC4-6F175D3DCCD1}">
+              <a14:hiddenFill xmlns:a14="http://schemas.microsoft.com/office/drawing/2010/main">
+                <a:solidFill>
+                  <a:srgbClr val="FFFFFF"/>
+                </a:solidFill>
+              </a14:hiddenFill>
+            </a:ext>
+          </a:extLst>
+        </p:spPr>
+      </p:pic>
+    </p:spTree>
+    <p:extLst>
+      <p:ext uri="{BB962C8B-B14F-4D97-AF65-F5344CB8AC3E}">
+        <p14:creationId xmlns:p14="http://schemas.microsoft.com/office/powerpoint/2010/main" val="2478803395"/>
       </p:ext>
     </p:extLst>
   </p:cSld>

--- a/Slideshow/Scale-recurrent network for deblurring.pptx
+++ b/Slideshow/Scale-recurrent network for deblurring.pptx
@@ -260,7 +260,7 @@
           <a:p>
             <a:fld id="{F3B86EC5-7C0C-4B78-9162-202D1C14F68C}" type="datetimeFigureOut">
               <a:rPr lang="en-US" smtClean="0"/>
-              <a:t>1/6/2021</a:t>
+              <a:t>1/8/2021</a:t>
             </a:fld>
             <a:endParaRPr lang="en-US"/>
           </a:p>
@@ -458,7 +458,7 @@
           <a:p>
             <a:fld id="{F3B86EC5-7C0C-4B78-9162-202D1C14F68C}" type="datetimeFigureOut">
               <a:rPr lang="en-US" smtClean="0"/>
-              <a:t>1/6/2021</a:t>
+              <a:t>1/8/2021</a:t>
             </a:fld>
             <a:endParaRPr lang="en-US"/>
           </a:p>
@@ -666,7 +666,7 @@
           <a:p>
             <a:fld id="{F3B86EC5-7C0C-4B78-9162-202D1C14F68C}" type="datetimeFigureOut">
               <a:rPr lang="en-US" smtClean="0"/>
-              <a:t>1/6/2021</a:t>
+              <a:t>1/8/2021</a:t>
             </a:fld>
             <a:endParaRPr lang="en-US"/>
           </a:p>
@@ -864,7 +864,7 @@
           <a:p>
             <a:fld id="{F3B86EC5-7C0C-4B78-9162-202D1C14F68C}" type="datetimeFigureOut">
               <a:rPr lang="en-US" smtClean="0"/>
-              <a:t>1/6/2021</a:t>
+              <a:t>1/8/2021</a:t>
             </a:fld>
             <a:endParaRPr lang="en-US"/>
           </a:p>
@@ -1139,7 +1139,7 @@
           <a:p>
             <a:fld id="{F3B86EC5-7C0C-4B78-9162-202D1C14F68C}" type="datetimeFigureOut">
               <a:rPr lang="en-US" smtClean="0"/>
-              <a:t>1/6/2021</a:t>
+              <a:t>1/8/2021</a:t>
             </a:fld>
             <a:endParaRPr lang="en-US"/>
           </a:p>
@@ -1404,7 +1404,7 @@
           <a:p>
             <a:fld id="{F3B86EC5-7C0C-4B78-9162-202D1C14F68C}" type="datetimeFigureOut">
               <a:rPr lang="en-US" smtClean="0"/>
-              <a:t>1/6/2021</a:t>
+              <a:t>1/8/2021</a:t>
             </a:fld>
             <a:endParaRPr lang="en-US"/>
           </a:p>
@@ -1816,7 +1816,7 @@
           <a:p>
             <a:fld id="{F3B86EC5-7C0C-4B78-9162-202D1C14F68C}" type="datetimeFigureOut">
               <a:rPr lang="en-US" smtClean="0"/>
-              <a:t>1/6/2021</a:t>
+              <a:t>1/8/2021</a:t>
             </a:fld>
             <a:endParaRPr lang="en-US"/>
           </a:p>
@@ -1957,7 +1957,7 @@
           <a:p>
             <a:fld id="{F3B86EC5-7C0C-4B78-9162-202D1C14F68C}" type="datetimeFigureOut">
               <a:rPr lang="en-US" smtClean="0"/>
-              <a:t>1/6/2021</a:t>
+              <a:t>1/8/2021</a:t>
             </a:fld>
             <a:endParaRPr lang="en-US"/>
           </a:p>
@@ -2070,7 +2070,7 @@
           <a:p>
             <a:fld id="{F3B86EC5-7C0C-4B78-9162-202D1C14F68C}" type="datetimeFigureOut">
               <a:rPr lang="en-US" smtClean="0"/>
-              <a:t>1/6/2021</a:t>
+              <a:t>1/8/2021</a:t>
             </a:fld>
             <a:endParaRPr lang="en-US"/>
           </a:p>
@@ -2381,7 +2381,7 @@
           <a:p>
             <a:fld id="{F3B86EC5-7C0C-4B78-9162-202D1C14F68C}" type="datetimeFigureOut">
               <a:rPr lang="en-US" smtClean="0"/>
-              <a:t>1/6/2021</a:t>
+              <a:t>1/8/2021</a:t>
             </a:fld>
             <a:endParaRPr lang="en-US"/>
           </a:p>
@@ -2669,7 +2669,7 @@
           <a:p>
             <a:fld id="{F3B86EC5-7C0C-4B78-9162-202D1C14F68C}" type="datetimeFigureOut">
               <a:rPr lang="en-US" smtClean="0"/>
-              <a:t>1/6/2021</a:t>
+              <a:t>1/8/2021</a:t>
             </a:fld>
             <a:endParaRPr lang="en-US"/>
           </a:p>
@@ -2910,7 +2910,7 @@
           <a:p>
             <a:fld id="{F3B86EC5-7C0C-4B78-9162-202D1C14F68C}" type="datetimeFigureOut">
               <a:rPr lang="en-US" smtClean="0"/>
-              <a:t>1/6/2021</a:t>
+              <a:t>1/8/2021</a:t>
             </a:fld>
             <a:endParaRPr lang="en-US"/>
           </a:p>
@@ -3378,16 +3378,47 @@
             <p:ph type="subTitle" idx="1"/>
           </p:nvPr>
         </p:nvSpPr>
-        <p:spPr/>
+        <p:spPr>
+          <a:xfrm>
+            <a:off x="1524000" y="2688491"/>
+            <a:ext cx="9144000" cy="3087077"/>
+          </a:xfrm>
+        </p:spPr>
         <p:txBody>
           <a:bodyPr>
             <a:normAutofit/>
           </a:bodyPr>
           <a:lstStyle/>
           <a:p>
+            <a:pPr algn="l"/>
+            <a:r>
+              <a:rPr lang="en-US" sz="2400" dirty="0" smtClean="0"/>
+              <a:t>Student name: Tom Lev-ron.</a:t>
+            </a:r>
+          </a:p>
+          <a:p>
+            <a:pPr algn="l"/>
+            <a:r>
+              <a:rPr lang="en-US" dirty="0" smtClean="0"/>
+              <a:t>Introduction to digital image processing.</a:t>
+            </a:r>
+          </a:p>
+          <a:p>
+            <a:pPr algn="l"/>
+            <a:r>
+              <a:rPr lang="en-US" sz="2400" dirty="0" smtClean="0"/>
+              <a:t>Date: 14.01.2020.</a:t>
+            </a:r>
+          </a:p>
+          <a:p>
+            <a:pPr algn="l"/>
+            <a:r>
+              <a:rPr lang="en-US" sz="2400" dirty="0" smtClean="0"/>
+              <a:t>Paper </a:t>
+            </a:r>
             <a:r>
               <a:rPr lang="en-US" sz="2400" dirty="0"/>
-              <a:t>Paper authors: Xin Tao, </a:t>
+              <a:t>authors: Xin Tao, </a:t>
             </a:r>
             <a:r>
               <a:rPr lang="en-US" sz="2400" dirty="0" err="1"/>
@@ -3419,10 +3450,20 @@
             </a:r>
             <a:r>
               <a:rPr lang="en-US" sz="2400" dirty="0"/>
-              <a:t> Jia, </a:t>
-            </a:r>
-          </a:p>
-          <a:p>
+              <a:t> </a:t>
+            </a:r>
+            <a:r>
+              <a:rPr lang="en-US" sz="2400" dirty="0" err="1" smtClean="0"/>
+              <a:t>Jia</a:t>
+            </a:r>
+            <a:r>
+              <a:rPr lang="en-US"/>
+              <a:t>.</a:t>
+            </a:r>
+            <a:endParaRPr lang="en-US" sz="2400" dirty="0"/>
+          </a:p>
+          <a:p>
+            <a:pPr algn="l"/>
             <a:r>
               <a:rPr lang="en-US" sz="2400" dirty="0"/>
               <a:t>The Chinese University of Hong Kong , </a:t>
@@ -3490,7 +3531,7 @@
           <a:bodyPr/>
           <a:lstStyle/>
           <a:p>
-            <a:endParaRPr lang="en-US"/>
+            <a:endParaRPr lang="en-US" dirty="0"/>
           </a:p>
         </p:txBody>
       </p:sp>

--- a/Slideshow/Scale-recurrent network for deblurring.pptx
+++ b/Slideshow/Scale-recurrent network for deblurring.pptx
@@ -7,6 +7,8 @@
   <p:sldIdLst>
     <p:sldId id="256" r:id="rId2"/>
     <p:sldId id="257" r:id="rId3"/>
+    <p:sldId id="259" r:id="rId4"/>
+    <p:sldId id="258" r:id="rId5"/>
   </p:sldIdLst>
   <p:sldSz cx="12192000" cy="6858000"/>
   <p:notesSz cx="6858000" cy="9144000"/>
@@ -3457,7 +3459,7 @@
               <a:t>Jia</a:t>
             </a:r>
             <a:r>
-              <a:rPr lang="en-US"/>
+              <a:rPr lang="en-US" dirty="0"/>
               <a:t>.</a:t>
             </a:r>
             <a:endParaRPr lang="en-US" sz="2400" dirty="0"/>
@@ -3531,6 +3533,10 @@
           <a:bodyPr/>
           <a:lstStyle/>
           <a:p>
+            <a:r>
+              <a:rPr lang="en-US" dirty="0" smtClean="0"/>
+              <a:t>The Challenge </a:t>
+            </a:r>
             <a:endParaRPr lang="en-US" dirty="0"/>
           </a:p>
         </p:txBody>
@@ -3586,6 +3592,166 @@
     <p:extLst>
       <p:ext uri="{BB962C8B-B14F-4D97-AF65-F5344CB8AC3E}">
         <p14:creationId xmlns:p14="http://schemas.microsoft.com/office/powerpoint/2010/main" val="2478803395"/>
+      </p:ext>
+    </p:extLst>
+  </p:cSld>
+  <p:clrMapOvr>
+    <a:masterClrMapping/>
+  </p:clrMapOvr>
+</p:sld>
+</file>
+
+<file path=ppt/slides/slide3.xml><?xml version="1.0" encoding="utf-8"?>
+<p:sld xmlns:a="http://schemas.openxmlformats.org/drawingml/2006/main" xmlns:r="http://schemas.openxmlformats.org/officeDocument/2006/relationships" xmlns:p="http://schemas.openxmlformats.org/presentationml/2006/main">
+  <p:cSld>
+    <p:spTree>
+      <p:nvGrpSpPr>
+        <p:cNvPr id="1" name=""/>
+        <p:cNvGrpSpPr/>
+        <p:nvPr/>
+      </p:nvGrpSpPr>
+      <p:grpSpPr>
+        <a:xfrm>
+          <a:off x="0" y="0"/>
+          <a:ext cx="0" cy="0"/>
+          <a:chOff x="0" y="0"/>
+          <a:chExt cx="0" cy="0"/>
+        </a:xfrm>
+      </p:grpSpPr>
+      <p:sp>
+        <p:nvSpPr>
+          <p:cNvPr id="2" name="Title 1"/>
+          <p:cNvSpPr>
+            <a:spLocks noGrp="1"/>
+          </p:cNvSpPr>
+          <p:nvPr>
+            <p:ph type="title"/>
+          </p:nvPr>
+        </p:nvSpPr>
+        <p:spPr/>
+        <p:txBody>
+          <a:bodyPr/>
+          <a:lstStyle/>
+          <a:p>
+            <a:r>
+              <a:rPr lang="en-US" dirty="0" smtClean="0"/>
+              <a:t>Classic Methods of Deblurring</a:t>
+            </a:r>
+            <a:endParaRPr lang="he-IL" dirty="0"/>
+          </a:p>
+        </p:txBody>
+      </p:sp>
+      <p:sp>
+        <p:nvSpPr>
+          <p:cNvPr id="3" name="Content Placeholder 2"/>
+          <p:cNvSpPr>
+            <a:spLocks noGrp="1"/>
+          </p:cNvSpPr>
+          <p:nvPr>
+            <p:ph idx="1"/>
+          </p:nvPr>
+        </p:nvSpPr>
+        <p:spPr/>
+        <p:txBody>
+          <a:bodyPr/>
+          <a:lstStyle/>
+          <a:p>
+            <a:endParaRPr lang="he-IL" dirty="0"/>
+          </a:p>
+        </p:txBody>
+      </p:sp>
+    </p:spTree>
+    <p:extLst>
+      <p:ext uri="{BB962C8B-B14F-4D97-AF65-F5344CB8AC3E}">
+        <p14:creationId xmlns:p14="http://schemas.microsoft.com/office/powerpoint/2010/main" val="4147391395"/>
+      </p:ext>
+    </p:extLst>
+  </p:cSld>
+  <p:clrMapOvr>
+    <a:masterClrMapping/>
+  </p:clrMapOvr>
+</p:sld>
+</file>
+
+<file path=ppt/slides/slide4.xml><?xml version="1.0" encoding="utf-8"?>
+<p:sld xmlns:a="http://schemas.openxmlformats.org/drawingml/2006/main" xmlns:r="http://schemas.openxmlformats.org/officeDocument/2006/relationships" xmlns:p="http://schemas.openxmlformats.org/presentationml/2006/main">
+  <p:cSld>
+    <p:spTree>
+      <p:nvGrpSpPr>
+        <p:cNvPr id="1" name=""/>
+        <p:cNvGrpSpPr/>
+        <p:nvPr/>
+      </p:nvGrpSpPr>
+      <p:grpSpPr>
+        <a:xfrm>
+          <a:off x="0" y="0"/>
+          <a:ext cx="0" cy="0"/>
+          <a:chOff x="0" y="0"/>
+          <a:chExt cx="0" cy="0"/>
+        </a:xfrm>
+      </p:grpSpPr>
+      <p:sp>
+        <p:nvSpPr>
+          <p:cNvPr id="2" name="Title 1"/>
+          <p:cNvSpPr>
+            <a:spLocks noGrp="1"/>
+          </p:cNvSpPr>
+          <p:nvPr>
+            <p:ph type="title"/>
+          </p:nvPr>
+        </p:nvSpPr>
+        <p:spPr/>
+        <p:txBody>
+          <a:bodyPr/>
+          <a:lstStyle/>
+          <a:p>
+            <a:r>
+              <a:rPr lang="en-US" smtClean="0"/>
+              <a:t>The </a:t>
+            </a:r>
+            <a:r>
+              <a:rPr lang="en-US"/>
+              <a:t>P</a:t>
+            </a:r>
+            <a:r>
+              <a:rPr lang="en-US" smtClean="0"/>
+              <a:t>roposed </a:t>
+            </a:r>
+            <a:r>
+              <a:rPr lang="en-US" dirty="0"/>
+              <a:t>M</a:t>
+            </a:r>
+            <a:r>
+              <a:rPr lang="en-US" smtClean="0"/>
+              <a:t>ethod</a:t>
+            </a:r>
+            <a:endParaRPr lang="he-IL" dirty="0"/>
+          </a:p>
+        </p:txBody>
+      </p:sp>
+      <p:sp>
+        <p:nvSpPr>
+          <p:cNvPr id="3" name="Content Placeholder 2"/>
+          <p:cNvSpPr>
+            <a:spLocks noGrp="1"/>
+          </p:cNvSpPr>
+          <p:nvPr>
+            <p:ph idx="1"/>
+          </p:nvPr>
+        </p:nvSpPr>
+        <p:spPr/>
+        <p:txBody>
+          <a:bodyPr/>
+          <a:lstStyle/>
+          <a:p>
+            <a:endParaRPr lang="he-IL"/>
+          </a:p>
+        </p:txBody>
+      </p:sp>
+    </p:spTree>
+    <p:extLst>
+      <p:ext uri="{BB962C8B-B14F-4D97-AF65-F5344CB8AC3E}">
+        <p14:creationId xmlns:p14="http://schemas.microsoft.com/office/powerpoint/2010/main" val="1477292040"/>
       </p:ext>
     </p:extLst>
   </p:cSld>

--- a/Slideshow/Scale-recurrent network for deblurring.pptx
+++ b/Slideshow/Scale-recurrent network for deblurring.pptx
@@ -3535,59 +3535,40 @@
           <a:p>
             <a:r>
               <a:rPr lang="en-US" dirty="0" smtClean="0"/>
-              <a:t>The Challenge </a:t>
+              <a:t>The Challenge – Single Image Deblurring </a:t>
             </a:r>
             <a:endParaRPr lang="en-US" dirty="0"/>
           </a:p>
         </p:txBody>
       </p:sp>
-      <p:pic>
-        <p:nvPicPr>
-          <p:cNvPr id="1026" name="Picture 2">
-            <a:extLst>
-              <a:ext uri="{FF2B5EF4-FFF2-40B4-BE49-F238E27FC236}">
-                <a16:creationId xmlns:a16="http://schemas.microsoft.com/office/drawing/2014/main" id="{8D64BCE8-0E52-406A-A204-83EEA7FA9CB9}"/>
-              </a:ext>
-            </a:extLst>
-          </p:cNvPr>
-          <p:cNvPicPr>
-            <a:picLocks noChangeAspect="1" noChangeArrowheads="1"/>
-          </p:cNvPicPr>
-          <p:nvPr/>
-        </p:nvPicPr>
-        <p:blipFill>
-          <a:blip r:embed="rId2">
-            <a:extLst>
-              <a:ext uri="{28A0092B-C50C-407E-A947-70E740481C1C}">
-                <a14:useLocalDpi xmlns:a14="http://schemas.microsoft.com/office/drawing/2010/main" val="0"/>
-              </a:ext>
-            </a:extLst>
-          </a:blip>
-          <a:srcRect/>
-          <a:stretch>
-            <a:fillRect/>
-          </a:stretch>
-        </p:blipFill>
-        <p:spPr bwMode="auto">
+      <p:sp>
+        <p:nvSpPr>
+          <p:cNvPr id="4" name="Content Placeholder 2"/>
+          <p:cNvSpPr>
+            <a:spLocks noGrp="1"/>
+          </p:cNvSpPr>
+          <p:nvPr>
+            <p:ph idx="1"/>
+          </p:nvPr>
+        </p:nvSpPr>
+        <p:spPr>
           <a:xfrm>
-            <a:off x="1203649" y="2395108"/>
-            <a:ext cx="9784702" cy="2067783"/>
+            <a:off x="838200" y="1825625"/>
+            <a:ext cx="10515600" cy="4351338"/>
           </a:xfrm>
-          <a:prstGeom prst="rect">
-            <a:avLst/>
-          </a:prstGeom>
-          <a:noFill/>
-          <a:extLst>
-            <a:ext uri="{909E8E84-426E-40DD-AFC4-6F175D3DCCD1}">
-              <a14:hiddenFill xmlns:a14="http://schemas.microsoft.com/office/drawing/2010/main">
-                <a:solidFill>
-                  <a:srgbClr val="FFFFFF"/>
-                </a:solidFill>
-              </a14:hiddenFill>
-            </a:ext>
-          </a:extLst>
         </p:spPr>
-      </p:pic>
+        <p:txBody>
+          <a:bodyPr/>
+          <a:lstStyle/>
+          <a:p>
+            <a:r>
+              <a:rPr lang="en-US" dirty="0" smtClean="0"/>
+              <a:t>Motion blur</a:t>
+            </a:r>
+            <a:endParaRPr lang="he-IL" dirty="0"/>
+          </a:p>
+        </p:txBody>
+      </p:sp>
     </p:spTree>
     <p:extLst>
       <p:ext uri="{BB962C8B-B14F-4D97-AF65-F5344CB8AC3E}">
@@ -3706,15 +3687,15 @@
           <a:lstStyle/>
           <a:p>
             <a:r>
-              <a:rPr lang="en-US" smtClean="0"/>
+              <a:rPr lang="en-US" dirty="0" smtClean="0"/>
               <a:t>The </a:t>
             </a:r>
             <a:r>
-              <a:rPr lang="en-US"/>
+              <a:rPr lang="en-US" dirty="0"/>
               <a:t>P</a:t>
             </a:r>
             <a:r>
-              <a:rPr lang="en-US" smtClean="0"/>
+              <a:rPr lang="en-US" dirty="0" smtClean="0"/>
               <a:t>roposed </a:t>
             </a:r>
             <a:r>
@@ -3722,7 +3703,7 @@
               <a:t>M</a:t>
             </a:r>
             <a:r>
-              <a:rPr lang="en-US" smtClean="0"/>
+              <a:rPr lang="en-US" dirty="0" smtClean="0"/>
               <a:t>ethod</a:t>
             </a:r>
             <a:endParaRPr lang="he-IL" dirty="0"/>
@@ -3744,7 +3725,7 @@
           <a:bodyPr/>
           <a:lstStyle/>
           <a:p>
-            <a:endParaRPr lang="he-IL"/>
+            <a:endParaRPr lang="he-IL" dirty="0"/>
           </a:p>
         </p:txBody>
       </p:sp>

--- a/Slideshow/Scale-recurrent network for deblurring.pptx
+++ b/Slideshow/Scale-recurrent network for deblurring.pptx
@@ -6,9 +6,10 @@
   </p:sldMasterIdLst>
   <p:sldIdLst>
     <p:sldId id="256" r:id="rId2"/>
-    <p:sldId id="257" r:id="rId3"/>
-    <p:sldId id="259" r:id="rId4"/>
-    <p:sldId id="258" r:id="rId5"/>
+    <p:sldId id="260" r:id="rId3"/>
+    <p:sldId id="257" r:id="rId4"/>
+    <p:sldId id="259" r:id="rId5"/>
+    <p:sldId id="258" r:id="rId6"/>
   </p:sldIdLst>
   <p:sldSz cx="12192000" cy="6858000"/>
   <p:notesSz cx="6858000" cy="9144000"/>
@@ -262,7 +263,7 @@
           <a:p>
             <a:fld id="{F3B86EC5-7C0C-4B78-9162-202D1C14F68C}" type="datetimeFigureOut">
               <a:rPr lang="en-US" smtClean="0"/>
-              <a:t>1/8/2021</a:t>
+              <a:t>1/9/2021</a:t>
             </a:fld>
             <a:endParaRPr lang="en-US"/>
           </a:p>
@@ -460,7 +461,7 @@
           <a:p>
             <a:fld id="{F3B86EC5-7C0C-4B78-9162-202D1C14F68C}" type="datetimeFigureOut">
               <a:rPr lang="en-US" smtClean="0"/>
-              <a:t>1/8/2021</a:t>
+              <a:t>1/9/2021</a:t>
             </a:fld>
             <a:endParaRPr lang="en-US"/>
           </a:p>
@@ -668,7 +669,7 @@
           <a:p>
             <a:fld id="{F3B86EC5-7C0C-4B78-9162-202D1C14F68C}" type="datetimeFigureOut">
               <a:rPr lang="en-US" smtClean="0"/>
-              <a:t>1/8/2021</a:t>
+              <a:t>1/9/2021</a:t>
             </a:fld>
             <a:endParaRPr lang="en-US"/>
           </a:p>
@@ -866,7 +867,7 @@
           <a:p>
             <a:fld id="{F3B86EC5-7C0C-4B78-9162-202D1C14F68C}" type="datetimeFigureOut">
               <a:rPr lang="en-US" smtClean="0"/>
-              <a:t>1/8/2021</a:t>
+              <a:t>1/9/2021</a:t>
             </a:fld>
             <a:endParaRPr lang="en-US"/>
           </a:p>
@@ -1141,7 +1142,7 @@
           <a:p>
             <a:fld id="{F3B86EC5-7C0C-4B78-9162-202D1C14F68C}" type="datetimeFigureOut">
               <a:rPr lang="en-US" smtClean="0"/>
-              <a:t>1/8/2021</a:t>
+              <a:t>1/9/2021</a:t>
             </a:fld>
             <a:endParaRPr lang="en-US"/>
           </a:p>
@@ -1406,7 +1407,7 @@
           <a:p>
             <a:fld id="{F3B86EC5-7C0C-4B78-9162-202D1C14F68C}" type="datetimeFigureOut">
               <a:rPr lang="en-US" smtClean="0"/>
-              <a:t>1/8/2021</a:t>
+              <a:t>1/9/2021</a:t>
             </a:fld>
             <a:endParaRPr lang="en-US"/>
           </a:p>
@@ -1818,7 +1819,7 @@
           <a:p>
             <a:fld id="{F3B86EC5-7C0C-4B78-9162-202D1C14F68C}" type="datetimeFigureOut">
               <a:rPr lang="en-US" smtClean="0"/>
-              <a:t>1/8/2021</a:t>
+              <a:t>1/9/2021</a:t>
             </a:fld>
             <a:endParaRPr lang="en-US"/>
           </a:p>
@@ -1959,7 +1960,7 @@
           <a:p>
             <a:fld id="{F3B86EC5-7C0C-4B78-9162-202D1C14F68C}" type="datetimeFigureOut">
               <a:rPr lang="en-US" smtClean="0"/>
-              <a:t>1/8/2021</a:t>
+              <a:t>1/9/2021</a:t>
             </a:fld>
             <a:endParaRPr lang="en-US"/>
           </a:p>
@@ -2072,7 +2073,7 @@
           <a:p>
             <a:fld id="{F3B86EC5-7C0C-4B78-9162-202D1C14F68C}" type="datetimeFigureOut">
               <a:rPr lang="en-US" smtClean="0"/>
-              <a:t>1/8/2021</a:t>
+              <a:t>1/9/2021</a:t>
             </a:fld>
             <a:endParaRPr lang="en-US"/>
           </a:p>
@@ -2383,7 +2384,7 @@
           <a:p>
             <a:fld id="{F3B86EC5-7C0C-4B78-9162-202D1C14F68C}" type="datetimeFigureOut">
               <a:rPr lang="en-US" smtClean="0"/>
-              <a:t>1/8/2021</a:t>
+              <a:t>1/9/2021</a:t>
             </a:fld>
             <a:endParaRPr lang="en-US"/>
           </a:p>
@@ -2671,7 +2672,7 @@
           <a:p>
             <a:fld id="{F3B86EC5-7C0C-4B78-9162-202D1C14F68C}" type="datetimeFigureOut">
               <a:rPr lang="en-US" smtClean="0"/>
-              <a:t>1/8/2021</a:t>
+              <a:t>1/9/2021</a:t>
             </a:fld>
             <a:endParaRPr lang="en-US"/>
           </a:p>
@@ -2912,7 +2913,7 @@
           <a:p>
             <a:fld id="{F3B86EC5-7C0C-4B78-9162-202D1C14F68C}" type="datetimeFigureOut">
               <a:rPr lang="en-US" smtClean="0"/>
-              <a:t>1/8/2021</a:t>
+              <a:t>1/9/2021</a:t>
             </a:fld>
             <a:endParaRPr lang="en-US"/>
           </a:p>
@@ -3394,33 +3395,29 @@
           <a:p>
             <a:pPr algn="l"/>
             <a:r>
-              <a:rPr lang="en-US" sz="2400" dirty="0" smtClean="0"/>
+              <a:rPr lang="en-US" sz="2400" dirty="0"/>
               <a:t>Student name: Tom Lev-ron.</a:t>
             </a:r>
           </a:p>
           <a:p>
             <a:pPr algn="l"/>
             <a:r>
-              <a:rPr lang="en-US" dirty="0" smtClean="0"/>
+              <a:rPr lang="en-US" dirty="0"/>
               <a:t>Introduction to digital image processing.</a:t>
             </a:r>
           </a:p>
           <a:p>
             <a:pPr algn="l"/>
             <a:r>
-              <a:rPr lang="en-US" sz="2400" dirty="0" smtClean="0"/>
+              <a:rPr lang="en-US" sz="2400" dirty="0"/>
               <a:t>Date: 14.01.2020.</a:t>
             </a:r>
           </a:p>
           <a:p>
             <a:pPr algn="l"/>
             <a:r>
-              <a:rPr lang="en-US" sz="2400" dirty="0" smtClean="0"/>
-              <a:t>Paper </a:t>
-            </a:r>
-            <a:r>
               <a:rPr lang="en-US" sz="2400" dirty="0"/>
-              <a:t>authors: Xin Tao, </a:t>
+              <a:t>Paper authors: Xin Tao, </a:t>
             </a:r>
             <a:r>
               <a:rPr lang="en-US" sz="2400" dirty="0" err="1"/>
@@ -3455,7 +3452,7 @@
               <a:t> </a:t>
             </a:r>
             <a:r>
-              <a:rPr lang="en-US" sz="2400" dirty="0" err="1" smtClean="0"/>
+              <a:rPr lang="en-US" sz="2400" dirty="0" err="1"/>
               <a:t>Jia</a:t>
             </a:r>
             <a:r>
@@ -3517,7 +3514,7 @@
           <p:cNvPr id="2" name="Title 1">
             <a:extLst>
               <a:ext uri="{FF2B5EF4-FFF2-40B4-BE49-F238E27FC236}">
-                <a16:creationId xmlns:a16="http://schemas.microsoft.com/office/drawing/2014/main" id="{A41E552F-8A1E-45A2-868B-F28D08463CFD}"/>
+                <a16:creationId xmlns:a16="http://schemas.microsoft.com/office/drawing/2014/main" id="{42E185A2-350A-4D14-8818-193DBFEAC5BB}"/>
               </a:ext>
             </a:extLst>
           </p:cNvPr>
@@ -3534,16 +3531,21 @@
           <a:lstStyle/>
           <a:p>
             <a:r>
-              <a:rPr lang="en-US" dirty="0" smtClean="0"/>
-              <a:t>The Challenge – Single Image Deblurring </a:t>
-            </a:r>
-            <a:endParaRPr lang="en-US" dirty="0"/>
-          </a:p>
-        </p:txBody>
-      </p:sp>
-      <p:sp>
-        <p:nvSpPr>
-          <p:cNvPr id="4" name="Content Placeholder 2"/>
+              <a:rPr lang="en-US" dirty="0"/>
+              <a:t>This Presentation will fucus more on the article and less on the subject</a:t>
+            </a:r>
+          </a:p>
+        </p:txBody>
+      </p:sp>
+      <p:sp>
+        <p:nvSpPr>
+          <p:cNvPr id="3" name="Content Placeholder 2">
+            <a:extLst>
+              <a:ext uri="{FF2B5EF4-FFF2-40B4-BE49-F238E27FC236}">
+                <a16:creationId xmlns:a16="http://schemas.microsoft.com/office/drawing/2014/main" id="{4EABE564-2767-4C08-ACBC-29E48980C375}"/>
+              </a:ext>
+            </a:extLst>
+          </p:cNvPr>
           <p:cNvSpPr>
             <a:spLocks noGrp="1"/>
           </p:cNvSpPr>
@@ -3551,28 +3553,19 @@
             <p:ph idx="1"/>
           </p:nvPr>
         </p:nvSpPr>
-        <p:spPr>
-          <a:xfrm>
-            <a:off x="838200" y="1825625"/>
-            <a:ext cx="10515600" cy="4351338"/>
-          </a:xfrm>
-        </p:spPr>
-        <p:txBody>
-          <a:bodyPr/>
-          <a:lstStyle/>
-          <a:p>
-            <a:r>
-              <a:rPr lang="en-US" dirty="0" smtClean="0"/>
-              <a:t>Motion blur</a:t>
-            </a:r>
-            <a:endParaRPr lang="he-IL" dirty="0"/>
+        <p:spPr/>
+        <p:txBody>
+          <a:bodyPr/>
+          <a:lstStyle/>
+          <a:p>
+            <a:endParaRPr lang="en-US"/>
           </a:p>
         </p:txBody>
       </p:sp>
     </p:spTree>
     <p:extLst>
       <p:ext uri="{BB962C8B-B14F-4D97-AF65-F5344CB8AC3E}">
-        <p14:creationId xmlns:p14="http://schemas.microsoft.com/office/powerpoint/2010/main" val="2478803395"/>
+        <p14:creationId xmlns:p14="http://schemas.microsoft.com/office/powerpoint/2010/main" val="1882881166"/>
       </p:ext>
     </p:extLst>
   </p:cSld>
@@ -3601,7 +3594,13 @@
       </p:grpSpPr>
       <p:sp>
         <p:nvSpPr>
-          <p:cNvPr id="2" name="Title 1"/>
+          <p:cNvPr id="2" name="Title 1">
+            <a:extLst>
+              <a:ext uri="{FF2B5EF4-FFF2-40B4-BE49-F238E27FC236}">
+                <a16:creationId xmlns:a16="http://schemas.microsoft.com/office/drawing/2014/main" id="{A41E552F-8A1E-45A2-868B-F28D08463CFD}"/>
+              </a:ext>
+            </a:extLst>
+          </p:cNvPr>
           <p:cNvSpPr>
             <a:spLocks noGrp="1"/>
           </p:cNvSpPr>
@@ -3615,36 +3614,173 @@
           <a:lstStyle/>
           <a:p>
             <a:r>
-              <a:rPr lang="en-US" dirty="0" smtClean="0"/>
-              <a:t>Classic Methods of Deblurring</a:t>
-            </a:r>
-            <a:endParaRPr lang="he-IL" dirty="0"/>
-          </a:p>
-        </p:txBody>
-      </p:sp>
-      <p:sp>
-        <p:nvSpPr>
-          <p:cNvPr id="3" name="Content Placeholder 2"/>
-          <p:cNvSpPr>
-            <a:spLocks noGrp="1"/>
-          </p:cNvSpPr>
-          <p:nvPr>
-            <p:ph idx="1"/>
-          </p:nvPr>
-        </p:nvSpPr>
-        <p:spPr/>
-        <p:txBody>
-          <a:bodyPr/>
-          <a:lstStyle/>
-          <a:p>
-            <a:endParaRPr lang="he-IL" dirty="0"/>
-          </a:p>
-        </p:txBody>
-      </p:sp>
+              <a:rPr lang="en-US" dirty="0"/>
+              <a:t>The Challenge – Single Image Deblurring </a:t>
+            </a:r>
+          </a:p>
+        </p:txBody>
+      </p:sp>
+      <mc:AlternateContent xmlns:mc="http://schemas.openxmlformats.org/markup-compatibility/2006">
+        <mc:Choice xmlns:a14="http://schemas.microsoft.com/office/drawing/2010/main" Requires="a14">
+          <p:sp>
+            <p:nvSpPr>
+              <p:cNvPr id="4" name="Content Placeholder 2"/>
+              <p:cNvSpPr>
+                <a:spLocks noGrp="1"/>
+              </p:cNvSpPr>
+              <p:nvPr>
+                <p:ph idx="1"/>
+              </p:nvPr>
+            </p:nvSpPr>
+            <p:spPr>
+              <a:xfrm>
+                <a:off x="838200" y="1825625"/>
+                <a:ext cx="10515600" cy="4351338"/>
+              </a:xfrm>
+            </p:spPr>
+            <p:txBody>
+              <a:bodyPr/>
+              <a:lstStyle/>
+              <a:p>
+                <a:r>
+                  <a:rPr lang="en-US" dirty="0"/>
+                  <a:t>Long exposure time causing camera shake (astronomy).</a:t>
+                </a:r>
+              </a:p>
+              <a:p>
+                <a:r>
+                  <a:rPr lang="en-US" dirty="0"/>
+                  <a:t>Lens aberrations (wide apertures).</a:t>
+                </a:r>
+              </a:p>
+              <a:p>
+                <a:r>
+                  <a:rPr lang="en-US" dirty="0"/>
+                  <a:t>Atmospheric turbulence (remote sensing).</a:t>
+                </a:r>
+              </a:p>
+              <a:p>
+                <a:r>
+                  <a:rPr lang="en-US" dirty="0"/>
+                  <a:t>Fast moving object (sports, highway roads).</a:t>
+                </a:r>
+              </a:p>
+              <a:p>
+                <a:r>
+                  <a:rPr lang="en-US" dirty="0"/>
+                  <a:t>Out of focus scene (small object photography).</a:t>
+                </a:r>
+              </a:p>
+              <a:p>
+                <a:r>
+                  <a:rPr lang="en-US" dirty="0"/>
+                  <a:t>Combination of all the above with noise such as low light conditions.</a:t>
+                </a:r>
+              </a:p>
+              <a:p>
+                <a:r>
+                  <a:rPr lang="en-US" dirty="0"/>
+                  <a:t>All the above are examples of inverse problem, meaning that both the “true” image and the noise are unknown:  </a:t>
+                </a:r>
+                <a14:m>
+                  <m:oMath xmlns:m="http://schemas.openxmlformats.org/officeDocument/2006/math">
+                    <m:r>
+                      <a:rPr lang="en-US" b="0" i="1" smtClean="0">
+                        <a:latin typeface="Cambria Math" panose="02040503050406030204" pitchFamily="18" charset="0"/>
+                      </a:rPr>
+                      <m:t>𝑦</m:t>
+                    </m:r>
+                    <m:r>
+                      <a:rPr lang="en-US" b="0" i="1" smtClean="0">
+                        <a:latin typeface="Cambria Math" panose="02040503050406030204" pitchFamily="18" charset="0"/>
+                      </a:rPr>
+                      <m:t>=</m:t>
+                    </m:r>
+                    <m:r>
+                      <a:rPr lang="en-US" b="0" i="1" smtClean="0">
+                        <a:latin typeface="Cambria Math" panose="02040503050406030204" pitchFamily="18" charset="0"/>
+                      </a:rPr>
+                      <m:t>𝑘</m:t>
+                    </m:r>
+                    <m:r>
+                      <a:rPr lang="en-US" b="0" i="1" smtClean="0">
+                        <a:latin typeface="Cambria Math" panose="02040503050406030204" pitchFamily="18" charset="0"/>
+                      </a:rPr>
+                      <m:t>∗</m:t>
+                    </m:r>
+                    <m:r>
+                      <a:rPr lang="en-US" b="0" i="1" smtClean="0">
+                        <a:latin typeface="Cambria Math" panose="02040503050406030204" pitchFamily="18" charset="0"/>
+                      </a:rPr>
+                      <m:t>𝑥</m:t>
+                    </m:r>
+                    <m:r>
+                      <a:rPr lang="en-US" b="0" i="1" smtClean="0">
+                        <a:latin typeface="Cambria Math" panose="02040503050406030204" pitchFamily="18" charset="0"/>
+                      </a:rPr>
+                      <m:t>+</m:t>
+                    </m:r>
+                    <m:r>
+                      <a:rPr lang="en-US" b="0" i="1" smtClean="0">
+                        <a:latin typeface="Cambria Math" panose="02040503050406030204" pitchFamily="18" charset="0"/>
+                      </a:rPr>
+                      <m:t>𝑛</m:t>
+                    </m:r>
+                  </m:oMath>
+                </a14:m>
+                <a:r>
+                  <a:rPr lang="en-US" dirty="0"/>
+                  <a:t>.</a:t>
+                </a:r>
+              </a:p>
+              <a:p>
+                <a:endParaRPr lang="he-IL" dirty="0"/>
+              </a:p>
+            </p:txBody>
+          </p:sp>
+        </mc:Choice>
+        <mc:Fallback>
+          <p:sp>
+            <p:nvSpPr>
+              <p:cNvPr id="4" name="Content Placeholder 2"/>
+              <p:cNvSpPr>
+                <a:spLocks noGrp="1" noRot="1" noChangeAspect="1" noMove="1" noResize="1" noEditPoints="1" noAdjustHandles="1" noChangeArrowheads="1" noChangeShapeType="1" noTextEdit="1"/>
+              </p:cNvSpPr>
+              <p:nvPr>
+                <p:ph idx="1"/>
+              </p:nvPr>
+            </p:nvSpPr>
+            <p:spPr>
+              <a:xfrm>
+                <a:off x="838200" y="1825625"/>
+                <a:ext cx="10515600" cy="4351338"/>
+              </a:xfrm>
+              <a:blipFill>
+                <a:blip r:embed="rId2"/>
+                <a:stretch>
+                  <a:fillRect l="-1043" t="-2241" r="-1739"/>
+                </a:stretch>
+              </a:blipFill>
+            </p:spPr>
+            <p:txBody>
+              <a:bodyPr/>
+              <a:lstStyle/>
+              <a:p>
+                <a:r>
+                  <a:rPr lang="en-US">
+                    <a:noFill/>
+                  </a:rPr>
+                  <a:t> </a:t>
+                </a:r>
+              </a:p>
+            </p:txBody>
+          </p:sp>
+        </mc:Fallback>
+      </mc:AlternateContent>
     </p:spTree>
     <p:extLst>
       <p:ext uri="{BB962C8B-B14F-4D97-AF65-F5344CB8AC3E}">
-        <p14:creationId xmlns:p14="http://schemas.microsoft.com/office/powerpoint/2010/main" val="4147391395"/>
+        <p14:creationId xmlns:p14="http://schemas.microsoft.com/office/powerpoint/2010/main" val="2478803395"/>
       </p:ext>
     </p:extLst>
   </p:cSld>
@@ -3687,29 +3823,125 @@
           <a:lstStyle/>
           <a:p>
             <a:r>
-              <a:rPr lang="en-US" dirty="0" smtClean="0"/>
-              <a:t>The </a:t>
-            </a:r>
-            <a:r>
               <a:rPr lang="en-US" dirty="0"/>
-              <a:t>P</a:t>
-            </a:r>
-            <a:r>
-              <a:rPr lang="en-US" dirty="0" smtClean="0"/>
-              <a:t>roposed </a:t>
-            </a:r>
+              <a:t>Methods of Deblurring</a:t>
+            </a:r>
+            <a:endParaRPr lang="he-IL" dirty="0"/>
+          </a:p>
+        </p:txBody>
+      </p:sp>
+      <p:sp>
+        <p:nvSpPr>
+          <p:cNvPr id="3" name="Content Placeholder 2"/>
+          <p:cNvSpPr>
+            <a:spLocks noGrp="1"/>
+          </p:cNvSpPr>
+          <p:nvPr>
+            <p:ph idx="1"/>
+          </p:nvPr>
+        </p:nvSpPr>
+        <p:spPr/>
+        <p:txBody>
+          <a:bodyPr>
+            <a:normAutofit/>
+          </a:bodyPr>
+          <a:lstStyle/>
+          <a:p>
             <a:r>
               <a:rPr lang="en-US" dirty="0"/>
-              <a:t>M</a:t>
-            </a:r>
-            <a:r>
-              <a:rPr lang="en-US" dirty="0" smtClean="0"/>
-              <a:t>ethod</a:t>
-            </a:r>
+              <a:t>Filtering (Inverse, Wiener, etc.).</a:t>
+            </a:r>
+          </a:p>
+          <a:p>
+            <a:r>
+              <a:rPr lang="en-US" dirty="0"/>
+              <a:t>Blind deconvolution with NN as blur estimator (restricted by different types of blur). </a:t>
+            </a:r>
+          </a:p>
+          <a:p>
+            <a:r>
+              <a:rPr lang="en-US" dirty="0"/>
+              <a:t>NN to inversely filter blurry images (learned inverse filter to deblur text).</a:t>
+            </a:r>
+          </a:p>
+          <a:p>
+            <a:r>
+              <a:rPr lang="en-US" dirty="0"/>
+              <a:t>learning-based approaches for blind deconvolution try to learn the deconvolution solution for a single image.</a:t>
+            </a:r>
+          </a:p>
+          <a:p>
+            <a:r>
+              <a:rPr lang="en-US" dirty="0"/>
+              <a:t>neural network to learn a general procedure that is directly applicable to </a:t>
+            </a:r>
+            <a:r>
+              <a:rPr lang="en-US" dirty="0" err="1"/>
+              <a:t>diffrent</a:t>
+            </a:r>
+            <a:r>
+              <a:rPr lang="en-US" dirty="0"/>
+              <a:t> images and blurs.</a:t>
+            </a:r>
+          </a:p>
+          <a:p>
             <a:endParaRPr lang="he-IL" dirty="0"/>
           </a:p>
         </p:txBody>
       </p:sp>
+    </p:spTree>
+    <p:extLst>
+      <p:ext uri="{BB962C8B-B14F-4D97-AF65-F5344CB8AC3E}">
+        <p14:creationId xmlns:p14="http://schemas.microsoft.com/office/powerpoint/2010/main" val="4147391395"/>
+      </p:ext>
+    </p:extLst>
+  </p:cSld>
+  <p:clrMapOvr>
+    <a:masterClrMapping/>
+  </p:clrMapOvr>
+</p:sld>
+</file>
+
+<file path=ppt/slides/slide5.xml><?xml version="1.0" encoding="utf-8"?>
+<p:sld xmlns:a="http://schemas.openxmlformats.org/drawingml/2006/main" xmlns:r="http://schemas.openxmlformats.org/officeDocument/2006/relationships" xmlns:p="http://schemas.openxmlformats.org/presentationml/2006/main">
+  <p:cSld>
+    <p:spTree>
+      <p:nvGrpSpPr>
+        <p:cNvPr id="1" name=""/>
+        <p:cNvGrpSpPr/>
+        <p:nvPr/>
+      </p:nvGrpSpPr>
+      <p:grpSpPr>
+        <a:xfrm>
+          <a:off x="0" y="0"/>
+          <a:ext cx="0" cy="0"/>
+          <a:chOff x="0" y="0"/>
+          <a:chExt cx="0" cy="0"/>
+        </a:xfrm>
+      </p:grpSpPr>
+      <p:sp>
+        <p:nvSpPr>
+          <p:cNvPr id="2" name="Title 1"/>
+          <p:cNvSpPr>
+            <a:spLocks noGrp="1"/>
+          </p:cNvSpPr>
+          <p:nvPr>
+            <p:ph type="title"/>
+          </p:nvPr>
+        </p:nvSpPr>
+        <p:spPr/>
+        <p:txBody>
+          <a:bodyPr/>
+          <a:lstStyle/>
+          <a:p>
+            <a:r>
+              <a:rPr lang="en-US" dirty="0"/>
+              <a:t>The Proposed Method</a:t>
+            </a:r>
+            <a:endParaRPr lang="he-IL" dirty="0"/>
+          </a:p>
+        </p:txBody>
+      </p:sp>
       <p:sp>
         <p:nvSpPr>
           <p:cNvPr id="3" name="Content Placeholder 2"/>
@@ -3725,6 +3957,22 @@
           <a:bodyPr/>
           <a:lstStyle/>
           <a:p>
+            <a:r>
+              <a:rPr lang="en-US" dirty="0"/>
+              <a:t>Scale-recurrent</a:t>
+            </a:r>
+          </a:p>
+          <a:p>
+            <a:r>
+              <a:rPr lang="en-US" dirty="0"/>
+              <a:t>What is multi-scale CNN?</a:t>
+            </a:r>
+          </a:p>
+          <a:p>
+            <a:r>
+              <a:rPr lang="en-US" dirty="0"/>
+              <a:t>What is Scale-recurrent CNN?</a:t>
+            </a:r>
             <a:endParaRPr lang="he-IL" dirty="0"/>
           </a:p>
         </p:txBody>

--- a/Slideshow/Scale-recurrent network for deblurring.pptx
+++ b/Slideshow/Scale-recurrent network for deblurring.pptx
@@ -3620,8 +3620,8 @@
           </a:p>
         </p:txBody>
       </p:sp>
-      <mc:AlternateContent xmlns:mc="http://schemas.openxmlformats.org/markup-compatibility/2006">
-        <mc:Choice xmlns:a14="http://schemas.microsoft.com/office/drawing/2010/main" Requires="a14">
+      <mc:AlternateContent xmlns:mc="http://schemas.openxmlformats.org/markup-compatibility/2006" xmlns:a14="http://schemas.microsoft.com/office/drawing/2010/main">
+        <mc:Choice Requires="a14">
           <p:sp>
             <p:nvSpPr>
               <p:cNvPr id="4" name="Content Placeholder 2"/>
@@ -3739,7 +3739,7 @@
             </p:txBody>
           </p:sp>
         </mc:Choice>
-        <mc:Fallback>
+        <mc:Fallback xmlns="">
           <p:sp>
             <p:nvSpPr>
               <p:cNvPr id="4" name="Content Placeholder 2"/>

--- a/Slideshow/Scale-recurrent network for deblurring.pptx
+++ b/Slideshow/Scale-recurrent network for deblurring.pptx
@@ -263,7 +263,7 @@
           <a:p>
             <a:fld id="{F3B86EC5-7C0C-4B78-9162-202D1C14F68C}" type="datetimeFigureOut">
               <a:rPr lang="en-US" smtClean="0"/>
-              <a:t>1/9/2021</a:t>
+              <a:t>1/10/2021</a:t>
             </a:fld>
             <a:endParaRPr lang="en-US"/>
           </a:p>
@@ -461,7 +461,7 @@
           <a:p>
             <a:fld id="{F3B86EC5-7C0C-4B78-9162-202D1C14F68C}" type="datetimeFigureOut">
               <a:rPr lang="en-US" smtClean="0"/>
-              <a:t>1/9/2021</a:t>
+              <a:t>1/10/2021</a:t>
             </a:fld>
             <a:endParaRPr lang="en-US"/>
           </a:p>
@@ -669,7 +669,7 @@
           <a:p>
             <a:fld id="{F3B86EC5-7C0C-4B78-9162-202D1C14F68C}" type="datetimeFigureOut">
               <a:rPr lang="en-US" smtClean="0"/>
-              <a:t>1/9/2021</a:t>
+              <a:t>1/10/2021</a:t>
             </a:fld>
             <a:endParaRPr lang="en-US"/>
           </a:p>
@@ -867,7 +867,7 @@
           <a:p>
             <a:fld id="{F3B86EC5-7C0C-4B78-9162-202D1C14F68C}" type="datetimeFigureOut">
               <a:rPr lang="en-US" smtClean="0"/>
-              <a:t>1/9/2021</a:t>
+              <a:t>1/10/2021</a:t>
             </a:fld>
             <a:endParaRPr lang="en-US"/>
           </a:p>
@@ -1142,7 +1142,7 @@
           <a:p>
             <a:fld id="{F3B86EC5-7C0C-4B78-9162-202D1C14F68C}" type="datetimeFigureOut">
               <a:rPr lang="en-US" smtClean="0"/>
-              <a:t>1/9/2021</a:t>
+              <a:t>1/10/2021</a:t>
             </a:fld>
             <a:endParaRPr lang="en-US"/>
           </a:p>
@@ -1407,7 +1407,7 @@
           <a:p>
             <a:fld id="{F3B86EC5-7C0C-4B78-9162-202D1C14F68C}" type="datetimeFigureOut">
               <a:rPr lang="en-US" smtClean="0"/>
-              <a:t>1/9/2021</a:t>
+              <a:t>1/10/2021</a:t>
             </a:fld>
             <a:endParaRPr lang="en-US"/>
           </a:p>
@@ -1819,7 +1819,7 @@
           <a:p>
             <a:fld id="{F3B86EC5-7C0C-4B78-9162-202D1C14F68C}" type="datetimeFigureOut">
               <a:rPr lang="en-US" smtClean="0"/>
-              <a:t>1/9/2021</a:t>
+              <a:t>1/10/2021</a:t>
             </a:fld>
             <a:endParaRPr lang="en-US"/>
           </a:p>
@@ -1960,7 +1960,7 @@
           <a:p>
             <a:fld id="{F3B86EC5-7C0C-4B78-9162-202D1C14F68C}" type="datetimeFigureOut">
               <a:rPr lang="en-US" smtClean="0"/>
-              <a:t>1/9/2021</a:t>
+              <a:t>1/10/2021</a:t>
             </a:fld>
             <a:endParaRPr lang="en-US"/>
           </a:p>
@@ -2073,7 +2073,7 @@
           <a:p>
             <a:fld id="{F3B86EC5-7C0C-4B78-9162-202D1C14F68C}" type="datetimeFigureOut">
               <a:rPr lang="en-US" smtClean="0"/>
-              <a:t>1/9/2021</a:t>
+              <a:t>1/10/2021</a:t>
             </a:fld>
             <a:endParaRPr lang="en-US"/>
           </a:p>
@@ -2384,7 +2384,7 @@
           <a:p>
             <a:fld id="{F3B86EC5-7C0C-4B78-9162-202D1C14F68C}" type="datetimeFigureOut">
               <a:rPr lang="en-US" smtClean="0"/>
-              <a:t>1/9/2021</a:t>
+              <a:t>1/10/2021</a:t>
             </a:fld>
             <a:endParaRPr lang="en-US"/>
           </a:p>
@@ -2672,7 +2672,7 @@
           <a:p>
             <a:fld id="{F3B86EC5-7C0C-4B78-9162-202D1C14F68C}" type="datetimeFigureOut">
               <a:rPr lang="en-US" smtClean="0"/>
-              <a:t>1/9/2021</a:t>
+              <a:t>1/10/2021</a:t>
             </a:fld>
             <a:endParaRPr lang="en-US"/>
           </a:p>
@@ -2913,7 +2913,7 @@
           <a:p>
             <a:fld id="{F3B86EC5-7C0C-4B78-9162-202D1C14F68C}" type="datetimeFigureOut">
               <a:rPr lang="en-US" smtClean="0"/>
-              <a:t>1/9/2021</a:t>
+              <a:t>1/10/2021</a:t>
             </a:fld>
             <a:endParaRPr lang="en-US"/>
           </a:p>

--- a/Slideshow/Scale-recurrent network for deblurring.pptx
+++ b/Slideshow/Scale-recurrent network for deblurring.pptx
@@ -2,14 +2,18 @@
 <file path=ppt/presentation.xml><?xml version="1.0" encoding="utf-8"?>
 <p:presentation xmlns:a="http://schemas.openxmlformats.org/drawingml/2006/main" xmlns:r="http://schemas.openxmlformats.org/officeDocument/2006/relationships" xmlns:p="http://schemas.openxmlformats.org/presentationml/2006/main" saveSubsetFonts="1">
   <p:sldMasterIdLst>
-    <p:sldMasterId id="2147483648" r:id="rId1"/>
+    <p:sldMasterId id="2147483660" r:id="rId1"/>
   </p:sldMasterIdLst>
+  <p:notesMasterIdLst>
+    <p:notesMasterId r:id="rId8"/>
+  </p:notesMasterIdLst>
   <p:sldIdLst>
     <p:sldId id="256" r:id="rId2"/>
     <p:sldId id="260" r:id="rId3"/>
     <p:sldId id="257" r:id="rId4"/>
     <p:sldId id="259" r:id="rId5"/>
     <p:sldId id="258" r:id="rId6"/>
+    <p:sldId id="261" r:id="rId7"/>
   </p:sldIdLst>
   <p:sldSz cx="12192000" cy="6858000"/>
   <p:notesSz cx="6858000" cy="9144000"/>
@@ -17,7 +21,7 @@
     <a:defPPr>
       <a:defRPr lang="en-US"/>
     </a:defPPr>
-    <a:lvl1pPr marL="0" algn="l" defTabSz="914400" rtl="0" eaLnBrk="1" latinLnBrk="0" hangingPunct="1">
+    <a:lvl1pPr marL="0" algn="l" defTabSz="457200" rtl="0" eaLnBrk="1" latinLnBrk="0" hangingPunct="1">
       <a:defRPr sz="1800" kern="1200">
         <a:solidFill>
           <a:schemeClr val="tx1"/>
@@ -27,7 +31,7 @@
         <a:cs typeface="+mn-cs"/>
       </a:defRPr>
     </a:lvl1pPr>
-    <a:lvl2pPr marL="457200" algn="l" defTabSz="914400" rtl="0" eaLnBrk="1" latinLnBrk="0" hangingPunct="1">
+    <a:lvl2pPr marL="457200" algn="l" defTabSz="457200" rtl="0" eaLnBrk="1" latinLnBrk="0" hangingPunct="1">
       <a:defRPr sz="1800" kern="1200">
         <a:solidFill>
           <a:schemeClr val="tx1"/>
@@ -37,7 +41,7 @@
         <a:cs typeface="+mn-cs"/>
       </a:defRPr>
     </a:lvl2pPr>
-    <a:lvl3pPr marL="914400" algn="l" defTabSz="914400" rtl="0" eaLnBrk="1" latinLnBrk="0" hangingPunct="1">
+    <a:lvl3pPr marL="914400" algn="l" defTabSz="457200" rtl="0" eaLnBrk="1" latinLnBrk="0" hangingPunct="1">
       <a:defRPr sz="1800" kern="1200">
         <a:solidFill>
           <a:schemeClr val="tx1"/>
@@ -47,7 +51,7 @@
         <a:cs typeface="+mn-cs"/>
       </a:defRPr>
     </a:lvl3pPr>
-    <a:lvl4pPr marL="1371600" algn="l" defTabSz="914400" rtl="0" eaLnBrk="1" latinLnBrk="0" hangingPunct="1">
+    <a:lvl4pPr marL="1371600" algn="l" defTabSz="457200" rtl="0" eaLnBrk="1" latinLnBrk="0" hangingPunct="1">
       <a:defRPr sz="1800" kern="1200">
         <a:solidFill>
           <a:schemeClr val="tx1"/>
@@ -57,7 +61,7 @@
         <a:cs typeface="+mn-cs"/>
       </a:defRPr>
     </a:lvl4pPr>
-    <a:lvl5pPr marL="1828800" algn="l" defTabSz="914400" rtl="0" eaLnBrk="1" latinLnBrk="0" hangingPunct="1">
+    <a:lvl5pPr marL="1828800" algn="l" defTabSz="457200" rtl="0" eaLnBrk="1" latinLnBrk="0" hangingPunct="1">
       <a:defRPr sz="1800" kern="1200">
         <a:solidFill>
           <a:schemeClr val="tx1"/>
@@ -67,7 +71,7 @@
         <a:cs typeface="+mn-cs"/>
       </a:defRPr>
     </a:lvl5pPr>
-    <a:lvl6pPr marL="2286000" algn="l" defTabSz="914400" rtl="0" eaLnBrk="1" latinLnBrk="0" hangingPunct="1">
+    <a:lvl6pPr marL="2286000" algn="l" defTabSz="457200" rtl="0" eaLnBrk="1" latinLnBrk="0" hangingPunct="1">
       <a:defRPr sz="1800" kern="1200">
         <a:solidFill>
           <a:schemeClr val="tx1"/>
@@ -77,7 +81,7 @@
         <a:cs typeface="+mn-cs"/>
       </a:defRPr>
     </a:lvl6pPr>
-    <a:lvl7pPr marL="2743200" algn="l" defTabSz="914400" rtl="0" eaLnBrk="1" latinLnBrk="0" hangingPunct="1">
+    <a:lvl7pPr marL="2743200" algn="l" defTabSz="457200" rtl="0" eaLnBrk="1" latinLnBrk="0" hangingPunct="1">
       <a:defRPr sz="1800" kern="1200">
         <a:solidFill>
           <a:schemeClr val="tx1"/>
@@ -87,7 +91,7 @@
         <a:cs typeface="+mn-cs"/>
       </a:defRPr>
     </a:lvl7pPr>
-    <a:lvl8pPr marL="3200400" algn="l" defTabSz="914400" rtl="0" eaLnBrk="1" latinLnBrk="0" hangingPunct="1">
+    <a:lvl8pPr marL="3200400" algn="l" defTabSz="457200" rtl="0" eaLnBrk="1" latinLnBrk="0" hangingPunct="1">
       <a:defRPr sz="1800" kern="1200">
         <a:solidFill>
           <a:schemeClr val="tx1"/>
@@ -97,7 +101,7 @@
         <a:cs typeface="+mn-cs"/>
       </a:defRPr>
     </a:lvl8pPr>
-    <a:lvl9pPr marL="3657600" algn="l" defTabSz="914400" rtl="0" eaLnBrk="1" latinLnBrk="0" hangingPunct="1">
+    <a:lvl9pPr marL="3657600" algn="l" defTabSz="457200" rtl="0" eaLnBrk="1" latinLnBrk="0" hangingPunct="1">
       <a:defRPr sz="1800" kern="1200">
         <a:solidFill>
           <a:schemeClr val="tx1"/>
@@ -114,6 +118,532 @@
     </p:ext>
   </p:extLst>
 </p:presentation>
+</file>
+
+<file path=ppt/notesMasters/notesMaster1.xml><?xml version="1.0" encoding="utf-8"?>
+<p:notesMaster xmlns:a="http://schemas.openxmlformats.org/drawingml/2006/main" xmlns:r="http://schemas.openxmlformats.org/officeDocument/2006/relationships" xmlns:p="http://schemas.openxmlformats.org/presentationml/2006/main">
+  <p:cSld>
+    <p:bg>
+      <p:bgRef idx="1001">
+        <a:schemeClr val="bg1"/>
+      </p:bgRef>
+    </p:bg>
+    <p:spTree>
+      <p:nvGrpSpPr>
+        <p:cNvPr id="1" name=""/>
+        <p:cNvGrpSpPr/>
+        <p:nvPr/>
+      </p:nvGrpSpPr>
+      <p:grpSpPr>
+        <a:xfrm>
+          <a:off x="0" y="0"/>
+          <a:ext cx="0" cy="0"/>
+          <a:chOff x="0" y="0"/>
+          <a:chExt cx="0" cy="0"/>
+        </a:xfrm>
+      </p:grpSpPr>
+      <p:sp>
+        <p:nvSpPr>
+          <p:cNvPr id="2" name="Header Placeholder 1"/>
+          <p:cNvSpPr>
+            <a:spLocks noGrp="1"/>
+          </p:cNvSpPr>
+          <p:nvPr>
+            <p:ph type="hdr" sz="quarter"/>
+          </p:nvPr>
+        </p:nvSpPr>
+        <p:spPr>
+          <a:xfrm>
+            <a:off x="0" y="0"/>
+            <a:ext cx="2971800" cy="458788"/>
+          </a:xfrm>
+          <a:prstGeom prst="rect">
+            <a:avLst/>
+          </a:prstGeom>
+        </p:spPr>
+        <p:txBody>
+          <a:bodyPr vert="horz" lIns="91440" tIns="45720" rIns="91440" bIns="45720" rtlCol="0"/>
+          <a:lstStyle>
+            <a:lvl1pPr algn="l">
+              <a:defRPr sz="1200"/>
+            </a:lvl1pPr>
+          </a:lstStyle>
+          <a:p>
+            <a:endParaRPr lang="en-US"/>
+          </a:p>
+        </p:txBody>
+      </p:sp>
+      <p:sp>
+        <p:nvSpPr>
+          <p:cNvPr id="3" name="Date Placeholder 2"/>
+          <p:cNvSpPr>
+            <a:spLocks noGrp="1"/>
+          </p:cNvSpPr>
+          <p:nvPr>
+            <p:ph type="dt" idx="1"/>
+          </p:nvPr>
+        </p:nvSpPr>
+        <p:spPr>
+          <a:xfrm>
+            <a:off x="3884613" y="0"/>
+            <a:ext cx="2971800" cy="458788"/>
+          </a:xfrm>
+          <a:prstGeom prst="rect">
+            <a:avLst/>
+          </a:prstGeom>
+        </p:spPr>
+        <p:txBody>
+          <a:bodyPr vert="horz" lIns="91440" tIns="45720" rIns="91440" bIns="45720" rtlCol="0"/>
+          <a:lstStyle>
+            <a:lvl1pPr algn="r">
+              <a:defRPr sz="1200"/>
+            </a:lvl1pPr>
+          </a:lstStyle>
+          <a:p>
+            <a:fld id="{90D6B5CC-58E5-4C9F-BB10-8E58567DCFC1}" type="datetimeFigureOut">
+              <a:rPr lang="en-US" smtClean="0"/>
+              <a:t>1/10/2021</a:t>
+            </a:fld>
+            <a:endParaRPr lang="en-US"/>
+          </a:p>
+        </p:txBody>
+      </p:sp>
+      <p:sp>
+        <p:nvSpPr>
+          <p:cNvPr id="4" name="Slide Image Placeholder 3"/>
+          <p:cNvSpPr>
+            <a:spLocks noGrp="1" noRot="1" noChangeAspect="1"/>
+          </p:cNvSpPr>
+          <p:nvPr>
+            <p:ph type="sldImg" idx="2"/>
+          </p:nvPr>
+        </p:nvSpPr>
+        <p:spPr>
+          <a:xfrm>
+            <a:off x="685800" y="1143000"/>
+            <a:ext cx="5486400" cy="3086100"/>
+          </a:xfrm>
+          <a:prstGeom prst="rect">
+            <a:avLst/>
+          </a:prstGeom>
+          <a:noFill/>
+          <a:ln w="12700">
+            <a:solidFill>
+              <a:prstClr val="black"/>
+            </a:solidFill>
+          </a:ln>
+        </p:spPr>
+        <p:txBody>
+          <a:bodyPr vert="horz" lIns="91440" tIns="45720" rIns="91440" bIns="45720" rtlCol="0" anchor="ctr"/>
+          <a:lstStyle/>
+          <a:p>
+            <a:endParaRPr lang="en-US"/>
+          </a:p>
+        </p:txBody>
+      </p:sp>
+      <p:sp>
+        <p:nvSpPr>
+          <p:cNvPr id="5" name="Notes Placeholder 4"/>
+          <p:cNvSpPr>
+            <a:spLocks noGrp="1"/>
+          </p:cNvSpPr>
+          <p:nvPr>
+            <p:ph type="body" sz="quarter" idx="3"/>
+          </p:nvPr>
+        </p:nvSpPr>
+        <p:spPr>
+          <a:xfrm>
+            <a:off x="685800" y="4400550"/>
+            <a:ext cx="5486400" cy="3600450"/>
+          </a:xfrm>
+          <a:prstGeom prst="rect">
+            <a:avLst/>
+          </a:prstGeom>
+        </p:spPr>
+        <p:txBody>
+          <a:bodyPr vert="horz" lIns="91440" tIns="45720" rIns="91440" bIns="45720" rtlCol="0"/>
+          <a:lstStyle/>
+          <a:p>
+            <a:pPr lvl="0"/>
+            <a:r>
+              <a:rPr lang="en-US"/>
+              <a:t>Click to edit Master text styles</a:t>
+            </a:r>
+          </a:p>
+          <a:p>
+            <a:pPr lvl="1"/>
+            <a:r>
+              <a:rPr lang="en-US"/>
+              <a:t>Second level</a:t>
+            </a:r>
+          </a:p>
+          <a:p>
+            <a:pPr lvl="2"/>
+            <a:r>
+              <a:rPr lang="en-US"/>
+              <a:t>Third level</a:t>
+            </a:r>
+          </a:p>
+          <a:p>
+            <a:pPr lvl="3"/>
+            <a:r>
+              <a:rPr lang="en-US"/>
+              <a:t>Fourth level</a:t>
+            </a:r>
+          </a:p>
+          <a:p>
+            <a:pPr lvl="4"/>
+            <a:r>
+              <a:rPr lang="en-US"/>
+              <a:t>Fifth level</a:t>
+            </a:r>
+          </a:p>
+        </p:txBody>
+      </p:sp>
+      <p:sp>
+        <p:nvSpPr>
+          <p:cNvPr id="6" name="Footer Placeholder 5"/>
+          <p:cNvSpPr>
+            <a:spLocks noGrp="1"/>
+          </p:cNvSpPr>
+          <p:nvPr>
+            <p:ph type="ftr" sz="quarter" idx="4"/>
+          </p:nvPr>
+        </p:nvSpPr>
+        <p:spPr>
+          <a:xfrm>
+            <a:off x="0" y="8685213"/>
+            <a:ext cx="2971800" cy="458787"/>
+          </a:xfrm>
+          <a:prstGeom prst="rect">
+            <a:avLst/>
+          </a:prstGeom>
+        </p:spPr>
+        <p:txBody>
+          <a:bodyPr vert="horz" lIns="91440" tIns="45720" rIns="91440" bIns="45720" rtlCol="0" anchor="b"/>
+          <a:lstStyle>
+            <a:lvl1pPr algn="l">
+              <a:defRPr sz="1200"/>
+            </a:lvl1pPr>
+          </a:lstStyle>
+          <a:p>
+            <a:endParaRPr lang="en-US"/>
+          </a:p>
+        </p:txBody>
+      </p:sp>
+      <p:sp>
+        <p:nvSpPr>
+          <p:cNvPr id="7" name="Slide Number Placeholder 6"/>
+          <p:cNvSpPr>
+            <a:spLocks noGrp="1"/>
+          </p:cNvSpPr>
+          <p:nvPr>
+            <p:ph type="sldNum" sz="quarter" idx="5"/>
+          </p:nvPr>
+        </p:nvSpPr>
+        <p:spPr>
+          <a:xfrm>
+            <a:off x="3884613" y="8685213"/>
+            <a:ext cx="2971800" cy="458787"/>
+          </a:xfrm>
+          <a:prstGeom prst="rect">
+            <a:avLst/>
+          </a:prstGeom>
+        </p:spPr>
+        <p:txBody>
+          <a:bodyPr vert="horz" lIns="91440" tIns="45720" rIns="91440" bIns="45720" rtlCol="0" anchor="b"/>
+          <a:lstStyle>
+            <a:lvl1pPr algn="r">
+              <a:defRPr sz="1200"/>
+            </a:lvl1pPr>
+          </a:lstStyle>
+          <a:p>
+            <a:fld id="{D1424380-F98C-4904-AD4B-4459796C3B26}" type="slidenum">
+              <a:rPr lang="en-US" smtClean="0"/>
+              <a:t>‹#›</a:t>
+            </a:fld>
+            <a:endParaRPr lang="en-US"/>
+          </a:p>
+        </p:txBody>
+      </p:sp>
+    </p:spTree>
+    <p:extLst>
+      <p:ext uri="{BB962C8B-B14F-4D97-AF65-F5344CB8AC3E}">
+        <p14:creationId xmlns:p14="http://schemas.microsoft.com/office/powerpoint/2010/main" val="941073053"/>
+      </p:ext>
+    </p:extLst>
+  </p:cSld>
+  <p:clrMap bg1="lt1" tx1="dk1" bg2="lt2" tx2="dk2" accent1="accent1" accent2="accent2" accent3="accent3" accent4="accent4" accent5="accent5" accent6="accent6" hlink="hlink" folHlink="folHlink"/>
+  <p:notesStyle>
+    <a:lvl1pPr marL="0" algn="l" defTabSz="914400" rtl="0" eaLnBrk="1" latinLnBrk="0" hangingPunct="1">
+      <a:defRPr sz="1200" kern="1200">
+        <a:solidFill>
+          <a:schemeClr val="tx1"/>
+        </a:solidFill>
+        <a:latin typeface="+mn-lt"/>
+        <a:ea typeface="+mn-ea"/>
+        <a:cs typeface="+mn-cs"/>
+      </a:defRPr>
+    </a:lvl1pPr>
+    <a:lvl2pPr marL="457200" algn="l" defTabSz="914400" rtl="0" eaLnBrk="1" latinLnBrk="0" hangingPunct="1">
+      <a:defRPr sz="1200" kern="1200">
+        <a:solidFill>
+          <a:schemeClr val="tx1"/>
+        </a:solidFill>
+        <a:latin typeface="+mn-lt"/>
+        <a:ea typeface="+mn-ea"/>
+        <a:cs typeface="+mn-cs"/>
+      </a:defRPr>
+    </a:lvl2pPr>
+    <a:lvl3pPr marL="914400" algn="l" defTabSz="914400" rtl="0" eaLnBrk="1" latinLnBrk="0" hangingPunct="1">
+      <a:defRPr sz="1200" kern="1200">
+        <a:solidFill>
+          <a:schemeClr val="tx1"/>
+        </a:solidFill>
+        <a:latin typeface="+mn-lt"/>
+        <a:ea typeface="+mn-ea"/>
+        <a:cs typeface="+mn-cs"/>
+      </a:defRPr>
+    </a:lvl3pPr>
+    <a:lvl4pPr marL="1371600" algn="l" defTabSz="914400" rtl="0" eaLnBrk="1" latinLnBrk="0" hangingPunct="1">
+      <a:defRPr sz="1200" kern="1200">
+        <a:solidFill>
+          <a:schemeClr val="tx1"/>
+        </a:solidFill>
+        <a:latin typeface="+mn-lt"/>
+        <a:ea typeface="+mn-ea"/>
+        <a:cs typeface="+mn-cs"/>
+      </a:defRPr>
+    </a:lvl4pPr>
+    <a:lvl5pPr marL="1828800" algn="l" defTabSz="914400" rtl="0" eaLnBrk="1" latinLnBrk="0" hangingPunct="1">
+      <a:defRPr sz="1200" kern="1200">
+        <a:solidFill>
+          <a:schemeClr val="tx1"/>
+        </a:solidFill>
+        <a:latin typeface="+mn-lt"/>
+        <a:ea typeface="+mn-ea"/>
+        <a:cs typeface="+mn-cs"/>
+      </a:defRPr>
+    </a:lvl5pPr>
+    <a:lvl6pPr marL="2286000" algn="l" defTabSz="914400" rtl="0" eaLnBrk="1" latinLnBrk="0" hangingPunct="1">
+      <a:defRPr sz="1200" kern="1200">
+        <a:solidFill>
+          <a:schemeClr val="tx1"/>
+        </a:solidFill>
+        <a:latin typeface="+mn-lt"/>
+        <a:ea typeface="+mn-ea"/>
+        <a:cs typeface="+mn-cs"/>
+      </a:defRPr>
+    </a:lvl6pPr>
+    <a:lvl7pPr marL="2743200" algn="l" defTabSz="914400" rtl="0" eaLnBrk="1" latinLnBrk="0" hangingPunct="1">
+      <a:defRPr sz="1200" kern="1200">
+        <a:solidFill>
+          <a:schemeClr val="tx1"/>
+        </a:solidFill>
+        <a:latin typeface="+mn-lt"/>
+        <a:ea typeface="+mn-ea"/>
+        <a:cs typeface="+mn-cs"/>
+      </a:defRPr>
+    </a:lvl7pPr>
+    <a:lvl8pPr marL="3200400" algn="l" defTabSz="914400" rtl="0" eaLnBrk="1" latinLnBrk="0" hangingPunct="1">
+      <a:defRPr sz="1200" kern="1200">
+        <a:solidFill>
+          <a:schemeClr val="tx1"/>
+        </a:solidFill>
+        <a:latin typeface="+mn-lt"/>
+        <a:ea typeface="+mn-ea"/>
+        <a:cs typeface="+mn-cs"/>
+      </a:defRPr>
+    </a:lvl8pPr>
+    <a:lvl9pPr marL="3657600" algn="l" defTabSz="914400" rtl="0" eaLnBrk="1" latinLnBrk="0" hangingPunct="1">
+      <a:defRPr sz="1200" kern="1200">
+        <a:solidFill>
+          <a:schemeClr val="tx1"/>
+        </a:solidFill>
+        <a:latin typeface="+mn-lt"/>
+        <a:ea typeface="+mn-ea"/>
+        <a:cs typeface="+mn-cs"/>
+      </a:defRPr>
+    </a:lvl9pPr>
+  </p:notesStyle>
+</p:notesMaster>
+</file>
+
+<file path=ppt/notesSlides/notesSlide1.xml><?xml version="1.0" encoding="utf-8"?>
+<p:notes xmlns:a="http://schemas.openxmlformats.org/drawingml/2006/main" xmlns:r="http://schemas.openxmlformats.org/officeDocument/2006/relationships" xmlns:p="http://schemas.openxmlformats.org/presentationml/2006/main">
+  <p:cSld>
+    <p:spTree>
+      <p:nvGrpSpPr>
+        <p:cNvPr id="1" name=""/>
+        <p:cNvGrpSpPr/>
+        <p:nvPr/>
+      </p:nvGrpSpPr>
+      <p:grpSpPr>
+        <a:xfrm>
+          <a:off x="0" y="0"/>
+          <a:ext cx="0" cy="0"/>
+          <a:chOff x="0" y="0"/>
+          <a:chExt cx="0" cy="0"/>
+        </a:xfrm>
+      </p:grpSpPr>
+      <p:sp>
+        <p:nvSpPr>
+          <p:cNvPr id="2" name="Slide Image Placeholder 1"/>
+          <p:cNvSpPr>
+            <a:spLocks noGrp="1" noRot="1" noChangeAspect="1"/>
+          </p:cNvSpPr>
+          <p:nvPr>
+            <p:ph type="sldImg"/>
+          </p:nvPr>
+        </p:nvSpPr>
+        <p:spPr/>
+      </p:sp>
+      <p:sp>
+        <p:nvSpPr>
+          <p:cNvPr id="3" name="Notes Placeholder 2"/>
+          <p:cNvSpPr>
+            <a:spLocks noGrp="1"/>
+          </p:cNvSpPr>
+          <p:nvPr>
+            <p:ph type="body" idx="1"/>
+          </p:nvPr>
+        </p:nvSpPr>
+        <p:spPr/>
+        <p:txBody>
+          <a:bodyPr/>
+          <a:lstStyle/>
+          <a:p>
+            <a:pPr algn="r" rtl="1"/>
+            <a:r>
+              <a:rPr lang="he-IL" dirty="0"/>
+              <a:t>האתגר אותו מנסה המחקר לפתור או להציג דרך חדשנית לפתרון הבעיה הוא שחזור תמונה מטושטשת בהינתן תמונה יחידה. מהם הגורמים לטשטוש? חשיפה ארוכה של חיישן המצלמה, גורמת לתמונה מטושטשת כאשר המצלמה אינה יציבה מספיק. עיוותים מהעדשה, כאשר המפתח של העדשה הוא רחב עיוותים שונים מתרחשים עקב עקמומיות אור שונה עבור אורכי גל שונים. דימות דרך אטמוספרה כמו שראינו בהרצאה גורם לטשטוש במעבר דרך תווך. אובייקטים שנעים מהר, כמו שלמדנו בקורס ישנם טשטושים של מהירות קבועה או מואצת. צילום מחוץ לשדה המוקד, יגרום לתמונה מטושטשת עבור האובייקטים שמחות לשדה המוקד. כל המוזכרים יהיו משולבים בהרבה מקרים עם תנאי תאורה נמוכים ועוד אלמנטים שמכניסים רעש נוסף לטשטוש. אלו הם דוגמאות לבעיה "</a:t>
+            </a:r>
+            <a:r>
+              <a:rPr lang="he-IL"/>
+              <a:t>הפוכה", גם התמונה וגם הרעש/טשטוש הם לא ידועים ולכן קשה לשחזר את התמונה הנקייה.</a:t>
+            </a:r>
+            <a:endParaRPr lang="en-US" dirty="0"/>
+          </a:p>
+        </p:txBody>
+      </p:sp>
+      <p:sp>
+        <p:nvSpPr>
+          <p:cNvPr id="4" name="Slide Number Placeholder 3"/>
+          <p:cNvSpPr>
+            <a:spLocks noGrp="1"/>
+          </p:cNvSpPr>
+          <p:nvPr>
+            <p:ph type="sldNum" sz="quarter" idx="5"/>
+          </p:nvPr>
+        </p:nvSpPr>
+        <p:spPr/>
+        <p:txBody>
+          <a:bodyPr/>
+          <a:lstStyle/>
+          <a:p>
+            <a:fld id="{D1424380-F98C-4904-AD4B-4459796C3B26}" type="slidenum">
+              <a:rPr lang="en-US" smtClean="0"/>
+              <a:t>3</a:t>
+            </a:fld>
+            <a:endParaRPr lang="en-US"/>
+          </a:p>
+        </p:txBody>
+      </p:sp>
+    </p:spTree>
+    <p:extLst>
+      <p:ext uri="{BB962C8B-B14F-4D97-AF65-F5344CB8AC3E}">
+        <p14:creationId xmlns:p14="http://schemas.microsoft.com/office/powerpoint/2010/main" val="3542114536"/>
+      </p:ext>
+    </p:extLst>
+  </p:cSld>
+  <p:clrMapOvr>
+    <a:masterClrMapping/>
+  </p:clrMapOvr>
+</p:notes>
+</file>
+
+<file path=ppt/notesSlides/notesSlide2.xml><?xml version="1.0" encoding="utf-8"?>
+<p:notes xmlns:a="http://schemas.openxmlformats.org/drawingml/2006/main" xmlns:r="http://schemas.openxmlformats.org/officeDocument/2006/relationships" xmlns:p="http://schemas.openxmlformats.org/presentationml/2006/main">
+  <p:cSld>
+    <p:spTree>
+      <p:nvGrpSpPr>
+        <p:cNvPr id="1" name=""/>
+        <p:cNvGrpSpPr/>
+        <p:nvPr/>
+      </p:nvGrpSpPr>
+      <p:grpSpPr>
+        <a:xfrm>
+          <a:off x="0" y="0"/>
+          <a:ext cx="0" cy="0"/>
+          <a:chOff x="0" y="0"/>
+          <a:chExt cx="0" cy="0"/>
+        </a:xfrm>
+      </p:grpSpPr>
+      <p:sp>
+        <p:nvSpPr>
+          <p:cNvPr id="2" name="Slide Image Placeholder 1"/>
+          <p:cNvSpPr>
+            <a:spLocks noGrp="1" noRot="1" noChangeAspect="1"/>
+          </p:cNvSpPr>
+          <p:nvPr>
+            <p:ph type="sldImg"/>
+          </p:nvPr>
+        </p:nvSpPr>
+        <p:spPr/>
+      </p:sp>
+      <p:sp>
+        <p:nvSpPr>
+          <p:cNvPr id="3" name="Notes Placeholder 2"/>
+          <p:cNvSpPr>
+            <a:spLocks noGrp="1"/>
+          </p:cNvSpPr>
+          <p:nvPr>
+            <p:ph type="body" idx="1"/>
+          </p:nvPr>
+        </p:nvSpPr>
+        <p:spPr/>
+        <p:txBody>
+          <a:bodyPr/>
+          <a:lstStyle/>
+          <a:p>
+            <a:endParaRPr lang="en-US" dirty="0"/>
+          </a:p>
+        </p:txBody>
+      </p:sp>
+      <p:sp>
+        <p:nvSpPr>
+          <p:cNvPr id="4" name="Slide Number Placeholder 3"/>
+          <p:cNvSpPr>
+            <a:spLocks noGrp="1"/>
+          </p:cNvSpPr>
+          <p:nvPr>
+            <p:ph type="sldNum" sz="quarter" idx="5"/>
+          </p:nvPr>
+        </p:nvSpPr>
+        <p:spPr/>
+        <p:txBody>
+          <a:bodyPr/>
+          <a:lstStyle/>
+          <a:p>
+            <a:fld id="{D1424380-F98C-4904-AD4B-4459796C3B26}" type="slidenum">
+              <a:rPr lang="en-US" smtClean="0"/>
+              <a:t>4</a:t>
+            </a:fld>
+            <a:endParaRPr lang="en-US"/>
+          </a:p>
+        </p:txBody>
+      </p:sp>
+    </p:spTree>
+    <p:extLst>
+      <p:ext uri="{BB962C8B-B14F-4D97-AF65-F5344CB8AC3E}">
+        <p14:creationId xmlns:p14="http://schemas.microsoft.com/office/powerpoint/2010/main" val="1415483965"/>
+      </p:ext>
+    </p:extLst>
+  </p:cSld>
+  <p:clrMapOvr>
+    <a:masterClrMapping/>
+  </p:clrMapOvr>
+</p:notes>
 </file>
 
 <file path=ppt/slideLayouts/slideLayout1.xml><?xml version="1.0" encoding="utf-8"?>
@@ -135,13 +665,7 @@
       </p:grpSpPr>
       <p:sp>
         <p:nvSpPr>
-          <p:cNvPr id="2" name="Title 1">
-            <a:extLst>
-              <a:ext uri="{FF2B5EF4-FFF2-40B4-BE49-F238E27FC236}">
-                <a16:creationId xmlns:a16="http://schemas.microsoft.com/office/drawing/2014/main" id="{05968C6B-E591-47BB-906C-BFFE991C0508}"/>
-              </a:ext>
-            </a:extLst>
-          </p:cNvPr>
+          <p:cNvPr id="2" name="Title 1"/>
           <p:cNvSpPr>
             <a:spLocks noGrp="1"/>
           </p:cNvSpPr>
@@ -167,18 +691,13 @@
               <a:rPr lang="en-US"/>
               <a:t>Click to edit Master title style</a:t>
             </a:r>
-          </a:p>
-        </p:txBody>
-      </p:sp>
-      <p:sp>
-        <p:nvSpPr>
-          <p:cNvPr id="3" name="Subtitle 2">
-            <a:extLst>
-              <a:ext uri="{FF2B5EF4-FFF2-40B4-BE49-F238E27FC236}">
-                <a16:creationId xmlns:a16="http://schemas.microsoft.com/office/drawing/2014/main" id="{4267254C-ADEC-4FB8-9CF1-BC311A4990DB}"/>
-              </a:ext>
-            </a:extLst>
-          </p:cNvPr>
+            <a:endParaRPr lang="en-US" dirty="0"/>
+          </a:p>
+        </p:txBody>
+      </p:sp>
+      <p:sp>
+        <p:nvSpPr>
+          <p:cNvPr id="3" name="Subtitle 2"/>
           <p:cNvSpPr>
             <a:spLocks noGrp="1"/>
           </p:cNvSpPr>
@@ -237,18 +756,13 @@
               <a:rPr lang="en-US"/>
               <a:t>Click to edit Master subtitle style</a:t>
             </a:r>
-          </a:p>
-        </p:txBody>
-      </p:sp>
-      <p:sp>
-        <p:nvSpPr>
-          <p:cNvPr id="4" name="Date Placeholder 3">
-            <a:extLst>
-              <a:ext uri="{FF2B5EF4-FFF2-40B4-BE49-F238E27FC236}">
-                <a16:creationId xmlns:a16="http://schemas.microsoft.com/office/drawing/2014/main" id="{839794F9-0F1E-4409-AD57-E1224F382E30}"/>
-              </a:ext>
-            </a:extLst>
-          </p:cNvPr>
+            <a:endParaRPr lang="en-US" dirty="0"/>
+          </a:p>
+        </p:txBody>
+      </p:sp>
+      <p:sp>
+        <p:nvSpPr>
+          <p:cNvPr id="4" name="Date Placeholder 3"/>
           <p:cNvSpPr>
             <a:spLocks noGrp="1"/>
           </p:cNvSpPr>
@@ -271,13 +785,7 @@
       </p:sp>
       <p:sp>
         <p:nvSpPr>
-          <p:cNvPr id="5" name="Footer Placeholder 4">
-            <a:extLst>
-              <a:ext uri="{FF2B5EF4-FFF2-40B4-BE49-F238E27FC236}">
-                <a16:creationId xmlns:a16="http://schemas.microsoft.com/office/drawing/2014/main" id="{AD854630-4983-4848-B756-5AD9A44438C5}"/>
-              </a:ext>
-            </a:extLst>
-          </p:cNvPr>
+          <p:cNvPr id="5" name="Footer Placeholder 4"/>
           <p:cNvSpPr>
             <a:spLocks noGrp="1"/>
           </p:cNvSpPr>
@@ -296,13 +804,7 @@
       </p:sp>
       <p:sp>
         <p:nvSpPr>
-          <p:cNvPr id="6" name="Slide Number Placeholder 5">
-            <a:extLst>
-              <a:ext uri="{FF2B5EF4-FFF2-40B4-BE49-F238E27FC236}">
-                <a16:creationId xmlns:a16="http://schemas.microsoft.com/office/drawing/2014/main" id="{1AFB11E3-6732-47CD-949C-2F111C409BE2}"/>
-              </a:ext>
-            </a:extLst>
-          </p:cNvPr>
+          <p:cNvPr id="6" name="Slide Number Placeholder 5"/>
           <p:cNvSpPr>
             <a:spLocks noGrp="1"/>
           </p:cNvSpPr>
@@ -326,7 +828,7 @@
     </p:spTree>
     <p:extLst>
       <p:ext uri="{BB962C8B-B14F-4D97-AF65-F5344CB8AC3E}">
-        <p14:creationId xmlns:p14="http://schemas.microsoft.com/office/powerpoint/2010/main" val="119595493"/>
+        <p14:creationId xmlns:p14="http://schemas.microsoft.com/office/powerpoint/2010/main" val="3026449274"/>
       </p:ext>
     </p:extLst>
   </p:cSld>
@@ -355,13 +857,7 @@
       </p:grpSpPr>
       <p:sp>
         <p:nvSpPr>
-          <p:cNvPr id="2" name="Title 1">
-            <a:extLst>
-              <a:ext uri="{FF2B5EF4-FFF2-40B4-BE49-F238E27FC236}">
-                <a16:creationId xmlns:a16="http://schemas.microsoft.com/office/drawing/2014/main" id="{79726E9F-F16F-427B-B9C3-FC1C742260D7}"/>
-              </a:ext>
-            </a:extLst>
-          </p:cNvPr>
+          <p:cNvPr id="2" name="Title 1"/>
           <p:cNvSpPr>
             <a:spLocks noGrp="1"/>
           </p:cNvSpPr>
@@ -378,18 +874,13 @@
               <a:rPr lang="en-US"/>
               <a:t>Click to edit Master title style</a:t>
             </a:r>
-          </a:p>
-        </p:txBody>
-      </p:sp>
-      <p:sp>
-        <p:nvSpPr>
-          <p:cNvPr id="3" name="Vertical Text Placeholder 2">
-            <a:extLst>
-              <a:ext uri="{FF2B5EF4-FFF2-40B4-BE49-F238E27FC236}">
-                <a16:creationId xmlns:a16="http://schemas.microsoft.com/office/drawing/2014/main" id="{1DB0D504-E0BC-493D-AEDB-8D04EC4778C2}"/>
-              </a:ext>
-            </a:extLst>
-          </p:cNvPr>
+            <a:endParaRPr lang="en-US" dirty="0"/>
+          </a:p>
+        </p:txBody>
+      </p:sp>
+      <p:sp>
+        <p:nvSpPr>
+          <p:cNvPr id="3" name="Vertical Text Placeholder 2"/>
           <p:cNvSpPr>
             <a:spLocks noGrp="1"/>
           </p:cNvSpPr>
@@ -435,18 +926,13 @@
               <a:rPr lang="en-US"/>
               <a:t>Fifth level</a:t>
             </a:r>
-          </a:p>
-        </p:txBody>
-      </p:sp>
-      <p:sp>
-        <p:nvSpPr>
-          <p:cNvPr id="4" name="Date Placeholder 3">
-            <a:extLst>
-              <a:ext uri="{FF2B5EF4-FFF2-40B4-BE49-F238E27FC236}">
-                <a16:creationId xmlns:a16="http://schemas.microsoft.com/office/drawing/2014/main" id="{79D47477-5EA1-44FC-9EF9-91B8A0008123}"/>
-              </a:ext>
-            </a:extLst>
-          </p:cNvPr>
+            <a:endParaRPr lang="en-US" dirty="0"/>
+          </a:p>
+        </p:txBody>
+      </p:sp>
+      <p:sp>
+        <p:nvSpPr>
+          <p:cNvPr id="4" name="Date Placeholder 3"/>
           <p:cNvSpPr>
             <a:spLocks noGrp="1"/>
           </p:cNvSpPr>
@@ -469,13 +955,7 @@
       </p:sp>
       <p:sp>
         <p:nvSpPr>
-          <p:cNvPr id="5" name="Footer Placeholder 4">
-            <a:extLst>
-              <a:ext uri="{FF2B5EF4-FFF2-40B4-BE49-F238E27FC236}">
-                <a16:creationId xmlns:a16="http://schemas.microsoft.com/office/drawing/2014/main" id="{10ADBBB3-2904-4E91-87C4-D1B6B5B9EE68}"/>
-              </a:ext>
-            </a:extLst>
-          </p:cNvPr>
+          <p:cNvPr id="5" name="Footer Placeholder 4"/>
           <p:cNvSpPr>
             <a:spLocks noGrp="1"/>
           </p:cNvSpPr>
@@ -494,13 +974,7 @@
       </p:sp>
       <p:sp>
         <p:nvSpPr>
-          <p:cNvPr id="6" name="Slide Number Placeholder 5">
-            <a:extLst>
-              <a:ext uri="{FF2B5EF4-FFF2-40B4-BE49-F238E27FC236}">
-                <a16:creationId xmlns:a16="http://schemas.microsoft.com/office/drawing/2014/main" id="{C27D7D66-6B8E-4F3C-96B0-EB6CE96418DB}"/>
-              </a:ext>
-            </a:extLst>
-          </p:cNvPr>
+          <p:cNvPr id="6" name="Slide Number Placeholder 5"/>
           <p:cNvSpPr>
             <a:spLocks noGrp="1"/>
           </p:cNvSpPr>
@@ -524,7 +998,7 @@
     </p:spTree>
     <p:extLst>
       <p:ext uri="{BB962C8B-B14F-4D97-AF65-F5344CB8AC3E}">
-        <p14:creationId xmlns:p14="http://schemas.microsoft.com/office/powerpoint/2010/main" val="2609515289"/>
+        <p14:creationId xmlns:p14="http://schemas.microsoft.com/office/powerpoint/2010/main" val="4197301470"/>
       </p:ext>
     </p:extLst>
   </p:cSld>
@@ -553,13 +1027,7 @@
       </p:grpSpPr>
       <p:sp>
         <p:nvSpPr>
-          <p:cNvPr id="2" name="Vertical Title 1">
-            <a:extLst>
-              <a:ext uri="{FF2B5EF4-FFF2-40B4-BE49-F238E27FC236}">
-                <a16:creationId xmlns:a16="http://schemas.microsoft.com/office/drawing/2014/main" id="{F14FB8B9-CD9C-414A-9AD5-927F4319B3CC}"/>
-              </a:ext>
-            </a:extLst>
-          </p:cNvPr>
+          <p:cNvPr id="2" name="Vertical Title 1"/>
           <p:cNvSpPr>
             <a:spLocks noGrp="1"/>
           </p:cNvSpPr>
@@ -581,18 +1049,13 @@
               <a:rPr lang="en-US"/>
               <a:t>Click to edit Master title style</a:t>
             </a:r>
-          </a:p>
-        </p:txBody>
-      </p:sp>
-      <p:sp>
-        <p:nvSpPr>
-          <p:cNvPr id="3" name="Vertical Text Placeholder 2">
-            <a:extLst>
-              <a:ext uri="{FF2B5EF4-FFF2-40B4-BE49-F238E27FC236}">
-                <a16:creationId xmlns:a16="http://schemas.microsoft.com/office/drawing/2014/main" id="{123A3958-BAE4-42C4-9499-B75C8059D848}"/>
-              </a:ext>
-            </a:extLst>
-          </p:cNvPr>
+            <a:endParaRPr lang="en-US" dirty="0"/>
+          </a:p>
+        </p:txBody>
+      </p:sp>
+      <p:sp>
+        <p:nvSpPr>
+          <p:cNvPr id="3" name="Vertical Text Placeholder 2"/>
           <p:cNvSpPr>
             <a:spLocks noGrp="1"/>
           </p:cNvSpPr>
@@ -643,18 +1106,13 @@
               <a:rPr lang="en-US"/>
               <a:t>Fifth level</a:t>
             </a:r>
-          </a:p>
-        </p:txBody>
-      </p:sp>
-      <p:sp>
-        <p:nvSpPr>
-          <p:cNvPr id="4" name="Date Placeholder 3">
-            <a:extLst>
-              <a:ext uri="{FF2B5EF4-FFF2-40B4-BE49-F238E27FC236}">
-                <a16:creationId xmlns:a16="http://schemas.microsoft.com/office/drawing/2014/main" id="{058786F8-7B20-40BC-9936-30647DEADBC3}"/>
-              </a:ext>
-            </a:extLst>
-          </p:cNvPr>
+            <a:endParaRPr lang="en-US" dirty="0"/>
+          </a:p>
+        </p:txBody>
+      </p:sp>
+      <p:sp>
+        <p:nvSpPr>
+          <p:cNvPr id="4" name="Date Placeholder 3"/>
           <p:cNvSpPr>
             <a:spLocks noGrp="1"/>
           </p:cNvSpPr>
@@ -677,13 +1135,7 @@
       </p:sp>
       <p:sp>
         <p:nvSpPr>
-          <p:cNvPr id="5" name="Footer Placeholder 4">
-            <a:extLst>
-              <a:ext uri="{FF2B5EF4-FFF2-40B4-BE49-F238E27FC236}">
-                <a16:creationId xmlns:a16="http://schemas.microsoft.com/office/drawing/2014/main" id="{6945B29A-E992-4200-9F3B-D72860C435FE}"/>
-              </a:ext>
-            </a:extLst>
-          </p:cNvPr>
+          <p:cNvPr id="5" name="Footer Placeholder 4"/>
           <p:cNvSpPr>
             <a:spLocks noGrp="1"/>
           </p:cNvSpPr>
@@ -702,13 +1154,7 @@
       </p:sp>
       <p:sp>
         <p:nvSpPr>
-          <p:cNvPr id="6" name="Slide Number Placeholder 5">
-            <a:extLst>
-              <a:ext uri="{FF2B5EF4-FFF2-40B4-BE49-F238E27FC236}">
-                <a16:creationId xmlns:a16="http://schemas.microsoft.com/office/drawing/2014/main" id="{AA812BED-44A3-497E-8A17-4717AA504B9E}"/>
-              </a:ext>
-            </a:extLst>
-          </p:cNvPr>
+          <p:cNvPr id="6" name="Slide Number Placeholder 5"/>
           <p:cNvSpPr>
             <a:spLocks noGrp="1"/>
           </p:cNvSpPr>
@@ -732,7 +1178,7 @@
     </p:spTree>
     <p:extLst>
       <p:ext uri="{BB962C8B-B14F-4D97-AF65-F5344CB8AC3E}">
-        <p14:creationId xmlns:p14="http://schemas.microsoft.com/office/powerpoint/2010/main" val="1899994395"/>
+        <p14:creationId xmlns:p14="http://schemas.microsoft.com/office/powerpoint/2010/main" val="796124793"/>
       </p:ext>
     </p:extLst>
   </p:cSld>
@@ -761,13 +1207,7 @@
       </p:grpSpPr>
       <p:sp>
         <p:nvSpPr>
-          <p:cNvPr id="2" name="Title 1">
-            <a:extLst>
-              <a:ext uri="{FF2B5EF4-FFF2-40B4-BE49-F238E27FC236}">
-                <a16:creationId xmlns:a16="http://schemas.microsoft.com/office/drawing/2014/main" id="{5B6A57A8-5112-43DE-BB51-138551B0112F}"/>
-              </a:ext>
-            </a:extLst>
-          </p:cNvPr>
+          <p:cNvPr id="2" name="Title 1"/>
           <p:cNvSpPr>
             <a:spLocks noGrp="1"/>
           </p:cNvSpPr>
@@ -784,18 +1224,13 @@
               <a:rPr lang="en-US"/>
               <a:t>Click to edit Master title style</a:t>
             </a:r>
-          </a:p>
-        </p:txBody>
-      </p:sp>
-      <p:sp>
-        <p:nvSpPr>
-          <p:cNvPr id="3" name="Content Placeholder 2">
-            <a:extLst>
-              <a:ext uri="{FF2B5EF4-FFF2-40B4-BE49-F238E27FC236}">
-                <a16:creationId xmlns:a16="http://schemas.microsoft.com/office/drawing/2014/main" id="{26FCB702-9071-4A2E-AC31-59D9EA99E94E}"/>
-              </a:ext>
-            </a:extLst>
-          </p:cNvPr>
+            <a:endParaRPr lang="en-US" dirty="0"/>
+          </a:p>
+        </p:txBody>
+      </p:sp>
+      <p:sp>
+        <p:nvSpPr>
+          <p:cNvPr id="3" name="Content Placeholder 2"/>
           <p:cNvSpPr>
             <a:spLocks noGrp="1"/>
           </p:cNvSpPr>
@@ -841,18 +1276,13 @@
               <a:rPr lang="en-US"/>
               <a:t>Fifth level</a:t>
             </a:r>
-          </a:p>
-        </p:txBody>
-      </p:sp>
-      <p:sp>
-        <p:nvSpPr>
-          <p:cNvPr id="4" name="Date Placeholder 3">
-            <a:extLst>
-              <a:ext uri="{FF2B5EF4-FFF2-40B4-BE49-F238E27FC236}">
-                <a16:creationId xmlns:a16="http://schemas.microsoft.com/office/drawing/2014/main" id="{F3F97C09-D391-442B-AC6D-01EAD3BE3174}"/>
-              </a:ext>
-            </a:extLst>
-          </p:cNvPr>
+            <a:endParaRPr lang="en-US" dirty="0"/>
+          </a:p>
+        </p:txBody>
+      </p:sp>
+      <p:sp>
+        <p:nvSpPr>
+          <p:cNvPr id="4" name="Date Placeholder 3"/>
           <p:cNvSpPr>
             <a:spLocks noGrp="1"/>
           </p:cNvSpPr>
@@ -875,13 +1305,7 @@
       </p:sp>
       <p:sp>
         <p:nvSpPr>
-          <p:cNvPr id="5" name="Footer Placeholder 4">
-            <a:extLst>
-              <a:ext uri="{FF2B5EF4-FFF2-40B4-BE49-F238E27FC236}">
-                <a16:creationId xmlns:a16="http://schemas.microsoft.com/office/drawing/2014/main" id="{35EE05E5-FD4B-4454-ACFB-AA28F712F1B8}"/>
-              </a:ext>
-            </a:extLst>
-          </p:cNvPr>
+          <p:cNvPr id="5" name="Footer Placeholder 4"/>
           <p:cNvSpPr>
             <a:spLocks noGrp="1"/>
           </p:cNvSpPr>
@@ -900,13 +1324,7 @@
       </p:sp>
       <p:sp>
         <p:nvSpPr>
-          <p:cNvPr id="6" name="Slide Number Placeholder 5">
-            <a:extLst>
-              <a:ext uri="{FF2B5EF4-FFF2-40B4-BE49-F238E27FC236}">
-                <a16:creationId xmlns:a16="http://schemas.microsoft.com/office/drawing/2014/main" id="{C92B85B5-01D7-4363-8B2A-3AEA5D8F8FD5}"/>
-              </a:ext>
-            </a:extLst>
-          </p:cNvPr>
+          <p:cNvPr id="6" name="Slide Number Placeholder 5"/>
           <p:cNvSpPr>
             <a:spLocks noGrp="1"/>
           </p:cNvSpPr>
@@ -930,7 +1348,7 @@
     </p:spTree>
     <p:extLst>
       <p:ext uri="{BB962C8B-B14F-4D97-AF65-F5344CB8AC3E}">
-        <p14:creationId xmlns:p14="http://schemas.microsoft.com/office/powerpoint/2010/main" val="2649649068"/>
+        <p14:creationId xmlns:p14="http://schemas.microsoft.com/office/powerpoint/2010/main" val="2848230408"/>
       </p:ext>
     </p:extLst>
   </p:cSld>
@@ -959,13 +1377,7 @@
       </p:grpSpPr>
       <p:sp>
         <p:nvSpPr>
-          <p:cNvPr id="2" name="Title 1">
-            <a:extLst>
-              <a:ext uri="{FF2B5EF4-FFF2-40B4-BE49-F238E27FC236}">
-                <a16:creationId xmlns:a16="http://schemas.microsoft.com/office/drawing/2014/main" id="{00F105DC-130A-463E-9777-E21D5D6D2524}"/>
-              </a:ext>
-            </a:extLst>
-          </p:cNvPr>
+          <p:cNvPr id="2" name="Title 1"/>
           <p:cNvSpPr>
             <a:spLocks noGrp="1"/>
           </p:cNvSpPr>
@@ -991,18 +1403,13 @@
               <a:rPr lang="en-US"/>
               <a:t>Click to edit Master title style</a:t>
             </a:r>
-          </a:p>
-        </p:txBody>
-      </p:sp>
-      <p:sp>
-        <p:nvSpPr>
-          <p:cNvPr id="3" name="Text Placeholder 2">
-            <a:extLst>
-              <a:ext uri="{FF2B5EF4-FFF2-40B4-BE49-F238E27FC236}">
-                <a16:creationId xmlns:a16="http://schemas.microsoft.com/office/drawing/2014/main" id="{AF733A57-743B-42BC-A5D7-FE9DD56F600A}"/>
-              </a:ext>
-            </a:extLst>
-          </p:cNvPr>
+            <a:endParaRPr lang="en-US" dirty="0"/>
+          </a:p>
+        </p:txBody>
+      </p:sp>
+      <p:sp>
+        <p:nvSpPr>
+          <p:cNvPr id="3" name="Text Placeholder 2"/>
           <p:cNvSpPr>
             <a:spLocks noGrp="1"/>
           </p:cNvSpPr>
@@ -1121,13 +1528,7 @@
       </p:sp>
       <p:sp>
         <p:nvSpPr>
-          <p:cNvPr id="4" name="Date Placeholder 3">
-            <a:extLst>
-              <a:ext uri="{FF2B5EF4-FFF2-40B4-BE49-F238E27FC236}">
-                <a16:creationId xmlns:a16="http://schemas.microsoft.com/office/drawing/2014/main" id="{A1B9DE12-608B-4AA2-A116-79929C26C2B3}"/>
-              </a:ext>
-            </a:extLst>
-          </p:cNvPr>
+          <p:cNvPr id="4" name="Date Placeholder 3"/>
           <p:cNvSpPr>
             <a:spLocks noGrp="1"/>
           </p:cNvSpPr>
@@ -1150,13 +1551,7 @@
       </p:sp>
       <p:sp>
         <p:nvSpPr>
-          <p:cNvPr id="5" name="Footer Placeholder 4">
-            <a:extLst>
-              <a:ext uri="{FF2B5EF4-FFF2-40B4-BE49-F238E27FC236}">
-                <a16:creationId xmlns:a16="http://schemas.microsoft.com/office/drawing/2014/main" id="{A184E3CC-9D14-4EE3-A9FE-2744207E3191}"/>
-              </a:ext>
-            </a:extLst>
-          </p:cNvPr>
+          <p:cNvPr id="5" name="Footer Placeholder 4"/>
           <p:cNvSpPr>
             <a:spLocks noGrp="1"/>
           </p:cNvSpPr>
@@ -1175,13 +1570,7 @@
       </p:sp>
       <p:sp>
         <p:nvSpPr>
-          <p:cNvPr id="6" name="Slide Number Placeholder 5">
-            <a:extLst>
-              <a:ext uri="{FF2B5EF4-FFF2-40B4-BE49-F238E27FC236}">
-                <a16:creationId xmlns:a16="http://schemas.microsoft.com/office/drawing/2014/main" id="{A366ABFE-EC0B-454F-A865-C82378D2362F}"/>
-              </a:ext>
-            </a:extLst>
-          </p:cNvPr>
+          <p:cNvPr id="6" name="Slide Number Placeholder 5"/>
           <p:cNvSpPr>
             <a:spLocks noGrp="1"/>
           </p:cNvSpPr>
@@ -1205,7 +1594,7 @@
     </p:spTree>
     <p:extLst>
       <p:ext uri="{BB962C8B-B14F-4D97-AF65-F5344CB8AC3E}">
-        <p14:creationId xmlns:p14="http://schemas.microsoft.com/office/powerpoint/2010/main" val="3684526722"/>
+        <p14:creationId xmlns:p14="http://schemas.microsoft.com/office/powerpoint/2010/main" val="671886765"/>
       </p:ext>
     </p:extLst>
   </p:cSld>
@@ -1234,13 +1623,7 @@
       </p:grpSpPr>
       <p:sp>
         <p:nvSpPr>
-          <p:cNvPr id="2" name="Title 1">
-            <a:extLst>
-              <a:ext uri="{FF2B5EF4-FFF2-40B4-BE49-F238E27FC236}">
-                <a16:creationId xmlns:a16="http://schemas.microsoft.com/office/drawing/2014/main" id="{AC3F808B-8632-41A5-939E-408D6D0F0F5C}"/>
-              </a:ext>
-            </a:extLst>
-          </p:cNvPr>
+          <p:cNvPr id="2" name="Title 1"/>
           <p:cNvSpPr>
             <a:spLocks noGrp="1"/>
           </p:cNvSpPr>
@@ -1257,18 +1640,13 @@
               <a:rPr lang="en-US"/>
               <a:t>Click to edit Master title style</a:t>
             </a:r>
-          </a:p>
-        </p:txBody>
-      </p:sp>
-      <p:sp>
-        <p:nvSpPr>
-          <p:cNvPr id="3" name="Content Placeholder 2">
-            <a:extLst>
-              <a:ext uri="{FF2B5EF4-FFF2-40B4-BE49-F238E27FC236}">
-                <a16:creationId xmlns:a16="http://schemas.microsoft.com/office/drawing/2014/main" id="{9324B3C2-BCF8-4E1D-B234-3D5BA42EF9A9}"/>
-              </a:ext>
-            </a:extLst>
-          </p:cNvPr>
+            <a:endParaRPr lang="en-US" dirty="0"/>
+          </a:p>
+        </p:txBody>
+      </p:sp>
+      <p:sp>
+        <p:nvSpPr>
+          <p:cNvPr id="3" name="Content Placeholder 2"/>
           <p:cNvSpPr>
             <a:spLocks noGrp="1"/>
           </p:cNvSpPr>
@@ -1319,18 +1697,13 @@
               <a:rPr lang="en-US"/>
               <a:t>Fifth level</a:t>
             </a:r>
-          </a:p>
-        </p:txBody>
-      </p:sp>
-      <p:sp>
-        <p:nvSpPr>
-          <p:cNvPr id="4" name="Content Placeholder 3">
-            <a:extLst>
-              <a:ext uri="{FF2B5EF4-FFF2-40B4-BE49-F238E27FC236}">
-                <a16:creationId xmlns:a16="http://schemas.microsoft.com/office/drawing/2014/main" id="{EDA5A2A4-25D2-45CB-B7B2-8D94EDE801E0}"/>
-              </a:ext>
-            </a:extLst>
-          </p:cNvPr>
+            <a:endParaRPr lang="en-US" dirty="0"/>
+          </a:p>
+        </p:txBody>
+      </p:sp>
+      <p:sp>
+        <p:nvSpPr>
+          <p:cNvPr id="4" name="Content Placeholder 3"/>
           <p:cNvSpPr>
             <a:spLocks noGrp="1"/>
           </p:cNvSpPr>
@@ -1381,18 +1754,13 @@
               <a:rPr lang="en-US"/>
               <a:t>Fifth level</a:t>
             </a:r>
-          </a:p>
-        </p:txBody>
-      </p:sp>
-      <p:sp>
-        <p:nvSpPr>
-          <p:cNvPr id="5" name="Date Placeholder 4">
-            <a:extLst>
-              <a:ext uri="{FF2B5EF4-FFF2-40B4-BE49-F238E27FC236}">
-                <a16:creationId xmlns:a16="http://schemas.microsoft.com/office/drawing/2014/main" id="{2EA96221-62A2-4268-A59F-43E4013472BC}"/>
-              </a:ext>
-            </a:extLst>
-          </p:cNvPr>
+            <a:endParaRPr lang="en-US" dirty="0"/>
+          </a:p>
+        </p:txBody>
+      </p:sp>
+      <p:sp>
+        <p:nvSpPr>
+          <p:cNvPr id="5" name="Date Placeholder 4"/>
           <p:cNvSpPr>
             <a:spLocks noGrp="1"/>
           </p:cNvSpPr>
@@ -1415,13 +1783,7 @@
       </p:sp>
       <p:sp>
         <p:nvSpPr>
-          <p:cNvPr id="6" name="Footer Placeholder 5">
-            <a:extLst>
-              <a:ext uri="{FF2B5EF4-FFF2-40B4-BE49-F238E27FC236}">
-                <a16:creationId xmlns:a16="http://schemas.microsoft.com/office/drawing/2014/main" id="{18A97606-7620-44B9-B1F9-6B01F26B8A00}"/>
-              </a:ext>
-            </a:extLst>
-          </p:cNvPr>
+          <p:cNvPr id="6" name="Footer Placeholder 5"/>
           <p:cNvSpPr>
             <a:spLocks noGrp="1"/>
           </p:cNvSpPr>
@@ -1440,13 +1802,7 @@
       </p:sp>
       <p:sp>
         <p:nvSpPr>
-          <p:cNvPr id="7" name="Slide Number Placeholder 6">
-            <a:extLst>
-              <a:ext uri="{FF2B5EF4-FFF2-40B4-BE49-F238E27FC236}">
-                <a16:creationId xmlns:a16="http://schemas.microsoft.com/office/drawing/2014/main" id="{CBA856EE-BF0F-4A9F-BDF6-D47EEA4239F4}"/>
-              </a:ext>
-            </a:extLst>
-          </p:cNvPr>
+          <p:cNvPr id="7" name="Slide Number Placeholder 6"/>
           <p:cNvSpPr>
             <a:spLocks noGrp="1"/>
           </p:cNvSpPr>
@@ -1470,7 +1826,7 @@
     </p:spTree>
     <p:extLst>
       <p:ext uri="{BB962C8B-B14F-4D97-AF65-F5344CB8AC3E}">
-        <p14:creationId xmlns:p14="http://schemas.microsoft.com/office/powerpoint/2010/main" val="392894327"/>
+        <p14:creationId xmlns:p14="http://schemas.microsoft.com/office/powerpoint/2010/main" val="2264597824"/>
       </p:ext>
     </p:extLst>
   </p:cSld>
@@ -1499,13 +1855,7 @@
       </p:grpSpPr>
       <p:sp>
         <p:nvSpPr>
-          <p:cNvPr id="2" name="Title 1">
-            <a:extLst>
-              <a:ext uri="{FF2B5EF4-FFF2-40B4-BE49-F238E27FC236}">
-                <a16:creationId xmlns:a16="http://schemas.microsoft.com/office/drawing/2014/main" id="{BC682B44-E082-42A9-B6CA-D914D2F637FA}"/>
-              </a:ext>
-            </a:extLst>
-          </p:cNvPr>
+          <p:cNvPr id="2" name="Title 1"/>
           <p:cNvSpPr>
             <a:spLocks noGrp="1"/>
           </p:cNvSpPr>
@@ -1527,18 +1877,13 @@
               <a:rPr lang="en-US"/>
               <a:t>Click to edit Master title style</a:t>
             </a:r>
-          </a:p>
-        </p:txBody>
-      </p:sp>
-      <p:sp>
-        <p:nvSpPr>
-          <p:cNvPr id="3" name="Text Placeholder 2">
-            <a:extLst>
-              <a:ext uri="{FF2B5EF4-FFF2-40B4-BE49-F238E27FC236}">
-                <a16:creationId xmlns:a16="http://schemas.microsoft.com/office/drawing/2014/main" id="{8FAA26E1-28FF-43E7-B715-42800E65DC39}"/>
-              </a:ext>
-            </a:extLst>
-          </p:cNvPr>
+            <a:endParaRPr lang="en-US" dirty="0"/>
+          </a:p>
+        </p:txBody>
+      </p:sp>
+      <p:sp>
+        <p:nvSpPr>
+          <p:cNvPr id="3" name="Text Placeholder 2"/>
           <p:cNvSpPr>
             <a:spLocks noGrp="1"/>
           </p:cNvSpPr>
@@ -1603,13 +1948,7 @@
       </p:sp>
       <p:sp>
         <p:nvSpPr>
-          <p:cNvPr id="4" name="Content Placeholder 3">
-            <a:extLst>
-              <a:ext uri="{FF2B5EF4-FFF2-40B4-BE49-F238E27FC236}">
-                <a16:creationId xmlns:a16="http://schemas.microsoft.com/office/drawing/2014/main" id="{82835EC4-6CB5-4C50-B0DC-8EADB10E8B61}"/>
-              </a:ext>
-            </a:extLst>
-          </p:cNvPr>
+          <p:cNvPr id="4" name="Content Placeholder 3"/>
           <p:cNvSpPr>
             <a:spLocks noGrp="1"/>
           </p:cNvSpPr>
@@ -1660,18 +1999,13 @@
               <a:rPr lang="en-US"/>
               <a:t>Fifth level</a:t>
             </a:r>
-          </a:p>
-        </p:txBody>
-      </p:sp>
-      <p:sp>
-        <p:nvSpPr>
-          <p:cNvPr id="5" name="Text Placeholder 4">
-            <a:extLst>
-              <a:ext uri="{FF2B5EF4-FFF2-40B4-BE49-F238E27FC236}">
-                <a16:creationId xmlns:a16="http://schemas.microsoft.com/office/drawing/2014/main" id="{2CFA49E1-E3F2-402C-ACFF-CF6A78A44E39}"/>
-              </a:ext>
-            </a:extLst>
-          </p:cNvPr>
+            <a:endParaRPr lang="en-US" dirty="0"/>
+          </a:p>
+        </p:txBody>
+      </p:sp>
+      <p:sp>
+        <p:nvSpPr>
+          <p:cNvPr id="5" name="Text Placeholder 4"/>
           <p:cNvSpPr>
             <a:spLocks noGrp="1"/>
           </p:cNvSpPr>
@@ -1736,13 +2070,7 @@
       </p:sp>
       <p:sp>
         <p:nvSpPr>
-          <p:cNvPr id="6" name="Content Placeholder 5">
-            <a:extLst>
-              <a:ext uri="{FF2B5EF4-FFF2-40B4-BE49-F238E27FC236}">
-                <a16:creationId xmlns:a16="http://schemas.microsoft.com/office/drawing/2014/main" id="{6EF335D4-53D7-4793-8B42-6C780F7C5729}"/>
-              </a:ext>
-            </a:extLst>
-          </p:cNvPr>
+          <p:cNvPr id="6" name="Content Placeholder 5"/>
           <p:cNvSpPr>
             <a:spLocks noGrp="1"/>
           </p:cNvSpPr>
@@ -1793,18 +2121,13 @@
               <a:rPr lang="en-US"/>
               <a:t>Fifth level</a:t>
             </a:r>
-          </a:p>
-        </p:txBody>
-      </p:sp>
-      <p:sp>
-        <p:nvSpPr>
-          <p:cNvPr id="7" name="Date Placeholder 6">
-            <a:extLst>
-              <a:ext uri="{FF2B5EF4-FFF2-40B4-BE49-F238E27FC236}">
-                <a16:creationId xmlns:a16="http://schemas.microsoft.com/office/drawing/2014/main" id="{1E2667EE-D914-4E7A-87AB-3552A64C7329}"/>
-              </a:ext>
-            </a:extLst>
-          </p:cNvPr>
+            <a:endParaRPr lang="en-US" dirty="0"/>
+          </a:p>
+        </p:txBody>
+      </p:sp>
+      <p:sp>
+        <p:nvSpPr>
+          <p:cNvPr id="7" name="Date Placeholder 6"/>
           <p:cNvSpPr>
             <a:spLocks noGrp="1"/>
           </p:cNvSpPr>
@@ -1827,13 +2150,7 @@
       </p:sp>
       <p:sp>
         <p:nvSpPr>
-          <p:cNvPr id="8" name="Footer Placeholder 7">
-            <a:extLst>
-              <a:ext uri="{FF2B5EF4-FFF2-40B4-BE49-F238E27FC236}">
-                <a16:creationId xmlns:a16="http://schemas.microsoft.com/office/drawing/2014/main" id="{48B7D7FF-9B46-4B9E-8710-CCEA6DC10E99}"/>
-              </a:ext>
-            </a:extLst>
-          </p:cNvPr>
+          <p:cNvPr id="8" name="Footer Placeholder 7"/>
           <p:cNvSpPr>
             <a:spLocks noGrp="1"/>
           </p:cNvSpPr>
@@ -1852,13 +2169,7 @@
       </p:sp>
       <p:sp>
         <p:nvSpPr>
-          <p:cNvPr id="9" name="Slide Number Placeholder 8">
-            <a:extLst>
-              <a:ext uri="{FF2B5EF4-FFF2-40B4-BE49-F238E27FC236}">
-                <a16:creationId xmlns:a16="http://schemas.microsoft.com/office/drawing/2014/main" id="{C68B15F1-56DF-44CE-AB41-CB4B1DEBEEAB}"/>
-              </a:ext>
-            </a:extLst>
-          </p:cNvPr>
+          <p:cNvPr id="9" name="Slide Number Placeholder 8"/>
           <p:cNvSpPr>
             <a:spLocks noGrp="1"/>
           </p:cNvSpPr>
@@ -1882,7 +2193,7 @@
     </p:spTree>
     <p:extLst>
       <p:ext uri="{BB962C8B-B14F-4D97-AF65-F5344CB8AC3E}">
-        <p14:creationId xmlns:p14="http://schemas.microsoft.com/office/powerpoint/2010/main" val="4000453340"/>
+        <p14:creationId xmlns:p14="http://schemas.microsoft.com/office/powerpoint/2010/main" val="4271386207"/>
       </p:ext>
     </p:extLst>
   </p:cSld>
@@ -1911,13 +2222,7 @@
       </p:grpSpPr>
       <p:sp>
         <p:nvSpPr>
-          <p:cNvPr id="2" name="Title 1">
-            <a:extLst>
-              <a:ext uri="{FF2B5EF4-FFF2-40B4-BE49-F238E27FC236}">
-                <a16:creationId xmlns:a16="http://schemas.microsoft.com/office/drawing/2014/main" id="{50E2B6F2-A1CA-4394-8524-2F28DD4BE186}"/>
-              </a:ext>
-            </a:extLst>
-          </p:cNvPr>
+          <p:cNvPr id="2" name="Title 1"/>
           <p:cNvSpPr>
             <a:spLocks noGrp="1"/>
           </p:cNvSpPr>
@@ -1934,18 +2239,13 @@
               <a:rPr lang="en-US"/>
               <a:t>Click to edit Master title style</a:t>
             </a:r>
-          </a:p>
-        </p:txBody>
-      </p:sp>
-      <p:sp>
-        <p:nvSpPr>
-          <p:cNvPr id="3" name="Date Placeholder 2">
-            <a:extLst>
-              <a:ext uri="{FF2B5EF4-FFF2-40B4-BE49-F238E27FC236}">
-                <a16:creationId xmlns:a16="http://schemas.microsoft.com/office/drawing/2014/main" id="{969AFFFD-CF4D-4C74-9988-C91CF25EEDC3}"/>
-              </a:ext>
-            </a:extLst>
-          </p:cNvPr>
+            <a:endParaRPr lang="en-US" dirty="0"/>
+          </a:p>
+        </p:txBody>
+      </p:sp>
+      <p:sp>
+        <p:nvSpPr>
+          <p:cNvPr id="3" name="Date Placeholder 2"/>
           <p:cNvSpPr>
             <a:spLocks noGrp="1"/>
           </p:cNvSpPr>
@@ -1968,13 +2268,7 @@
       </p:sp>
       <p:sp>
         <p:nvSpPr>
-          <p:cNvPr id="4" name="Footer Placeholder 3">
-            <a:extLst>
-              <a:ext uri="{FF2B5EF4-FFF2-40B4-BE49-F238E27FC236}">
-                <a16:creationId xmlns:a16="http://schemas.microsoft.com/office/drawing/2014/main" id="{735F5BB6-A4DA-40FC-8509-01C85560E658}"/>
-              </a:ext>
-            </a:extLst>
-          </p:cNvPr>
+          <p:cNvPr id="4" name="Footer Placeholder 3"/>
           <p:cNvSpPr>
             <a:spLocks noGrp="1"/>
           </p:cNvSpPr>
@@ -1993,13 +2287,7 @@
       </p:sp>
       <p:sp>
         <p:nvSpPr>
-          <p:cNvPr id="5" name="Slide Number Placeholder 4">
-            <a:extLst>
-              <a:ext uri="{FF2B5EF4-FFF2-40B4-BE49-F238E27FC236}">
-                <a16:creationId xmlns:a16="http://schemas.microsoft.com/office/drawing/2014/main" id="{894518E4-F54A-46F0-86AF-B06A7957DA49}"/>
-              </a:ext>
-            </a:extLst>
-          </p:cNvPr>
+          <p:cNvPr id="5" name="Slide Number Placeholder 4"/>
           <p:cNvSpPr>
             <a:spLocks noGrp="1"/>
           </p:cNvSpPr>
@@ -2023,7 +2311,7 @@
     </p:spTree>
     <p:extLst>
       <p:ext uri="{BB962C8B-B14F-4D97-AF65-F5344CB8AC3E}">
-        <p14:creationId xmlns:p14="http://schemas.microsoft.com/office/powerpoint/2010/main" val="1864610583"/>
+        <p14:creationId xmlns:p14="http://schemas.microsoft.com/office/powerpoint/2010/main" val="420911341"/>
       </p:ext>
     </p:extLst>
   </p:cSld>
@@ -2052,13 +2340,7 @@
       </p:grpSpPr>
       <p:sp>
         <p:nvSpPr>
-          <p:cNvPr id="2" name="Date Placeholder 1">
-            <a:extLst>
-              <a:ext uri="{FF2B5EF4-FFF2-40B4-BE49-F238E27FC236}">
-                <a16:creationId xmlns:a16="http://schemas.microsoft.com/office/drawing/2014/main" id="{AB9B53D2-CA64-4D40-BDC1-2069C89BDBAB}"/>
-              </a:ext>
-            </a:extLst>
-          </p:cNvPr>
+          <p:cNvPr id="2" name="Date Placeholder 1"/>
           <p:cNvSpPr>
             <a:spLocks noGrp="1"/>
           </p:cNvSpPr>
@@ -2081,13 +2363,7 @@
       </p:sp>
       <p:sp>
         <p:nvSpPr>
-          <p:cNvPr id="3" name="Footer Placeholder 2">
-            <a:extLst>
-              <a:ext uri="{FF2B5EF4-FFF2-40B4-BE49-F238E27FC236}">
-                <a16:creationId xmlns:a16="http://schemas.microsoft.com/office/drawing/2014/main" id="{B8F18138-F69E-43E7-9454-ED7BCEFAA2A1}"/>
-              </a:ext>
-            </a:extLst>
-          </p:cNvPr>
+          <p:cNvPr id="3" name="Footer Placeholder 2"/>
           <p:cNvSpPr>
             <a:spLocks noGrp="1"/>
           </p:cNvSpPr>
@@ -2106,13 +2382,7 @@
       </p:sp>
       <p:sp>
         <p:nvSpPr>
-          <p:cNvPr id="4" name="Slide Number Placeholder 3">
-            <a:extLst>
-              <a:ext uri="{FF2B5EF4-FFF2-40B4-BE49-F238E27FC236}">
-                <a16:creationId xmlns:a16="http://schemas.microsoft.com/office/drawing/2014/main" id="{18989686-1EEB-4C92-9E04-756D2C9DFF4E}"/>
-              </a:ext>
-            </a:extLst>
-          </p:cNvPr>
+          <p:cNvPr id="4" name="Slide Number Placeholder 3"/>
           <p:cNvSpPr>
             <a:spLocks noGrp="1"/>
           </p:cNvSpPr>
@@ -2136,7 +2406,7 @@
     </p:spTree>
     <p:extLst>
       <p:ext uri="{BB962C8B-B14F-4D97-AF65-F5344CB8AC3E}">
-        <p14:creationId xmlns:p14="http://schemas.microsoft.com/office/powerpoint/2010/main" val="1588137833"/>
+        <p14:creationId xmlns:p14="http://schemas.microsoft.com/office/powerpoint/2010/main" val="1906240843"/>
       </p:ext>
     </p:extLst>
   </p:cSld>
@@ -2165,13 +2435,7 @@
       </p:grpSpPr>
       <p:sp>
         <p:nvSpPr>
-          <p:cNvPr id="2" name="Title 1">
-            <a:extLst>
-              <a:ext uri="{FF2B5EF4-FFF2-40B4-BE49-F238E27FC236}">
-                <a16:creationId xmlns:a16="http://schemas.microsoft.com/office/drawing/2014/main" id="{843F214E-B522-40FB-A7D0-011CC4271F9F}"/>
-              </a:ext>
-            </a:extLst>
-          </p:cNvPr>
+          <p:cNvPr id="2" name="Title 1"/>
           <p:cNvSpPr>
             <a:spLocks noGrp="1"/>
           </p:cNvSpPr>
@@ -2197,18 +2461,13 @@
               <a:rPr lang="en-US"/>
               <a:t>Click to edit Master title style</a:t>
             </a:r>
-          </a:p>
-        </p:txBody>
-      </p:sp>
-      <p:sp>
-        <p:nvSpPr>
-          <p:cNvPr id="3" name="Content Placeholder 2">
-            <a:extLst>
-              <a:ext uri="{FF2B5EF4-FFF2-40B4-BE49-F238E27FC236}">
-                <a16:creationId xmlns:a16="http://schemas.microsoft.com/office/drawing/2014/main" id="{2AA43487-A1B7-40EC-870C-475CD4F4DEA0}"/>
-              </a:ext>
-            </a:extLst>
-          </p:cNvPr>
+            <a:endParaRPr lang="en-US" dirty="0"/>
+          </a:p>
+        </p:txBody>
+      </p:sp>
+      <p:sp>
+        <p:nvSpPr>
+          <p:cNvPr id="3" name="Content Placeholder 2"/>
           <p:cNvSpPr>
             <a:spLocks noGrp="1"/>
           </p:cNvSpPr>
@@ -2287,18 +2546,13 @@
               <a:rPr lang="en-US"/>
               <a:t>Fifth level</a:t>
             </a:r>
-          </a:p>
-        </p:txBody>
-      </p:sp>
-      <p:sp>
-        <p:nvSpPr>
-          <p:cNvPr id="4" name="Text Placeholder 3">
-            <a:extLst>
-              <a:ext uri="{FF2B5EF4-FFF2-40B4-BE49-F238E27FC236}">
-                <a16:creationId xmlns:a16="http://schemas.microsoft.com/office/drawing/2014/main" id="{E067653A-15CF-4FB9-A699-E7DD8CCD643C}"/>
-              </a:ext>
-            </a:extLst>
-          </p:cNvPr>
+            <a:endParaRPr lang="en-US" dirty="0"/>
+          </a:p>
+        </p:txBody>
+      </p:sp>
+      <p:sp>
+        <p:nvSpPr>
+          <p:cNvPr id="4" name="Text Placeholder 3"/>
           <p:cNvSpPr>
             <a:spLocks noGrp="1"/>
           </p:cNvSpPr>
@@ -2363,13 +2617,7 @@
       </p:sp>
       <p:sp>
         <p:nvSpPr>
-          <p:cNvPr id="5" name="Date Placeholder 4">
-            <a:extLst>
-              <a:ext uri="{FF2B5EF4-FFF2-40B4-BE49-F238E27FC236}">
-                <a16:creationId xmlns:a16="http://schemas.microsoft.com/office/drawing/2014/main" id="{4A3C99F2-BEAE-4B90-B824-350353C9E915}"/>
-              </a:ext>
-            </a:extLst>
-          </p:cNvPr>
+          <p:cNvPr id="5" name="Date Placeholder 4"/>
           <p:cNvSpPr>
             <a:spLocks noGrp="1"/>
           </p:cNvSpPr>
@@ -2392,13 +2640,7 @@
       </p:sp>
       <p:sp>
         <p:nvSpPr>
-          <p:cNvPr id="6" name="Footer Placeholder 5">
-            <a:extLst>
-              <a:ext uri="{FF2B5EF4-FFF2-40B4-BE49-F238E27FC236}">
-                <a16:creationId xmlns:a16="http://schemas.microsoft.com/office/drawing/2014/main" id="{CF1303A2-4E09-4585-A964-559F8A699F5B}"/>
-              </a:ext>
-            </a:extLst>
-          </p:cNvPr>
+          <p:cNvPr id="6" name="Footer Placeholder 5"/>
           <p:cNvSpPr>
             <a:spLocks noGrp="1"/>
           </p:cNvSpPr>
@@ -2417,13 +2659,7 @@
       </p:sp>
       <p:sp>
         <p:nvSpPr>
-          <p:cNvPr id="7" name="Slide Number Placeholder 6">
-            <a:extLst>
-              <a:ext uri="{FF2B5EF4-FFF2-40B4-BE49-F238E27FC236}">
-                <a16:creationId xmlns:a16="http://schemas.microsoft.com/office/drawing/2014/main" id="{2FC4DCAA-A8BD-4BE6-811D-0D9029A0E4A0}"/>
-              </a:ext>
-            </a:extLst>
-          </p:cNvPr>
+          <p:cNvPr id="7" name="Slide Number Placeholder 6"/>
           <p:cNvSpPr>
             <a:spLocks noGrp="1"/>
           </p:cNvSpPr>
@@ -2447,7 +2683,7 @@
     </p:spTree>
     <p:extLst>
       <p:ext uri="{BB962C8B-B14F-4D97-AF65-F5344CB8AC3E}">
-        <p14:creationId xmlns:p14="http://schemas.microsoft.com/office/powerpoint/2010/main" val="3479414325"/>
+        <p14:creationId xmlns:p14="http://schemas.microsoft.com/office/powerpoint/2010/main" val="499141212"/>
       </p:ext>
     </p:extLst>
   </p:cSld>
@@ -2476,13 +2712,7 @@
       </p:grpSpPr>
       <p:sp>
         <p:nvSpPr>
-          <p:cNvPr id="2" name="Title 1">
-            <a:extLst>
-              <a:ext uri="{FF2B5EF4-FFF2-40B4-BE49-F238E27FC236}">
-                <a16:creationId xmlns:a16="http://schemas.microsoft.com/office/drawing/2014/main" id="{9FBE8E82-A259-480E-BE2A-B135F1CF4E18}"/>
-              </a:ext>
-            </a:extLst>
-          </p:cNvPr>
+          <p:cNvPr id="2" name="Title 1"/>
           <p:cNvSpPr>
             <a:spLocks noGrp="1"/>
           </p:cNvSpPr>
@@ -2508,20 +2738,15 @@
               <a:rPr lang="en-US"/>
               <a:t>Click to edit Master title style</a:t>
             </a:r>
-          </a:p>
-        </p:txBody>
-      </p:sp>
-      <p:sp>
-        <p:nvSpPr>
-          <p:cNvPr id="3" name="Picture Placeholder 2">
-            <a:extLst>
-              <a:ext uri="{FF2B5EF4-FFF2-40B4-BE49-F238E27FC236}">
-                <a16:creationId xmlns:a16="http://schemas.microsoft.com/office/drawing/2014/main" id="{FE62E08A-2178-4299-B7AB-64D3F534AF72}"/>
-              </a:ext>
-            </a:extLst>
-          </p:cNvPr>
-          <p:cNvSpPr>
-            <a:spLocks noGrp="1"/>
+            <a:endParaRPr lang="en-US" dirty="0"/>
+          </a:p>
+        </p:txBody>
+      </p:sp>
+      <p:sp>
+        <p:nvSpPr>
+          <p:cNvPr id="3" name="Picture Placeholder 2"/>
+          <p:cNvSpPr>
+            <a:spLocks noGrp="1" noChangeAspect="1"/>
           </p:cNvSpPr>
           <p:nvPr>
             <p:ph type="pic" idx="1"/>
@@ -2534,7 +2759,7 @@
           </a:xfrm>
         </p:spPr>
         <p:txBody>
-          <a:bodyPr/>
+          <a:bodyPr anchor="t"/>
           <a:lstStyle>
             <a:lvl1pPr marL="0" indent="0">
               <a:buNone/>
@@ -2574,19 +2799,17 @@
             </a:lvl9pPr>
           </a:lstStyle>
           <a:p>
-            <a:endParaRPr lang="en-US"/>
-          </a:p>
-        </p:txBody>
-      </p:sp>
-      <p:sp>
-        <p:nvSpPr>
-          <p:cNvPr id="4" name="Text Placeholder 3">
-            <a:extLst>
-              <a:ext uri="{FF2B5EF4-FFF2-40B4-BE49-F238E27FC236}">
-                <a16:creationId xmlns:a16="http://schemas.microsoft.com/office/drawing/2014/main" id="{E0FCE20D-96AA-4F69-AA24-E08F62E972EA}"/>
-              </a:ext>
-            </a:extLst>
-          </p:cNvPr>
+            <a:r>
+              <a:rPr lang="en-US"/>
+              <a:t>Click icon to add picture</a:t>
+            </a:r>
+            <a:endParaRPr lang="en-US" dirty="0"/>
+          </a:p>
+        </p:txBody>
+      </p:sp>
+      <p:sp>
+        <p:nvSpPr>
+          <p:cNvPr id="4" name="Text Placeholder 3"/>
           <p:cNvSpPr>
             <a:spLocks noGrp="1"/>
           </p:cNvSpPr>
@@ -2651,13 +2874,7 @@
       </p:sp>
       <p:sp>
         <p:nvSpPr>
-          <p:cNvPr id="5" name="Date Placeholder 4">
-            <a:extLst>
-              <a:ext uri="{FF2B5EF4-FFF2-40B4-BE49-F238E27FC236}">
-                <a16:creationId xmlns:a16="http://schemas.microsoft.com/office/drawing/2014/main" id="{EBFDF0B5-2AF2-499D-BDA5-1817FE142788}"/>
-              </a:ext>
-            </a:extLst>
-          </p:cNvPr>
+          <p:cNvPr id="5" name="Date Placeholder 4"/>
           <p:cNvSpPr>
             <a:spLocks noGrp="1"/>
           </p:cNvSpPr>
@@ -2680,13 +2897,7 @@
       </p:sp>
       <p:sp>
         <p:nvSpPr>
-          <p:cNvPr id="6" name="Footer Placeholder 5">
-            <a:extLst>
-              <a:ext uri="{FF2B5EF4-FFF2-40B4-BE49-F238E27FC236}">
-                <a16:creationId xmlns:a16="http://schemas.microsoft.com/office/drawing/2014/main" id="{6F6B9C6C-2134-4F4C-B05F-79385DE8BC9C}"/>
-              </a:ext>
-            </a:extLst>
-          </p:cNvPr>
+          <p:cNvPr id="6" name="Footer Placeholder 5"/>
           <p:cNvSpPr>
             <a:spLocks noGrp="1"/>
           </p:cNvSpPr>
@@ -2705,13 +2916,7 @@
       </p:sp>
       <p:sp>
         <p:nvSpPr>
-          <p:cNvPr id="7" name="Slide Number Placeholder 6">
-            <a:extLst>
-              <a:ext uri="{FF2B5EF4-FFF2-40B4-BE49-F238E27FC236}">
-                <a16:creationId xmlns:a16="http://schemas.microsoft.com/office/drawing/2014/main" id="{704C9B47-8834-40C4-A071-C9FEB255AE5E}"/>
-              </a:ext>
-            </a:extLst>
-          </p:cNvPr>
+          <p:cNvPr id="7" name="Slide Number Placeholder 6"/>
           <p:cNvSpPr>
             <a:spLocks noGrp="1"/>
           </p:cNvSpPr>
@@ -2735,7 +2940,7 @@
     </p:spTree>
     <p:extLst>
       <p:ext uri="{BB962C8B-B14F-4D97-AF65-F5344CB8AC3E}">
-        <p14:creationId xmlns:p14="http://schemas.microsoft.com/office/powerpoint/2010/main" val="1021807253"/>
+        <p14:creationId xmlns:p14="http://schemas.microsoft.com/office/powerpoint/2010/main" val="2014419401"/>
       </p:ext>
     </p:extLst>
   </p:cSld>
@@ -2769,13 +2974,7 @@
       </p:grpSpPr>
       <p:sp>
         <p:nvSpPr>
-          <p:cNvPr id="2" name="Title Placeholder 1">
-            <a:extLst>
-              <a:ext uri="{FF2B5EF4-FFF2-40B4-BE49-F238E27FC236}">
-                <a16:creationId xmlns:a16="http://schemas.microsoft.com/office/drawing/2014/main" id="{AA6D421B-F7A9-4440-8167-251C50440366}"/>
-              </a:ext>
-            </a:extLst>
-          </p:cNvPr>
+          <p:cNvPr id="2" name="Title Placeholder 1"/>
           <p:cNvSpPr>
             <a:spLocks noGrp="1"/>
           </p:cNvSpPr>
@@ -2802,18 +3001,13 @@
               <a:rPr lang="en-US"/>
               <a:t>Click to edit Master title style</a:t>
             </a:r>
-          </a:p>
-        </p:txBody>
-      </p:sp>
-      <p:sp>
-        <p:nvSpPr>
-          <p:cNvPr id="3" name="Text Placeholder 2">
-            <a:extLst>
-              <a:ext uri="{FF2B5EF4-FFF2-40B4-BE49-F238E27FC236}">
-                <a16:creationId xmlns:a16="http://schemas.microsoft.com/office/drawing/2014/main" id="{02AD38CB-8056-4DA0-8E22-AA0B1C5829B2}"/>
-              </a:ext>
-            </a:extLst>
-          </p:cNvPr>
+            <a:endParaRPr lang="en-US" dirty="0"/>
+          </a:p>
+        </p:txBody>
+      </p:sp>
+      <p:sp>
+        <p:nvSpPr>
+          <p:cNvPr id="3" name="Text Placeholder 2"/>
           <p:cNvSpPr>
             <a:spLocks noGrp="1"/>
           </p:cNvSpPr>
@@ -2869,18 +3063,13 @@
               <a:rPr lang="en-US"/>
               <a:t>Fifth level</a:t>
             </a:r>
-          </a:p>
-        </p:txBody>
-      </p:sp>
-      <p:sp>
-        <p:nvSpPr>
-          <p:cNvPr id="4" name="Date Placeholder 3">
-            <a:extLst>
-              <a:ext uri="{FF2B5EF4-FFF2-40B4-BE49-F238E27FC236}">
-                <a16:creationId xmlns:a16="http://schemas.microsoft.com/office/drawing/2014/main" id="{ACCDB7E4-FA41-41A0-808C-D09ACAAC98FC}"/>
-              </a:ext>
-            </a:extLst>
-          </p:cNvPr>
+            <a:endParaRPr lang="en-US" dirty="0"/>
+          </a:p>
+        </p:txBody>
+      </p:sp>
+      <p:sp>
+        <p:nvSpPr>
+          <p:cNvPr id="4" name="Date Placeholder 3"/>
           <p:cNvSpPr>
             <a:spLocks noGrp="1"/>
           </p:cNvSpPr>
@@ -2921,13 +3110,7 @@
       </p:sp>
       <p:sp>
         <p:nvSpPr>
-          <p:cNvPr id="5" name="Footer Placeholder 4">
-            <a:extLst>
-              <a:ext uri="{FF2B5EF4-FFF2-40B4-BE49-F238E27FC236}">
-                <a16:creationId xmlns:a16="http://schemas.microsoft.com/office/drawing/2014/main" id="{7187CD09-694E-4C3C-BA2B-D0141261814C}"/>
-              </a:ext>
-            </a:extLst>
-          </p:cNvPr>
+          <p:cNvPr id="5" name="Footer Placeholder 4"/>
           <p:cNvSpPr>
             <a:spLocks noGrp="1"/>
           </p:cNvSpPr>
@@ -2964,13 +3147,7 @@
       </p:sp>
       <p:sp>
         <p:nvSpPr>
-          <p:cNvPr id="6" name="Slide Number Placeholder 5">
-            <a:extLst>
-              <a:ext uri="{FF2B5EF4-FFF2-40B4-BE49-F238E27FC236}">
-                <a16:creationId xmlns:a16="http://schemas.microsoft.com/office/drawing/2014/main" id="{54B47CEC-4F51-4A9A-9C34-363CA475C83F}"/>
-              </a:ext>
-            </a:extLst>
-          </p:cNvPr>
+          <p:cNvPr id="6" name="Slide Number Placeholder 5"/>
           <p:cNvSpPr>
             <a:spLocks noGrp="1"/>
           </p:cNvSpPr>
@@ -3012,23 +3189,23 @@
     </p:spTree>
     <p:extLst>
       <p:ext uri="{BB962C8B-B14F-4D97-AF65-F5344CB8AC3E}">
-        <p14:creationId xmlns:p14="http://schemas.microsoft.com/office/powerpoint/2010/main" val="1632702068"/>
+        <p14:creationId xmlns:p14="http://schemas.microsoft.com/office/powerpoint/2010/main" val="4068507439"/>
       </p:ext>
     </p:extLst>
   </p:cSld>
   <p:clrMap bg1="lt1" tx1="dk1" bg2="lt2" tx2="dk2" accent1="accent1" accent2="accent2" accent3="accent3" accent4="accent4" accent5="accent5" accent6="accent6" hlink="hlink" folHlink="folHlink"/>
   <p:sldLayoutIdLst>
-    <p:sldLayoutId id="2147483649" r:id="rId1"/>
-    <p:sldLayoutId id="2147483650" r:id="rId2"/>
-    <p:sldLayoutId id="2147483651" r:id="rId3"/>
-    <p:sldLayoutId id="2147483652" r:id="rId4"/>
-    <p:sldLayoutId id="2147483653" r:id="rId5"/>
-    <p:sldLayoutId id="2147483654" r:id="rId6"/>
-    <p:sldLayoutId id="2147483655" r:id="rId7"/>
-    <p:sldLayoutId id="2147483656" r:id="rId8"/>
-    <p:sldLayoutId id="2147483657" r:id="rId9"/>
-    <p:sldLayoutId id="2147483658" r:id="rId10"/>
-    <p:sldLayoutId id="2147483659" r:id="rId11"/>
+    <p:sldLayoutId id="2147483661" r:id="rId1"/>
+    <p:sldLayoutId id="2147483662" r:id="rId2"/>
+    <p:sldLayoutId id="2147483663" r:id="rId3"/>
+    <p:sldLayoutId id="2147483664" r:id="rId4"/>
+    <p:sldLayoutId id="2147483665" r:id="rId5"/>
+    <p:sldLayoutId id="2147483666" r:id="rId6"/>
+    <p:sldLayoutId id="2147483667" r:id="rId7"/>
+    <p:sldLayoutId id="2147483668" r:id="rId8"/>
+    <p:sldLayoutId id="2147483669" r:id="rId9"/>
+    <p:sldLayoutId id="2147483670" r:id="rId10"/>
+    <p:sldLayoutId id="2147483671" r:id="rId11"/>
   </p:sldLayoutIdLst>
   <p:txStyles>
     <p:titleStyle>
@@ -3316,6 +3493,14 @@
 <file path=ppt/slides/slide1.xml><?xml version="1.0" encoding="utf-8"?>
 <p:sld xmlns:a="http://schemas.openxmlformats.org/drawingml/2006/main" xmlns:r="http://schemas.openxmlformats.org/officeDocument/2006/relationships" xmlns:p="http://schemas.openxmlformats.org/presentationml/2006/main">
   <p:cSld>
+    <p:bg>
+      <p:bgPr>
+        <a:solidFill>
+          <a:srgbClr val="000000"/>
+        </a:solidFill>
+        <a:effectLst/>
+      </p:bgPr>
+    </p:bg>
     <p:spTree>
       <p:nvGrpSpPr>
         <p:cNvPr id="1" name=""/>
@@ -3330,6 +3515,42 @@
           <a:chExt cx="0" cy="0"/>
         </a:xfrm>
       </p:grpSpPr>
+      <p:pic>
+        <p:nvPicPr>
+          <p:cNvPr id="12" name="Picture 11" descr="A person surfing on a wave&#10;&#10;Description automatically generated with medium confidence">
+            <a:extLst>
+              <a:ext uri="{FF2B5EF4-FFF2-40B4-BE49-F238E27FC236}">
+                <a16:creationId xmlns:a16="http://schemas.microsoft.com/office/drawing/2014/main" id="{2D34B2C1-0C1B-4640-8DF6-79E866E29F67}"/>
+              </a:ext>
+            </a:extLst>
+          </p:cNvPr>
+          <p:cNvPicPr>
+            <a:picLocks noChangeAspect="1"/>
+          </p:cNvPicPr>
+          <p:nvPr/>
+        </p:nvPicPr>
+        <p:blipFill rotWithShape="1">
+          <a:blip r:embed="rId2">
+            <a:alphaModFix amt="50000"/>
+            <a:extLst>
+              <a:ext uri="{28A0092B-C50C-407E-A947-70E740481C1C}">
+                <a14:useLocalDpi xmlns:a14="http://schemas.microsoft.com/office/drawing/2010/main" val="0"/>
+              </a:ext>
+            </a:extLst>
+          </a:blip>
+          <a:srcRect/>
+          <a:stretch/>
+        </p:blipFill>
+        <p:spPr>
+          <a:xfrm>
+            <a:off x="0" y="-1"/>
+            <a:ext cx="12192000" cy="6858000"/>
+          </a:xfrm>
+          <a:prstGeom prst="rect">
+            <a:avLst/>
+          </a:prstGeom>
+        </p:spPr>
+      </p:pic>
       <p:sp>
         <p:nvSpPr>
           <p:cNvPr id="2" name="Title 1">
@@ -3348,18 +3569,22 @@
         </p:nvSpPr>
         <p:spPr>
           <a:xfrm>
-            <a:off x="1524000" y="1122363"/>
-            <a:ext cx="9144000" cy="936592"/>
+            <a:off x="1445059" y="365844"/>
+            <a:ext cx="9144000" cy="1897132"/>
           </a:xfrm>
         </p:spPr>
         <p:txBody>
           <a:bodyPr>
-            <a:noAutofit/>
+            <a:normAutofit/>
           </a:bodyPr>
           <a:lstStyle/>
           <a:p>
             <a:r>
-              <a:rPr lang="en-US" sz="3200" dirty="0"/>
+              <a:rPr lang="en-US" dirty="0">
+                <a:solidFill>
+                  <a:srgbClr val="FFFFFF"/>
+                </a:solidFill>
+              </a:rPr>
               <a:t>Scale-recurrent Network for Deep Image Deblurring</a:t>
             </a:r>
           </a:p>
@@ -3383,8 +3608,8 @@
         </p:nvSpPr>
         <p:spPr>
           <a:xfrm>
-            <a:off x="1524000" y="2688491"/>
-            <a:ext cx="9144000" cy="3087077"/>
+            <a:off x="1524000" y="3019494"/>
+            <a:ext cx="9144000" cy="2238305"/>
           </a:xfrm>
         </p:spPr>
         <p:txBody>
@@ -3393,89 +3618,150 @@
           </a:bodyPr>
           <a:lstStyle/>
           <a:p>
-            <a:pPr algn="l"/>
-            <a:r>
-              <a:rPr lang="en-US" sz="2400" dirty="0"/>
-              <a:t>Student name: Tom Lev-ron.</a:t>
-            </a:r>
-          </a:p>
-          <a:p>
-            <a:pPr algn="l"/>
-            <a:r>
-              <a:rPr lang="en-US" dirty="0"/>
+            <a:r>
+              <a:rPr lang="en-US" sz="2000" dirty="0">
+                <a:solidFill>
+                  <a:srgbClr val="FFFFFF"/>
+                </a:solidFill>
+              </a:rPr>
+              <a:t>Student name: Tom </a:t>
+            </a:r>
+            <a:r>
+              <a:rPr lang="en-US" sz="2000" dirty="0" err="1">
+                <a:solidFill>
+                  <a:srgbClr val="FFFFFF"/>
+                </a:solidFill>
+              </a:rPr>
+              <a:t>Lev-ron</a:t>
+            </a:r>
+            <a:r>
+              <a:rPr lang="en-US" sz="2000" dirty="0">
+                <a:solidFill>
+                  <a:srgbClr val="FFFFFF"/>
+                </a:solidFill>
+              </a:rPr>
+              <a:t>.</a:t>
+            </a:r>
+          </a:p>
+          <a:p>
+            <a:r>
+              <a:rPr lang="en-US" sz="2000" dirty="0">
+                <a:solidFill>
+                  <a:srgbClr val="FFFFFF"/>
+                </a:solidFill>
+              </a:rPr>
               <a:t>Introduction to digital image processing.</a:t>
             </a:r>
           </a:p>
           <a:p>
-            <a:pPr algn="l"/>
-            <a:r>
-              <a:rPr lang="en-US" sz="2400" dirty="0"/>
+            <a:r>
+              <a:rPr lang="en-US" sz="2000" dirty="0">
+                <a:solidFill>
+                  <a:srgbClr val="FFFFFF"/>
+                </a:solidFill>
+              </a:rPr>
               <a:t>Date: 14.01.2020.</a:t>
             </a:r>
           </a:p>
           <a:p>
-            <a:pPr algn="l"/>
-            <a:r>
-              <a:rPr lang="en-US" sz="2400" dirty="0"/>
+            <a:r>
+              <a:rPr lang="en-US" sz="2000" dirty="0">
+                <a:solidFill>
+                  <a:srgbClr val="FFFFFF"/>
+                </a:solidFill>
+              </a:rPr>
               <a:t>Paper authors: Xin Tao, </a:t>
             </a:r>
             <a:r>
-              <a:rPr lang="en-US" sz="2400" dirty="0" err="1"/>
+              <a:rPr lang="en-US" sz="2000" dirty="0" err="1">
+                <a:solidFill>
+                  <a:srgbClr val="FFFFFF"/>
+                </a:solidFill>
+              </a:rPr>
               <a:t>Hongyun</a:t>
             </a:r>
             <a:r>
-              <a:rPr lang="en-US" sz="2400" dirty="0"/>
+              <a:rPr lang="en-US" sz="2000" dirty="0">
+                <a:solidFill>
+                  <a:srgbClr val="FFFFFF"/>
+                </a:solidFill>
+              </a:rPr>
               <a:t> Gao, </a:t>
             </a:r>
             <a:r>
-              <a:rPr lang="en-US" sz="2400" dirty="0" err="1"/>
+              <a:rPr lang="en-US" sz="2000" dirty="0" err="1">
+                <a:solidFill>
+                  <a:srgbClr val="FFFFFF"/>
+                </a:solidFill>
+              </a:rPr>
               <a:t>Xiaoyong</a:t>
             </a:r>
             <a:r>
-              <a:rPr lang="en-US" sz="2400" dirty="0"/>
+              <a:rPr lang="en-US" sz="2000" dirty="0">
+                <a:solidFill>
+                  <a:srgbClr val="FFFFFF"/>
+                </a:solidFill>
+              </a:rPr>
               <a:t> Shen, </a:t>
             </a:r>
             <a:r>
-              <a:rPr lang="en-US" sz="2400" dirty="0" err="1"/>
+              <a:rPr lang="en-US" sz="2000" dirty="0" err="1">
+                <a:solidFill>
+                  <a:srgbClr val="FFFFFF"/>
+                </a:solidFill>
+              </a:rPr>
               <a:t>Jue</a:t>
             </a:r>
             <a:r>
-              <a:rPr lang="en-US" sz="2400" dirty="0"/>
+              <a:rPr lang="en-US" sz="2000" dirty="0">
+                <a:solidFill>
+                  <a:srgbClr val="FFFFFF"/>
+                </a:solidFill>
+              </a:rPr>
               <a:t> Wang, </a:t>
             </a:r>
             <a:r>
-              <a:rPr lang="en-US" sz="2400" dirty="0" err="1"/>
+              <a:rPr lang="en-US" sz="2000" dirty="0" err="1">
+                <a:solidFill>
+                  <a:srgbClr val="FFFFFF"/>
+                </a:solidFill>
+              </a:rPr>
               <a:t>Jiaya</a:t>
             </a:r>
             <a:r>
-              <a:rPr lang="en-US" sz="2400" dirty="0"/>
-              <a:t> </a:t>
-            </a:r>
-            <a:r>
-              <a:rPr lang="en-US" sz="2400" dirty="0" err="1"/>
-              <a:t>Jia</a:t>
-            </a:r>
-            <a:r>
-              <a:rPr lang="en-US" dirty="0"/>
-              <a:t>.</a:t>
-            </a:r>
-            <a:endParaRPr lang="en-US" sz="2400" dirty="0"/>
-          </a:p>
-          <a:p>
-            <a:pPr algn="l"/>
-            <a:r>
-              <a:rPr lang="en-US" sz="2400" dirty="0"/>
+              <a:rPr lang="en-US" sz="2000" dirty="0">
+                <a:solidFill>
+                  <a:srgbClr val="FFFFFF"/>
+                </a:solidFill>
+              </a:rPr>
+              <a:t> Jia.</a:t>
+            </a:r>
+          </a:p>
+          <a:p>
+            <a:r>
+              <a:rPr lang="en-US" sz="2000" dirty="0">
+                <a:solidFill>
+                  <a:srgbClr val="FFFFFF"/>
+                </a:solidFill>
+              </a:rPr>
               <a:t>The Chinese University of Hong Kong , </a:t>
             </a:r>
             <a:r>
-              <a:rPr lang="en-US" sz="2400" dirty="0" err="1"/>
+              <a:rPr lang="en-US" sz="2000" dirty="0" err="1">
+                <a:solidFill>
+                  <a:srgbClr val="FFFFFF"/>
+                </a:solidFill>
+              </a:rPr>
               <a:t>YouTu</a:t>
             </a:r>
             <a:r>
-              <a:rPr lang="en-US" sz="2400" dirty="0"/>
+              <a:rPr lang="en-US" sz="2000" dirty="0">
+                <a:solidFill>
+                  <a:srgbClr val="FFFFFF"/>
+                </a:solidFill>
+              </a:rPr>
               <a:t> Lab,  Tencent 3Megvii Inc. </a:t>
             </a:r>
-            <a:endParaRPr lang="en-US" dirty="0"/>
           </a:p>
         </p:txBody>
       </p:sp>
@@ -3487,7 +3773,7 @@
     </p:extLst>
   </p:cSld>
   <p:clrMapOvr>
-    <a:masterClrMapping/>
+    <a:overrideClrMapping bg1="dk1" tx1="lt1" bg2="dk2" tx2="lt2" accent1="accent1" accent2="accent2" accent3="accent3" accent4="accent4" accent5="accent5" accent6="accent6" hlink="hlink" folHlink="folHlink"/>
   </p:clrMapOvr>
 </p:sld>
 </file>
@@ -3495,6 +3781,14 @@
 <file path=ppt/slides/slide2.xml><?xml version="1.0" encoding="utf-8"?>
 <p:sld xmlns:a="http://schemas.openxmlformats.org/drawingml/2006/main" xmlns:r="http://schemas.openxmlformats.org/officeDocument/2006/relationships" xmlns:p="http://schemas.openxmlformats.org/presentationml/2006/main">
   <p:cSld>
+    <p:bg>
+      <p:bgPr>
+        <a:solidFill>
+          <a:schemeClr val="bg1"/>
+        </a:solidFill>
+        <a:effectLst/>
+      </p:bgPr>
+    </p:bg>
     <p:spTree>
       <p:nvGrpSpPr>
         <p:cNvPr id="1" name=""/>
@@ -3509,6 +3803,42 @@
           <a:chExt cx="0" cy="0"/>
         </a:xfrm>
       </p:grpSpPr>
+      <p:pic>
+        <p:nvPicPr>
+          <p:cNvPr id="5" name="Picture 4" descr="A wave in the ocean&#10;&#10;Description automatically generated with medium confidence">
+            <a:extLst>
+              <a:ext uri="{FF2B5EF4-FFF2-40B4-BE49-F238E27FC236}">
+                <a16:creationId xmlns:a16="http://schemas.microsoft.com/office/drawing/2014/main" id="{23A2F4AA-0C86-4FE4-9E14-E818465A270D}"/>
+              </a:ext>
+            </a:extLst>
+          </p:cNvPr>
+          <p:cNvPicPr>
+            <a:picLocks noChangeAspect="1"/>
+          </p:cNvPicPr>
+          <p:nvPr/>
+        </p:nvPicPr>
+        <p:blipFill rotWithShape="1">
+          <a:blip r:embed="rId2">
+            <a:alphaModFix amt="35000"/>
+            <a:extLst>
+              <a:ext uri="{28A0092B-C50C-407E-A947-70E740481C1C}">
+                <a14:useLocalDpi xmlns:a14="http://schemas.microsoft.com/office/drawing/2010/main" val="0"/>
+              </a:ext>
+            </a:extLst>
+          </a:blip>
+          <a:srcRect t="15730"/>
+          <a:stretch/>
+        </p:blipFill>
+        <p:spPr>
+          <a:xfrm>
+            <a:off x="20" y="10"/>
+            <a:ext cx="12191980" cy="6857990"/>
+          </a:xfrm>
+          <a:prstGeom prst="rect">
+            <a:avLst/>
+          </a:prstGeom>
+        </p:spPr>
+      </p:pic>
       <p:sp>
         <p:nvSpPr>
           <p:cNvPr id="2" name="Title 1">
@@ -3527,12 +3857,18 @@
         </p:nvSpPr>
         <p:spPr/>
         <p:txBody>
-          <a:bodyPr/>
-          <a:lstStyle/>
-          <a:p>
-            <a:r>
-              <a:rPr lang="en-US" dirty="0"/>
-              <a:t>This Presentation will fucus more on the article and less on the subject</a:t>
+          <a:bodyPr>
+            <a:normAutofit/>
+          </a:bodyPr>
+          <a:lstStyle/>
+          <a:p>
+            <a:r>
+              <a:rPr lang="en-US">
+                <a:solidFill>
+                  <a:srgbClr val="FFFFFF"/>
+                </a:solidFill>
+              </a:rPr>
+              <a:t>Opening notes</a:t>
             </a:r>
           </a:p>
         </p:txBody>
@@ -3555,10 +3891,26 @@
         </p:nvSpPr>
         <p:spPr/>
         <p:txBody>
-          <a:bodyPr/>
-          <a:lstStyle/>
-          <a:p>
-            <a:endParaRPr lang="en-US"/>
+          <a:bodyPr>
+            <a:normAutofit/>
+          </a:bodyPr>
+          <a:lstStyle/>
+          <a:p>
+            <a:r>
+              <a:rPr lang="en-US">
+                <a:solidFill>
+                  <a:srgbClr val="FFFFFF"/>
+                </a:solidFill>
+              </a:rPr>
+              <a:t>This Presentation will fucus more on the article method and less about deblurring in general.</a:t>
+            </a:r>
+          </a:p>
+          <a:p>
+            <a:endParaRPr lang="en-US">
+              <a:solidFill>
+                <a:srgbClr val="FFFFFF"/>
+              </a:solidFill>
+            </a:endParaRPr>
           </a:p>
         </p:txBody>
       </p:sp>
@@ -3570,7 +3922,7 @@
     </p:extLst>
   </p:cSld>
   <p:clrMapOvr>
-    <a:masterClrMapping/>
+    <a:overrideClrMapping bg1="dk1" tx1="lt1" bg2="dk2" tx2="lt2" accent1="accent1" accent2="accent2" accent3="accent3" accent4="accent4" accent5="accent5" accent6="accent6" hlink="hlink" folHlink="folHlink"/>
   </p:clrMapOvr>
 </p:sld>
 </file>
@@ -3578,6 +3930,14 @@
 <file path=ppt/slides/slide3.xml><?xml version="1.0" encoding="utf-8"?>
 <p:sld xmlns:a="http://schemas.openxmlformats.org/drawingml/2006/main" xmlns:r="http://schemas.openxmlformats.org/officeDocument/2006/relationships" xmlns:p="http://schemas.openxmlformats.org/presentationml/2006/main">
   <p:cSld>
+    <p:bg>
+      <p:bgPr>
+        <a:solidFill>
+          <a:schemeClr val="bg1"/>
+        </a:solidFill>
+        <a:effectLst/>
+      </p:bgPr>
+    </p:bg>
     <p:spTree>
       <p:nvGrpSpPr>
         <p:cNvPr id="1" name=""/>
@@ -3592,6 +3952,66 @@
           <a:chExt cx="0" cy="0"/>
         </a:xfrm>
       </p:grpSpPr>
+      <p:sp useBgFill="1">
+        <p:nvSpPr>
+          <p:cNvPr id="14" name="Rectangle 9">
+            <a:extLst>
+              <a:ext uri="{FF2B5EF4-FFF2-40B4-BE49-F238E27FC236}">
+                <a16:creationId xmlns:a16="http://schemas.microsoft.com/office/drawing/2014/main" id="{45D37F4E-DDB4-456B-97E0-9937730A039F}"/>
+              </a:ext>
+              <a:ext uri="{C183D7F6-B498-43B3-948B-1728B52AA6E4}">
+                <adec:decorative xmlns:adec="http://schemas.microsoft.com/office/drawing/2017/decorative" val="1"/>
+              </a:ext>
+            </a:extLst>
+          </p:cNvPr>
+          <p:cNvSpPr>
+            <a:spLocks noGrp="1" noRot="1" noChangeAspect="1" noMove="1" noResize="1" noEditPoints="1" noAdjustHandles="1" noChangeArrowheads="1" noChangeShapeType="1" noTextEdit="1"/>
+          </p:cNvSpPr>
+          <p:nvPr>
+            <p:extLst>
+              <p:ext uri="{386F3935-93C4-4BCD-93E2-E3B085C9AB24}">
+                <p16:designElem xmlns:p16="http://schemas.microsoft.com/office/powerpoint/2015/main" val="1"/>
+              </p:ext>
+            </p:extLst>
+          </p:nvPr>
+        </p:nvSpPr>
+        <p:spPr>
+          <a:xfrm>
+            <a:off x="0" y="0"/>
+            <a:ext cx="12188952" cy="6858000"/>
+          </a:xfrm>
+          <a:prstGeom prst="rect">
+            <a:avLst/>
+          </a:prstGeom>
+          <a:ln>
+            <a:noFill/>
+          </a:ln>
+        </p:spPr>
+        <p:style>
+          <a:lnRef idx="2">
+            <a:schemeClr val="accent1">
+              <a:shade val="50000"/>
+            </a:schemeClr>
+          </a:lnRef>
+          <a:fillRef idx="1">
+            <a:schemeClr val="accent1"/>
+          </a:fillRef>
+          <a:effectRef idx="0">
+            <a:schemeClr val="accent1"/>
+          </a:effectRef>
+          <a:fontRef idx="minor">
+            <a:schemeClr val="lt1"/>
+          </a:fontRef>
+        </p:style>
+        <p:txBody>
+          <a:bodyPr rtlCol="0" anchor="ctr"/>
+          <a:lstStyle/>
+          <a:p>
+            <a:pPr algn="ctr"/>
+            <a:endParaRPr lang="en-US"/>
+          </a:p>
+        </p:txBody>
+      </p:sp>
       <p:sp>
         <p:nvSpPr>
           <p:cNvPr id="2" name="Title 1">
@@ -3608,20 +4028,689 @@
             <p:ph type="title"/>
           </p:nvPr>
         </p:nvSpPr>
-        <p:spPr/>
-        <p:txBody>
-          <a:bodyPr/>
-          <a:lstStyle/>
-          <a:p>
-            <a:r>
-              <a:rPr lang="en-US" dirty="0"/>
+        <p:spPr>
+          <a:xfrm>
+            <a:off x="572493" y="238539"/>
+            <a:ext cx="11018520" cy="1434415"/>
+          </a:xfrm>
+        </p:spPr>
+        <p:txBody>
+          <a:bodyPr anchor="b">
+            <a:normAutofit/>
+          </a:bodyPr>
+          <a:lstStyle/>
+          <a:p>
+            <a:r>
+              <a:rPr lang="en-US" sz="5000"/>
               <a:t>The Challenge – Single Image Deblurring </a:t>
             </a:r>
           </a:p>
         </p:txBody>
       </p:sp>
-      <mc:AlternateContent xmlns:mc="http://schemas.openxmlformats.org/markup-compatibility/2006" xmlns:a14="http://schemas.microsoft.com/office/drawing/2010/main">
-        <mc:Choice Requires="a14">
+      <p:sp>
+        <p:nvSpPr>
+          <p:cNvPr id="15" name="sketchy line">
+            <a:extLst>
+              <a:ext uri="{FF2B5EF4-FFF2-40B4-BE49-F238E27FC236}">
+                <a16:creationId xmlns:a16="http://schemas.microsoft.com/office/drawing/2014/main" id="{B2DD41CD-8F47-4F56-AD12-4E2FF7696987}"/>
+              </a:ext>
+              <a:ext uri="{C183D7F6-B498-43B3-948B-1728B52AA6E4}">
+                <adec:decorative xmlns:adec="http://schemas.microsoft.com/office/drawing/2017/decorative" val="1"/>
+              </a:ext>
+            </a:extLst>
+          </p:cNvPr>
+          <p:cNvSpPr>
+            <a:spLocks noGrp="1" noRot="1" noChangeAspect="1" noMove="1" noResize="1" noEditPoints="1" noAdjustHandles="1" noChangeArrowheads="1" noChangeShapeType="1" noTextEdit="1"/>
+          </p:cNvSpPr>
+          <p:nvPr>
+            <p:extLst>
+              <p:ext uri="{386F3935-93C4-4BCD-93E2-E3B085C9AB24}">
+                <p16:designElem xmlns:p16="http://schemas.microsoft.com/office/powerpoint/2015/main" val="1"/>
+              </p:ext>
+            </p:extLst>
+          </p:nvPr>
+        </p:nvSpPr>
+        <p:spPr>
+          <a:xfrm>
+            <a:off x="572493" y="1681544"/>
+            <a:ext cx="10972800" cy="18288"/>
+          </a:xfrm>
+          <a:custGeom>
+            <a:avLst/>
+            <a:gdLst>
+              <a:gd name="connsiteX0" fmla="*/ 0 w 10972800"/>
+              <a:gd name="connsiteY0" fmla="*/ 0 h 18288"/>
+              <a:gd name="connsiteX1" fmla="*/ 356616 w 10972800"/>
+              <a:gd name="connsiteY1" fmla="*/ 0 h 18288"/>
+              <a:gd name="connsiteX2" fmla="*/ 1042416 w 10972800"/>
+              <a:gd name="connsiteY2" fmla="*/ 0 h 18288"/>
+              <a:gd name="connsiteX3" fmla="*/ 1947672 w 10972800"/>
+              <a:gd name="connsiteY3" fmla="*/ 0 h 18288"/>
+              <a:gd name="connsiteX4" fmla="*/ 2633472 w 10972800"/>
+              <a:gd name="connsiteY4" fmla="*/ 0 h 18288"/>
+              <a:gd name="connsiteX5" fmla="*/ 2990088 w 10972800"/>
+              <a:gd name="connsiteY5" fmla="*/ 0 h 18288"/>
+              <a:gd name="connsiteX6" fmla="*/ 3456432 w 10972800"/>
+              <a:gd name="connsiteY6" fmla="*/ 0 h 18288"/>
+              <a:gd name="connsiteX7" fmla="*/ 4361688 w 10972800"/>
+              <a:gd name="connsiteY7" fmla="*/ 0 h 18288"/>
+              <a:gd name="connsiteX8" fmla="*/ 5266944 w 10972800"/>
+              <a:gd name="connsiteY8" fmla="*/ 0 h 18288"/>
+              <a:gd name="connsiteX9" fmla="*/ 6172200 w 10972800"/>
+              <a:gd name="connsiteY9" fmla="*/ 0 h 18288"/>
+              <a:gd name="connsiteX10" fmla="*/ 6528816 w 10972800"/>
+              <a:gd name="connsiteY10" fmla="*/ 0 h 18288"/>
+              <a:gd name="connsiteX11" fmla="*/ 7214616 w 10972800"/>
+              <a:gd name="connsiteY11" fmla="*/ 0 h 18288"/>
+              <a:gd name="connsiteX12" fmla="*/ 7790688 w 10972800"/>
+              <a:gd name="connsiteY12" fmla="*/ 0 h 18288"/>
+              <a:gd name="connsiteX13" fmla="*/ 8147304 w 10972800"/>
+              <a:gd name="connsiteY13" fmla="*/ 0 h 18288"/>
+              <a:gd name="connsiteX14" fmla="*/ 9052560 w 10972800"/>
+              <a:gd name="connsiteY14" fmla="*/ 0 h 18288"/>
+              <a:gd name="connsiteX15" fmla="*/ 9409176 w 10972800"/>
+              <a:gd name="connsiteY15" fmla="*/ 0 h 18288"/>
+              <a:gd name="connsiteX16" fmla="*/ 9765792 w 10972800"/>
+              <a:gd name="connsiteY16" fmla="*/ 0 h 18288"/>
+              <a:gd name="connsiteX17" fmla="*/ 10341864 w 10972800"/>
+              <a:gd name="connsiteY17" fmla="*/ 0 h 18288"/>
+              <a:gd name="connsiteX18" fmla="*/ 10972800 w 10972800"/>
+              <a:gd name="connsiteY18" fmla="*/ 0 h 18288"/>
+              <a:gd name="connsiteX19" fmla="*/ 10972800 w 10972800"/>
+              <a:gd name="connsiteY19" fmla="*/ 18288 h 18288"/>
+              <a:gd name="connsiteX20" fmla="*/ 10177272 w 10972800"/>
+              <a:gd name="connsiteY20" fmla="*/ 18288 h 18288"/>
+              <a:gd name="connsiteX21" fmla="*/ 9820656 w 10972800"/>
+              <a:gd name="connsiteY21" fmla="*/ 18288 h 18288"/>
+              <a:gd name="connsiteX22" fmla="*/ 9464040 w 10972800"/>
+              <a:gd name="connsiteY22" fmla="*/ 18288 h 18288"/>
+              <a:gd name="connsiteX23" fmla="*/ 8778240 w 10972800"/>
+              <a:gd name="connsiteY23" fmla="*/ 18288 h 18288"/>
+              <a:gd name="connsiteX24" fmla="*/ 8421624 w 10972800"/>
+              <a:gd name="connsiteY24" fmla="*/ 18288 h 18288"/>
+              <a:gd name="connsiteX25" fmla="*/ 7735824 w 10972800"/>
+              <a:gd name="connsiteY25" fmla="*/ 18288 h 18288"/>
+              <a:gd name="connsiteX26" fmla="*/ 6940296 w 10972800"/>
+              <a:gd name="connsiteY26" fmla="*/ 18288 h 18288"/>
+              <a:gd name="connsiteX27" fmla="*/ 6254496 w 10972800"/>
+              <a:gd name="connsiteY27" fmla="*/ 18288 h 18288"/>
+              <a:gd name="connsiteX28" fmla="*/ 5458968 w 10972800"/>
+              <a:gd name="connsiteY28" fmla="*/ 18288 h 18288"/>
+              <a:gd name="connsiteX29" fmla="*/ 4663440 w 10972800"/>
+              <a:gd name="connsiteY29" fmla="*/ 18288 h 18288"/>
+              <a:gd name="connsiteX30" fmla="*/ 4306824 w 10972800"/>
+              <a:gd name="connsiteY30" fmla="*/ 18288 h 18288"/>
+              <a:gd name="connsiteX31" fmla="*/ 3840480 w 10972800"/>
+              <a:gd name="connsiteY31" fmla="*/ 18288 h 18288"/>
+              <a:gd name="connsiteX32" fmla="*/ 3264408 w 10972800"/>
+              <a:gd name="connsiteY32" fmla="*/ 18288 h 18288"/>
+              <a:gd name="connsiteX33" fmla="*/ 2578608 w 10972800"/>
+              <a:gd name="connsiteY33" fmla="*/ 18288 h 18288"/>
+              <a:gd name="connsiteX34" fmla="*/ 1673352 w 10972800"/>
+              <a:gd name="connsiteY34" fmla="*/ 18288 h 18288"/>
+              <a:gd name="connsiteX35" fmla="*/ 877824 w 10972800"/>
+              <a:gd name="connsiteY35" fmla="*/ 18288 h 18288"/>
+              <a:gd name="connsiteX36" fmla="*/ 0 w 10972800"/>
+              <a:gd name="connsiteY36" fmla="*/ 18288 h 18288"/>
+              <a:gd name="connsiteX37" fmla="*/ 0 w 10972800"/>
+              <a:gd name="connsiteY37" fmla="*/ 0 h 18288"/>
+            </a:gdLst>
+            <a:ahLst/>
+            <a:cxnLst>
+              <a:cxn ang="0">
+                <a:pos x="connsiteX0" y="connsiteY0"/>
+              </a:cxn>
+              <a:cxn ang="0">
+                <a:pos x="connsiteX1" y="connsiteY1"/>
+              </a:cxn>
+              <a:cxn ang="0">
+                <a:pos x="connsiteX2" y="connsiteY2"/>
+              </a:cxn>
+              <a:cxn ang="0">
+                <a:pos x="connsiteX3" y="connsiteY3"/>
+              </a:cxn>
+              <a:cxn ang="0">
+                <a:pos x="connsiteX4" y="connsiteY4"/>
+              </a:cxn>
+              <a:cxn ang="0">
+                <a:pos x="connsiteX5" y="connsiteY5"/>
+              </a:cxn>
+              <a:cxn ang="0">
+                <a:pos x="connsiteX6" y="connsiteY6"/>
+              </a:cxn>
+              <a:cxn ang="0">
+                <a:pos x="connsiteX7" y="connsiteY7"/>
+              </a:cxn>
+              <a:cxn ang="0">
+                <a:pos x="connsiteX8" y="connsiteY8"/>
+              </a:cxn>
+              <a:cxn ang="0">
+                <a:pos x="connsiteX9" y="connsiteY9"/>
+              </a:cxn>
+              <a:cxn ang="0">
+                <a:pos x="connsiteX10" y="connsiteY10"/>
+              </a:cxn>
+              <a:cxn ang="0">
+                <a:pos x="connsiteX11" y="connsiteY11"/>
+              </a:cxn>
+              <a:cxn ang="0">
+                <a:pos x="connsiteX12" y="connsiteY12"/>
+              </a:cxn>
+              <a:cxn ang="0">
+                <a:pos x="connsiteX13" y="connsiteY13"/>
+              </a:cxn>
+              <a:cxn ang="0">
+                <a:pos x="connsiteX14" y="connsiteY14"/>
+              </a:cxn>
+              <a:cxn ang="0">
+                <a:pos x="connsiteX15" y="connsiteY15"/>
+              </a:cxn>
+              <a:cxn ang="0">
+                <a:pos x="connsiteX16" y="connsiteY16"/>
+              </a:cxn>
+              <a:cxn ang="0">
+                <a:pos x="connsiteX17" y="connsiteY17"/>
+              </a:cxn>
+              <a:cxn ang="0">
+                <a:pos x="connsiteX18" y="connsiteY18"/>
+              </a:cxn>
+              <a:cxn ang="0">
+                <a:pos x="connsiteX19" y="connsiteY19"/>
+              </a:cxn>
+              <a:cxn ang="0">
+                <a:pos x="connsiteX20" y="connsiteY20"/>
+              </a:cxn>
+              <a:cxn ang="0">
+                <a:pos x="connsiteX21" y="connsiteY21"/>
+              </a:cxn>
+              <a:cxn ang="0">
+                <a:pos x="connsiteX22" y="connsiteY22"/>
+              </a:cxn>
+              <a:cxn ang="0">
+                <a:pos x="connsiteX23" y="connsiteY23"/>
+              </a:cxn>
+              <a:cxn ang="0">
+                <a:pos x="connsiteX24" y="connsiteY24"/>
+              </a:cxn>
+              <a:cxn ang="0">
+                <a:pos x="connsiteX25" y="connsiteY25"/>
+              </a:cxn>
+              <a:cxn ang="0">
+                <a:pos x="connsiteX26" y="connsiteY26"/>
+              </a:cxn>
+              <a:cxn ang="0">
+                <a:pos x="connsiteX27" y="connsiteY27"/>
+              </a:cxn>
+              <a:cxn ang="0">
+                <a:pos x="connsiteX28" y="connsiteY28"/>
+              </a:cxn>
+              <a:cxn ang="0">
+                <a:pos x="connsiteX29" y="connsiteY29"/>
+              </a:cxn>
+              <a:cxn ang="0">
+                <a:pos x="connsiteX30" y="connsiteY30"/>
+              </a:cxn>
+              <a:cxn ang="0">
+                <a:pos x="connsiteX31" y="connsiteY31"/>
+              </a:cxn>
+              <a:cxn ang="0">
+                <a:pos x="connsiteX32" y="connsiteY32"/>
+              </a:cxn>
+              <a:cxn ang="0">
+                <a:pos x="connsiteX33" y="connsiteY33"/>
+              </a:cxn>
+              <a:cxn ang="0">
+                <a:pos x="connsiteX34" y="connsiteY34"/>
+              </a:cxn>
+              <a:cxn ang="0">
+                <a:pos x="connsiteX35" y="connsiteY35"/>
+              </a:cxn>
+              <a:cxn ang="0">
+                <a:pos x="connsiteX36" y="connsiteY36"/>
+              </a:cxn>
+              <a:cxn ang="0">
+                <a:pos x="connsiteX37" y="connsiteY37"/>
+              </a:cxn>
+            </a:cxnLst>
+            <a:rect l="l" t="t" r="r" b="b"/>
+            <a:pathLst>
+              <a:path w="10972800" h="18288" fill="none" extrusionOk="0">
+                <a:moveTo>
+                  <a:pt x="0" y="0"/>
+                </a:moveTo>
+                <a:cubicBezTo>
+                  <a:pt x="165916" y="-1866"/>
+                  <a:pt x="188720" y="13756"/>
+                  <a:pt x="356616" y="0"/>
+                </a:cubicBezTo>
+                <a:cubicBezTo>
+                  <a:pt x="524512" y="-13756"/>
+                  <a:pt x="734781" y="8922"/>
+                  <a:pt x="1042416" y="0"/>
+                </a:cubicBezTo>
+                <a:cubicBezTo>
+                  <a:pt x="1350051" y="-8922"/>
+                  <a:pt x="1595982" y="-26315"/>
+                  <a:pt x="1947672" y="0"/>
+                </a:cubicBezTo>
+                <a:cubicBezTo>
+                  <a:pt x="2299362" y="26315"/>
+                  <a:pt x="2292691" y="-19526"/>
+                  <a:pt x="2633472" y="0"/>
+                </a:cubicBezTo>
+                <a:cubicBezTo>
+                  <a:pt x="2974253" y="19526"/>
+                  <a:pt x="2857309" y="10773"/>
+                  <a:pt x="2990088" y="0"/>
+                </a:cubicBezTo>
+                <a:cubicBezTo>
+                  <a:pt x="3122867" y="-10773"/>
+                  <a:pt x="3359343" y="7194"/>
+                  <a:pt x="3456432" y="0"/>
+                </a:cubicBezTo>
+                <a:cubicBezTo>
+                  <a:pt x="3553521" y="-7194"/>
+                  <a:pt x="4136258" y="5108"/>
+                  <a:pt x="4361688" y="0"/>
+                </a:cubicBezTo>
+                <a:cubicBezTo>
+                  <a:pt x="4587118" y="-5108"/>
+                  <a:pt x="4992424" y="-42958"/>
+                  <a:pt x="5266944" y="0"/>
+                </a:cubicBezTo>
+                <a:cubicBezTo>
+                  <a:pt x="5541464" y="42958"/>
+                  <a:pt x="5882966" y="-3430"/>
+                  <a:pt x="6172200" y="0"/>
+                </a:cubicBezTo>
+                <a:cubicBezTo>
+                  <a:pt x="6461434" y="3430"/>
+                  <a:pt x="6432127" y="6688"/>
+                  <a:pt x="6528816" y="0"/>
+                </a:cubicBezTo>
+                <a:cubicBezTo>
+                  <a:pt x="6625505" y="-6688"/>
+                  <a:pt x="6916805" y="-436"/>
+                  <a:pt x="7214616" y="0"/>
+                </a:cubicBezTo>
+                <a:cubicBezTo>
+                  <a:pt x="7512427" y="436"/>
+                  <a:pt x="7626159" y="-6909"/>
+                  <a:pt x="7790688" y="0"/>
+                </a:cubicBezTo>
+                <a:cubicBezTo>
+                  <a:pt x="7955217" y="6909"/>
+                  <a:pt x="8048891" y="15307"/>
+                  <a:pt x="8147304" y="0"/>
+                </a:cubicBezTo>
+                <a:cubicBezTo>
+                  <a:pt x="8245717" y="-15307"/>
+                  <a:pt x="8645618" y="-11734"/>
+                  <a:pt x="9052560" y="0"/>
+                </a:cubicBezTo>
+                <a:cubicBezTo>
+                  <a:pt x="9459502" y="11734"/>
+                  <a:pt x="9320584" y="8388"/>
+                  <a:pt x="9409176" y="0"/>
+                </a:cubicBezTo>
+                <a:cubicBezTo>
+                  <a:pt x="9497768" y="-8388"/>
+                  <a:pt x="9644192" y="8379"/>
+                  <a:pt x="9765792" y="0"/>
+                </a:cubicBezTo>
+                <a:cubicBezTo>
+                  <a:pt x="9887392" y="-8379"/>
+                  <a:pt x="10105220" y="-12663"/>
+                  <a:pt x="10341864" y="0"/>
+                </a:cubicBezTo>
+                <a:cubicBezTo>
+                  <a:pt x="10578508" y="12663"/>
+                  <a:pt x="10773103" y="-5786"/>
+                  <a:pt x="10972800" y="0"/>
+                </a:cubicBezTo>
+                <a:cubicBezTo>
+                  <a:pt x="10972146" y="8818"/>
+                  <a:pt x="10972240" y="13823"/>
+                  <a:pt x="10972800" y="18288"/>
+                </a:cubicBezTo>
+                <a:cubicBezTo>
+                  <a:pt x="10588778" y="31598"/>
+                  <a:pt x="10543381" y="-12698"/>
+                  <a:pt x="10177272" y="18288"/>
+                </a:cubicBezTo>
+                <a:cubicBezTo>
+                  <a:pt x="9811163" y="49274"/>
+                  <a:pt x="9996817" y="25662"/>
+                  <a:pt x="9820656" y="18288"/>
+                </a:cubicBezTo>
+                <a:cubicBezTo>
+                  <a:pt x="9644495" y="10914"/>
+                  <a:pt x="9607007" y="31631"/>
+                  <a:pt x="9464040" y="18288"/>
+                </a:cubicBezTo>
+                <a:cubicBezTo>
+                  <a:pt x="9321073" y="4945"/>
+                  <a:pt x="9114189" y="28940"/>
+                  <a:pt x="8778240" y="18288"/>
+                </a:cubicBezTo>
+                <a:cubicBezTo>
+                  <a:pt x="8442291" y="7636"/>
+                  <a:pt x="8594763" y="987"/>
+                  <a:pt x="8421624" y="18288"/>
+                </a:cubicBezTo>
+                <a:cubicBezTo>
+                  <a:pt x="8248485" y="35589"/>
+                  <a:pt x="7929515" y="37573"/>
+                  <a:pt x="7735824" y="18288"/>
+                </a:cubicBezTo>
+                <a:cubicBezTo>
+                  <a:pt x="7542133" y="-997"/>
+                  <a:pt x="7252504" y="33858"/>
+                  <a:pt x="6940296" y="18288"/>
+                </a:cubicBezTo>
+                <a:cubicBezTo>
+                  <a:pt x="6628088" y="2718"/>
+                  <a:pt x="6528503" y="48389"/>
+                  <a:pt x="6254496" y="18288"/>
+                </a:cubicBezTo>
+                <a:cubicBezTo>
+                  <a:pt x="5980489" y="-11813"/>
+                  <a:pt x="5695784" y="-3740"/>
+                  <a:pt x="5458968" y="18288"/>
+                </a:cubicBezTo>
+                <a:cubicBezTo>
+                  <a:pt x="5222152" y="40316"/>
+                  <a:pt x="5010751" y="19095"/>
+                  <a:pt x="4663440" y="18288"/>
+                </a:cubicBezTo>
+                <a:cubicBezTo>
+                  <a:pt x="4316129" y="17481"/>
+                  <a:pt x="4425552" y="1606"/>
+                  <a:pt x="4306824" y="18288"/>
+                </a:cubicBezTo>
+                <a:cubicBezTo>
+                  <a:pt x="4188096" y="34970"/>
+                  <a:pt x="3941535" y="7481"/>
+                  <a:pt x="3840480" y="18288"/>
+                </a:cubicBezTo>
+                <a:cubicBezTo>
+                  <a:pt x="3739425" y="29095"/>
+                  <a:pt x="3402388" y="17641"/>
+                  <a:pt x="3264408" y="18288"/>
+                </a:cubicBezTo>
+                <a:cubicBezTo>
+                  <a:pt x="3126428" y="18935"/>
+                  <a:pt x="2776779" y="9983"/>
+                  <a:pt x="2578608" y="18288"/>
+                </a:cubicBezTo>
+                <a:cubicBezTo>
+                  <a:pt x="2380437" y="26593"/>
+                  <a:pt x="1909468" y="25818"/>
+                  <a:pt x="1673352" y="18288"/>
+                </a:cubicBezTo>
+                <a:cubicBezTo>
+                  <a:pt x="1437236" y="10758"/>
+                  <a:pt x="1131180" y="49884"/>
+                  <a:pt x="877824" y="18288"/>
+                </a:cubicBezTo>
+                <a:cubicBezTo>
+                  <a:pt x="624468" y="-13308"/>
+                  <a:pt x="206753" y="2195"/>
+                  <a:pt x="0" y="18288"/>
+                </a:cubicBezTo>
+                <a:cubicBezTo>
+                  <a:pt x="313" y="10654"/>
+                  <a:pt x="-263" y="4056"/>
+                  <a:pt x="0" y="0"/>
+                </a:cubicBezTo>
+                <a:close/>
+              </a:path>
+              <a:path w="10972800" h="18288" stroke="0" extrusionOk="0">
+                <a:moveTo>
+                  <a:pt x="0" y="0"/>
+                </a:moveTo>
+                <a:cubicBezTo>
+                  <a:pt x="164017" y="-17675"/>
+                  <a:pt x="309425" y="9913"/>
+                  <a:pt x="466344" y="0"/>
+                </a:cubicBezTo>
+                <a:cubicBezTo>
+                  <a:pt x="623263" y="-9913"/>
+                  <a:pt x="659300" y="-14524"/>
+                  <a:pt x="822960" y="0"/>
+                </a:cubicBezTo>
+                <a:cubicBezTo>
+                  <a:pt x="986620" y="14524"/>
+                  <a:pt x="1105222" y="-16481"/>
+                  <a:pt x="1289304" y="0"/>
+                </a:cubicBezTo>
+                <a:cubicBezTo>
+                  <a:pt x="1473386" y="16481"/>
+                  <a:pt x="1693223" y="26161"/>
+                  <a:pt x="1975104" y="0"/>
+                </a:cubicBezTo>
+                <a:cubicBezTo>
+                  <a:pt x="2256985" y="-26161"/>
+                  <a:pt x="2435781" y="23061"/>
+                  <a:pt x="2770632" y="0"/>
+                </a:cubicBezTo>
+                <a:cubicBezTo>
+                  <a:pt x="3105483" y="-23061"/>
+                  <a:pt x="3247479" y="-44011"/>
+                  <a:pt x="3675888" y="0"/>
+                </a:cubicBezTo>
+                <a:cubicBezTo>
+                  <a:pt x="4104297" y="44011"/>
+                  <a:pt x="4280918" y="4017"/>
+                  <a:pt x="4581144" y="0"/>
+                </a:cubicBezTo>
+                <a:cubicBezTo>
+                  <a:pt x="4881370" y="-4017"/>
+                  <a:pt x="5021699" y="-11889"/>
+                  <a:pt x="5157216" y="0"/>
+                </a:cubicBezTo>
+                <a:cubicBezTo>
+                  <a:pt x="5292733" y="11889"/>
+                  <a:pt x="5603398" y="-17698"/>
+                  <a:pt x="5952744" y="0"/>
+                </a:cubicBezTo>
+                <a:cubicBezTo>
+                  <a:pt x="6302090" y="17698"/>
+                  <a:pt x="6353093" y="-11909"/>
+                  <a:pt x="6638544" y="0"/>
+                </a:cubicBezTo>
+                <a:cubicBezTo>
+                  <a:pt x="6923995" y="11909"/>
+                  <a:pt x="7053404" y="21630"/>
+                  <a:pt x="7214616" y="0"/>
+                </a:cubicBezTo>
+                <a:cubicBezTo>
+                  <a:pt x="7375828" y="-21630"/>
+                  <a:pt x="7837963" y="3886"/>
+                  <a:pt x="8010144" y="0"/>
+                </a:cubicBezTo>
+                <a:cubicBezTo>
+                  <a:pt x="8182325" y="-3886"/>
+                  <a:pt x="8224183" y="16009"/>
+                  <a:pt x="8366760" y="0"/>
+                </a:cubicBezTo>
+                <a:cubicBezTo>
+                  <a:pt x="8509337" y="-16009"/>
+                  <a:pt x="8687920" y="-5720"/>
+                  <a:pt x="8942832" y="0"/>
+                </a:cubicBezTo>
+                <a:cubicBezTo>
+                  <a:pt x="9197744" y="5720"/>
+                  <a:pt x="9368437" y="20479"/>
+                  <a:pt x="9628632" y="0"/>
+                </a:cubicBezTo>
+                <a:cubicBezTo>
+                  <a:pt x="9888827" y="-20479"/>
+                  <a:pt x="10560858" y="-20746"/>
+                  <a:pt x="10972800" y="0"/>
+                </a:cubicBezTo>
+                <a:cubicBezTo>
+                  <a:pt x="10972186" y="5722"/>
+                  <a:pt x="10972980" y="12495"/>
+                  <a:pt x="10972800" y="18288"/>
+                </a:cubicBezTo>
+                <a:cubicBezTo>
+                  <a:pt x="10786146" y="12536"/>
+                  <a:pt x="10623717" y="14033"/>
+                  <a:pt x="10506456" y="18288"/>
+                </a:cubicBezTo>
+                <a:cubicBezTo>
+                  <a:pt x="10389195" y="22543"/>
+                  <a:pt x="10296178" y="20107"/>
+                  <a:pt x="10149840" y="18288"/>
+                </a:cubicBezTo>
+                <a:cubicBezTo>
+                  <a:pt x="10003502" y="16469"/>
+                  <a:pt x="9767530" y="28891"/>
+                  <a:pt x="9464040" y="18288"/>
+                </a:cubicBezTo>
+                <a:cubicBezTo>
+                  <a:pt x="9160550" y="7685"/>
+                  <a:pt x="9229050" y="2659"/>
+                  <a:pt x="8997696" y="18288"/>
+                </a:cubicBezTo>
+                <a:cubicBezTo>
+                  <a:pt x="8766342" y="33917"/>
+                  <a:pt x="8340136" y="34864"/>
+                  <a:pt x="8092440" y="18288"/>
+                </a:cubicBezTo>
+                <a:cubicBezTo>
+                  <a:pt x="7844744" y="1712"/>
+                  <a:pt x="7863720" y="27405"/>
+                  <a:pt x="7735824" y="18288"/>
+                </a:cubicBezTo>
+                <a:cubicBezTo>
+                  <a:pt x="7607928" y="9171"/>
+                  <a:pt x="7323619" y="461"/>
+                  <a:pt x="7050024" y="18288"/>
+                </a:cubicBezTo>
+                <a:cubicBezTo>
+                  <a:pt x="6776429" y="36115"/>
+                  <a:pt x="6787899" y="28206"/>
+                  <a:pt x="6693408" y="18288"/>
+                </a:cubicBezTo>
+                <a:cubicBezTo>
+                  <a:pt x="6598917" y="8370"/>
+                  <a:pt x="6395231" y="19114"/>
+                  <a:pt x="6227064" y="18288"/>
+                </a:cubicBezTo>
+                <a:cubicBezTo>
+                  <a:pt x="6058897" y="17462"/>
+                  <a:pt x="5618582" y="1091"/>
+                  <a:pt x="5431536" y="18288"/>
+                </a:cubicBezTo>
+                <a:cubicBezTo>
+                  <a:pt x="5244490" y="35485"/>
+                  <a:pt x="4729797" y="-9650"/>
+                  <a:pt x="4526280" y="18288"/>
+                </a:cubicBezTo>
+                <a:cubicBezTo>
+                  <a:pt x="4322763" y="46226"/>
+                  <a:pt x="4216797" y="756"/>
+                  <a:pt x="4059936" y="18288"/>
+                </a:cubicBezTo>
+                <a:cubicBezTo>
+                  <a:pt x="3903075" y="35820"/>
+                  <a:pt x="3537912" y="42098"/>
+                  <a:pt x="3374136" y="18288"/>
+                </a:cubicBezTo>
+                <a:cubicBezTo>
+                  <a:pt x="3210360" y="-5522"/>
+                  <a:pt x="3126842" y="39135"/>
+                  <a:pt x="2907792" y="18288"/>
+                </a:cubicBezTo>
+                <a:cubicBezTo>
+                  <a:pt x="2688742" y="-2559"/>
+                  <a:pt x="2490436" y="34100"/>
+                  <a:pt x="2112264" y="18288"/>
+                </a:cubicBezTo>
+                <a:cubicBezTo>
+                  <a:pt x="1734092" y="2476"/>
+                  <a:pt x="1744622" y="-7274"/>
+                  <a:pt x="1536192" y="18288"/>
+                </a:cubicBezTo>
+                <a:cubicBezTo>
+                  <a:pt x="1327762" y="43850"/>
+                  <a:pt x="1189025" y="6435"/>
+                  <a:pt x="1069848" y="18288"/>
+                </a:cubicBezTo>
+                <a:cubicBezTo>
+                  <a:pt x="950671" y="30141"/>
+                  <a:pt x="858345" y="33684"/>
+                  <a:pt x="713232" y="18288"/>
+                </a:cubicBezTo>
+                <a:cubicBezTo>
+                  <a:pt x="568119" y="2892"/>
+                  <a:pt x="250292" y="5410"/>
+                  <a:pt x="0" y="18288"/>
+                </a:cubicBezTo>
+                <a:cubicBezTo>
+                  <a:pt x="465" y="13062"/>
+                  <a:pt x="-894" y="9029"/>
+                  <a:pt x="0" y="0"/>
+                </a:cubicBezTo>
+                <a:close/>
+              </a:path>
+            </a:pathLst>
+          </a:custGeom>
+          <a:solidFill>
+            <a:schemeClr val="accent2">
+              <a:alpha val="75000"/>
+            </a:schemeClr>
+          </a:solidFill>
+          <a:ln w="44450" cap="rnd">
+            <a:solidFill>
+              <a:schemeClr val="accent2">
+                <a:alpha val="75000"/>
+              </a:schemeClr>
+            </a:solidFill>
+            <a:round/>
+            <a:extLst>
+              <a:ext uri="{C807C97D-BFC1-408E-A445-0C87EB9F89A2}">
+                <ask:lineSketchStyleProps xmlns:ask="http://schemas.microsoft.com/office/drawing/2018/sketchyshapes" sd="2727557108">
+                  <a:prstGeom prst="rect">
+                    <a:avLst/>
+                  </a:prstGeom>
+                  <ask:type>
+                    <ask:lineSketchFreehand/>
+                  </ask:type>
+                </ask:lineSketchStyleProps>
+              </a:ext>
+            </a:extLst>
+          </a:ln>
+        </p:spPr>
+        <p:style>
+          <a:lnRef idx="2">
+            <a:schemeClr val="accent1">
+              <a:shade val="50000"/>
+            </a:schemeClr>
+          </a:lnRef>
+          <a:fillRef idx="1">
+            <a:schemeClr val="accent1"/>
+          </a:fillRef>
+          <a:effectRef idx="0">
+            <a:schemeClr val="accent1"/>
+          </a:effectRef>
+          <a:fontRef idx="minor">
+            <a:schemeClr val="lt1"/>
+          </a:fontRef>
+        </p:style>
+        <p:txBody>
+          <a:bodyPr rtlCol="0" anchor="ctr"/>
+          <a:lstStyle/>
+          <a:p>
+            <a:pPr algn="ctr"/>
+            <a:endParaRPr lang="en-US"/>
+          </a:p>
+        </p:txBody>
+      </p:sp>
+      <mc:AlternateContent xmlns:mc="http://schemas.openxmlformats.org/markup-compatibility/2006">
+        <mc:Choice xmlns:a14="http://schemas.microsoft.com/office/drawing/2010/main" Requires="a14">
           <p:sp>
             <p:nvSpPr>
               <p:cNvPr id="4" name="Content Placeholder 2"/>
@@ -3634,94 +4723,96 @@
             </p:nvSpPr>
             <p:spPr>
               <a:xfrm>
-                <a:off x="838200" y="1825625"/>
-                <a:ext cx="10515600" cy="4351338"/>
+                <a:off x="572493" y="2071316"/>
+                <a:ext cx="6713552" cy="4119172"/>
               </a:xfrm>
             </p:spPr>
             <p:txBody>
-              <a:bodyPr/>
+              <a:bodyPr anchor="t">
+                <a:normAutofit/>
+              </a:bodyPr>
               <a:lstStyle/>
               <a:p>
                 <a:r>
-                  <a:rPr lang="en-US" dirty="0"/>
+                  <a:rPr lang="en-US" sz="2200"/>
                   <a:t>Long exposure time causing camera shake (astronomy).</a:t>
                 </a:r>
               </a:p>
               <a:p>
                 <a:r>
-                  <a:rPr lang="en-US" dirty="0"/>
+                  <a:rPr lang="en-US" sz="2200"/>
                   <a:t>Lens aberrations (wide apertures).</a:t>
                 </a:r>
               </a:p>
               <a:p>
                 <a:r>
-                  <a:rPr lang="en-US" dirty="0"/>
+                  <a:rPr lang="en-US" sz="2200"/>
                   <a:t>Atmospheric turbulence (remote sensing).</a:t>
                 </a:r>
               </a:p>
               <a:p>
                 <a:r>
-                  <a:rPr lang="en-US" dirty="0"/>
+                  <a:rPr lang="en-US" sz="2200"/>
                   <a:t>Fast moving object (sports, highway roads).</a:t>
                 </a:r>
               </a:p>
               <a:p>
                 <a:r>
-                  <a:rPr lang="en-US" dirty="0"/>
+                  <a:rPr lang="en-US" sz="2200"/>
                   <a:t>Out of focus scene (small object photography).</a:t>
                 </a:r>
               </a:p>
               <a:p>
                 <a:r>
-                  <a:rPr lang="en-US" dirty="0"/>
+                  <a:rPr lang="en-US" sz="2200"/>
                   <a:t>Combination of all the above with noise such as low light conditions.</a:t>
                 </a:r>
               </a:p>
               <a:p>
                 <a:r>
-                  <a:rPr lang="en-US" dirty="0"/>
+                  <a:rPr lang="en-US" sz="2200"/>
                   <a:t>All the above are examples of inverse problem, meaning that both the “true” image and the noise are unknown:  </a:t>
                 </a:r>
                 <a14:m>
                   <m:oMath xmlns:m="http://schemas.openxmlformats.org/officeDocument/2006/math">
                     <m:r>
-                      <a:rPr lang="en-US" b="0" i="1" smtClean="0">
+                      <a:rPr lang="en-US" sz="2200" b="0" i="1">
                         <a:latin typeface="Cambria Math" panose="02040503050406030204" pitchFamily="18" charset="0"/>
                       </a:rPr>
                       <m:t>𝑦</m:t>
                     </m:r>
                     <m:r>
-                      <a:rPr lang="en-US" b="0" i="1" smtClean="0">
+                      <a:rPr lang="en-US" sz="2200" b="0" i="1">
                         <a:latin typeface="Cambria Math" panose="02040503050406030204" pitchFamily="18" charset="0"/>
                       </a:rPr>
                       <m:t>=</m:t>
                     </m:r>
                     <m:r>
-                      <a:rPr lang="en-US" b="0" i="1" smtClean="0">
+                      <a:rPr lang="en-US" sz="2200" b="0" i="1">
                         <a:latin typeface="Cambria Math" panose="02040503050406030204" pitchFamily="18" charset="0"/>
                       </a:rPr>
                       <m:t>𝑘</m:t>
                     </m:r>
                     <m:r>
-                      <a:rPr lang="en-US" b="0" i="1" smtClean="0">
+                      <a:rPr lang="en-US" sz="2200" b="0" i="1">
                         <a:latin typeface="Cambria Math" panose="02040503050406030204" pitchFamily="18" charset="0"/>
                       </a:rPr>
                       <m:t>∗</m:t>
                     </m:r>
                     <m:r>
-                      <a:rPr lang="en-US" b="0" i="1" smtClean="0">
+                      <a:rPr lang="en-US" sz="2200" b="0" i="1">
                         <a:latin typeface="Cambria Math" panose="02040503050406030204" pitchFamily="18" charset="0"/>
                       </a:rPr>
                       <m:t>𝑥</m:t>
                     </m:r>
                     <m:r>
-                      <a:rPr lang="en-US" b="0" i="1" smtClean="0">
+                      <a:rPr lang="en-US" sz="2200" b="0" i="1">
                         <a:latin typeface="Cambria Math" panose="02040503050406030204" pitchFamily="18" charset="0"/>
                       </a:rPr>
                       <m:t>+</m:t>
                     </m:r>
                     <m:r>
-                      <a:rPr lang="en-US" b="0" i="1" smtClean="0">
+                      <a:rPr lang="en-US" sz="2200" b="0" i="1">
                         <a:latin typeface="Cambria Math" panose="02040503050406030204" pitchFamily="18" charset="0"/>
                       </a:rPr>
                       <m:t>𝑛</m:t>
@@ -3729,17 +4820,17 @@
                   </m:oMath>
                 </a14:m>
                 <a:r>
-                  <a:rPr lang="en-US" dirty="0"/>
+                  <a:rPr lang="en-US" sz="2200"/>
                   <a:t>.</a:t>
                 </a:r>
               </a:p>
               <a:p>
-                <a:endParaRPr lang="he-IL" dirty="0"/>
+                <a:endParaRPr lang="he-IL" sz="2200"/>
               </a:p>
             </p:txBody>
           </p:sp>
         </mc:Choice>
-        <mc:Fallback xmlns="">
+        <mc:Fallback>
           <p:sp>
             <p:nvSpPr>
               <p:cNvPr id="4" name="Content Placeholder 2"/>
@@ -3752,13 +4843,13 @@
             </p:nvSpPr>
             <p:spPr>
               <a:xfrm>
-                <a:off x="838200" y="1825625"/>
-                <a:ext cx="10515600" cy="4351338"/>
+                <a:off x="572493" y="2071316"/>
+                <a:ext cx="6713552" cy="4119172"/>
               </a:xfrm>
               <a:blipFill>
-                <a:blip r:embed="rId2"/>
+                <a:blip r:embed="rId3"/>
                 <a:stretch>
-                  <a:fillRect l="-1043" t="-2241" r="-1739"/>
+                  <a:fillRect l="-1090" t="-1923" r="-636"/>
                 </a:stretch>
               </a:blipFill>
             </p:spPr>
@@ -3777,6 +4868,41 @@
           </p:sp>
         </mc:Fallback>
       </mc:AlternateContent>
+      <p:pic>
+        <p:nvPicPr>
+          <p:cNvPr id="5" name="Picture 4" descr="A picture containing building, road, outdoor, street&#10;&#10;Description automatically generated">
+            <a:extLst>
+              <a:ext uri="{FF2B5EF4-FFF2-40B4-BE49-F238E27FC236}">
+                <a16:creationId xmlns:a16="http://schemas.microsoft.com/office/drawing/2014/main" id="{8EEF8485-C49C-4A99-AD3D-FB52BC466A19}"/>
+              </a:ext>
+            </a:extLst>
+          </p:cNvPr>
+          <p:cNvPicPr>
+            <a:picLocks noChangeAspect="1"/>
+          </p:cNvPicPr>
+          <p:nvPr/>
+        </p:nvPicPr>
+        <p:blipFill rotWithShape="1">
+          <a:blip r:embed="rId4">
+            <a:extLst>
+              <a:ext uri="{28A0092B-C50C-407E-A947-70E740481C1C}">
+                <a14:useLocalDpi xmlns:a14="http://schemas.microsoft.com/office/drawing/2010/main" val="0"/>
+              </a:ext>
+            </a:extLst>
+          </a:blip>
+          <a:srcRect l="23774" r="19945" b="-3"/>
+          <a:stretch/>
+        </p:blipFill>
+        <p:spPr>
+          <a:xfrm>
+            <a:off x="7675658" y="2093976"/>
+            <a:ext cx="3941064" cy="4096512"/>
+          </a:xfrm>
+          <a:prstGeom prst="rect">
+            <a:avLst/>
+          </a:prstGeom>
+        </p:spPr>
+      </p:pic>
     </p:spTree>
     <p:extLst>
       <p:ext uri="{BB962C8B-B14F-4D97-AF65-F5344CB8AC3E}">
@@ -3793,6 +4919,14 @@
 <file path=ppt/slides/slide4.xml><?xml version="1.0" encoding="utf-8"?>
 <p:sld xmlns:a="http://schemas.openxmlformats.org/drawingml/2006/main" xmlns:r="http://schemas.openxmlformats.org/officeDocument/2006/relationships" xmlns:p="http://schemas.openxmlformats.org/presentationml/2006/main">
   <p:cSld>
+    <p:bg>
+      <p:bgPr>
+        <a:solidFill>
+          <a:schemeClr val="bg1"/>
+        </a:solidFill>
+        <a:effectLst/>
+      </p:bgPr>
+    </p:bg>
     <p:spTree>
       <p:nvGrpSpPr>
         <p:cNvPr id="1" name=""/>
@@ -3819,73 +4953,110 @@
         </p:nvSpPr>
         <p:spPr/>
         <p:txBody>
-          <a:bodyPr/>
-          <a:lstStyle/>
-          <a:p>
-            <a:r>
-              <a:rPr lang="en-US" dirty="0"/>
-              <a:t>Methods of Deblurring</a:t>
-            </a:r>
-            <a:endParaRPr lang="he-IL" dirty="0"/>
-          </a:p>
-        </p:txBody>
-      </p:sp>
-      <p:sp>
-        <p:nvSpPr>
-          <p:cNvPr id="3" name="Content Placeholder 2"/>
-          <p:cNvSpPr>
-            <a:spLocks noGrp="1"/>
-          </p:cNvSpPr>
-          <p:nvPr>
-            <p:ph idx="1"/>
-          </p:nvPr>
-        </p:nvSpPr>
-        <p:spPr/>
-        <p:txBody>
           <a:bodyPr>
             <a:normAutofit/>
           </a:bodyPr>
           <a:lstStyle/>
           <a:p>
             <a:r>
-              <a:rPr lang="en-US" dirty="0"/>
+              <a:rPr lang="en-US" sz="5400"/>
+              <a:t>Methods of Deblurring</a:t>
+            </a:r>
+            <a:endParaRPr lang="he-IL" sz="5400"/>
+          </a:p>
+        </p:txBody>
+      </p:sp>
+      <p:sp>
+        <p:nvSpPr>
+          <p:cNvPr id="3" name="Content Placeholder 2"/>
+          <p:cNvSpPr>
+            <a:spLocks noGrp="1"/>
+          </p:cNvSpPr>
+          <p:nvPr>
+            <p:ph idx="1"/>
+          </p:nvPr>
+        </p:nvSpPr>
+        <p:spPr>
+          <a:xfrm>
+            <a:off x="838200" y="1929384"/>
+            <a:ext cx="10515600" cy="4251960"/>
+          </a:xfrm>
+        </p:spPr>
+        <p:txBody>
+          <a:bodyPr>
+            <a:normAutofit/>
+          </a:bodyPr>
+          <a:lstStyle/>
+          <a:p>
+            <a:pPr>
+              <a:buClr>
+                <a:srgbClr val="C67864"/>
+              </a:buClr>
+            </a:pPr>
+            <a:r>
+              <a:rPr lang="en-US" sz="2200" dirty="0"/>
               <a:t>Filtering (Inverse, Wiener, etc.).</a:t>
             </a:r>
           </a:p>
           <a:p>
-            <a:r>
-              <a:rPr lang="en-US" dirty="0"/>
+            <a:pPr>
+              <a:buClr>
+                <a:srgbClr val="C67864"/>
+              </a:buClr>
+            </a:pPr>
+            <a:r>
+              <a:rPr lang="en-US" sz="2200" dirty="0"/>
               <a:t>Blind deconvolution with NN as blur estimator (restricted by different types of blur). </a:t>
             </a:r>
           </a:p>
           <a:p>
-            <a:r>
-              <a:rPr lang="en-US" dirty="0"/>
+            <a:pPr>
+              <a:buClr>
+                <a:srgbClr val="C67864"/>
+              </a:buClr>
+            </a:pPr>
+            <a:r>
+              <a:rPr lang="en-US" sz="2200" dirty="0"/>
               <a:t>NN to inversely filter blurry images (learned inverse filter to deblur text).</a:t>
             </a:r>
           </a:p>
           <a:p>
-            <a:r>
-              <a:rPr lang="en-US" dirty="0"/>
+            <a:pPr>
+              <a:buClr>
+                <a:srgbClr val="C67864"/>
+              </a:buClr>
+            </a:pPr>
+            <a:r>
+              <a:rPr lang="en-US" sz="2200" dirty="0"/>
               <a:t>learning-based approaches for blind deconvolution try to learn the deconvolution solution for a single image.</a:t>
             </a:r>
           </a:p>
           <a:p>
-            <a:r>
-              <a:rPr lang="en-US" dirty="0"/>
+            <a:pPr>
+              <a:buClr>
+                <a:srgbClr val="C67864"/>
+              </a:buClr>
+            </a:pPr>
+            <a:r>
+              <a:rPr lang="en-US" sz="2200" dirty="0"/>
               <a:t>neural network to learn a general procedure that is directly applicable to </a:t>
             </a:r>
             <a:r>
-              <a:rPr lang="en-US" dirty="0" err="1"/>
+              <a:rPr lang="en-US" sz="2200" dirty="0" err="1"/>
               <a:t>diffrent</a:t>
             </a:r>
             <a:r>
-              <a:rPr lang="en-US" dirty="0"/>
+              <a:rPr lang="en-US" sz="2200" dirty="0"/>
               <a:t> images and blurs.</a:t>
             </a:r>
           </a:p>
           <a:p>
-            <a:endParaRPr lang="he-IL" dirty="0"/>
+            <a:pPr>
+              <a:buClr>
+                <a:srgbClr val="C67864"/>
+              </a:buClr>
+            </a:pPr>
+            <a:endParaRPr lang="he-IL" sz="2200" dirty="0"/>
           </a:p>
         </p:txBody>
       </p:sp>
@@ -3990,7 +5161,351 @@
 </p:sld>
 </file>
 
+<file path=ppt/slides/slide6.xml><?xml version="1.0" encoding="utf-8"?>
+<p:sld xmlns:a="http://schemas.openxmlformats.org/drawingml/2006/main" xmlns:r="http://schemas.openxmlformats.org/officeDocument/2006/relationships" xmlns:p="http://schemas.openxmlformats.org/presentationml/2006/main">
+  <p:cSld>
+    <p:spTree>
+      <p:nvGrpSpPr>
+        <p:cNvPr id="1" name=""/>
+        <p:cNvGrpSpPr/>
+        <p:nvPr/>
+      </p:nvGrpSpPr>
+      <p:grpSpPr>
+        <a:xfrm>
+          <a:off x="0" y="0"/>
+          <a:ext cx="0" cy="0"/>
+          <a:chOff x="0" y="0"/>
+          <a:chExt cx="0" cy="0"/>
+        </a:xfrm>
+      </p:grpSpPr>
+      <p:sp>
+        <p:nvSpPr>
+          <p:cNvPr id="2" name="Title 1">
+            <a:extLst>
+              <a:ext uri="{FF2B5EF4-FFF2-40B4-BE49-F238E27FC236}">
+                <a16:creationId xmlns:a16="http://schemas.microsoft.com/office/drawing/2014/main" id="{E42AF322-A107-4FFA-86F6-C14A52CA7F16}"/>
+              </a:ext>
+            </a:extLst>
+          </p:cNvPr>
+          <p:cNvSpPr>
+            <a:spLocks noGrp="1"/>
+          </p:cNvSpPr>
+          <p:nvPr>
+            <p:ph type="title"/>
+          </p:nvPr>
+        </p:nvSpPr>
+        <p:spPr/>
+        <p:txBody>
+          <a:bodyPr/>
+          <a:lstStyle/>
+          <a:p>
+            <a:r>
+              <a:rPr lang="en-US" dirty="0"/>
+              <a:t>Network: input</a:t>
+            </a:r>
+          </a:p>
+        </p:txBody>
+      </p:sp>
+      <p:sp>
+        <p:nvSpPr>
+          <p:cNvPr id="3" name="Content Placeholder 2">
+            <a:extLst>
+              <a:ext uri="{FF2B5EF4-FFF2-40B4-BE49-F238E27FC236}">
+                <a16:creationId xmlns:a16="http://schemas.microsoft.com/office/drawing/2014/main" id="{AD704D55-38BF-4D2A-A05D-5F2F1935160A}"/>
+              </a:ext>
+            </a:extLst>
+          </p:cNvPr>
+          <p:cNvSpPr>
+            <a:spLocks noGrp="1"/>
+          </p:cNvSpPr>
+          <p:nvPr>
+            <p:ph idx="1"/>
+          </p:nvPr>
+        </p:nvSpPr>
+        <p:spPr/>
+        <p:txBody>
+          <a:bodyPr/>
+          <a:lstStyle/>
+          <a:p>
+            <a:endParaRPr lang="en-US"/>
+          </a:p>
+        </p:txBody>
+      </p:sp>
+    </p:spTree>
+    <p:extLst>
+      <p:ext uri="{BB962C8B-B14F-4D97-AF65-F5344CB8AC3E}">
+        <p14:creationId xmlns:p14="http://schemas.microsoft.com/office/powerpoint/2010/main" val="2138429393"/>
+      </p:ext>
+    </p:extLst>
+  </p:cSld>
+  <p:clrMapOvr>
+    <a:masterClrMapping/>
+  </p:clrMapOvr>
+</p:sld>
+</file>
+
 <file path=ppt/theme/theme1.xml><?xml version="1.0" encoding="utf-8"?>
+<a:theme xmlns:a="http://schemas.openxmlformats.org/drawingml/2006/main" name="Office Theme">
+  <a:themeElements>
+    <a:clrScheme name="Office Theme">
+      <a:dk1>
+        <a:sysClr val="windowText" lastClr="000000"/>
+      </a:dk1>
+      <a:lt1>
+        <a:sysClr val="window" lastClr="FFFFFF"/>
+      </a:lt1>
+      <a:dk2>
+        <a:srgbClr val="44546A"/>
+      </a:dk2>
+      <a:lt2>
+        <a:srgbClr val="E7E6E6"/>
+      </a:lt2>
+      <a:accent1>
+        <a:srgbClr val="4472C4"/>
+      </a:accent1>
+      <a:accent2>
+        <a:srgbClr val="ED7D31"/>
+      </a:accent2>
+      <a:accent3>
+        <a:srgbClr val="A5A5A5"/>
+      </a:accent3>
+      <a:accent4>
+        <a:srgbClr val="FFC000"/>
+      </a:accent4>
+      <a:accent5>
+        <a:srgbClr val="5B9BD5"/>
+      </a:accent5>
+      <a:accent6>
+        <a:srgbClr val="70AD47"/>
+      </a:accent6>
+      <a:hlink>
+        <a:srgbClr val="0563C1"/>
+      </a:hlink>
+      <a:folHlink>
+        <a:srgbClr val="954F72"/>
+      </a:folHlink>
+    </a:clrScheme>
+    <a:fontScheme name="Office Theme">
+      <a:majorFont>
+        <a:latin typeface="Calibri Light" panose="020F0302020204030204"/>
+        <a:ea typeface=""/>
+        <a:cs typeface=""/>
+        <a:font script="Jpan" typeface="游ゴシック Light"/>
+        <a:font script="Hang" typeface="맑은 고딕"/>
+        <a:font script="Hans" typeface="等线 Light"/>
+        <a:font script="Hant" typeface="新細明體"/>
+        <a:font script="Arab" typeface="Times New Roman"/>
+        <a:font script="Hebr" typeface="Times New Roman"/>
+        <a:font script="Thai" typeface="Angsana New"/>
+        <a:font script="Ethi" typeface="Nyala"/>
+        <a:font script="Beng" typeface="Vrinda"/>
+        <a:font script="Gujr" typeface="Shruti"/>
+        <a:font script="Khmr" typeface="MoolBoran"/>
+        <a:font script="Knda" typeface="Tunga"/>
+        <a:font script="Guru" typeface="Raavi"/>
+        <a:font script="Cans" typeface="Euphemia"/>
+        <a:font script="Cher" typeface="Plantagenet Cherokee"/>
+        <a:font script="Yiii" typeface="Microsoft Yi Baiti"/>
+        <a:font script="Tibt" typeface="Microsoft Himalaya"/>
+        <a:font script="Thaa" typeface="MV Boli"/>
+        <a:font script="Deva" typeface="Mangal"/>
+        <a:font script="Telu" typeface="Gautami"/>
+        <a:font script="Taml" typeface="Latha"/>
+        <a:font script="Syrc" typeface="Estrangelo Edessa"/>
+        <a:font script="Orya" typeface="Kalinga"/>
+        <a:font script="Mlym" typeface="Kartika"/>
+        <a:font script="Laoo" typeface="DokChampa"/>
+        <a:font script="Sinh" typeface="Iskoola Pota"/>
+        <a:font script="Mong" typeface="Mongolian Baiti"/>
+        <a:font script="Viet" typeface="Times New Roman"/>
+        <a:font script="Uigh" typeface="Microsoft Uighur"/>
+        <a:font script="Geor" typeface="Sylfaen"/>
+      </a:majorFont>
+      <a:minorFont>
+        <a:latin typeface="Calibri" panose="020F0502020204030204"/>
+        <a:ea typeface=""/>
+        <a:cs typeface=""/>
+        <a:font script="Jpan" typeface="游ゴシック"/>
+        <a:font script="Hang" typeface="맑은 고딕"/>
+        <a:font script="Hans" typeface="等线"/>
+        <a:font script="Hant" typeface="新細明體"/>
+        <a:font script="Arab" typeface="Arial"/>
+        <a:font script="Hebr" typeface="Arial"/>
+        <a:font script="Thai" typeface="Cordia New"/>
+        <a:font script="Ethi" typeface="Nyala"/>
+        <a:font script="Beng" typeface="Vrinda"/>
+        <a:font script="Gujr" typeface="Shruti"/>
+        <a:font script="Khmr" typeface="DaunPenh"/>
+        <a:font script="Knda" typeface="Tunga"/>
+        <a:font script="Guru" typeface="Raavi"/>
+        <a:font script="Cans" typeface="Euphemia"/>
+        <a:font script="Cher" typeface="Plantagenet Cherokee"/>
+        <a:font script="Yiii" typeface="Microsoft Yi Baiti"/>
+        <a:font script="Tibt" typeface="Microsoft Himalaya"/>
+        <a:font script="Thaa" typeface="MV Boli"/>
+        <a:font script="Deva" typeface="Mangal"/>
+        <a:font script="Telu" typeface="Gautami"/>
+        <a:font script="Taml" typeface="Latha"/>
+        <a:font script="Syrc" typeface="Estrangelo Edessa"/>
+        <a:font script="Orya" typeface="Kalinga"/>
+        <a:font script="Mlym" typeface="Kartika"/>
+        <a:font script="Laoo" typeface="DokChampa"/>
+        <a:font script="Sinh" typeface="Iskoola Pota"/>
+        <a:font script="Mong" typeface="Mongolian Baiti"/>
+        <a:font script="Viet" typeface="Arial"/>
+        <a:font script="Uigh" typeface="Microsoft Uighur"/>
+        <a:font script="Geor" typeface="Sylfaen"/>
+      </a:minorFont>
+    </a:fontScheme>
+    <a:fmtScheme name="Office Theme">
+      <a:fillStyleLst>
+        <a:solidFill>
+          <a:schemeClr val="phClr"/>
+        </a:solidFill>
+        <a:gradFill rotWithShape="1">
+          <a:gsLst>
+            <a:gs pos="0">
+              <a:schemeClr val="phClr">
+                <a:lumMod val="110000"/>
+                <a:satMod val="105000"/>
+                <a:tint val="67000"/>
+              </a:schemeClr>
+            </a:gs>
+            <a:gs pos="50000">
+              <a:schemeClr val="phClr">
+                <a:lumMod val="105000"/>
+                <a:satMod val="103000"/>
+                <a:tint val="73000"/>
+              </a:schemeClr>
+            </a:gs>
+            <a:gs pos="100000">
+              <a:schemeClr val="phClr">
+                <a:lumMod val="105000"/>
+                <a:satMod val="109000"/>
+                <a:tint val="81000"/>
+              </a:schemeClr>
+            </a:gs>
+          </a:gsLst>
+          <a:lin ang="5400000" scaled="0"/>
+        </a:gradFill>
+        <a:gradFill rotWithShape="1">
+          <a:gsLst>
+            <a:gs pos="0">
+              <a:schemeClr val="phClr">
+                <a:satMod val="103000"/>
+                <a:lumMod val="102000"/>
+                <a:tint val="94000"/>
+              </a:schemeClr>
+            </a:gs>
+            <a:gs pos="50000">
+              <a:schemeClr val="phClr">
+                <a:satMod val="110000"/>
+                <a:lumMod val="100000"/>
+                <a:shade val="100000"/>
+              </a:schemeClr>
+            </a:gs>
+            <a:gs pos="100000">
+              <a:schemeClr val="phClr">
+                <a:lumMod val="99000"/>
+                <a:satMod val="120000"/>
+                <a:shade val="78000"/>
+              </a:schemeClr>
+            </a:gs>
+          </a:gsLst>
+          <a:lin ang="5400000" scaled="0"/>
+        </a:gradFill>
+      </a:fillStyleLst>
+      <a:lnStyleLst>
+        <a:ln w="6350" cap="flat" cmpd="sng" algn="ctr">
+          <a:solidFill>
+            <a:schemeClr val="phClr"/>
+          </a:solidFill>
+          <a:prstDash val="solid"/>
+          <a:miter lim="800000"/>
+        </a:ln>
+        <a:ln w="12700" cap="flat" cmpd="sng" algn="ctr">
+          <a:solidFill>
+            <a:schemeClr val="phClr"/>
+          </a:solidFill>
+          <a:prstDash val="solid"/>
+          <a:miter lim="800000"/>
+        </a:ln>
+        <a:ln w="19050" cap="flat" cmpd="sng" algn="ctr">
+          <a:solidFill>
+            <a:schemeClr val="phClr"/>
+          </a:solidFill>
+          <a:prstDash val="solid"/>
+          <a:miter lim="800000"/>
+        </a:ln>
+      </a:lnStyleLst>
+      <a:effectStyleLst>
+        <a:effectStyle>
+          <a:effectLst/>
+        </a:effectStyle>
+        <a:effectStyle>
+          <a:effectLst/>
+        </a:effectStyle>
+        <a:effectStyle>
+          <a:effectLst>
+            <a:outerShdw blurRad="57150" dist="19050" dir="5400000" algn="ctr" rotWithShape="0">
+              <a:srgbClr val="000000">
+                <a:alpha val="63000"/>
+              </a:srgbClr>
+            </a:outerShdw>
+          </a:effectLst>
+        </a:effectStyle>
+      </a:effectStyleLst>
+      <a:bgFillStyleLst>
+        <a:solidFill>
+          <a:schemeClr val="phClr"/>
+        </a:solidFill>
+        <a:solidFill>
+          <a:schemeClr val="phClr">
+            <a:tint val="95000"/>
+            <a:satMod val="170000"/>
+          </a:schemeClr>
+        </a:solidFill>
+        <a:gradFill rotWithShape="1">
+          <a:gsLst>
+            <a:gs pos="0">
+              <a:schemeClr val="phClr">
+                <a:tint val="93000"/>
+                <a:satMod val="150000"/>
+                <a:shade val="98000"/>
+                <a:lumMod val="102000"/>
+              </a:schemeClr>
+            </a:gs>
+            <a:gs pos="50000">
+              <a:schemeClr val="phClr">
+                <a:tint val="98000"/>
+                <a:satMod val="130000"/>
+                <a:shade val="90000"/>
+                <a:lumMod val="103000"/>
+              </a:schemeClr>
+            </a:gs>
+            <a:gs pos="100000">
+              <a:schemeClr val="phClr">
+                <a:shade val="63000"/>
+                <a:satMod val="120000"/>
+              </a:schemeClr>
+            </a:gs>
+          </a:gsLst>
+          <a:lin ang="5400000" scaled="0"/>
+        </a:gradFill>
+      </a:bgFillStyleLst>
+    </a:fmtScheme>
+  </a:themeElements>
+  <a:objectDefaults/>
+  <a:extraClrSchemeLst/>
+  <a:extLst>
+    <a:ext uri="{05A4C25C-085E-4340-85A3-A5531E510DB2}">
+      <thm15:themeFamily xmlns:thm15="http://schemas.microsoft.com/office/thememl/2012/main" name="Office Theme" id="{62F939B6-93AF-4DB8-9C6B-D6C7DFDC589F}" vid="{4A3C46E8-61CC-4603-A589-7422A47A8E4A}"/>
+    </a:ext>
+  </a:extLst>
+</a:theme>
+</file>
+
+<file path=ppt/theme/theme2.xml><?xml version="1.0" encoding="utf-8"?>
 <a:theme xmlns:a="http://schemas.openxmlformats.org/drawingml/2006/main" name="Office Theme">
   <a:themeElements>
     <a:clrScheme name="Office">

--- a/Slideshow/Scale-recurrent network for deblurring.pptx
+++ b/Slideshow/Scale-recurrent network for deblurring.pptx
@@ -5,15 +5,16 @@
     <p:sldMasterId id="2147483660" r:id="rId1"/>
   </p:sldMasterIdLst>
   <p:notesMasterIdLst>
-    <p:notesMasterId r:id="rId8"/>
+    <p:notesMasterId r:id="rId9"/>
   </p:notesMasterIdLst>
   <p:sldIdLst>
     <p:sldId id="256" r:id="rId2"/>
     <p:sldId id="260" r:id="rId3"/>
     <p:sldId id="257" r:id="rId4"/>
-    <p:sldId id="259" r:id="rId5"/>
-    <p:sldId id="258" r:id="rId6"/>
-    <p:sldId id="261" r:id="rId7"/>
+    <p:sldId id="262" r:id="rId5"/>
+    <p:sldId id="259" r:id="rId6"/>
+    <p:sldId id="258" r:id="rId7"/>
+    <p:sldId id="261" r:id="rId8"/>
   </p:sldIdLst>
   <p:sldSz cx="12192000" cy="6858000"/>
   <p:notesSz cx="6858000" cy="9144000"/>
@@ -516,11 +517,31 @@
             <a:pPr algn="r" rtl="1"/>
             <a:r>
               <a:rPr lang="he-IL" dirty="0"/>
-              <a:t>האתגר אותו מנסה המחקר לפתור או להציג דרך חדשנית לפתרון הבעיה הוא שחזור תמונה מטושטשת בהינתן תמונה יחידה. מהם הגורמים לטשטוש? חשיפה ארוכה של חיישן המצלמה, גורמת לתמונה מטושטשת כאשר המצלמה אינה יציבה מספיק. עיוותים מהעדשה, כאשר המפתח של העדשה הוא רחב עיוותים שונים מתרחשים עקב עקמומיות אור שונה עבור אורכי גל שונים. דימות דרך אטמוספרה כמו שראינו בהרצאה גורם לטשטוש במעבר דרך תווך. אובייקטים שנעים מהר, כמו שלמדנו בקורס ישנם טשטושים של מהירות קבועה או מואצת. צילום מחוץ לשדה המוקד, יגרום לתמונה מטושטשת עבור האובייקטים שמחות לשדה המוקד. כל המוזכרים יהיו משולבים בהרבה מקרים עם תנאי תאורה נמוכים ועוד אלמנטים שמכניסים רעש נוסף לטשטוש. אלו הם דוגמאות לבעיה "</a:t>
-            </a:r>
-            <a:r>
-              <a:rPr lang="he-IL"/>
-              <a:t>הפוכה", גם התמונה וגם הרעש/טשטוש הם לא ידועים ולכן קשה לשחזר את התמונה הנקייה.</a:t>
+              <a:t>המאמר בעצם מציע שיטה ברמת "סטייט אוף דה ארט" לשחזור תמונות מטושטשות על ידי שימוש ("</a:t>
+            </a:r>
+            <a:r>
+              <a:rPr lang="he-IL" dirty="0" err="1"/>
+              <a:t>באזוורדס</a:t>
+            </a:r>
+            <a:r>
+              <a:rPr lang="he-IL" dirty="0"/>
+              <a:t>") ברשת נוירונים ושיטות שונות לשיפור שלה. מאז הוצאת המאמר עבור שנתיים והתוצאות שלהם עדיים נחשבות טובות מאוד, לצורך השוואה המאמר שעליו למדנו בהרצאה השיג תוצאות פחות טובות ביחס </a:t>
+            </a:r>
+            <a:r>
+              <a:rPr lang="en-US" dirty="0"/>
+              <a:t>PSNR</a:t>
+            </a:r>
+            <a:r>
+              <a:rPr lang="he-IL" dirty="0"/>
+              <a:t>. </a:t>
+            </a:r>
+            <a:r>
+              <a:rPr lang="he-IL" dirty="0" err="1"/>
+              <a:t>הדאטסט</a:t>
+            </a:r>
+            <a:r>
+              <a:rPr lang="he-IL" dirty="0"/>
+              <a:t> שהשתמשו בו הוא זהה.</a:t>
             </a:r>
             <a:endParaRPr lang="en-US" dirty="0"/>
           </a:p>
@@ -543,7 +564,7 @@
           <a:p>
             <a:fld id="{D1424380-F98C-4904-AD4B-4459796C3B26}" type="slidenum">
               <a:rPr lang="en-US" smtClean="0"/>
-              <a:t>3</a:t>
+              <a:t>2</a:t>
             </a:fld>
             <a:endParaRPr lang="en-US"/>
           </a:p>
@@ -552,7 +573,7 @@
     </p:spTree>
     <p:extLst>
       <p:ext uri="{BB962C8B-B14F-4D97-AF65-F5344CB8AC3E}">
-        <p14:creationId xmlns:p14="http://schemas.microsoft.com/office/powerpoint/2010/main" val="3542114536"/>
+        <p14:creationId xmlns:p14="http://schemas.microsoft.com/office/powerpoint/2010/main" val="3114969748"/>
       </p:ext>
     </p:extLst>
   </p:cSld>
@@ -606,6 +627,15 @@
           <a:bodyPr/>
           <a:lstStyle/>
           <a:p>
+            <a:pPr algn="r" rtl="1"/>
+            <a:r>
+              <a:rPr lang="he-IL" dirty="0"/>
+              <a:t>האתגר אותו מנסה המחקר לפתור או להציג דרך חדשנית לפתרון הבעיה הוא שחזור תמונה מטושטשת בהינתן תמונה יחידה. מהם הגורמים לטשטוש? חשיפה ארוכה של חיישן המצלמה, גורמת לתמונה מטושטשת כאשר המצלמה אינה יציבה מספיק. עיוותים מהעדשה, כאשר המפתח של העדשה הוא רחב עיוותים שונים מתרחשים עקב עקמומיות אור שונה עבור אורכי גל שונים. דימות דרך אטמוספרה כמו שראינו בהרצאה גורם לטשטוש במעבר דרך תווך. אובייקטים שנעים מהר, כמו שלמדנו בקורס ישנם טשטושים של מהירות קבועה או מואצת. צילום מחוץ לשדה המוקד, יגרום לתמונה מטושטשת עבור האובייקטים שמחות לשדה המוקד. כל המוזכרים יהיו משולבים בהרבה מקרים עם תנאי תאורה נמוכים ועוד אלמנטים שמכניסים רעש נוסף לטשטוש. אלו הם דוגמאות לבעיה "</a:t>
+            </a:r>
+            <a:r>
+              <a:rPr lang="he-IL"/>
+              <a:t>הפוכה", גם התמונה וגם הרעש/טשטוש הם לא ידועים ולכן קשה לשחזר את התמונה הנקייה.</a:t>
+            </a:r>
             <a:endParaRPr lang="en-US" dirty="0"/>
           </a:p>
         </p:txBody>
@@ -627,7 +657,112 @@
           <a:p>
             <a:fld id="{D1424380-F98C-4904-AD4B-4459796C3B26}" type="slidenum">
               <a:rPr lang="en-US" smtClean="0"/>
-              <a:t>4</a:t>
+              <a:t>3</a:t>
+            </a:fld>
+            <a:endParaRPr lang="en-US"/>
+          </a:p>
+        </p:txBody>
+      </p:sp>
+    </p:spTree>
+    <p:extLst>
+      <p:ext uri="{BB962C8B-B14F-4D97-AF65-F5344CB8AC3E}">
+        <p14:creationId xmlns:p14="http://schemas.microsoft.com/office/powerpoint/2010/main" val="3542114536"/>
+      </p:ext>
+    </p:extLst>
+  </p:cSld>
+  <p:clrMapOvr>
+    <a:masterClrMapping/>
+  </p:clrMapOvr>
+</p:notes>
+</file>
+
+<file path=ppt/notesSlides/notesSlide3.xml><?xml version="1.0" encoding="utf-8"?>
+<p:notes xmlns:a="http://schemas.openxmlformats.org/drawingml/2006/main" xmlns:r="http://schemas.openxmlformats.org/officeDocument/2006/relationships" xmlns:p="http://schemas.openxmlformats.org/presentationml/2006/main">
+  <p:cSld>
+    <p:spTree>
+      <p:nvGrpSpPr>
+        <p:cNvPr id="1" name=""/>
+        <p:cNvGrpSpPr/>
+        <p:nvPr/>
+      </p:nvGrpSpPr>
+      <p:grpSpPr>
+        <a:xfrm>
+          <a:off x="0" y="0"/>
+          <a:ext cx="0" cy="0"/>
+          <a:chOff x="0" y="0"/>
+          <a:chExt cx="0" cy="0"/>
+        </a:xfrm>
+      </p:grpSpPr>
+      <p:sp>
+        <p:nvSpPr>
+          <p:cNvPr id="2" name="Slide Image Placeholder 1"/>
+          <p:cNvSpPr>
+            <a:spLocks noGrp="1" noRot="1" noChangeAspect="1"/>
+          </p:cNvSpPr>
+          <p:nvPr>
+            <p:ph type="sldImg"/>
+          </p:nvPr>
+        </p:nvSpPr>
+        <p:spPr/>
+      </p:sp>
+      <p:sp>
+        <p:nvSpPr>
+          <p:cNvPr id="3" name="Notes Placeholder 2"/>
+          <p:cNvSpPr>
+            <a:spLocks noGrp="1"/>
+          </p:cNvSpPr>
+          <p:nvPr>
+            <p:ph type="body" idx="1"/>
+          </p:nvPr>
+        </p:nvSpPr>
+        <p:spPr/>
+        <p:txBody>
+          <a:bodyPr/>
+          <a:lstStyle/>
+          <a:p>
+            <a:pPr algn="r" rtl="1"/>
+            <a:r>
+              <a:rPr lang="he-IL" dirty="0"/>
+              <a:t>שיטות תיקון טשטוש נפוצות כמו אלו שלמדנו, פילטר הופכי, ווינר מסתמכות על ידע מוקדם של </a:t>
+            </a:r>
+            <a:r>
+              <a:rPr lang="he-IL" dirty="0" err="1"/>
+              <a:t>הקרנל</a:t>
+            </a:r>
+            <a:r>
+              <a:rPr lang="he-IL" dirty="0"/>
+              <a:t> הטשטוש. שילוב של רשת נוירונים כמשערך טשטוש, השיטה מוגבלת בכך שהיא לא כוללת מספיק ולעיתים מתאימה לסוג אחד של טשטוש. שיטות עם רשת נוירונים כדי ללמוד פילטר הופכי מתאים של התמונה עבור שימושי </a:t>
+            </a:r>
+            <a:r>
+              <a:rPr lang="en-US" dirty="0"/>
+              <a:t>OCR</a:t>
+            </a:r>
+            <a:r>
+              <a:rPr lang="he-IL" dirty="0"/>
+              <a:t> כמו למשל לוחיות רישוי. </a:t>
+            </a:r>
+            <a:endParaRPr lang="en-US" dirty="0"/>
+          </a:p>
+        </p:txBody>
+      </p:sp>
+      <p:sp>
+        <p:nvSpPr>
+          <p:cNvPr id="4" name="Slide Number Placeholder 3"/>
+          <p:cNvSpPr>
+            <a:spLocks noGrp="1"/>
+          </p:cNvSpPr>
+          <p:nvPr>
+            <p:ph type="sldNum" sz="quarter" idx="5"/>
+          </p:nvPr>
+        </p:nvSpPr>
+        <p:spPr/>
+        <p:txBody>
+          <a:bodyPr/>
+          <a:lstStyle/>
+          <a:p>
+            <a:fld id="{D1424380-F98C-4904-AD4B-4459796C3B26}" type="slidenum">
+              <a:rPr lang="en-US" smtClean="0"/>
+              <a:t>5</a:t>
             </a:fld>
             <a:endParaRPr lang="en-US"/>
           </a:p>
@@ -637,6 +772,174 @@
     <p:extLst>
       <p:ext uri="{BB962C8B-B14F-4D97-AF65-F5344CB8AC3E}">
         <p14:creationId xmlns:p14="http://schemas.microsoft.com/office/powerpoint/2010/main" val="1415483965"/>
+      </p:ext>
+    </p:extLst>
+  </p:cSld>
+  <p:clrMapOvr>
+    <a:masterClrMapping/>
+  </p:clrMapOvr>
+</p:notes>
+</file>
+
+<file path=ppt/notesSlides/notesSlide4.xml><?xml version="1.0" encoding="utf-8"?>
+<p:notes xmlns:a="http://schemas.openxmlformats.org/drawingml/2006/main" xmlns:r="http://schemas.openxmlformats.org/officeDocument/2006/relationships" xmlns:p="http://schemas.openxmlformats.org/presentationml/2006/main">
+  <p:cSld>
+    <p:spTree>
+      <p:nvGrpSpPr>
+        <p:cNvPr id="1" name=""/>
+        <p:cNvGrpSpPr/>
+        <p:nvPr/>
+      </p:nvGrpSpPr>
+      <p:grpSpPr>
+        <a:xfrm>
+          <a:off x="0" y="0"/>
+          <a:ext cx="0" cy="0"/>
+          <a:chOff x="0" y="0"/>
+          <a:chExt cx="0" cy="0"/>
+        </a:xfrm>
+      </p:grpSpPr>
+      <p:sp>
+        <p:nvSpPr>
+          <p:cNvPr id="2" name="Slide Image Placeholder 1"/>
+          <p:cNvSpPr>
+            <a:spLocks noGrp="1" noRot="1" noChangeAspect="1"/>
+          </p:cNvSpPr>
+          <p:nvPr>
+            <p:ph type="sldImg"/>
+          </p:nvPr>
+        </p:nvSpPr>
+        <p:spPr/>
+      </p:sp>
+      <p:sp>
+        <p:nvSpPr>
+          <p:cNvPr id="3" name="Notes Placeholder 2"/>
+          <p:cNvSpPr>
+            <a:spLocks noGrp="1"/>
+          </p:cNvSpPr>
+          <p:nvPr>
+            <p:ph type="body" idx="1"/>
+          </p:nvPr>
+        </p:nvSpPr>
+        <p:spPr/>
+        <p:txBody>
+          <a:bodyPr/>
+          <a:lstStyle/>
+          <a:p>
+            <a:pPr algn="r" rtl="1"/>
+            <a:r>
+              <a:rPr lang="he-IL" dirty="0"/>
+              <a:t>השיטה המוצעת היא שימוש ברשת נוירונים אשר מקבלת תמונה בגודל מסוים, לאחר מכן חותכת אותה ומקטינה אותה ובעצם משתמשת במעין 3 </a:t>
+            </a:r>
+            <a:r>
+              <a:rPr lang="he-IL" dirty="0" err="1"/>
+              <a:t>סקלות</a:t>
+            </a:r>
+            <a:r>
+              <a:rPr lang="he-IL" dirty="0"/>
+              <a:t> שונות של גודל התמונה במהלך תהליך הלמידה. כלומר יש כאן מעין פירמידה בשינוי גודל התמונה. עוד תכונה של הרשת היא שהיא מסוג </a:t>
+            </a:r>
+            <a:r>
+              <a:rPr lang="en-US" dirty="0"/>
+              <a:t>RNN</a:t>
+            </a:r>
+            <a:r>
+              <a:rPr lang="he-IL" dirty="0"/>
+              <a:t>, כלומר עוברת בצורת סיקוונס כך שתמונה בעצם נותנת מעין ניבוי לתמונה הבאה.</a:t>
+            </a:r>
+          </a:p>
+          <a:p>
+            <a:pPr algn="r" rtl="1"/>
+            <a:r>
+              <a:rPr lang="he-IL" dirty="0"/>
+              <a:t>למשל שימוש ב</a:t>
+            </a:r>
+            <a:r>
+              <a:rPr lang="en-US" dirty="0"/>
+              <a:t>RNN</a:t>
+            </a:r>
+            <a:r>
+              <a:rPr lang="he-IL" dirty="0"/>
+              <a:t> על מנת לפרוס את הפרמטרים על פני כל הרשת. בדרך כלל בשיטות ניקוי טשטוש משתמשים בשיטת הפירמידה, כלומר מתחילים מתמונה קטנה ומטושטשת ועולים ברזולוציה ובניקוי בעוד 2 שלבים. היתרון ב</a:t>
+            </a:r>
+            <a:r>
+              <a:rPr lang="en-US" dirty="0"/>
+              <a:t>RNN</a:t>
+            </a:r>
+            <a:r>
+              <a:rPr lang="he-IL" dirty="0"/>
+              <a:t> כאן הוא שניתן לחלוק את הפרמטרים של כל </a:t>
+            </a:r>
+            <a:r>
+              <a:rPr lang="he-IL" dirty="0" err="1"/>
+              <a:t>הסקלות</a:t>
+            </a:r>
+            <a:r>
+              <a:rPr lang="he-IL" dirty="0"/>
+              <a:t> ולא לחשב פרמטרים שונים עבור כל סקלה וכך לחסוך מקום וזמן. נעשה שימוש בשיטת "</a:t>
+            </a:r>
+            <a:r>
+              <a:rPr lang="he-IL" dirty="0" err="1"/>
+              <a:t>אנקודור-דיקודר</a:t>
+            </a:r>
+            <a:r>
+              <a:rPr lang="he-IL" dirty="0"/>
+              <a:t>", השיטה הזו היא בעצם חלק אחד של הרשת לומד את האינפוט ובונה ממנו משקולות שיזהו אותו והחלק השני, </a:t>
+            </a:r>
+            <a:r>
+              <a:rPr lang="he-IL" dirty="0" err="1"/>
+              <a:t>הדיקודר</a:t>
+            </a:r>
+            <a:r>
+              <a:rPr lang="he-IL" dirty="0"/>
+              <a:t> בעצם לומד להשלים את </a:t>
+            </a:r>
+            <a:r>
+              <a:rPr lang="he-IL" dirty="0" err="1"/>
+              <a:t>האנקודר</a:t>
+            </a:r>
+            <a:r>
+              <a:rPr lang="he-IL" dirty="0"/>
+              <a:t>. כלומר </a:t>
+            </a:r>
+            <a:r>
+              <a:rPr lang="he-IL" dirty="0" err="1"/>
+              <a:t>הדיקודר</a:t>
+            </a:r>
+            <a:r>
+              <a:rPr lang="he-IL" dirty="0"/>
+              <a:t> הוא המנבא, במקרה שלנו לדוגמה הוא משערך את התמונה הנקייה. </a:t>
+            </a:r>
+            <a:endParaRPr lang="en-US" dirty="0"/>
+          </a:p>
+        </p:txBody>
+      </p:sp>
+      <p:sp>
+        <p:nvSpPr>
+          <p:cNvPr id="4" name="Slide Number Placeholder 3"/>
+          <p:cNvSpPr>
+            <a:spLocks noGrp="1"/>
+          </p:cNvSpPr>
+          <p:nvPr>
+            <p:ph type="sldNum" sz="quarter" idx="5"/>
+          </p:nvPr>
+        </p:nvSpPr>
+        <p:spPr/>
+        <p:txBody>
+          <a:bodyPr/>
+          <a:lstStyle/>
+          <a:p>
+            <a:fld id="{D1424380-F98C-4904-AD4B-4459796C3B26}" type="slidenum">
+              <a:rPr lang="en-US" smtClean="0"/>
+              <a:t>6</a:t>
+            </a:fld>
+            <a:endParaRPr lang="en-US"/>
+          </a:p>
+        </p:txBody>
+      </p:sp>
+    </p:spTree>
+    <p:extLst>
+      <p:ext uri="{BB962C8B-B14F-4D97-AF65-F5344CB8AC3E}">
+        <p14:creationId xmlns:p14="http://schemas.microsoft.com/office/powerpoint/2010/main" val="761574814"/>
       </p:ext>
     </p:extLst>
   </p:cSld>
@@ -3803,6 +4106,200 @@
           <a:chExt cx="0" cy="0"/>
         </a:xfrm>
       </p:grpSpPr>
+      <p:sp useBgFill="1">
+        <p:nvSpPr>
+          <p:cNvPr id="12" name="Rectangle 11">
+            <a:extLst>
+              <a:ext uri="{FF2B5EF4-FFF2-40B4-BE49-F238E27FC236}">
+                <a16:creationId xmlns:a16="http://schemas.microsoft.com/office/drawing/2014/main" id="{7A203437-703A-4E00-A8C0-91D328D6C7C7}"/>
+              </a:ext>
+              <a:ext uri="{C183D7F6-B498-43B3-948B-1728B52AA6E4}">
+                <adec:decorative xmlns:adec="http://schemas.microsoft.com/office/drawing/2017/decorative" val="1"/>
+              </a:ext>
+            </a:extLst>
+          </p:cNvPr>
+          <p:cNvSpPr>
+            <a:spLocks noGrp="1" noRot="1" noChangeAspect="1" noMove="1" noResize="1" noEditPoints="1" noAdjustHandles="1" noChangeArrowheads="1" noChangeShapeType="1" noTextEdit="1"/>
+          </p:cNvSpPr>
+          <p:nvPr>
+            <p:extLst>
+              <p:ext uri="{386F3935-93C4-4BCD-93E2-E3B085C9AB24}">
+                <p16:designElem xmlns:p16="http://schemas.microsoft.com/office/powerpoint/2015/main" val="1"/>
+              </p:ext>
+            </p:extLst>
+          </p:nvPr>
+        </p:nvSpPr>
+        <p:spPr>
+          <a:xfrm>
+            <a:off x="0" y="-4233"/>
+            <a:ext cx="12192000" cy="6858000"/>
+          </a:xfrm>
+          <a:prstGeom prst="rect">
+            <a:avLst/>
+          </a:prstGeom>
+          <a:ln>
+            <a:noFill/>
+          </a:ln>
+        </p:spPr>
+        <p:style>
+          <a:lnRef idx="2">
+            <a:schemeClr val="accent1">
+              <a:shade val="50000"/>
+            </a:schemeClr>
+          </a:lnRef>
+          <a:fillRef idx="1">
+            <a:schemeClr val="accent1"/>
+          </a:fillRef>
+          <a:effectRef idx="0">
+            <a:schemeClr val="accent1"/>
+          </a:effectRef>
+          <a:fontRef idx="minor">
+            <a:schemeClr val="lt1"/>
+          </a:fontRef>
+        </p:style>
+        <p:txBody>
+          <a:bodyPr rtlCol="0" anchor="ctr"/>
+          <a:lstStyle/>
+          <a:p>
+            <a:pPr algn="ctr"/>
+            <a:endParaRPr lang="en-US"/>
+          </a:p>
+        </p:txBody>
+      </p:sp>
+      <p:sp>
+        <p:nvSpPr>
+          <p:cNvPr id="2" name="Title 1">
+            <a:extLst>
+              <a:ext uri="{FF2B5EF4-FFF2-40B4-BE49-F238E27FC236}">
+                <a16:creationId xmlns:a16="http://schemas.microsoft.com/office/drawing/2014/main" id="{42E185A2-350A-4D14-8818-193DBFEAC5BB}"/>
+              </a:ext>
+            </a:extLst>
+          </p:cNvPr>
+          <p:cNvSpPr>
+            <a:spLocks noGrp="1"/>
+          </p:cNvSpPr>
+          <p:nvPr>
+            <p:ph type="title"/>
+          </p:nvPr>
+        </p:nvSpPr>
+        <p:spPr>
+          <a:xfrm>
+            <a:off x="589009" y="502400"/>
+            <a:ext cx="3367171" cy="1818064"/>
+          </a:xfrm>
+        </p:spPr>
+        <p:txBody>
+          <a:bodyPr>
+            <a:normAutofit/>
+          </a:bodyPr>
+          <a:lstStyle/>
+          <a:p>
+            <a:pPr algn="ctr"/>
+            <a:r>
+              <a:rPr lang="en-US" sz="2800"/>
+              <a:t>Opening notes</a:t>
+            </a:r>
+          </a:p>
+        </p:txBody>
+      </p:sp>
+      <p:pic>
+        <p:nvPicPr>
+          <p:cNvPr id="7" name="Picture 6">
+            <a:extLst>
+              <a:ext uri="{FF2B5EF4-FFF2-40B4-BE49-F238E27FC236}">
+                <a16:creationId xmlns:a16="http://schemas.microsoft.com/office/drawing/2014/main" id="{0036F6FD-1383-49C3-8789-8755E1093C93}"/>
+              </a:ext>
+            </a:extLst>
+          </p:cNvPr>
+          <p:cNvPicPr>
+            <a:picLocks noChangeAspect="1"/>
+          </p:cNvPicPr>
+          <p:nvPr/>
+        </p:nvPicPr>
+        <p:blipFill rotWithShape="1">
+          <a:blip r:embed="rId3"/>
+          <a:srcRect r="14577" b="6364"/>
+          <a:stretch/>
+        </p:blipFill>
+        <p:spPr>
+          <a:xfrm>
+            <a:off x="5218300" y="-8466"/>
+            <a:ext cx="6523581" cy="2663681"/>
+          </a:xfrm>
+          <a:prstGeom prst="rect">
+            <a:avLst/>
+          </a:prstGeom>
+        </p:spPr>
+      </p:pic>
+      <p:sp>
+        <p:nvSpPr>
+          <p:cNvPr id="14" name="Rectangle 13">
+            <a:extLst>
+              <a:ext uri="{FF2B5EF4-FFF2-40B4-BE49-F238E27FC236}">
+                <a16:creationId xmlns:a16="http://schemas.microsoft.com/office/drawing/2014/main" id="{CD84038B-4A56-439B-A184-79B2D4506692}"/>
+              </a:ext>
+              <a:ext uri="{C183D7F6-B498-43B3-948B-1728B52AA6E4}">
+                <adec:decorative xmlns:adec="http://schemas.microsoft.com/office/drawing/2017/decorative" val="1"/>
+              </a:ext>
+            </a:extLst>
+          </p:cNvPr>
+          <p:cNvSpPr>
+            <a:spLocks noGrp="1" noRot="1" noChangeAspect="1" noMove="1" noResize="1" noEditPoints="1" noAdjustHandles="1" noChangeArrowheads="1" noChangeShapeType="1" noTextEdit="1"/>
+          </p:cNvSpPr>
+          <p:nvPr>
+            <p:extLst>
+              <p:ext uri="{386F3935-93C4-4BCD-93E2-E3B085C9AB24}">
+                <p16:designElem xmlns:p16="http://schemas.microsoft.com/office/powerpoint/2015/main" val="1"/>
+              </p:ext>
+            </p:extLst>
+          </p:nvPr>
+        </p:nvSpPr>
+        <p:spPr>
+          <a:xfrm>
+            <a:off x="0" y="2762729"/>
+            <a:ext cx="12192000" cy="64008"/>
+          </a:xfrm>
+          <a:prstGeom prst="rect">
+            <a:avLst/>
+          </a:prstGeom>
+          <a:solidFill>
+            <a:schemeClr val="tx2">
+              <a:lumMod val="50000"/>
+            </a:schemeClr>
+          </a:solidFill>
+          <a:ln>
+            <a:noFill/>
+          </a:ln>
+        </p:spPr>
+        <p:style>
+          <a:lnRef idx="2">
+            <a:schemeClr val="accent1">
+              <a:shade val="50000"/>
+            </a:schemeClr>
+          </a:lnRef>
+          <a:fillRef idx="1">
+            <a:schemeClr val="accent1"/>
+          </a:fillRef>
+          <a:effectRef idx="0">
+            <a:schemeClr val="accent1"/>
+          </a:effectRef>
+          <a:fontRef idx="minor">
+            <a:schemeClr val="lt1"/>
+          </a:fontRef>
+        </p:style>
+        <p:txBody>
+          <a:bodyPr rtlCol="0" anchor="ctr"/>
+          <a:lstStyle/>
+          <a:p>
+            <a:pPr algn="ctr"/>
+            <a:endParaRPr lang="en-US">
+              <a:solidFill>
+                <a:schemeClr val="tx2"/>
+              </a:solidFill>
+            </a:endParaRPr>
+          </a:p>
+        </p:txBody>
+      </p:sp>
       <p:pic>
         <p:nvPicPr>
           <p:cNvPr id="5" name="Picture 4" descr="A wave in the ocean&#10;&#10;Description automatically generated with medium confidence">
@@ -3818,61 +4315,26 @@
           <p:nvPr/>
         </p:nvPicPr>
         <p:blipFill rotWithShape="1">
-          <a:blip r:embed="rId2">
-            <a:alphaModFix amt="35000"/>
+          <a:blip r:embed="rId4">
             <a:extLst>
               <a:ext uri="{28A0092B-C50C-407E-A947-70E740481C1C}">
                 <a14:useLocalDpi xmlns:a14="http://schemas.microsoft.com/office/drawing/2010/main" val="0"/>
               </a:ext>
             </a:extLst>
           </a:blip>
-          <a:srcRect t="15730"/>
+          <a:srcRect l="8304" r="16093" b="-2"/>
           <a:stretch/>
         </p:blipFill>
         <p:spPr>
           <a:xfrm>
-            <a:off x="20" y="10"/>
-            <a:ext cx="12191980" cy="6857990"/>
+            <a:off x="-1" y="2826737"/>
+            <a:ext cx="4565779" cy="4031263"/>
           </a:xfrm>
           <a:prstGeom prst="rect">
             <a:avLst/>
           </a:prstGeom>
         </p:spPr>
       </p:pic>
-      <p:sp>
-        <p:nvSpPr>
-          <p:cNvPr id="2" name="Title 1">
-            <a:extLst>
-              <a:ext uri="{FF2B5EF4-FFF2-40B4-BE49-F238E27FC236}">
-                <a16:creationId xmlns:a16="http://schemas.microsoft.com/office/drawing/2014/main" id="{42E185A2-350A-4D14-8818-193DBFEAC5BB}"/>
-              </a:ext>
-            </a:extLst>
-          </p:cNvPr>
-          <p:cNvSpPr>
-            <a:spLocks noGrp="1"/>
-          </p:cNvSpPr>
-          <p:nvPr>
-            <p:ph type="title"/>
-          </p:nvPr>
-        </p:nvSpPr>
-        <p:spPr/>
-        <p:txBody>
-          <a:bodyPr>
-            <a:normAutofit/>
-          </a:bodyPr>
-          <a:lstStyle/>
-          <a:p>
-            <a:r>
-              <a:rPr lang="en-US">
-                <a:solidFill>
-                  <a:srgbClr val="FFFFFF"/>
-                </a:solidFill>
-              </a:rPr>
-              <a:t>Opening notes</a:t>
-            </a:r>
-          </a:p>
-        </p:txBody>
-      </p:sp>
       <p:sp>
         <p:nvSpPr>
           <p:cNvPr id="3" name="Content Placeholder 2">
@@ -3889,26 +4351,98 @@
             <p:ph idx="1"/>
           </p:nvPr>
         </p:nvSpPr>
-        <p:spPr/>
-        <p:txBody>
-          <a:bodyPr>
+        <p:spPr>
+          <a:xfrm>
+            <a:off x="5449633" y="3455208"/>
+            <a:ext cx="5742432" cy="2344708"/>
+          </a:xfrm>
+        </p:spPr>
+        <p:txBody>
+          <a:bodyPr anchor="ctr">
             <a:normAutofit/>
           </a:bodyPr>
           <a:lstStyle/>
           <a:p>
             <a:r>
-              <a:rPr lang="en-US">
-                <a:solidFill>
-                  <a:srgbClr val="FFFFFF"/>
-                </a:solidFill>
-              </a:rPr>
+              <a:rPr lang="en-US" sz="2000"/>
               <a:t>This Presentation will fucus more on the article method and less about deblurring in general.</a:t>
             </a:r>
           </a:p>
           <a:p>
-            <a:endParaRPr lang="en-US">
+            <a:r>
+              <a:rPr lang="en-US" sz="2000"/>
+              <a:t>Brief summary of the article</a:t>
+            </a:r>
+          </a:p>
+          <a:p>
+            <a:endParaRPr lang="en-US" sz="2000"/>
+          </a:p>
+        </p:txBody>
+      </p:sp>
+      <p:sp>
+        <p:nvSpPr>
+          <p:cNvPr id="16" name="Rectangle 15">
+            <a:extLst>
+              <a:ext uri="{FF2B5EF4-FFF2-40B4-BE49-F238E27FC236}">
+                <a16:creationId xmlns:a16="http://schemas.microsoft.com/office/drawing/2014/main" id="{4F96EE13-2C4D-4262-812E-DDE5FC35F0AD}"/>
+              </a:ext>
+              <a:ext uri="{C183D7F6-B498-43B3-948B-1728B52AA6E4}">
+                <adec:decorative xmlns:adec="http://schemas.microsoft.com/office/drawing/2017/decorative" val="1"/>
+              </a:ext>
+            </a:extLst>
+          </p:cNvPr>
+          <p:cNvSpPr>
+            <a:spLocks noGrp="1" noRot="1" noChangeAspect="1" noMove="1" noResize="1" noEditPoints="1" noAdjustHandles="1" noChangeArrowheads="1" noChangeShapeType="1" noTextEdit="1"/>
+          </p:cNvSpPr>
+          <p:nvPr>
+            <p:extLst>
+              <p:ext uri="{386F3935-93C4-4BCD-93E2-E3B085C9AB24}">
+                <p16:designElem xmlns:p16="http://schemas.microsoft.com/office/powerpoint/2015/main" val="1"/>
+              </p:ext>
+            </p:extLst>
+          </p:nvPr>
+        </p:nvSpPr>
+        <p:spPr>
+          <a:xfrm rot="5400000">
+            <a:off x="1158239" y="3396995"/>
+            <a:ext cx="6858002" cy="64008"/>
+          </a:xfrm>
+          <a:prstGeom prst="rect">
+            <a:avLst/>
+          </a:prstGeom>
+          <a:solidFill>
+            <a:schemeClr val="tx2">
+              <a:lumMod val="50000"/>
+            </a:schemeClr>
+          </a:solidFill>
+          <a:ln>
+            <a:noFill/>
+          </a:ln>
+        </p:spPr>
+        <p:style>
+          <a:lnRef idx="2">
+            <a:schemeClr val="accent1">
+              <a:shade val="50000"/>
+            </a:schemeClr>
+          </a:lnRef>
+          <a:fillRef idx="1">
+            <a:schemeClr val="accent1"/>
+          </a:fillRef>
+          <a:effectRef idx="0">
+            <a:schemeClr val="accent1"/>
+          </a:effectRef>
+          <a:fontRef idx="minor">
+            <a:schemeClr val="lt1"/>
+          </a:fontRef>
+        </p:style>
+        <p:txBody>
+          <a:bodyPr rtlCol="0" anchor="ctr"/>
+          <a:lstStyle/>
+          <a:p>
+            <a:pPr algn="ctr"/>
+            <a:endParaRPr lang="en-US" dirty="0">
               <a:solidFill>
-                <a:srgbClr val="FFFFFF"/>
+                <a:schemeClr val="tx2"/>
               </a:solidFill>
             </a:endParaRPr>
           </a:p>
@@ -3922,7 +4456,7 @@
     </p:extLst>
   </p:cSld>
   <p:clrMapOvr>
-    <a:overrideClrMapping bg1="dk1" tx1="lt1" bg2="dk2" tx2="lt2" accent1="accent1" accent2="accent2" accent3="accent3" accent4="accent4" accent5="accent5" accent6="accent6" hlink="hlink" folHlink="folHlink"/>
+    <a:masterClrMapping/>
   </p:clrMapOvr>
 </p:sld>
 </file>
@@ -4941,6 +5475,355 @@
           <a:chExt cx="0" cy="0"/>
         </a:xfrm>
       </p:grpSpPr>
+      <p:sp useBgFill="1">
+        <p:nvSpPr>
+          <p:cNvPr id="14" name="Rectangle 13">
+            <a:extLst>
+              <a:ext uri="{FF2B5EF4-FFF2-40B4-BE49-F238E27FC236}">
+                <a16:creationId xmlns:a16="http://schemas.microsoft.com/office/drawing/2014/main" id="{70155189-D96C-4527-B0EC-654B946BE615}"/>
+              </a:ext>
+              <a:ext uri="{C183D7F6-B498-43B3-948B-1728B52AA6E4}">
+                <adec:decorative xmlns:adec="http://schemas.microsoft.com/office/drawing/2017/decorative" val="1"/>
+              </a:ext>
+            </a:extLst>
+          </p:cNvPr>
+          <p:cNvSpPr>
+            <a:spLocks noGrp="1" noRot="1" noChangeAspect="1" noMove="1" noResize="1" noEditPoints="1" noAdjustHandles="1" noChangeArrowheads="1" noChangeShapeType="1" noTextEdit="1"/>
+          </p:cNvSpPr>
+          <p:nvPr>
+            <p:extLst>
+              <p:ext uri="{386F3935-93C4-4BCD-93E2-E3B085C9AB24}">
+                <p16:designElem xmlns:p16="http://schemas.microsoft.com/office/powerpoint/2015/main" val="1"/>
+              </p:ext>
+            </p:extLst>
+          </p:nvPr>
+        </p:nvSpPr>
+        <p:spPr>
+          <a:xfrm>
+            <a:off x="-1" y="0"/>
+            <a:ext cx="12188952" cy="6858000"/>
+          </a:xfrm>
+          <a:prstGeom prst="rect">
+            <a:avLst/>
+          </a:prstGeom>
+          <a:ln>
+            <a:noFill/>
+          </a:ln>
+        </p:spPr>
+        <p:style>
+          <a:lnRef idx="2">
+            <a:schemeClr val="accent1">
+              <a:shade val="50000"/>
+            </a:schemeClr>
+          </a:lnRef>
+          <a:fillRef idx="1">
+            <a:schemeClr val="accent1"/>
+          </a:fillRef>
+          <a:effectRef idx="0">
+            <a:schemeClr val="accent1"/>
+          </a:effectRef>
+          <a:fontRef idx="minor">
+            <a:schemeClr val="lt1"/>
+          </a:fontRef>
+        </p:style>
+        <p:txBody>
+          <a:bodyPr rtlCol="0" anchor="ctr"/>
+          <a:lstStyle/>
+          <a:p>
+            <a:pPr algn="ctr"/>
+            <a:endParaRPr lang="en-US"/>
+          </a:p>
+        </p:txBody>
+      </p:sp>
+      <p:sp>
+        <p:nvSpPr>
+          <p:cNvPr id="2" name="Title 1">
+            <a:extLst>
+              <a:ext uri="{FF2B5EF4-FFF2-40B4-BE49-F238E27FC236}">
+                <a16:creationId xmlns:a16="http://schemas.microsoft.com/office/drawing/2014/main" id="{61C521B2-92B8-4DD7-BD3E-579A4ED22C3A}"/>
+              </a:ext>
+            </a:extLst>
+          </p:cNvPr>
+          <p:cNvSpPr>
+            <a:spLocks noGrp="1"/>
+          </p:cNvSpPr>
+          <p:nvPr>
+            <p:ph type="title"/>
+          </p:nvPr>
+        </p:nvSpPr>
+        <p:spPr>
+          <a:xfrm>
+            <a:off x="1198181" y="557189"/>
+            <a:ext cx="9795637" cy="1104857"/>
+          </a:xfrm>
+        </p:spPr>
+        <p:txBody>
+          <a:bodyPr vert="horz" lIns="91440" tIns="45720" rIns="91440" bIns="45720" rtlCol="0" anchor="b">
+            <a:normAutofit/>
+          </a:bodyPr>
+          <a:lstStyle/>
+          <a:p>
+            <a:pPr algn="ctr"/>
+            <a:r>
+              <a:rPr lang="en-US" sz="5200"/>
+              <a:t>Examples of blurry images</a:t>
+            </a:r>
+          </a:p>
+        </p:txBody>
+      </p:sp>
+      <p:pic>
+        <p:nvPicPr>
+          <p:cNvPr id="5" name="Content Placeholder 4" descr="A picture containing person, outdoor, clothing, posing&#10;&#10;Description automatically generated">
+            <a:extLst>
+              <a:ext uri="{FF2B5EF4-FFF2-40B4-BE49-F238E27FC236}">
+                <a16:creationId xmlns:a16="http://schemas.microsoft.com/office/drawing/2014/main" id="{3C9BBBF6-6C15-4987-A496-671CFDF6B7DB}"/>
+              </a:ext>
+            </a:extLst>
+          </p:cNvPr>
+          <p:cNvPicPr>
+            <a:picLocks noGrp="1" noChangeAspect="1"/>
+          </p:cNvPicPr>
+          <p:nvPr>
+            <p:ph idx="1"/>
+          </p:nvPr>
+        </p:nvPicPr>
+        <p:blipFill>
+          <a:blip r:embed="rId2">
+            <a:extLst>
+              <a:ext uri="{28A0092B-C50C-407E-A947-70E740481C1C}">
+                <a14:useLocalDpi xmlns:a14="http://schemas.microsoft.com/office/drawing/2010/main" val="0"/>
+              </a:ext>
+            </a:extLst>
+          </a:blip>
+          <a:stretch>
+            <a:fillRect/>
+          </a:stretch>
+        </p:blipFill>
+        <p:spPr>
+          <a:xfrm>
+            <a:off x="194099" y="3119301"/>
+            <a:ext cx="3797536" cy="2848152"/>
+          </a:xfrm>
+          <a:prstGeom prst="rect">
+            <a:avLst/>
+          </a:prstGeom>
+        </p:spPr>
+      </p:pic>
+      <p:pic>
+        <p:nvPicPr>
+          <p:cNvPr id="7" name="Picture 6" descr="A rocky beach with a body of water in the background&#10;&#10;Description automatically generated with low confidence">
+            <a:extLst>
+              <a:ext uri="{FF2B5EF4-FFF2-40B4-BE49-F238E27FC236}">
+                <a16:creationId xmlns:a16="http://schemas.microsoft.com/office/drawing/2014/main" id="{DBF1F354-52A9-4FD6-8AE8-8C1B893BECAC}"/>
+              </a:ext>
+            </a:extLst>
+          </p:cNvPr>
+          <p:cNvPicPr>
+            <a:picLocks noChangeAspect="1"/>
+          </p:cNvPicPr>
+          <p:nvPr/>
+        </p:nvPicPr>
+        <p:blipFill>
+          <a:blip r:embed="rId3">
+            <a:extLst>
+              <a:ext uri="{28A0092B-C50C-407E-A947-70E740481C1C}">
+                <a14:useLocalDpi xmlns:a14="http://schemas.microsoft.com/office/drawing/2010/main" val="0"/>
+              </a:ext>
+            </a:extLst>
+          </a:blip>
+          <a:stretch>
+            <a:fillRect/>
+          </a:stretch>
+        </p:blipFill>
+        <p:spPr>
+          <a:xfrm>
+            <a:off x="4193386" y="3275950"/>
+            <a:ext cx="3797536" cy="2534855"/>
+          </a:xfrm>
+          <a:prstGeom prst="rect">
+            <a:avLst/>
+          </a:prstGeom>
+        </p:spPr>
+      </p:pic>
+      <p:pic>
+        <p:nvPicPr>
+          <p:cNvPr id="9" name="Picture 8">
+            <a:extLst>
+              <a:ext uri="{FF2B5EF4-FFF2-40B4-BE49-F238E27FC236}">
+                <a16:creationId xmlns:a16="http://schemas.microsoft.com/office/drawing/2014/main" id="{162565BB-9FA3-4B56-8EE1-07B5D6EB19A3}"/>
+              </a:ext>
+            </a:extLst>
+          </p:cNvPr>
+          <p:cNvPicPr>
+            <a:picLocks noChangeAspect="1"/>
+          </p:cNvPicPr>
+          <p:nvPr/>
+        </p:nvPicPr>
+        <p:blipFill>
+          <a:blip r:embed="rId4">
+            <a:extLst>
+              <a:ext uri="{28A0092B-C50C-407E-A947-70E740481C1C}">
+                <a14:useLocalDpi xmlns:a14="http://schemas.microsoft.com/office/drawing/2010/main" val="0"/>
+              </a:ext>
+            </a:extLst>
+          </a:blip>
+          <a:stretch>
+            <a:fillRect/>
+          </a:stretch>
+        </p:blipFill>
+        <p:spPr>
+          <a:xfrm>
+            <a:off x="8192673" y="3475320"/>
+            <a:ext cx="3797536" cy="2136114"/>
+          </a:xfrm>
+          <a:prstGeom prst="rect">
+            <a:avLst/>
+          </a:prstGeom>
+        </p:spPr>
+      </p:pic>
+      <p:sp>
+        <p:nvSpPr>
+          <p:cNvPr id="10" name="TextBox 9">
+            <a:extLst>
+              <a:ext uri="{FF2B5EF4-FFF2-40B4-BE49-F238E27FC236}">
+                <a16:creationId xmlns:a16="http://schemas.microsoft.com/office/drawing/2014/main" id="{4675486A-A582-4F9C-8418-18BDAC82FD2D}"/>
+              </a:ext>
+            </a:extLst>
+          </p:cNvPr>
+          <p:cNvSpPr txBox="1"/>
+          <p:nvPr/>
+        </p:nvSpPr>
+        <p:spPr>
+          <a:xfrm>
+            <a:off x="194099" y="2537791"/>
+            <a:ext cx="3622527" cy="369332"/>
+          </a:xfrm>
+          <a:prstGeom prst="rect">
+            <a:avLst/>
+          </a:prstGeom>
+          <a:noFill/>
+        </p:spPr>
+        <p:txBody>
+          <a:bodyPr wrap="square" rtlCol="0">
+            <a:spAutoFit/>
+          </a:bodyPr>
+          <a:lstStyle/>
+          <a:p>
+            <a:r>
+              <a:rPr lang="en-US" dirty="0"/>
+              <a:t>Narrow aperture vs wide aperture.</a:t>
+            </a:r>
+          </a:p>
+        </p:txBody>
+      </p:sp>
+      <p:sp>
+        <p:nvSpPr>
+          <p:cNvPr id="11" name="TextBox 10">
+            <a:extLst>
+              <a:ext uri="{FF2B5EF4-FFF2-40B4-BE49-F238E27FC236}">
+                <a16:creationId xmlns:a16="http://schemas.microsoft.com/office/drawing/2014/main" id="{4557CACC-0186-4D9B-813E-B7A97CA054DE}"/>
+              </a:ext>
+            </a:extLst>
+          </p:cNvPr>
+          <p:cNvSpPr txBox="1"/>
+          <p:nvPr/>
+        </p:nvSpPr>
+        <p:spPr>
+          <a:xfrm>
+            <a:off x="5413513" y="2603800"/>
+            <a:ext cx="1596887" cy="369332"/>
+          </a:xfrm>
+          <a:prstGeom prst="rect">
+            <a:avLst/>
+          </a:prstGeom>
+          <a:noFill/>
+        </p:spPr>
+        <p:txBody>
+          <a:bodyPr wrap="square" rtlCol="0">
+            <a:spAutoFit/>
+          </a:bodyPr>
+          <a:lstStyle/>
+          <a:p>
+            <a:r>
+              <a:rPr lang="en-US" dirty="0"/>
+              <a:t>Long exposure</a:t>
+            </a:r>
+          </a:p>
+        </p:txBody>
+      </p:sp>
+      <p:sp>
+        <p:nvSpPr>
+          <p:cNvPr id="12" name="TextBox 11">
+            <a:extLst>
+              <a:ext uri="{FF2B5EF4-FFF2-40B4-BE49-F238E27FC236}">
+                <a16:creationId xmlns:a16="http://schemas.microsoft.com/office/drawing/2014/main" id="{D99A7445-10D1-400C-A8F7-A19DA5AE2042}"/>
+              </a:ext>
+            </a:extLst>
+          </p:cNvPr>
+          <p:cNvSpPr txBox="1"/>
+          <p:nvPr/>
+        </p:nvSpPr>
+        <p:spPr>
+          <a:xfrm>
+            <a:off x="9573590" y="2793363"/>
+            <a:ext cx="1472097" cy="369332"/>
+          </a:xfrm>
+          <a:prstGeom prst="rect">
+            <a:avLst/>
+          </a:prstGeom>
+          <a:noFill/>
+        </p:spPr>
+        <p:txBody>
+          <a:bodyPr wrap="square" rtlCol="0">
+            <a:spAutoFit/>
+          </a:bodyPr>
+          <a:lstStyle/>
+          <a:p>
+            <a:r>
+              <a:rPr lang="en-US" dirty="0"/>
+              <a:t>Motion blur</a:t>
+            </a:r>
+          </a:p>
+        </p:txBody>
+      </p:sp>
+    </p:spTree>
+    <p:extLst>
+      <p:ext uri="{BB962C8B-B14F-4D97-AF65-F5344CB8AC3E}">
+        <p14:creationId xmlns:p14="http://schemas.microsoft.com/office/powerpoint/2010/main" val="626363142"/>
+      </p:ext>
+    </p:extLst>
+  </p:cSld>
+  <p:clrMapOvr>
+    <a:masterClrMapping/>
+  </p:clrMapOvr>
+</p:sld>
+</file>
+
+<file path=ppt/slides/slide5.xml><?xml version="1.0" encoding="utf-8"?>
+<p:sld xmlns:a="http://schemas.openxmlformats.org/drawingml/2006/main" xmlns:r="http://schemas.openxmlformats.org/officeDocument/2006/relationships" xmlns:p="http://schemas.openxmlformats.org/presentationml/2006/main">
+  <p:cSld>
+    <p:bg>
+      <p:bgPr>
+        <a:solidFill>
+          <a:schemeClr val="bg1"/>
+        </a:solidFill>
+        <a:effectLst/>
+      </p:bgPr>
+    </p:bg>
+    <p:spTree>
+      <p:nvGrpSpPr>
+        <p:cNvPr id="1" name=""/>
+        <p:cNvGrpSpPr/>
+        <p:nvPr/>
+      </p:nvGrpSpPr>
+      <p:grpSpPr>
+        <a:xfrm>
+          <a:off x="0" y="0"/>
+          <a:ext cx="0" cy="0"/>
+          <a:chOff x="0" y="0"/>
+          <a:chExt cx="0" cy="0"/>
+        </a:xfrm>
+      </p:grpSpPr>
       <p:sp>
         <p:nvSpPr>
           <p:cNvPr id="2" name="Title 1"/>
@@ -5039,15 +5922,7 @@
             </a:pPr>
             <a:r>
               <a:rPr lang="en-US" sz="2200" dirty="0"/>
-              <a:t>neural network to learn a general procedure that is directly applicable to </a:t>
-            </a:r>
-            <a:r>
-              <a:rPr lang="en-US" sz="2200" dirty="0" err="1"/>
-              <a:t>diffrent</a:t>
-            </a:r>
-            <a:r>
-              <a:rPr lang="en-US" sz="2200" dirty="0"/>
-              <a:t> images and blurs.</a:t>
+              <a:t>neural network to learn a general procedure that is directly applicable to different images and blurs.</a:t>
             </a:r>
           </a:p>
           <a:p>
@@ -5073,7 +5948,7 @@
 </p:sld>
 </file>
 
-<file path=ppt/slides/slide5.xml><?xml version="1.0" encoding="utf-8"?>
+<file path=ppt/slides/slide6.xml><?xml version="1.0" encoding="utf-8"?>
 <p:sld xmlns:a="http://schemas.openxmlformats.org/drawingml/2006/main" xmlns:r="http://schemas.openxmlformats.org/officeDocument/2006/relationships" xmlns:p="http://schemas.openxmlformats.org/presentationml/2006/main">
   <p:cSld>
     <p:spTree>
@@ -5144,6 +6019,24 @@
               <a:rPr lang="en-US" dirty="0"/>
               <a:t>What is Scale-recurrent CNN?</a:t>
             </a:r>
+          </a:p>
+          <a:p>
+            <a:r>
+              <a:rPr lang="en-US" dirty="0"/>
+              <a:t>Use of ResBlock (residual )</a:t>
+            </a:r>
+          </a:p>
+          <a:p>
+            <a:r>
+              <a:rPr lang="en-US" dirty="0"/>
+              <a:t>Encoder-decoder with ResBlock</a:t>
+            </a:r>
+          </a:p>
+          <a:p>
+            <a:r>
+              <a:rPr lang="en-US" dirty="0"/>
+              <a:t>The RNN that is long-short term memory (LSTM).</a:t>
+            </a:r>
             <a:endParaRPr lang="he-IL" dirty="0"/>
           </a:p>
         </p:txBody>
@@ -5161,7 +6054,7 @@
 </p:sld>
 </file>
 
-<file path=ppt/slides/slide6.xml><?xml version="1.0" encoding="utf-8"?>
+<file path=ppt/slides/slide7.xml><?xml version="1.0" encoding="utf-8"?>
 <p:sld xmlns:a="http://schemas.openxmlformats.org/drawingml/2006/main" xmlns:r="http://schemas.openxmlformats.org/officeDocument/2006/relationships" xmlns:p="http://schemas.openxmlformats.org/presentationml/2006/main">
   <p:cSld>
     <p:spTree>

--- a/Slideshow/Scale-recurrent network for deblurring.pptx
+++ b/Slideshow/Scale-recurrent network for deblurring.pptx
@@ -5243,8 +5243,8 @@
           </a:p>
         </p:txBody>
       </p:sp>
-      <mc:AlternateContent xmlns:mc="http://schemas.openxmlformats.org/markup-compatibility/2006">
-        <mc:Choice xmlns:a14="http://schemas.microsoft.com/office/drawing/2010/main" Requires="a14">
+      <mc:AlternateContent xmlns:mc="http://schemas.openxmlformats.org/markup-compatibility/2006" xmlns:a14="http://schemas.microsoft.com/office/drawing/2010/main">
+        <mc:Choice Requires="a14">
           <p:sp>
             <p:nvSpPr>
               <p:cNvPr id="4" name="Content Placeholder 2"/>
@@ -5364,7 +5364,7 @@
             </p:txBody>
           </p:sp>
         </mc:Choice>
-        <mc:Fallback>
+        <mc:Fallback xmlns="">
           <p:sp>
             <p:nvSpPr>
               <p:cNvPr id="4" name="Content Placeholder 2"/>

--- a/Slideshow/Scale-recurrent network for deblurring.pptx
+++ b/Slideshow/Scale-recurrent network for deblurring.pptx
@@ -203,7 +203,7 @@
           <a:p>
             <a:fld id="{90D6B5CC-58E5-4C9F-BB10-8E58567DCFC1}" type="datetimeFigureOut">
               <a:rPr lang="en-US" smtClean="0"/>
-              <a:t>1/10/2021</a:t>
+              <a:t>1/11/2021</a:t>
             </a:fld>
             <a:endParaRPr lang="en-US"/>
           </a:p>
@@ -1080,7 +1080,7 @@
           <a:p>
             <a:fld id="{F3B86EC5-7C0C-4B78-9162-202D1C14F68C}" type="datetimeFigureOut">
               <a:rPr lang="en-US" smtClean="0"/>
-              <a:t>1/10/2021</a:t>
+              <a:t>1/11/2021</a:t>
             </a:fld>
             <a:endParaRPr lang="en-US"/>
           </a:p>
@@ -1250,7 +1250,7 @@
           <a:p>
             <a:fld id="{F3B86EC5-7C0C-4B78-9162-202D1C14F68C}" type="datetimeFigureOut">
               <a:rPr lang="en-US" smtClean="0"/>
-              <a:t>1/10/2021</a:t>
+              <a:t>1/11/2021</a:t>
             </a:fld>
             <a:endParaRPr lang="en-US"/>
           </a:p>
@@ -1430,7 +1430,7 @@
           <a:p>
             <a:fld id="{F3B86EC5-7C0C-4B78-9162-202D1C14F68C}" type="datetimeFigureOut">
               <a:rPr lang="en-US" smtClean="0"/>
-              <a:t>1/10/2021</a:t>
+              <a:t>1/11/2021</a:t>
             </a:fld>
             <a:endParaRPr lang="en-US"/>
           </a:p>
@@ -1600,7 +1600,7 @@
           <a:p>
             <a:fld id="{F3B86EC5-7C0C-4B78-9162-202D1C14F68C}" type="datetimeFigureOut">
               <a:rPr lang="en-US" smtClean="0"/>
-              <a:t>1/10/2021</a:t>
+              <a:t>1/11/2021</a:t>
             </a:fld>
             <a:endParaRPr lang="en-US"/>
           </a:p>
@@ -1846,7 +1846,7 @@
           <a:p>
             <a:fld id="{F3B86EC5-7C0C-4B78-9162-202D1C14F68C}" type="datetimeFigureOut">
               <a:rPr lang="en-US" smtClean="0"/>
-              <a:t>1/10/2021</a:t>
+              <a:t>1/11/2021</a:t>
             </a:fld>
             <a:endParaRPr lang="en-US"/>
           </a:p>
@@ -2078,7 +2078,7 @@
           <a:p>
             <a:fld id="{F3B86EC5-7C0C-4B78-9162-202D1C14F68C}" type="datetimeFigureOut">
               <a:rPr lang="en-US" smtClean="0"/>
-              <a:t>1/10/2021</a:t>
+              <a:t>1/11/2021</a:t>
             </a:fld>
             <a:endParaRPr lang="en-US"/>
           </a:p>
@@ -2445,7 +2445,7 @@
           <a:p>
             <a:fld id="{F3B86EC5-7C0C-4B78-9162-202D1C14F68C}" type="datetimeFigureOut">
               <a:rPr lang="en-US" smtClean="0"/>
-              <a:t>1/10/2021</a:t>
+              <a:t>1/11/2021</a:t>
             </a:fld>
             <a:endParaRPr lang="en-US"/>
           </a:p>
@@ -2563,7 +2563,7 @@
           <a:p>
             <a:fld id="{F3B86EC5-7C0C-4B78-9162-202D1C14F68C}" type="datetimeFigureOut">
               <a:rPr lang="en-US" smtClean="0"/>
-              <a:t>1/10/2021</a:t>
+              <a:t>1/11/2021</a:t>
             </a:fld>
             <a:endParaRPr lang="en-US"/>
           </a:p>
@@ -2658,7 +2658,7 @@
           <a:p>
             <a:fld id="{F3B86EC5-7C0C-4B78-9162-202D1C14F68C}" type="datetimeFigureOut">
               <a:rPr lang="en-US" smtClean="0"/>
-              <a:t>1/10/2021</a:t>
+              <a:t>1/11/2021</a:t>
             </a:fld>
             <a:endParaRPr lang="en-US"/>
           </a:p>
@@ -2935,7 +2935,7 @@
           <a:p>
             <a:fld id="{F3B86EC5-7C0C-4B78-9162-202D1C14F68C}" type="datetimeFigureOut">
               <a:rPr lang="en-US" smtClean="0"/>
-              <a:t>1/10/2021</a:t>
+              <a:t>1/11/2021</a:t>
             </a:fld>
             <a:endParaRPr lang="en-US"/>
           </a:p>
@@ -3192,7 +3192,7 @@
           <a:p>
             <a:fld id="{F3B86EC5-7C0C-4B78-9162-202D1C14F68C}" type="datetimeFigureOut">
               <a:rPr lang="en-US" smtClean="0"/>
-              <a:t>1/10/2021</a:t>
+              <a:t>1/11/2021</a:t>
             </a:fld>
             <a:endParaRPr lang="en-US"/>
           </a:p>
@@ -3405,7 +3405,7 @@
           <a:p>
             <a:fld id="{F3B86EC5-7C0C-4B78-9162-202D1C14F68C}" type="datetimeFigureOut">
               <a:rPr lang="en-US" smtClean="0"/>
-              <a:t>1/10/2021</a:t>
+              <a:t>1/11/2021</a:t>
             </a:fld>
             <a:endParaRPr lang="en-US"/>
           </a:p>

--- a/Slideshow/Scale-recurrent network for deblurring.pptx
+++ b/Slideshow/Scale-recurrent network for deblurring.pptx
@@ -5,7 +5,7 @@
     <p:sldMasterId id="2147483660" r:id="rId1"/>
   </p:sldMasterIdLst>
   <p:notesMasterIdLst>
-    <p:notesMasterId r:id="rId9"/>
+    <p:notesMasterId r:id="rId26"/>
   </p:notesMasterIdLst>
   <p:sldIdLst>
     <p:sldId id="256" r:id="rId2"/>
@@ -15,6 +15,23 @@
     <p:sldId id="259" r:id="rId6"/>
     <p:sldId id="258" r:id="rId7"/>
     <p:sldId id="261" r:id="rId8"/>
+    <p:sldId id="263" r:id="rId9"/>
+    <p:sldId id="264" r:id="rId10"/>
+    <p:sldId id="275" r:id="rId11"/>
+    <p:sldId id="265" r:id="rId12"/>
+    <p:sldId id="276" r:id="rId13"/>
+    <p:sldId id="277" r:id="rId14"/>
+    <p:sldId id="268" r:id="rId15"/>
+    <p:sldId id="267" r:id="rId16"/>
+    <p:sldId id="279" r:id="rId17"/>
+    <p:sldId id="269" r:id="rId18"/>
+    <p:sldId id="280" r:id="rId19"/>
+    <p:sldId id="270" r:id="rId20"/>
+    <p:sldId id="278" r:id="rId21"/>
+    <p:sldId id="271" r:id="rId22"/>
+    <p:sldId id="272" r:id="rId23"/>
+    <p:sldId id="273" r:id="rId24"/>
+    <p:sldId id="274" r:id="rId25"/>
   </p:sldIdLst>
   <p:sldSz cx="12192000" cy="6858000"/>
   <p:notesSz cx="6858000" cy="9144000"/>
@@ -836,7 +853,15 @@
             </a:r>
             <a:r>
               <a:rPr lang="he-IL" dirty="0"/>
-              <a:t> שונות של גודל התמונה במהלך תהליך הלמידה. כלומר יש כאן מעין פירמידה בשינוי גודל התמונה. עוד תכונה של הרשת היא שהיא מסוג </a:t>
+              <a:t> שונות של גודל התמונה במהלך תהליך הלמידה. כלומר יש כאן מעין פירמידה בשינוי גודל התמונה.</a:t>
+            </a:r>
+            <a:r>
+              <a:rPr lang="en-US" dirty="0"/>
+              <a:t> </a:t>
+            </a:r>
+            <a:r>
+              <a:rPr lang="he-IL" dirty="0"/>
+              <a:t>יש כאן יצירה של תמונה חדה מתמונה מטושטשת מכל סקלה כתת משימה. עוד תכונה של הרשת היא שהיא מסוג </a:t>
             </a:r>
             <a:r>
               <a:rPr lang="en-US" dirty="0"/>
@@ -940,6 +965,436 @@
     <p:extLst>
       <p:ext uri="{BB962C8B-B14F-4D97-AF65-F5344CB8AC3E}">
         <p14:creationId xmlns:p14="http://schemas.microsoft.com/office/powerpoint/2010/main" val="761574814"/>
+      </p:ext>
+    </p:extLst>
+  </p:cSld>
+  <p:clrMapOvr>
+    <a:masterClrMapping/>
+  </p:clrMapOvr>
+</p:notes>
+</file>
+
+<file path=ppt/notesSlides/notesSlide5.xml><?xml version="1.0" encoding="utf-8"?>
+<p:notes xmlns:a="http://schemas.openxmlformats.org/drawingml/2006/main" xmlns:r="http://schemas.openxmlformats.org/officeDocument/2006/relationships" xmlns:p="http://schemas.openxmlformats.org/presentationml/2006/main">
+  <p:cSld>
+    <p:spTree>
+      <p:nvGrpSpPr>
+        <p:cNvPr id="1" name=""/>
+        <p:cNvGrpSpPr/>
+        <p:nvPr/>
+      </p:nvGrpSpPr>
+      <p:grpSpPr>
+        <a:xfrm>
+          <a:off x="0" y="0"/>
+          <a:ext cx="0" cy="0"/>
+          <a:chOff x="0" y="0"/>
+          <a:chExt cx="0" cy="0"/>
+        </a:xfrm>
+      </p:grpSpPr>
+      <p:sp>
+        <p:nvSpPr>
+          <p:cNvPr id="2" name="Slide Image Placeholder 1"/>
+          <p:cNvSpPr>
+            <a:spLocks noGrp="1" noRot="1" noChangeAspect="1"/>
+          </p:cNvSpPr>
+          <p:nvPr>
+            <p:ph type="sldImg"/>
+          </p:nvPr>
+        </p:nvSpPr>
+        <p:spPr/>
+      </p:sp>
+      <p:sp>
+        <p:nvSpPr>
+          <p:cNvPr id="3" name="Notes Placeholder 2"/>
+          <p:cNvSpPr>
+            <a:spLocks noGrp="1"/>
+          </p:cNvSpPr>
+          <p:nvPr>
+            <p:ph type="body" idx="1"/>
+          </p:nvPr>
+        </p:nvSpPr>
+        <p:spPr/>
+        <p:txBody>
+          <a:bodyPr/>
+          <a:lstStyle/>
+          <a:p>
+            <a:pPr algn="r" rtl="1"/>
+            <a:r>
+              <a:rPr lang="en-US" dirty="0"/>
+              <a:t>I</a:t>
+            </a:r>
+            <a:r>
+              <a:rPr lang="he-IL" dirty="0"/>
+              <a:t> זו התמונה המשוחזרת משוערכת, </a:t>
+            </a:r>
+            <a:r>
+              <a:rPr lang="en-US" dirty="0"/>
+              <a:t>h</a:t>
+            </a:r>
+            <a:r>
+              <a:rPr lang="he-IL" dirty="0"/>
+              <a:t> אלו </a:t>
+            </a:r>
+            <a:r>
+              <a:rPr lang="he-IL" dirty="0" err="1"/>
+              <a:t>פיצרים</a:t>
+            </a:r>
+            <a:r>
+              <a:rPr lang="he-IL" dirty="0"/>
+              <a:t> פנימיים ברשת</a:t>
+            </a:r>
+            <a:r>
+              <a:rPr lang="en-US" dirty="0"/>
+              <a:t> </a:t>
+            </a:r>
+            <a:r>
+              <a:rPr lang="he-IL" dirty="0"/>
+              <a:t> </a:t>
+            </a:r>
+            <a:r>
+              <a:rPr lang="en-US" dirty="0"/>
+              <a:t>(hidden state vectors)</a:t>
+            </a:r>
+            <a:r>
+              <a:rPr lang="he-IL" dirty="0"/>
+              <a:t>, </a:t>
+            </a:r>
+            <a:r>
+              <a:rPr lang="en-US" dirty="0"/>
+              <a:t>B</a:t>
+            </a:r>
+            <a:r>
+              <a:rPr lang="he-IL" dirty="0"/>
+              <a:t> זו התמונה המטושטשת, </a:t>
+            </a:r>
+            <a:r>
+              <a:rPr lang="he-IL" dirty="0" err="1"/>
+              <a:t>תטא</a:t>
+            </a:r>
+            <a:r>
+              <a:rPr lang="he-IL" dirty="0"/>
+              <a:t> אלו פרמטרים של האימון ברשת.</a:t>
+            </a:r>
+            <a:r>
+              <a:rPr lang="en-US" dirty="0"/>
+              <a:t> </a:t>
+            </a:r>
+            <a:r>
+              <a:rPr lang="he-IL" dirty="0"/>
+              <a:t>הפרמטרים הפנימיים לומדים מבנים </a:t>
+            </a:r>
+            <a:r>
+              <a:rPr lang="he-IL" dirty="0" err="1"/>
+              <a:t>וקרנלים</a:t>
+            </a:r>
+            <a:r>
+              <a:rPr lang="he-IL" dirty="0"/>
+              <a:t> מתמונות מסקלות קודמות. </a:t>
+            </a:r>
+            <a:endParaRPr lang="en-US" dirty="0"/>
+          </a:p>
+        </p:txBody>
+      </p:sp>
+      <p:sp>
+        <p:nvSpPr>
+          <p:cNvPr id="4" name="Slide Number Placeholder 3"/>
+          <p:cNvSpPr>
+            <a:spLocks noGrp="1"/>
+          </p:cNvSpPr>
+          <p:nvPr>
+            <p:ph type="sldNum" sz="quarter" idx="5"/>
+          </p:nvPr>
+        </p:nvSpPr>
+        <p:spPr/>
+        <p:txBody>
+          <a:bodyPr/>
+          <a:lstStyle/>
+          <a:p>
+            <a:fld id="{D1424380-F98C-4904-AD4B-4459796C3B26}" type="slidenum">
+              <a:rPr lang="en-US" smtClean="0"/>
+              <a:t>8</a:t>
+            </a:fld>
+            <a:endParaRPr lang="en-US"/>
+          </a:p>
+        </p:txBody>
+      </p:sp>
+    </p:spTree>
+    <p:extLst>
+      <p:ext uri="{BB962C8B-B14F-4D97-AF65-F5344CB8AC3E}">
+        <p14:creationId xmlns:p14="http://schemas.microsoft.com/office/powerpoint/2010/main" val="3843219477"/>
+      </p:ext>
+    </p:extLst>
+  </p:cSld>
+  <p:clrMapOvr>
+    <a:masterClrMapping/>
+  </p:clrMapOvr>
+</p:notes>
+</file>
+
+<file path=ppt/notesSlides/notesSlide6.xml><?xml version="1.0" encoding="utf-8"?>
+<p:notes xmlns:a="http://schemas.openxmlformats.org/drawingml/2006/main" xmlns:r="http://schemas.openxmlformats.org/officeDocument/2006/relationships" xmlns:p="http://schemas.openxmlformats.org/presentationml/2006/main">
+  <p:cSld>
+    <p:spTree>
+      <p:nvGrpSpPr>
+        <p:cNvPr id="1" name=""/>
+        <p:cNvGrpSpPr/>
+        <p:nvPr/>
+      </p:nvGrpSpPr>
+      <p:grpSpPr>
+        <a:xfrm>
+          <a:off x="0" y="0"/>
+          <a:ext cx="0" cy="0"/>
+          <a:chOff x="0" y="0"/>
+          <a:chExt cx="0" cy="0"/>
+        </a:xfrm>
+      </p:grpSpPr>
+      <p:sp>
+        <p:nvSpPr>
+          <p:cNvPr id="2" name="Slide Image Placeholder 1"/>
+          <p:cNvSpPr>
+            <a:spLocks noGrp="1" noRot="1" noChangeAspect="1"/>
+          </p:cNvSpPr>
+          <p:nvPr>
+            <p:ph type="sldImg"/>
+          </p:nvPr>
+        </p:nvSpPr>
+        <p:spPr/>
+      </p:sp>
+      <p:sp>
+        <p:nvSpPr>
+          <p:cNvPr id="3" name="Notes Placeholder 2"/>
+          <p:cNvSpPr>
+            <a:spLocks noGrp="1"/>
+          </p:cNvSpPr>
+          <p:nvPr>
+            <p:ph type="body" idx="1"/>
+          </p:nvPr>
+        </p:nvSpPr>
+        <p:spPr/>
+        <p:txBody>
+          <a:bodyPr/>
+          <a:lstStyle/>
+          <a:p>
+            <a:pPr algn="r" rtl="1"/>
+            <a:r>
+              <a:rPr lang="he-IL" dirty="0"/>
+              <a:t>החוקרים כמעט ולא התייחסו </a:t>
+            </a:r>
+            <a:r>
+              <a:rPr lang="he-IL" dirty="0" err="1"/>
+              <a:t>לאופטימייזר</a:t>
+            </a:r>
+            <a:r>
+              <a:rPr lang="he-IL" dirty="0"/>
+              <a:t> ואמרו שהם בחרו את </a:t>
+            </a:r>
+            <a:r>
+              <a:rPr lang="he-IL" dirty="0" err="1"/>
+              <a:t>הדיפולט</a:t>
+            </a:r>
+            <a:r>
+              <a:rPr lang="he-IL" dirty="0"/>
+              <a:t> המומלץ.</a:t>
+            </a:r>
+            <a:endParaRPr lang="en-US" dirty="0"/>
+          </a:p>
+        </p:txBody>
+      </p:sp>
+      <p:sp>
+        <p:nvSpPr>
+          <p:cNvPr id="4" name="Slide Number Placeholder 3"/>
+          <p:cNvSpPr>
+            <a:spLocks noGrp="1"/>
+          </p:cNvSpPr>
+          <p:nvPr>
+            <p:ph type="sldNum" sz="quarter" idx="5"/>
+          </p:nvPr>
+        </p:nvSpPr>
+        <p:spPr/>
+        <p:txBody>
+          <a:bodyPr/>
+          <a:lstStyle/>
+          <a:p>
+            <a:fld id="{D1424380-F98C-4904-AD4B-4459796C3B26}" type="slidenum">
+              <a:rPr lang="en-US" smtClean="0"/>
+              <a:t>10</a:t>
+            </a:fld>
+            <a:endParaRPr lang="en-US"/>
+          </a:p>
+        </p:txBody>
+      </p:sp>
+    </p:spTree>
+    <p:extLst>
+      <p:ext uri="{BB962C8B-B14F-4D97-AF65-F5344CB8AC3E}">
+        <p14:creationId xmlns:p14="http://schemas.microsoft.com/office/powerpoint/2010/main" val="170770287"/>
+      </p:ext>
+    </p:extLst>
+  </p:cSld>
+  <p:clrMapOvr>
+    <a:masterClrMapping/>
+  </p:clrMapOvr>
+</p:notes>
+</file>
+
+<file path=ppt/notesSlides/notesSlide7.xml><?xml version="1.0" encoding="utf-8"?>
+<p:notes xmlns:a="http://schemas.openxmlformats.org/drawingml/2006/main" xmlns:r="http://schemas.openxmlformats.org/officeDocument/2006/relationships" xmlns:p="http://schemas.openxmlformats.org/presentationml/2006/main">
+  <p:cSld>
+    <p:spTree>
+      <p:nvGrpSpPr>
+        <p:cNvPr id="1" name=""/>
+        <p:cNvGrpSpPr/>
+        <p:nvPr/>
+      </p:nvGrpSpPr>
+      <p:grpSpPr>
+        <a:xfrm>
+          <a:off x="0" y="0"/>
+          <a:ext cx="0" cy="0"/>
+          <a:chOff x="0" y="0"/>
+          <a:chExt cx="0" cy="0"/>
+        </a:xfrm>
+      </p:grpSpPr>
+      <p:sp>
+        <p:nvSpPr>
+          <p:cNvPr id="2" name="Slide Image Placeholder 1"/>
+          <p:cNvSpPr>
+            <a:spLocks noGrp="1" noRot="1" noChangeAspect="1"/>
+          </p:cNvSpPr>
+          <p:nvPr>
+            <p:ph type="sldImg"/>
+          </p:nvPr>
+        </p:nvSpPr>
+        <p:spPr/>
+      </p:sp>
+      <p:sp>
+        <p:nvSpPr>
+          <p:cNvPr id="3" name="Notes Placeholder 2"/>
+          <p:cNvSpPr>
+            <a:spLocks noGrp="1"/>
+          </p:cNvSpPr>
+          <p:nvPr>
+            <p:ph type="body" idx="1"/>
+          </p:nvPr>
+        </p:nvSpPr>
+        <p:spPr/>
+        <p:txBody>
+          <a:bodyPr/>
+          <a:lstStyle/>
+          <a:p>
+            <a:endParaRPr lang="en-US" dirty="0"/>
+          </a:p>
+        </p:txBody>
+      </p:sp>
+      <p:sp>
+        <p:nvSpPr>
+          <p:cNvPr id="4" name="Slide Number Placeholder 3"/>
+          <p:cNvSpPr>
+            <a:spLocks noGrp="1"/>
+          </p:cNvSpPr>
+          <p:nvPr>
+            <p:ph type="sldNum" sz="quarter" idx="5"/>
+          </p:nvPr>
+        </p:nvSpPr>
+        <p:spPr/>
+        <p:txBody>
+          <a:bodyPr/>
+          <a:lstStyle/>
+          <a:p>
+            <a:fld id="{D1424380-F98C-4904-AD4B-4459796C3B26}" type="slidenum">
+              <a:rPr lang="en-US" smtClean="0"/>
+              <a:t>12</a:t>
+            </a:fld>
+            <a:endParaRPr lang="en-US"/>
+          </a:p>
+        </p:txBody>
+      </p:sp>
+    </p:spTree>
+    <p:extLst>
+      <p:ext uri="{BB962C8B-B14F-4D97-AF65-F5344CB8AC3E}">
+        <p14:creationId xmlns:p14="http://schemas.microsoft.com/office/powerpoint/2010/main" val="4271447267"/>
+      </p:ext>
+    </p:extLst>
+  </p:cSld>
+  <p:clrMapOvr>
+    <a:masterClrMapping/>
+  </p:clrMapOvr>
+</p:notes>
+</file>
+
+<file path=ppt/notesSlides/notesSlide8.xml><?xml version="1.0" encoding="utf-8"?>
+<p:notes xmlns:a="http://schemas.openxmlformats.org/drawingml/2006/main" xmlns:r="http://schemas.openxmlformats.org/officeDocument/2006/relationships" xmlns:p="http://schemas.openxmlformats.org/presentationml/2006/main">
+  <p:cSld>
+    <p:spTree>
+      <p:nvGrpSpPr>
+        <p:cNvPr id="1" name=""/>
+        <p:cNvGrpSpPr/>
+        <p:nvPr/>
+      </p:nvGrpSpPr>
+      <p:grpSpPr>
+        <a:xfrm>
+          <a:off x="0" y="0"/>
+          <a:ext cx="0" cy="0"/>
+          <a:chOff x="0" y="0"/>
+          <a:chExt cx="0" cy="0"/>
+        </a:xfrm>
+      </p:grpSpPr>
+      <p:sp>
+        <p:nvSpPr>
+          <p:cNvPr id="2" name="Slide Image Placeholder 1"/>
+          <p:cNvSpPr>
+            <a:spLocks noGrp="1" noRot="1" noChangeAspect="1"/>
+          </p:cNvSpPr>
+          <p:nvPr>
+            <p:ph type="sldImg"/>
+          </p:nvPr>
+        </p:nvSpPr>
+        <p:spPr/>
+      </p:sp>
+      <p:sp>
+        <p:nvSpPr>
+          <p:cNvPr id="3" name="Notes Placeholder 2"/>
+          <p:cNvSpPr>
+            <a:spLocks noGrp="1"/>
+          </p:cNvSpPr>
+          <p:nvPr>
+            <p:ph type="body" idx="1"/>
+          </p:nvPr>
+        </p:nvSpPr>
+        <p:spPr/>
+        <p:txBody>
+          <a:bodyPr/>
+          <a:lstStyle/>
+          <a:p>
+            <a:endParaRPr lang="en-US" dirty="0"/>
+          </a:p>
+        </p:txBody>
+      </p:sp>
+      <p:sp>
+        <p:nvSpPr>
+          <p:cNvPr id="4" name="Slide Number Placeholder 3"/>
+          <p:cNvSpPr>
+            <a:spLocks noGrp="1"/>
+          </p:cNvSpPr>
+          <p:nvPr>
+            <p:ph type="sldNum" sz="quarter" idx="5"/>
+          </p:nvPr>
+        </p:nvSpPr>
+        <p:spPr/>
+        <p:txBody>
+          <a:bodyPr/>
+          <a:lstStyle/>
+          <a:p>
+            <a:fld id="{D1424380-F98C-4904-AD4B-4459796C3B26}" type="slidenum">
+              <a:rPr lang="en-US" smtClean="0"/>
+              <a:t>13</a:t>
+            </a:fld>
+            <a:endParaRPr lang="en-US"/>
+          </a:p>
+        </p:txBody>
+      </p:sp>
+    </p:spTree>
+    <p:extLst>
+      <p:ext uri="{BB962C8B-B14F-4D97-AF65-F5344CB8AC3E}">
+        <p14:creationId xmlns:p14="http://schemas.microsoft.com/office/powerpoint/2010/main" val="1387693716"/>
       </p:ext>
     </p:extLst>
   </p:cSld>
@@ -4081,6 +4536,2802 @@
 </p:sld>
 </file>
 
+<file path=ppt/slides/slide10.xml><?xml version="1.0" encoding="utf-8"?>
+<p:sld xmlns:a="http://schemas.openxmlformats.org/drawingml/2006/main" xmlns:r="http://schemas.openxmlformats.org/officeDocument/2006/relationships" xmlns:p="http://schemas.openxmlformats.org/presentationml/2006/main">
+  <p:cSld>
+    <p:spTree>
+      <p:nvGrpSpPr>
+        <p:cNvPr id="1" name=""/>
+        <p:cNvGrpSpPr/>
+        <p:nvPr/>
+      </p:nvGrpSpPr>
+      <p:grpSpPr>
+        <a:xfrm>
+          <a:off x="0" y="0"/>
+          <a:ext cx="0" cy="0"/>
+          <a:chOff x="0" y="0"/>
+          <a:chExt cx="0" cy="0"/>
+        </a:xfrm>
+      </p:grpSpPr>
+      <p:sp>
+        <p:nvSpPr>
+          <p:cNvPr id="2" name="Title 1">
+            <a:extLst>
+              <a:ext uri="{FF2B5EF4-FFF2-40B4-BE49-F238E27FC236}">
+                <a16:creationId xmlns:a16="http://schemas.microsoft.com/office/drawing/2014/main" id="{117F2F7A-FD65-4E67-9BE5-5A842F64ABA4}"/>
+              </a:ext>
+            </a:extLst>
+          </p:cNvPr>
+          <p:cNvSpPr>
+            <a:spLocks noGrp="1"/>
+          </p:cNvSpPr>
+          <p:nvPr>
+            <p:ph type="title"/>
+          </p:nvPr>
+        </p:nvSpPr>
+        <p:spPr>
+          <a:xfrm>
+            <a:off x="838200" y="365125"/>
+            <a:ext cx="10515600" cy="873953"/>
+          </a:xfrm>
+        </p:spPr>
+        <p:txBody>
+          <a:bodyPr/>
+          <a:lstStyle/>
+          <a:p>
+            <a:r>
+              <a:rPr lang="en-US" dirty="0"/>
+              <a:t>Parameter update – Solver</a:t>
+            </a:r>
+          </a:p>
+        </p:txBody>
+      </p:sp>
+      <mc:AlternateContent xmlns:mc="http://schemas.openxmlformats.org/markup-compatibility/2006">
+        <mc:Choice xmlns:a14="http://schemas.microsoft.com/office/drawing/2010/main" Requires="a14">
+          <p:sp>
+            <p:nvSpPr>
+              <p:cNvPr id="3" name="Content Placeholder 2">
+                <a:extLst>
+                  <a:ext uri="{FF2B5EF4-FFF2-40B4-BE49-F238E27FC236}">
+                    <a16:creationId xmlns:a16="http://schemas.microsoft.com/office/drawing/2014/main" id="{0256DE72-6C8B-4AAC-A0EE-9CEE359130B8}"/>
+                  </a:ext>
+                </a:extLst>
+              </p:cNvPr>
+              <p:cNvSpPr>
+                <a:spLocks noGrp="1"/>
+              </p:cNvSpPr>
+              <p:nvPr>
+                <p:ph idx="1"/>
+              </p:nvPr>
+            </p:nvSpPr>
+            <p:spPr>
+              <a:xfrm>
+                <a:off x="838200" y="1583635"/>
+                <a:ext cx="10515600" cy="4572000"/>
+              </a:xfrm>
+            </p:spPr>
+            <p:txBody>
+              <a:bodyPr>
+                <a:normAutofit fontScale="47500" lnSpcReduction="20000"/>
+              </a:bodyPr>
+              <a:lstStyle/>
+              <a:p>
+                <a:pPr>
+                  <a:lnSpc>
+                    <a:spcPct val="170000"/>
+                  </a:lnSpc>
+                </a:pPr>
+                <a:r>
+                  <a:rPr lang="en-US" dirty="0"/>
+                  <a:t>The network training solver, updating the kernels parameters is Adam. The loss function is simple L</a:t>
+                </a:r>
+                <a:r>
+                  <a:rPr lang="en-US" baseline="-25000" dirty="0"/>
+                  <a:t>2</a:t>
+                </a:r>
+                <a:r>
+                  <a:rPr lang="en-US" dirty="0"/>
+                  <a:t>-norm = </a:t>
+                </a:r>
+                <a14:m>
+                  <m:oMath xmlns:m="http://schemas.openxmlformats.org/officeDocument/2006/math">
+                    <m:sSub>
+                      <m:sSubPr>
+                        <m:ctrlPr>
+                          <a:rPr lang="en-US" b="0" i="1" smtClean="0">
+                            <a:latin typeface="Cambria Math" panose="02040503050406030204" pitchFamily="18" charset="0"/>
+                          </a:rPr>
+                        </m:ctrlPr>
+                      </m:sSubPr>
+                      <m:e>
+                        <m:r>
+                          <a:rPr lang="en-US" b="0" i="1" smtClean="0">
+                            <a:latin typeface="Cambria Math" panose="02040503050406030204" pitchFamily="18" charset="0"/>
+                          </a:rPr>
+                          <m:t>𝐿</m:t>
+                        </m:r>
+                      </m:e>
+                      <m:sub>
+                        <m:r>
+                          <a:rPr lang="en-US" b="0" i="1" smtClean="0">
+                            <a:latin typeface="Cambria Math" panose="02040503050406030204" pitchFamily="18" charset="0"/>
+                          </a:rPr>
+                          <m:t>2</m:t>
+                        </m:r>
+                      </m:sub>
+                    </m:sSub>
+                    <m:r>
+                      <a:rPr lang="en-US" b="0" i="1" smtClean="0">
+                        <a:latin typeface="Cambria Math" panose="02040503050406030204" pitchFamily="18" charset="0"/>
+                      </a:rPr>
+                      <m:t>=</m:t>
+                    </m:r>
+                    <m:nary>
+                      <m:naryPr>
+                        <m:chr m:val="∑"/>
+                        <m:ctrlPr>
+                          <a:rPr lang="en-US" b="0" i="1" smtClean="0">
+                            <a:latin typeface="Cambria Math" panose="02040503050406030204" pitchFamily="18" charset="0"/>
+                          </a:rPr>
+                        </m:ctrlPr>
+                      </m:naryPr>
+                      <m:sub>
+                        <m:r>
+                          <m:rPr>
+                            <m:brk m:alnAt="23"/>
+                          </m:rPr>
+                          <a:rPr lang="en-US" b="0" i="1" smtClean="0">
+                            <a:latin typeface="Cambria Math" panose="02040503050406030204" pitchFamily="18" charset="0"/>
+                          </a:rPr>
+                          <m:t>𝑖</m:t>
+                        </m:r>
+                        <m:r>
+                          <a:rPr lang="en-US" b="0" i="1" smtClean="0">
+                            <a:latin typeface="Cambria Math" panose="02040503050406030204" pitchFamily="18" charset="0"/>
+                          </a:rPr>
+                          <m:t>=1</m:t>
+                        </m:r>
+                      </m:sub>
+                      <m:sup>
+                        <m:r>
+                          <a:rPr lang="en-US" b="0" i="1" smtClean="0">
+                            <a:latin typeface="Cambria Math" panose="02040503050406030204" pitchFamily="18" charset="0"/>
+                          </a:rPr>
+                          <m:t>𝑛</m:t>
+                        </m:r>
+                      </m:sup>
+                      <m:e>
+                        <m:f>
+                          <m:fPr>
+                            <m:ctrlPr>
+                              <a:rPr lang="en-US" b="0" i="1" smtClean="0">
+                                <a:latin typeface="Cambria Math" panose="02040503050406030204" pitchFamily="18" charset="0"/>
+                              </a:rPr>
+                            </m:ctrlPr>
+                          </m:fPr>
+                          <m:num>
+                            <m:sSub>
+                              <m:sSubPr>
+                                <m:ctrlPr>
+                                  <a:rPr lang="en-US" b="0" i="1" smtClean="0">
+                                    <a:latin typeface="Cambria Math" panose="02040503050406030204" pitchFamily="18" charset="0"/>
+                                  </a:rPr>
+                                </m:ctrlPr>
+                              </m:sSubPr>
+                              <m:e>
+                                <m:r>
+                                  <a:rPr lang="en-US" b="0" i="1" smtClean="0">
+                                    <a:latin typeface="Cambria Math" panose="02040503050406030204" pitchFamily="18" charset="0"/>
+                                  </a:rPr>
+                                  <m:t>𝑘</m:t>
+                                </m:r>
+                              </m:e>
+                              <m:sub>
+                                <m:r>
+                                  <a:rPr lang="en-US" b="0" i="1" smtClean="0">
+                                    <a:latin typeface="Cambria Math" panose="02040503050406030204" pitchFamily="18" charset="0"/>
+                                  </a:rPr>
+                                  <m:t>𝑖</m:t>
+                                </m:r>
+                              </m:sub>
+                            </m:sSub>
+                          </m:num>
+                          <m:den>
+                            <m:sSub>
+                              <m:sSubPr>
+                                <m:ctrlPr>
+                                  <a:rPr lang="en-US" b="0" i="1" smtClean="0">
+                                    <a:latin typeface="Cambria Math" panose="02040503050406030204" pitchFamily="18" charset="0"/>
+                                  </a:rPr>
+                                </m:ctrlPr>
+                              </m:sSubPr>
+                              <m:e>
+                                <m:r>
+                                  <a:rPr lang="en-US" b="0" i="1" smtClean="0">
+                                    <a:latin typeface="Cambria Math" panose="02040503050406030204" pitchFamily="18" charset="0"/>
+                                  </a:rPr>
+                                  <m:t>𝑁</m:t>
+                                </m:r>
+                              </m:e>
+                              <m:sub>
+                                <m:r>
+                                  <a:rPr lang="en-US" b="0" i="1" smtClean="0">
+                                    <a:latin typeface="Cambria Math" panose="02040503050406030204" pitchFamily="18" charset="0"/>
+                                  </a:rPr>
+                                  <m:t>𝑖</m:t>
+                                </m:r>
+                              </m:sub>
+                            </m:sSub>
+                          </m:den>
+                        </m:f>
+                        <m:sSubSup>
+                          <m:sSubSupPr>
+                            <m:ctrlPr>
+                              <a:rPr lang="en-US" b="0" i="1" smtClean="0">
+                                <a:latin typeface="Cambria Math" panose="02040503050406030204" pitchFamily="18" charset="0"/>
+                              </a:rPr>
+                            </m:ctrlPr>
+                          </m:sSubSupPr>
+                          <m:e>
+                            <m:d>
+                              <m:dPr>
+                                <m:begChr m:val="‖"/>
+                                <m:endChr m:val="‖"/>
+                                <m:ctrlPr>
+                                  <a:rPr lang="en-US" i="1">
+                                    <a:latin typeface="Cambria Math" panose="02040503050406030204" pitchFamily="18" charset="0"/>
+                                  </a:rPr>
+                                </m:ctrlPr>
+                              </m:dPr>
+                              <m:e>
+                                <m:sSup>
+                                  <m:sSupPr>
+                                    <m:ctrlPr>
+                                      <a:rPr lang="en-US" i="1">
+                                        <a:latin typeface="Cambria Math" panose="02040503050406030204" pitchFamily="18" charset="0"/>
+                                      </a:rPr>
+                                    </m:ctrlPr>
+                                  </m:sSupPr>
+                                  <m:e>
+                                    <m:r>
+                                      <a:rPr lang="en-US" i="1">
+                                        <a:latin typeface="Cambria Math" panose="02040503050406030204" pitchFamily="18" charset="0"/>
+                                      </a:rPr>
+                                      <m:t>𝐼</m:t>
+                                    </m:r>
+                                  </m:e>
+                                  <m:sup>
+                                    <m:r>
+                                      <a:rPr lang="en-US" i="1">
+                                        <a:latin typeface="Cambria Math" panose="02040503050406030204" pitchFamily="18" charset="0"/>
+                                      </a:rPr>
+                                      <m:t>𝑖</m:t>
+                                    </m:r>
+                                  </m:sup>
+                                </m:sSup>
+                                <m:r>
+                                  <a:rPr lang="en-US" i="1">
+                                    <a:latin typeface="Cambria Math" panose="02040503050406030204" pitchFamily="18" charset="0"/>
+                                  </a:rPr>
+                                  <m:t>−</m:t>
+                                </m:r>
+                                <m:sSubSup>
+                                  <m:sSubSupPr>
+                                    <m:ctrlPr>
+                                      <a:rPr lang="en-US" i="1">
+                                        <a:latin typeface="Cambria Math" panose="02040503050406030204" pitchFamily="18" charset="0"/>
+                                      </a:rPr>
+                                    </m:ctrlPr>
+                                  </m:sSubSupPr>
+                                  <m:e>
+                                    <m:r>
+                                      <a:rPr lang="en-US" i="1">
+                                        <a:latin typeface="Cambria Math" panose="02040503050406030204" pitchFamily="18" charset="0"/>
+                                      </a:rPr>
+                                      <m:t>𝐼</m:t>
+                                    </m:r>
+                                  </m:e>
+                                  <m:sub>
+                                    <m:r>
+                                      <a:rPr lang="en-US" i="1">
+                                        <a:latin typeface="Cambria Math" panose="02040503050406030204" pitchFamily="18" charset="0"/>
+                                      </a:rPr>
+                                      <m:t>𝑡𝑟𝑢𝑒</m:t>
+                                    </m:r>
+                                  </m:sub>
+                                  <m:sup>
+                                    <m:r>
+                                      <a:rPr lang="en-US" i="1">
+                                        <a:latin typeface="Cambria Math" panose="02040503050406030204" pitchFamily="18" charset="0"/>
+                                      </a:rPr>
+                                      <m:t>𝑖</m:t>
+                                    </m:r>
+                                  </m:sup>
+                                </m:sSubSup>
+                              </m:e>
+                            </m:d>
+                          </m:e>
+                          <m:sub>
+                            <m:r>
+                              <a:rPr lang="en-US" b="0" i="1" smtClean="0">
+                                <a:latin typeface="Cambria Math" panose="02040503050406030204" pitchFamily="18" charset="0"/>
+                              </a:rPr>
+                              <m:t>2</m:t>
+                            </m:r>
+                          </m:sub>
+                          <m:sup>
+                            <m:r>
+                              <a:rPr lang="en-US" b="0" i="1" smtClean="0">
+                                <a:latin typeface="Cambria Math" panose="02040503050406030204" pitchFamily="18" charset="0"/>
+                              </a:rPr>
+                              <m:t>2</m:t>
+                            </m:r>
+                          </m:sup>
+                        </m:sSubSup>
+                      </m:e>
+                    </m:nary>
+                  </m:oMath>
+                </a14:m>
+                <a:endParaRPr lang="en-US" dirty="0"/>
+              </a:p>
+              <a:p>
+                <a:pPr>
+                  <a:lnSpc>
+                    <a:spcPct val="170000"/>
+                  </a:lnSpc>
+                </a:pPr>
+                <a:r>
+                  <a:rPr lang="en-US" dirty="0"/>
+                  <a:t>Simplest form of a solver: x is a parameter vector, dx is the update gradient. So, </a:t>
+                </a:r>
+                <a14:m>
+                  <m:oMath xmlns:m="http://schemas.openxmlformats.org/officeDocument/2006/math">
+                    <m:r>
+                      <m:rPr>
+                        <m:sty m:val="p"/>
+                      </m:rPr>
+                      <a:rPr lang="en-US" b="0" i="0" smtClean="0">
+                        <a:latin typeface="Cambria Math" panose="02040503050406030204" pitchFamily="18" charset="0"/>
+                      </a:rPr>
+                      <m:t>x</m:t>
+                    </m:r>
+                    <m:r>
+                      <a:rPr lang="en-US" b="0" i="0" smtClean="0">
+                        <a:latin typeface="Cambria Math" panose="02040503050406030204" pitchFamily="18" charset="0"/>
+                      </a:rPr>
+                      <m:t>+=−</m:t>
+                    </m:r>
+                    <m:r>
+                      <m:rPr>
+                        <m:sty m:val="p"/>
+                      </m:rPr>
+                      <a:rPr lang="en-US" b="0" i="0" smtClean="0">
+                        <a:latin typeface="Cambria Math" panose="02040503050406030204" pitchFamily="18" charset="0"/>
+                      </a:rPr>
+                      <m:t>learning</m:t>
+                    </m:r>
+                    <m:r>
+                      <a:rPr lang="en-US" b="0" i="0" smtClean="0">
+                        <a:latin typeface="Cambria Math" panose="02040503050406030204" pitchFamily="18" charset="0"/>
+                      </a:rPr>
+                      <m:t>_</m:t>
+                    </m:r>
+                    <m:r>
+                      <m:rPr>
+                        <m:sty m:val="p"/>
+                      </m:rPr>
+                      <a:rPr lang="en-US" b="0" i="0" smtClean="0">
+                        <a:latin typeface="Cambria Math" panose="02040503050406030204" pitchFamily="18" charset="0"/>
+                      </a:rPr>
+                      <m:t>rate</m:t>
+                    </m:r>
+                    <m:r>
+                      <a:rPr lang="en-US" b="0" i="1" smtClean="0">
+                        <a:latin typeface="Cambria Math" panose="02040503050406030204" pitchFamily="18" charset="0"/>
+                      </a:rPr>
+                      <m:t>∗</m:t>
+                    </m:r>
+                    <m:r>
+                      <a:rPr lang="en-US" b="0" i="1" smtClean="0">
+                        <a:latin typeface="Cambria Math" panose="02040503050406030204" pitchFamily="18" charset="0"/>
+                      </a:rPr>
+                      <m:t>𝑑𝑥</m:t>
+                    </m:r>
+                  </m:oMath>
+                </a14:m>
+                <a:r>
+                  <a:rPr lang="en-US" dirty="0"/>
+                  <a:t>. </a:t>
+                </a:r>
+              </a:p>
+              <a:p>
+                <a:pPr>
+                  <a:lnSpc>
+                    <a:spcPct val="170000"/>
+                  </a:lnSpc>
+                </a:pPr>
+                <a:r>
+                  <a:rPr lang="en-US" dirty="0"/>
+                  <a:t>Consider momentum: </a:t>
+                </a:r>
+                <a14:m>
+                  <m:oMath xmlns:m="http://schemas.openxmlformats.org/officeDocument/2006/math">
+                    <m:r>
+                      <m:rPr>
+                        <m:sty m:val="p"/>
+                      </m:rPr>
+                      <a:rPr lang="en-US" i="0">
+                        <a:latin typeface="Cambria Math" panose="02040503050406030204" pitchFamily="18" charset="0"/>
+                      </a:rPr>
+                      <m:t>x</m:t>
+                    </m:r>
+                    <m:r>
+                      <a:rPr lang="en-US" i="0">
+                        <a:latin typeface="Cambria Math" panose="02040503050406030204" pitchFamily="18" charset="0"/>
+                      </a:rPr>
+                      <m:t>=</m:t>
+                    </m:r>
+                    <m:r>
+                      <m:rPr>
+                        <m:sty m:val="p"/>
+                      </m:rPr>
+                      <a:rPr lang="en-US" b="0" i="0" smtClean="0">
+                        <a:latin typeface="Cambria Math" panose="02040503050406030204" pitchFamily="18" charset="0"/>
+                      </a:rPr>
+                      <m:t>mu</m:t>
+                    </m:r>
+                    <m:r>
+                      <a:rPr lang="en-US" b="0" i="0" smtClean="0">
+                        <a:latin typeface="Cambria Math" panose="02040503050406030204" pitchFamily="18" charset="0"/>
+                      </a:rPr>
+                      <m:t>∗</m:t>
+                    </m:r>
+                    <m:r>
+                      <m:rPr>
+                        <m:sty m:val="p"/>
+                      </m:rPr>
+                      <a:rPr lang="en-US" b="0" i="0" smtClean="0">
+                        <a:latin typeface="Cambria Math" panose="02040503050406030204" pitchFamily="18" charset="0"/>
+                      </a:rPr>
+                      <m:t>v</m:t>
+                    </m:r>
+                    <m:r>
+                      <a:rPr lang="en-US" i="0">
+                        <a:latin typeface="Cambria Math" panose="02040503050406030204" pitchFamily="18" charset="0"/>
+                      </a:rPr>
+                      <m:t>−</m:t>
+                    </m:r>
+                    <m:r>
+                      <m:rPr>
+                        <m:sty m:val="p"/>
+                      </m:rPr>
+                      <a:rPr lang="en-US" i="0">
+                        <a:latin typeface="Cambria Math" panose="02040503050406030204" pitchFamily="18" charset="0"/>
+                      </a:rPr>
+                      <m:t>learning</m:t>
+                    </m:r>
+                    <m:r>
+                      <a:rPr lang="en-US" b="0" i="0" smtClean="0">
+                        <a:latin typeface="Cambria Math" panose="02040503050406030204" pitchFamily="18" charset="0"/>
+                      </a:rPr>
+                      <m:t>_</m:t>
+                    </m:r>
+                    <m:r>
+                      <m:rPr>
+                        <m:sty m:val="p"/>
+                      </m:rPr>
+                      <a:rPr lang="en-US" b="0" i="0" smtClean="0">
+                        <a:latin typeface="Cambria Math" panose="02040503050406030204" pitchFamily="18" charset="0"/>
+                      </a:rPr>
+                      <m:t>rate</m:t>
+                    </m:r>
+                    <m:r>
+                      <a:rPr lang="en-US" i="1">
+                        <a:latin typeface="Cambria Math" panose="02040503050406030204" pitchFamily="18" charset="0"/>
+                      </a:rPr>
+                      <m:t>∗</m:t>
+                    </m:r>
+                    <m:r>
+                      <a:rPr lang="en-US" i="1">
+                        <a:latin typeface="Cambria Math" panose="02040503050406030204" pitchFamily="18" charset="0"/>
+                      </a:rPr>
+                      <m:t>𝑑𝑥</m:t>
+                    </m:r>
+                    <m:r>
+                      <a:rPr lang="en-US" b="0" i="1" smtClean="0">
+                        <a:latin typeface="Cambria Math" panose="02040503050406030204" pitchFamily="18" charset="0"/>
+                      </a:rPr>
+                      <m:t> ; </m:t>
+                    </m:r>
+                    <m:r>
+                      <m:rPr>
+                        <m:sty m:val="p"/>
+                      </m:rPr>
+                      <a:rPr lang="en-US" i="0">
+                        <a:latin typeface="Cambria Math" panose="02040503050406030204" pitchFamily="18" charset="0"/>
+                      </a:rPr>
+                      <m:t>x</m:t>
+                    </m:r>
+                    <m:r>
+                      <a:rPr lang="en-US" i="0">
+                        <a:latin typeface="Cambria Math" panose="02040503050406030204" pitchFamily="18" charset="0"/>
+                      </a:rPr>
+                      <m:t>+=</m:t>
+                    </m:r>
+                    <m:r>
+                      <m:rPr>
+                        <m:sty m:val="p"/>
+                      </m:rPr>
+                      <a:rPr lang="en-US" b="0" i="0" smtClean="0">
+                        <a:latin typeface="Cambria Math" panose="02040503050406030204" pitchFamily="18" charset="0"/>
+                      </a:rPr>
+                      <m:t>v</m:t>
+                    </m:r>
+                  </m:oMath>
+                </a14:m>
+                <a:endParaRPr lang="en-US" dirty="0"/>
+              </a:p>
+              <a:p>
+                <a:pPr>
+                  <a:lnSpc>
+                    <a:spcPct val="170000"/>
+                  </a:lnSpc>
+                </a:pPr>
+                <a:r>
+                  <a:rPr lang="en-US" dirty="0"/>
+                  <a:t>For this research, a second order method is used, called Adam:</a:t>
+                </a:r>
+              </a:p>
+              <a:p>
+                <a:pPr marL="0" indent="0">
+                  <a:lnSpc>
+                    <a:spcPct val="170000"/>
+                  </a:lnSpc>
+                  <a:buNone/>
+                </a:pPr>
+                <a14:m>
+                  <m:oMathPara xmlns:m="http://schemas.openxmlformats.org/officeDocument/2006/math">
+                    <m:oMathParaPr>
+                      <m:jc m:val="centerGroup"/>
+                    </m:oMathParaPr>
+                    <m:oMath xmlns:m="http://schemas.openxmlformats.org/officeDocument/2006/math">
+                      <m:r>
+                        <m:rPr>
+                          <m:sty m:val="p"/>
+                        </m:rPr>
+                        <a:rPr lang="sv-SE" i="0" smtClean="0">
+                          <a:latin typeface="Cambria Math" panose="02040503050406030204" pitchFamily="18" charset="0"/>
+                        </a:rPr>
+                        <m:t>m</m:t>
+                      </m:r>
+                      <m:r>
+                        <a:rPr lang="sv-SE" i="0" smtClean="0">
+                          <a:latin typeface="Cambria Math" panose="02040503050406030204" pitchFamily="18" charset="0"/>
+                        </a:rPr>
+                        <m:t> = </m:t>
+                      </m:r>
+                      <m:r>
+                        <m:rPr>
+                          <m:sty m:val="p"/>
+                        </m:rPr>
+                        <a:rPr lang="sv-SE" i="0" smtClean="0">
+                          <a:latin typeface="Cambria Math" panose="02040503050406030204" pitchFamily="18" charset="0"/>
+                        </a:rPr>
+                        <m:t>beta</m:t>
+                      </m:r>
+                      <m:r>
+                        <a:rPr lang="sv-SE" i="0" smtClean="0">
+                          <a:latin typeface="Cambria Math" panose="02040503050406030204" pitchFamily="18" charset="0"/>
+                        </a:rPr>
+                        <m:t>1∗</m:t>
+                      </m:r>
+                      <m:r>
+                        <m:rPr>
+                          <m:sty m:val="p"/>
+                        </m:rPr>
+                        <a:rPr lang="sv-SE" i="0" smtClean="0">
+                          <a:latin typeface="Cambria Math" panose="02040503050406030204" pitchFamily="18" charset="0"/>
+                        </a:rPr>
+                        <m:t>m</m:t>
+                      </m:r>
+                      <m:r>
+                        <a:rPr lang="sv-SE" i="0" smtClean="0">
+                          <a:latin typeface="Cambria Math" panose="02040503050406030204" pitchFamily="18" charset="0"/>
+                        </a:rPr>
+                        <m:t> + </m:t>
+                      </m:r>
+                      <m:d>
+                        <m:dPr>
+                          <m:ctrlPr>
+                            <a:rPr lang="sv-SE" i="0">
+                              <a:latin typeface="Cambria Math" panose="02040503050406030204" pitchFamily="18" charset="0"/>
+                            </a:rPr>
+                          </m:ctrlPr>
+                        </m:dPr>
+                        <m:e>
+                          <m:r>
+                            <a:rPr lang="sv-SE" i="0">
+                              <a:latin typeface="Cambria Math" panose="02040503050406030204" pitchFamily="18" charset="0"/>
+                            </a:rPr>
+                            <m:t>1−</m:t>
+                          </m:r>
+                          <m:r>
+                            <m:rPr>
+                              <m:sty m:val="p"/>
+                            </m:rPr>
+                            <a:rPr lang="sv-SE" i="0">
+                              <a:latin typeface="Cambria Math" panose="02040503050406030204" pitchFamily="18" charset="0"/>
+                            </a:rPr>
+                            <m:t>beta</m:t>
+                          </m:r>
+                          <m:r>
+                            <a:rPr lang="sv-SE" i="0">
+                              <a:latin typeface="Cambria Math" panose="02040503050406030204" pitchFamily="18" charset="0"/>
+                            </a:rPr>
+                            <m:t>1</m:t>
+                          </m:r>
+                        </m:e>
+                      </m:d>
+                      <m:r>
+                        <a:rPr lang="sv-SE" i="0">
+                          <a:latin typeface="Cambria Math" panose="02040503050406030204" pitchFamily="18" charset="0"/>
+                        </a:rPr>
+                        <m:t>∗</m:t>
+                      </m:r>
+                      <m:r>
+                        <m:rPr>
+                          <m:sty m:val="p"/>
+                        </m:rPr>
+                        <a:rPr lang="sv-SE" i="0">
+                          <a:latin typeface="Cambria Math" panose="02040503050406030204" pitchFamily="18" charset="0"/>
+                        </a:rPr>
+                        <m:t>dx</m:t>
+                      </m:r>
+                      <m:r>
+                        <a:rPr lang="sv-SE" i="0">
+                          <a:latin typeface="Cambria Math" panose="02040503050406030204" pitchFamily="18" charset="0"/>
+                        </a:rPr>
+                        <m:t>  </m:t>
+                      </m:r>
+                    </m:oMath>
+                  </m:oMathPara>
+                  <m:oMathPara xmlns:m="http://schemas.openxmlformats.org/officeDocument/2006/math">
+                    <m:oMathParaPr>
+                      <m:jc m:val="centerGroup"/>
+                    </m:oMathParaPr>
+                    <m:oMath xmlns:m="http://schemas.openxmlformats.org/officeDocument/2006/math">
+                      <m:r>
+                        <m:rPr>
+                          <m:sty m:val="p"/>
+                        </m:rPr>
+                        <a:rPr lang="sv-SE" i="0" smtClean="0">
+                          <a:latin typeface="Cambria Math" panose="02040503050406030204" pitchFamily="18" charset="0"/>
+                        </a:rPr>
+                        <m:t>v</m:t>
+                      </m:r>
+                      <m:r>
+                        <a:rPr lang="sv-SE" i="0" smtClean="0">
+                          <a:latin typeface="Cambria Math" panose="02040503050406030204" pitchFamily="18" charset="0"/>
+                        </a:rPr>
+                        <m:t> = </m:t>
+                      </m:r>
+                      <m:r>
+                        <m:rPr>
+                          <m:sty m:val="p"/>
+                        </m:rPr>
+                        <a:rPr lang="sv-SE" i="0" smtClean="0">
+                          <a:latin typeface="Cambria Math" panose="02040503050406030204" pitchFamily="18" charset="0"/>
+                        </a:rPr>
+                        <m:t>beta</m:t>
+                      </m:r>
+                      <m:r>
+                        <a:rPr lang="sv-SE" i="0" smtClean="0">
+                          <a:latin typeface="Cambria Math" panose="02040503050406030204" pitchFamily="18" charset="0"/>
+                        </a:rPr>
+                        <m:t>2∗</m:t>
+                      </m:r>
+                      <m:r>
+                        <m:rPr>
+                          <m:sty m:val="p"/>
+                        </m:rPr>
+                        <a:rPr lang="sv-SE" i="0" smtClean="0">
+                          <a:latin typeface="Cambria Math" panose="02040503050406030204" pitchFamily="18" charset="0"/>
+                        </a:rPr>
+                        <m:t>v</m:t>
+                      </m:r>
+                      <m:r>
+                        <a:rPr lang="sv-SE" i="0" smtClean="0">
+                          <a:latin typeface="Cambria Math" panose="02040503050406030204" pitchFamily="18" charset="0"/>
+                        </a:rPr>
+                        <m:t> + </m:t>
+                      </m:r>
+                      <m:d>
+                        <m:dPr>
+                          <m:ctrlPr>
+                            <a:rPr lang="sv-SE" i="0">
+                              <a:latin typeface="Cambria Math" panose="02040503050406030204" pitchFamily="18" charset="0"/>
+                            </a:rPr>
+                          </m:ctrlPr>
+                        </m:dPr>
+                        <m:e>
+                          <m:r>
+                            <a:rPr lang="sv-SE" i="0">
+                              <a:latin typeface="Cambria Math" panose="02040503050406030204" pitchFamily="18" charset="0"/>
+                            </a:rPr>
+                            <m:t>1−</m:t>
+                          </m:r>
+                          <m:r>
+                            <m:rPr>
+                              <m:sty m:val="p"/>
+                            </m:rPr>
+                            <a:rPr lang="sv-SE" i="0">
+                              <a:latin typeface="Cambria Math" panose="02040503050406030204" pitchFamily="18" charset="0"/>
+                            </a:rPr>
+                            <m:t>beta</m:t>
+                          </m:r>
+                          <m:r>
+                            <a:rPr lang="sv-SE" i="0">
+                              <a:latin typeface="Cambria Math" panose="02040503050406030204" pitchFamily="18" charset="0"/>
+                            </a:rPr>
+                            <m:t>2</m:t>
+                          </m:r>
+                        </m:e>
+                      </m:d>
+                      <m:r>
+                        <a:rPr lang="sv-SE" i="0">
+                          <a:latin typeface="Cambria Math" panose="02040503050406030204" pitchFamily="18" charset="0"/>
+                        </a:rPr>
+                        <m:t>∗</m:t>
+                      </m:r>
+                      <m:d>
+                        <m:dPr>
+                          <m:ctrlPr>
+                            <a:rPr lang="sv-SE" i="0">
+                              <a:latin typeface="Cambria Math" panose="02040503050406030204" pitchFamily="18" charset="0"/>
+                            </a:rPr>
+                          </m:ctrlPr>
+                        </m:dPr>
+                        <m:e>
+                          <m:sSup>
+                            <m:sSupPr>
+                              <m:ctrlPr>
+                                <a:rPr lang="sv-SE" i="1" smtClean="0">
+                                  <a:latin typeface="Cambria Math" panose="02040503050406030204" pitchFamily="18" charset="0"/>
+                                </a:rPr>
+                              </m:ctrlPr>
+                            </m:sSupPr>
+                            <m:e>
+                              <m:r>
+                                <m:rPr>
+                                  <m:sty m:val="p"/>
+                                </m:rPr>
+                                <a:rPr lang="en-US" b="0" i="0" smtClean="0">
+                                  <a:latin typeface="Cambria Math" panose="02040503050406030204" pitchFamily="18" charset="0"/>
+                                </a:rPr>
+                                <m:t>dx</m:t>
+                              </m:r>
+                            </m:e>
+                            <m:sup>
+                              <m:r>
+                                <a:rPr lang="en-US" b="0" i="1" smtClean="0">
+                                  <a:latin typeface="Cambria Math" panose="02040503050406030204" pitchFamily="18" charset="0"/>
+                                </a:rPr>
+                                <m:t>2</m:t>
+                              </m:r>
+                            </m:sup>
+                          </m:sSup>
+                        </m:e>
+                      </m:d>
+                      <m:r>
+                        <a:rPr lang="sv-SE" i="0">
+                          <a:latin typeface="Cambria Math" panose="02040503050406030204" pitchFamily="18" charset="0"/>
+                        </a:rPr>
+                        <m:t>  </m:t>
+                      </m:r>
+                    </m:oMath>
+                  </m:oMathPara>
+                  <m:oMathPara xmlns:m="http://schemas.openxmlformats.org/officeDocument/2006/math">
+                    <m:oMathParaPr>
+                      <m:jc m:val="centerGroup"/>
+                    </m:oMathParaPr>
+                    <m:oMath xmlns:m="http://schemas.openxmlformats.org/officeDocument/2006/math">
+                      <m:r>
+                        <m:rPr>
+                          <m:sty m:val="p"/>
+                        </m:rPr>
+                        <a:rPr lang="sv-SE" i="0" smtClean="0">
+                          <a:latin typeface="Cambria Math" panose="02040503050406030204" pitchFamily="18" charset="0"/>
+                        </a:rPr>
+                        <m:t>x</m:t>
+                      </m:r>
+                      <m:r>
+                        <a:rPr lang="sv-SE" i="0" smtClean="0">
+                          <a:latin typeface="Cambria Math" panose="02040503050406030204" pitchFamily="18" charset="0"/>
+                        </a:rPr>
+                        <m:t> += - </m:t>
+                      </m:r>
+                      <m:r>
+                        <m:rPr>
+                          <m:sty m:val="p"/>
+                        </m:rPr>
+                        <a:rPr lang="sv-SE" i="0" smtClean="0">
+                          <a:latin typeface="Cambria Math" panose="02040503050406030204" pitchFamily="18" charset="0"/>
+                        </a:rPr>
+                        <m:t>learning</m:t>
+                      </m:r>
+                      <m:r>
+                        <a:rPr lang="sv-SE" i="0" smtClean="0">
+                          <a:latin typeface="Cambria Math" panose="02040503050406030204" pitchFamily="18" charset="0"/>
+                        </a:rPr>
+                        <m:t>_</m:t>
+                      </m:r>
+                      <m:r>
+                        <m:rPr>
+                          <m:sty m:val="p"/>
+                        </m:rPr>
+                        <a:rPr lang="sv-SE" i="0" smtClean="0">
+                          <a:latin typeface="Cambria Math" panose="02040503050406030204" pitchFamily="18" charset="0"/>
+                        </a:rPr>
+                        <m:t>rate</m:t>
+                      </m:r>
+                      <m:r>
+                        <a:rPr lang="sv-SE" i="0" smtClean="0">
+                          <a:latin typeface="Cambria Math" panose="02040503050406030204" pitchFamily="18" charset="0"/>
+                        </a:rPr>
+                        <m:t> * </m:t>
+                      </m:r>
+                      <m:r>
+                        <m:rPr>
+                          <m:sty m:val="p"/>
+                        </m:rPr>
+                        <a:rPr lang="sv-SE" i="0" smtClean="0">
+                          <a:latin typeface="Cambria Math" panose="02040503050406030204" pitchFamily="18" charset="0"/>
+                        </a:rPr>
+                        <m:t>m</m:t>
+                      </m:r>
+                      <m:r>
+                        <a:rPr lang="sv-SE" i="0" smtClean="0">
+                          <a:latin typeface="Cambria Math" panose="02040503050406030204" pitchFamily="18" charset="0"/>
+                        </a:rPr>
+                        <m:t> / (</m:t>
+                      </m:r>
+                      <m:r>
+                        <m:rPr>
+                          <m:sty m:val="p"/>
+                        </m:rPr>
+                        <a:rPr lang="sv-SE" i="0" smtClean="0">
+                          <a:latin typeface="Cambria Math" panose="02040503050406030204" pitchFamily="18" charset="0"/>
+                        </a:rPr>
+                        <m:t>np</m:t>
+                      </m:r>
+                      <m:r>
+                        <a:rPr lang="sv-SE" i="0" smtClean="0">
+                          <a:latin typeface="Cambria Math" panose="02040503050406030204" pitchFamily="18" charset="0"/>
+                        </a:rPr>
+                        <m:t>.</m:t>
+                      </m:r>
+                      <m:r>
+                        <m:rPr>
+                          <m:sty m:val="p"/>
+                        </m:rPr>
+                        <a:rPr lang="sv-SE" i="0" smtClean="0">
+                          <a:latin typeface="Cambria Math" panose="02040503050406030204" pitchFamily="18" charset="0"/>
+                        </a:rPr>
+                        <m:t>sqrt</m:t>
+                      </m:r>
+                      <m:r>
+                        <a:rPr lang="sv-SE" i="0" smtClean="0">
+                          <a:latin typeface="Cambria Math" panose="02040503050406030204" pitchFamily="18" charset="0"/>
+                        </a:rPr>
+                        <m:t>(</m:t>
+                      </m:r>
+                      <m:r>
+                        <m:rPr>
+                          <m:sty m:val="p"/>
+                        </m:rPr>
+                        <a:rPr lang="sv-SE" i="0" smtClean="0">
+                          <a:latin typeface="Cambria Math" panose="02040503050406030204" pitchFamily="18" charset="0"/>
+                        </a:rPr>
+                        <m:t>v</m:t>
+                      </m:r>
+                      <m:r>
+                        <a:rPr lang="sv-SE" i="0" smtClean="0">
+                          <a:latin typeface="Cambria Math" panose="02040503050406030204" pitchFamily="18" charset="0"/>
+                        </a:rPr>
+                        <m:t>) + </m:t>
+                      </m:r>
+                      <m:r>
+                        <m:rPr>
+                          <m:sty m:val="p"/>
+                        </m:rPr>
+                        <a:rPr lang="sv-SE" i="0" smtClean="0">
+                          <a:latin typeface="Cambria Math" panose="02040503050406030204" pitchFamily="18" charset="0"/>
+                        </a:rPr>
+                        <m:t>eps</m:t>
+                      </m:r>
+                      <m:r>
+                        <a:rPr lang="sv-SE" i="0" smtClean="0">
+                          <a:latin typeface="Cambria Math" panose="02040503050406030204" pitchFamily="18" charset="0"/>
+                        </a:rPr>
+                        <m:t>)</m:t>
+                      </m:r>
+                    </m:oMath>
+                  </m:oMathPara>
+                </a14:m>
+              </a:p>
+              <a:p>
+                <a:pPr marL="0" indent="0">
+                  <a:lnSpc>
+                    <a:spcPct val="170000"/>
+                  </a:lnSpc>
+                  <a:buNone/>
+                </a:pPr>
+              </a:p>
+              <a:p>
+                <a:pPr marL="0" indent="0">
+                  <a:lnSpc>
+                    <a:spcPct val="170000"/>
+                  </a:lnSpc>
+                  <a:buNone/>
+                </a:pPr>
+                <a:endParaRPr lang="en-US" dirty="0"/>
+              </a:p>
+              <a:p>
+                <a:pPr>
+                  <a:lnSpc>
+                    <a:spcPct val="170000"/>
+                  </a:lnSpc>
+                </a:pPr>
+                <a:r>
+                  <a:rPr lang="en-US" dirty="0"/>
+                  <a:t>While beta1=0.9, beta2=0.999 and smoothing factor </a:t>
+                </a:r>
+                <a14:m>
+                  <m:oMath xmlns:m="http://schemas.openxmlformats.org/officeDocument/2006/math">
+                    <m:r>
+                      <a:rPr lang="en-US" i="1" smtClean="0">
+                        <a:latin typeface="Cambria Math" panose="02040503050406030204" pitchFamily="18" charset="0"/>
+                        <a:ea typeface="Cambria Math" panose="02040503050406030204" pitchFamily="18" charset="0"/>
+                      </a:rPr>
+                      <m:t>𝜖</m:t>
+                    </m:r>
+                    <m:r>
+                      <a:rPr lang="en-US" b="0" i="1" smtClean="0">
+                        <a:latin typeface="Cambria Math" panose="02040503050406030204" pitchFamily="18" charset="0"/>
+                        <a:ea typeface="Cambria Math" panose="02040503050406030204" pitchFamily="18" charset="0"/>
+                      </a:rPr>
+                      <m:t>=</m:t>
+                    </m:r>
+                    <m:sSup>
+                      <m:sSupPr>
+                        <m:ctrlPr>
+                          <a:rPr lang="en-US" b="0" i="1" smtClean="0">
+                            <a:latin typeface="Cambria Math" panose="02040503050406030204" pitchFamily="18" charset="0"/>
+                            <a:ea typeface="Cambria Math" panose="02040503050406030204" pitchFamily="18" charset="0"/>
+                          </a:rPr>
+                        </m:ctrlPr>
+                      </m:sSupPr>
+                      <m:e>
+                        <m:r>
+                          <a:rPr lang="en-US" b="0" i="1" smtClean="0">
+                            <a:latin typeface="Cambria Math" panose="02040503050406030204" pitchFamily="18" charset="0"/>
+                            <a:ea typeface="Cambria Math" panose="02040503050406030204" pitchFamily="18" charset="0"/>
+                          </a:rPr>
+                          <m:t>10</m:t>
+                        </m:r>
+                      </m:e>
+                      <m:sup>
+                        <m:r>
+                          <a:rPr lang="en-US" b="0" i="1" smtClean="0">
+                            <a:latin typeface="Cambria Math" panose="02040503050406030204" pitchFamily="18" charset="0"/>
+                            <a:ea typeface="Cambria Math" panose="02040503050406030204" pitchFamily="18" charset="0"/>
+                          </a:rPr>
+                          <m:t>−8</m:t>
+                        </m:r>
+                      </m:sup>
+                    </m:sSup>
+                  </m:oMath>
+                </a14:m>
+                <a:endParaRPr lang="en-US" dirty="0"/>
+              </a:p>
+              <a:p>
+                <a:pPr>
+                  <a:lnSpc>
+                    <a:spcPct val="170000"/>
+                  </a:lnSpc>
+                </a:pPr>
+                <a:r>
+                  <a:rPr lang="en-US" dirty="0"/>
+                  <a:t>The learning rate is decaying as: </a:t>
+                </a:r>
+                <a14:m>
+                  <m:oMath xmlns:m="http://schemas.openxmlformats.org/officeDocument/2006/math">
+                    <m:r>
+                      <m:rPr>
+                        <m:sty m:val="p"/>
+                      </m:rPr>
+                      <a:rPr lang="en-US" b="0" i="0" smtClean="0">
+                        <a:latin typeface="Cambria Math" panose="02040503050406030204" pitchFamily="18" charset="0"/>
+                      </a:rPr>
+                      <m:t>learning</m:t>
+                    </m:r>
+                    <m:r>
+                      <a:rPr lang="en-US" b="0" i="0" smtClean="0">
+                        <a:latin typeface="Cambria Math" panose="02040503050406030204" pitchFamily="18" charset="0"/>
+                      </a:rPr>
+                      <m:t>_</m:t>
+                    </m:r>
+                    <m:r>
+                      <m:rPr>
+                        <m:sty m:val="p"/>
+                      </m:rPr>
+                      <a:rPr lang="en-US" b="0" i="0" smtClean="0">
+                        <a:latin typeface="Cambria Math" panose="02040503050406030204" pitchFamily="18" charset="0"/>
+                      </a:rPr>
+                      <m:t>rate</m:t>
+                    </m:r>
+                    <m:r>
+                      <a:rPr lang="en-US" b="0" i="0" smtClean="0">
+                        <a:latin typeface="Cambria Math" panose="02040503050406030204" pitchFamily="18" charset="0"/>
+                      </a:rPr>
+                      <m:t>=</m:t>
+                    </m:r>
+                    <m:r>
+                      <m:rPr>
+                        <m:sty m:val="p"/>
+                      </m:rPr>
+                      <a:rPr lang="el-GR" b="0" i="1" smtClean="0">
+                        <a:latin typeface="Cambria Math" panose="02040503050406030204" pitchFamily="18" charset="0"/>
+                        <a:ea typeface="Cambria Math" panose="02040503050406030204" pitchFamily="18" charset="0"/>
+                      </a:rPr>
+                      <m:t>α</m:t>
+                    </m:r>
+                    <m:r>
+                      <a:rPr lang="en-US" b="0" i="1" smtClean="0">
+                        <a:latin typeface="Cambria Math" panose="02040503050406030204" pitchFamily="18" charset="0"/>
+                        <a:ea typeface="Cambria Math" panose="02040503050406030204" pitchFamily="18" charset="0"/>
+                      </a:rPr>
+                      <m:t>=</m:t>
+                    </m:r>
+                    <m:sSub>
+                      <m:sSubPr>
+                        <m:ctrlPr>
+                          <a:rPr lang="en-US" b="0" i="1" smtClean="0">
+                            <a:latin typeface="Cambria Math" panose="02040503050406030204" pitchFamily="18" charset="0"/>
+                            <a:ea typeface="Cambria Math" panose="02040503050406030204" pitchFamily="18" charset="0"/>
+                          </a:rPr>
+                        </m:ctrlPr>
+                      </m:sSubPr>
+                      <m:e>
+                        <m:r>
+                          <a:rPr lang="en-US" b="0" i="1" smtClean="0">
+                            <a:latin typeface="Cambria Math" panose="02040503050406030204" pitchFamily="18" charset="0"/>
+                            <a:ea typeface="Cambria Math" panose="02040503050406030204" pitchFamily="18" charset="0"/>
+                          </a:rPr>
+                          <m:t>𝛼</m:t>
+                        </m:r>
+                      </m:e>
+                      <m:sub>
+                        <m:r>
+                          <a:rPr lang="en-US" b="0" i="1" smtClean="0">
+                            <a:latin typeface="Cambria Math" panose="02040503050406030204" pitchFamily="18" charset="0"/>
+                            <a:ea typeface="Cambria Math" panose="02040503050406030204" pitchFamily="18" charset="0"/>
+                          </a:rPr>
+                          <m:t>0</m:t>
+                        </m:r>
+                      </m:sub>
+                    </m:sSub>
+                    <m:r>
+                      <a:rPr lang="en-US" b="0" i="1" smtClean="0">
+                        <a:latin typeface="Cambria Math" panose="02040503050406030204" pitchFamily="18" charset="0"/>
+                        <a:ea typeface="Cambria Math" panose="02040503050406030204" pitchFamily="18" charset="0"/>
+                      </a:rPr>
+                      <m:t>∗</m:t>
+                    </m:r>
+                    <m:sSup>
+                      <m:sSupPr>
+                        <m:ctrlPr>
+                          <a:rPr lang="en-US" b="0" i="1" smtClean="0">
+                            <a:latin typeface="Cambria Math" panose="02040503050406030204" pitchFamily="18" charset="0"/>
+                            <a:ea typeface="Cambria Math" panose="02040503050406030204" pitchFamily="18" charset="0"/>
+                          </a:rPr>
+                        </m:ctrlPr>
+                      </m:sSupPr>
+                      <m:e>
+                        <m:r>
+                          <a:rPr lang="en-US" b="0" i="1" smtClean="0">
+                            <a:latin typeface="Cambria Math" panose="02040503050406030204" pitchFamily="18" charset="0"/>
+                            <a:ea typeface="Cambria Math" panose="02040503050406030204" pitchFamily="18" charset="0"/>
+                          </a:rPr>
+                          <m:t>𝑒</m:t>
+                        </m:r>
+                      </m:e>
+                      <m:sup>
+                        <m:r>
+                          <a:rPr lang="en-US" b="0" i="1" smtClean="0">
+                            <a:latin typeface="Cambria Math" panose="02040503050406030204" pitchFamily="18" charset="0"/>
+                            <a:ea typeface="Cambria Math" panose="02040503050406030204" pitchFamily="18" charset="0"/>
+                          </a:rPr>
+                          <m:t>−</m:t>
+                        </m:r>
+                        <m:r>
+                          <a:rPr lang="en-US" b="0" i="1" smtClean="0">
+                            <a:latin typeface="Cambria Math" panose="02040503050406030204" pitchFamily="18" charset="0"/>
+                            <a:ea typeface="Cambria Math" panose="02040503050406030204" pitchFamily="18" charset="0"/>
+                          </a:rPr>
+                          <m:t>𝑘𝑡</m:t>
+                        </m:r>
+                      </m:sup>
+                    </m:sSup>
+                  </m:oMath>
+                </a14:m>
+                <a:r>
+                  <a:rPr lang="en-US" dirty="0"/>
+                  <a:t>, where k is 0.3 and t is the iteration number. </a:t>
+                </a:r>
+              </a:p>
+              <a:p>
+                <a:pPr>
+                  <a:lnSpc>
+                    <a:spcPct val="170000"/>
+                  </a:lnSpc>
+                </a:pPr>
+                <a:r>
+                  <a:rPr lang="en-US" dirty="0"/>
+                  <a:t>In each iteration a batch of 16 blurry images are sampled. The number of epoch the network sees the data is 2000.</a:t>
+                </a:r>
+              </a:p>
+            </p:txBody>
+          </p:sp>
+        </mc:Choice>
+        <mc:Fallback>
+          <p:sp>
+            <p:nvSpPr>
+              <p:cNvPr id="3" name="Content Placeholder 2">
+                <a:extLst>
+                  <a:ext uri="{FF2B5EF4-FFF2-40B4-BE49-F238E27FC236}">
+                    <a16:creationId xmlns:a16="http://schemas.microsoft.com/office/drawing/2014/main" id="{0256DE72-6C8B-4AAC-A0EE-9CEE359130B8}"/>
+                  </a:ext>
+                </a:extLst>
+              </p:cNvPr>
+              <p:cNvSpPr>
+                <a:spLocks noGrp="1" noRot="1" noChangeAspect="1" noMove="1" noResize="1" noEditPoints="1" noAdjustHandles="1" noChangeArrowheads="1" noChangeShapeType="1" noTextEdit="1"/>
+              </p:cNvSpPr>
+              <p:nvPr>
+                <p:ph idx="1"/>
+              </p:nvPr>
+            </p:nvSpPr>
+            <p:spPr>
+              <a:xfrm>
+                <a:off x="838200" y="1583635"/>
+                <a:ext cx="10515600" cy="4572000"/>
+              </a:xfrm>
+              <a:blipFill>
+                <a:blip r:embed="rId3"/>
+                <a:stretch>
+                  <a:fillRect l="-58" t="-2800"/>
+                </a:stretch>
+              </a:blipFill>
+            </p:spPr>
+            <p:txBody>
+              <a:bodyPr/>
+              <a:lstStyle/>
+              <a:p>
+                <a:r>
+                  <a:rPr lang="en-US">
+                    <a:noFill/>
+                  </a:rPr>
+                  <a:t> </a:t>
+                </a:r>
+              </a:p>
+            </p:txBody>
+          </p:sp>
+        </mc:Fallback>
+      </mc:AlternateContent>
+    </p:spTree>
+    <p:extLst>
+      <p:ext uri="{BB962C8B-B14F-4D97-AF65-F5344CB8AC3E}">
+        <p14:creationId xmlns:p14="http://schemas.microsoft.com/office/powerpoint/2010/main" val="3562648031"/>
+      </p:ext>
+    </p:extLst>
+  </p:cSld>
+  <p:clrMapOvr>
+    <a:masterClrMapping/>
+  </p:clrMapOvr>
+</p:sld>
+</file>
+
+<file path=ppt/slides/slide11.xml><?xml version="1.0" encoding="utf-8"?>
+<p:sld xmlns:a="http://schemas.openxmlformats.org/drawingml/2006/main" xmlns:r="http://schemas.openxmlformats.org/officeDocument/2006/relationships" xmlns:p="http://schemas.openxmlformats.org/presentationml/2006/main">
+  <p:cSld>
+    <p:spTree>
+      <p:nvGrpSpPr>
+        <p:cNvPr id="1" name=""/>
+        <p:cNvGrpSpPr/>
+        <p:nvPr/>
+      </p:nvGrpSpPr>
+      <p:grpSpPr>
+        <a:xfrm>
+          <a:off x="0" y="0"/>
+          <a:ext cx="0" cy="0"/>
+          <a:chOff x="0" y="0"/>
+          <a:chExt cx="0" cy="0"/>
+        </a:xfrm>
+      </p:grpSpPr>
+      <p:sp>
+        <p:nvSpPr>
+          <p:cNvPr id="2" name="Title 1">
+            <a:extLst>
+              <a:ext uri="{FF2B5EF4-FFF2-40B4-BE49-F238E27FC236}">
+                <a16:creationId xmlns:a16="http://schemas.microsoft.com/office/drawing/2014/main" id="{7E0A32C5-B53B-46CC-889C-1A1EEA471E8A}"/>
+              </a:ext>
+            </a:extLst>
+          </p:cNvPr>
+          <p:cNvSpPr>
+            <a:spLocks noGrp="1"/>
+          </p:cNvSpPr>
+          <p:nvPr>
+            <p:ph type="title"/>
+          </p:nvPr>
+        </p:nvSpPr>
+        <p:spPr/>
+        <p:txBody>
+          <a:bodyPr/>
+          <a:lstStyle/>
+          <a:p>
+            <a:r>
+              <a:rPr lang="en-US" dirty="0"/>
+              <a:t>Basics of CNN, RNN, LSTM and </a:t>
+            </a:r>
+            <a:r>
+              <a:rPr lang="en-US" dirty="0" err="1"/>
+              <a:t>ConvLSTM</a:t>
+            </a:r>
+            <a:endParaRPr lang="en-US" dirty="0"/>
+          </a:p>
+        </p:txBody>
+      </p:sp>
+      <p:sp>
+        <p:nvSpPr>
+          <p:cNvPr id="3" name="Content Placeholder 2">
+            <a:extLst>
+              <a:ext uri="{FF2B5EF4-FFF2-40B4-BE49-F238E27FC236}">
+                <a16:creationId xmlns:a16="http://schemas.microsoft.com/office/drawing/2014/main" id="{E4D0B9B9-D865-47F2-8209-B74497D453F3}"/>
+              </a:ext>
+            </a:extLst>
+          </p:cNvPr>
+          <p:cNvSpPr>
+            <a:spLocks noGrp="1"/>
+          </p:cNvSpPr>
+          <p:nvPr>
+            <p:ph idx="1"/>
+          </p:nvPr>
+        </p:nvSpPr>
+        <p:spPr/>
+        <p:txBody>
+          <a:bodyPr/>
+          <a:lstStyle/>
+          <a:p>
+            <a:r>
+              <a:rPr lang="en-US" dirty="0"/>
+              <a:t>CNN :</a:t>
+            </a:r>
+          </a:p>
+          <a:p>
+            <a:pPr marL="0" indent="0">
+              <a:buNone/>
+            </a:pPr>
+            <a:endParaRPr lang="en-US" dirty="0"/>
+          </a:p>
+          <a:p>
+            <a:pPr marL="0" indent="0">
+              <a:buNone/>
+            </a:pPr>
+            <a:r>
+              <a:rPr lang="en-US" dirty="0"/>
+              <a:t> </a:t>
+            </a:r>
+          </a:p>
+        </p:txBody>
+      </p:sp>
+      <p:pic>
+        <p:nvPicPr>
+          <p:cNvPr id="5" name="Picture 4">
+            <a:extLst>
+              <a:ext uri="{FF2B5EF4-FFF2-40B4-BE49-F238E27FC236}">
+                <a16:creationId xmlns:a16="http://schemas.microsoft.com/office/drawing/2014/main" id="{84F38045-DA55-4204-8A05-30C12BF25E42}"/>
+              </a:ext>
+            </a:extLst>
+          </p:cNvPr>
+          <p:cNvPicPr>
+            <a:picLocks noChangeAspect="1"/>
+          </p:cNvPicPr>
+          <p:nvPr/>
+        </p:nvPicPr>
+        <p:blipFill>
+          <a:blip r:embed="rId2"/>
+          <a:stretch>
+            <a:fillRect/>
+          </a:stretch>
+        </p:blipFill>
+        <p:spPr>
+          <a:xfrm>
+            <a:off x="838200" y="3124238"/>
+            <a:ext cx="5346488" cy="1466176"/>
+          </a:xfrm>
+          <a:prstGeom prst="rect">
+            <a:avLst/>
+          </a:prstGeom>
+        </p:spPr>
+      </p:pic>
+      <p:pic>
+        <p:nvPicPr>
+          <p:cNvPr id="7" name="Picture 6">
+            <a:extLst>
+              <a:ext uri="{FF2B5EF4-FFF2-40B4-BE49-F238E27FC236}">
+                <a16:creationId xmlns:a16="http://schemas.microsoft.com/office/drawing/2014/main" id="{FCF584A9-DF8E-4CE6-A0E3-05B6193E8A4E}"/>
+              </a:ext>
+            </a:extLst>
+          </p:cNvPr>
+          <p:cNvPicPr>
+            <a:picLocks noChangeAspect="1"/>
+          </p:cNvPicPr>
+          <p:nvPr/>
+        </p:nvPicPr>
+        <p:blipFill>
+          <a:blip r:embed="rId3"/>
+          <a:stretch>
+            <a:fillRect/>
+          </a:stretch>
+        </p:blipFill>
+        <p:spPr>
+          <a:xfrm>
+            <a:off x="7404809" y="3061681"/>
+            <a:ext cx="3707703" cy="1591289"/>
+          </a:xfrm>
+          <a:prstGeom prst="rect">
+            <a:avLst/>
+          </a:prstGeom>
+        </p:spPr>
+      </p:pic>
+    </p:spTree>
+    <p:extLst>
+      <p:ext uri="{BB962C8B-B14F-4D97-AF65-F5344CB8AC3E}">
+        <p14:creationId xmlns:p14="http://schemas.microsoft.com/office/powerpoint/2010/main" val="3146677962"/>
+      </p:ext>
+    </p:extLst>
+  </p:cSld>
+  <p:clrMapOvr>
+    <a:masterClrMapping/>
+  </p:clrMapOvr>
+</p:sld>
+</file>
+
+<file path=ppt/slides/slide12.xml><?xml version="1.0" encoding="utf-8"?>
+<p:sld xmlns:a="http://schemas.openxmlformats.org/drawingml/2006/main" xmlns:r="http://schemas.openxmlformats.org/officeDocument/2006/relationships" xmlns:p="http://schemas.openxmlformats.org/presentationml/2006/main">
+  <p:cSld>
+    <p:bg>
+      <p:bgPr>
+        <a:solidFill>
+          <a:schemeClr val="bg1"/>
+        </a:solidFill>
+        <a:effectLst/>
+      </p:bgPr>
+    </p:bg>
+    <p:spTree>
+      <p:nvGrpSpPr>
+        <p:cNvPr id="1" name=""/>
+        <p:cNvGrpSpPr/>
+        <p:nvPr/>
+      </p:nvGrpSpPr>
+      <p:grpSpPr>
+        <a:xfrm>
+          <a:off x="0" y="0"/>
+          <a:ext cx="0" cy="0"/>
+          <a:chOff x="0" y="0"/>
+          <a:chExt cx="0" cy="0"/>
+        </a:xfrm>
+      </p:grpSpPr>
+      <p:sp>
+        <p:nvSpPr>
+          <p:cNvPr id="2" name="Title 1">
+            <a:extLst>
+              <a:ext uri="{FF2B5EF4-FFF2-40B4-BE49-F238E27FC236}">
+                <a16:creationId xmlns:a16="http://schemas.microsoft.com/office/drawing/2014/main" id="{83EB57AF-F77F-4281-B01F-E3E3D325ED74}"/>
+              </a:ext>
+            </a:extLst>
+          </p:cNvPr>
+          <p:cNvSpPr>
+            <a:spLocks noGrp="1"/>
+          </p:cNvSpPr>
+          <p:nvPr>
+            <p:ph type="title"/>
+          </p:nvPr>
+        </p:nvSpPr>
+        <p:spPr>
+          <a:xfrm>
+            <a:off x="648928" y="338328"/>
+            <a:ext cx="3685032" cy="1608328"/>
+          </a:xfrm>
+        </p:spPr>
+        <p:txBody>
+          <a:bodyPr>
+            <a:normAutofit/>
+          </a:bodyPr>
+          <a:lstStyle/>
+          <a:p>
+            <a:r>
+              <a:rPr lang="en-US" sz="3600"/>
+              <a:t>RNN </a:t>
+            </a:r>
+          </a:p>
+        </p:txBody>
+      </p:sp>
+      <p:sp>
+        <p:nvSpPr>
+          <p:cNvPr id="3" name="Content Placeholder 2">
+            <a:extLst>
+              <a:ext uri="{FF2B5EF4-FFF2-40B4-BE49-F238E27FC236}">
+                <a16:creationId xmlns:a16="http://schemas.microsoft.com/office/drawing/2014/main" id="{34B1A2E2-913D-4077-A67F-F0BF11578747}"/>
+              </a:ext>
+            </a:extLst>
+          </p:cNvPr>
+          <p:cNvSpPr>
+            <a:spLocks noGrp="1"/>
+          </p:cNvSpPr>
+          <p:nvPr>
+            <p:ph idx="1"/>
+          </p:nvPr>
+        </p:nvSpPr>
+        <p:spPr>
+          <a:xfrm>
+            <a:off x="4864100" y="338328"/>
+            <a:ext cx="6675627" cy="1605083"/>
+          </a:xfrm>
+        </p:spPr>
+        <p:txBody>
+          <a:bodyPr anchor="ctr">
+            <a:normAutofit/>
+          </a:bodyPr>
+          <a:lstStyle/>
+          <a:p>
+            <a:endParaRPr lang="en-US" sz="2000" dirty="0"/>
+          </a:p>
+        </p:txBody>
+      </p:sp>
+      <p:sp>
+        <p:nvSpPr>
+          <p:cNvPr id="15" name="Rectangle 14">
+            <a:extLst>
+              <a:ext uri="{FF2B5EF4-FFF2-40B4-BE49-F238E27FC236}">
+                <a16:creationId xmlns:a16="http://schemas.microsoft.com/office/drawing/2014/main" id="{5AAE9118-0436-4488-AC4A-C14DF6A7B6B1}"/>
+              </a:ext>
+              <a:ext uri="{C183D7F6-B498-43B3-948B-1728B52AA6E4}">
+                <adec:decorative xmlns:adec="http://schemas.microsoft.com/office/drawing/2017/decorative" val="1"/>
+              </a:ext>
+            </a:extLst>
+          </p:cNvPr>
+          <p:cNvSpPr>
+            <a:spLocks noGrp="1" noRot="1" noChangeAspect="1" noMove="1" noResize="1" noEditPoints="1" noAdjustHandles="1" noChangeArrowheads="1" noChangeShapeType="1" noTextEdit="1"/>
+          </p:cNvSpPr>
+          <p:nvPr>
+            <p:extLst>
+              <p:ext uri="{386F3935-93C4-4BCD-93E2-E3B085C9AB24}">
+                <p16:designElem xmlns:p16="http://schemas.microsoft.com/office/powerpoint/2015/main" val="1"/>
+              </p:ext>
+            </p:extLst>
+          </p:nvPr>
+        </p:nvSpPr>
+        <p:spPr>
+          <a:xfrm>
+            <a:off x="-2" y="2211010"/>
+            <a:ext cx="12192002" cy="4646990"/>
+          </a:xfrm>
+          <a:prstGeom prst="rect">
+            <a:avLst/>
+          </a:prstGeom>
+          <a:solidFill>
+            <a:srgbClr val="C8CACA"/>
+          </a:solidFill>
+          <a:ln>
+            <a:noFill/>
+          </a:ln>
+        </p:spPr>
+        <p:style>
+          <a:lnRef idx="2">
+            <a:schemeClr val="accent1">
+              <a:shade val="50000"/>
+            </a:schemeClr>
+          </a:lnRef>
+          <a:fillRef idx="1">
+            <a:schemeClr val="accent1"/>
+          </a:fillRef>
+          <a:effectRef idx="0">
+            <a:schemeClr val="accent1"/>
+          </a:effectRef>
+          <a:fontRef idx="minor">
+            <a:schemeClr val="lt1"/>
+          </a:fontRef>
+        </p:style>
+        <p:txBody>
+          <a:bodyPr rtlCol="0" anchor="ctr"/>
+          <a:lstStyle/>
+          <a:p>
+            <a:pPr marL="0" marR="0" lvl="0" indent="0" algn="ctr" defTabSz="914400" rtl="0" eaLnBrk="1" fontAlgn="auto" latinLnBrk="0" hangingPunct="1">
+              <a:lnSpc>
+                <a:spcPct val="100000"/>
+              </a:lnSpc>
+              <a:spcBef>
+                <a:spcPts val="0"/>
+              </a:spcBef>
+              <a:spcAft>
+                <a:spcPts val="0"/>
+              </a:spcAft>
+              <a:buClrTx/>
+              <a:buSzTx/>
+              <a:buFontTx/>
+              <a:buNone/>
+              <a:tabLst/>
+              <a:defRPr/>
+            </a:pPr>
+            <a:endParaRPr kumimoji="0" lang="en-US" sz="1800" b="0" i="0" u="none" strike="noStrike" kern="1200" cap="none" spc="0" normalizeH="0" baseline="0" noProof="0">
+              <a:ln>
+                <a:noFill/>
+              </a:ln>
+              <a:solidFill>
+                <a:prstClr val="white"/>
+              </a:solidFill>
+              <a:effectLst/>
+              <a:uLnTx/>
+              <a:uFillTx/>
+              <a:latin typeface="Calibri" panose="020F0502020204030204"/>
+              <a:ea typeface="+mn-ea"/>
+              <a:cs typeface="+mn-cs"/>
+            </a:endParaRPr>
+          </a:p>
+        </p:txBody>
+      </p:sp>
+      <p:sp>
+        <p:nvSpPr>
+          <p:cNvPr id="17" name="Rounded Rectangle 26">
+            <a:extLst>
+              <a:ext uri="{FF2B5EF4-FFF2-40B4-BE49-F238E27FC236}">
+                <a16:creationId xmlns:a16="http://schemas.microsoft.com/office/drawing/2014/main" id="{1B10F861-B8F1-49C7-BD58-EAB20CEE7F93}"/>
+              </a:ext>
+              <a:ext uri="{C183D7F6-B498-43B3-948B-1728B52AA6E4}">
+                <adec:decorative xmlns:adec="http://schemas.microsoft.com/office/drawing/2017/decorative" val="1"/>
+              </a:ext>
+            </a:extLst>
+          </p:cNvPr>
+          <p:cNvSpPr>
+            <a:spLocks noGrp="1" noRot="1" noChangeAspect="1" noMove="1" noResize="1" noEditPoints="1" noAdjustHandles="1" noChangeArrowheads="1" noChangeShapeType="1" noTextEdit="1"/>
+          </p:cNvSpPr>
+          <p:nvPr>
+            <p:extLst>
+              <p:ext uri="{386F3935-93C4-4BCD-93E2-E3B085C9AB24}">
+                <p16:designElem xmlns:p16="http://schemas.microsoft.com/office/powerpoint/2015/main" val="1"/>
+              </p:ext>
+            </p:extLst>
+          </p:nvPr>
+        </p:nvSpPr>
+        <p:spPr>
+          <a:xfrm>
+            <a:off x="321564" y="2423160"/>
+            <a:ext cx="5613569" cy="3930315"/>
+          </a:xfrm>
+          <a:prstGeom prst="roundRect">
+            <a:avLst>
+              <a:gd name="adj" fmla="val 0"/>
+            </a:avLst>
+          </a:prstGeom>
+          <a:solidFill>
+            <a:srgbClr val="FFFFFF"/>
+          </a:solidFill>
+          <a:ln w="9525">
+            <a:solidFill>
+              <a:srgbClr val="C8CACA"/>
+            </a:solidFill>
+          </a:ln>
+          <a:effectLst>
+            <a:outerShdw blurRad="57150" dist="19050" dir="5400000" algn="t" rotWithShape="0">
+              <a:prstClr val="black">
+                <a:alpha val="63000"/>
+              </a:prstClr>
+            </a:outerShdw>
+          </a:effectLst>
+        </p:spPr>
+        <p:style>
+          <a:lnRef idx="2">
+            <a:schemeClr val="accent1">
+              <a:shade val="50000"/>
+            </a:schemeClr>
+          </a:lnRef>
+          <a:fillRef idx="1">
+            <a:schemeClr val="accent1"/>
+          </a:fillRef>
+          <a:effectRef idx="0">
+            <a:schemeClr val="accent1"/>
+          </a:effectRef>
+          <a:fontRef idx="minor">
+            <a:schemeClr val="lt1"/>
+          </a:fontRef>
+        </p:style>
+        <p:txBody>
+          <a:bodyPr rtlCol="0" anchor="ctr"/>
+          <a:lstStyle/>
+          <a:p>
+            <a:pPr algn="ctr"/>
+            <a:endParaRPr lang="en-US"/>
+          </a:p>
+        </p:txBody>
+      </p:sp>
+      <p:sp>
+        <p:nvSpPr>
+          <p:cNvPr id="19" name="Rounded Rectangle 16">
+            <a:extLst>
+              <a:ext uri="{FF2B5EF4-FFF2-40B4-BE49-F238E27FC236}">
+                <a16:creationId xmlns:a16="http://schemas.microsoft.com/office/drawing/2014/main" id="{61F6E425-22AB-4DA2-8FAC-58ADB58EF6C3}"/>
+              </a:ext>
+              <a:ext uri="{C183D7F6-B498-43B3-948B-1728B52AA6E4}">
+                <adec:decorative xmlns:adec="http://schemas.microsoft.com/office/drawing/2017/decorative" val="1"/>
+              </a:ext>
+            </a:extLst>
+          </p:cNvPr>
+          <p:cNvSpPr>
+            <a:spLocks noGrp="1" noRot="1" noChangeAspect="1" noMove="1" noResize="1" noEditPoints="1" noAdjustHandles="1" noChangeArrowheads="1" noChangeShapeType="1" noTextEdit="1"/>
+          </p:cNvSpPr>
+          <p:nvPr>
+            <p:extLst>
+              <p:ext uri="{386F3935-93C4-4BCD-93E2-E3B085C9AB24}">
+                <p16:designElem xmlns:p16="http://schemas.microsoft.com/office/powerpoint/2015/main" val="1"/>
+              </p:ext>
+            </p:extLst>
+          </p:nvPr>
+        </p:nvSpPr>
+        <p:spPr>
+          <a:xfrm>
+            <a:off x="6254749" y="2423160"/>
+            <a:ext cx="5613569" cy="3930315"/>
+          </a:xfrm>
+          <a:prstGeom prst="roundRect">
+            <a:avLst>
+              <a:gd name="adj" fmla="val 0"/>
+            </a:avLst>
+          </a:prstGeom>
+          <a:solidFill>
+            <a:srgbClr val="FFFFFF"/>
+          </a:solidFill>
+          <a:ln w="9525">
+            <a:solidFill>
+              <a:srgbClr val="C8CACA"/>
+            </a:solidFill>
+          </a:ln>
+          <a:effectLst>
+            <a:outerShdw blurRad="57150" dist="19050" dir="5400000" algn="t" rotWithShape="0">
+              <a:prstClr val="black">
+                <a:alpha val="63000"/>
+              </a:prstClr>
+            </a:outerShdw>
+          </a:effectLst>
+        </p:spPr>
+        <p:style>
+          <a:lnRef idx="2">
+            <a:schemeClr val="accent1">
+              <a:shade val="50000"/>
+            </a:schemeClr>
+          </a:lnRef>
+          <a:fillRef idx="1">
+            <a:schemeClr val="accent1"/>
+          </a:fillRef>
+          <a:effectRef idx="0">
+            <a:schemeClr val="accent1"/>
+          </a:effectRef>
+          <a:fontRef idx="minor">
+            <a:schemeClr val="lt1"/>
+          </a:fontRef>
+        </p:style>
+        <p:txBody>
+          <a:bodyPr rtlCol="0" anchor="ctr"/>
+          <a:lstStyle/>
+          <a:p>
+            <a:pPr algn="ctr"/>
+            <a:endParaRPr lang="en-US"/>
+          </a:p>
+        </p:txBody>
+      </p:sp>
+      <p:pic>
+        <p:nvPicPr>
+          <p:cNvPr id="5" name="Picture 4">
+            <a:extLst>
+              <a:ext uri="{FF2B5EF4-FFF2-40B4-BE49-F238E27FC236}">
+                <a16:creationId xmlns:a16="http://schemas.microsoft.com/office/drawing/2014/main" id="{B6CF0684-F832-4EE4-91B9-DA01F3D0A346}"/>
+              </a:ext>
+            </a:extLst>
+          </p:cNvPr>
+          <p:cNvPicPr>
+            <a:picLocks noChangeAspect="1"/>
+          </p:cNvPicPr>
+          <p:nvPr/>
+        </p:nvPicPr>
+        <p:blipFill rotWithShape="1">
+          <a:blip r:embed="rId3"/>
+          <a:srcRect t="407" r="2" b="2"/>
+          <a:stretch/>
+        </p:blipFill>
+        <p:spPr>
+          <a:xfrm>
+            <a:off x="861976" y="2662884"/>
+            <a:ext cx="4807697" cy="3291840"/>
+          </a:xfrm>
+          <a:prstGeom prst="rect">
+            <a:avLst/>
+          </a:prstGeom>
+        </p:spPr>
+      </p:pic>
+      <p:pic>
+        <p:nvPicPr>
+          <p:cNvPr id="7" name="Picture 6">
+            <a:extLst>
+              <a:ext uri="{FF2B5EF4-FFF2-40B4-BE49-F238E27FC236}">
+                <a16:creationId xmlns:a16="http://schemas.microsoft.com/office/drawing/2014/main" id="{9C76DD02-F3BC-494B-A550-9EEC82DB9157}"/>
+              </a:ext>
+            </a:extLst>
+          </p:cNvPr>
+          <p:cNvPicPr>
+            <a:picLocks noChangeAspect="1"/>
+          </p:cNvPicPr>
+          <p:nvPr/>
+        </p:nvPicPr>
+        <p:blipFill>
+          <a:blip r:embed="rId4"/>
+          <a:stretch>
+            <a:fillRect/>
+          </a:stretch>
+        </p:blipFill>
+        <p:spPr>
+          <a:xfrm>
+            <a:off x="7142093" y="2596624"/>
+            <a:ext cx="3838880" cy="3291840"/>
+          </a:xfrm>
+          <a:prstGeom prst="rect">
+            <a:avLst/>
+          </a:prstGeom>
+        </p:spPr>
+      </p:pic>
+    </p:spTree>
+    <p:extLst>
+      <p:ext uri="{BB962C8B-B14F-4D97-AF65-F5344CB8AC3E}">
+        <p14:creationId xmlns:p14="http://schemas.microsoft.com/office/powerpoint/2010/main" val="2593540327"/>
+      </p:ext>
+    </p:extLst>
+  </p:cSld>
+  <p:clrMapOvr>
+    <a:masterClrMapping/>
+  </p:clrMapOvr>
+</p:sld>
+</file>
+
+<file path=ppt/slides/slide13.xml><?xml version="1.0" encoding="utf-8"?>
+<p:sld xmlns:a="http://schemas.openxmlformats.org/drawingml/2006/main" xmlns:r="http://schemas.openxmlformats.org/officeDocument/2006/relationships" xmlns:p="http://schemas.openxmlformats.org/presentationml/2006/main">
+  <p:cSld>
+    <p:bg>
+      <p:bgPr>
+        <a:solidFill>
+          <a:schemeClr val="bg1"/>
+        </a:solidFill>
+        <a:effectLst/>
+      </p:bgPr>
+    </p:bg>
+    <p:spTree>
+      <p:nvGrpSpPr>
+        <p:cNvPr id="1" name=""/>
+        <p:cNvGrpSpPr/>
+        <p:nvPr/>
+      </p:nvGrpSpPr>
+      <p:grpSpPr>
+        <a:xfrm>
+          <a:off x="0" y="0"/>
+          <a:ext cx="0" cy="0"/>
+          <a:chOff x="0" y="0"/>
+          <a:chExt cx="0" cy="0"/>
+        </a:xfrm>
+      </p:grpSpPr>
+      <p:sp useBgFill="1">
+        <p:nvSpPr>
+          <p:cNvPr id="23" name="Rectangle 14">
+            <a:extLst>
+              <a:ext uri="{FF2B5EF4-FFF2-40B4-BE49-F238E27FC236}">
+                <a16:creationId xmlns:a16="http://schemas.microsoft.com/office/drawing/2014/main" id="{8761DDFE-071F-4200-B0AA-394476C2D2D6}"/>
+              </a:ext>
+              <a:ext uri="{C183D7F6-B498-43B3-948B-1728B52AA6E4}">
+                <adec:decorative xmlns:adec="http://schemas.microsoft.com/office/drawing/2017/decorative" val="1"/>
+              </a:ext>
+            </a:extLst>
+          </p:cNvPr>
+          <p:cNvSpPr>
+            <a:spLocks noGrp="1" noRot="1" noChangeAspect="1" noMove="1" noResize="1" noEditPoints="1" noAdjustHandles="1" noChangeArrowheads="1" noChangeShapeType="1" noTextEdit="1"/>
+          </p:cNvSpPr>
+          <p:nvPr>
+            <p:extLst>
+              <p:ext uri="{386F3935-93C4-4BCD-93E2-E3B085C9AB24}">
+                <p16:designElem xmlns:p16="http://schemas.microsoft.com/office/powerpoint/2015/main" val="1"/>
+              </p:ext>
+            </p:extLst>
+          </p:nvPr>
+        </p:nvSpPr>
+        <p:spPr>
+          <a:xfrm>
+            <a:off x="-1" y="0"/>
+            <a:ext cx="12188952" cy="6858000"/>
+          </a:xfrm>
+          <a:prstGeom prst="rect">
+            <a:avLst/>
+          </a:prstGeom>
+          <a:ln>
+            <a:noFill/>
+          </a:ln>
+        </p:spPr>
+        <p:style>
+          <a:lnRef idx="2">
+            <a:schemeClr val="accent1">
+              <a:shade val="50000"/>
+            </a:schemeClr>
+          </a:lnRef>
+          <a:fillRef idx="1">
+            <a:schemeClr val="accent1"/>
+          </a:fillRef>
+          <a:effectRef idx="0">
+            <a:schemeClr val="accent1"/>
+          </a:effectRef>
+          <a:fontRef idx="minor">
+            <a:schemeClr val="lt1"/>
+          </a:fontRef>
+        </p:style>
+        <p:txBody>
+          <a:bodyPr rtlCol="0" anchor="ctr"/>
+          <a:lstStyle/>
+          <a:p>
+            <a:pPr algn="ctr"/>
+            <a:endParaRPr lang="en-US"/>
+          </a:p>
+        </p:txBody>
+      </p:sp>
+      <p:sp>
+        <p:nvSpPr>
+          <p:cNvPr id="2" name="Title 1">
+            <a:extLst>
+              <a:ext uri="{FF2B5EF4-FFF2-40B4-BE49-F238E27FC236}">
+                <a16:creationId xmlns:a16="http://schemas.microsoft.com/office/drawing/2014/main" id="{2D116806-9978-4023-94EA-6BE5B5032982}"/>
+              </a:ext>
+            </a:extLst>
+          </p:cNvPr>
+          <p:cNvSpPr>
+            <a:spLocks noGrp="1"/>
+          </p:cNvSpPr>
+          <p:nvPr>
+            <p:ph type="title"/>
+          </p:nvPr>
+        </p:nvSpPr>
+        <p:spPr>
+          <a:xfrm>
+            <a:off x="838198" y="547815"/>
+            <a:ext cx="5167185" cy="1680519"/>
+          </a:xfrm>
+        </p:spPr>
+        <p:txBody>
+          <a:bodyPr>
+            <a:normAutofit/>
+          </a:bodyPr>
+          <a:lstStyle/>
+          <a:p>
+            <a:r>
+              <a:rPr lang="en-US" sz="4000"/>
+              <a:t>ConvLSTM</a:t>
+            </a:r>
+          </a:p>
+        </p:txBody>
+      </p:sp>
+      <p:sp>
+        <p:nvSpPr>
+          <p:cNvPr id="3" name="Content Placeholder 2">
+            <a:extLst>
+              <a:ext uri="{FF2B5EF4-FFF2-40B4-BE49-F238E27FC236}">
+                <a16:creationId xmlns:a16="http://schemas.microsoft.com/office/drawing/2014/main" id="{EBF93530-F81F-4CB0-9F41-A0CB836DFEE3}"/>
+              </a:ext>
+            </a:extLst>
+          </p:cNvPr>
+          <p:cNvSpPr>
+            <a:spLocks noGrp="1"/>
+          </p:cNvSpPr>
+          <p:nvPr>
+            <p:ph idx="1"/>
+          </p:nvPr>
+        </p:nvSpPr>
+        <p:spPr>
+          <a:xfrm>
+            <a:off x="6186619" y="547815"/>
+            <a:ext cx="5178960" cy="1680519"/>
+          </a:xfrm>
+        </p:spPr>
+        <p:txBody>
+          <a:bodyPr anchor="ctr">
+            <a:normAutofit/>
+          </a:bodyPr>
+          <a:lstStyle/>
+          <a:p>
+            <a:endParaRPr lang="en-US" sz="2000"/>
+          </a:p>
+        </p:txBody>
+      </p:sp>
+      <p:pic>
+        <p:nvPicPr>
+          <p:cNvPr id="5" name="Picture 4">
+            <a:extLst>
+              <a:ext uri="{FF2B5EF4-FFF2-40B4-BE49-F238E27FC236}">
+                <a16:creationId xmlns:a16="http://schemas.microsoft.com/office/drawing/2014/main" id="{C3AA8098-48EB-49B5-87E9-CACEF0B7227A}"/>
+              </a:ext>
+            </a:extLst>
+          </p:cNvPr>
+          <p:cNvPicPr>
+            <a:picLocks noChangeAspect="1"/>
+          </p:cNvPicPr>
+          <p:nvPr/>
+        </p:nvPicPr>
+        <p:blipFill rotWithShape="1">
+          <a:blip r:embed="rId3"/>
+          <a:srcRect t="565" r="2" b="7221"/>
+          <a:stretch/>
+        </p:blipFill>
+        <p:spPr>
+          <a:xfrm>
+            <a:off x="838198" y="2508504"/>
+            <a:ext cx="5167185" cy="3537985"/>
+          </a:xfrm>
+          <a:prstGeom prst="rect">
+            <a:avLst/>
+          </a:prstGeom>
+        </p:spPr>
+      </p:pic>
+      <p:pic>
+        <p:nvPicPr>
+          <p:cNvPr id="7" name="Picture 6">
+            <a:extLst>
+              <a:ext uri="{FF2B5EF4-FFF2-40B4-BE49-F238E27FC236}">
+                <a16:creationId xmlns:a16="http://schemas.microsoft.com/office/drawing/2014/main" id="{8F981F38-F43D-4D42-9DAE-CBBFF023DA2C}"/>
+              </a:ext>
+            </a:extLst>
+          </p:cNvPr>
+          <p:cNvPicPr>
+            <a:picLocks noChangeAspect="1"/>
+          </p:cNvPicPr>
+          <p:nvPr/>
+        </p:nvPicPr>
+        <p:blipFill>
+          <a:blip r:embed="rId4"/>
+          <a:stretch>
+            <a:fillRect/>
+          </a:stretch>
+        </p:blipFill>
+        <p:spPr>
+          <a:xfrm>
+            <a:off x="6198394" y="3450748"/>
+            <a:ext cx="5167185" cy="1653498"/>
+          </a:xfrm>
+          <a:prstGeom prst="rect">
+            <a:avLst/>
+          </a:prstGeom>
+        </p:spPr>
+      </p:pic>
+    </p:spTree>
+    <p:extLst>
+      <p:ext uri="{BB962C8B-B14F-4D97-AF65-F5344CB8AC3E}">
+        <p14:creationId xmlns:p14="http://schemas.microsoft.com/office/powerpoint/2010/main" val="823665693"/>
+      </p:ext>
+    </p:extLst>
+  </p:cSld>
+  <p:clrMapOvr>
+    <a:masterClrMapping/>
+  </p:clrMapOvr>
+</p:sld>
+</file>
+
+<file path=ppt/slides/slide14.xml><?xml version="1.0" encoding="utf-8"?>
+<p:sld xmlns:a="http://schemas.openxmlformats.org/drawingml/2006/main" xmlns:r="http://schemas.openxmlformats.org/officeDocument/2006/relationships" xmlns:p="http://schemas.openxmlformats.org/presentationml/2006/main">
+  <p:cSld>
+    <p:spTree>
+      <p:nvGrpSpPr>
+        <p:cNvPr id="1" name=""/>
+        <p:cNvGrpSpPr/>
+        <p:nvPr/>
+      </p:nvGrpSpPr>
+      <p:grpSpPr>
+        <a:xfrm>
+          <a:off x="0" y="0"/>
+          <a:ext cx="0" cy="0"/>
+          <a:chOff x="0" y="0"/>
+          <a:chExt cx="0" cy="0"/>
+        </a:xfrm>
+      </p:grpSpPr>
+      <p:sp>
+        <p:nvSpPr>
+          <p:cNvPr id="2" name="Title 1">
+            <a:extLst>
+              <a:ext uri="{FF2B5EF4-FFF2-40B4-BE49-F238E27FC236}">
+                <a16:creationId xmlns:a16="http://schemas.microsoft.com/office/drawing/2014/main" id="{82B163A8-D1A7-4F32-ACE5-5D577E1EA224}"/>
+              </a:ext>
+            </a:extLst>
+          </p:cNvPr>
+          <p:cNvSpPr>
+            <a:spLocks noGrp="1"/>
+          </p:cNvSpPr>
+          <p:nvPr>
+            <p:ph type="title"/>
+          </p:nvPr>
+        </p:nvSpPr>
+        <p:spPr>
+          <a:xfrm>
+            <a:off x="443948" y="365125"/>
+            <a:ext cx="11277600" cy="1325563"/>
+          </a:xfrm>
+        </p:spPr>
+        <p:txBody>
+          <a:bodyPr/>
+          <a:lstStyle/>
+          <a:p>
+            <a:r>
+              <a:rPr lang="en-US" dirty="0"/>
+              <a:t>Deconvolution layer -  (Transposed Convolutions)</a:t>
+            </a:r>
+          </a:p>
+        </p:txBody>
+      </p:sp>
+      <p:sp>
+        <p:nvSpPr>
+          <p:cNvPr id="3" name="Content Placeholder 2">
+            <a:extLst>
+              <a:ext uri="{FF2B5EF4-FFF2-40B4-BE49-F238E27FC236}">
+                <a16:creationId xmlns:a16="http://schemas.microsoft.com/office/drawing/2014/main" id="{FCBD9A89-68AB-4809-8283-AB7297205F4F}"/>
+              </a:ext>
+            </a:extLst>
+          </p:cNvPr>
+          <p:cNvSpPr>
+            <a:spLocks noGrp="1"/>
+          </p:cNvSpPr>
+          <p:nvPr>
+            <p:ph idx="1"/>
+          </p:nvPr>
+        </p:nvSpPr>
+        <p:spPr/>
+        <p:txBody>
+          <a:bodyPr/>
+          <a:lstStyle/>
+          <a:p>
+            <a:pPr algn="just"/>
+            <a:r>
+              <a:rPr lang="en-US" dirty="0"/>
+              <a:t>Not an actual deconvolution, it’s a transposed convolution layer.</a:t>
+            </a:r>
+          </a:p>
+          <a:p>
+            <a:pPr algn="just"/>
+            <a:r>
+              <a:rPr lang="en-US" dirty="0"/>
+              <a:t>So, this layer do not actually reverse the process, its </a:t>
+            </a:r>
+            <a:r>
+              <a:rPr lang="en-US" b="0" i="0" dirty="0">
+                <a:solidFill>
+                  <a:srgbClr val="292929"/>
+                </a:solidFill>
+                <a:effectLst/>
+                <a:latin typeface="charter"/>
+              </a:rPr>
+              <a:t>merely reconstructs the spatial resolution from before and performs a convolution. </a:t>
+            </a:r>
+          </a:p>
+          <a:p>
+            <a:pPr algn="just"/>
+            <a:r>
+              <a:rPr lang="en-US" b="0" i="0" dirty="0">
+                <a:solidFill>
+                  <a:srgbClr val="292929"/>
+                </a:solidFill>
+                <a:effectLst/>
+                <a:latin typeface="charter"/>
+              </a:rPr>
+              <a:t>This may not be the mathematical inverse, but for Encoder-Decoder architectures, it’s still very helpful. This way we can combine the upscaling of an image with a convolution, instead of doing two separate processes.</a:t>
+            </a:r>
+            <a:endParaRPr lang="en-US" dirty="0"/>
+          </a:p>
+        </p:txBody>
+      </p:sp>
+    </p:spTree>
+    <p:extLst>
+      <p:ext uri="{BB962C8B-B14F-4D97-AF65-F5344CB8AC3E}">
+        <p14:creationId xmlns:p14="http://schemas.microsoft.com/office/powerpoint/2010/main" val="320431358"/>
+      </p:ext>
+    </p:extLst>
+  </p:cSld>
+  <p:clrMapOvr>
+    <a:masterClrMapping/>
+  </p:clrMapOvr>
+</p:sld>
+</file>
+
+<file path=ppt/slides/slide15.xml><?xml version="1.0" encoding="utf-8"?>
+<p:sld xmlns:a="http://schemas.openxmlformats.org/drawingml/2006/main" xmlns:r="http://schemas.openxmlformats.org/officeDocument/2006/relationships" xmlns:p="http://schemas.openxmlformats.org/presentationml/2006/main">
+  <p:cSld>
+    <p:spTree>
+      <p:nvGrpSpPr>
+        <p:cNvPr id="1" name=""/>
+        <p:cNvGrpSpPr/>
+        <p:nvPr/>
+      </p:nvGrpSpPr>
+      <p:grpSpPr>
+        <a:xfrm>
+          <a:off x="0" y="0"/>
+          <a:ext cx="0" cy="0"/>
+          <a:chOff x="0" y="0"/>
+          <a:chExt cx="0" cy="0"/>
+        </a:xfrm>
+      </p:grpSpPr>
+      <p:sp>
+        <p:nvSpPr>
+          <p:cNvPr id="2" name="Title 1">
+            <a:extLst>
+              <a:ext uri="{FF2B5EF4-FFF2-40B4-BE49-F238E27FC236}">
+                <a16:creationId xmlns:a16="http://schemas.microsoft.com/office/drawing/2014/main" id="{39F4C5C4-B4B5-432A-AE55-4AA61D544EE7}"/>
+              </a:ext>
+            </a:extLst>
+          </p:cNvPr>
+          <p:cNvSpPr>
+            <a:spLocks noGrp="1"/>
+          </p:cNvSpPr>
+          <p:nvPr>
+            <p:ph type="title"/>
+          </p:nvPr>
+        </p:nvSpPr>
+        <p:spPr/>
+        <p:txBody>
+          <a:bodyPr/>
+          <a:lstStyle/>
+          <a:p>
+            <a:r>
+              <a:rPr lang="en-US" dirty="0"/>
+              <a:t>Scale connection</a:t>
+            </a:r>
+          </a:p>
+        </p:txBody>
+      </p:sp>
+      <p:sp>
+        <p:nvSpPr>
+          <p:cNvPr id="3" name="Content Placeholder 2">
+            <a:extLst>
+              <a:ext uri="{FF2B5EF4-FFF2-40B4-BE49-F238E27FC236}">
+                <a16:creationId xmlns:a16="http://schemas.microsoft.com/office/drawing/2014/main" id="{91042F42-BB81-4031-BDA8-96C5D475CCAC}"/>
+              </a:ext>
+            </a:extLst>
+          </p:cNvPr>
+          <p:cNvSpPr>
+            <a:spLocks noGrp="1"/>
+          </p:cNvSpPr>
+          <p:nvPr>
+            <p:ph idx="1"/>
+          </p:nvPr>
+        </p:nvSpPr>
+        <p:spPr/>
+        <p:txBody>
+          <a:bodyPr/>
+          <a:lstStyle/>
+          <a:p>
+            <a:r>
+              <a:rPr lang="en-US" dirty="0"/>
+              <a:t>The output of the last scale is now used as input (</a:t>
+            </a:r>
+            <a:r>
+              <a:rPr lang="en-US" dirty="0" err="1"/>
+              <a:t>upsampled</a:t>
+            </a:r>
+            <a:r>
+              <a:rPr lang="en-US" dirty="0"/>
+              <a:t>) with the new scale input</a:t>
+            </a:r>
+          </a:p>
+        </p:txBody>
+      </p:sp>
+    </p:spTree>
+    <p:extLst>
+      <p:ext uri="{BB962C8B-B14F-4D97-AF65-F5344CB8AC3E}">
+        <p14:creationId xmlns:p14="http://schemas.microsoft.com/office/powerpoint/2010/main" val="2315605838"/>
+      </p:ext>
+    </p:extLst>
+  </p:cSld>
+  <p:clrMapOvr>
+    <a:masterClrMapping/>
+  </p:clrMapOvr>
+</p:sld>
+</file>
+
+<file path=ppt/slides/slide16.xml><?xml version="1.0" encoding="utf-8"?>
+<p:sld xmlns:a="http://schemas.openxmlformats.org/drawingml/2006/main" xmlns:r="http://schemas.openxmlformats.org/officeDocument/2006/relationships" xmlns:p="http://schemas.openxmlformats.org/presentationml/2006/main">
+  <p:cSld>
+    <p:spTree>
+      <p:nvGrpSpPr>
+        <p:cNvPr id="1" name=""/>
+        <p:cNvGrpSpPr/>
+        <p:nvPr/>
+      </p:nvGrpSpPr>
+      <p:grpSpPr>
+        <a:xfrm>
+          <a:off x="0" y="0"/>
+          <a:ext cx="0" cy="0"/>
+          <a:chOff x="0" y="0"/>
+          <a:chExt cx="0" cy="0"/>
+        </a:xfrm>
+      </p:grpSpPr>
+      <p:sp>
+        <p:nvSpPr>
+          <p:cNvPr id="2" name="Title 1">
+            <a:extLst>
+              <a:ext uri="{FF2B5EF4-FFF2-40B4-BE49-F238E27FC236}">
+                <a16:creationId xmlns:a16="http://schemas.microsoft.com/office/drawing/2014/main" id="{C12132A5-2C99-4F92-80E4-100FCF6A9A56}"/>
+              </a:ext>
+            </a:extLst>
+          </p:cNvPr>
+          <p:cNvSpPr>
+            <a:spLocks noGrp="1"/>
+          </p:cNvSpPr>
+          <p:nvPr>
+            <p:ph type="title"/>
+          </p:nvPr>
+        </p:nvSpPr>
+        <p:spPr/>
+        <p:txBody>
+          <a:bodyPr/>
+          <a:lstStyle/>
+          <a:p>
+            <a:r>
+              <a:rPr lang="en-US" dirty="0"/>
+              <a:t>Encoder-Decoder</a:t>
+            </a:r>
+          </a:p>
+        </p:txBody>
+      </p:sp>
+      <p:sp>
+        <p:nvSpPr>
+          <p:cNvPr id="3" name="Content Placeholder 2">
+            <a:extLst>
+              <a:ext uri="{FF2B5EF4-FFF2-40B4-BE49-F238E27FC236}">
+                <a16:creationId xmlns:a16="http://schemas.microsoft.com/office/drawing/2014/main" id="{522ACF28-63A8-49D8-ADCC-68BF09975663}"/>
+              </a:ext>
+            </a:extLst>
+          </p:cNvPr>
+          <p:cNvSpPr>
+            <a:spLocks noGrp="1"/>
+          </p:cNvSpPr>
+          <p:nvPr>
+            <p:ph idx="1"/>
+          </p:nvPr>
+        </p:nvSpPr>
+        <p:spPr/>
+        <p:txBody>
+          <a:bodyPr>
+            <a:normAutofit/>
+          </a:bodyPr>
+          <a:lstStyle/>
+          <a:p>
+            <a:r>
+              <a:rPr lang="en-US" dirty="0"/>
+              <a:t>Encoder-decoder as mentioned before, refers to a symmetric CNN structure that transform input data into feature maps with converging spatial size in the encoder and then transformed back to original size using the decoder.</a:t>
+            </a:r>
+          </a:p>
+          <a:p>
+            <a:r>
+              <a:rPr lang="en-US" dirty="0"/>
+              <a:t>For this work task, a slight change is needed. For deblurring there is a need for a large receptive field to handle severe motions. This is usually accomplished by stacking more levels. </a:t>
+            </a:r>
+          </a:p>
+          <a:p>
+            <a:r>
+              <a:rPr lang="en-US" dirty="0"/>
+              <a:t>This is not ideal in practice since it increase the number of parameters. Also, the feature maps are too small. Another reason is a slow convergences of the network.</a:t>
+            </a:r>
+          </a:p>
+          <a:p>
+            <a:pPr marL="0" indent="0">
+              <a:buNone/>
+            </a:pPr>
+            <a:endParaRPr lang="en-US" dirty="0"/>
+          </a:p>
+        </p:txBody>
+      </p:sp>
+    </p:spTree>
+    <p:extLst>
+      <p:ext uri="{BB962C8B-B14F-4D97-AF65-F5344CB8AC3E}">
+        <p14:creationId xmlns:p14="http://schemas.microsoft.com/office/powerpoint/2010/main" val="1755361595"/>
+      </p:ext>
+    </p:extLst>
+  </p:cSld>
+  <p:clrMapOvr>
+    <a:masterClrMapping/>
+  </p:clrMapOvr>
+</p:sld>
+</file>
+
+<file path=ppt/slides/slide17.xml><?xml version="1.0" encoding="utf-8"?>
+<p:sld xmlns:a="http://schemas.openxmlformats.org/drawingml/2006/main" xmlns:r="http://schemas.openxmlformats.org/officeDocument/2006/relationships" xmlns:p="http://schemas.openxmlformats.org/presentationml/2006/main">
+  <p:cSld>
+    <p:bg>
+      <p:bgPr>
+        <a:solidFill>
+          <a:schemeClr val="bg1"/>
+        </a:solidFill>
+        <a:effectLst/>
+      </p:bgPr>
+    </p:bg>
+    <p:spTree>
+      <p:nvGrpSpPr>
+        <p:cNvPr id="1" name=""/>
+        <p:cNvGrpSpPr/>
+        <p:nvPr/>
+      </p:nvGrpSpPr>
+      <p:grpSpPr>
+        <a:xfrm>
+          <a:off x="0" y="0"/>
+          <a:ext cx="0" cy="0"/>
+          <a:chOff x="0" y="0"/>
+          <a:chExt cx="0" cy="0"/>
+        </a:xfrm>
+      </p:grpSpPr>
+      <p:sp useBgFill="1">
+        <p:nvSpPr>
+          <p:cNvPr id="17" name="Rectangle 16">
+            <a:extLst>
+              <a:ext uri="{FF2B5EF4-FFF2-40B4-BE49-F238E27FC236}">
+                <a16:creationId xmlns:a16="http://schemas.microsoft.com/office/drawing/2014/main" id="{70155189-D96C-4527-B0EC-654B946BE615}"/>
+              </a:ext>
+              <a:ext uri="{C183D7F6-B498-43B3-948B-1728B52AA6E4}">
+                <adec:decorative xmlns:adec="http://schemas.microsoft.com/office/drawing/2017/decorative" val="1"/>
+              </a:ext>
+            </a:extLst>
+          </p:cNvPr>
+          <p:cNvSpPr>
+            <a:spLocks noGrp="1" noRot="1" noChangeAspect="1" noMove="1" noResize="1" noEditPoints="1" noAdjustHandles="1" noChangeArrowheads="1" noChangeShapeType="1" noTextEdit="1"/>
+          </p:cNvSpPr>
+          <p:nvPr>
+            <p:extLst>
+              <p:ext uri="{386F3935-93C4-4BCD-93E2-E3B085C9AB24}">
+                <p16:designElem xmlns:p16="http://schemas.microsoft.com/office/powerpoint/2015/main" val="1"/>
+              </p:ext>
+            </p:extLst>
+          </p:nvPr>
+        </p:nvSpPr>
+        <p:spPr>
+          <a:xfrm>
+            <a:off x="-1" y="0"/>
+            <a:ext cx="12188952" cy="6858000"/>
+          </a:xfrm>
+          <a:prstGeom prst="rect">
+            <a:avLst/>
+          </a:prstGeom>
+          <a:ln>
+            <a:noFill/>
+          </a:ln>
+        </p:spPr>
+        <p:style>
+          <a:lnRef idx="2">
+            <a:schemeClr val="accent1">
+              <a:shade val="50000"/>
+            </a:schemeClr>
+          </a:lnRef>
+          <a:fillRef idx="1">
+            <a:schemeClr val="accent1"/>
+          </a:fillRef>
+          <a:effectRef idx="0">
+            <a:schemeClr val="accent1"/>
+          </a:effectRef>
+          <a:fontRef idx="minor">
+            <a:schemeClr val="lt1"/>
+          </a:fontRef>
+        </p:style>
+        <p:txBody>
+          <a:bodyPr rtlCol="0" anchor="ctr"/>
+          <a:lstStyle/>
+          <a:p>
+            <a:pPr algn="ctr"/>
+            <a:endParaRPr lang="en-US"/>
+          </a:p>
+        </p:txBody>
+      </p:sp>
+      <p:sp>
+        <p:nvSpPr>
+          <p:cNvPr id="2" name="Title 1">
+            <a:extLst>
+              <a:ext uri="{FF2B5EF4-FFF2-40B4-BE49-F238E27FC236}">
+                <a16:creationId xmlns:a16="http://schemas.microsoft.com/office/drawing/2014/main" id="{A5B940AA-2CFA-4DD7-8F4A-19F7F0D8ECF7}"/>
+              </a:ext>
+            </a:extLst>
+          </p:cNvPr>
+          <p:cNvSpPr>
+            <a:spLocks noGrp="1"/>
+          </p:cNvSpPr>
+          <p:nvPr>
+            <p:ph type="title"/>
+          </p:nvPr>
+        </p:nvSpPr>
+        <p:spPr>
+          <a:xfrm>
+            <a:off x="1198181" y="557189"/>
+            <a:ext cx="9795637" cy="1104857"/>
+          </a:xfrm>
+        </p:spPr>
+        <p:txBody>
+          <a:bodyPr vert="horz" lIns="91440" tIns="45720" rIns="91440" bIns="45720" rtlCol="0" anchor="b">
+            <a:normAutofit/>
+          </a:bodyPr>
+          <a:lstStyle/>
+          <a:p>
+            <a:pPr algn="ctr"/>
+            <a:r>
+              <a:rPr lang="en-US" sz="5200"/>
+              <a:t>ResBLock</a:t>
+            </a:r>
+          </a:p>
+        </p:txBody>
+      </p:sp>
+      <p:sp>
+        <p:nvSpPr>
+          <p:cNvPr id="3" name="Content Placeholder 2">
+            <a:extLst>
+              <a:ext uri="{FF2B5EF4-FFF2-40B4-BE49-F238E27FC236}">
+                <a16:creationId xmlns:a16="http://schemas.microsoft.com/office/drawing/2014/main" id="{40EB45C9-81F7-4B78-92B8-880B60347587}"/>
+              </a:ext>
+            </a:extLst>
+          </p:cNvPr>
+          <p:cNvSpPr>
+            <a:spLocks noGrp="1"/>
+          </p:cNvSpPr>
+          <p:nvPr>
+            <p:ph idx="1"/>
+          </p:nvPr>
+        </p:nvSpPr>
+        <p:spPr>
+          <a:xfrm>
+            <a:off x="1188803" y="1833765"/>
+            <a:ext cx="9805015" cy="780466"/>
+          </a:xfrm>
+        </p:spPr>
+        <p:txBody>
+          <a:bodyPr vert="horz" lIns="91440" tIns="45720" rIns="91440" bIns="45720" rtlCol="0">
+            <a:normAutofit/>
+          </a:bodyPr>
+          <a:lstStyle/>
+          <a:p>
+            <a:pPr marL="0" indent="0" algn="ctr">
+              <a:buNone/>
+            </a:pPr>
+            <a:r>
+              <a:rPr lang="en-US" sz="2400" b="0" i="0">
+                <a:effectLst/>
+              </a:rPr>
+              <a:t>Output = x +Conv2(Conv1(x))</a:t>
+            </a:r>
+            <a:endParaRPr lang="en-US" sz="2400"/>
+          </a:p>
+        </p:txBody>
+      </p:sp>
+      <p:pic>
+        <p:nvPicPr>
+          <p:cNvPr id="9" name="Picture 8">
+            <a:extLst>
+              <a:ext uri="{FF2B5EF4-FFF2-40B4-BE49-F238E27FC236}">
+                <a16:creationId xmlns:a16="http://schemas.microsoft.com/office/drawing/2014/main" id="{723B7B8D-04D9-4894-B3F4-4F2039549B3B}"/>
+              </a:ext>
+            </a:extLst>
+          </p:cNvPr>
+          <p:cNvPicPr>
+            <a:picLocks noChangeAspect="1"/>
+          </p:cNvPicPr>
+          <p:nvPr/>
+        </p:nvPicPr>
+        <p:blipFill>
+          <a:blip r:embed="rId2"/>
+          <a:stretch>
+            <a:fillRect/>
+          </a:stretch>
+        </p:blipFill>
+        <p:spPr>
+          <a:xfrm>
+            <a:off x="4532649" y="2614231"/>
+            <a:ext cx="3541415" cy="3514855"/>
+          </a:xfrm>
+          <a:prstGeom prst="rect">
+            <a:avLst/>
+          </a:prstGeom>
+        </p:spPr>
+      </p:pic>
+      <p:pic>
+        <p:nvPicPr>
+          <p:cNvPr id="5" name="Picture 4" descr="Diagram&#10;&#10;Description automatically generated">
+            <a:extLst>
+              <a:ext uri="{FF2B5EF4-FFF2-40B4-BE49-F238E27FC236}">
+                <a16:creationId xmlns:a16="http://schemas.microsoft.com/office/drawing/2014/main" id="{3DBF7231-02EE-453B-82DC-E75DB505808A}"/>
+              </a:ext>
+            </a:extLst>
+          </p:cNvPr>
+          <p:cNvPicPr>
+            <a:picLocks noChangeAspect="1"/>
+          </p:cNvPicPr>
+          <p:nvPr/>
+        </p:nvPicPr>
+        <p:blipFill>
+          <a:blip r:embed="rId3"/>
+          <a:stretch>
+            <a:fillRect/>
+          </a:stretch>
+        </p:blipFill>
+        <p:spPr>
+          <a:xfrm>
+            <a:off x="403264" y="3154213"/>
+            <a:ext cx="3797536" cy="2307002"/>
+          </a:xfrm>
+          <a:prstGeom prst="rect">
+            <a:avLst/>
+          </a:prstGeom>
+        </p:spPr>
+      </p:pic>
+      <p:pic>
+        <p:nvPicPr>
+          <p:cNvPr id="7" name="Picture 6">
+            <a:extLst>
+              <a:ext uri="{FF2B5EF4-FFF2-40B4-BE49-F238E27FC236}">
+                <a16:creationId xmlns:a16="http://schemas.microsoft.com/office/drawing/2014/main" id="{89E85EAC-645C-4927-A6CB-333A98FDF1A8}"/>
+              </a:ext>
+            </a:extLst>
+          </p:cNvPr>
+          <p:cNvPicPr>
+            <a:picLocks noChangeAspect="1"/>
+          </p:cNvPicPr>
+          <p:nvPr/>
+        </p:nvPicPr>
+        <p:blipFill>
+          <a:blip r:embed="rId4"/>
+          <a:stretch>
+            <a:fillRect/>
+          </a:stretch>
+        </p:blipFill>
+        <p:spPr>
+          <a:xfrm>
+            <a:off x="8192673" y="3688932"/>
+            <a:ext cx="3797536" cy="1708890"/>
+          </a:xfrm>
+          <a:prstGeom prst="rect">
+            <a:avLst/>
+          </a:prstGeom>
+        </p:spPr>
+      </p:pic>
+    </p:spTree>
+    <p:extLst>
+      <p:ext uri="{BB962C8B-B14F-4D97-AF65-F5344CB8AC3E}">
+        <p14:creationId xmlns:p14="http://schemas.microsoft.com/office/powerpoint/2010/main" val="734080766"/>
+      </p:ext>
+    </p:extLst>
+  </p:cSld>
+  <p:clrMapOvr>
+    <a:masterClrMapping/>
+  </p:clrMapOvr>
+</p:sld>
+</file>
+
+<file path=ppt/slides/slide18.xml><?xml version="1.0" encoding="utf-8"?>
+<p:sld xmlns:a="http://schemas.openxmlformats.org/drawingml/2006/main" xmlns:r="http://schemas.openxmlformats.org/officeDocument/2006/relationships" xmlns:p="http://schemas.openxmlformats.org/presentationml/2006/main">
+  <p:cSld>
+    <p:spTree>
+      <p:nvGrpSpPr>
+        <p:cNvPr id="1" name=""/>
+        <p:cNvGrpSpPr/>
+        <p:nvPr/>
+      </p:nvGrpSpPr>
+      <p:grpSpPr>
+        <a:xfrm>
+          <a:off x="0" y="0"/>
+          <a:ext cx="0" cy="0"/>
+          <a:chOff x="0" y="0"/>
+          <a:chExt cx="0" cy="0"/>
+        </a:xfrm>
+      </p:grpSpPr>
+      <p:sp>
+        <p:nvSpPr>
+          <p:cNvPr id="2" name="Title 1">
+            <a:extLst>
+              <a:ext uri="{FF2B5EF4-FFF2-40B4-BE49-F238E27FC236}">
+                <a16:creationId xmlns:a16="http://schemas.microsoft.com/office/drawing/2014/main" id="{4F21B90A-5670-4B43-9B8B-03E8EDA8896A}"/>
+              </a:ext>
+            </a:extLst>
+          </p:cNvPr>
+          <p:cNvSpPr>
+            <a:spLocks noGrp="1"/>
+          </p:cNvSpPr>
+          <p:nvPr>
+            <p:ph type="title"/>
+          </p:nvPr>
+        </p:nvSpPr>
+        <p:spPr/>
+        <p:txBody>
+          <a:bodyPr/>
+          <a:lstStyle/>
+          <a:p>
+            <a:r>
+              <a:rPr lang="en-US" dirty="0"/>
+              <a:t>Encoder-Decoder ResBlock</a:t>
+            </a:r>
+          </a:p>
+        </p:txBody>
+      </p:sp>
+      <p:sp>
+        <p:nvSpPr>
+          <p:cNvPr id="3" name="Content Placeholder 2">
+            <a:extLst>
+              <a:ext uri="{FF2B5EF4-FFF2-40B4-BE49-F238E27FC236}">
+                <a16:creationId xmlns:a16="http://schemas.microsoft.com/office/drawing/2014/main" id="{83E77293-89D3-4722-A83D-CFB91CF3C22D}"/>
+              </a:ext>
+            </a:extLst>
+          </p:cNvPr>
+          <p:cNvSpPr>
+            <a:spLocks noGrp="1"/>
+          </p:cNvSpPr>
+          <p:nvPr>
+            <p:ph idx="1"/>
+          </p:nvPr>
+        </p:nvSpPr>
+        <p:spPr/>
+        <p:txBody>
+          <a:bodyPr/>
+          <a:lstStyle/>
+          <a:p>
+            <a:r>
+              <a:rPr lang="en-US" dirty="0"/>
+              <a:t>This work Encoder-Decoder uses ResBlocks without batch normalization. The explanation relays solely on experimentation.</a:t>
+            </a:r>
+          </a:p>
+          <a:p>
+            <a:endParaRPr lang="en-US" dirty="0"/>
+          </a:p>
+        </p:txBody>
+      </p:sp>
+    </p:spTree>
+    <p:extLst>
+      <p:ext uri="{BB962C8B-B14F-4D97-AF65-F5344CB8AC3E}">
+        <p14:creationId xmlns:p14="http://schemas.microsoft.com/office/powerpoint/2010/main" val="3857769699"/>
+      </p:ext>
+    </p:extLst>
+  </p:cSld>
+  <p:clrMapOvr>
+    <a:masterClrMapping/>
+  </p:clrMapOvr>
+</p:sld>
+</file>
+
+<file path=ppt/slides/slide19.xml><?xml version="1.0" encoding="utf-8"?>
+<p:sld xmlns:a="http://schemas.openxmlformats.org/drawingml/2006/main" xmlns:r="http://schemas.openxmlformats.org/officeDocument/2006/relationships" xmlns:p="http://schemas.openxmlformats.org/presentationml/2006/main">
+  <p:cSld>
+    <p:spTree>
+      <p:nvGrpSpPr>
+        <p:cNvPr id="1" name=""/>
+        <p:cNvGrpSpPr/>
+        <p:nvPr/>
+      </p:nvGrpSpPr>
+      <p:grpSpPr>
+        <a:xfrm>
+          <a:off x="0" y="0"/>
+          <a:ext cx="0" cy="0"/>
+          <a:chOff x="0" y="0"/>
+          <a:chExt cx="0" cy="0"/>
+        </a:xfrm>
+      </p:grpSpPr>
+      <p:sp>
+        <p:nvSpPr>
+          <p:cNvPr id="2" name="Title 1">
+            <a:extLst>
+              <a:ext uri="{FF2B5EF4-FFF2-40B4-BE49-F238E27FC236}">
+                <a16:creationId xmlns:a16="http://schemas.microsoft.com/office/drawing/2014/main" id="{E8671EC5-9286-4EFE-AA0D-361C647F95DD}"/>
+              </a:ext>
+            </a:extLst>
+          </p:cNvPr>
+          <p:cNvSpPr>
+            <a:spLocks noGrp="1"/>
+          </p:cNvSpPr>
+          <p:nvPr>
+            <p:ph type="title"/>
+          </p:nvPr>
+        </p:nvSpPr>
+        <p:spPr/>
+        <p:txBody>
+          <a:bodyPr/>
+          <a:lstStyle/>
+          <a:p>
+            <a:r>
+              <a:rPr lang="en-US" dirty="0"/>
+              <a:t>Data used</a:t>
+            </a:r>
+          </a:p>
+        </p:txBody>
+      </p:sp>
+      <p:sp>
+        <p:nvSpPr>
+          <p:cNvPr id="3" name="Content Placeholder 2">
+            <a:extLst>
+              <a:ext uri="{FF2B5EF4-FFF2-40B4-BE49-F238E27FC236}">
+                <a16:creationId xmlns:a16="http://schemas.microsoft.com/office/drawing/2014/main" id="{88845DA5-C95C-4E53-ACB9-D8F007097E74}"/>
+              </a:ext>
+            </a:extLst>
+          </p:cNvPr>
+          <p:cNvSpPr>
+            <a:spLocks noGrp="1"/>
+          </p:cNvSpPr>
+          <p:nvPr>
+            <p:ph idx="1"/>
+          </p:nvPr>
+        </p:nvSpPr>
+        <p:spPr/>
+        <p:txBody>
+          <a:bodyPr>
+            <a:normAutofit lnSpcReduction="10000"/>
+          </a:bodyPr>
+          <a:lstStyle/>
+          <a:p>
+            <a:r>
+              <a:rPr lang="en-US" dirty="0"/>
+              <a:t>Early learning-based methods used blurred images from convolution of images with blur kernel.</a:t>
+            </a:r>
+          </a:p>
+          <a:p>
+            <a:r>
+              <a:rPr lang="en-US" dirty="0"/>
+              <a:t>The problem is that the real-world data is different, more complex.</a:t>
+            </a:r>
+          </a:p>
+          <a:p>
+            <a:r>
+              <a:rPr lang="en-US" dirty="0"/>
+              <a:t>The dataset used in this work is made from </a:t>
+            </a:r>
+            <a:r>
+              <a:rPr lang="en-US" dirty="0" err="1"/>
+              <a:t>avrageing</a:t>
+            </a:r>
+            <a:r>
+              <a:rPr lang="en-US" dirty="0"/>
+              <a:t> consecutive short-exposure frames from videos of high-speed camera.</a:t>
+            </a:r>
+          </a:p>
+          <a:p>
+            <a:r>
+              <a:rPr lang="en-US" dirty="0"/>
+              <a:t>The camera used is GoPro Hero 4, averaging frames is similar to long-exposure. This can simulate complex camera movement and object motion. Which is more common in real world data.</a:t>
+            </a:r>
+          </a:p>
+          <a:p>
+            <a:r>
+              <a:rPr lang="en-US" dirty="0"/>
+              <a:t>The resulting dataset contains 3214 blurry/clear image pairs. 2103 are used for training and the remaining 1111 are used for evaluation.</a:t>
+            </a:r>
+          </a:p>
+        </p:txBody>
+      </p:sp>
+    </p:spTree>
+    <p:extLst>
+      <p:ext uri="{BB962C8B-B14F-4D97-AF65-F5344CB8AC3E}">
+        <p14:creationId xmlns:p14="http://schemas.microsoft.com/office/powerpoint/2010/main" val="3418049258"/>
+      </p:ext>
+    </p:extLst>
+  </p:cSld>
+  <p:clrMapOvr>
+    <a:masterClrMapping/>
+  </p:clrMapOvr>
+</p:sld>
+</file>
+
 <file path=ppt/slides/slide2.xml><?xml version="1.0" encoding="utf-8"?>
 <p:sld xmlns:a="http://schemas.openxmlformats.org/drawingml/2006/main" xmlns:r="http://schemas.openxmlformats.org/officeDocument/2006/relationships" xmlns:p="http://schemas.openxmlformats.org/presentationml/2006/main">
   <p:cSld>
@@ -4364,18 +7615,24 @@
           <a:lstStyle/>
           <a:p>
             <a:r>
-              <a:rPr lang="en-US" sz="2000"/>
+              <a:rPr lang="en-US" sz="2000" dirty="0"/>
               <a:t>This Presentation will fucus more on the article method and less about deblurring in general.</a:t>
             </a:r>
           </a:p>
           <a:p>
             <a:r>
-              <a:rPr lang="en-US" sz="2000"/>
+              <a:rPr lang="en-US" sz="2000" dirty="0"/>
+              <a:t>The basics principles of NN from the course won't be covered.</a:t>
+            </a:r>
+          </a:p>
+          <a:p>
+            <a:r>
+              <a:rPr lang="en-US" sz="2000" dirty="0"/>
               <a:t>Brief summary of the article</a:t>
             </a:r>
           </a:p>
           <a:p>
-            <a:endParaRPr lang="en-US" sz="2000"/>
+            <a:endParaRPr lang="en-US" sz="2000" dirty="0"/>
           </a:p>
         </p:txBody>
       </p:sp>
@@ -4452,6 +7709,463 @@
     <p:extLst>
       <p:ext uri="{BB962C8B-B14F-4D97-AF65-F5344CB8AC3E}">
         <p14:creationId xmlns:p14="http://schemas.microsoft.com/office/powerpoint/2010/main" val="1882881166"/>
+      </p:ext>
+    </p:extLst>
+  </p:cSld>
+  <p:clrMapOvr>
+    <a:masterClrMapping/>
+  </p:clrMapOvr>
+</p:sld>
+</file>
+
+<file path=ppt/slides/slide20.xml><?xml version="1.0" encoding="utf-8"?>
+<p:sld xmlns:a="http://schemas.openxmlformats.org/drawingml/2006/main" xmlns:r="http://schemas.openxmlformats.org/officeDocument/2006/relationships" xmlns:p="http://schemas.openxmlformats.org/presentationml/2006/main">
+  <p:cSld>
+    <p:spTree>
+      <p:nvGrpSpPr>
+        <p:cNvPr id="1" name=""/>
+        <p:cNvGrpSpPr/>
+        <p:nvPr/>
+      </p:nvGrpSpPr>
+      <p:grpSpPr>
+        <a:xfrm>
+          <a:off x="0" y="0"/>
+          <a:ext cx="0" cy="0"/>
+          <a:chOff x="0" y="0"/>
+          <a:chExt cx="0" cy="0"/>
+        </a:xfrm>
+      </p:grpSpPr>
+      <p:sp>
+        <p:nvSpPr>
+          <p:cNvPr id="2" name="Title 1">
+            <a:extLst>
+              <a:ext uri="{FF2B5EF4-FFF2-40B4-BE49-F238E27FC236}">
+                <a16:creationId xmlns:a16="http://schemas.microsoft.com/office/drawing/2014/main" id="{17EC52FA-9538-4201-85D5-7C10086A08D7}"/>
+              </a:ext>
+            </a:extLst>
+          </p:cNvPr>
+          <p:cNvSpPr>
+            <a:spLocks noGrp="1"/>
+          </p:cNvSpPr>
+          <p:nvPr>
+            <p:ph type="title"/>
+          </p:nvPr>
+        </p:nvSpPr>
+        <p:spPr/>
+        <p:txBody>
+          <a:bodyPr/>
+          <a:lstStyle/>
+          <a:p>
+            <a:r>
+              <a:rPr lang="en-US" dirty="0"/>
+              <a:t>Model training</a:t>
+            </a:r>
+          </a:p>
+        </p:txBody>
+      </p:sp>
+      <p:sp>
+        <p:nvSpPr>
+          <p:cNvPr id="3" name="Content Placeholder 2">
+            <a:extLst>
+              <a:ext uri="{FF2B5EF4-FFF2-40B4-BE49-F238E27FC236}">
+                <a16:creationId xmlns:a16="http://schemas.microsoft.com/office/drawing/2014/main" id="{F1C12BC7-BA75-4F41-B4FF-D3695ABF70BA}"/>
+              </a:ext>
+            </a:extLst>
+          </p:cNvPr>
+          <p:cNvSpPr>
+            <a:spLocks noGrp="1"/>
+          </p:cNvSpPr>
+          <p:nvPr>
+            <p:ph idx="1"/>
+          </p:nvPr>
+        </p:nvSpPr>
+        <p:spPr/>
+        <p:txBody>
+          <a:bodyPr/>
+          <a:lstStyle/>
+          <a:p>
+            <a:r>
+              <a:rPr lang="en-US" dirty="0"/>
+              <a:t>As said before, the solver is Adam with beta1=0.9, beta2=0.999, epsilon=10</a:t>
+            </a:r>
+            <a:r>
+              <a:rPr lang="en-US" baseline="30000" dirty="0"/>
+              <a:t>-8</a:t>
+            </a:r>
+            <a:r>
+              <a:rPr lang="en-US" dirty="0"/>
+              <a:t>.</a:t>
+            </a:r>
+          </a:p>
+          <a:p>
+            <a:r>
+              <a:rPr lang="en-US" dirty="0"/>
+              <a:t>Learning rate is exponentially decaying from 0.0001 to 1e</a:t>
+            </a:r>
+            <a:r>
+              <a:rPr lang="en-US" baseline="30000" dirty="0"/>
+              <a:t>-6</a:t>
+            </a:r>
+            <a:r>
+              <a:rPr lang="en-US" dirty="0"/>
+              <a:t> at 2000 epochs using 0.3 power.</a:t>
+            </a:r>
+          </a:p>
+          <a:p>
+            <a:r>
+              <a:rPr lang="en-US" dirty="0"/>
+              <a:t>The batch size in each iteration is 16 blurry images that are randomly cropped to 256x256 pixels as training input, the same goes for the ground truth.</a:t>
+            </a:r>
+          </a:p>
+          <a:p>
+            <a:r>
+              <a:rPr lang="en-US" dirty="0"/>
+              <a:t>All trainable parameters are initialized with Xavier method.</a:t>
+            </a:r>
+          </a:p>
+        </p:txBody>
+      </p:sp>
+    </p:spTree>
+    <p:extLst>
+      <p:ext uri="{BB962C8B-B14F-4D97-AF65-F5344CB8AC3E}">
+        <p14:creationId xmlns:p14="http://schemas.microsoft.com/office/powerpoint/2010/main" val="3987906564"/>
+      </p:ext>
+    </p:extLst>
+  </p:cSld>
+  <p:clrMapOvr>
+    <a:masterClrMapping/>
+  </p:clrMapOvr>
+</p:sld>
+</file>
+
+<file path=ppt/slides/slide21.xml><?xml version="1.0" encoding="utf-8"?>
+<p:sld xmlns:a="http://schemas.openxmlformats.org/drawingml/2006/main" xmlns:r="http://schemas.openxmlformats.org/officeDocument/2006/relationships" xmlns:p="http://schemas.openxmlformats.org/presentationml/2006/main">
+  <p:cSld>
+    <p:spTree>
+      <p:nvGrpSpPr>
+        <p:cNvPr id="1" name=""/>
+        <p:cNvGrpSpPr/>
+        <p:nvPr/>
+      </p:nvGrpSpPr>
+      <p:grpSpPr>
+        <a:xfrm>
+          <a:off x="0" y="0"/>
+          <a:ext cx="0" cy="0"/>
+          <a:chOff x="0" y="0"/>
+          <a:chExt cx="0" cy="0"/>
+        </a:xfrm>
+      </p:grpSpPr>
+      <p:sp>
+        <p:nvSpPr>
+          <p:cNvPr id="2" name="Title 1">
+            <a:extLst>
+              <a:ext uri="{FF2B5EF4-FFF2-40B4-BE49-F238E27FC236}">
+                <a16:creationId xmlns:a16="http://schemas.microsoft.com/office/drawing/2014/main" id="{81F3CBFE-04ED-4273-BAF9-91FEC66C48E1}"/>
+              </a:ext>
+            </a:extLst>
+          </p:cNvPr>
+          <p:cNvSpPr>
+            <a:spLocks noGrp="1"/>
+          </p:cNvSpPr>
+          <p:nvPr>
+            <p:ph type="title"/>
+          </p:nvPr>
+        </p:nvSpPr>
+        <p:spPr/>
+        <p:txBody>
+          <a:bodyPr/>
+          <a:lstStyle/>
+          <a:p>
+            <a:r>
+              <a:rPr lang="en-US" dirty="0"/>
+              <a:t>Putting it all together</a:t>
+            </a:r>
+          </a:p>
+        </p:txBody>
+      </p:sp>
+      <p:sp>
+        <p:nvSpPr>
+          <p:cNvPr id="3" name="Content Placeholder 2">
+            <a:extLst>
+              <a:ext uri="{FF2B5EF4-FFF2-40B4-BE49-F238E27FC236}">
+                <a16:creationId xmlns:a16="http://schemas.microsoft.com/office/drawing/2014/main" id="{F9E4BD4D-46BB-42CF-9506-7556BBF97374}"/>
+              </a:ext>
+            </a:extLst>
+          </p:cNvPr>
+          <p:cNvSpPr>
+            <a:spLocks noGrp="1"/>
+          </p:cNvSpPr>
+          <p:nvPr>
+            <p:ph idx="1"/>
+          </p:nvPr>
+        </p:nvSpPr>
+        <p:spPr/>
+        <p:txBody>
+          <a:bodyPr/>
+          <a:lstStyle/>
+          <a:p>
+            <a:endParaRPr lang="en-US" dirty="0"/>
+          </a:p>
+        </p:txBody>
+      </p:sp>
+    </p:spTree>
+    <p:extLst>
+      <p:ext uri="{BB962C8B-B14F-4D97-AF65-F5344CB8AC3E}">
+        <p14:creationId xmlns:p14="http://schemas.microsoft.com/office/powerpoint/2010/main" val="3102026071"/>
+      </p:ext>
+    </p:extLst>
+  </p:cSld>
+  <p:clrMapOvr>
+    <a:masterClrMapping/>
+  </p:clrMapOvr>
+</p:sld>
+</file>
+
+<file path=ppt/slides/slide22.xml><?xml version="1.0" encoding="utf-8"?>
+<p:sld xmlns:a="http://schemas.openxmlformats.org/drawingml/2006/main" xmlns:r="http://schemas.openxmlformats.org/officeDocument/2006/relationships" xmlns:p="http://schemas.openxmlformats.org/presentationml/2006/main">
+  <p:cSld>
+    <p:spTree>
+      <p:nvGrpSpPr>
+        <p:cNvPr id="1" name=""/>
+        <p:cNvGrpSpPr/>
+        <p:nvPr/>
+      </p:nvGrpSpPr>
+      <p:grpSpPr>
+        <a:xfrm>
+          <a:off x="0" y="0"/>
+          <a:ext cx="0" cy="0"/>
+          <a:chOff x="0" y="0"/>
+          <a:chExt cx="0" cy="0"/>
+        </a:xfrm>
+      </p:grpSpPr>
+      <p:sp>
+        <p:nvSpPr>
+          <p:cNvPr id="2" name="Title 1">
+            <a:extLst>
+              <a:ext uri="{FF2B5EF4-FFF2-40B4-BE49-F238E27FC236}">
+                <a16:creationId xmlns:a16="http://schemas.microsoft.com/office/drawing/2014/main" id="{739F7428-6C84-4949-B48D-6CFC1C401773}"/>
+              </a:ext>
+            </a:extLst>
+          </p:cNvPr>
+          <p:cNvSpPr>
+            <a:spLocks noGrp="1"/>
+          </p:cNvSpPr>
+          <p:nvPr>
+            <p:ph type="title"/>
+          </p:nvPr>
+        </p:nvSpPr>
+        <p:spPr/>
+        <p:txBody>
+          <a:bodyPr/>
+          <a:lstStyle/>
+          <a:p>
+            <a:r>
+              <a:rPr lang="en-US" dirty="0"/>
+              <a:t>Experiment </a:t>
+            </a:r>
+            <a:r>
+              <a:rPr lang="en-US" dirty="0" err="1"/>
+              <a:t>proccess</a:t>
+            </a:r>
+            <a:endParaRPr lang="en-US" dirty="0"/>
+          </a:p>
+        </p:txBody>
+      </p:sp>
+      <p:sp>
+        <p:nvSpPr>
+          <p:cNvPr id="3" name="Content Placeholder 2">
+            <a:extLst>
+              <a:ext uri="{FF2B5EF4-FFF2-40B4-BE49-F238E27FC236}">
+                <a16:creationId xmlns:a16="http://schemas.microsoft.com/office/drawing/2014/main" id="{3F3E9D91-ACA8-4E7C-89D9-D2098CF40280}"/>
+              </a:ext>
+            </a:extLst>
+          </p:cNvPr>
+          <p:cNvSpPr>
+            <a:spLocks noGrp="1"/>
+          </p:cNvSpPr>
+          <p:nvPr>
+            <p:ph idx="1"/>
+          </p:nvPr>
+        </p:nvSpPr>
+        <p:spPr/>
+        <p:txBody>
+          <a:bodyPr/>
+          <a:lstStyle/>
+          <a:p>
+            <a:endParaRPr lang="en-US"/>
+          </a:p>
+        </p:txBody>
+      </p:sp>
+    </p:spTree>
+    <p:extLst>
+      <p:ext uri="{BB962C8B-B14F-4D97-AF65-F5344CB8AC3E}">
+        <p14:creationId xmlns:p14="http://schemas.microsoft.com/office/powerpoint/2010/main" val="465918031"/>
+      </p:ext>
+    </p:extLst>
+  </p:cSld>
+  <p:clrMapOvr>
+    <a:masterClrMapping/>
+  </p:clrMapOvr>
+</p:sld>
+</file>
+
+<file path=ppt/slides/slide23.xml><?xml version="1.0" encoding="utf-8"?>
+<p:sld xmlns:a="http://schemas.openxmlformats.org/drawingml/2006/main" xmlns:r="http://schemas.openxmlformats.org/officeDocument/2006/relationships" xmlns:p="http://schemas.openxmlformats.org/presentationml/2006/main">
+  <p:cSld>
+    <p:spTree>
+      <p:nvGrpSpPr>
+        <p:cNvPr id="1" name=""/>
+        <p:cNvGrpSpPr/>
+        <p:nvPr/>
+      </p:nvGrpSpPr>
+      <p:grpSpPr>
+        <a:xfrm>
+          <a:off x="0" y="0"/>
+          <a:ext cx="0" cy="0"/>
+          <a:chOff x="0" y="0"/>
+          <a:chExt cx="0" cy="0"/>
+        </a:xfrm>
+      </p:grpSpPr>
+      <p:sp>
+        <p:nvSpPr>
+          <p:cNvPr id="2" name="Title 1">
+            <a:extLst>
+              <a:ext uri="{FF2B5EF4-FFF2-40B4-BE49-F238E27FC236}">
+                <a16:creationId xmlns:a16="http://schemas.microsoft.com/office/drawing/2014/main" id="{7EFED7A5-DC38-4D0F-99E6-93E048C27479}"/>
+              </a:ext>
+            </a:extLst>
+          </p:cNvPr>
+          <p:cNvSpPr>
+            <a:spLocks noGrp="1"/>
+          </p:cNvSpPr>
+          <p:nvPr>
+            <p:ph type="title"/>
+          </p:nvPr>
+        </p:nvSpPr>
+        <p:spPr/>
+        <p:txBody>
+          <a:bodyPr/>
+          <a:lstStyle/>
+          <a:p>
+            <a:r>
+              <a:rPr lang="en-US" dirty="0"/>
+              <a:t>Results  </a:t>
+            </a:r>
+          </a:p>
+        </p:txBody>
+      </p:sp>
+      <p:sp>
+        <p:nvSpPr>
+          <p:cNvPr id="3" name="Content Placeholder 2">
+            <a:extLst>
+              <a:ext uri="{FF2B5EF4-FFF2-40B4-BE49-F238E27FC236}">
+                <a16:creationId xmlns:a16="http://schemas.microsoft.com/office/drawing/2014/main" id="{301A27F7-F351-4CC0-9DD6-4EBABBB242CD}"/>
+              </a:ext>
+            </a:extLst>
+          </p:cNvPr>
+          <p:cNvSpPr>
+            <a:spLocks noGrp="1"/>
+          </p:cNvSpPr>
+          <p:nvPr>
+            <p:ph idx="1"/>
+          </p:nvPr>
+        </p:nvSpPr>
+        <p:spPr/>
+        <p:txBody>
+          <a:bodyPr/>
+          <a:lstStyle/>
+          <a:p>
+            <a:endParaRPr lang="en-US"/>
+          </a:p>
+        </p:txBody>
+      </p:sp>
+    </p:spTree>
+    <p:extLst>
+      <p:ext uri="{BB962C8B-B14F-4D97-AF65-F5344CB8AC3E}">
+        <p14:creationId xmlns:p14="http://schemas.microsoft.com/office/powerpoint/2010/main" val="2595502855"/>
+      </p:ext>
+    </p:extLst>
+  </p:cSld>
+  <p:clrMapOvr>
+    <a:masterClrMapping/>
+  </p:clrMapOvr>
+</p:sld>
+</file>
+
+<file path=ppt/slides/slide24.xml><?xml version="1.0" encoding="utf-8"?>
+<p:sld xmlns:a="http://schemas.openxmlformats.org/drawingml/2006/main" xmlns:r="http://schemas.openxmlformats.org/officeDocument/2006/relationships" xmlns:p="http://schemas.openxmlformats.org/presentationml/2006/main">
+  <p:cSld>
+    <p:spTree>
+      <p:nvGrpSpPr>
+        <p:cNvPr id="1" name=""/>
+        <p:cNvGrpSpPr/>
+        <p:nvPr/>
+      </p:nvGrpSpPr>
+      <p:grpSpPr>
+        <a:xfrm>
+          <a:off x="0" y="0"/>
+          <a:ext cx="0" cy="0"/>
+          <a:chOff x="0" y="0"/>
+          <a:chExt cx="0" cy="0"/>
+        </a:xfrm>
+      </p:grpSpPr>
+      <p:sp>
+        <p:nvSpPr>
+          <p:cNvPr id="2" name="Title 1">
+            <a:extLst>
+              <a:ext uri="{FF2B5EF4-FFF2-40B4-BE49-F238E27FC236}">
+                <a16:creationId xmlns:a16="http://schemas.microsoft.com/office/drawing/2014/main" id="{13CCD5F5-A8DF-4404-85D8-EFD42BFF4B09}"/>
+              </a:ext>
+            </a:extLst>
+          </p:cNvPr>
+          <p:cNvSpPr>
+            <a:spLocks noGrp="1"/>
+          </p:cNvSpPr>
+          <p:nvPr>
+            <p:ph type="title"/>
+          </p:nvPr>
+        </p:nvSpPr>
+        <p:spPr/>
+        <p:txBody>
+          <a:bodyPr/>
+          <a:lstStyle/>
+          <a:p>
+            <a:r>
+              <a:rPr lang="en-US" dirty="0"/>
+              <a:t>Conclusion and recent progress</a:t>
+            </a:r>
+          </a:p>
+        </p:txBody>
+      </p:sp>
+      <p:sp>
+        <p:nvSpPr>
+          <p:cNvPr id="3" name="Content Placeholder 2">
+            <a:extLst>
+              <a:ext uri="{FF2B5EF4-FFF2-40B4-BE49-F238E27FC236}">
+                <a16:creationId xmlns:a16="http://schemas.microsoft.com/office/drawing/2014/main" id="{FA12D7D2-EBDB-4AD8-BB80-BEC7503D5865}"/>
+              </a:ext>
+            </a:extLst>
+          </p:cNvPr>
+          <p:cNvSpPr>
+            <a:spLocks noGrp="1"/>
+          </p:cNvSpPr>
+          <p:nvPr>
+            <p:ph idx="1"/>
+          </p:nvPr>
+        </p:nvSpPr>
+        <p:spPr/>
+        <p:txBody>
+          <a:bodyPr/>
+          <a:lstStyle/>
+          <a:p>
+            <a:endParaRPr lang="en-US"/>
+          </a:p>
+        </p:txBody>
+      </p:sp>
+    </p:spTree>
+    <p:extLst>
+      <p:ext uri="{BB962C8B-B14F-4D97-AF65-F5344CB8AC3E}">
+        <p14:creationId xmlns:p14="http://schemas.microsoft.com/office/powerpoint/2010/main" val="1055901421"/>
       </p:ext>
     </p:extLst>
   </p:cSld>
@@ -6005,7 +9719,7 @@
           <a:p>
             <a:r>
               <a:rPr lang="en-US" dirty="0"/>
-              <a:t>Scale-recurrent</a:t>
+              <a:t>Coarse-to-Fine pipeline.</a:t>
             </a:r>
           </a:p>
           <a:p>
@@ -6094,7 +9808,7 @@
           <a:p>
             <a:r>
               <a:rPr lang="en-US" dirty="0"/>
-              <a:t>Network: input</a:t>
+              <a:t>Deconstructing the network</a:t>
             </a:r>
           </a:p>
         </p:txBody>
@@ -6117,10 +9831,77 @@
         </p:nvSpPr>
         <p:spPr/>
         <p:txBody>
-          <a:bodyPr/>
-          <a:lstStyle/>
-          <a:p>
-            <a:endParaRPr lang="en-US"/>
+          <a:bodyPr>
+            <a:normAutofit lnSpcReduction="10000"/>
+          </a:bodyPr>
+          <a:lstStyle/>
+          <a:p>
+            <a:r>
+              <a:rPr lang="en-US" dirty="0"/>
+              <a:t>NN input – output</a:t>
+            </a:r>
+          </a:p>
+          <a:p>
+            <a:r>
+              <a:rPr lang="en-US" dirty="0"/>
+              <a:t>Activation function and solver</a:t>
+            </a:r>
+          </a:p>
+          <a:p>
+            <a:r>
+              <a:rPr lang="en-US" dirty="0"/>
+              <a:t>Basics of CNN, RNN, LSTM and </a:t>
+            </a:r>
+            <a:r>
+              <a:rPr lang="en-US" dirty="0" err="1"/>
+              <a:t>ConvLSTM</a:t>
+            </a:r>
+            <a:endParaRPr lang="en-US" dirty="0"/>
+          </a:p>
+          <a:p>
+            <a:r>
+              <a:rPr lang="en-US" dirty="0"/>
+              <a:t>No pooling layers?</a:t>
+            </a:r>
+          </a:p>
+          <a:p>
+            <a:r>
+              <a:rPr lang="en-US" dirty="0" err="1"/>
+              <a:t>Upsampling</a:t>
+            </a:r>
+            <a:endParaRPr lang="en-US" dirty="0"/>
+          </a:p>
+          <a:p>
+            <a:r>
+              <a:rPr lang="en-US" dirty="0"/>
+              <a:t>Scale connection</a:t>
+            </a:r>
+          </a:p>
+          <a:p>
+            <a:r>
+              <a:rPr lang="en-US" dirty="0" err="1"/>
+              <a:t>Deconv</a:t>
+            </a:r>
+            <a:r>
+              <a:rPr lang="en-US" dirty="0"/>
+              <a:t> layer</a:t>
+            </a:r>
+          </a:p>
+          <a:p>
+            <a:r>
+              <a:rPr lang="en-US" dirty="0" err="1"/>
+              <a:t>ResBLock</a:t>
+            </a:r>
+            <a:endParaRPr lang="en-US" dirty="0"/>
+          </a:p>
+          <a:p>
+            <a:r>
+              <a:rPr lang="en-US" dirty="0"/>
+              <a:t>Data used</a:t>
+            </a:r>
+          </a:p>
+          <a:p>
+            <a:endParaRPr lang="en-US" dirty="0"/>
           </a:p>
         </p:txBody>
       </p:sp>
@@ -6128,6 +9909,715 @@
     <p:extLst>
       <p:ext uri="{BB962C8B-B14F-4D97-AF65-F5344CB8AC3E}">
         <p14:creationId xmlns:p14="http://schemas.microsoft.com/office/powerpoint/2010/main" val="2138429393"/>
+      </p:ext>
+    </p:extLst>
+  </p:cSld>
+  <p:clrMapOvr>
+    <a:masterClrMapping/>
+  </p:clrMapOvr>
+</p:sld>
+</file>
+
+<file path=ppt/slides/slide8.xml><?xml version="1.0" encoding="utf-8"?>
+<p:sld xmlns:a="http://schemas.openxmlformats.org/drawingml/2006/main" xmlns:r="http://schemas.openxmlformats.org/officeDocument/2006/relationships" xmlns:p="http://schemas.openxmlformats.org/presentationml/2006/main">
+  <p:cSld>
+    <p:spTree>
+      <p:nvGrpSpPr>
+        <p:cNvPr id="1" name=""/>
+        <p:cNvGrpSpPr/>
+        <p:nvPr/>
+      </p:nvGrpSpPr>
+      <p:grpSpPr>
+        <a:xfrm>
+          <a:off x="0" y="0"/>
+          <a:ext cx="0" cy="0"/>
+          <a:chOff x="0" y="0"/>
+          <a:chExt cx="0" cy="0"/>
+        </a:xfrm>
+      </p:grpSpPr>
+      <p:sp>
+        <p:nvSpPr>
+          <p:cNvPr id="2" name="Title 1">
+            <a:extLst>
+              <a:ext uri="{FF2B5EF4-FFF2-40B4-BE49-F238E27FC236}">
+                <a16:creationId xmlns:a16="http://schemas.microsoft.com/office/drawing/2014/main" id="{323F550E-D92B-43D1-ADC2-D0E3DD0289E9}"/>
+              </a:ext>
+            </a:extLst>
+          </p:cNvPr>
+          <p:cNvSpPr>
+            <a:spLocks noGrp="1"/>
+          </p:cNvSpPr>
+          <p:nvPr>
+            <p:ph type="title"/>
+          </p:nvPr>
+        </p:nvSpPr>
+        <p:spPr/>
+        <p:txBody>
+          <a:bodyPr/>
+          <a:lstStyle/>
+          <a:p>
+            <a:r>
+              <a:rPr lang="en-US" dirty="0"/>
+              <a:t>The NN input – output</a:t>
+            </a:r>
+          </a:p>
+        </p:txBody>
+      </p:sp>
+      <mc:AlternateContent xmlns:mc="http://schemas.openxmlformats.org/markup-compatibility/2006">
+        <mc:Choice xmlns:a14="http://schemas.microsoft.com/office/drawing/2010/main" Requires="a14">
+          <p:sp>
+            <p:nvSpPr>
+              <p:cNvPr id="3" name="Content Placeholder 2">
+                <a:extLst>
+                  <a:ext uri="{FF2B5EF4-FFF2-40B4-BE49-F238E27FC236}">
+                    <a16:creationId xmlns:a16="http://schemas.microsoft.com/office/drawing/2014/main" id="{B52126AB-AB1C-43B8-AD74-390FE08F5A08}"/>
+                  </a:ext>
+                </a:extLst>
+              </p:cNvPr>
+              <p:cNvSpPr>
+                <a:spLocks noGrp="1"/>
+              </p:cNvSpPr>
+              <p:nvPr>
+                <p:ph idx="1"/>
+              </p:nvPr>
+            </p:nvSpPr>
+            <p:spPr>
+              <a:xfrm>
+                <a:off x="838200" y="1832251"/>
+                <a:ext cx="10515600" cy="4351338"/>
+              </a:xfrm>
+            </p:spPr>
+            <p:txBody>
+              <a:bodyPr/>
+              <a:lstStyle/>
+              <a:p>
+                <a:pPr algn="just"/>
+                <a:r>
+                  <a:rPr lang="en-US" dirty="0"/>
+                  <a:t>The input fed into the network as a sequence of blurry images</a:t>
+                </a:r>
+              </a:p>
+              <a:p>
+                <a:pPr algn="just"/>
+                <a:r>
+                  <a:rPr lang="en-US" dirty="0"/>
+                  <a:t>The images are </a:t>
+                </a:r>
+                <a:r>
+                  <a:rPr lang="en-US" dirty="0" err="1"/>
+                  <a:t>downsampled</a:t>
+                </a:r>
+                <a:r>
+                  <a:rPr lang="en-US" dirty="0"/>
+                  <a:t>  from the original at different scales</a:t>
+                </a:r>
+              </a:p>
+              <a:p>
+                <a:pPr algn="just"/>
+                <a:r>
+                  <a:rPr lang="en-US" dirty="0"/>
+                  <a:t>The output is a set of corresponding inputs as sharp images</a:t>
+                </a:r>
+              </a:p>
+              <a:p>
+                <a:pPr algn="just"/>
+                <a:r>
+                  <a:rPr lang="en-US" dirty="0"/>
+                  <a:t>The sharp full resolution image is the final output</a:t>
+                </a:r>
+                <a:endParaRPr lang="he-IL" dirty="0"/>
+              </a:p>
+              <a:p>
+                <a:pPr algn="just"/>
+                <a:r>
+                  <a:rPr lang="en-US" dirty="0"/>
+                  <a:t>Blurry image are fed into the NN, the network outputs an initial </a:t>
+                </a:r>
+                <a:r>
+                  <a:rPr lang="en-US" dirty="0" err="1"/>
+                  <a:t>upsampled</a:t>
+                </a:r>
+                <a:r>
+                  <a:rPr lang="en-US" dirty="0"/>
+                  <a:t> deblurred result from previous scale as input for estimated sharp image as: </a:t>
+                </a:r>
+                <a:endParaRPr lang="en-US" b="0" dirty="0">
+                  <a:latin typeface="Cambria Math" panose="02040503050406030204" pitchFamily="18" charset="0"/>
+                </a:endParaRPr>
+              </a:p>
+              <a:p>
+                <a:pPr marL="0" indent="0" algn="just">
+                  <a:lnSpc>
+                    <a:spcPct val="150000"/>
+                  </a:lnSpc>
+                  <a:buNone/>
+                </a:pPr>
+                <a14:m>
+                  <m:oMathPara xmlns:m="http://schemas.openxmlformats.org/officeDocument/2006/math">
+                    <m:oMathParaPr>
+                      <m:jc m:val="centerGroup"/>
+                    </m:oMathParaPr>
+                    <m:oMath xmlns:m="http://schemas.openxmlformats.org/officeDocument/2006/math">
+                      <m:sSup>
+                        <m:sSupPr>
+                          <m:ctrlPr>
+                            <a:rPr lang="en-US" b="0" smtClean="0">
+                              <a:latin typeface="Cambria Math" panose="02040503050406030204" pitchFamily="18" charset="0"/>
+                            </a:rPr>
+                          </m:ctrlPr>
+                        </m:sSupPr>
+                        <m:e>
+                          <m:r>
+                            <m:rPr>
+                              <m:sty m:val="p"/>
+                            </m:rPr>
+                            <a:rPr lang="en-US" b="0" i="0" smtClean="0">
+                              <a:latin typeface="Cambria Math" panose="02040503050406030204" pitchFamily="18" charset="0"/>
+                            </a:rPr>
+                            <m:t>I</m:t>
+                          </m:r>
+                        </m:e>
+                        <m:sup>
+                          <m:r>
+                            <m:rPr>
+                              <m:sty m:val="p"/>
+                            </m:rPr>
+                            <a:rPr lang="en-US" b="0" i="0" smtClean="0">
+                              <a:latin typeface="Cambria Math" panose="02040503050406030204" pitchFamily="18" charset="0"/>
+                            </a:rPr>
+                            <m:t>i</m:t>
+                          </m:r>
+                        </m:sup>
+                      </m:sSup>
+                      <m:r>
+                        <a:rPr lang="en-US" b="0" i="0" smtClean="0">
+                          <a:latin typeface="Cambria Math" panose="02040503050406030204" pitchFamily="18" charset="0"/>
+                        </a:rPr>
+                        <m:t>, </m:t>
+                      </m:r>
+                      <m:sSup>
+                        <m:sSupPr>
+                          <m:ctrlPr>
+                            <a:rPr lang="en-US" b="0" smtClean="0">
+                              <a:latin typeface="Cambria Math" panose="02040503050406030204" pitchFamily="18" charset="0"/>
+                            </a:rPr>
+                          </m:ctrlPr>
+                        </m:sSupPr>
+                        <m:e>
+                          <m:r>
+                            <m:rPr>
+                              <m:sty m:val="p"/>
+                            </m:rPr>
+                            <a:rPr lang="en-US" b="0" i="0" smtClean="0">
+                              <a:latin typeface="Cambria Math" panose="02040503050406030204" pitchFamily="18" charset="0"/>
+                            </a:rPr>
+                            <m:t>h</m:t>
+                          </m:r>
+                        </m:e>
+                        <m:sup>
+                          <m:r>
+                            <m:rPr>
+                              <m:sty m:val="p"/>
+                            </m:rPr>
+                            <a:rPr lang="en-US" b="0" i="0" smtClean="0">
+                              <a:latin typeface="Cambria Math" panose="02040503050406030204" pitchFamily="18" charset="0"/>
+                            </a:rPr>
+                            <m:t>i</m:t>
+                          </m:r>
+                        </m:sup>
+                      </m:sSup>
+                      <m:r>
+                        <a:rPr lang="en-US" b="0" i="0" smtClean="0">
+                          <a:latin typeface="Cambria Math" panose="02040503050406030204" pitchFamily="18" charset="0"/>
+                        </a:rPr>
+                        <m:t>=</m:t>
+                      </m:r>
+                      <m:sSub>
+                        <m:sSubPr>
+                          <m:ctrlPr>
+                            <a:rPr lang="en-US" b="0" i="1" smtClean="0">
+                              <a:latin typeface="Cambria Math" panose="02040503050406030204" pitchFamily="18" charset="0"/>
+                            </a:rPr>
+                          </m:ctrlPr>
+                        </m:sSubPr>
+                        <m:e>
+                          <m:r>
+                            <m:rPr>
+                              <m:sty m:val="p"/>
+                            </m:rPr>
+                            <a:rPr lang="en-US" b="0" i="0" smtClean="0">
+                              <a:latin typeface="Cambria Math" panose="02040503050406030204" pitchFamily="18" charset="0"/>
+                            </a:rPr>
+                            <m:t>Net</m:t>
+                          </m:r>
+                        </m:e>
+                        <m:sub>
+                          <m:r>
+                            <m:rPr>
+                              <m:sty m:val="p"/>
+                            </m:rPr>
+                            <a:rPr lang="en-US" b="0" i="0" smtClean="0">
+                              <a:latin typeface="Cambria Math" panose="02040503050406030204" pitchFamily="18" charset="0"/>
+                            </a:rPr>
+                            <m:t>SR</m:t>
+                          </m:r>
+                        </m:sub>
+                      </m:sSub>
+                      <m:d>
+                        <m:dPr>
+                          <m:ctrlPr>
+                            <a:rPr lang="en-US" b="0" i="1" smtClean="0">
+                              <a:latin typeface="Cambria Math" panose="02040503050406030204" pitchFamily="18" charset="0"/>
+                            </a:rPr>
+                          </m:ctrlPr>
+                        </m:dPr>
+                        <m:e>
+                          <m:sSup>
+                            <m:sSupPr>
+                              <m:ctrlPr>
+                                <a:rPr lang="en-US" b="0" i="1" smtClean="0">
+                                  <a:latin typeface="Cambria Math" panose="02040503050406030204" pitchFamily="18" charset="0"/>
+                                </a:rPr>
+                              </m:ctrlPr>
+                            </m:sSupPr>
+                            <m:e>
+                              <m:r>
+                                <m:rPr>
+                                  <m:sty m:val="p"/>
+                                </m:rPr>
+                                <a:rPr lang="en-US" b="0" i="0" smtClean="0">
+                                  <a:latin typeface="Cambria Math" panose="02040503050406030204" pitchFamily="18" charset="0"/>
+                                </a:rPr>
+                                <m:t>B</m:t>
+                              </m:r>
+                            </m:e>
+                            <m:sup>
+                              <m:r>
+                                <m:rPr>
+                                  <m:sty m:val="p"/>
+                                </m:rPr>
+                                <a:rPr lang="en-US" b="0" i="0" smtClean="0">
+                                  <a:latin typeface="Cambria Math" panose="02040503050406030204" pitchFamily="18" charset="0"/>
+                                </a:rPr>
+                                <m:t>i</m:t>
+                              </m:r>
+                            </m:sup>
+                          </m:sSup>
+                          <m:r>
+                            <a:rPr lang="en-US" b="0" i="0" smtClean="0">
+                              <a:latin typeface="Cambria Math" panose="02040503050406030204" pitchFamily="18" charset="0"/>
+                            </a:rPr>
+                            <m:t>, </m:t>
+                          </m:r>
+                          <m:sSup>
+                            <m:sSupPr>
+                              <m:ctrlPr>
+                                <a:rPr lang="en-US" b="0" i="1" smtClean="0">
+                                  <a:latin typeface="Cambria Math" panose="02040503050406030204" pitchFamily="18" charset="0"/>
+                                </a:rPr>
+                              </m:ctrlPr>
+                            </m:sSupPr>
+                            <m:e>
+                              <m:r>
+                                <m:rPr>
+                                  <m:sty m:val="p"/>
+                                </m:rPr>
+                                <a:rPr lang="en-US" b="0" i="0" smtClean="0">
+                                  <a:latin typeface="Cambria Math" panose="02040503050406030204" pitchFamily="18" charset="0"/>
+                                </a:rPr>
+                                <m:t>I</m:t>
+                              </m:r>
+                            </m:e>
+                            <m:sup>
+                              <m:r>
+                                <m:rPr>
+                                  <m:sty m:val="p"/>
+                                </m:rPr>
+                                <a:rPr lang="en-US" b="0" i="0" smtClean="0">
+                                  <a:latin typeface="Cambria Math" panose="02040503050406030204" pitchFamily="18" charset="0"/>
+                                </a:rPr>
+                                <m:t>i</m:t>
+                              </m:r>
+                              <m:r>
+                                <a:rPr lang="en-US" b="0" i="0" smtClean="0">
+                                  <a:latin typeface="Cambria Math" panose="02040503050406030204" pitchFamily="18" charset="0"/>
+                                </a:rPr>
+                                <m:t>+</m:t>
+                              </m:r>
+                              <m:r>
+                                <a:rPr lang="en-US" b="0" i="0" smtClean="0">
+                                  <a:latin typeface="Cambria Math" panose="02040503050406030204" pitchFamily="18" charset="0"/>
+                                </a:rPr>
+                                <m:t>1</m:t>
+                              </m:r>
+                              <m:r>
+                                <a:rPr lang="en-US" b="0" i="1" smtClean="0">
+                                  <a:latin typeface="Cambria Math" panose="02040503050406030204" pitchFamily="18" charset="0"/>
+                                  <a:ea typeface="Cambria Math" panose="02040503050406030204" pitchFamily="18" charset="0"/>
+                                </a:rPr>
+                                <m:t>↑</m:t>
+                              </m:r>
+                            </m:sup>
+                          </m:sSup>
+                          <m:r>
+                            <a:rPr lang="en-US" b="0" i="1" smtClean="0">
+                              <a:latin typeface="Cambria Math" panose="02040503050406030204" pitchFamily="18" charset="0"/>
+                            </a:rPr>
+                            <m:t>, </m:t>
+                          </m:r>
+                          <m:sSup>
+                            <m:sSupPr>
+                              <m:ctrlPr>
+                                <a:rPr lang="en-US" b="0" i="1" smtClean="0">
+                                  <a:latin typeface="Cambria Math" panose="02040503050406030204" pitchFamily="18" charset="0"/>
+                                </a:rPr>
+                              </m:ctrlPr>
+                            </m:sSupPr>
+                            <m:e>
+                              <m:r>
+                                <m:rPr>
+                                  <m:sty m:val="p"/>
+                                </m:rPr>
+                                <a:rPr lang="en-US" b="0" i="0" smtClean="0">
+                                  <a:latin typeface="Cambria Math" panose="02040503050406030204" pitchFamily="18" charset="0"/>
+                                </a:rPr>
+                                <m:t>h</m:t>
+                              </m:r>
+                            </m:e>
+                            <m:sup>
+                              <m:r>
+                                <m:rPr>
+                                  <m:sty m:val="p"/>
+                                </m:rPr>
+                                <a:rPr lang="en-US" b="0" i="0" smtClean="0">
+                                  <a:latin typeface="Cambria Math" panose="02040503050406030204" pitchFamily="18" charset="0"/>
+                                </a:rPr>
+                                <m:t>i</m:t>
+                              </m:r>
+                              <m:r>
+                                <a:rPr lang="en-US" b="0" i="0" smtClean="0">
+                                  <a:latin typeface="Cambria Math" panose="02040503050406030204" pitchFamily="18" charset="0"/>
+                                </a:rPr>
+                                <m:t>+</m:t>
+                              </m:r>
+                              <m:r>
+                                <a:rPr lang="en-US" b="0" i="0" smtClean="0">
+                                  <a:latin typeface="Cambria Math" panose="02040503050406030204" pitchFamily="18" charset="0"/>
+                                </a:rPr>
+                                <m:t>1</m:t>
+                              </m:r>
+                              <m:r>
+                                <a:rPr lang="en-US" b="0" i="1" smtClean="0">
+                                  <a:latin typeface="Cambria Math" panose="02040503050406030204" pitchFamily="18" charset="0"/>
+                                  <a:ea typeface="Cambria Math" panose="02040503050406030204" pitchFamily="18" charset="0"/>
+                                </a:rPr>
+                                <m:t>↑</m:t>
+                              </m:r>
+                            </m:sup>
+                          </m:sSup>
+                          <m:r>
+                            <a:rPr lang="en-US" b="0" i="1" smtClean="0">
+                              <a:latin typeface="Cambria Math" panose="02040503050406030204" pitchFamily="18" charset="0"/>
+                            </a:rPr>
+                            <m:t>;</m:t>
+                          </m:r>
+                          <m:sSub>
+                            <m:sSubPr>
+                              <m:ctrlPr>
+                                <a:rPr lang="en-US" b="0" i="1" smtClean="0">
+                                  <a:latin typeface="Cambria Math" panose="02040503050406030204" pitchFamily="18" charset="0"/>
+                                </a:rPr>
+                              </m:ctrlPr>
+                            </m:sSubPr>
+                            <m:e>
+                              <m:r>
+                                <a:rPr lang="en-US" b="0" i="1" smtClean="0">
+                                  <a:latin typeface="Cambria Math" panose="02040503050406030204" pitchFamily="18" charset="0"/>
+                                  <a:ea typeface="Cambria Math" panose="02040503050406030204" pitchFamily="18" charset="0"/>
+                                </a:rPr>
+                                <m:t>𝜃</m:t>
+                              </m:r>
+                            </m:e>
+                            <m:sub>
+                              <m:r>
+                                <a:rPr lang="en-US" b="0" i="1" smtClean="0">
+                                  <a:latin typeface="Cambria Math" panose="02040503050406030204" pitchFamily="18" charset="0"/>
+                                </a:rPr>
+                                <m:t>𝑆𝑅</m:t>
+                              </m:r>
+                            </m:sub>
+                          </m:sSub>
+                        </m:e>
+                      </m:d>
+                    </m:oMath>
+                  </m:oMathPara>
+                </a14:m>
+                <a:endParaRPr lang="en-US" dirty="0">
+                  <a:latin typeface="Calibri" panose="020F0502020204030204" pitchFamily="34" charset="0"/>
+                  <a:cs typeface="Calibri" panose="020F0502020204030204" pitchFamily="34" charset="0"/>
+                </a:endParaRPr>
+              </a:p>
+            </p:txBody>
+          </p:sp>
+        </mc:Choice>
+        <mc:Fallback>
+          <p:sp>
+            <p:nvSpPr>
+              <p:cNvPr id="3" name="Content Placeholder 2">
+                <a:extLst>
+                  <a:ext uri="{FF2B5EF4-FFF2-40B4-BE49-F238E27FC236}">
+                    <a16:creationId xmlns:a16="http://schemas.microsoft.com/office/drawing/2014/main" id="{B52126AB-AB1C-43B8-AD74-390FE08F5A08}"/>
+                  </a:ext>
+                </a:extLst>
+              </p:cNvPr>
+              <p:cNvSpPr>
+                <a:spLocks noGrp="1" noRot="1" noChangeAspect="1" noMove="1" noResize="1" noEditPoints="1" noAdjustHandles="1" noChangeArrowheads="1" noChangeShapeType="1" noTextEdit="1"/>
+              </p:cNvSpPr>
+              <p:nvPr>
+                <p:ph idx="1"/>
+              </p:nvPr>
+            </p:nvSpPr>
+            <p:spPr>
+              <a:xfrm>
+                <a:off x="838200" y="1832251"/>
+                <a:ext cx="10515600" cy="4351338"/>
+              </a:xfrm>
+              <a:blipFill>
+                <a:blip r:embed="rId3"/>
+                <a:stretch>
+                  <a:fillRect l="-1043" t="-2384" r="-1159"/>
+                </a:stretch>
+              </a:blipFill>
+            </p:spPr>
+            <p:txBody>
+              <a:bodyPr/>
+              <a:lstStyle/>
+              <a:p>
+                <a:r>
+                  <a:rPr lang="en-US">
+                    <a:noFill/>
+                  </a:rPr>
+                  <a:t> </a:t>
+                </a:r>
+              </a:p>
+            </p:txBody>
+          </p:sp>
+        </mc:Fallback>
+      </mc:AlternateContent>
+    </p:spTree>
+    <p:extLst>
+      <p:ext uri="{BB962C8B-B14F-4D97-AF65-F5344CB8AC3E}">
+        <p14:creationId xmlns:p14="http://schemas.microsoft.com/office/powerpoint/2010/main" val="4113013231"/>
+      </p:ext>
+    </p:extLst>
+  </p:cSld>
+  <p:clrMapOvr>
+    <a:masterClrMapping/>
+  </p:clrMapOvr>
+</p:sld>
+</file>
+
+<file path=ppt/slides/slide9.xml><?xml version="1.0" encoding="utf-8"?>
+<p:sld xmlns:a="http://schemas.openxmlformats.org/drawingml/2006/main" xmlns:r="http://schemas.openxmlformats.org/officeDocument/2006/relationships" xmlns:p="http://schemas.openxmlformats.org/presentationml/2006/main">
+  <p:cSld>
+    <p:spTree>
+      <p:nvGrpSpPr>
+        <p:cNvPr id="1" name=""/>
+        <p:cNvGrpSpPr/>
+        <p:nvPr/>
+      </p:nvGrpSpPr>
+      <p:grpSpPr>
+        <a:xfrm>
+          <a:off x="0" y="0"/>
+          <a:ext cx="0" cy="0"/>
+          <a:chOff x="0" y="0"/>
+          <a:chExt cx="0" cy="0"/>
+        </a:xfrm>
+      </p:grpSpPr>
+      <p:sp>
+        <p:nvSpPr>
+          <p:cNvPr id="2" name="Title 1">
+            <a:extLst>
+              <a:ext uri="{FF2B5EF4-FFF2-40B4-BE49-F238E27FC236}">
+                <a16:creationId xmlns:a16="http://schemas.microsoft.com/office/drawing/2014/main" id="{4F4CC7A0-2DAA-4448-BCF1-E9F947A8A810}"/>
+              </a:ext>
+            </a:extLst>
+          </p:cNvPr>
+          <p:cNvSpPr>
+            <a:spLocks noGrp="1"/>
+          </p:cNvSpPr>
+          <p:nvPr>
+            <p:ph type="title"/>
+          </p:nvPr>
+        </p:nvSpPr>
+        <p:spPr/>
+        <p:txBody>
+          <a:bodyPr/>
+          <a:lstStyle/>
+          <a:p>
+            <a:r>
+              <a:rPr lang="en-US" dirty="0"/>
+              <a:t>Activation function</a:t>
+            </a:r>
+          </a:p>
+        </p:txBody>
+      </p:sp>
+      <p:sp>
+        <p:nvSpPr>
+          <p:cNvPr id="3" name="Content Placeholder 2">
+            <a:extLst>
+              <a:ext uri="{FF2B5EF4-FFF2-40B4-BE49-F238E27FC236}">
+                <a16:creationId xmlns:a16="http://schemas.microsoft.com/office/drawing/2014/main" id="{850AB0F6-E525-4211-9784-7E212E520C2D}"/>
+              </a:ext>
+            </a:extLst>
+          </p:cNvPr>
+          <p:cNvSpPr>
+            <a:spLocks noGrp="1"/>
+          </p:cNvSpPr>
+          <p:nvPr>
+            <p:ph idx="1"/>
+          </p:nvPr>
+        </p:nvSpPr>
+        <p:spPr/>
+        <p:txBody>
+          <a:bodyPr/>
+          <a:lstStyle/>
+          <a:p>
+            <a:r>
+              <a:rPr lang="en-US" dirty="0"/>
+              <a:t>The network activation function is </a:t>
+            </a:r>
+            <a:r>
+              <a:rPr lang="en-US" dirty="0" err="1"/>
+              <a:t>ReLU</a:t>
+            </a:r>
+            <a:r>
+              <a:rPr lang="en-US" dirty="0"/>
+              <a:t> </a:t>
+            </a:r>
+          </a:p>
+          <a:p>
+            <a:pPr marL="0" indent="0" algn="l">
+              <a:buNone/>
+            </a:pPr>
+            <a:r>
+              <a:rPr lang="en-US" sz="900" b="0" i="0" dirty="0">
+                <a:solidFill>
+                  <a:srgbClr val="000000"/>
+                </a:solidFill>
+                <a:effectLst/>
+                <a:latin typeface="Consolas" panose="020B0609020204030204" pitchFamily="49" charset="0"/>
+              </a:rPr>
+              <a:t> </a:t>
+            </a:r>
+            <a:endParaRPr lang="en-US" sz="900" b="0" i="0" dirty="0">
+              <a:solidFill>
+                <a:srgbClr val="5C5C5C"/>
+              </a:solidFill>
+              <a:effectLst/>
+              <a:latin typeface="Consolas" panose="020B0609020204030204" pitchFamily="49" charset="0"/>
+            </a:endParaRPr>
+          </a:p>
+          <a:p>
+            <a:endParaRPr lang="en-US" sz="1100" dirty="0"/>
+          </a:p>
+        </p:txBody>
+      </p:sp>
+      <p:pic>
+        <p:nvPicPr>
+          <p:cNvPr id="5" name="Picture 4">
+            <a:extLst>
+              <a:ext uri="{FF2B5EF4-FFF2-40B4-BE49-F238E27FC236}">
+                <a16:creationId xmlns:a16="http://schemas.microsoft.com/office/drawing/2014/main" id="{3DB3CDB6-5255-4FE1-A2AE-B072FB610CF2}"/>
+              </a:ext>
+            </a:extLst>
+          </p:cNvPr>
+          <p:cNvPicPr>
+            <a:picLocks noChangeAspect="1"/>
+          </p:cNvPicPr>
+          <p:nvPr/>
+        </p:nvPicPr>
+        <p:blipFill rotWithShape="1">
+          <a:blip r:embed="rId2"/>
+          <a:srcRect l="14962"/>
+          <a:stretch/>
+        </p:blipFill>
+        <p:spPr>
+          <a:xfrm>
+            <a:off x="6977269" y="4407927"/>
+            <a:ext cx="4575935" cy="2084948"/>
+          </a:xfrm>
+          <a:prstGeom prst="rect">
+            <a:avLst/>
+          </a:prstGeom>
+        </p:spPr>
+      </p:pic>
+      <p:sp>
+        <p:nvSpPr>
+          <p:cNvPr id="11" name="TextBox 10">
+            <a:extLst>
+              <a:ext uri="{FF2B5EF4-FFF2-40B4-BE49-F238E27FC236}">
+                <a16:creationId xmlns:a16="http://schemas.microsoft.com/office/drawing/2014/main" id="{05D48686-2F4F-4CBD-ABF1-E694EBC5B9B4}"/>
+              </a:ext>
+            </a:extLst>
+          </p:cNvPr>
+          <p:cNvSpPr txBox="1"/>
+          <p:nvPr/>
+        </p:nvSpPr>
+        <p:spPr>
+          <a:xfrm>
+            <a:off x="5638800" y="2971800"/>
+            <a:ext cx="65" cy="276999"/>
+          </a:xfrm>
+          <a:prstGeom prst="rect">
+            <a:avLst/>
+          </a:prstGeom>
+          <a:noFill/>
+        </p:spPr>
+        <p:txBody>
+          <a:bodyPr wrap="none" lIns="0" tIns="0" rIns="0" bIns="0" rtlCol="0">
+            <a:spAutoFit/>
+          </a:bodyPr>
+          <a:lstStyle/>
+          <a:p>
+            <a:endParaRPr lang="en-US" dirty="0"/>
+          </a:p>
+        </p:txBody>
+      </p:sp>
+      <p:pic>
+        <p:nvPicPr>
+          <p:cNvPr id="18" name="Picture 17">
+            <a:extLst>
+              <a:ext uri="{FF2B5EF4-FFF2-40B4-BE49-F238E27FC236}">
+                <a16:creationId xmlns:a16="http://schemas.microsoft.com/office/drawing/2014/main" id="{2107A481-612D-4EE7-8551-E20ADC1DF11D}"/>
+              </a:ext>
+            </a:extLst>
+          </p:cNvPr>
+          <p:cNvPicPr>
+            <a:picLocks noChangeAspect="1"/>
+          </p:cNvPicPr>
+          <p:nvPr/>
+        </p:nvPicPr>
+        <p:blipFill>
+          <a:blip r:embed="rId3"/>
+          <a:stretch>
+            <a:fillRect/>
+          </a:stretch>
+        </p:blipFill>
+        <p:spPr>
+          <a:xfrm>
+            <a:off x="971577" y="5176698"/>
+            <a:ext cx="5544324" cy="1000265"/>
+          </a:xfrm>
+          <a:prstGeom prst="rect">
+            <a:avLst/>
+          </a:prstGeom>
+        </p:spPr>
+      </p:pic>
+    </p:spTree>
+    <p:extLst>
+      <p:ext uri="{BB962C8B-B14F-4D97-AF65-F5344CB8AC3E}">
+        <p14:creationId xmlns:p14="http://schemas.microsoft.com/office/powerpoint/2010/main" val="1769658973"/>
       </p:ext>
     </p:extLst>
   </p:cSld>

--- a/Slideshow/Scale-recurrent network for deblurring.pptx
+++ b/Slideshow/Scale-recurrent network for deblurring.pptx
@@ -22,10 +22,10 @@
     <p:sldId id="276" r:id="rId13"/>
     <p:sldId id="277" r:id="rId14"/>
     <p:sldId id="268" r:id="rId15"/>
-    <p:sldId id="267" r:id="rId16"/>
-    <p:sldId id="279" r:id="rId17"/>
-    <p:sldId id="269" r:id="rId18"/>
-    <p:sldId id="280" r:id="rId19"/>
+    <p:sldId id="279" r:id="rId16"/>
+    <p:sldId id="269" r:id="rId17"/>
+    <p:sldId id="280" r:id="rId18"/>
+    <p:sldId id="267" r:id="rId19"/>
     <p:sldId id="270" r:id="rId20"/>
     <p:sldId id="278" r:id="rId21"/>
     <p:sldId id="271" r:id="rId22"/>
@@ -1395,6 +1395,99 @@
     <p:extLst>
       <p:ext uri="{BB962C8B-B14F-4D97-AF65-F5344CB8AC3E}">
         <p14:creationId xmlns:p14="http://schemas.microsoft.com/office/powerpoint/2010/main" val="1387693716"/>
+      </p:ext>
+    </p:extLst>
+  </p:cSld>
+  <p:clrMapOvr>
+    <a:masterClrMapping/>
+  </p:clrMapOvr>
+</p:notes>
+</file>
+
+<file path=ppt/notesSlides/notesSlide9.xml><?xml version="1.0" encoding="utf-8"?>
+<p:notes xmlns:a="http://schemas.openxmlformats.org/drawingml/2006/main" xmlns:r="http://schemas.openxmlformats.org/officeDocument/2006/relationships" xmlns:p="http://schemas.openxmlformats.org/presentationml/2006/main">
+  <p:cSld>
+    <p:spTree>
+      <p:nvGrpSpPr>
+        <p:cNvPr id="1" name=""/>
+        <p:cNvGrpSpPr/>
+        <p:nvPr/>
+      </p:nvGrpSpPr>
+      <p:grpSpPr>
+        <a:xfrm>
+          <a:off x="0" y="0"/>
+          <a:ext cx="0" cy="0"/>
+          <a:chOff x="0" y="0"/>
+          <a:chExt cx="0" cy="0"/>
+        </a:xfrm>
+      </p:grpSpPr>
+      <p:sp>
+        <p:nvSpPr>
+          <p:cNvPr id="2" name="Slide Image Placeholder 1"/>
+          <p:cNvSpPr>
+            <a:spLocks noGrp="1" noRot="1" noChangeAspect="1"/>
+          </p:cNvSpPr>
+          <p:nvPr>
+            <p:ph type="sldImg"/>
+          </p:nvPr>
+        </p:nvSpPr>
+        <p:spPr/>
+      </p:sp>
+      <p:sp>
+        <p:nvSpPr>
+          <p:cNvPr id="3" name="Notes Placeholder 2"/>
+          <p:cNvSpPr>
+            <a:spLocks noGrp="1"/>
+          </p:cNvSpPr>
+          <p:nvPr>
+            <p:ph type="body" idx="1"/>
+          </p:nvPr>
+        </p:nvSpPr>
+        <p:spPr/>
+        <p:txBody>
+          <a:bodyPr/>
+          <a:lstStyle/>
+          <a:p>
+            <a:pPr algn="r" rtl="1"/>
+            <a:r>
+              <a:rPr lang="en-US" dirty="0"/>
+              <a:t>H</a:t>
+            </a:r>
+            <a:r>
+              <a:rPr lang="he-IL" dirty="0"/>
+              <a:t> יכול להכיל מידע חשוב בנוגע לתוצאות בזמן אימון ודפוס הטשטוש, הוא מועבר לסקלה הבאה כאינפוט נוסף.</a:t>
+            </a:r>
+            <a:endParaRPr lang="en-US" dirty="0"/>
+          </a:p>
+        </p:txBody>
+      </p:sp>
+      <p:sp>
+        <p:nvSpPr>
+          <p:cNvPr id="4" name="Slide Number Placeholder 3"/>
+          <p:cNvSpPr>
+            <a:spLocks noGrp="1"/>
+          </p:cNvSpPr>
+          <p:nvPr>
+            <p:ph type="sldNum" sz="quarter" idx="5"/>
+          </p:nvPr>
+        </p:nvSpPr>
+        <p:spPr/>
+        <p:txBody>
+          <a:bodyPr/>
+          <a:lstStyle/>
+          <a:p>
+            <a:fld id="{D1424380-F98C-4904-AD4B-4459796C3B26}" type="slidenum">
+              <a:rPr lang="en-US" smtClean="0"/>
+              <a:t>18</a:t>
+            </a:fld>
+            <a:endParaRPr lang="en-US"/>
+          </a:p>
+        </p:txBody>
+      </p:sp>
+    </p:spTree>
+    <p:extLst>
+      <p:ext uri="{BB962C8B-B14F-4D97-AF65-F5344CB8AC3E}">
+        <p14:creationId xmlns:p14="http://schemas.microsoft.com/office/powerpoint/2010/main" val="1704606004"/>
       </p:ext>
     </p:extLst>
   </p:cSld>
@@ -5781,13 +5874,8 @@
           <a:p>
             <a:r>
               <a:rPr lang="en-US" dirty="0"/>
-              <a:t>Basics of CNN, RNN, LSTM and </a:t>
-            </a:r>
-            <a:r>
-              <a:rPr lang="en-US" dirty="0" err="1"/>
-              <a:t>ConvLSTM</a:t>
-            </a:r>
-            <a:endParaRPr lang="en-US" dirty="0"/>
+              <a:t>Basics of CNN, RNN, LSTM and ConvLSTM</a:t>
+            </a:r>
           </a:p>
         </p:txBody>
       </p:sp>
@@ -6425,7 +6513,7 @@
           <a:lstStyle/>
           <a:p>
             <a:r>
-              <a:rPr lang="en-US" sz="4000"/>
+              <a:rPr lang="en-US" sz="4000" dirty="0"/>
               <a:t>ConvLSTM</a:t>
             </a:r>
           </a:p>
@@ -6680,100 +6768,6 @@
           <p:cNvPr id="2" name="Title 1">
             <a:extLst>
               <a:ext uri="{FF2B5EF4-FFF2-40B4-BE49-F238E27FC236}">
-                <a16:creationId xmlns:a16="http://schemas.microsoft.com/office/drawing/2014/main" id="{39F4C5C4-B4B5-432A-AE55-4AA61D544EE7}"/>
-              </a:ext>
-            </a:extLst>
-          </p:cNvPr>
-          <p:cNvSpPr>
-            <a:spLocks noGrp="1"/>
-          </p:cNvSpPr>
-          <p:nvPr>
-            <p:ph type="title"/>
-          </p:nvPr>
-        </p:nvSpPr>
-        <p:spPr/>
-        <p:txBody>
-          <a:bodyPr/>
-          <a:lstStyle/>
-          <a:p>
-            <a:r>
-              <a:rPr lang="en-US" dirty="0"/>
-              <a:t>Scale connection</a:t>
-            </a:r>
-          </a:p>
-        </p:txBody>
-      </p:sp>
-      <p:sp>
-        <p:nvSpPr>
-          <p:cNvPr id="3" name="Content Placeholder 2">
-            <a:extLst>
-              <a:ext uri="{FF2B5EF4-FFF2-40B4-BE49-F238E27FC236}">
-                <a16:creationId xmlns:a16="http://schemas.microsoft.com/office/drawing/2014/main" id="{91042F42-BB81-4031-BDA8-96C5D475CCAC}"/>
-              </a:ext>
-            </a:extLst>
-          </p:cNvPr>
-          <p:cNvSpPr>
-            <a:spLocks noGrp="1"/>
-          </p:cNvSpPr>
-          <p:nvPr>
-            <p:ph idx="1"/>
-          </p:nvPr>
-        </p:nvSpPr>
-        <p:spPr/>
-        <p:txBody>
-          <a:bodyPr/>
-          <a:lstStyle/>
-          <a:p>
-            <a:r>
-              <a:rPr lang="en-US" dirty="0"/>
-              <a:t>The output of the last scale is now used as input (</a:t>
-            </a:r>
-            <a:r>
-              <a:rPr lang="en-US" dirty="0" err="1"/>
-              <a:t>upsampled</a:t>
-            </a:r>
-            <a:r>
-              <a:rPr lang="en-US" dirty="0"/>
-              <a:t>) with the new scale input</a:t>
-            </a:r>
-          </a:p>
-        </p:txBody>
-      </p:sp>
-    </p:spTree>
-    <p:extLst>
-      <p:ext uri="{BB962C8B-B14F-4D97-AF65-F5344CB8AC3E}">
-        <p14:creationId xmlns:p14="http://schemas.microsoft.com/office/powerpoint/2010/main" val="2315605838"/>
-      </p:ext>
-    </p:extLst>
-  </p:cSld>
-  <p:clrMapOvr>
-    <a:masterClrMapping/>
-  </p:clrMapOvr>
-</p:sld>
-</file>
-
-<file path=ppt/slides/slide16.xml><?xml version="1.0" encoding="utf-8"?>
-<p:sld xmlns:a="http://schemas.openxmlformats.org/drawingml/2006/main" xmlns:r="http://schemas.openxmlformats.org/officeDocument/2006/relationships" xmlns:p="http://schemas.openxmlformats.org/presentationml/2006/main">
-  <p:cSld>
-    <p:spTree>
-      <p:nvGrpSpPr>
-        <p:cNvPr id="1" name=""/>
-        <p:cNvGrpSpPr/>
-        <p:nvPr/>
-      </p:nvGrpSpPr>
-      <p:grpSpPr>
-        <a:xfrm>
-          <a:off x="0" y="0"/>
-          <a:ext cx="0" cy="0"/>
-          <a:chOff x="0" y="0"/>
-          <a:chExt cx="0" cy="0"/>
-        </a:xfrm>
-      </p:grpSpPr>
-      <p:sp>
-        <p:nvSpPr>
-          <p:cNvPr id="2" name="Title 1">
-            <a:extLst>
-              <a:ext uri="{FF2B5EF4-FFF2-40B4-BE49-F238E27FC236}">
                 <a16:creationId xmlns:a16="http://schemas.microsoft.com/office/drawing/2014/main" id="{C12132A5-2C99-4F92-80E4-100FCF6A9A56}"/>
               </a:ext>
             </a:extLst>
@@ -6858,7 +6852,7 @@
 </p:sld>
 </file>
 
-<file path=ppt/slides/slide17.xml><?xml version="1.0" encoding="utf-8"?>
+<file path=ppt/slides/slide16.xml><?xml version="1.0" encoding="utf-8"?>
 <p:sld xmlns:a="http://schemas.openxmlformats.org/drawingml/2006/main" xmlns:r="http://schemas.openxmlformats.org/officeDocument/2006/relationships" xmlns:p="http://schemas.openxmlformats.org/presentationml/2006/main">
   <p:cSld>
     <p:bg>
@@ -7123,6 +7117,114 @@
 </p:sld>
 </file>
 
+<file path=ppt/slides/slide17.xml><?xml version="1.0" encoding="utf-8"?>
+<p:sld xmlns:a="http://schemas.openxmlformats.org/drawingml/2006/main" xmlns:r="http://schemas.openxmlformats.org/officeDocument/2006/relationships" xmlns:p="http://schemas.openxmlformats.org/presentationml/2006/main">
+  <p:cSld>
+    <p:spTree>
+      <p:nvGrpSpPr>
+        <p:cNvPr id="1" name=""/>
+        <p:cNvGrpSpPr/>
+        <p:nvPr/>
+      </p:nvGrpSpPr>
+      <p:grpSpPr>
+        <a:xfrm>
+          <a:off x="0" y="0"/>
+          <a:ext cx="0" cy="0"/>
+          <a:chOff x="0" y="0"/>
+          <a:chExt cx="0" cy="0"/>
+        </a:xfrm>
+      </p:grpSpPr>
+      <p:sp>
+        <p:nvSpPr>
+          <p:cNvPr id="2" name="Title 1">
+            <a:extLst>
+              <a:ext uri="{FF2B5EF4-FFF2-40B4-BE49-F238E27FC236}">
+                <a16:creationId xmlns:a16="http://schemas.microsoft.com/office/drawing/2014/main" id="{4F21B90A-5670-4B43-9B8B-03E8EDA8896A}"/>
+              </a:ext>
+            </a:extLst>
+          </p:cNvPr>
+          <p:cNvSpPr>
+            <a:spLocks noGrp="1"/>
+          </p:cNvSpPr>
+          <p:nvPr>
+            <p:ph type="title"/>
+          </p:nvPr>
+        </p:nvSpPr>
+        <p:spPr/>
+        <p:txBody>
+          <a:bodyPr/>
+          <a:lstStyle/>
+          <a:p>
+            <a:r>
+              <a:rPr lang="en-US" dirty="0"/>
+              <a:t>Encoder-Decoder ResBlock</a:t>
+            </a:r>
+          </a:p>
+        </p:txBody>
+      </p:sp>
+      <p:sp>
+        <p:nvSpPr>
+          <p:cNvPr id="3" name="Content Placeholder 2">
+            <a:extLst>
+              <a:ext uri="{FF2B5EF4-FFF2-40B4-BE49-F238E27FC236}">
+                <a16:creationId xmlns:a16="http://schemas.microsoft.com/office/drawing/2014/main" id="{83E77293-89D3-4722-A83D-CFB91CF3C22D}"/>
+              </a:ext>
+            </a:extLst>
+          </p:cNvPr>
+          <p:cNvSpPr>
+            <a:spLocks noGrp="1"/>
+          </p:cNvSpPr>
+          <p:nvPr>
+            <p:ph idx="1"/>
+          </p:nvPr>
+        </p:nvSpPr>
+        <p:spPr/>
+        <p:txBody>
+          <a:bodyPr/>
+          <a:lstStyle/>
+          <a:p>
+            <a:pPr algn="just"/>
+            <a:r>
+              <a:rPr lang="en-US" dirty="0"/>
+              <a:t>This work Encoder-Decoder uses ResBlocks without batch normalization. The explanation relays solely on experimentation.</a:t>
+            </a:r>
+          </a:p>
+          <a:p>
+            <a:pPr algn="just"/>
+            <a:r>
+              <a:rPr lang="en-US" dirty="0"/>
+              <a:t>The encoder contains one convolution layer followed by serval ResBlocks. The stride for the convolution is 2, so the feature map is down sampled by half and number of kernels is doubled. </a:t>
+            </a:r>
+          </a:p>
+          <a:p>
+            <a:r>
+              <a:rPr lang="en-US" dirty="0"/>
+              <a:t>The decoder contains several ResBlocks followed  by “</a:t>
+            </a:r>
+            <a:r>
+              <a:rPr lang="en-US" dirty="0" err="1"/>
+              <a:t>deconvoltion</a:t>
+            </a:r>
+            <a:r>
+              <a:rPr lang="en-US" dirty="0"/>
+              <a:t>” layer that meant to double the spatial size of the feature maps and reduce the number of channels by half.</a:t>
+            </a:r>
+          </a:p>
+        </p:txBody>
+      </p:sp>
+    </p:spTree>
+    <p:extLst>
+      <p:ext uri="{BB962C8B-B14F-4D97-AF65-F5344CB8AC3E}">
+        <p14:creationId xmlns:p14="http://schemas.microsoft.com/office/powerpoint/2010/main" val="3857769699"/>
+      </p:ext>
+    </p:extLst>
+  </p:cSld>
+  <p:clrMapOvr>
+    <a:masterClrMapping/>
+  </p:clrMapOvr>
+</p:sld>
+</file>
+
 <file path=ppt/slides/slide18.xml><?xml version="1.0" encoding="utf-8"?>
 <p:sld xmlns:a="http://schemas.openxmlformats.org/drawingml/2006/main" xmlns:r="http://schemas.openxmlformats.org/officeDocument/2006/relationships" xmlns:p="http://schemas.openxmlformats.org/presentationml/2006/main">
   <p:cSld>
@@ -7145,7 +7247,7 @@
           <p:cNvPr id="2" name="Title 1">
             <a:extLst>
               <a:ext uri="{FF2B5EF4-FFF2-40B4-BE49-F238E27FC236}">
-                <a16:creationId xmlns:a16="http://schemas.microsoft.com/office/drawing/2014/main" id="{4F21B90A-5670-4B43-9B8B-03E8EDA8896A}"/>
+                <a16:creationId xmlns:a16="http://schemas.microsoft.com/office/drawing/2014/main" id="{39F4C5C4-B4B5-432A-AE55-4AA61D544EE7}"/>
               </a:ext>
             </a:extLst>
           </p:cNvPr>
@@ -7163,46 +7265,615 @@
           <a:p>
             <a:r>
               <a:rPr lang="en-US" dirty="0"/>
-              <a:t>Encoder-Decoder ResBlock</a:t>
-            </a:r>
-          </a:p>
-        </p:txBody>
-      </p:sp>
-      <p:sp>
-        <p:nvSpPr>
-          <p:cNvPr id="3" name="Content Placeholder 2">
-            <a:extLst>
-              <a:ext uri="{FF2B5EF4-FFF2-40B4-BE49-F238E27FC236}">
-                <a16:creationId xmlns:a16="http://schemas.microsoft.com/office/drawing/2014/main" id="{83E77293-89D3-4722-A83D-CFB91CF3C22D}"/>
-              </a:ext>
-            </a:extLst>
-          </p:cNvPr>
-          <p:cNvSpPr>
-            <a:spLocks noGrp="1"/>
-          </p:cNvSpPr>
-          <p:nvPr>
-            <p:ph idx="1"/>
-          </p:nvPr>
-        </p:nvSpPr>
-        <p:spPr/>
-        <p:txBody>
-          <a:bodyPr/>
-          <a:lstStyle/>
-          <a:p>
-            <a:r>
-              <a:rPr lang="en-US" dirty="0"/>
-              <a:t>This work Encoder-Decoder uses ResBlocks without batch normalization. The explanation relays solely on experimentation.</a:t>
-            </a:r>
-          </a:p>
-          <a:p>
-            <a:endParaRPr lang="en-US" dirty="0"/>
-          </a:p>
-        </p:txBody>
-      </p:sp>
+              <a:t>Scale connection</a:t>
+            </a:r>
+          </a:p>
+        </p:txBody>
+      </p:sp>
+      <mc:AlternateContent xmlns:mc="http://schemas.openxmlformats.org/markup-compatibility/2006">
+        <mc:Choice xmlns:a14="http://schemas.microsoft.com/office/drawing/2010/main" Requires="a14">
+          <p:sp>
+            <p:nvSpPr>
+              <p:cNvPr id="3" name="Content Placeholder 2">
+                <a:extLst>
+                  <a:ext uri="{FF2B5EF4-FFF2-40B4-BE49-F238E27FC236}">
+                    <a16:creationId xmlns:a16="http://schemas.microsoft.com/office/drawing/2014/main" id="{91042F42-BB81-4031-BDA8-96C5D475CCAC}"/>
+                  </a:ext>
+                </a:extLst>
+              </p:cNvPr>
+              <p:cNvSpPr>
+                <a:spLocks noGrp="1"/>
+              </p:cNvSpPr>
+              <p:nvPr>
+                <p:ph idx="1"/>
+              </p:nvPr>
+            </p:nvSpPr>
+            <p:spPr/>
+            <p:txBody>
+              <a:bodyPr/>
+              <a:lstStyle/>
+              <a:p>
+                <a:r>
+                  <a:rPr lang="en-US" dirty="0"/>
+                  <a:t>The output of the last scale is now used as input (</a:t>
+                </a:r>
+                <a:r>
+                  <a:rPr lang="en-US" dirty="0" err="1"/>
+                  <a:t>upsampled</a:t>
+                </a:r>
+                <a:r>
+                  <a:rPr lang="en-US" dirty="0"/>
+                  <a:t>) with the new scale input.</a:t>
+                </a:r>
+              </a:p>
+              <a:p>
+                <a:r>
+                  <a:rPr lang="en-US" dirty="0"/>
+                  <a:t>A scale connection is used  to connect between the bottle neck of each scale and the scale that follows.</a:t>
+                </a:r>
+              </a:p>
+              <a:p>
+                <a:r>
+                  <a:rPr lang="en-US" dirty="0"/>
+                  <a:t>All convolution kernels are 5x5.</a:t>
+                </a:r>
+              </a:p>
+              <a:p>
+                <a:r>
+                  <a:rPr lang="en-US" dirty="0"/>
+                  <a:t>The modified Encoder-decoder networks can be expressed as:</a:t>
+                </a:r>
+              </a:p>
+              <a:p>
+                <a:pPr marL="0" indent="0">
+                  <a:buNone/>
+                </a:pPr>
+                <a14:m>
+                  <m:oMathPara xmlns:m="http://schemas.openxmlformats.org/officeDocument/2006/math">
+                    <m:oMathParaPr>
+                      <m:jc m:val="centerGroup"/>
+                    </m:oMathParaPr>
+                    <m:oMath xmlns:m="http://schemas.openxmlformats.org/officeDocument/2006/math">
+                      <m:sSup>
+                        <m:sSupPr>
+                          <m:ctrlPr>
+                            <a:rPr lang="en-US" i="1" smtClean="0">
+                              <a:latin typeface="Cambria Math" panose="02040503050406030204" pitchFamily="18" charset="0"/>
+                            </a:rPr>
+                          </m:ctrlPr>
+                        </m:sSupPr>
+                        <m:e>
+                          <m:r>
+                            <a:rPr lang="en-US" b="0" i="1" smtClean="0">
+                              <a:latin typeface="Cambria Math" panose="02040503050406030204" pitchFamily="18" charset="0"/>
+                            </a:rPr>
+                            <m:t>𝑓</m:t>
+                          </m:r>
+                        </m:e>
+                        <m:sup>
+                          <m:r>
+                            <a:rPr lang="en-US" b="0" i="1" smtClean="0">
+                              <a:latin typeface="Cambria Math" panose="02040503050406030204" pitchFamily="18" charset="0"/>
+                            </a:rPr>
+                            <m:t>𝑖</m:t>
+                          </m:r>
+                        </m:sup>
+                      </m:sSup>
+                      <m:r>
+                        <a:rPr lang="en-US" b="0" i="1" smtClean="0">
+                          <a:latin typeface="Cambria Math" panose="02040503050406030204" pitchFamily="18" charset="0"/>
+                        </a:rPr>
+                        <m:t>=</m:t>
+                      </m:r>
+                      <m:sSub>
+                        <m:sSubPr>
+                          <m:ctrlPr>
+                            <a:rPr lang="en-US" b="0" i="1" smtClean="0">
+                              <a:latin typeface="Cambria Math" panose="02040503050406030204" pitchFamily="18" charset="0"/>
+                            </a:rPr>
+                          </m:ctrlPr>
+                        </m:sSubPr>
+                        <m:e>
+                          <m:r>
+                            <a:rPr lang="en-US" b="0" i="1" smtClean="0">
+                              <a:latin typeface="Cambria Math" panose="02040503050406030204" pitchFamily="18" charset="0"/>
+                            </a:rPr>
+                            <m:t>𝑁𝑒𝑡</m:t>
+                          </m:r>
+                        </m:e>
+                        <m:sub>
+                          <m:r>
+                            <a:rPr lang="en-US" b="0" i="1" smtClean="0">
+                              <a:latin typeface="Cambria Math" panose="02040503050406030204" pitchFamily="18" charset="0"/>
+                            </a:rPr>
+                            <m:t>𝐸</m:t>
+                          </m:r>
+                        </m:sub>
+                      </m:sSub>
+                      <m:d>
+                        <m:dPr>
+                          <m:ctrlPr>
+                            <a:rPr lang="en-US" b="0" i="1" smtClean="0">
+                              <a:latin typeface="Cambria Math" panose="02040503050406030204" pitchFamily="18" charset="0"/>
+                            </a:rPr>
+                          </m:ctrlPr>
+                        </m:dPr>
+                        <m:e>
+                          <m:sSup>
+                            <m:sSupPr>
+                              <m:ctrlPr>
+                                <a:rPr lang="en-US" b="0" i="1" smtClean="0">
+                                  <a:latin typeface="Cambria Math" panose="02040503050406030204" pitchFamily="18" charset="0"/>
+                                </a:rPr>
+                              </m:ctrlPr>
+                            </m:sSupPr>
+                            <m:e>
+                              <m:r>
+                                <a:rPr lang="en-US" b="0" i="1" smtClean="0">
+                                  <a:latin typeface="Cambria Math" panose="02040503050406030204" pitchFamily="18" charset="0"/>
+                                </a:rPr>
+                                <m:t>𝐵</m:t>
+                              </m:r>
+                            </m:e>
+                            <m:sup>
+                              <m:r>
+                                <a:rPr lang="en-US" b="0" i="1" smtClean="0">
+                                  <a:latin typeface="Cambria Math" panose="02040503050406030204" pitchFamily="18" charset="0"/>
+                                </a:rPr>
+                                <m:t>𝑖</m:t>
+                              </m:r>
+                            </m:sup>
+                          </m:sSup>
+                          <m:r>
+                            <a:rPr lang="en-US" b="0" i="1" smtClean="0">
+                              <a:latin typeface="Cambria Math" panose="02040503050406030204" pitchFamily="18" charset="0"/>
+                            </a:rPr>
+                            <m:t>, </m:t>
+                          </m:r>
+                          <m:sSup>
+                            <m:sSupPr>
+                              <m:ctrlPr>
+                                <a:rPr lang="en-US" b="0" i="1" smtClean="0">
+                                  <a:latin typeface="Cambria Math" panose="02040503050406030204" pitchFamily="18" charset="0"/>
+                                </a:rPr>
+                              </m:ctrlPr>
+                            </m:sSupPr>
+                            <m:e>
+                              <m:r>
+                                <a:rPr lang="en-US" b="0" i="1" smtClean="0">
+                                  <a:latin typeface="Cambria Math" panose="02040503050406030204" pitchFamily="18" charset="0"/>
+                                </a:rPr>
+                                <m:t>𝐼</m:t>
+                              </m:r>
+                            </m:e>
+                            <m:sup>
+                              <m:r>
+                                <a:rPr lang="en-US" b="0" i="1" smtClean="0">
+                                  <a:latin typeface="Cambria Math" panose="02040503050406030204" pitchFamily="18" charset="0"/>
+                                </a:rPr>
+                                <m:t>𝑖</m:t>
+                              </m:r>
+                              <m:r>
+                                <a:rPr lang="en-US" b="0" i="1" smtClean="0">
+                                  <a:latin typeface="Cambria Math" panose="02040503050406030204" pitchFamily="18" charset="0"/>
+                                </a:rPr>
+                                <m:t>+1↑</m:t>
+                              </m:r>
+                            </m:sup>
+                          </m:sSup>
+                          <m:r>
+                            <a:rPr lang="en-US" b="0" i="1" smtClean="0">
+                              <a:latin typeface="Cambria Math" panose="02040503050406030204" pitchFamily="18" charset="0"/>
+                            </a:rPr>
+                            <m:t>;</m:t>
+                          </m:r>
+                          <m:sSub>
+                            <m:sSubPr>
+                              <m:ctrlPr>
+                                <a:rPr lang="en-US" b="0" i="1" smtClean="0">
+                                  <a:latin typeface="Cambria Math" panose="02040503050406030204" pitchFamily="18" charset="0"/>
+                                </a:rPr>
+                              </m:ctrlPr>
+                            </m:sSubPr>
+                            <m:e>
+                              <m:r>
+                                <a:rPr lang="en-US" b="0" i="1" smtClean="0">
+                                  <a:latin typeface="Cambria Math" panose="02040503050406030204" pitchFamily="18" charset="0"/>
+                                  <a:ea typeface="Cambria Math" panose="02040503050406030204" pitchFamily="18" charset="0"/>
+                                </a:rPr>
+                                <m:t>𝜃</m:t>
+                              </m:r>
+                            </m:e>
+                            <m:sub>
+                              <m:r>
+                                <a:rPr lang="en-US" b="0" i="1" smtClean="0">
+                                  <a:latin typeface="Cambria Math" panose="02040503050406030204" pitchFamily="18" charset="0"/>
+                                </a:rPr>
+                                <m:t>𝐸</m:t>
+                              </m:r>
+                            </m:sub>
+                          </m:sSub>
+                        </m:e>
+                      </m:d>
+                    </m:oMath>
+                  </m:oMathPara>
+                </a14:m>
+                <a:endParaRPr lang="en-US" dirty="0"/>
+              </a:p>
+              <a:p>
+                <a:pPr marL="0" indent="0">
+                  <a:buNone/>
+                </a:pPr>
+                <a14:m>
+                  <m:oMathPara xmlns:m="http://schemas.openxmlformats.org/officeDocument/2006/math">
+                    <m:oMathParaPr>
+                      <m:jc m:val="centerGroup"/>
+                    </m:oMathParaPr>
+                    <m:oMath xmlns:m="http://schemas.openxmlformats.org/officeDocument/2006/math">
+                      <m:sSup>
+                        <m:sSupPr>
+                          <m:ctrlPr>
+                            <a:rPr lang="en-US" i="1" smtClean="0">
+                              <a:latin typeface="Cambria Math" panose="02040503050406030204" pitchFamily="18" charset="0"/>
+                            </a:rPr>
+                          </m:ctrlPr>
+                        </m:sSupPr>
+                        <m:e>
+                          <m:r>
+                            <a:rPr lang="en-US" b="0" i="1" smtClean="0">
+                              <a:latin typeface="Cambria Math" panose="02040503050406030204" pitchFamily="18" charset="0"/>
+                            </a:rPr>
+                            <m:t>h</m:t>
+                          </m:r>
+                        </m:e>
+                        <m:sup>
+                          <m:r>
+                            <a:rPr lang="en-US" b="0" i="1" smtClean="0">
+                              <a:latin typeface="Cambria Math" panose="02040503050406030204" pitchFamily="18" charset="0"/>
+                            </a:rPr>
+                            <m:t>𝑖</m:t>
+                          </m:r>
+                        </m:sup>
+                      </m:sSup>
+                      <m:r>
+                        <a:rPr lang="en-US" b="0" i="1" smtClean="0">
+                          <a:latin typeface="Cambria Math" panose="02040503050406030204" pitchFamily="18" charset="0"/>
+                        </a:rPr>
+                        <m:t>,</m:t>
+                      </m:r>
+                      <m:sSup>
+                        <m:sSupPr>
+                          <m:ctrlPr>
+                            <a:rPr lang="en-US" i="1" smtClean="0">
+                              <a:latin typeface="Cambria Math" panose="02040503050406030204" pitchFamily="18" charset="0"/>
+                            </a:rPr>
+                          </m:ctrlPr>
+                        </m:sSupPr>
+                        <m:e>
+                          <m:r>
+                            <a:rPr lang="en-US" b="0" i="1" smtClean="0">
+                              <a:latin typeface="Cambria Math" panose="02040503050406030204" pitchFamily="18" charset="0"/>
+                            </a:rPr>
+                            <m:t>𝑔</m:t>
+                          </m:r>
+                        </m:e>
+                        <m:sup>
+                          <m:r>
+                            <a:rPr lang="en-US" b="0" i="1" smtClean="0">
+                              <a:latin typeface="Cambria Math" panose="02040503050406030204" pitchFamily="18" charset="0"/>
+                            </a:rPr>
+                            <m:t>𝑖</m:t>
+                          </m:r>
+                        </m:sup>
+                      </m:sSup>
+                      <m:r>
+                        <a:rPr lang="en-US" b="0" i="1" smtClean="0">
+                          <a:latin typeface="Cambria Math" panose="02040503050406030204" pitchFamily="18" charset="0"/>
+                        </a:rPr>
+                        <m:t>=</m:t>
+                      </m:r>
+                      <m:r>
+                        <a:rPr lang="en-US" b="0" i="1" smtClean="0">
+                          <a:latin typeface="Cambria Math" panose="02040503050406030204" pitchFamily="18" charset="0"/>
+                        </a:rPr>
+                        <m:t>𝐶𝑜𝑛𝑣𝐿𝑆𝑇𝑀</m:t>
+                      </m:r>
+                      <m:d>
+                        <m:dPr>
+                          <m:ctrlPr>
+                            <a:rPr lang="en-US" b="0" i="1" smtClean="0">
+                              <a:latin typeface="Cambria Math" panose="02040503050406030204" pitchFamily="18" charset="0"/>
+                            </a:rPr>
+                          </m:ctrlPr>
+                        </m:dPr>
+                        <m:e>
+                          <m:sSup>
+                            <m:sSupPr>
+                              <m:ctrlPr>
+                                <a:rPr lang="en-US" b="0" i="1" smtClean="0">
+                                  <a:latin typeface="Cambria Math" panose="02040503050406030204" pitchFamily="18" charset="0"/>
+                                </a:rPr>
+                              </m:ctrlPr>
+                            </m:sSupPr>
+                            <m:e>
+                              <m:r>
+                                <a:rPr lang="en-US" b="0" i="1" smtClean="0">
+                                  <a:latin typeface="Cambria Math" panose="02040503050406030204" pitchFamily="18" charset="0"/>
+                                </a:rPr>
+                                <m:t>h</m:t>
+                              </m:r>
+                            </m:e>
+                            <m:sup>
+                              <m:r>
+                                <a:rPr lang="en-US" b="0" i="1" smtClean="0">
+                                  <a:latin typeface="Cambria Math" panose="02040503050406030204" pitchFamily="18" charset="0"/>
+                                </a:rPr>
+                                <m:t>𝑖</m:t>
+                              </m:r>
+                              <m:r>
+                                <a:rPr lang="en-US" b="0" i="1" smtClean="0">
+                                  <a:latin typeface="Cambria Math" panose="02040503050406030204" pitchFamily="18" charset="0"/>
+                                </a:rPr>
+                                <m:t>+1↑</m:t>
+                              </m:r>
+                            </m:sup>
+                          </m:sSup>
+                          <m:r>
+                            <a:rPr lang="en-US" b="0" i="1" smtClean="0">
+                              <a:latin typeface="Cambria Math" panose="02040503050406030204" pitchFamily="18" charset="0"/>
+                            </a:rPr>
+                            <m:t>,</m:t>
+                          </m:r>
+                          <m:sSup>
+                            <m:sSupPr>
+                              <m:ctrlPr>
+                                <a:rPr lang="en-US" b="0" i="1" smtClean="0">
+                                  <a:latin typeface="Cambria Math" panose="02040503050406030204" pitchFamily="18" charset="0"/>
+                                </a:rPr>
+                              </m:ctrlPr>
+                            </m:sSupPr>
+                            <m:e>
+                              <m:r>
+                                <a:rPr lang="en-US" b="0" i="1" smtClean="0">
+                                  <a:latin typeface="Cambria Math" panose="02040503050406030204" pitchFamily="18" charset="0"/>
+                                </a:rPr>
+                                <m:t>𝑓</m:t>
+                              </m:r>
+                            </m:e>
+                            <m:sup>
+                              <m:r>
+                                <a:rPr lang="en-US" b="0" i="1" smtClean="0">
+                                  <a:latin typeface="Cambria Math" panose="02040503050406030204" pitchFamily="18" charset="0"/>
+                                </a:rPr>
+                                <m:t>𝑖</m:t>
+                              </m:r>
+                            </m:sup>
+                          </m:sSup>
+                          <m:r>
+                            <a:rPr lang="en-US" b="0" i="1" smtClean="0">
+                              <a:latin typeface="Cambria Math" panose="02040503050406030204" pitchFamily="18" charset="0"/>
+                            </a:rPr>
+                            <m:t>;</m:t>
+                          </m:r>
+                          <m:sSub>
+                            <m:sSubPr>
+                              <m:ctrlPr>
+                                <a:rPr lang="en-US" b="0" i="1" smtClean="0">
+                                  <a:latin typeface="Cambria Math" panose="02040503050406030204" pitchFamily="18" charset="0"/>
+                                </a:rPr>
+                              </m:ctrlPr>
+                            </m:sSubPr>
+                            <m:e>
+                              <m:r>
+                                <a:rPr lang="en-US" b="0" i="1" smtClean="0">
+                                  <a:latin typeface="Cambria Math" panose="02040503050406030204" pitchFamily="18" charset="0"/>
+                                  <a:ea typeface="Cambria Math" panose="02040503050406030204" pitchFamily="18" charset="0"/>
+                                </a:rPr>
+                                <m:t>𝜃</m:t>
+                              </m:r>
+                            </m:e>
+                            <m:sub>
+                              <m:r>
+                                <a:rPr lang="en-US" b="0" i="1" smtClean="0">
+                                  <a:latin typeface="Cambria Math" panose="02040503050406030204" pitchFamily="18" charset="0"/>
+                                </a:rPr>
+                                <m:t>𝐸</m:t>
+                              </m:r>
+                            </m:sub>
+                          </m:sSub>
+                        </m:e>
+                      </m:d>
+                    </m:oMath>
+                  </m:oMathPara>
+                </a14:m>
+                <a:endParaRPr lang="en-US" b="0" dirty="0"/>
+              </a:p>
+              <a:p>
+                <a:pPr marL="0" indent="0">
+                  <a:buNone/>
+                </a:pPr>
+                <a14:m>
+                  <m:oMathPara xmlns:m="http://schemas.openxmlformats.org/officeDocument/2006/math">
+                    <m:oMathParaPr>
+                      <m:jc m:val="centerGroup"/>
+                    </m:oMathParaPr>
+                    <m:oMath xmlns:m="http://schemas.openxmlformats.org/officeDocument/2006/math">
+                      <m:sSup>
+                        <m:sSupPr>
+                          <m:ctrlPr>
+                            <a:rPr lang="en-US" i="1" smtClean="0">
+                              <a:latin typeface="Cambria Math" panose="02040503050406030204" pitchFamily="18" charset="0"/>
+                            </a:rPr>
+                          </m:ctrlPr>
+                        </m:sSupPr>
+                        <m:e>
+                          <m:r>
+                            <a:rPr lang="en-US" b="0" i="1" smtClean="0">
+                              <a:latin typeface="Cambria Math" panose="02040503050406030204" pitchFamily="18" charset="0"/>
+                            </a:rPr>
+                            <m:t>𝐼</m:t>
+                          </m:r>
+                        </m:e>
+                        <m:sup>
+                          <m:r>
+                            <a:rPr lang="en-US" b="0" i="1" smtClean="0">
+                              <a:latin typeface="Cambria Math" panose="02040503050406030204" pitchFamily="18" charset="0"/>
+                            </a:rPr>
+                            <m:t>𝑖</m:t>
+                          </m:r>
+                        </m:sup>
+                      </m:sSup>
+                      <m:r>
+                        <a:rPr lang="en-US" b="0" i="1" smtClean="0">
+                          <a:latin typeface="Cambria Math" panose="02040503050406030204" pitchFamily="18" charset="0"/>
+                        </a:rPr>
+                        <m:t>=</m:t>
+                      </m:r>
+                      <m:sSub>
+                        <m:sSubPr>
+                          <m:ctrlPr>
+                            <a:rPr lang="en-US" b="0" i="1" smtClean="0">
+                              <a:latin typeface="Cambria Math" panose="02040503050406030204" pitchFamily="18" charset="0"/>
+                            </a:rPr>
+                          </m:ctrlPr>
+                        </m:sSubPr>
+                        <m:e>
+                          <m:r>
+                            <a:rPr lang="en-US" b="0" i="1" smtClean="0">
+                              <a:latin typeface="Cambria Math" panose="02040503050406030204" pitchFamily="18" charset="0"/>
+                            </a:rPr>
+                            <m:t>𝑁𝑒𝑡</m:t>
+                          </m:r>
+                        </m:e>
+                        <m:sub>
+                          <m:r>
+                            <a:rPr lang="en-US" b="0" i="1" smtClean="0">
+                              <a:latin typeface="Cambria Math" panose="02040503050406030204" pitchFamily="18" charset="0"/>
+                            </a:rPr>
+                            <m:t>𝐷</m:t>
+                          </m:r>
+                        </m:sub>
+                      </m:sSub>
+                      <m:d>
+                        <m:dPr>
+                          <m:ctrlPr>
+                            <a:rPr lang="en-US" b="0" i="1" smtClean="0">
+                              <a:latin typeface="Cambria Math" panose="02040503050406030204" pitchFamily="18" charset="0"/>
+                            </a:rPr>
+                          </m:ctrlPr>
+                        </m:dPr>
+                        <m:e>
+                          <m:sSup>
+                            <m:sSupPr>
+                              <m:ctrlPr>
+                                <a:rPr lang="en-US" b="0" i="1" smtClean="0">
+                                  <a:latin typeface="Cambria Math" panose="02040503050406030204" pitchFamily="18" charset="0"/>
+                                </a:rPr>
+                              </m:ctrlPr>
+                            </m:sSupPr>
+                            <m:e>
+                              <m:r>
+                                <a:rPr lang="en-US" b="0" i="1" smtClean="0">
+                                  <a:latin typeface="Cambria Math" panose="02040503050406030204" pitchFamily="18" charset="0"/>
+                                </a:rPr>
+                                <m:t>𝑔</m:t>
+                              </m:r>
+                            </m:e>
+                            <m:sup>
+                              <m:r>
+                                <a:rPr lang="en-US" b="0" i="1" smtClean="0">
+                                  <a:latin typeface="Cambria Math" panose="02040503050406030204" pitchFamily="18" charset="0"/>
+                                </a:rPr>
+                                <m:t>𝑖</m:t>
+                              </m:r>
+                            </m:sup>
+                          </m:sSup>
+                          <m:r>
+                            <a:rPr lang="en-US" b="0" i="1" smtClean="0">
+                              <a:latin typeface="Cambria Math" panose="02040503050406030204" pitchFamily="18" charset="0"/>
+                            </a:rPr>
+                            <m:t>;</m:t>
+                          </m:r>
+                          <m:sSub>
+                            <m:sSubPr>
+                              <m:ctrlPr>
+                                <a:rPr lang="en-US" b="0" i="1" smtClean="0">
+                                  <a:latin typeface="Cambria Math" panose="02040503050406030204" pitchFamily="18" charset="0"/>
+                                </a:rPr>
+                              </m:ctrlPr>
+                            </m:sSubPr>
+                            <m:e>
+                              <m:r>
+                                <a:rPr lang="en-US" b="0" i="1" smtClean="0">
+                                  <a:latin typeface="Cambria Math" panose="02040503050406030204" pitchFamily="18" charset="0"/>
+                                  <a:ea typeface="Cambria Math" panose="02040503050406030204" pitchFamily="18" charset="0"/>
+                                </a:rPr>
+                                <m:t>𝜃</m:t>
+                              </m:r>
+                            </m:e>
+                            <m:sub>
+                              <m:r>
+                                <a:rPr lang="en-US" b="0" i="1" smtClean="0">
+                                  <a:latin typeface="Cambria Math" panose="02040503050406030204" pitchFamily="18" charset="0"/>
+                                </a:rPr>
+                                <m:t>𝐷</m:t>
+                              </m:r>
+                            </m:sub>
+                          </m:sSub>
+                        </m:e>
+                      </m:d>
+                    </m:oMath>
+                  </m:oMathPara>
+                </a14:m>
+                <a:endParaRPr lang="en-US" dirty="0"/>
+              </a:p>
+            </p:txBody>
+          </p:sp>
+        </mc:Choice>
+        <mc:Fallback>
+          <p:sp>
+            <p:nvSpPr>
+              <p:cNvPr id="3" name="Content Placeholder 2">
+                <a:extLst>
+                  <a:ext uri="{FF2B5EF4-FFF2-40B4-BE49-F238E27FC236}">
+                    <a16:creationId xmlns:a16="http://schemas.microsoft.com/office/drawing/2014/main" id="{91042F42-BB81-4031-BDA8-96C5D475CCAC}"/>
+                  </a:ext>
+                </a:extLst>
+              </p:cNvPr>
+              <p:cNvSpPr>
+                <a:spLocks noGrp="1" noRot="1" noChangeAspect="1" noMove="1" noResize="1" noEditPoints="1" noAdjustHandles="1" noChangeArrowheads="1" noChangeShapeType="1" noTextEdit="1"/>
+              </p:cNvSpPr>
+              <p:nvPr>
+                <p:ph idx="1"/>
+              </p:nvPr>
+            </p:nvSpPr>
+            <p:spPr>
+              <a:blipFill>
+                <a:blip r:embed="rId3"/>
+                <a:stretch>
+                  <a:fillRect l="-1043" t="-2241"/>
+                </a:stretch>
+              </a:blipFill>
+            </p:spPr>
+            <p:txBody>
+              <a:bodyPr/>
+              <a:lstStyle/>
+              <a:p>
+                <a:r>
+                  <a:rPr lang="en-US">
+                    <a:noFill/>
+                  </a:rPr>
+                  <a:t> </a:t>
+                </a:r>
+              </a:p>
+            </p:txBody>
+          </p:sp>
+        </mc:Fallback>
+      </mc:AlternateContent>
     </p:spTree>
     <p:extLst>
       <p:ext uri="{BB962C8B-B14F-4D97-AF65-F5344CB8AC3E}">
-        <p14:creationId xmlns:p14="http://schemas.microsoft.com/office/powerpoint/2010/main" val="3857769699"/>
+        <p14:creationId xmlns:p14="http://schemas.microsoft.com/office/powerpoint/2010/main" val="2315605838"/>
       </p:ext>
     </p:extLst>
   </p:cSld>
@@ -7841,6 +8512,14 @@
 <file path=ppt/slides/slide21.xml><?xml version="1.0" encoding="utf-8"?>
 <p:sld xmlns:a="http://schemas.openxmlformats.org/drawingml/2006/main" xmlns:r="http://schemas.openxmlformats.org/officeDocument/2006/relationships" xmlns:p="http://schemas.openxmlformats.org/presentationml/2006/main">
   <p:cSld>
+    <p:bg>
+      <p:bgPr>
+        <a:solidFill>
+          <a:schemeClr val="bg1"/>
+        </a:solidFill>
+        <a:effectLst/>
+      </p:bgPr>
+    </p:bg>
     <p:spTree>
       <p:nvGrpSpPr>
         <p:cNvPr id="1" name=""/>
@@ -7855,6 +8534,66 @@
           <a:chExt cx="0" cy="0"/>
         </a:xfrm>
       </p:grpSpPr>
+      <p:sp useBgFill="1">
+        <p:nvSpPr>
+          <p:cNvPr id="10" name="Rectangle 9">
+            <a:extLst>
+              <a:ext uri="{FF2B5EF4-FFF2-40B4-BE49-F238E27FC236}">
+                <a16:creationId xmlns:a16="http://schemas.microsoft.com/office/drawing/2014/main" id="{53F29798-D584-4792-9B62-3F5F5C36D619}"/>
+              </a:ext>
+              <a:ext uri="{C183D7F6-B498-43B3-948B-1728B52AA6E4}">
+                <adec:decorative xmlns:adec="http://schemas.microsoft.com/office/drawing/2017/decorative" val="1"/>
+              </a:ext>
+            </a:extLst>
+          </p:cNvPr>
+          <p:cNvSpPr>
+            <a:spLocks noGrp="1" noRot="1" noChangeAspect="1" noMove="1" noResize="1" noEditPoints="1" noAdjustHandles="1" noChangeArrowheads="1" noChangeShapeType="1" noTextEdit="1"/>
+          </p:cNvSpPr>
+          <p:nvPr>
+            <p:extLst>
+              <p:ext uri="{386F3935-93C4-4BCD-93E2-E3B085C9AB24}">
+                <p16:designElem xmlns:p16="http://schemas.microsoft.com/office/powerpoint/2015/main" val="1"/>
+              </p:ext>
+            </p:extLst>
+          </p:nvPr>
+        </p:nvSpPr>
+        <p:spPr>
+          <a:xfrm>
+            <a:off x="0" y="0"/>
+            <a:ext cx="12188952" cy="6858000"/>
+          </a:xfrm>
+          <a:prstGeom prst="rect">
+            <a:avLst/>
+          </a:prstGeom>
+          <a:ln>
+            <a:noFill/>
+          </a:ln>
+        </p:spPr>
+        <p:style>
+          <a:lnRef idx="2">
+            <a:schemeClr val="accent1">
+              <a:shade val="50000"/>
+            </a:schemeClr>
+          </a:lnRef>
+          <a:fillRef idx="1">
+            <a:schemeClr val="accent1"/>
+          </a:fillRef>
+          <a:effectRef idx="0">
+            <a:schemeClr val="accent1"/>
+          </a:effectRef>
+          <a:fontRef idx="minor">
+            <a:schemeClr val="lt1"/>
+          </a:fontRef>
+        </p:style>
+        <p:txBody>
+          <a:bodyPr rtlCol="0" anchor="ctr"/>
+          <a:lstStyle/>
+          <a:p>
+            <a:pPr algn="ctr"/>
+            <a:endParaRPr lang="en-US"/>
+          </a:p>
+        </p:txBody>
+      </p:sp>
       <p:sp>
         <p:nvSpPr>
           <p:cNvPr id="2" name="Title 1">
@@ -7871,43 +8610,62 @@
             <p:ph type="title"/>
           </p:nvPr>
         </p:nvSpPr>
-        <p:spPr/>
-        <p:txBody>
-          <a:bodyPr/>
-          <a:lstStyle/>
-          <a:p>
-            <a:r>
-              <a:rPr lang="en-US" dirty="0"/>
-              <a:t>Putting it all together</a:t>
-            </a:r>
-          </a:p>
-        </p:txBody>
-      </p:sp>
-      <p:sp>
-        <p:nvSpPr>
-          <p:cNvPr id="3" name="Content Placeholder 2">
+        <p:spPr>
+          <a:xfrm>
+            <a:off x="838200" y="184805"/>
+            <a:ext cx="10515600" cy="1505883"/>
+          </a:xfrm>
+        </p:spPr>
+        <p:txBody>
+          <a:bodyPr vert="horz" lIns="91440" tIns="45720" rIns="91440" bIns="45720" rtlCol="0" anchor="ctr">
+            <a:normAutofit/>
+          </a:bodyPr>
+          <a:lstStyle/>
+          <a:p>
+            <a:r>
+              <a:rPr lang="en-US" sz="5200" kern="1200" dirty="0">
+                <a:solidFill>
+                  <a:schemeClr val="tx1"/>
+                </a:solidFill>
+                <a:latin typeface="+mj-lt"/>
+                <a:ea typeface="+mj-ea"/>
+                <a:cs typeface="+mj-cs"/>
+              </a:rPr>
+              <a:t>All Together Now</a:t>
+            </a:r>
+          </a:p>
+        </p:txBody>
+      </p:sp>
+      <p:pic>
+        <p:nvPicPr>
+          <p:cNvPr id="5" name="Picture 4">
             <a:extLst>
               <a:ext uri="{FF2B5EF4-FFF2-40B4-BE49-F238E27FC236}">
-                <a16:creationId xmlns:a16="http://schemas.microsoft.com/office/drawing/2014/main" id="{F9E4BD4D-46BB-42CF-9506-7556BBF97374}"/>
+                <a16:creationId xmlns:a16="http://schemas.microsoft.com/office/drawing/2014/main" id="{379B7A83-05DE-458D-8BC4-C1B1BCF521B8}"/>
               </a:ext>
             </a:extLst>
           </p:cNvPr>
-          <p:cNvSpPr>
-            <a:spLocks noGrp="1"/>
-          </p:cNvSpPr>
-          <p:nvPr>
-            <p:ph idx="1"/>
-          </p:nvPr>
-        </p:nvSpPr>
-        <p:spPr/>
-        <p:txBody>
-          <a:bodyPr/>
-          <a:lstStyle/>
-          <a:p>
-            <a:endParaRPr lang="en-US" dirty="0"/>
-          </a:p>
-        </p:txBody>
-      </p:sp>
+          <p:cNvPicPr>
+            <a:picLocks noChangeAspect="1"/>
+          </p:cNvPicPr>
+          <p:nvPr/>
+        </p:nvPicPr>
+        <p:blipFill>
+          <a:blip r:embed="rId2"/>
+          <a:stretch>
+            <a:fillRect/>
+          </a:stretch>
+        </p:blipFill>
+        <p:spPr>
+          <a:xfrm>
+            <a:off x="1915785" y="1845426"/>
+            <a:ext cx="8357377" cy="4450303"/>
+          </a:xfrm>
+          <a:prstGeom prst="rect">
+            <a:avLst/>
+          </a:prstGeom>
+        </p:spPr>
+      </p:pic>
     </p:spTree>
     <p:extLst>
       <p:ext uri="{BB962C8B-B14F-4D97-AF65-F5344CB8AC3E}">
@@ -7961,13 +8719,8 @@
           <a:p>
             <a:r>
               <a:rPr lang="en-US" dirty="0"/>
-              <a:t>Experiment </a:t>
-            </a:r>
-            <a:r>
-              <a:rPr lang="en-US" dirty="0" err="1"/>
-              <a:t>proccess</a:t>
-            </a:r>
-            <a:endParaRPr lang="en-US" dirty="0"/>
+              <a:t>Experiments</a:t>
+            </a:r>
           </a:p>
         </p:txBody>
       </p:sp>
@@ -7989,10 +8742,63 @@
         </p:nvSpPr>
         <p:spPr/>
         <p:txBody>
-          <a:bodyPr/>
-          <a:lstStyle/>
-          <a:p>
-            <a:endParaRPr lang="en-US"/>
+          <a:bodyPr>
+            <a:normAutofit fontScale="77500" lnSpcReduction="20000"/>
+          </a:bodyPr>
+          <a:lstStyle/>
+          <a:p>
+            <a:r>
+              <a:rPr lang="en-US" dirty="0"/>
+              <a:t>The searchers compared the final NN architecture to others by means of PSNR and SSIM.</a:t>
+            </a:r>
+          </a:p>
+          <a:p>
+            <a:r>
+              <a:rPr lang="en-US" dirty="0"/>
+              <a:t>A single scale (SS) NN is tested, the recurrent connection are replaced by one convolution layer.</a:t>
+            </a:r>
+          </a:p>
+          <a:p>
+            <a:r>
+              <a:rPr lang="en-US" dirty="0"/>
+              <a:t>SC network composed of the same SS-NN at three scales but independently.</a:t>
+            </a:r>
+          </a:p>
+          <a:p>
+            <a:r>
+              <a:rPr lang="en-US" dirty="0"/>
+              <a:t>Model w/oR that do not contain recurrent modules in bottleneck layer, therefor is a shared weight version of SC.</a:t>
+            </a:r>
+          </a:p>
+          <a:p>
+            <a:r>
+              <a:rPr lang="en-US" dirty="0"/>
+              <a:t>Model RNN uses vanilla RNN rather then ConvLSTM.</a:t>
+            </a:r>
+          </a:p>
+          <a:p>
+            <a:r>
+              <a:rPr lang="en-US" dirty="0"/>
+              <a:t>Models named SR-EDRB are models that use 1,2 and 3 ResBlock.</a:t>
+            </a:r>
+          </a:p>
+          <a:p>
+            <a:r>
+              <a:rPr lang="en-US" dirty="0"/>
+              <a:t>Model SR-Flat replace encoder-decoder with a flat convolution of 43 layers. </a:t>
+            </a:r>
+          </a:p>
+          <a:p>
+            <a:r>
+              <a:rPr lang="en-US" dirty="0"/>
+              <a:t>Model SR-RB replaces all Encoder blocks and Decoder blocks with ResBlocks without any stride.</a:t>
+            </a:r>
+          </a:p>
+          <a:p>
+            <a:r>
+              <a:rPr lang="en-US" dirty="0"/>
+              <a:t>Model SR-RD uses original encoder-decoder with ResBlocks replaced by 2 convolution layers.</a:t>
+            </a:r>
           </a:p>
         </p:txBody>
       </p:sp>
@@ -9850,26 +10656,28 @@
           <a:p>
             <a:r>
               <a:rPr lang="en-US" dirty="0"/>
-              <a:t>Basics of CNN, RNN, LSTM and </a:t>
+              <a:t>Basics of CNN, RNN, LSTM and ConvLSTM</a:t>
+            </a:r>
+          </a:p>
+          <a:p>
+            <a:r>
+              <a:rPr lang="en-US" dirty="0"/>
+              <a:t>No pooling/averaging/</a:t>
             </a:r>
             <a:r>
               <a:rPr lang="en-US" dirty="0" err="1"/>
-              <a:t>ConvLSTM</a:t>
-            </a:r>
-            <a:endParaRPr lang="en-US" dirty="0"/>
-          </a:p>
-          <a:p>
+              <a:t>normaliztion</a:t>
+            </a:r>
             <a:r>
               <a:rPr lang="en-US" dirty="0"/>
-              <a:t>No pooling layers?</a:t>
-            </a:r>
-          </a:p>
-          <a:p>
-            <a:r>
-              <a:rPr lang="en-US" dirty="0" err="1"/>
-              <a:t>Upsampling</a:t>
-            </a:r>
-            <a:endParaRPr lang="en-US" dirty="0"/>
+              <a:t> layers?</a:t>
+            </a:r>
+          </a:p>
+          <a:p>
+            <a:r>
+              <a:rPr lang="en-US" dirty="0"/>
+              <a:t>Up-sampling</a:t>
+            </a:r>
           </a:p>
           <a:p>
             <a:r>
@@ -9879,12 +10687,16 @@
           </a:p>
           <a:p>
             <a:r>
+              <a:rPr lang="en-US" dirty="0"/>
+              <a:t>“</a:t>
+            </a:r>
+            <a:r>
               <a:rPr lang="en-US" dirty="0" err="1"/>
-              <a:t>Deconv</a:t>
+              <a:t>Deconvoltion</a:t>
             </a:r>
             <a:r>
               <a:rPr lang="en-US" dirty="0"/>
-              <a:t> layer</a:t>
+              <a:t>” layer</a:t>
             </a:r>
           </a:p>
           <a:p>

--- a/Slideshow/Scale-recurrent network for deblurring.pptx
+++ b/Slideshow/Scale-recurrent network for deblurring.pptx
@@ -5,7 +5,7 @@
     <p:sldMasterId id="2147483660" r:id="rId1"/>
   </p:sldMasterIdLst>
   <p:notesMasterIdLst>
-    <p:notesMasterId r:id="rId26"/>
+    <p:notesMasterId r:id="rId27"/>
   </p:notesMasterIdLst>
   <p:sldIdLst>
     <p:sldId id="256" r:id="rId2"/>
@@ -30,8 +30,9 @@
     <p:sldId id="278" r:id="rId21"/>
     <p:sldId id="271" r:id="rId22"/>
     <p:sldId id="272" r:id="rId23"/>
-    <p:sldId id="273" r:id="rId24"/>
-    <p:sldId id="274" r:id="rId25"/>
+    <p:sldId id="281" r:id="rId24"/>
+    <p:sldId id="273" r:id="rId25"/>
+    <p:sldId id="274" r:id="rId26"/>
   </p:sldIdLst>
   <p:sldSz cx="12192000" cy="6858000"/>
   <p:notesSz cx="6858000" cy="9144000"/>
@@ -8837,6 +8838,89 @@
           <p:cNvPr id="2" name="Title 1">
             <a:extLst>
               <a:ext uri="{FF2B5EF4-FFF2-40B4-BE49-F238E27FC236}">
+                <a16:creationId xmlns:a16="http://schemas.microsoft.com/office/drawing/2014/main" id="{762C1573-50E5-4531-A120-B6C566CDB565}"/>
+              </a:ext>
+            </a:extLst>
+          </p:cNvPr>
+          <p:cNvSpPr>
+            <a:spLocks noGrp="1"/>
+          </p:cNvSpPr>
+          <p:nvPr>
+            <p:ph type="title"/>
+          </p:nvPr>
+        </p:nvSpPr>
+        <p:spPr/>
+        <p:txBody>
+          <a:bodyPr/>
+          <a:lstStyle/>
+          <a:p>
+            <a:r>
+              <a:rPr lang="en-US" dirty="0"/>
+              <a:t>Comparison to models and other studies</a:t>
+            </a:r>
+          </a:p>
+        </p:txBody>
+      </p:sp>
+      <p:sp>
+        <p:nvSpPr>
+          <p:cNvPr id="3" name="Content Placeholder 2">
+            <a:extLst>
+              <a:ext uri="{FF2B5EF4-FFF2-40B4-BE49-F238E27FC236}">
+                <a16:creationId xmlns:a16="http://schemas.microsoft.com/office/drawing/2014/main" id="{45C2D090-E0B9-4644-8721-4F3E44B6464E}"/>
+              </a:ext>
+            </a:extLst>
+          </p:cNvPr>
+          <p:cNvSpPr>
+            <a:spLocks noGrp="1"/>
+          </p:cNvSpPr>
+          <p:nvPr>
+            <p:ph idx="1"/>
+          </p:nvPr>
+        </p:nvSpPr>
+        <p:spPr/>
+        <p:txBody>
+          <a:bodyPr/>
+          <a:lstStyle/>
+          <a:p>
+            <a:endParaRPr lang="en-US"/>
+          </a:p>
+        </p:txBody>
+      </p:sp>
+    </p:spTree>
+    <p:extLst>
+      <p:ext uri="{BB962C8B-B14F-4D97-AF65-F5344CB8AC3E}">
+        <p14:creationId xmlns:p14="http://schemas.microsoft.com/office/powerpoint/2010/main" val="64674993"/>
+      </p:ext>
+    </p:extLst>
+  </p:cSld>
+  <p:clrMapOvr>
+    <a:masterClrMapping/>
+  </p:clrMapOvr>
+</p:sld>
+</file>
+
+<file path=ppt/slides/slide24.xml><?xml version="1.0" encoding="utf-8"?>
+<p:sld xmlns:a="http://schemas.openxmlformats.org/drawingml/2006/main" xmlns:r="http://schemas.openxmlformats.org/officeDocument/2006/relationships" xmlns:p="http://schemas.openxmlformats.org/presentationml/2006/main">
+  <p:cSld>
+    <p:spTree>
+      <p:nvGrpSpPr>
+        <p:cNvPr id="1" name=""/>
+        <p:cNvGrpSpPr/>
+        <p:nvPr/>
+      </p:nvGrpSpPr>
+      <p:grpSpPr>
+        <a:xfrm>
+          <a:off x="0" y="0"/>
+          <a:ext cx="0" cy="0"/>
+          <a:chOff x="0" y="0"/>
+          <a:chExt cx="0" cy="0"/>
+        </a:xfrm>
+      </p:grpSpPr>
+      <p:sp>
+        <p:nvSpPr>
+          <p:cNvPr id="2" name="Title 1">
+            <a:extLst>
+              <a:ext uri="{FF2B5EF4-FFF2-40B4-BE49-F238E27FC236}">
                 <a16:creationId xmlns:a16="http://schemas.microsoft.com/office/drawing/2014/main" id="{7EFED7A5-DC38-4D0F-99E6-93E048C27479}"/>
               </a:ext>
             </a:extLst>
@@ -8898,7 +8982,7 @@
 </p:sld>
 </file>
 
-<file path=ppt/slides/slide24.xml><?xml version="1.0" encoding="utf-8"?>
+<file path=ppt/slides/slide25.xml><?xml version="1.0" encoding="utf-8"?>
 <p:sld xmlns:a="http://schemas.openxmlformats.org/drawingml/2006/main" xmlns:r="http://schemas.openxmlformats.org/officeDocument/2006/relationships" xmlns:p="http://schemas.openxmlformats.org/presentationml/2006/main">
   <p:cSld>
     <p:spTree>
@@ -11054,13 +11138,7 @@
                                 <a:rPr lang="en-US" b="0" i="0" smtClean="0">
                                   <a:latin typeface="Cambria Math" panose="02040503050406030204" pitchFamily="18" charset="0"/>
                                 </a:rPr>
-                                <m:t>+</m:t>
-                              </m:r>
-                              <m:r>
-                                <a:rPr lang="en-US" b="0" i="0" smtClean="0">
-                                  <a:latin typeface="Cambria Math" panose="02040503050406030204" pitchFamily="18" charset="0"/>
-                                </a:rPr>
-                                <m:t>1</m:t>
+                                <m:t>+1</m:t>
                               </m:r>
                               <m:r>
                                 <a:rPr lang="en-US" b="0" i="1" smtClean="0">
@@ -11110,13 +11188,7 @@
                                 <a:rPr lang="en-US" b="0" i="0" smtClean="0">
                                   <a:latin typeface="Cambria Math" panose="02040503050406030204" pitchFamily="18" charset="0"/>
                                 </a:rPr>
-                                <m:t>+</m:t>
-                              </m:r>
-                              <m:r>
-                                <a:rPr lang="en-US" b="0" i="0" smtClean="0">
-                                  <a:latin typeface="Cambria Math" panose="02040503050406030204" pitchFamily="18" charset="0"/>
-                                </a:rPr>
-                                <m:t>1</m:t>
+                                <m:t>+1</m:t>
                               </m:r>
                               <m:r>
                                 <a:rPr lang="en-US" b="0" i="1" smtClean="0">

--- a/Slideshow/Scale-recurrent network for deblurring.pptx
+++ b/Slideshow/Scale-recurrent network for deblurring.pptx
@@ -4783,7 +4783,16 @@
                           <a:rPr lang="en-US" b="0" i="1" smtClean="0">
                             <a:latin typeface="Cambria Math" panose="02040503050406030204" pitchFamily="18" charset="0"/>
                           </a:rPr>
-                          <m:t>=1</m:t>
+                          <m:t>=</m:t>
+                        </m:r>
+                        <m:r>
+                          <m:rPr>
+                            <m:brk m:alnAt="23"/>
+                          </m:rPr>
+                          <a:rPr lang="en-US" b="0" i="1" smtClean="0">
+                            <a:latin typeface="Cambria Math" panose="02040503050406030204" pitchFamily="18" charset="0"/>
+                          </a:rPr>
+                          <m:t>1</m:t>
                         </m:r>
                       </m:sub>
                       <m:sup>
@@ -5217,7 +5226,13 @@
                         <a:rPr lang="sv-SE" i="0" smtClean="0">
                           <a:latin typeface="Cambria Math" panose="02040503050406030204" pitchFamily="18" charset="0"/>
                         </a:rPr>
-                        <m:t>1∗</m:t>
+                        <m:t>1</m:t>
+                      </m:r>
+                      <m:r>
+                        <a:rPr lang="sv-SE" i="0" smtClean="0">
+                          <a:latin typeface="Cambria Math" panose="02040503050406030204" pitchFamily="18" charset="0"/>
+                        </a:rPr>
+                        <m:t>∗</m:t>
                       </m:r>
                       <m:r>
                         <m:rPr>
@@ -5247,7 +5262,13 @@
                             <a:rPr lang="sv-SE" i="0">
                               <a:latin typeface="Cambria Math" panose="02040503050406030204" pitchFamily="18" charset="0"/>
                             </a:rPr>
-                            <m:t>1−</m:t>
+                            <m:t>1</m:t>
+                          </m:r>
+                          <m:r>
+                            <a:rPr lang="sv-SE" i="0">
+                              <a:latin typeface="Cambria Math" panose="02040503050406030204" pitchFamily="18" charset="0"/>
+                            </a:rPr>
+                            <m:t>−</m:t>
                           </m:r>
                           <m:r>
                             <m:rPr>
@@ -5322,7 +5343,13 @@
                         <a:rPr lang="sv-SE" i="0" smtClean="0">
                           <a:latin typeface="Cambria Math" panose="02040503050406030204" pitchFamily="18" charset="0"/>
                         </a:rPr>
-                        <m:t>2∗</m:t>
+                        <m:t>2</m:t>
+                      </m:r>
+                      <m:r>
+                        <a:rPr lang="sv-SE" i="0" smtClean="0">
+                          <a:latin typeface="Cambria Math" panose="02040503050406030204" pitchFamily="18" charset="0"/>
+                        </a:rPr>
+                        <m:t>∗</m:t>
                       </m:r>
                       <m:r>
                         <m:rPr>
@@ -5352,7 +5379,13 @@
                             <a:rPr lang="sv-SE" i="0">
                               <a:latin typeface="Cambria Math" panose="02040503050406030204" pitchFamily="18" charset="0"/>
                             </a:rPr>
-                            <m:t>1−</m:t>
+                            <m:t>1</m:t>
+                          </m:r>
+                          <m:r>
+                            <a:rPr lang="sv-SE" i="0">
+                              <a:latin typeface="Cambria Math" panose="02040503050406030204" pitchFamily="18" charset="0"/>
+                            </a:rPr>
+                            <m:t>−</m:t>
                           </m:r>
                           <m:r>
                             <m:rPr>
@@ -5620,7 +5653,14 @@
                             <a:latin typeface="Cambria Math" panose="02040503050406030204" pitchFamily="18" charset="0"/>
                             <a:ea typeface="Cambria Math" panose="02040503050406030204" pitchFamily="18" charset="0"/>
                           </a:rPr>
-                          <m:t>−8</m:t>
+                          <m:t>−</m:t>
+                        </m:r>
+                        <m:r>
+                          <a:rPr lang="en-US" b="0" i="1" smtClean="0">
+                            <a:latin typeface="Cambria Math" panose="02040503050406030204" pitchFamily="18" charset="0"/>
+                            <a:ea typeface="Cambria Math" panose="02040503050406030204" pitchFamily="18" charset="0"/>
+                          </a:rPr>
+                          <m:t>8</m:t>
                         </m:r>
                       </m:sup>
                     </m:sSup>
@@ -7458,7 +7498,20 @@
                                 <a:rPr lang="en-US" b="0" i="1" smtClean="0">
                                   <a:latin typeface="Cambria Math" panose="02040503050406030204" pitchFamily="18" charset="0"/>
                                 </a:rPr>
-                                <m:t>+1↑</m:t>
+                                <m:t>+</m:t>
+                              </m:r>
+                              <m:r>
+                                <a:rPr lang="en-US" b="0" i="1" smtClean="0">
+                                  <a:latin typeface="Cambria Math" panose="02040503050406030204" pitchFamily="18" charset="0"/>
+                                </a:rPr>
+                                <m:t>1</m:t>
+                              </m:r>
+                              <m:r>
+                                <a:rPr lang="en-US" b="0" i="1" smtClean="0">
+                                  <a:latin typeface="Cambria Math" panose="02040503050406030204" pitchFamily="18" charset="0"/>
+                                  <a:ea typeface="Cambria Math" panose="02040503050406030204" pitchFamily="18" charset="0"/>
+                                </a:rPr>
+                                <m:t>↑</m:t>
                               </m:r>
                             </m:sup>
                           </m:sSup>
@@ -7615,7 +7668,20 @@
                                 <a:rPr lang="en-US" b="0" i="1" smtClean="0">
                                   <a:latin typeface="Cambria Math" panose="02040503050406030204" pitchFamily="18" charset="0"/>
                                 </a:rPr>
-                                <m:t>+1↑</m:t>
+                                <m:t>+</m:t>
+                              </m:r>
+                              <m:r>
+                                <a:rPr lang="en-US" b="0" i="1" smtClean="0">
+                                  <a:latin typeface="Cambria Math" panose="02040503050406030204" pitchFamily="18" charset="0"/>
+                                </a:rPr>
+                                <m:t>1</m:t>
+                              </m:r>
+                              <m:r>
+                                <a:rPr lang="en-US" b="0" i="1" smtClean="0">
+                                  <a:latin typeface="Cambria Math" panose="02040503050406030204" pitchFamily="18" charset="0"/>
+                                  <a:ea typeface="Cambria Math" panose="02040503050406030204" pitchFamily="18" charset="0"/>
+                                </a:rPr>
+                                <m:t>↑</m:t>
                               </m:r>
                             </m:sup>
                           </m:sSup>
@@ -11138,7 +11204,13 @@
                                 <a:rPr lang="en-US" b="0" i="0" smtClean="0">
                                   <a:latin typeface="Cambria Math" panose="02040503050406030204" pitchFamily="18" charset="0"/>
                                 </a:rPr>
-                                <m:t>+1</m:t>
+                                <m:t>+</m:t>
+                              </m:r>
+                              <m:r>
+                                <a:rPr lang="en-US" b="0" i="0" smtClean="0">
+                                  <a:latin typeface="Cambria Math" panose="02040503050406030204" pitchFamily="18" charset="0"/>
+                                </a:rPr>
+                                <m:t>1</m:t>
                               </m:r>
                               <m:r>
                                 <a:rPr lang="en-US" b="0" i="1" smtClean="0">
@@ -11188,7 +11260,13 @@
                                 <a:rPr lang="en-US" b="0" i="0" smtClean="0">
                                   <a:latin typeface="Cambria Math" panose="02040503050406030204" pitchFamily="18" charset="0"/>
                                 </a:rPr>
-                                <m:t>+1</m:t>
+                                <m:t>+</m:t>
+                              </m:r>
+                              <m:r>
+                                <a:rPr lang="en-US" b="0" i="0" smtClean="0">
+                                  <a:latin typeface="Cambria Math" panose="02040503050406030204" pitchFamily="18" charset="0"/>
+                                </a:rPr>
+                                <m:t>1</m:t>
                               </m:r>
                               <m:r>
                                 <a:rPr lang="en-US" b="0" i="1" smtClean="0">

--- a/Slideshow/Scale-recurrent network for deblurring.pptx
+++ b/Slideshow/Scale-recurrent network for deblurring.pptx
@@ -221,7 +221,7 @@
           <a:p>
             <a:fld id="{90D6B5CC-58E5-4C9F-BB10-8E58567DCFC1}" type="datetimeFigureOut">
               <a:rPr lang="en-US" smtClean="0"/>
-              <a:t>1/11/2021</a:t>
+              <a:t>1/12/2021</a:t>
             </a:fld>
             <a:endParaRPr lang="en-US"/>
           </a:p>
@@ -1629,7 +1629,7 @@
           <a:p>
             <a:fld id="{F3B86EC5-7C0C-4B78-9162-202D1C14F68C}" type="datetimeFigureOut">
               <a:rPr lang="en-US" smtClean="0"/>
-              <a:t>1/11/2021</a:t>
+              <a:t>1/12/2021</a:t>
             </a:fld>
             <a:endParaRPr lang="en-US"/>
           </a:p>
@@ -1799,7 +1799,7 @@
           <a:p>
             <a:fld id="{F3B86EC5-7C0C-4B78-9162-202D1C14F68C}" type="datetimeFigureOut">
               <a:rPr lang="en-US" smtClean="0"/>
-              <a:t>1/11/2021</a:t>
+              <a:t>1/12/2021</a:t>
             </a:fld>
             <a:endParaRPr lang="en-US"/>
           </a:p>
@@ -1979,7 +1979,7 @@
           <a:p>
             <a:fld id="{F3B86EC5-7C0C-4B78-9162-202D1C14F68C}" type="datetimeFigureOut">
               <a:rPr lang="en-US" smtClean="0"/>
-              <a:t>1/11/2021</a:t>
+              <a:t>1/12/2021</a:t>
             </a:fld>
             <a:endParaRPr lang="en-US"/>
           </a:p>
@@ -2149,7 +2149,7 @@
           <a:p>
             <a:fld id="{F3B86EC5-7C0C-4B78-9162-202D1C14F68C}" type="datetimeFigureOut">
               <a:rPr lang="en-US" smtClean="0"/>
-              <a:t>1/11/2021</a:t>
+              <a:t>1/12/2021</a:t>
             </a:fld>
             <a:endParaRPr lang="en-US"/>
           </a:p>
@@ -2395,7 +2395,7 @@
           <a:p>
             <a:fld id="{F3B86EC5-7C0C-4B78-9162-202D1C14F68C}" type="datetimeFigureOut">
               <a:rPr lang="en-US" smtClean="0"/>
-              <a:t>1/11/2021</a:t>
+              <a:t>1/12/2021</a:t>
             </a:fld>
             <a:endParaRPr lang="en-US"/>
           </a:p>
@@ -2627,7 +2627,7 @@
           <a:p>
             <a:fld id="{F3B86EC5-7C0C-4B78-9162-202D1C14F68C}" type="datetimeFigureOut">
               <a:rPr lang="en-US" smtClean="0"/>
-              <a:t>1/11/2021</a:t>
+              <a:t>1/12/2021</a:t>
             </a:fld>
             <a:endParaRPr lang="en-US"/>
           </a:p>
@@ -2994,7 +2994,7 @@
           <a:p>
             <a:fld id="{F3B86EC5-7C0C-4B78-9162-202D1C14F68C}" type="datetimeFigureOut">
               <a:rPr lang="en-US" smtClean="0"/>
-              <a:t>1/11/2021</a:t>
+              <a:t>1/12/2021</a:t>
             </a:fld>
             <a:endParaRPr lang="en-US"/>
           </a:p>
@@ -3112,7 +3112,7 @@
           <a:p>
             <a:fld id="{F3B86EC5-7C0C-4B78-9162-202D1C14F68C}" type="datetimeFigureOut">
               <a:rPr lang="en-US" smtClean="0"/>
-              <a:t>1/11/2021</a:t>
+              <a:t>1/12/2021</a:t>
             </a:fld>
             <a:endParaRPr lang="en-US"/>
           </a:p>
@@ -3207,7 +3207,7 @@
           <a:p>
             <a:fld id="{F3B86EC5-7C0C-4B78-9162-202D1C14F68C}" type="datetimeFigureOut">
               <a:rPr lang="en-US" smtClean="0"/>
-              <a:t>1/11/2021</a:t>
+              <a:t>1/12/2021</a:t>
             </a:fld>
             <a:endParaRPr lang="en-US"/>
           </a:p>
@@ -3484,7 +3484,7 @@
           <a:p>
             <a:fld id="{F3B86EC5-7C0C-4B78-9162-202D1C14F68C}" type="datetimeFigureOut">
               <a:rPr lang="en-US" smtClean="0"/>
-              <a:t>1/11/2021</a:t>
+              <a:t>1/12/2021</a:t>
             </a:fld>
             <a:endParaRPr lang="en-US"/>
           </a:p>
@@ -3741,7 +3741,7 @@
           <a:p>
             <a:fld id="{F3B86EC5-7C0C-4B78-9162-202D1C14F68C}" type="datetimeFigureOut">
               <a:rPr lang="en-US" smtClean="0"/>
-              <a:t>1/11/2021</a:t>
+              <a:t>1/12/2021</a:t>
             </a:fld>
             <a:endParaRPr lang="en-US"/>
           </a:p>
@@ -3954,7 +3954,7 @@
           <a:p>
             <a:fld id="{F3B86EC5-7C0C-4B78-9162-202D1C14F68C}" type="datetimeFigureOut">
               <a:rPr lang="en-US" smtClean="0"/>
-              <a:t>1/11/2021</a:t>
+              <a:t>1/12/2021</a:t>
             </a:fld>
             <a:endParaRPr lang="en-US"/>
           </a:p>
@@ -4680,8 +4680,8 @@
           </a:p>
         </p:txBody>
       </p:sp>
-      <mc:AlternateContent xmlns:mc="http://schemas.openxmlformats.org/markup-compatibility/2006">
-        <mc:Choice xmlns:a14="http://schemas.microsoft.com/office/drawing/2010/main" Requires="a14">
+      <mc:AlternateContent xmlns:mc="http://schemas.openxmlformats.org/markup-compatibility/2006" xmlns:a14="http://schemas.microsoft.com/office/drawing/2010/main">
+        <mc:Choice Requires="a14">
           <p:sp>
             <p:nvSpPr>
               <p:cNvPr id="3" name="Content Placeholder 2">
@@ -5205,277 +5205,13 @@
                         <a:rPr lang="sv-SE" i="0" smtClean="0">
                           <a:latin typeface="Cambria Math" panose="02040503050406030204" pitchFamily="18" charset="0"/>
                         </a:rPr>
-                        <m:t>m</m:t>
-                      </m:r>
-                      <m:r>
-                        <a:rPr lang="sv-SE" i="0" smtClean="0">
-                          <a:latin typeface="Cambria Math" panose="02040503050406030204" pitchFamily="18" charset="0"/>
-                        </a:rPr>
-                        <m:t> = </m:t>
-                      </m:r>
-                      <m:r>
-                        <m:rPr>
-                          <m:sty m:val="p"/>
-                        </m:rPr>
-                        <a:rPr lang="sv-SE" i="0" smtClean="0">
-                          <a:latin typeface="Cambria Math" panose="02040503050406030204" pitchFamily="18" charset="0"/>
-                        </a:rPr>
-                        <m:t>beta</m:t>
-                      </m:r>
-                      <m:r>
-                        <a:rPr lang="sv-SE" i="0" smtClean="0">
-                          <a:latin typeface="Cambria Math" panose="02040503050406030204" pitchFamily="18" charset="0"/>
-                        </a:rPr>
-                        <m:t>1</m:t>
-                      </m:r>
-                      <m:r>
-                        <a:rPr lang="sv-SE" i="0" smtClean="0">
-                          <a:latin typeface="Cambria Math" panose="02040503050406030204" pitchFamily="18" charset="0"/>
-                        </a:rPr>
-                        <m:t>∗</m:t>
-                      </m:r>
-                      <m:r>
-                        <m:rPr>
-                          <m:sty m:val="p"/>
-                        </m:rPr>
-                        <a:rPr lang="sv-SE" i="0" smtClean="0">
-                          <a:latin typeface="Cambria Math" panose="02040503050406030204" pitchFamily="18" charset="0"/>
-                        </a:rPr>
-                        <m:t>m</m:t>
-                      </m:r>
-                      <m:r>
-                        <a:rPr lang="sv-SE" i="0" smtClean="0">
-                          <a:latin typeface="Cambria Math" panose="02040503050406030204" pitchFamily="18" charset="0"/>
-                        </a:rPr>
-                        <m:t> + </m:t>
-                      </m:r>
-                      <m:d>
-                        <m:dPr>
-                          <m:ctrlPr>
-                            <a:rPr lang="sv-SE" i="0">
-                              <a:latin typeface="Cambria Math" panose="02040503050406030204" pitchFamily="18" charset="0"/>
-                            </a:rPr>
-                          </m:ctrlPr>
-                        </m:dPr>
-                        <m:e>
-                          <m:r>
-                            <a:rPr lang="sv-SE" i="0">
-                              <a:latin typeface="Cambria Math" panose="02040503050406030204" pitchFamily="18" charset="0"/>
-                            </a:rPr>
-                            <m:t>1</m:t>
-                          </m:r>
-                          <m:r>
-                            <a:rPr lang="sv-SE" i="0">
-                              <a:latin typeface="Cambria Math" panose="02040503050406030204" pitchFamily="18" charset="0"/>
-                            </a:rPr>
-                            <m:t>−</m:t>
-                          </m:r>
-                          <m:r>
-                            <m:rPr>
-                              <m:sty m:val="p"/>
-                            </m:rPr>
-                            <a:rPr lang="sv-SE" i="0">
-                              <a:latin typeface="Cambria Math" panose="02040503050406030204" pitchFamily="18" charset="0"/>
-                            </a:rPr>
-                            <m:t>beta</m:t>
-                          </m:r>
-                          <m:r>
-                            <a:rPr lang="sv-SE" i="0">
-                              <a:latin typeface="Cambria Math" panose="02040503050406030204" pitchFamily="18" charset="0"/>
-                            </a:rPr>
-                            <m:t>1</m:t>
-                          </m:r>
-                        </m:e>
-                      </m:d>
-                      <m:r>
-                        <a:rPr lang="sv-SE" i="0">
-                          <a:latin typeface="Cambria Math" panose="02040503050406030204" pitchFamily="18" charset="0"/>
-                        </a:rPr>
-                        <m:t>∗</m:t>
-                      </m:r>
-                      <m:r>
-                        <m:rPr>
-                          <m:sty m:val="p"/>
-                        </m:rPr>
-                        <a:rPr lang="sv-SE" i="0">
-                          <a:latin typeface="Cambria Math" panose="02040503050406030204" pitchFamily="18" charset="0"/>
-                        </a:rPr>
-                        <m:t>dx</m:t>
-                      </m:r>
-                      <m:r>
-                        <a:rPr lang="sv-SE" i="0">
-                          <a:latin typeface="Cambria Math" panose="02040503050406030204" pitchFamily="18" charset="0"/>
-                        </a:rPr>
-                        <m:t>  </m:t>
-                      </m:r>
-                    </m:oMath>
-                  </m:oMathPara>
-                  <m:oMathPara xmlns:m="http://schemas.openxmlformats.org/officeDocument/2006/math">
-                    <m:oMathParaPr>
-                      <m:jc m:val="centerGroup"/>
-                    </m:oMathParaPr>
-                    <m:oMath xmlns:m="http://schemas.openxmlformats.org/officeDocument/2006/math">
-                      <m:r>
-                        <m:rPr>
-                          <m:sty m:val="p"/>
-                        </m:rPr>
-                        <a:rPr lang="sv-SE" i="0" smtClean="0">
-                          <a:latin typeface="Cambria Math" panose="02040503050406030204" pitchFamily="18" charset="0"/>
-                        </a:rPr>
-                        <m:t>v</m:t>
-                      </m:r>
-                      <m:r>
-                        <a:rPr lang="sv-SE" i="0" smtClean="0">
-                          <a:latin typeface="Cambria Math" panose="02040503050406030204" pitchFamily="18" charset="0"/>
-                        </a:rPr>
-                        <m:t> = </m:t>
-                      </m:r>
-                      <m:r>
-                        <m:rPr>
-                          <m:sty m:val="p"/>
-                        </m:rPr>
-                        <a:rPr lang="sv-SE" i="0" smtClean="0">
-                          <a:latin typeface="Cambria Math" panose="02040503050406030204" pitchFamily="18" charset="0"/>
-                        </a:rPr>
-                        <m:t>beta</m:t>
-                      </m:r>
-                      <m:r>
-                        <a:rPr lang="sv-SE" i="0" smtClean="0">
-                          <a:latin typeface="Cambria Math" panose="02040503050406030204" pitchFamily="18" charset="0"/>
-                        </a:rPr>
-                        <m:t>2</m:t>
-                      </m:r>
-                      <m:r>
-                        <a:rPr lang="sv-SE" i="0" smtClean="0">
-                          <a:latin typeface="Cambria Math" panose="02040503050406030204" pitchFamily="18" charset="0"/>
-                        </a:rPr>
-                        <m:t>∗</m:t>
-                      </m:r>
-                      <m:r>
-                        <m:rPr>
-                          <m:sty m:val="p"/>
-                        </m:rPr>
-                        <a:rPr lang="sv-SE" i="0" smtClean="0">
-                          <a:latin typeface="Cambria Math" panose="02040503050406030204" pitchFamily="18" charset="0"/>
-                        </a:rPr>
-                        <m:t>v</m:t>
-                      </m:r>
-                      <m:r>
-                        <a:rPr lang="sv-SE" i="0" smtClean="0">
-                          <a:latin typeface="Cambria Math" panose="02040503050406030204" pitchFamily="18" charset="0"/>
-                        </a:rPr>
-                        <m:t> + </m:t>
-                      </m:r>
-                      <m:d>
-                        <m:dPr>
-                          <m:ctrlPr>
-                            <a:rPr lang="sv-SE" i="0">
-                              <a:latin typeface="Cambria Math" panose="02040503050406030204" pitchFamily="18" charset="0"/>
-                            </a:rPr>
-                          </m:ctrlPr>
-                        </m:dPr>
-                        <m:e>
-                          <m:r>
-                            <a:rPr lang="sv-SE" i="0">
-                              <a:latin typeface="Cambria Math" panose="02040503050406030204" pitchFamily="18" charset="0"/>
-                            </a:rPr>
-                            <m:t>1</m:t>
-                          </m:r>
-                          <m:r>
-                            <a:rPr lang="sv-SE" i="0">
-                              <a:latin typeface="Cambria Math" panose="02040503050406030204" pitchFamily="18" charset="0"/>
-                            </a:rPr>
-                            <m:t>−</m:t>
-                          </m:r>
-                          <m:r>
-                            <m:rPr>
-                              <m:sty m:val="p"/>
-                            </m:rPr>
-                            <a:rPr lang="sv-SE" i="0">
-                              <a:latin typeface="Cambria Math" panose="02040503050406030204" pitchFamily="18" charset="0"/>
-                            </a:rPr>
-                            <m:t>beta</m:t>
-                          </m:r>
-                          <m:r>
-                            <a:rPr lang="sv-SE" i="0">
-                              <a:latin typeface="Cambria Math" panose="02040503050406030204" pitchFamily="18" charset="0"/>
-                            </a:rPr>
-                            <m:t>2</m:t>
-                          </m:r>
-                        </m:e>
-                      </m:d>
-                      <m:r>
-                        <a:rPr lang="sv-SE" i="0">
-                          <a:latin typeface="Cambria Math" panose="02040503050406030204" pitchFamily="18" charset="0"/>
-                        </a:rPr>
-                        <m:t>∗</m:t>
-                      </m:r>
-                      <m:d>
-                        <m:dPr>
-                          <m:ctrlPr>
-                            <a:rPr lang="sv-SE" i="0">
-                              <a:latin typeface="Cambria Math" panose="02040503050406030204" pitchFamily="18" charset="0"/>
-                            </a:rPr>
-                          </m:ctrlPr>
-                        </m:dPr>
-                        <m:e>
-                          <m:sSup>
-                            <m:sSupPr>
-                              <m:ctrlPr>
-                                <a:rPr lang="sv-SE" i="1" smtClean="0">
-                                  <a:latin typeface="Cambria Math" panose="02040503050406030204" pitchFamily="18" charset="0"/>
-                                </a:rPr>
-                              </m:ctrlPr>
-                            </m:sSupPr>
-                            <m:e>
-                              <m:r>
-                                <m:rPr>
-                                  <m:sty m:val="p"/>
-                                </m:rPr>
-                                <a:rPr lang="en-US" b="0" i="0" smtClean="0">
-                                  <a:latin typeface="Cambria Math" panose="02040503050406030204" pitchFamily="18" charset="0"/>
-                                </a:rPr>
-                                <m:t>dx</m:t>
-                              </m:r>
-                            </m:e>
-                            <m:sup>
-                              <m:r>
-                                <a:rPr lang="en-US" b="0" i="1" smtClean="0">
-                                  <a:latin typeface="Cambria Math" panose="02040503050406030204" pitchFamily="18" charset="0"/>
-                                </a:rPr>
-                                <m:t>2</m:t>
-                              </m:r>
-                            </m:sup>
-                          </m:sSup>
-                        </m:e>
-                      </m:d>
-                      <m:r>
-                        <a:rPr lang="sv-SE" i="0">
-                          <a:latin typeface="Cambria Math" panose="02040503050406030204" pitchFamily="18" charset="0"/>
-                        </a:rPr>
-                        <m:t>  </m:t>
-                      </m:r>
-                    </m:oMath>
-                  </m:oMathPara>
-                  <m:oMathPara xmlns:m="http://schemas.openxmlformats.org/officeDocument/2006/math">
-                    <m:oMathParaPr>
-                      <m:jc m:val="centerGroup"/>
-                    </m:oMathParaPr>
-                    <m:oMath xmlns:m="http://schemas.openxmlformats.org/officeDocument/2006/math">
-                      <m:r>
-                        <m:rPr>
-                          <m:sty m:val="p"/>
-                        </m:rPr>
-                        <a:rPr lang="sv-SE" i="0" smtClean="0">
-                          <a:latin typeface="Cambria Math" panose="02040503050406030204" pitchFamily="18" charset="0"/>
-                        </a:rPr>
                         <m:t>x</m:t>
                       </m:r>
                       <m:r>
                         <a:rPr lang="sv-SE" i="0" smtClean="0">
                           <a:latin typeface="Cambria Math" panose="02040503050406030204" pitchFamily="18" charset="0"/>
                         </a:rPr>
-                        <m:t> += - </m:t>
+                        <m:t> += − </m:t>
                       </m:r>
                       <m:r>
                         <m:rPr>
@@ -5505,7 +5241,7 @@
                         <a:rPr lang="sv-SE" i="0" smtClean="0">
                           <a:latin typeface="Cambria Math" panose="02040503050406030204" pitchFamily="18" charset="0"/>
                         </a:rPr>
-                        <m:t> * </m:t>
+                        <m:t> ∗ </m:t>
                       </m:r>
                       <m:r>
                         <m:rPr>
@@ -5582,9 +5318,260 @@
                         </a:rPr>
                         <m:t>)</m:t>
                       </m:r>
+                      <m:r>
+                        <m:rPr>
+                          <m:sty m:val="p"/>
+                        </m:rPr>
+                        <a:rPr lang="sv-SE" i="0" smtClean="0">
+                          <a:latin typeface="Cambria Math" panose="02040503050406030204" pitchFamily="18" charset="0"/>
+                        </a:rPr>
+                        <m:t>v</m:t>
+                      </m:r>
+                      <m:r>
+                        <a:rPr lang="sv-SE" i="0" smtClean="0">
+                          <a:latin typeface="Cambria Math" panose="02040503050406030204" pitchFamily="18" charset="0"/>
+                        </a:rPr>
+                        <m:t> = </m:t>
+                      </m:r>
+                      <m:r>
+                        <m:rPr>
+                          <m:sty m:val="p"/>
+                        </m:rPr>
+                        <a:rPr lang="sv-SE" i="0" smtClean="0">
+                          <a:latin typeface="Cambria Math" panose="02040503050406030204" pitchFamily="18" charset="0"/>
+                        </a:rPr>
+                        <m:t>beta</m:t>
+                      </m:r>
+                      <m:r>
+                        <a:rPr lang="sv-SE" i="0" smtClean="0">
+                          <a:latin typeface="Cambria Math" panose="02040503050406030204" pitchFamily="18" charset="0"/>
+                        </a:rPr>
+                        <m:t>2</m:t>
+                      </m:r>
+                      <m:r>
+                        <a:rPr lang="sv-SE" i="0" smtClean="0">
+                          <a:latin typeface="Cambria Math" panose="02040503050406030204" pitchFamily="18" charset="0"/>
+                        </a:rPr>
+                        <m:t>∗</m:t>
+                      </m:r>
+                      <m:r>
+                        <m:rPr>
+                          <m:sty m:val="p"/>
+                        </m:rPr>
+                        <a:rPr lang="sv-SE" i="0" smtClean="0">
+                          <a:latin typeface="Cambria Math" panose="02040503050406030204" pitchFamily="18" charset="0"/>
+                        </a:rPr>
+                        <m:t>v</m:t>
+                      </m:r>
+                      <m:r>
+                        <a:rPr lang="sv-SE" i="0" smtClean="0">
+                          <a:latin typeface="Cambria Math" panose="02040503050406030204" pitchFamily="18" charset="0"/>
+                        </a:rPr>
+                        <m:t> + </m:t>
+                      </m:r>
+                      <m:d>
+                        <m:dPr>
+                          <m:ctrlPr>
+                            <a:rPr lang="sv-SE" i="1">
+                              <a:latin typeface="Cambria Math" panose="02040503050406030204" pitchFamily="18" charset="0"/>
+                            </a:rPr>
+                          </m:ctrlPr>
+                        </m:dPr>
+                        <m:e>
+                          <m:r>
+                            <a:rPr lang="sv-SE" i="0">
+                              <a:latin typeface="Cambria Math" panose="02040503050406030204" pitchFamily="18" charset="0"/>
+                            </a:rPr>
+                            <m:t>1</m:t>
+                          </m:r>
+                          <m:r>
+                            <a:rPr lang="sv-SE" i="0">
+                              <a:latin typeface="Cambria Math" panose="02040503050406030204" pitchFamily="18" charset="0"/>
+                            </a:rPr>
+                            <m:t>−</m:t>
+                          </m:r>
+                          <m:r>
+                            <m:rPr>
+                              <m:sty m:val="p"/>
+                            </m:rPr>
+                            <a:rPr lang="sv-SE" i="0">
+                              <a:latin typeface="Cambria Math" panose="02040503050406030204" pitchFamily="18" charset="0"/>
+                            </a:rPr>
+                            <m:t>beta</m:t>
+                          </m:r>
+                          <m:r>
+                            <a:rPr lang="sv-SE" i="0">
+                              <a:latin typeface="Cambria Math" panose="02040503050406030204" pitchFamily="18" charset="0"/>
+                            </a:rPr>
+                            <m:t>2</m:t>
+                          </m:r>
+                        </m:e>
+                      </m:d>
+                      <m:r>
+                        <a:rPr lang="sv-SE" i="0">
+                          <a:latin typeface="Cambria Math" panose="02040503050406030204" pitchFamily="18" charset="0"/>
+                        </a:rPr>
+                        <m:t>∗</m:t>
+                      </m:r>
+                      <m:d>
+                        <m:dPr>
+                          <m:ctrlPr>
+                            <a:rPr lang="sv-SE" i="1">
+                              <a:latin typeface="Cambria Math" panose="02040503050406030204" pitchFamily="18" charset="0"/>
+                            </a:rPr>
+                          </m:ctrlPr>
+                        </m:dPr>
+                        <m:e>
+                          <m:sSup>
+                            <m:sSupPr>
+                              <m:ctrlPr>
+                                <a:rPr lang="sv-SE" i="1" smtClean="0">
+                                  <a:latin typeface="Cambria Math" panose="02040503050406030204" pitchFamily="18" charset="0"/>
+                                </a:rPr>
+                              </m:ctrlPr>
+                            </m:sSupPr>
+                            <m:e>
+                              <m:r>
+                                <m:rPr>
+                                  <m:sty m:val="p"/>
+                                </m:rPr>
+                                <a:rPr lang="en-US" b="0" i="0" smtClean="0">
+                                  <a:latin typeface="Cambria Math" panose="02040503050406030204" pitchFamily="18" charset="0"/>
+                                </a:rPr>
+                                <m:t>dx</m:t>
+                              </m:r>
+                            </m:e>
+                            <m:sup>
+                              <m:r>
+                                <a:rPr lang="en-US" b="0" i="1" smtClean="0">
+                                  <a:latin typeface="Cambria Math" panose="02040503050406030204" pitchFamily="18" charset="0"/>
+                                </a:rPr>
+                                <m:t>2</m:t>
+                              </m:r>
+                            </m:sup>
+                          </m:sSup>
+                        </m:e>
+                      </m:d>
+                      <m:r>
+                        <a:rPr lang="sv-SE" i="0">
+                          <a:latin typeface="Cambria Math" panose="02040503050406030204" pitchFamily="18" charset="0"/>
+                        </a:rPr>
+                        <m:t>  </m:t>
+                      </m:r>
+                      <m:r>
+                        <m:rPr>
+                          <m:sty m:val="p"/>
+                        </m:rPr>
+                        <a:rPr lang="sv-SE" i="0" smtClean="0">
+                          <a:latin typeface="Cambria Math" panose="02040503050406030204" pitchFamily="18" charset="0"/>
+                        </a:rPr>
+                        <m:t>m</m:t>
+                      </m:r>
+                      <m:r>
+                        <a:rPr lang="sv-SE" i="0" smtClean="0">
+                          <a:latin typeface="Cambria Math" panose="02040503050406030204" pitchFamily="18" charset="0"/>
+                        </a:rPr>
+                        <m:t> = </m:t>
+                      </m:r>
+                      <m:r>
+                        <m:rPr>
+                          <m:sty m:val="p"/>
+                        </m:rPr>
+                        <a:rPr lang="sv-SE" i="0" smtClean="0">
+                          <a:latin typeface="Cambria Math" panose="02040503050406030204" pitchFamily="18" charset="0"/>
+                        </a:rPr>
+                        <m:t>beta</m:t>
+                      </m:r>
+                      <m:r>
+                        <a:rPr lang="sv-SE" i="0" smtClean="0">
+                          <a:latin typeface="Cambria Math" panose="02040503050406030204" pitchFamily="18" charset="0"/>
+                        </a:rPr>
+                        <m:t>1</m:t>
+                      </m:r>
+                      <m:r>
+                        <a:rPr lang="sv-SE" i="0" smtClean="0">
+                          <a:latin typeface="Cambria Math" panose="02040503050406030204" pitchFamily="18" charset="0"/>
+                        </a:rPr>
+                        <m:t>∗</m:t>
+                      </m:r>
+                      <m:r>
+                        <m:rPr>
+                          <m:sty m:val="p"/>
+                        </m:rPr>
+                        <a:rPr lang="sv-SE" i="0" smtClean="0">
+                          <a:latin typeface="Cambria Math" panose="02040503050406030204" pitchFamily="18" charset="0"/>
+                        </a:rPr>
+                        <m:t>m</m:t>
+                      </m:r>
+                      <m:r>
+                        <a:rPr lang="sv-SE" i="0" smtClean="0">
+                          <a:latin typeface="Cambria Math" panose="02040503050406030204" pitchFamily="18" charset="0"/>
+                        </a:rPr>
+                        <m:t> + </m:t>
+                      </m:r>
+                      <m:d>
+                        <m:dPr>
+                          <m:ctrlPr>
+                            <a:rPr lang="sv-SE" i="1">
+                              <a:latin typeface="Cambria Math" panose="02040503050406030204" pitchFamily="18" charset="0"/>
+                            </a:rPr>
+                          </m:ctrlPr>
+                        </m:dPr>
+                        <m:e>
+                          <m:r>
+                            <a:rPr lang="sv-SE" i="0">
+                              <a:latin typeface="Cambria Math" panose="02040503050406030204" pitchFamily="18" charset="0"/>
+                            </a:rPr>
+                            <m:t>1</m:t>
+                          </m:r>
+                          <m:r>
+                            <a:rPr lang="sv-SE" i="0">
+                              <a:latin typeface="Cambria Math" panose="02040503050406030204" pitchFamily="18" charset="0"/>
+                            </a:rPr>
+                            <m:t>−</m:t>
+                          </m:r>
+                          <m:r>
+                            <m:rPr>
+                              <m:sty m:val="p"/>
+                            </m:rPr>
+                            <a:rPr lang="sv-SE" i="0">
+                              <a:latin typeface="Cambria Math" panose="02040503050406030204" pitchFamily="18" charset="0"/>
+                            </a:rPr>
+                            <m:t>beta</m:t>
+                          </m:r>
+                          <m:r>
+                            <a:rPr lang="sv-SE" i="0">
+                              <a:latin typeface="Cambria Math" panose="02040503050406030204" pitchFamily="18" charset="0"/>
+                            </a:rPr>
+                            <m:t>1</m:t>
+                          </m:r>
+                        </m:e>
+                      </m:d>
+                      <m:r>
+                        <a:rPr lang="sv-SE" i="0">
+                          <a:latin typeface="Cambria Math" panose="02040503050406030204" pitchFamily="18" charset="0"/>
+                        </a:rPr>
+                        <m:t>∗</m:t>
+                      </m:r>
+                      <m:r>
+                        <m:rPr>
+                          <m:sty m:val="p"/>
+                        </m:rPr>
+                        <a:rPr lang="sv-SE" i="0">
+                          <a:latin typeface="Cambria Math" panose="02040503050406030204" pitchFamily="18" charset="0"/>
+                        </a:rPr>
+                        <m:t>dx</m:t>
+                      </m:r>
+                      <m:r>
+                        <a:rPr lang="sv-SE" i="0">
+                          <a:latin typeface="Cambria Math" panose="02040503050406030204" pitchFamily="18" charset="0"/>
+                        </a:rPr>
+                        <m:t>  </m:t>
+                      </m:r>
                     </m:oMath>
                   </m:oMathPara>
                 </a14:m>
+                <a:endParaRPr lang="en-US" dirty="0"/>
               </a:p>
               <a:p>
                 <a:pPr marL="0" indent="0">
@@ -5593,6 +5580,7 @@
                   </a:lnSpc>
                   <a:buNone/>
                 </a:pPr>
+                <a:endParaRPr lang="en-US" dirty="0"/>
               </a:p>
               <a:p>
                 <a:pPr marL="0" indent="0">
@@ -5818,7 +5806,7 @@
             </p:txBody>
           </p:sp>
         </mc:Choice>
-        <mc:Fallback>
+        <mc:Fallback xmlns="">
           <p:sp>
             <p:nvSpPr>
               <p:cNvPr id="3" name="Content Placeholder 2">
@@ -6124,7 +6112,16 @@
           </a:bodyPr>
           <a:lstStyle/>
           <a:p>
-            <a:endParaRPr lang="en-US" sz="2000" dirty="0"/>
+            <a:r>
+              <a:rPr lang="en-US" sz="2000" dirty="0"/>
+              <a:t>Sequence to sequence translation is most often done with RNN (speech recognition, image sequence). </a:t>
+            </a:r>
+          </a:p>
+          <a:p>
+            <a:r>
+              <a:rPr lang="en-US" sz="2000" dirty="0"/>
+              <a:t>Make use of not only the input, but the last prediction is also an input.</a:t>
+            </a:r>
           </a:p>
         </p:txBody>
       </p:sp>
@@ -6555,7 +6552,7 @@
           <a:p>
             <a:r>
               <a:rPr lang="en-US" sz="4000" dirty="0"/>
-              <a:t>ConvLSTM</a:t>
+              <a:t>LSTM and ConvLSTM</a:t>
             </a:r>
           </a:p>
         </p:txBody>
@@ -6588,7 +6585,10 @@
           </a:bodyPr>
           <a:lstStyle/>
           <a:p>
-            <a:endParaRPr lang="en-US" sz="2000"/>
+            <a:r>
+              <a:rPr lang="en-US" sz="2000" dirty="0"/>
+              <a:t>The authors made use of the ConvLSTM.</a:t>
+            </a:r>
           </a:p>
         </p:txBody>
       </p:sp>
@@ -6643,8 +6643,8 @@
         </p:blipFill>
         <p:spPr>
           <a:xfrm>
-            <a:off x="6198394" y="3450748"/>
-            <a:ext cx="5167185" cy="1653498"/>
+            <a:off x="5893594" y="2879247"/>
+            <a:ext cx="6093526" cy="1949927"/>
           </a:xfrm>
           <a:prstGeom prst="rect">
             <a:avLst/>
@@ -7311,8 +7311,8 @@
           </a:p>
         </p:txBody>
       </p:sp>
-      <mc:AlternateContent xmlns:mc="http://schemas.openxmlformats.org/markup-compatibility/2006">
-        <mc:Choice xmlns:a14="http://schemas.microsoft.com/office/drawing/2010/main" Requires="a14">
+      <mc:AlternateContent xmlns:mc="http://schemas.openxmlformats.org/markup-compatibility/2006" xmlns:a14="http://schemas.microsoft.com/office/drawing/2010/main">
+        <mc:Choice Requires="a14">
           <p:sp>
             <p:nvSpPr>
               <p:cNvPr id="3" name="Content Placeholder 2">
@@ -7897,7 +7897,7 @@
             </p:txBody>
           </p:sp>
         </mc:Choice>
-        <mc:Fallback>
+        <mc:Fallback xmlns="">
           <p:sp>
             <p:nvSpPr>
               <p:cNvPr id="3" name="Content Placeholder 2">
@@ -10925,8 +10925,8 @@
           </a:p>
         </p:txBody>
       </p:sp>
-      <mc:AlternateContent xmlns:mc="http://schemas.openxmlformats.org/markup-compatibility/2006">
-        <mc:Choice xmlns:a14="http://schemas.microsoft.com/office/drawing/2010/main" Requires="a14">
+      <mc:AlternateContent xmlns:mc="http://schemas.openxmlformats.org/markup-compatibility/2006" xmlns:a14="http://schemas.microsoft.com/office/drawing/2010/main">
+        <mc:Choice Requires="a14">
           <p:sp>
             <p:nvSpPr>
               <p:cNvPr id="3" name="Content Placeholder 2">
@@ -11023,7 +11023,7 @@
                       <m:sSup>
                         <m:sSupPr>
                           <m:ctrlPr>
-                            <a:rPr lang="en-US" b="0" smtClean="0">
+                            <a:rPr lang="en-US" b="0" i="1" smtClean="0">
                               <a:latin typeface="Cambria Math" panose="02040503050406030204" pitchFamily="18" charset="0"/>
                             </a:rPr>
                           </m:ctrlPr>
@@ -11060,7 +11060,7 @@
                       <m:sSup>
                         <m:sSupPr>
                           <m:ctrlPr>
-                            <a:rPr lang="en-US" b="0" smtClean="0">
+                            <a:rPr lang="en-US" b="0" i="1" smtClean="0">
                               <a:latin typeface="Cambria Math" panose="02040503050406030204" pitchFamily="18" charset="0"/>
                             </a:rPr>
                           </m:ctrlPr>
@@ -11322,7 +11322,7 @@
             </p:txBody>
           </p:sp>
         </mc:Choice>
-        <mc:Fallback>
+        <mc:Fallback xmlns="">
           <p:sp>
             <p:nvSpPr>
               <p:cNvPr id="3" name="Content Placeholder 2">
@@ -11568,7 +11568,7 @@
         </p:blipFill>
         <p:spPr>
           <a:xfrm>
-            <a:off x="971577" y="5176698"/>
+            <a:off x="551676" y="5176698"/>
             <a:ext cx="5544324" cy="1000265"/>
           </a:xfrm>
           <a:prstGeom prst="rect">

--- a/Slideshow/Scale-recurrent network for deblurring.pptx
+++ b/Slideshow/Scale-recurrent network for deblurring.pptx
@@ -19,11 +19,11 @@
     <p:sldId id="264" r:id="rId10"/>
     <p:sldId id="275" r:id="rId11"/>
     <p:sldId id="265" r:id="rId12"/>
-    <p:sldId id="276" r:id="rId13"/>
-    <p:sldId id="277" r:id="rId14"/>
-    <p:sldId id="268" r:id="rId15"/>
-    <p:sldId id="279" r:id="rId16"/>
-    <p:sldId id="269" r:id="rId17"/>
+    <p:sldId id="269" r:id="rId13"/>
+    <p:sldId id="276" r:id="rId14"/>
+    <p:sldId id="277" r:id="rId15"/>
+    <p:sldId id="268" r:id="rId16"/>
+    <p:sldId id="279" r:id="rId17"/>
     <p:sldId id="280" r:id="rId18"/>
     <p:sldId id="267" r:id="rId19"/>
     <p:sldId id="270" r:id="rId20"/>
@@ -1302,7 +1302,7 @@
           <a:p>
             <a:fld id="{D1424380-F98C-4904-AD4B-4459796C3B26}" type="slidenum">
               <a:rPr lang="en-US" smtClean="0"/>
-              <a:t>12</a:t>
+              <a:t>13</a:t>
             </a:fld>
             <a:endParaRPr lang="en-US"/>
           </a:p>
@@ -1365,6 +1365,35 @@
           <a:bodyPr/>
           <a:lstStyle/>
           <a:p>
+            <a:pPr algn="r" rtl="1"/>
+            <a:r>
+              <a:rPr lang="he-IL" dirty="0" smtClean="0"/>
+              <a:t>נועד</a:t>
+            </a:r>
+            <a:r>
+              <a:rPr lang="he-IL" baseline="0" dirty="0" smtClean="0"/>
+              <a:t> לפתור את הבעיה שנוצרת ב</a:t>
+            </a:r>
+            <a:r>
+              <a:rPr lang="en-US" baseline="0" dirty="0" smtClean="0"/>
+              <a:t>RNN</a:t>
+            </a:r>
+            <a:r>
+              <a:rPr lang="he-IL" baseline="0" dirty="0" smtClean="0"/>
+              <a:t> כאשר </a:t>
+            </a:r>
+            <a:r>
+              <a:rPr lang="he-IL" baseline="0" dirty="0" err="1" smtClean="0"/>
+              <a:t>הגרדיאנטים</a:t>
+            </a:r>
+            <a:r>
+              <a:rPr lang="he-IL" baseline="0" dirty="0" smtClean="0"/>
+              <a:t> גדלים מאוד או קטנים מאוד ולכם נעלמים או מתפוצצים ותחילת המשפט לא מושפעת היטב כמו סוף המשפט ולהפך. פתרון נוסף הוא קיצוץ אבל לא ניכנס לזה כאן כי זה </a:t>
+            </a:r>
+            <a:r>
+              <a:rPr lang="he-IL" baseline="0" smtClean="0"/>
+              <a:t>לא העיקר. </a:t>
+            </a:r>
             <a:endParaRPr lang="en-US" dirty="0"/>
           </a:p>
         </p:txBody>
@@ -1386,7 +1415,7 @@
           <a:p>
             <a:fld id="{D1424380-F98C-4904-AD4B-4459796C3B26}" type="slidenum">
               <a:rPr lang="en-US" smtClean="0"/>
-              <a:t>13</a:t>
+              <a:t>14</a:t>
             </a:fld>
             <a:endParaRPr lang="en-US"/>
           </a:p>
@@ -4680,8 +4709,8 @@
           </a:p>
         </p:txBody>
       </p:sp>
-      <mc:AlternateContent xmlns:mc="http://schemas.openxmlformats.org/markup-compatibility/2006" xmlns:a14="http://schemas.microsoft.com/office/drawing/2010/main">
-        <mc:Choice Requires="a14">
+      <mc:AlternateContent xmlns:mc="http://schemas.openxmlformats.org/markup-compatibility/2006">
+        <mc:Choice xmlns:a14="http://schemas.microsoft.com/office/drawing/2010/main" Requires="a14">
           <p:sp>
             <p:nvSpPr>
               <p:cNvPr id="3" name="Content Placeholder 2">
@@ -4716,7 +4745,7 @@
                   </a:lnSpc>
                 </a:pPr>
                 <a:r>
-                  <a:rPr lang="en-US" dirty="0"/>
+                  <a:rPr lang="en-US" dirty="0" smtClean="0"/>
                   <a:t>The network training solver, updating the kernels parameters is Adam. The loss function is simple L</a:t>
                 </a:r>
                 <a:r>
@@ -5241,7 +5270,7 @@
                         <a:rPr lang="sv-SE" i="0" smtClean="0">
                           <a:latin typeface="Cambria Math" panose="02040503050406030204" pitchFamily="18" charset="0"/>
                         </a:rPr>
-                        <m:t> ∗ </m:t>
+                        <m:t>∗ </m:t>
                       </m:r>
                       <m:r>
                         <m:rPr>
@@ -5253,10 +5282,22 @@
                         <m:t>m</m:t>
                       </m:r>
                       <m:r>
+                        <a:rPr lang="sv-SE" i="1" smtClean="0">
+                          <a:latin typeface="Cambria Math" panose="02040503050406030204" pitchFamily="18" charset="0"/>
+                        </a:rPr>
+                        <m:t> </m:t>
+                      </m:r>
+                      <m:r>
                         <a:rPr lang="sv-SE" i="0" smtClean="0">
                           <a:latin typeface="Cambria Math" panose="02040503050406030204" pitchFamily="18" charset="0"/>
                         </a:rPr>
-                        <m:t> / (</m:t>
+                        <m:t>/</m:t>
+                      </m:r>
+                      <m:r>
+                        <a:rPr lang="sv-SE" i="0" smtClean="0">
+                          <a:latin typeface="Cambria Math" panose="02040503050406030204" pitchFamily="18" charset="0"/>
+                        </a:rPr>
+                        <m:t> (</m:t>
                       </m:r>
                       <m:r>
                         <m:rPr>
@@ -5301,7 +5342,7 @@
                         <a:rPr lang="sv-SE" i="0" smtClean="0">
                           <a:latin typeface="Cambria Math" panose="02040503050406030204" pitchFamily="18" charset="0"/>
                         </a:rPr>
-                        <m:t>) + </m:t>
+                        <m:t>)+ </m:t>
                       </m:r>
                       <m:r>
                         <m:rPr>
@@ -5318,6 +5359,26 @@
                         </a:rPr>
                         <m:t>)</m:t>
                       </m:r>
+                    </m:oMath>
+                  </m:oMathPara>
+                </a14:m>
+                <a:endParaRPr lang="en-US" i="0" dirty="0" smtClean="0">
+                  <a:latin typeface="Cambria Math" panose="02040503050406030204" pitchFamily="18" charset="0"/>
+                </a:endParaRPr>
+              </a:p>
+              <a:p>
+                <a:pPr marL="0" indent="0">
+                  <a:lnSpc>
+                    <a:spcPct val="170000"/>
+                  </a:lnSpc>
+                  <a:buNone/>
+                </a:pPr>
+                <a14:m>
+                  <m:oMathPara xmlns:m="http://schemas.openxmlformats.org/officeDocument/2006/math">
+                    <m:oMathParaPr>
+                      <m:jc m:val="centerGroup"/>
+                    </m:oMathParaPr>
+                    <m:oMath xmlns:m="http://schemas.openxmlformats.org/officeDocument/2006/math">
                       <m:r>
                         <m:rPr>
                           <m:sty m:val="p"/>
@@ -5458,6 +5519,26 @@
                         </a:rPr>
                         <m:t>  </m:t>
                       </m:r>
+                    </m:oMath>
+                  </m:oMathPara>
+                </a14:m>
+                <a:endParaRPr lang="en-US" i="0" dirty="0" smtClean="0">
+                  <a:latin typeface="Cambria Math" panose="02040503050406030204" pitchFamily="18" charset="0"/>
+                </a:endParaRPr>
+              </a:p>
+              <a:p>
+                <a:pPr marL="0" indent="0">
+                  <a:lnSpc>
+                    <a:spcPct val="170000"/>
+                  </a:lnSpc>
+                  <a:buNone/>
+                </a:pPr>
+                <a14:m>
+                  <m:oMathPara xmlns:m="http://schemas.openxmlformats.org/officeDocument/2006/math">
+                    <m:oMathParaPr>
+                      <m:jc m:val="centerGroup"/>
+                    </m:oMathParaPr>
+                    <m:oMath xmlns:m="http://schemas.openxmlformats.org/officeDocument/2006/math">
                       <m:r>
                         <m:rPr>
                           <m:sty m:val="p"/>
@@ -5571,24 +5652,6 @@
                     </m:oMath>
                   </m:oMathPara>
                 </a14:m>
-                <a:endParaRPr lang="en-US" dirty="0"/>
-              </a:p>
-              <a:p>
-                <a:pPr marL="0" indent="0">
-                  <a:lnSpc>
-                    <a:spcPct val="170000"/>
-                  </a:lnSpc>
-                  <a:buNone/>
-                </a:pPr>
-                <a:endParaRPr lang="en-US" dirty="0"/>
-              </a:p>
-              <a:p>
-                <a:pPr marL="0" indent="0">
-                  <a:lnSpc>
-                    <a:spcPct val="170000"/>
-                  </a:lnSpc>
-                  <a:buNone/>
-                </a:pPr>
                 <a:endParaRPr lang="en-US" dirty="0"/>
               </a:p>
               <a:p>
@@ -5806,7 +5869,7 @@
             </p:txBody>
           </p:sp>
         </mc:Choice>
-        <mc:Fallback xmlns="">
+        <mc:Fallback>
           <p:sp>
             <p:nvSpPr>
               <p:cNvPr id="3" name="Content Placeholder 2">
@@ -5840,7 +5903,7 @@
               <a:lstStyle/>
               <a:p>
                 <a:r>
-                  <a:rPr lang="en-US">
+                  <a:rPr lang="he-IL">
                     <a:noFill/>
                   </a:rPr>
                   <a:t> </a:t>
@@ -6049,428 +6112,15 @@
           <a:chExt cx="0" cy="0"/>
         </a:xfrm>
       </p:grpSpPr>
-      <p:sp>
-        <p:nvSpPr>
-          <p:cNvPr id="2" name="Title 1">
+      <p:sp useBgFill="1">
+        <p:nvSpPr>
+          <p:cNvPr id="17" name="Rectangle 16">
             <a:extLst>
               <a:ext uri="{FF2B5EF4-FFF2-40B4-BE49-F238E27FC236}">
-                <a16:creationId xmlns:a16="http://schemas.microsoft.com/office/drawing/2014/main" id="{83EB57AF-F77F-4281-B01F-E3E3D325ED74}"/>
-              </a:ext>
-            </a:extLst>
-          </p:cNvPr>
-          <p:cNvSpPr>
-            <a:spLocks noGrp="1"/>
-          </p:cNvSpPr>
-          <p:nvPr>
-            <p:ph type="title"/>
-          </p:nvPr>
-        </p:nvSpPr>
-        <p:spPr>
-          <a:xfrm>
-            <a:off x="648928" y="338328"/>
-            <a:ext cx="3685032" cy="1608328"/>
-          </a:xfrm>
-        </p:spPr>
-        <p:txBody>
-          <a:bodyPr>
-            <a:normAutofit/>
-          </a:bodyPr>
-          <a:lstStyle/>
-          <a:p>
-            <a:r>
-              <a:rPr lang="en-US" sz="3600"/>
-              <a:t>RNN </a:t>
-            </a:r>
-          </a:p>
-        </p:txBody>
-      </p:sp>
-      <p:sp>
-        <p:nvSpPr>
-          <p:cNvPr id="3" name="Content Placeholder 2">
-            <a:extLst>
-              <a:ext uri="{FF2B5EF4-FFF2-40B4-BE49-F238E27FC236}">
-                <a16:creationId xmlns:a16="http://schemas.microsoft.com/office/drawing/2014/main" id="{34B1A2E2-913D-4077-A67F-F0BF11578747}"/>
-              </a:ext>
-            </a:extLst>
-          </p:cNvPr>
-          <p:cNvSpPr>
-            <a:spLocks noGrp="1"/>
-          </p:cNvSpPr>
-          <p:nvPr>
-            <p:ph idx="1"/>
-          </p:nvPr>
-        </p:nvSpPr>
-        <p:spPr>
-          <a:xfrm>
-            <a:off x="4864100" y="338328"/>
-            <a:ext cx="6675627" cy="1605083"/>
-          </a:xfrm>
-        </p:spPr>
-        <p:txBody>
-          <a:bodyPr anchor="ctr">
-            <a:normAutofit/>
-          </a:bodyPr>
-          <a:lstStyle/>
-          <a:p>
-            <a:r>
-              <a:rPr lang="en-US" sz="2000" dirty="0"/>
-              <a:t>Sequence to sequence translation is most often done with RNN (speech recognition, image sequence). </a:t>
-            </a:r>
-          </a:p>
-          <a:p>
-            <a:r>
-              <a:rPr lang="en-US" sz="2000" dirty="0"/>
-              <a:t>Make use of not only the input, but the last prediction is also an input.</a:t>
-            </a:r>
-          </a:p>
-        </p:txBody>
-      </p:sp>
-      <p:sp>
-        <p:nvSpPr>
-          <p:cNvPr id="15" name="Rectangle 14">
-            <a:extLst>
-              <a:ext uri="{FF2B5EF4-FFF2-40B4-BE49-F238E27FC236}">
-                <a16:creationId xmlns:a16="http://schemas.microsoft.com/office/drawing/2014/main" id="{5AAE9118-0436-4488-AC4A-C14DF6A7B6B1}"/>
+                <a16:creationId xmlns:a16="http://schemas.microsoft.com/office/drawing/2014/main" id="{70155189-D96C-4527-B0EC-654B946BE615}"/>
               </a:ext>
               <a:ext uri="{C183D7F6-B498-43B3-948B-1728B52AA6E4}">
-                <adec:decorative xmlns:adec="http://schemas.microsoft.com/office/drawing/2017/decorative" val="1"/>
-              </a:ext>
-            </a:extLst>
-          </p:cNvPr>
-          <p:cNvSpPr>
-            <a:spLocks noGrp="1" noRot="1" noChangeAspect="1" noMove="1" noResize="1" noEditPoints="1" noAdjustHandles="1" noChangeArrowheads="1" noChangeShapeType="1" noTextEdit="1"/>
-          </p:cNvSpPr>
-          <p:nvPr>
-            <p:extLst>
-              <p:ext uri="{386F3935-93C4-4BCD-93E2-E3B085C9AB24}">
-                <p16:designElem xmlns:p16="http://schemas.microsoft.com/office/powerpoint/2015/main" val="1"/>
-              </p:ext>
-            </p:extLst>
-          </p:nvPr>
-        </p:nvSpPr>
-        <p:spPr>
-          <a:xfrm>
-            <a:off x="-2" y="2211010"/>
-            <a:ext cx="12192002" cy="4646990"/>
-          </a:xfrm>
-          <a:prstGeom prst="rect">
-            <a:avLst/>
-          </a:prstGeom>
-          <a:solidFill>
-            <a:srgbClr val="C8CACA"/>
-          </a:solidFill>
-          <a:ln>
-            <a:noFill/>
-          </a:ln>
-        </p:spPr>
-        <p:style>
-          <a:lnRef idx="2">
-            <a:schemeClr val="accent1">
-              <a:shade val="50000"/>
-            </a:schemeClr>
-          </a:lnRef>
-          <a:fillRef idx="1">
-            <a:schemeClr val="accent1"/>
-          </a:fillRef>
-          <a:effectRef idx="0">
-            <a:schemeClr val="accent1"/>
-          </a:effectRef>
-          <a:fontRef idx="minor">
-            <a:schemeClr val="lt1"/>
-          </a:fontRef>
-        </p:style>
-        <p:txBody>
-          <a:bodyPr rtlCol="0" anchor="ctr"/>
-          <a:lstStyle/>
-          <a:p>
-            <a:pPr marL="0" marR="0" lvl="0" indent="0" algn="ctr" defTabSz="914400" rtl="0" eaLnBrk="1" fontAlgn="auto" latinLnBrk="0" hangingPunct="1">
-              <a:lnSpc>
-                <a:spcPct val="100000"/>
-              </a:lnSpc>
-              <a:spcBef>
-                <a:spcPts val="0"/>
-              </a:spcBef>
-              <a:spcAft>
-                <a:spcPts val="0"/>
-              </a:spcAft>
-              <a:buClrTx/>
-              <a:buSzTx/>
-              <a:buFontTx/>
-              <a:buNone/>
-              <a:tabLst/>
-              <a:defRPr/>
-            </a:pPr>
-            <a:endParaRPr kumimoji="0" lang="en-US" sz="1800" b="0" i="0" u="none" strike="noStrike" kern="1200" cap="none" spc="0" normalizeH="0" baseline="0" noProof="0">
-              <a:ln>
-                <a:noFill/>
-              </a:ln>
-              <a:solidFill>
-                <a:prstClr val="white"/>
-              </a:solidFill>
-              <a:effectLst/>
-              <a:uLnTx/>
-              <a:uFillTx/>
-              <a:latin typeface="Calibri" panose="020F0502020204030204"/>
-              <a:ea typeface="+mn-ea"/>
-              <a:cs typeface="+mn-cs"/>
-            </a:endParaRPr>
-          </a:p>
-        </p:txBody>
-      </p:sp>
-      <p:sp>
-        <p:nvSpPr>
-          <p:cNvPr id="17" name="Rounded Rectangle 26">
-            <a:extLst>
-              <a:ext uri="{FF2B5EF4-FFF2-40B4-BE49-F238E27FC236}">
-                <a16:creationId xmlns:a16="http://schemas.microsoft.com/office/drawing/2014/main" id="{1B10F861-B8F1-49C7-BD58-EAB20CEE7F93}"/>
-              </a:ext>
-              <a:ext uri="{C183D7F6-B498-43B3-948B-1728B52AA6E4}">
-                <adec:decorative xmlns:adec="http://schemas.microsoft.com/office/drawing/2017/decorative" val="1"/>
-              </a:ext>
-            </a:extLst>
-          </p:cNvPr>
-          <p:cNvSpPr>
-            <a:spLocks noGrp="1" noRot="1" noChangeAspect="1" noMove="1" noResize="1" noEditPoints="1" noAdjustHandles="1" noChangeArrowheads="1" noChangeShapeType="1" noTextEdit="1"/>
-          </p:cNvSpPr>
-          <p:nvPr>
-            <p:extLst>
-              <p:ext uri="{386F3935-93C4-4BCD-93E2-E3B085C9AB24}">
-                <p16:designElem xmlns:p16="http://schemas.microsoft.com/office/powerpoint/2015/main" val="1"/>
-              </p:ext>
-            </p:extLst>
-          </p:nvPr>
-        </p:nvSpPr>
-        <p:spPr>
-          <a:xfrm>
-            <a:off x="321564" y="2423160"/>
-            <a:ext cx="5613569" cy="3930315"/>
-          </a:xfrm>
-          <a:prstGeom prst="roundRect">
-            <a:avLst>
-              <a:gd name="adj" fmla="val 0"/>
-            </a:avLst>
-          </a:prstGeom>
-          <a:solidFill>
-            <a:srgbClr val="FFFFFF"/>
-          </a:solidFill>
-          <a:ln w="9525">
-            <a:solidFill>
-              <a:srgbClr val="C8CACA"/>
-            </a:solidFill>
-          </a:ln>
-          <a:effectLst>
-            <a:outerShdw blurRad="57150" dist="19050" dir="5400000" algn="t" rotWithShape="0">
-              <a:prstClr val="black">
-                <a:alpha val="63000"/>
-              </a:prstClr>
-            </a:outerShdw>
-          </a:effectLst>
-        </p:spPr>
-        <p:style>
-          <a:lnRef idx="2">
-            <a:schemeClr val="accent1">
-              <a:shade val="50000"/>
-            </a:schemeClr>
-          </a:lnRef>
-          <a:fillRef idx="1">
-            <a:schemeClr val="accent1"/>
-          </a:fillRef>
-          <a:effectRef idx="0">
-            <a:schemeClr val="accent1"/>
-          </a:effectRef>
-          <a:fontRef idx="minor">
-            <a:schemeClr val="lt1"/>
-          </a:fontRef>
-        </p:style>
-        <p:txBody>
-          <a:bodyPr rtlCol="0" anchor="ctr"/>
-          <a:lstStyle/>
-          <a:p>
-            <a:pPr algn="ctr"/>
-            <a:endParaRPr lang="en-US"/>
-          </a:p>
-        </p:txBody>
-      </p:sp>
-      <p:sp>
-        <p:nvSpPr>
-          <p:cNvPr id="19" name="Rounded Rectangle 16">
-            <a:extLst>
-              <a:ext uri="{FF2B5EF4-FFF2-40B4-BE49-F238E27FC236}">
-                <a16:creationId xmlns:a16="http://schemas.microsoft.com/office/drawing/2014/main" id="{61F6E425-22AB-4DA2-8FAC-58ADB58EF6C3}"/>
-              </a:ext>
-              <a:ext uri="{C183D7F6-B498-43B3-948B-1728B52AA6E4}">
-                <adec:decorative xmlns:adec="http://schemas.microsoft.com/office/drawing/2017/decorative" val="1"/>
-              </a:ext>
-            </a:extLst>
-          </p:cNvPr>
-          <p:cNvSpPr>
-            <a:spLocks noGrp="1" noRot="1" noChangeAspect="1" noMove="1" noResize="1" noEditPoints="1" noAdjustHandles="1" noChangeArrowheads="1" noChangeShapeType="1" noTextEdit="1"/>
-          </p:cNvSpPr>
-          <p:nvPr>
-            <p:extLst>
-              <p:ext uri="{386F3935-93C4-4BCD-93E2-E3B085C9AB24}">
-                <p16:designElem xmlns:p16="http://schemas.microsoft.com/office/powerpoint/2015/main" val="1"/>
-              </p:ext>
-            </p:extLst>
-          </p:nvPr>
-        </p:nvSpPr>
-        <p:spPr>
-          <a:xfrm>
-            <a:off x="6254749" y="2423160"/>
-            <a:ext cx="5613569" cy="3930315"/>
-          </a:xfrm>
-          <a:prstGeom prst="roundRect">
-            <a:avLst>
-              <a:gd name="adj" fmla="val 0"/>
-            </a:avLst>
-          </a:prstGeom>
-          <a:solidFill>
-            <a:srgbClr val="FFFFFF"/>
-          </a:solidFill>
-          <a:ln w="9525">
-            <a:solidFill>
-              <a:srgbClr val="C8CACA"/>
-            </a:solidFill>
-          </a:ln>
-          <a:effectLst>
-            <a:outerShdw blurRad="57150" dist="19050" dir="5400000" algn="t" rotWithShape="0">
-              <a:prstClr val="black">
-                <a:alpha val="63000"/>
-              </a:prstClr>
-            </a:outerShdw>
-          </a:effectLst>
-        </p:spPr>
-        <p:style>
-          <a:lnRef idx="2">
-            <a:schemeClr val="accent1">
-              <a:shade val="50000"/>
-            </a:schemeClr>
-          </a:lnRef>
-          <a:fillRef idx="1">
-            <a:schemeClr val="accent1"/>
-          </a:fillRef>
-          <a:effectRef idx="0">
-            <a:schemeClr val="accent1"/>
-          </a:effectRef>
-          <a:fontRef idx="minor">
-            <a:schemeClr val="lt1"/>
-          </a:fontRef>
-        </p:style>
-        <p:txBody>
-          <a:bodyPr rtlCol="0" anchor="ctr"/>
-          <a:lstStyle/>
-          <a:p>
-            <a:pPr algn="ctr"/>
-            <a:endParaRPr lang="en-US"/>
-          </a:p>
-        </p:txBody>
-      </p:sp>
-      <p:pic>
-        <p:nvPicPr>
-          <p:cNvPr id="5" name="Picture 4">
-            <a:extLst>
-              <a:ext uri="{FF2B5EF4-FFF2-40B4-BE49-F238E27FC236}">
-                <a16:creationId xmlns:a16="http://schemas.microsoft.com/office/drawing/2014/main" id="{B6CF0684-F832-4EE4-91B9-DA01F3D0A346}"/>
-              </a:ext>
-            </a:extLst>
-          </p:cNvPr>
-          <p:cNvPicPr>
-            <a:picLocks noChangeAspect="1"/>
-          </p:cNvPicPr>
-          <p:nvPr/>
-        </p:nvPicPr>
-        <p:blipFill rotWithShape="1">
-          <a:blip r:embed="rId3"/>
-          <a:srcRect t="407" r="2" b="2"/>
-          <a:stretch/>
-        </p:blipFill>
-        <p:spPr>
-          <a:xfrm>
-            <a:off x="861976" y="2662884"/>
-            <a:ext cx="4807697" cy="3291840"/>
-          </a:xfrm>
-          <a:prstGeom prst="rect">
-            <a:avLst/>
-          </a:prstGeom>
-        </p:spPr>
-      </p:pic>
-      <p:pic>
-        <p:nvPicPr>
-          <p:cNvPr id="7" name="Picture 6">
-            <a:extLst>
-              <a:ext uri="{FF2B5EF4-FFF2-40B4-BE49-F238E27FC236}">
-                <a16:creationId xmlns:a16="http://schemas.microsoft.com/office/drawing/2014/main" id="{9C76DD02-F3BC-494B-A550-9EEC82DB9157}"/>
-              </a:ext>
-            </a:extLst>
-          </p:cNvPr>
-          <p:cNvPicPr>
-            <a:picLocks noChangeAspect="1"/>
-          </p:cNvPicPr>
-          <p:nvPr/>
-        </p:nvPicPr>
-        <p:blipFill>
-          <a:blip r:embed="rId4"/>
-          <a:stretch>
-            <a:fillRect/>
-          </a:stretch>
-        </p:blipFill>
-        <p:spPr>
-          <a:xfrm>
-            <a:off x="7142093" y="2596624"/>
-            <a:ext cx="3838880" cy="3291840"/>
-          </a:xfrm>
-          <a:prstGeom prst="rect">
-            <a:avLst/>
-          </a:prstGeom>
-        </p:spPr>
-      </p:pic>
-    </p:spTree>
-    <p:extLst>
-      <p:ext uri="{BB962C8B-B14F-4D97-AF65-F5344CB8AC3E}">
-        <p14:creationId xmlns:p14="http://schemas.microsoft.com/office/powerpoint/2010/main" val="2593540327"/>
-      </p:ext>
-    </p:extLst>
-  </p:cSld>
-  <p:clrMapOvr>
-    <a:masterClrMapping/>
-  </p:clrMapOvr>
-</p:sld>
-</file>
-
-<file path=ppt/slides/slide13.xml><?xml version="1.0" encoding="utf-8"?>
-<p:sld xmlns:a="http://schemas.openxmlformats.org/drawingml/2006/main" xmlns:r="http://schemas.openxmlformats.org/officeDocument/2006/relationships" xmlns:p="http://schemas.openxmlformats.org/presentationml/2006/main">
-  <p:cSld>
-    <p:bg>
-      <p:bgPr>
-        <a:solidFill>
-          <a:schemeClr val="bg1"/>
-        </a:solidFill>
-        <a:effectLst/>
-      </p:bgPr>
-    </p:bg>
-    <p:spTree>
-      <p:nvGrpSpPr>
-        <p:cNvPr id="1" name=""/>
-        <p:cNvGrpSpPr/>
-        <p:nvPr/>
-      </p:nvGrpSpPr>
-      <p:grpSpPr>
-        <a:xfrm>
-          <a:off x="0" y="0"/>
-          <a:ext cx="0" cy="0"/>
-          <a:chOff x="0" y="0"/>
-          <a:chExt cx="0" cy="0"/>
-        </a:xfrm>
-      </p:grpSpPr>
-      <p:sp useBgFill="1">
-        <p:nvSpPr>
-          <p:cNvPr id="23" name="Rectangle 14">
-            <a:extLst>
-              <a:ext uri="{FF2B5EF4-FFF2-40B4-BE49-F238E27FC236}">
-                <a16:creationId xmlns:a16="http://schemas.microsoft.com/office/drawing/2014/main" id="{8761DDFE-071F-4200-B0AA-394476C2D2D6}"/>
-              </a:ext>
-              <a:ext uri="{C183D7F6-B498-43B3-948B-1728B52AA6E4}">
-                <adec:decorative xmlns:adec="http://schemas.microsoft.com/office/drawing/2017/decorative" val="1"/>
+                <adec:decorative xmlns:adec="http://schemas.microsoft.com/office/drawing/2017/decorative" xmlns="" val="1"/>
               </a:ext>
             </a:extLst>
           </p:cNvPr>
@@ -6527,462 +6177,6 @@
           <p:cNvPr id="2" name="Title 1">
             <a:extLst>
               <a:ext uri="{FF2B5EF4-FFF2-40B4-BE49-F238E27FC236}">
-                <a16:creationId xmlns:a16="http://schemas.microsoft.com/office/drawing/2014/main" id="{2D116806-9978-4023-94EA-6BE5B5032982}"/>
-              </a:ext>
-            </a:extLst>
-          </p:cNvPr>
-          <p:cNvSpPr>
-            <a:spLocks noGrp="1"/>
-          </p:cNvSpPr>
-          <p:nvPr>
-            <p:ph type="title"/>
-          </p:nvPr>
-        </p:nvSpPr>
-        <p:spPr>
-          <a:xfrm>
-            <a:off x="838198" y="547815"/>
-            <a:ext cx="5167185" cy="1680519"/>
-          </a:xfrm>
-        </p:spPr>
-        <p:txBody>
-          <a:bodyPr>
-            <a:normAutofit/>
-          </a:bodyPr>
-          <a:lstStyle/>
-          <a:p>
-            <a:r>
-              <a:rPr lang="en-US" sz="4000" dirty="0"/>
-              <a:t>LSTM and ConvLSTM</a:t>
-            </a:r>
-          </a:p>
-        </p:txBody>
-      </p:sp>
-      <p:sp>
-        <p:nvSpPr>
-          <p:cNvPr id="3" name="Content Placeholder 2">
-            <a:extLst>
-              <a:ext uri="{FF2B5EF4-FFF2-40B4-BE49-F238E27FC236}">
-                <a16:creationId xmlns:a16="http://schemas.microsoft.com/office/drawing/2014/main" id="{EBF93530-F81F-4CB0-9F41-A0CB836DFEE3}"/>
-              </a:ext>
-            </a:extLst>
-          </p:cNvPr>
-          <p:cNvSpPr>
-            <a:spLocks noGrp="1"/>
-          </p:cNvSpPr>
-          <p:nvPr>
-            <p:ph idx="1"/>
-          </p:nvPr>
-        </p:nvSpPr>
-        <p:spPr>
-          <a:xfrm>
-            <a:off x="6186619" y="547815"/>
-            <a:ext cx="5178960" cy="1680519"/>
-          </a:xfrm>
-        </p:spPr>
-        <p:txBody>
-          <a:bodyPr anchor="ctr">
-            <a:normAutofit/>
-          </a:bodyPr>
-          <a:lstStyle/>
-          <a:p>
-            <a:r>
-              <a:rPr lang="en-US" sz="2000" dirty="0"/>
-              <a:t>The authors made use of the ConvLSTM.</a:t>
-            </a:r>
-          </a:p>
-        </p:txBody>
-      </p:sp>
-      <p:pic>
-        <p:nvPicPr>
-          <p:cNvPr id="5" name="Picture 4">
-            <a:extLst>
-              <a:ext uri="{FF2B5EF4-FFF2-40B4-BE49-F238E27FC236}">
-                <a16:creationId xmlns:a16="http://schemas.microsoft.com/office/drawing/2014/main" id="{C3AA8098-48EB-49B5-87E9-CACEF0B7227A}"/>
-              </a:ext>
-            </a:extLst>
-          </p:cNvPr>
-          <p:cNvPicPr>
-            <a:picLocks noChangeAspect="1"/>
-          </p:cNvPicPr>
-          <p:nvPr/>
-        </p:nvPicPr>
-        <p:blipFill rotWithShape="1">
-          <a:blip r:embed="rId3"/>
-          <a:srcRect t="565" r="2" b="7221"/>
-          <a:stretch/>
-        </p:blipFill>
-        <p:spPr>
-          <a:xfrm>
-            <a:off x="838198" y="2508504"/>
-            <a:ext cx="5167185" cy="3537985"/>
-          </a:xfrm>
-          <a:prstGeom prst="rect">
-            <a:avLst/>
-          </a:prstGeom>
-        </p:spPr>
-      </p:pic>
-      <p:pic>
-        <p:nvPicPr>
-          <p:cNvPr id="7" name="Picture 6">
-            <a:extLst>
-              <a:ext uri="{FF2B5EF4-FFF2-40B4-BE49-F238E27FC236}">
-                <a16:creationId xmlns:a16="http://schemas.microsoft.com/office/drawing/2014/main" id="{8F981F38-F43D-4D42-9DAE-CBBFF023DA2C}"/>
-              </a:ext>
-            </a:extLst>
-          </p:cNvPr>
-          <p:cNvPicPr>
-            <a:picLocks noChangeAspect="1"/>
-          </p:cNvPicPr>
-          <p:nvPr/>
-        </p:nvPicPr>
-        <p:blipFill>
-          <a:blip r:embed="rId4"/>
-          <a:stretch>
-            <a:fillRect/>
-          </a:stretch>
-        </p:blipFill>
-        <p:spPr>
-          <a:xfrm>
-            <a:off x="5893594" y="2879247"/>
-            <a:ext cx="6093526" cy="1949927"/>
-          </a:xfrm>
-          <a:prstGeom prst="rect">
-            <a:avLst/>
-          </a:prstGeom>
-        </p:spPr>
-      </p:pic>
-    </p:spTree>
-    <p:extLst>
-      <p:ext uri="{BB962C8B-B14F-4D97-AF65-F5344CB8AC3E}">
-        <p14:creationId xmlns:p14="http://schemas.microsoft.com/office/powerpoint/2010/main" val="823665693"/>
-      </p:ext>
-    </p:extLst>
-  </p:cSld>
-  <p:clrMapOvr>
-    <a:masterClrMapping/>
-  </p:clrMapOvr>
-</p:sld>
-</file>
-
-<file path=ppt/slides/slide14.xml><?xml version="1.0" encoding="utf-8"?>
-<p:sld xmlns:a="http://schemas.openxmlformats.org/drawingml/2006/main" xmlns:r="http://schemas.openxmlformats.org/officeDocument/2006/relationships" xmlns:p="http://schemas.openxmlformats.org/presentationml/2006/main">
-  <p:cSld>
-    <p:spTree>
-      <p:nvGrpSpPr>
-        <p:cNvPr id="1" name=""/>
-        <p:cNvGrpSpPr/>
-        <p:nvPr/>
-      </p:nvGrpSpPr>
-      <p:grpSpPr>
-        <a:xfrm>
-          <a:off x="0" y="0"/>
-          <a:ext cx="0" cy="0"/>
-          <a:chOff x="0" y="0"/>
-          <a:chExt cx="0" cy="0"/>
-        </a:xfrm>
-      </p:grpSpPr>
-      <p:sp>
-        <p:nvSpPr>
-          <p:cNvPr id="2" name="Title 1">
-            <a:extLst>
-              <a:ext uri="{FF2B5EF4-FFF2-40B4-BE49-F238E27FC236}">
-                <a16:creationId xmlns:a16="http://schemas.microsoft.com/office/drawing/2014/main" id="{82B163A8-D1A7-4F32-ACE5-5D577E1EA224}"/>
-              </a:ext>
-            </a:extLst>
-          </p:cNvPr>
-          <p:cNvSpPr>
-            <a:spLocks noGrp="1"/>
-          </p:cNvSpPr>
-          <p:nvPr>
-            <p:ph type="title"/>
-          </p:nvPr>
-        </p:nvSpPr>
-        <p:spPr>
-          <a:xfrm>
-            <a:off x="443948" y="365125"/>
-            <a:ext cx="11277600" cy="1325563"/>
-          </a:xfrm>
-        </p:spPr>
-        <p:txBody>
-          <a:bodyPr/>
-          <a:lstStyle/>
-          <a:p>
-            <a:r>
-              <a:rPr lang="en-US" dirty="0"/>
-              <a:t>Deconvolution layer -  (Transposed Convolutions)</a:t>
-            </a:r>
-          </a:p>
-        </p:txBody>
-      </p:sp>
-      <p:sp>
-        <p:nvSpPr>
-          <p:cNvPr id="3" name="Content Placeholder 2">
-            <a:extLst>
-              <a:ext uri="{FF2B5EF4-FFF2-40B4-BE49-F238E27FC236}">
-                <a16:creationId xmlns:a16="http://schemas.microsoft.com/office/drawing/2014/main" id="{FCBD9A89-68AB-4809-8283-AB7297205F4F}"/>
-              </a:ext>
-            </a:extLst>
-          </p:cNvPr>
-          <p:cNvSpPr>
-            <a:spLocks noGrp="1"/>
-          </p:cNvSpPr>
-          <p:nvPr>
-            <p:ph idx="1"/>
-          </p:nvPr>
-        </p:nvSpPr>
-        <p:spPr/>
-        <p:txBody>
-          <a:bodyPr/>
-          <a:lstStyle/>
-          <a:p>
-            <a:pPr algn="just"/>
-            <a:r>
-              <a:rPr lang="en-US" dirty="0"/>
-              <a:t>Not an actual deconvolution, it’s a transposed convolution layer.</a:t>
-            </a:r>
-          </a:p>
-          <a:p>
-            <a:pPr algn="just"/>
-            <a:r>
-              <a:rPr lang="en-US" dirty="0"/>
-              <a:t>So, this layer do not actually reverse the process, its </a:t>
-            </a:r>
-            <a:r>
-              <a:rPr lang="en-US" b="0" i="0" dirty="0">
-                <a:solidFill>
-                  <a:srgbClr val="292929"/>
-                </a:solidFill>
-                <a:effectLst/>
-                <a:latin typeface="charter"/>
-              </a:rPr>
-              <a:t>merely reconstructs the spatial resolution from before and performs a convolution. </a:t>
-            </a:r>
-          </a:p>
-          <a:p>
-            <a:pPr algn="just"/>
-            <a:r>
-              <a:rPr lang="en-US" b="0" i="0" dirty="0">
-                <a:solidFill>
-                  <a:srgbClr val="292929"/>
-                </a:solidFill>
-                <a:effectLst/>
-                <a:latin typeface="charter"/>
-              </a:rPr>
-              <a:t>This may not be the mathematical inverse, but for Encoder-Decoder architectures, it’s still very helpful. This way we can combine the upscaling of an image with a convolution, instead of doing two separate processes.</a:t>
-            </a:r>
-            <a:endParaRPr lang="en-US" dirty="0"/>
-          </a:p>
-        </p:txBody>
-      </p:sp>
-    </p:spTree>
-    <p:extLst>
-      <p:ext uri="{BB962C8B-B14F-4D97-AF65-F5344CB8AC3E}">
-        <p14:creationId xmlns:p14="http://schemas.microsoft.com/office/powerpoint/2010/main" val="320431358"/>
-      </p:ext>
-    </p:extLst>
-  </p:cSld>
-  <p:clrMapOvr>
-    <a:masterClrMapping/>
-  </p:clrMapOvr>
-</p:sld>
-</file>
-
-<file path=ppt/slides/slide15.xml><?xml version="1.0" encoding="utf-8"?>
-<p:sld xmlns:a="http://schemas.openxmlformats.org/drawingml/2006/main" xmlns:r="http://schemas.openxmlformats.org/officeDocument/2006/relationships" xmlns:p="http://schemas.openxmlformats.org/presentationml/2006/main">
-  <p:cSld>
-    <p:spTree>
-      <p:nvGrpSpPr>
-        <p:cNvPr id="1" name=""/>
-        <p:cNvGrpSpPr/>
-        <p:nvPr/>
-      </p:nvGrpSpPr>
-      <p:grpSpPr>
-        <a:xfrm>
-          <a:off x="0" y="0"/>
-          <a:ext cx="0" cy="0"/>
-          <a:chOff x="0" y="0"/>
-          <a:chExt cx="0" cy="0"/>
-        </a:xfrm>
-      </p:grpSpPr>
-      <p:sp>
-        <p:nvSpPr>
-          <p:cNvPr id="2" name="Title 1">
-            <a:extLst>
-              <a:ext uri="{FF2B5EF4-FFF2-40B4-BE49-F238E27FC236}">
-                <a16:creationId xmlns:a16="http://schemas.microsoft.com/office/drawing/2014/main" id="{C12132A5-2C99-4F92-80E4-100FCF6A9A56}"/>
-              </a:ext>
-            </a:extLst>
-          </p:cNvPr>
-          <p:cNvSpPr>
-            <a:spLocks noGrp="1"/>
-          </p:cNvSpPr>
-          <p:nvPr>
-            <p:ph type="title"/>
-          </p:nvPr>
-        </p:nvSpPr>
-        <p:spPr/>
-        <p:txBody>
-          <a:bodyPr/>
-          <a:lstStyle/>
-          <a:p>
-            <a:r>
-              <a:rPr lang="en-US" dirty="0"/>
-              <a:t>Encoder-Decoder</a:t>
-            </a:r>
-          </a:p>
-        </p:txBody>
-      </p:sp>
-      <p:sp>
-        <p:nvSpPr>
-          <p:cNvPr id="3" name="Content Placeholder 2">
-            <a:extLst>
-              <a:ext uri="{FF2B5EF4-FFF2-40B4-BE49-F238E27FC236}">
-                <a16:creationId xmlns:a16="http://schemas.microsoft.com/office/drawing/2014/main" id="{522ACF28-63A8-49D8-ADCC-68BF09975663}"/>
-              </a:ext>
-            </a:extLst>
-          </p:cNvPr>
-          <p:cNvSpPr>
-            <a:spLocks noGrp="1"/>
-          </p:cNvSpPr>
-          <p:nvPr>
-            <p:ph idx="1"/>
-          </p:nvPr>
-        </p:nvSpPr>
-        <p:spPr/>
-        <p:txBody>
-          <a:bodyPr>
-            <a:normAutofit/>
-          </a:bodyPr>
-          <a:lstStyle/>
-          <a:p>
-            <a:r>
-              <a:rPr lang="en-US" dirty="0"/>
-              <a:t>Encoder-decoder as mentioned before, refers to a symmetric CNN structure that transform input data into feature maps with converging spatial size in the encoder and then transformed back to original size using the decoder.</a:t>
-            </a:r>
-          </a:p>
-          <a:p>
-            <a:r>
-              <a:rPr lang="en-US" dirty="0"/>
-              <a:t>For this work task, a slight change is needed. For deblurring there is a need for a large receptive field to handle severe motions. This is usually accomplished by stacking more levels. </a:t>
-            </a:r>
-          </a:p>
-          <a:p>
-            <a:r>
-              <a:rPr lang="en-US" dirty="0"/>
-              <a:t>This is not ideal in practice since it increase the number of parameters. Also, the feature maps are too small. Another reason is a slow convergences of the network.</a:t>
-            </a:r>
-          </a:p>
-          <a:p>
-            <a:pPr marL="0" indent="0">
-              <a:buNone/>
-            </a:pPr>
-            <a:endParaRPr lang="en-US" dirty="0"/>
-          </a:p>
-        </p:txBody>
-      </p:sp>
-    </p:spTree>
-    <p:extLst>
-      <p:ext uri="{BB962C8B-B14F-4D97-AF65-F5344CB8AC3E}">
-        <p14:creationId xmlns:p14="http://schemas.microsoft.com/office/powerpoint/2010/main" val="1755361595"/>
-      </p:ext>
-    </p:extLst>
-  </p:cSld>
-  <p:clrMapOvr>
-    <a:masterClrMapping/>
-  </p:clrMapOvr>
-</p:sld>
-</file>
-
-<file path=ppt/slides/slide16.xml><?xml version="1.0" encoding="utf-8"?>
-<p:sld xmlns:a="http://schemas.openxmlformats.org/drawingml/2006/main" xmlns:r="http://schemas.openxmlformats.org/officeDocument/2006/relationships" xmlns:p="http://schemas.openxmlformats.org/presentationml/2006/main">
-  <p:cSld>
-    <p:bg>
-      <p:bgPr>
-        <a:solidFill>
-          <a:schemeClr val="bg1"/>
-        </a:solidFill>
-        <a:effectLst/>
-      </p:bgPr>
-    </p:bg>
-    <p:spTree>
-      <p:nvGrpSpPr>
-        <p:cNvPr id="1" name=""/>
-        <p:cNvGrpSpPr/>
-        <p:nvPr/>
-      </p:nvGrpSpPr>
-      <p:grpSpPr>
-        <a:xfrm>
-          <a:off x="0" y="0"/>
-          <a:ext cx="0" cy="0"/>
-          <a:chOff x="0" y="0"/>
-          <a:chExt cx="0" cy="0"/>
-        </a:xfrm>
-      </p:grpSpPr>
-      <p:sp useBgFill="1">
-        <p:nvSpPr>
-          <p:cNvPr id="17" name="Rectangle 16">
-            <a:extLst>
-              <a:ext uri="{FF2B5EF4-FFF2-40B4-BE49-F238E27FC236}">
-                <a16:creationId xmlns:a16="http://schemas.microsoft.com/office/drawing/2014/main" id="{70155189-D96C-4527-B0EC-654B946BE615}"/>
-              </a:ext>
-              <a:ext uri="{C183D7F6-B498-43B3-948B-1728B52AA6E4}">
-                <adec:decorative xmlns:adec="http://schemas.microsoft.com/office/drawing/2017/decorative" val="1"/>
-              </a:ext>
-            </a:extLst>
-          </p:cNvPr>
-          <p:cNvSpPr>
-            <a:spLocks noGrp="1" noRot="1" noChangeAspect="1" noMove="1" noResize="1" noEditPoints="1" noAdjustHandles="1" noChangeArrowheads="1" noChangeShapeType="1" noTextEdit="1"/>
-          </p:cNvSpPr>
-          <p:nvPr>
-            <p:extLst>
-              <p:ext uri="{386F3935-93C4-4BCD-93E2-E3B085C9AB24}">
-                <p16:designElem xmlns:p16="http://schemas.microsoft.com/office/powerpoint/2015/main" val="1"/>
-              </p:ext>
-            </p:extLst>
-          </p:nvPr>
-        </p:nvSpPr>
-        <p:spPr>
-          <a:xfrm>
-            <a:off x="-1" y="0"/>
-            <a:ext cx="12188952" cy="6858000"/>
-          </a:xfrm>
-          <a:prstGeom prst="rect">
-            <a:avLst/>
-          </a:prstGeom>
-          <a:ln>
-            <a:noFill/>
-          </a:ln>
-        </p:spPr>
-        <p:style>
-          <a:lnRef idx="2">
-            <a:schemeClr val="accent1">
-              <a:shade val="50000"/>
-            </a:schemeClr>
-          </a:lnRef>
-          <a:fillRef idx="1">
-            <a:schemeClr val="accent1"/>
-          </a:fillRef>
-          <a:effectRef idx="0">
-            <a:schemeClr val="accent1"/>
-          </a:effectRef>
-          <a:fontRef idx="minor">
-            <a:schemeClr val="lt1"/>
-          </a:fontRef>
-        </p:style>
-        <p:txBody>
-          <a:bodyPr rtlCol="0" anchor="ctr"/>
-          <a:lstStyle/>
-          <a:p>
-            <a:pPr algn="ctr"/>
-            <a:endParaRPr lang="en-US"/>
-          </a:p>
-        </p:txBody>
-      </p:sp>
-      <p:sp>
-        <p:nvSpPr>
-          <p:cNvPr id="2" name="Title 1">
-            <a:extLst>
-              <a:ext uri="{FF2B5EF4-FFF2-40B4-BE49-F238E27FC236}">
                 <a16:creationId xmlns:a16="http://schemas.microsoft.com/office/drawing/2014/main" id="{A5B940AA-2CFA-4DD7-8F4A-19F7F0D8ECF7}"/>
               </a:ext>
             </a:extLst>
@@ -7008,9 +6202,14 @@
           <a:p>
             <a:pPr algn="ctr"/>
             <a:r>
-              <a:rPr lang="en-US" sz="5200"/>
+              <a:rPr lang="en-US" sz="5200" dirty="0" err="1" smtClean="0"/>
               <a:t>ResBLock</a:t>
             </a:r>
+            <a:r>
+              <a:rPr lang="en-US" sz="5200" dirty="0" smtClean="0"/>
+              <a:t> and skip-connections</a:t>
+            </a:r>
+            <a:endParaRPr lang="en-US" sz="5200" dirty="0"/>
           </a:p>
         </p:txBody>
       </p:sp>
@@ -7149,6 +6348,890 @@
     <p:extLst>
       <p:ext uri="{BB962C8B-B14F-4D97-AF65-F5344CB8AC3E}">
         <p14:creationId xmlns:p14="http://schemas.microsoft.com/office/powerpoint/2010/main" val="734080766"/>
+      </p:ext>
+    </p:extLst>
+  </p:cSld>
+  <p:clrMapOvr>
+    <a:masterClrMapping/>
+  </p:clrMapOvr>
+</p:sld>
+</file>
+
+<file path=ppt/slides/slide13.xml><?xml version="1.0" encoding="utf-8"?>
+<p:sld xmlns:a="http://schemas.openxmlformats.org/drawingml/2006/main" xmlns:r="http://schemas.openxmlformats.org/officeDocument/2006/relationships" xmlns:p="http://schemas.openxmlformats.org/presentationml/2006/main">
+  <p:cSld>
+    <p:bg>
+      <p:bgPr>
+        <a:solidFill>
+          <a:schemeClr val="bg1"/>
+        </a:solidFill>
+        <a:effectLst/>
+      </p:bgPr>
+    </p:bg>
+    <p:spTree>
+      <p:nvGrpSpPr>
+        <p:cNvPr id="1" name=""/>
+        <p:cNvGrpSpPr/>
+        <p:nvPr/>
+      </p:nvGrpSpPr>
+      <p:grpSpPr>
+        <a:xfrm>
+          <a:off x="0" y="0"/>
+          <a:ext cx="0" cy="0"/>
+          <a:chOff x="0" y="0"/>
+          <a:chExt cx="0" cy="0"/>
+        </a:xfrm>
+      </p:grpSpPr>
+      <p:sp>
+        <p:nvSpPr>
+          <p:cNvPr id="2" name="Title 1">
+            <a:extLst>
+              <a:ext uri="{FF2B5EF4-FFF2-40B4-BE49-F238E27FC236}">
+                <a16:creationId xmlns:a16="http://schemas.microsoft.com/office/drawing/2014/main" id="{83EB57AF-F77F-4281-B01F-E3E3D325ED74}"/>
+              </a:ext>
+            </a:extLst>
+          </p:cNvPr>
+          <p:cNvSpPr>
+            <a:spLocks noGrp="1"/>
+          </p:cNvSpPr>
+          <p:nvPr>
+            <p:ph type="title"/>
+          </p:nvPr>
+        </p:nvSpPr>
+        <p:spPr>
+          <a:xfrm>
+            <a:off x="648928" y="338328"/>
+            <a:ext cx="3685032" cy="1608328"/>
+          </a:xfrm>
+        </p:spPr>
+        <p:txBody>
+          <a:bodyPr>
+            <a:normAutofit/>
+          </a:bodyPr>
+          <a:lstStyle/>
+          <a:p>
+            <a:r>
+              <a:rPr lang="en-US" sz="3600"/>
+              <a:t>RNN </a:t>
+            </a:r>
+          </a:p>
+        </p:txBody>
+      </p:sp>
+      <p:sp>
+        <p:nvSpPr>
+          <p:cNvPr id="3" name="Content Placeholder 2">
+            <a:extLst>
+              <a:ext uri="{FF2B5EF4-FFF2-40B4-BE49-F238E27FC236}">
+                <a16:creationId xmlns:a16="http://schemas.microsoft.com/office/drawing/2014/main" id="{34B1A2E2-913D-4077-A67F-F0BF11578747}"/>
+              </a:ext>
+            </a:extLst>
+          </p:cNvPr>
+          <p:cNvSpPr>
+            <a:spLocks noGrp="1"/>
+          </p:cNvSpPr>
+          <p:nvPr>
+            <p:ph idx="1"/>
+          </p:nvPr>
+        </p:nvSpPr>
+        <p:spPr>
+          <a:xfrm>
+            <a:off x="4864100" y="338328"/>
+            <a:ext cx="6675627" cy="1605083"/>
+          </a:xfrm>
+        </p:spPr>
+        <p:txBody>
+          <a:bodyPr anchor="ctr">
+            <a:normAutofit/>
+          </a:bodyPr>
+          <a:lstStyle/>
+          <a:p>
+            <a:r>
+              <a:rPr lang="en-US" sz="2000" dirty="0"/>
+              <a:t>Sequence to sequence translation is most often done with RNN (speech recognition, image sequence). </a:t>
+            </a:r>
+          </a:p>
+          <a:p>
+            <a:r>
+              <a:rPr lang="en-US" sz="2000" dirty="0"/>
+              <a:t>Make use of not only the input, but the last prediction is also an input.</a:t>
+            </a:r>
+          </a:p>
+        </p:txBody>
+      </p:sp>
+      <p:sp>
+        <p:nvSpPr>
+          <p:cNvPr id="15" name="Rectangle 14">
+            <a:extLst>
+              <a:ext uri="{FF2B5EF4-FFF2-40B4-BE49-F238E27FC236}">
+                <a16:creationId xmlns:a16="http://schemas.microsoft.com/office/drawing/2014/main" id="{5AAE9118-0436-4488-AC4A-C14DF6A7B6B1}"/>
+              </a:ext>
+              <a:ext uri="{C183D7F6-B498-43B3-948B-1728B52AA6E4}">
+                <adec:decorative xmlns:adec="http://schemas.microsoft.com/office/drawing/2017/decorative" xmlns="" val="1"/>
+              </a:ext>
+            </a:extLst>
+          </p:cNvPr>
+          <p:cNvSpPr>
+            <a:spLocks noGrp="1" noRot="1" noChangeAspect="1" noMove="1" noResize="1" noEditPoints="1" noAdjustHandles="1" noChangeArrowheads="1" noChangeShapeType="1" noTextEdit="1"/>
+          </p:cNvSpPr>
+          <p:nvPr>
+            <p:extLst>
+              <p:ext uri="{386F3935-93C4-4BCD-93E2-E3B085C9AB24}">
+                <p16:designElem xmlns:p16="http://schemas.microsoft.com/office/powerpoint/2015/main" val="1"/>
+              </p:ext>
+            </p:extLst>
+          </p:nvPr>
+        </p:nvSpPr>
+        <p:spPr>
+          <a:xfrm>
+            <a:off x="-2" y="2211010"/>
+            <a:ext cx="12192002" cy="4646990"/>
+          </a:xfrm>
+          <a:prstGeom prst="rect">
+            <a:avLst/>
+          </a:prstGeom>
+          <a:solidFill>
+            <a:srgbClr val="C8CACA"/>
+          </a:solidFill>
+          <a:ln>
+            <a:noFill/>
+          </a:ln>
+        </p:spPr>
+        <p:style>
+          <a:lnRef idx="2">
+            <a:schemeClr val="accent1">
+              <a:shade val="50000"/>
+            </a:schemeClr>
+          </a:lnRef>
+          <a:fillRef idx="1">
+            <a:schemeClr val="accent1"/>
+          </a:fillRef>
+          <a:effectRef idx="0">
+            <a:schemeClr val="accent1"/>
+          </a:effectRef>
+          <a:fontRef idx="minor">
+            <a:schemeClr val="lt1"/>
+          </a:fontRef>
+        </p:style>
+        <p:txBody>
+          <a:bodyPr rtlCol="0" anchor="ctr"/>
+          <a:lstStyle/>
+          <a:p>
+            <a:pPr marL="0" marR="0" lvl="0" indent="0" algn="ctr" defTabSz="914400" rtl="0" eaLnBrk="1" fontAlgn="auto" latinLnBrk="0" hangingPunct="1">
+              <a:lnSpc>
+                <a:spcPct val="100000"/>
+              </a:lnSpc>
+              <a:spcBef>
+                <a:spcPts val="0"/>
+              </a:spcBef>
+              <a:spcAft>
+                <a:spcPts val="0"/>
+              </a:spcAft>
+              <a:buClrTx/>
+              <a:buSzTx/>
+              <a:buFontTx/>
+              <a:buNone/>
+              <a:tabLst/>
+              <a:defRPr/>
+            </a:pPr>
+            <a:endParaRPr kumimoji="0" lang="en-US" sz="1800" b="0" i="0" u="none" strike="noStrike" kern="1200" cap="none" spc="0" normalizeH="0" baseline="0" noProof="0">
+              <a:ln>
+                <a:noFill/>
+              </a:ln>
+              <a:solidFill>
+                <a:prstClr val="white"/>
+              </a:solidFill>
+              <a:effectLst/>
+              <a:uLnTx/>
+              <a:uFillTx/>
+              <a:latin typeface="Calibri" panose="020F0502020204030204"/>
+              <a:ea typeface="+mn-ea"/>
+              <a:cs typeface="+mn-cs"/>
+            </a:endParaRPr>
+          </a:p>
+        </p:txBody>
+      </p:sp>
+      <p:sp>
+        <p:nvSpPr>
+          <p:cNvPr id="17" name="Rounded Rectangle 26">
+            <a:extLst>
+              <a:ext uri="{FF2B5EF4-FFF2-40B4-BE49-F238E27FC236}">
+                <a16:creationId xmlns:a16="http://schemas.microsoft.com/office/drawing/2014/main" id="{1B10F861-B8F1-49C7-BD58-EAB20CEE7F93}"/>
+              </a:ext>
+              <a:ext uri="{C183D7F6-B498-43B3-948B-1728B52AA6E4}">
+                <adec:decorative xmlns:adec="http://schemas.microsoft.com/office/drawing/2017/decorative" xmlns="" val="1"/>
+              </a:ext>
+            </a:extLst>
+          </p:cNvPr>
+          <p:cNvSpPr>
+            <a:spLocks noGrp="1" noRot="1" noChangeAspect="1" noMove="1" noResize="1" noEditPoints="1" noAdjustHandles="1" noChangeArrowheads="1" noChangeShapeType="1" noTextEdit="1"/>
+          </p:cNvSpPr>
+          <p:nvPr>
+            <p:extLst>
+              <p:ext uri="{386F3935-93C4-4BCD-93E2-E3B085C9AB24}">
+                <p16:designElem xmlns:p16="http://schemas.microsoft.com/office/powerpoint/2015/main" val="1"/>
+              </p:ext>
+            </p:extLst>
+          </p:nvPr>
+        </p:nvSpPr>
+        <p:spPr>
+          <a:xfrm>
+            <a:off x="321564" y="2423160"/>
+            <a:ext cx="5613569" cy="3930315"/>
+          </a:xfrm>
+          <a:prstGeom prst="roundRect">
+            <a:avLst>
+              <a:gd name="adj" fmla="val 0"/>
+            </a:avLst>
+          </a:prstGeom>
+          <a:solidFill>
+            <a:srgbClr val="FFFFFF"/>
+          </a:solidFill>
+          <a:ln w="9525">
+            <a:solidFill>
+              <a:srgbClr val="C8CACA"/>
+            </a:solidFill>
+          </a:ln>
+          <a:effectLst>
+            <a:outerShdw blurRad="57150" dist="19050" dir="5400000" algn="t" rotWithShape="0">
+              <a:prstClr val="black">
+                <a:alpha val="63000"/>
+              </a:prstClr>
+            </a:outerShdw>
+          </a:effectLst>
+        </p:spPr>
+        <p:style>
+          <a:lnRef idx="2">
+            <a:schemeClr val="accent1">
+              <a:shade val="50000"/>
+            </a:schemeClr>
+          </a:lnRef>
+          <a:fillRef idx="1">
+            <a:schemeClr val="accent1"/>
+          </a:fillRef>
+          <a:effectRef idx="0">
+            <a:schemeClr val="accent1"/>
+          </a:effectRef>
+          <a:fontRef idx="minor">
+            <a:schemeClr val="lt1"/>
+          </a:fontRef>
+        </p:style>
+        <p:txBody>
+          <a:bodyPr rtlCol="0" anchor="ctr"/>
+          <a:lstStyle/>
+          <a:p>
+            <a:pPr algn="ctr"/>
+            <a:endParaRPr lang="en-US"/>
+          </a:p>
+        </p:txBody>
+      </p:sp>
+      <p:sp>
+        <p:nvSpPr>
+          <p:cNvPr id="19" name="Rounded Rectangle 16">
+            <a:extLst>
+              <a:ext uri="{FF2B5EF4-FFF2-40B4-BE49-F238E27FC236}">
+                <a16:creationId xmlns:a16="http://schemas.microsoft.com/office/drawing/2014/main" id="{61F6E425-22AB-4DA2-8FAC-58ADB58EF6C3}"/>
+              </a:ext>
+              <a:ext uri="{C183D7F6-B498-43B3-948B-1728B52AA6E4}">
+                <adec:decorative xmlns:adec="http://schemas.microsoft.com/office/drawing/2017/decorative" xmlns="" val="1"/>
+              </a:ext>
+            </a:extLst>
+          </p:cNvPr>
+          <p:cNvSpPr>
+            <a:spLocks noGrp="1" noRot="1" noChangeAspect="1" noMove="1" noResize="1" noEditPoints="1" noAdjustHandles="1" noChangeArrowheads="1" noChangeShapeType="1" noTextEdit="1"/>
+          </p:cNvSpPr>
+          <p:nvPr>
+            <p:extLst>
+              <p:ext uri="{386F3935-93C4-4BCD-93E2-E3B085C9AB24}">
+                <p16:designElem xmlns:p16="http://schemas.microsoft.com/office/powerpoint/2015/main" val="1"/>
+              </p:ext>
+            </p:extLst>
+          </p:nvPr>
+        </p:nvSpPr>
+        <p:spPr>
+          <a:xfrm>
+            <a:off x="6254749" y="2423160"/>
+            <a:ext cx="5613569" cy="3930315"/>
+          </a:xfrm>
+          <a:prstGeom prst="roundRect">
+            <a:avLst>
+              <a:gd name="adj" fmla="val 0"/>
+            </a:avLst>
+          </a:prstGeom>
+          <a:solidFill>
+            <a:srgbClr val="FFFFFF"/>
+          </a:solidFill>
+          <a:ln w="9525">
+            <a:solidFill>
+              <a:srgbClr val="C8CACA"/>
+            </a:solidFill>
+          </a:ln>
+          <a:effectLst>
+            <a:outerShdw blurRad="57150" dist="19050" dir="5400000" algn="t" rotWithShape="0">
+              <a:prstClr val="black">
+                <a:alpha val="63000"/>
+              </a:prstClr>
+            </a:outerShdw>
+          </a:effectLst>
+        </p:spPr>
+        <p:style>
+          <a:lnRef idx="2">
+            <a:schemeClr val="accent1">
+              <a:shade val="50000"/>
+            </a:schemeClr>
+          </a:lnRef>
+          <a:fillRef idx="1">
+            <a:schemeClr val="accent1"/>
+          </a:fillRef>
+          <a:effectRef idx="0">
+            <a:schemeClr val="accent1"/>
+          </a:effectRef>
+          <a:fontRef idx="minor">
+            <a:schemeClr val="lt1"/>
+          </a:fontRef>
+        </p:style>
+        <p:txBody>
+          <a:bodyPr rtlCol="0" anchor="ctr"/>
+          <a:lstStyle/>
+          <a:p>
+            <a:pPr algn="ctr"/>
+            <a:endParaRPr lang="en-US"/>
+          </a:p>
+        </p:txBody>
+      </p:sp>
+      <p:pic>
+        <p:nvPicPr>
+          <p:cNvPr id="5" name="Picture 4">
+            <a:extLst>
+              <a:ext uri="{FF2B5EF4-FFF2-40B4-BE49-F238E27FC236}">
+                <a16:creationId xmlns:a16="http://schemas.microsoft.com/office/drawing/2014/main" id="{B6CF0684-F832-4EE4-91B9-DA01F3D0A346}"/>
+              </a:ext>
+            </a:extLst>
+          </p:cNvPr>
+          <p:cNvPicPr>
+            <a:picLocks noChangeAspect="1"/>
+          </p:cNvPicPr>
+          <p:nvPr/>
+        </p:nvPicPr>
+        <p:blipFill rotWithShape="1">
+          <a:blip r:embed="rId3"/>
+          <a:srcRect t="407" r="2" b="2"/>
+          <a:stretch/>
+        </p:blipFill>
+        <p:spPr>
+          <a:xfrm>
+            <a:off x="861976" y="2662884"/>
+            <a:ext cx="4807697" cy="3291840"/>
+          </a:xfrm>
+          <a:prstGeom prst="rect">
+            <a:avLst/>
+          </a:prstGeom>
+        </p:spPr>
+      </p:pic>
+      <p:pic>
+        <p:nvPicPr>
+          <p:cNvPr id="7" name="Picture 6">
+            <a:extLst>
+              <a:ext uri="{FF2B5EF4-FFF2-40B4-BE49-F238E27FC236}">
+                <a16:creationId xmlns:a16="http://schemas.microsoft.com/office/drawing/2014/main" id="{9C76DD02-F3BC-494B-A550-9EEC82DB9157}"/>
+              </a:ext>
+            </a:extLst>
+          </p:cNvPr>
+          <p:cNvPicPr>
+            <a:picLocks noChangeAspect="1"/>
+          </p:cNvPicPr>
+          <p:nvPr/>
+        </p:nvPicPr>
+        <p:blipFill>
+          <a:blip r:embed="rId4"/>
+          <a:stretch>
+            <a:fillRect/>
+          </a:stretch>
+        </p:blipFill>
+        <p:spPr>
+          <a:xfrm>
+            <a:off x="7142093" y="2596624"/>
+            <a:ext cx="3838880" cy="3291840"/>
+          </a:xfrm>
+          <a:prstGeom prst="rect">
+            <a:avLst/>
+          </a:prstGeom>
+        </p:spPr>
+      </p:pic>
+    </p:spTree>
+    <p:extLst>
+      <p:ext uri="{BB962C8B-B14F-4D97-AF65-F5344CB8AC3E}">
+        <p14:creationId xmlns:p14="http://schemas.microsoft.com/office/powerpoint/2010/main" val="2593540327"/>
+      </p:ext>
+    </p:extLst>
+  </p:cSld>
+  <p:clrMapOvr>
+    <a:masterClrMapping/>
+  </p:clrMapOvr>
+</p:sld>
+</file>
+
+<file path=ppt/slides/slide14.xml><?xml version="1.0" encoding="utf-8"?>
+<p:sld xmlns:a="http://schemas.openxmlformats.org/drawingml/2006/main" xmlns:r="http://schemas.openxmlformats.org/officeDocument/2006/relationships" xmlns:p="http://schemas.openxmlformats.org/presentationml/2006/main">
+  <p:cSld>
+    <p:bg>
+      <p:bgPr>
+        <a:solidFill>
+          <a:schemeClr val="bg1"/>
+        </a:solidFill>
+        <a:effectLst/>
+      </p:bgPr>
+    </p:bg>
+    <p:spTree>
+      <p:nvGrpSpPr>
+        <p:cNvPr id="1" name=""/>
+        <p:cNvGrpSpPr/>
+        <p:nvPr/>
+      </p:nvGrpSpPr>
+      <p:grpSpPr>
+        <a:xfrm>
+          <a:off x="0" y="0"/>
+          <a:ext cx="0" cy="0"/>
+          <a:chOff x="0" y="0"/>
+          <a:chExt cx="0" cy="0"/>
+        </a:xfrm>
+      </p:grpSpPr>
+      <p:sp useBgFill="1">
+        <p:nvSpPr>
+          <p:cNvPr id="23" name="Rectangle 14">
+            <a:extLst>
+              <a:ext uri="{FF2B5EF4-FFF2-40B4-BE49-F238E27FC236}">
+                <a16:creationId xmlns:a16="http://schemas.microsoft.com/office/drawing/2014/main" id="{8761DDFE-071F-4200-B0AA-394476C2D2D6}"/>
+              </a:ext>
+              <a:ext uri="{C183D7F6-B498-43B3-948B-1728B52AA6E4}">
+                <adec:decorative xmlns:adec="http://schemas.microsoft.com/office/drawing/2017/decorative" xmlns="" val="1"/>
+              </a:ext>
+            </a:extLst>
+          </p:cNvPr>
+          <p:cNvSpPr>
+            <a:spLocks noGrp="1" noRot="1" noChangeAspect="1" noMove="1" noResize="1" noEditPoints="1" noAdjustHandles="1" noChangeArrowheads="1" noChangeShapeType="1" noTextEdit="1"/>
+          </p:cNvSpPr>
+          <p:nvPr>
+            <p:extLst>
+              <p:ext uri="{386F3935-93C4-4BCD-93E2-E3B085C9AB24}">
+                <p16:designElem xmlns:p16="http://schemas.microsoft.com/office/powerpoint/2015/main" val="1"/>
+              </p:ext>
+            </p:extLst>
+          </p:nvPr>
+        </p:nvSpPr>
+        <p:spPr>
+          <a:xfrm>
+            <a:off x="-1" y="0"/>
+            <a:ext cx="12188952" cy="6858000"/>
+          </a:xfrm>
+          <a:prstGeom prst="rect">
+            <a:avLst/>
+          </a:prstGeom>
+          <a:ln>
+            <a:noFill/>
+          </a:ln>
+        </p:spPr>
+        <p:style>
+          <a:lnRef idx="2">
+            <a:schemeClr val="accent1">
+              <a:shade val="50000"/>
+            </a:schemeClr>
+          </a:lnRef>
+          <a:fillRef idx="1">
+            <a:schemeClr val="accent1"/>
+          </a:fillRef>
+          <a:effectRef idx="0">
+            <a:schemeClr val="accent1"/>
+          </a:effectRef>
+          <a:fontRef idx="minor">
+            <a:schemeClr val="lt1"/>
+          </a:fontRef>
+        </p:style>
+        <p:txBody>
+          <a:bodyPr rtlCol="0" anchor="ctr"/>
+          <a:lstStyle/>
+          <a:p>
+            <a:pPr algn="ctr"/>
+            <a:endParaRPr lang="en-US"/>
+          </a:p>
+        </p:txBody>
+      </p:sp>
+      <p:sp>
+        <p:nvSpPr>
+          <p:cNvPr id="2" name="Title 1">
+            <a:extLst>
+              <a:ext uri="{FF2B5EF4-FFF2-40B4-BE49-F238E27FC236}">
+                <a16:creationId xmlns:a16="http://schemas.microsoft.com/office/drawing/2014/main" id="{2D116806-9978-4023-94EA-6BE5B5032982}"/>
+              </a:ext>
+            </a:extLst>
+          </p:cNvPr>
+          <p:cNvSpPr>
+            <a:spLocks noGrp="1"/>
+          </p:cNvSpPr>
+          <p:nvPr>
+            <p:ph type="title"/>
+          </p:nvPr>
+        </p:nvSpPr>
+        <p:spPr>
+          <a:xfrm>
+            <a:off x="838198" y="547815"/>
+            <a:ext cx="5167185" cy="1680519"/>
+          </a:xfrm>
+        </p:spPr>
+        <p:txBody>
+          <a:bodyPr>
+            <a:normAutofit/>
+          </a:bodyPr>
+          <a:lstStyle/>
+          <a:p>
+            <a:r>
+              <a:rPr lang="en-US" sz="4000" dirty="0"/>
+              <a:t>LSTM and ConvLSTM</a:t>
+            </a:r>
+          </a:p>
+        </p:txBody>
+      </p:sp>
+      <p:sp>
+        <p:nvSpPr>
+          <p:cNvPr id="3" name="Content Placeholder 2">
+            <a:extLst>
+              <a:ext uri="{FF2B5EF4-FFF2-40B4-BE49-F238E27FC236}">
+                <a16:creationId xmlns:a16="http://schemas.microsoft.com/office/drawing/2014/main" id="{EBF93530-F81F-4CB0-9F41-A0CB836DFEE3}"/>
+              </a:ext>
+            </a:extLst>
+          </p:cNvPr>
+          <p:cNvSpPr>
+            <a:spLocks noGrp="1"/>
+          </p:cNvSpPr>
+          <p:nvPr>
+            <p:ph idx="1"/>
+          </p:nvPr>
+        </p:nvSpPr>
+        <p:spPr>
+          <a:xfrm>
+            <a:off x="6186619" y="547815"/>
+            <a:ext cx="5178960" cy="1680519"/>
+          </a:xfrm>
+        </p:spPr>
+        <p:txBody>
+          <a:bodyPr anchor="ctr">
+            <a:normAutofit/>
+          </a:bodyPr>
+          <a:lstStyle/>
+          <a:p>
+            <a:r>
+              <a:rPr lang="en-US" sz="2000" dirty="0"/>
+              <a:t>The authors made use of the </a:t>
+            </a:r>
+            <a:r>
+              <a:rPr lang="en-US" sz="2000" dirty="0" err="1"/>
+              <a:t>ConvLSTM</a:t>
+            </a:r>
+            <a:r>
+              <a:rPr lang="en-US" sz="2000" dirty="0" smtClean="0"/>
+              <a:t>.</a:t>
+            </a:r>
+          </a:p>
+          <a:p>
+            <a:r>
+              <a:rPr lang="en-US" sz="2000" dirty="0" smtClean="0"/>
+              <a:t>Originally design to solve the vanishing gradient problem.</a:t>
+            </a:r>
+            <a:endParaRPr lang="en-US" sz="2000" dirty="0"/>
+          </a:p>
+        </p:txBody>
+      </p:sp>
+      <p:pic>
+        <p:nvPicPr>
+          <p:cNvPr id="5" name="Picture 4">
+            <a:extLst>
+              <a:ext uri="{FF2B5EF4-FFF2-40B4-BE49-F238E27FC236}">
+                <a16:creationId xmlns:a16="http://schemas.microsoft.com/office/drawing/2014/main" id="{C3AA8098-48EB-49B5-87E9-CACEF0B7227A}"/>
+              </a:ext>
+            </a:extLst>
+          </p:cNvPr>
+          <p:cNvPicPr>
+            <a:picLocks noChangeAspect="1"/>
+          </p:cNvPicPr>
+          <p:nvPr/>
+        </p:nvPicPr>
+        <p:blipFill rotWithShape="1">
+          <a:blip r:embed="rId3"/>
+          <a:srcRect t="565" r="2" b="7221"/>
+          <a:stretch/>
+        </p:blipFill>
+        <p:spPr>
+          <a:xfrm>
+            <a:off x="838198" y="2508504"/>
+            <a:ext cx="5167185" cy="3537985"/>
+          </a:xfrm>
+          <a:prstGeom prst="rect">
+            <a:avLst/>
+          </a:prstGeom>
+        </p:spPr>
+      </p:pic>
+      <p:pic>
+        <p:nvPicPr>
+          <p:cNvPr id="7" name="Picture 6">
+            <a:extLst>
+              <a:ext uri="{FF2B5EF4-FFF2-40B4-BE49-F238E27FC236}">
+                <a16:creationId xmlns:a16="http://schemas.microsoft.com/office/drawing/2014/main" id="{8F981F38-F43D-4D42-9DAE-CBBFF023DA2C}"/>
+              </a:ext>
+            </a:extLst>
+          </p:cNvPr>
+          <p:cNvPicPr>
+            <a:picLocks noChangeAspect="1"/>
+          </p:cNvPicPr>
+          <p:nvPr/>
+        </p:nvPicPr>
+        <p:blipFill>
+          <a:blip r:embed="rId4"/>
+          <a:stretch>
+            <a:fillRect/>
+          </a:stretch>
+        </p:blipFill>
+        <p:spPr>
+          <a:xfrm>
+            <a:off x="5893594" y="2879247"/>
+            <a:ext cx="6093526" cy="1949927"/>
+          </a:xfrm>
+          <a:prstGeom prst="rect">
+            <a:avLst/>
+          </a:prstGeom>
+        </p:spPr>
+      </p:pic>
+    </p:spTree>
+    <p:extLst>
+      <p:ext uri="{BB962C8B-B14F-4D97-AF65-F5344CB8AC3E}">
+        <p14:creationId xmlns:p14="http://schemas.microsoft.com/office/powerpoint/2010/main" val="823665693"/>
+      </p:ext>
+    </p:extLst>
+  </p:cSld>
+  <p:clrMapOvr>
+    <a:masterClrMapping/>
+  </p:clrMapOvr>
+</p:sld>
+</file>
+
+<file path=ppt/slides/slide15.xml><?xml version="1.0" encoding="utf-8"?>
+<p:sld xmlns:a="http://schemas.openxmlformats.org/drawingml/2006/main" xmlns:r="http://schemas.openxmlformats.org/officeDocument/2006/relationships" xmlns:p="http://schemas.openxmlformats.org/presentationml/2006/main">
+  <p:cSld>
+    <p:spTree>
+      <p:nvGrpSpPr>
+        <p:cNvPr id="1" name=""/>
+        <p:cNvGrpSpPr/>
+        <p:nvPr/>
+      </p:nvGrpSpPr>
+      <p:grpSpPr>
+        <a:xfrm>
+          <a:off x="0" y="0"/>
+          <a:ext cx="0" cy="0"/>
+          <a:chOff x="0" y="0"/>
+          <a:chExt cx="0" cy="0"/>
+        </a:xfrm>
+      </p:grpSpPr>
+      <p:sp>
+        <p:nvSpPr>
+          <p:cNvPr id="2" name="Title 1">
+            <a:extLst>
+              <a:ext uri="{FF2B5EF4-FFF2-40B4-BE49-F238E27FC236}">
+                <a16:creationId xmlns:a16="http://schemas.microsoft.com/office/drawing/2014/main" id="{82B163A8-D1A7-4F32-ACE5-5D577E1EA224}"/>
+              </a:ext>
+            </a:extLst>
+          </p:cNvPr>
+          <p:cNvSpPr>
+            <a:spLocks noGrp="1"/>
+          </p:cNvSpPr>
+          <p:nvPr>
+            <p:ph type="title"/>
+          </p:nvPr>
+        </p:nvSpPr>
+        <p:spPr>
+          <a:xfrm>
+            <a:off x="443948" y="365125"/>
+            <a:ext cx="11277600" cy="1325563"/>
+          </a:xfrm>
+        </p:spPr>
+        <p:txBody>
+          <a:bodyPr/>
+          <a:lstStyle/>
+          <a:p>
+            <a:r>
+              <a:rPr lang="en-US" dirty="0"/>
+              <a:t>Deconvolution layer -  (Transposed Convolutions)</a:t>
+            </a:r>
+          </a:p>
+        </p:txBody>
+      </p:sp>
+      <p:sp>
+        <p:nvSpPr>
+          <p:cNvPr id="3" name="Content Placeholder 2">
+            <a:extLst>
+              <a:ext uri="{FF2B5EF4-FFF2-40B4-BE49-F238E27FC236}">
+                <a16:creationId xmlns:a16="http://schemas.microsoft.com/office/drawing/2014/main" id="{FCBD9A89-68AB-4809-8283-AB7297205F4F}"/>
+              </a:ext>
+            </a:extLst>
+          </p:cNvPr>
+          <p:cNvSpPr>
+            <a:spLocks noGrp="1"/>
+          </p:cNvSpPr>
+          <p:nvPr>
+            <p:ph idx="1"/>
+          </p:nvPr>
+        </p:nvSpPr>
+        <p:spPr/>
+        <p:txBody>
+          <a:bodyPr/>
+          <a:lstStyle/>
+          <a:p>
+            <a:pPr algn="just"/>
+            <a:r>
+              <a:rPr lang="en-US" dirty="0"/>
+              <a:t>Not an actual deconvolution, it’s a transposed convolution layer.</a:t>
+            </a:r>
+          </a:p>
+          <a:p>
+            <a:pPr algn="just"/>
+            <a:r>
+              <a:rPr lang="en-US" dirty="0"/>
+              <a:t>So, this layer do not actually reverse the process, its </a:t>
+            </a:r>
+            <a:r>
+              <a:rPr lang="en-US" b="0" i="0" dirty="0">
+                <a:solidFill>
+                  <a:srgbClr val="292929"/>
+                </a:solidFill>
+                <a:effectLst/>
+                <a:latin typeface="charter"/>
+              </a:rPr>
+              <a:t>merely reconstructs the spatial resolution from before and performs a convolution. </a:t>
+            </a:r>
+          </a:p>
+          <a:p>
+            <a:pPr algn="just"/>
+            <a:r>
+              <a:rPr lang="en-US" b="0" i="0" dirty="0">
+                <a:solidFill>
+                  <a:srgbClr val="292929"/>
+                </a:solidFill>
+                <a:effectLst/>
+                <a:latin typeface="charter"/>
+              </a:rPr>
+              <a:t>This may not be the mathematical inverse, but for Encoder-Decoder architectures, it’s still very helpful. This way we can combine the upscaling of an image with a convolution, instead of doing two separate processes.</a:t>
+            </a:r>
+            <a:endParaRPr lang="en-US" dirty="0"/>
+          </a:p>
+        </p:txBody>
+      </p:sp>
+    </p:spTree>
+    <p:extLst>
+      <p:ext uri="{BB962C8B-B14F-4D97-AF65-F5344CB8AC3E}">
+        <p14:creationId xmlns:p14="http://schemas.microsoft.com/office/powerpoint/2010/main" val="320431358"/>
+      </p:ext>
+    </p:extLst>
+  </p:cSld>
+  <p:clrMapOvr>
+    <a:masterClrMapping/>
+  </p:clrMapOvr>
+</p:sld>
+</file>
+
+<file path=ppt/slides/slide16.xml><?xml version="1.0" encoding="utf-8"?>
+<p:sld xmlns:a="http://schemas.openxmlformats.org/drawingml/2006/main" xmlns:r="http://schemas.openxmlformats.org/officeDocument/2006/relationships" xmlns:p="http://schemas.openxmlformats.org/presentationml/2006/main">
+  <p:cSld>
+    <p:spTree>
+      <p:nvGrpSpPr>
+        <p:cNvPr id="1" name=""/>
+        <p:cNvGrpSpPr/>
+        <p:nvPr/>
+      </p:nvGrpSpPr>
+      <p:grpSpPr>
+        <a:xfrm>
+          <a:off x="0" y="0"/>
+          <a:ext cx="0" cy="0"/>
+          <a:chOff x="0" y="0"/>
+          <a:chExt cx="0" cy="0"/>
+        </a:xfrm>
+      </p:grpSpPr>
+      <p:sp>
+        <p:nvSpPr>
+          <p:cNvPr id="2" name="Title 1">
+            <a:extLst>
+              <a:ext uri="{FF2B5EF4-FFF2-40B4-BE49-F238E27FC236}">
+                <a16:creationId xmlns:a16="http://schemas.microsoft.com/office/drawing/2014/main" id="{C12132A5-2C99-4F92-80E4-100FCF6A9A56}"/>
+              </a:ext>
+            </a:extLst>
+          </p:cNvPr>
+          <p:cNvSpPr>
+            <a:spLocks noGrp="1"/>
+          </p:cNvSpPr>
+          <p:nvPr>
+            <p:ph type="title"/>
+          </p:nvPr>
+        </p:nvSpPr>
+        <p:spPr/>
+        <p:txBody>
+          <a:bodyPr/>
+          <a:lstStyle/>
+          <a:p>
+            <a:r>
+              <a:rPr lang="en-US" dirty="0"/>
+              <a:t>Encoder-Decoder</a:t>
+            </a:r>
+          </a:p>
+        </p:txBody>
+      </p:sp>
+      <p:sp>
+        <p:nvSpPr>
+          <p:cNvPr id="3" name="Content Placeholder 2">
+            <a:extLst>
+              <a:ext uri="{FF2B5EF4-FFF2-40B4-BE49-F238E27FC236}">
+                <a16:creationId xmlns:a16="http://schemas.microsoft.com/office/drawing/2014/main" id="{522ACF28-63A8-49D8-ADCC-68BF09975663}"/>
+              </a:ext>
+            </a:extLst>
+          </p:cNvPr>
+          <p:cNvSpPr>
+            <a:spLocks noGrp="1"/>
+          </p:cNvSpPr>
+          <p:nvPr>
+            <p:ph idx="1"/>
+          </p:nvPr>
+        </p:nvSpPr>
+        <p:spPr/>
+        <p:txBody>
+          <a:bodyPr>
+            <a:normAutofit/>
+          </a:bodyPr>
+          <a:lstStyle/>
+          <a:p>
+            <a:r>
+              <a:rPr lang="en-US" dirty="0"/>
+              <a:t>Encoder-decoder as mentioned before, refers to a symmetric CNN structure that transform input data into feature maps with converging spatial size in the encoder and then transformed back to original size using the decoder.</a:t>
+            </a:r>
+          </a:p>
+          <a:p>
+            <a:r>
+              <a:rPr lang="en-US" dirty="0"/>
+              <a:t>For this work task, a slight change is needed. For deblurring there is a need for a large receptive field to handle severe motions. This is usually accomplished by stacking more levels. </a:t>
+            </a:r>
+          </a:p>
+          <a:p>
+            <a:r>
+              <a:rPr lang="en-US" dirty="0"/>
+              <a:t>This is not ideal in practice since it increase the number of parameters. Also, the feature maps are too small. Another reason is a slow convergences of the network.</a:t>
+            </a:r>
+          </a:p>
+          <a:p>
+            <a:pPr marL="0" indent="0">
+              <a:buNone/>
+            </a:pPr>
+            <a:endParaRPr lang="en-US" dirty="0"/>
+          </a:p>
+        </p:txBody>
+      </p:sp>
+    </p:spTree>
+    <p:extLst>
+      <p:ext uri="{BB962C8B-B14F-4D97-AF65-F5344CB8AC3E}">
+        <p14:creationId xmlns:p14="http://schemas.microsoft.com/office/powerpoint/2010/main" val="1755361595"/>
       </p:ext>
     </p:extLst>
   </p:cSld>
@@ -8103,7 +8186,7 @@
                 <a16:creationId xmlns:a16="http://schemas.microsoft.com/office/drawing/2014/main" id="{7A203437-703A-4E00-A8C0-91D328D6C7C7}"/>
               </a:ext>
               <a:ext uri="{C183D7F6-B498-43B3-948B-1728B52AA6E4}">
-                <adec:decorative xmlns:adec="http://schemas.microsoft.com/office/drawing/2017/decorative" val="1"/>
+                <adec:decorative xmlns:adec="http://schemas.microsoft.com/office/drawing/2017/decorative" xmlns="" val="1"/>
               </a:ext>
             </a:extLst>
           </p:cNvPr>
@@ -8228,7 +8311,7 @@
                 <a16:creationId xmlns:a16="http://schemas.microsoft.com/office/drawing/2014/main" id="{CD84038B-4A56-439B-A184-79B2D4506692}"/>
               </a:ext>
               <a:ext uri="{C183D7F6-B498-43B3-948B-1728B52AA6E4}">
-                <adec:decorative xmlns:adec="http://schemas.microsoft.com/office/drawing/2017/decorative" val="1"/>
+                <adec:decorative xmlns:adec="http://schemas.microsoft.com/office/drawing/2017/decorative" xmlns="" val="1"/>
               </a:ext>
             </a:extLst>
           </p:cNvPr>
@@ -8382,7 +8465,7 @@
                 <a16:creationId xmlns:a16="http://schemas.microsoft.com/office/drawing/2014/main" id="{4F96EE13-2C4D-4262-812E-DDE5FC35F0AD}"/>
               </a:ext>
               <a:ext uri="{C183D7F6-B498-43B3-948B-1728B52AA6E4}">
-                <adec:decorative xmlns:adec="http://schemas.microsoft.com/office/drawing/2017/decorative" val="1"/>
+                <adec:decorative xmlns:adec="http://schemas.microsoft.com/office/drawing/2017/decorative" xmlns="" val="1"/>
               </a:ext>
             </a:extLst>
           </p:cNvPr>
@@ -8609,7 +8692,7 @@
                 <a16:creationId xmlns:a16="http://schemas.microsoft.com/office/drawing/2014/main" id="{53F29798-D584-4792-9B62-3F5F5C36D619}"/>
               </a:ext>
               <a:ext uri="{C183D7F6-B498-43B3-948B-1728B52AA6E4}">
-                <adec:decorative xmlns:adec="http://schemas.microsoft.com/office/drawing/2017/decorative" val="1"/>
+                <adec:decorative xmlns:adec="http://schemas.microsoft.com/office/drawing/2017/decorative" xmlns="" val="1"/>
               </a:ext>
             </a:extLst>
           </p:cNvPr>
@@ -9164,7 +9247,7 @@
                 <a16:creationId xmlns:a16="http://schemas.microsoft.com/office/drawing/2014/main" id="{45D37F4E-DDB4-456B-97E0-9937730A039F}"/>
               </a:ext>
               <a:ext uri="{C183D7F6-B498-43B3-948B-1728B52AA6E4}">
-                <adec:decorative xmlns:adec="http://schemas.microsoft.com/office/drawing/2017/decorative" val="1"/>
+                <adec:decorative xmlns:adec="http://schemas.microsoft.com/office/drawing/2017/decorative" xmlns="" val="1"/>
               </a:ext>
             </a:extLst>
           </p:cNvPr>
@@ -9259,7 +9342,7 @@
                 <a16:creationId xmlns:a16="http://schemas.microsoft.com/office/drawing/2014/main" id="{B2DD41CD-8F47-4F56-AD12-4E2FF7696987}"/>
               </a:ext>
               <a:ext uri="{C183D7F6-B498-43B3-948B-1728B52AA6E4}">
-                <adec:decorative xmlns:adec="http://schemas.microsoft.com/office/drawing/2017/decorative" val="1"/>
+                <adec:decorative xmlns:adec="http://schemas.microsoft.com/office/drawing/2017/decorative" xmlns="" val="1"/>
               </a:ext>
             </a:extLst>
           </p:cNvPr>
@@ -9876,7 +9959,7 @@
             <a:round/>
             <a:extLst>
               <a:ext uri="{C807C97D-BFC1-408E-A445-0C87EB9F89A2}">
-                <ask:lineSketchStyleProps xmlns:ask="http://schemas.microsoft.com/office/drawing/2018/sketchyshapes" sd="2727557108">
+                <ask:lineSketchStyleProps xmlns:ask="http://schemas.microsoft.com/office/drawing/2018/sketchyshapes" xmlns="" sd="2727557108">
                   <a:prstGeom prst="rect">
                     <a:avLst/>
                   </a:prstGeom>
@@ -10153,7 +10236,7 @@
                 <a16:creationId xmlns:a16="http://schemas.microsoft.com/office/drawing/2014/main" id="{70155189-D96C-4527-B0EC-654B946BE615}"/>
               </a:ext>
               <a:ext uri="{C183D7F6-B498-43B3-948B-1728B52AA6E4}">
-                <adec:decorative xmlns:adec="http://schemas.microsoft.com/office/drawing/2017/decorative" val="1"/>
+                <adec:decorative xmlns:adec="http://schemas.microsoft.com/office/drawing/2017/decorative" xmlns="" val="1"/>
               </a:ext>
             </a:extLst>
           </p:cNvPr>

--- a/Slideshow/Scale-recurrent network for deblurring.pptx
+++ b/Slideshow/Scale-recurrent network for deblurring.pptx
@@ -5,7 +5,7 @@
     <p:sldMasterId id="2147483660" r:id="rId1"/>
   </p:sldMasterIdLst>
   <p:notesMasterIdLst>
-    <p:notesMasterId r:id="rId27"/>
+    <p:notesMasterId r:id="rId29"/>
   </p:notesMasterIdLst>
   <p:sldIdLst>
     <p:sldId id="256" r:id="rId2"/>
@@ -26,13 +26,15 @@
     <p:sldId id="279" r:id="rId17"/>
     <p:sldId id="280" r:id="rId18"/>
     <p:sldId id="267" r:id="rId19"/>
-    <p:sldId id="270" r:id="rId20"/>
-    <p:sldId id="278" r:id="rId21"/>
-    <p:sldId id="271" r:id="rId22"/>
-    <p:sldId id="272" r:id="rId23"/>
-    <p:sldId id="281" r:id="rId24"/>
-    <p:sldId id="273" r:id="rId25"/>
-    <p:sldId id="274" r:id="rId26"/>
+    <p:sldId id="283" r:id="rId20"/>
+    <p:sldId id="271" r:id="rId21"/>
+    <p:sldId id="270" r:id="rId22"/>
+    <p:sldId id="278" r:id="rId23"/>
+    <p:sldId id="272" r:id="rId24"/>
+    <p:sldId id="282" r:id="rId25"/>
+    <p:sldId id="281" r:id="rId26"/>
+    <p:sldId id="273" r:id="rId27"/>
+    <p:sldId id="274" r:id="rId28"/>
   </p:sldIdLst>
   <p:sldSz cx="12192000" cy="6858000"/>
   <p:notesSz cx="6858000" cy="9144000"/>
@@ -601,6 +603,99 @@
 </p:notes>
 </file>
 
+<file path=ppt/notesSlides/notesSlide10.xml><?xml version="1.0" encoding="utf-8"?>
+<p:notes xmlns:a="http://schemas.openxmlformats.org/drawingml/2006/main" xmlns:r="http://schemas.openxmlformats.org/officeDocument/2006/relationships" xmlns:p="http://schemas.openxmlformats.org/presentationml/2006/main">
+  <p:cSld>
+    <p:spTree>
+      <p:nvGrpSpPr>
+        <p:cNvPr id="1" name=""/>
+        <p:cNvGrpSpPr/>
+        <p:nvPr/>
+      </p:nvGrpSpPr>
+      <p:grpSpPr>
+        <a:xfrm>
+          <a:off x="0" y="0"/>
+          <a:ext cx="0" cy="0"/>
+          <a:chOff x="0" y="0"/>
+          <a:chExt cx="0" cy="0"/>
+        </a:xfrm>
+      </p:grpSpPr>
+      <p:sp>
+        <p:nvSpPr>
+          <p:cNvPr id="2" name="Slide Image Placeholder 1"/>
+          <p:cNvSpPr>
+            <a:spLocks noGrp="1" noRot="1" noChangeAspect="1"/>
+          </p:cNvSpPr>
+          <p:nvPr>
+            <p:ph type="sldImg"/>
+          </p:nvPr>
+        </p:nvSpPr>
+        <p:spPr/>
+      </p:sp>
+      <p:sp>
+        <p:nvSpPr>
+          <p:cNvPr id="3" name="Notes Placeholder 2"/>
+          <p:cNvSpPr>
+            <a:spLocks noGrp="1"/>
+          </p:cNvSpPr>
+          <p:nvPr>
+            <p:ph type="body" idx="1"/>
+          </p:nvPr>
+        </p:nvSpPr>
+        <p:spPr/>
+        <p:txBody>
+          <a:bodyPr/>
+          <a:lstStyle/>
+          <a:p>
+            <a:pPr algn="r" rtl="1"/>
+            <a:r>
+              <a:rPr lang="en-US" dirty="0"/>
+              <a:t>H</a:t>
+            </a:r>
+            <a:r>
+              <a:rPr lang="he-IL" dirty="0"/>
+              <a:t> יכול להכיל מידע חשוב בנוגע לתוצאות בזמן אימון ודפוס הטשטוש, הוא מועבר לסקלה הבאה כאינפוט נוסף.</a:t>
+            </a:r>
+            <a:endParaRPr lang="en-US" dirty="0"/>
+          </a:p>
+        </p:txBody>
+      </p:sp>
+      <p:sp>
+        <p:nvSpPr>
+          <p:cNvPr id="4" name="Slide Number Placeholder 3"/>
+          <p:cNvSpPr>
+            <a:spLocks noGrp="1"/>
+          </p:cNvSpPr>
+          <p:nvPr>
+            <p:ph type="sldNum" sz="quarter" idx="5"/>
+          </p:nvPr>
+        </p:nvSpPr>
+        <p:spPr/>
+        <p:txBody>
+          <a:bodyPr/>
+          <a:lstStyle/>
+          <a:p>
+            <a:fld id="{D1424380-F98C-4904-AD4B-4459796C3B26}" type="slidenum">
+              <a:rPr lang="en-US" smtClean="0"/>
+              <a:t>18</a:t>
+            </a:fld>
+            <a:endParaRPr lang="en-US"/>
+          </a:p>
+        </p:txBody>
+      </p:sp>
+    </p:spTree>
+    <p:extLst>
+      <p:ext uri="{BB962C8B-B14F-4D97-AF65-F5344CB8AC3E}">
+        <p14:creationId xmlns:p14="http://schemas.microsoft.com/office/powerpoint/2010/main" val="1704606004"/>
+      </p:ext>
+    </p:extLst>
+  </p:cSld>
+  <p:clrMapOvr>
+    <a:masterClrMapping/>
+  </p:clrMapOvr>
+</p:notes>
+</file>
+
 <file path=ppt/notesSlides/notesSlide2.xml><?xml version="1.0" encoding="utf-8"?>
 <p:notes xmlns:a="http://schemas.openxmlformats.org/drawingml/2006/main" xmlns:r="http://schemas.openxmlformats.org/officeDocument/2006/relationships" xmlns:p="http://schemas.openxmlformats.org/presentationml/2006/main">
   <p:cSld>
@@ -1281,6 +1376,125 @@
           <a:bodyPr/>
           <a:lstStyle/>
           <a:p>
+            <a:pPr algn="r" rtl="1"/>
+            <a:endParaRPr lang="en-US" dirty="0" smtClean="0"/>
+          </a:p>
+          <a:p>
+            <a:pPr algn="r" rtl="1"/>
+            <a:r>
+              <a:rPr lang="en-US" dirty="0" smtClean="0"/>
+              <a:t>RNN</a:t>
+            </a:r>
+            <a:r>
+              <a:rPr lang="he-IL" dirty="0" smtClean="0"/>
+              <a:t> נוטה לגרום </a:t>
+            </a:r>
+            <a:r>
+              <a:rPr lang="he-IL" dirty="0" err="1" smtClean="0"/>
+              <a:t>לגרדיאנטים</a:t>
+            </a:r>
+            <a:r>
+              <a:rPr lang="he-IL" dirty="0" smtClean="0"/>
+              <a:t> להתפוצץ</a:t>
+            </a:r>
+            <a:r>
+              <a:rPr lang="he-IL" baseline="0" dirty="0" smtClean="0"/>
+              <a:t> או להיעלם יותר מהר מ</a:t>
+            </a:r>
+            <a:r>
+              <a:rPr lang="en-US" baseline="0" dirty="0" smtClean="0"/>
+              <a:t>CNN</a:t>
+            </a:r>
+            <a:r>
+              <a:rPr lang="he-IL" baseline="0" dirty="0" smtClean="0"/>
+              <a:t> לכן נעשה שימוש בעוד תוספות בדרך כלל ו</a:t>
+            </a:r>
+            <a:r>
+              <a:rPr lang="en-US" baseline="0" dirty="0" smtClean="0"/>
+              <a:t>SKIP</a:t>
+            </a:r>
+            <a:r>
+              <a:rPr lang="he-IL" baseline="0" dirty="0" smtClean="0"/>
+              <a:t>. הסיבה לכך היא שב</a:t>
+            </a:r>
+            <a:r>
+              <a:rPr lang="en-US" baseline="0" dirty="0" smtClean="0"/>
+              <a:t>RNN</a:t>
+            </a:r>
+            <a:r>
+              <a:rPr lang="he-IL" baseline="0" dirty="0" smtClean="0"/>
+              <a:t> הפרמטרים משותפים לעומת </a:t>
+            </a:r>
+            <a:r>
+              <a:rPr lang="en-US" baseline="0" dirty="0" smtClean="0"/>
+              <a:t>CNN</a:t>
+            </a:r>
+            <a:r>
+              <a:rPr lang="he-IL" baseline="0" dirty="0" smtClean="0"/>
+              <a:t>.</a:t>
+            </a:r>
+          </a:p>
+          <a:p>
+            <a:pPr algn="r" rtl="1"/>
+            <a:r>
+              <a:rPr lang="he-IL" baseline="0" dirty="0" smtClean="0"/>
+              <a:t>כדי לפתור את בעיית </a:t>
+            </a:r>
+            <a:r>
+              <a:rPr lang="he-IL" baseline="0" dirty="0" err="1" smtClean="0"/>
+              <a:t>הגרדיאנטים</a:t>
+            </a:r>
+            <a:r>
+              <a:rPr lang="he-IL" baseline="0" dirty="0" smtClean="0"/>
+              <a:t> הנעלמים יש צורך בלהציג פרמטר חדש שנקרא פרמטר </a:t>
+            </a:r>
+            <a:r>
+              <a:rPr lang="he-IL" baseline="0" dirty="0" err="1" smtClean="0"/>
+              <a:t>השכחון</a:t>
+            </a:r>
+            <a:r>
+              <a:rPr lang="he-IL" baseline="0" dirty="0" smtClean="0"/>
+              <a:t> או הזיכרון ואותו נראה ב</a:t>
+            </a:r>
+            <a:r>
+              <a:rPr lang="en-US" baseline="0" dirty="0" smtClean="0"/>
+              <a:t>LSTM</a:t>
+            </a:r>
+            <a:r>
+              <a:rPr lang="he-IL" baseline="0" dirty="0" smtClean="0"/>
+              <a:t> למשל.</a:t>
+            </a:r>
+          </a:p>
+          <a:p>
+            <a:pPr algn="r" rtl="1"/>
+            <a:r>
+              <a:rPr lang="he-IL" dirty="0" smtClean="0"/>
+              <a:t>ב</a:t>
+            </a:r>
+            <a:r>
+              <a:rPr lang="en-US" dirty="0" smtClean="0"/>
+              <a:t>LSTM</a:t>
+            </a:r>
+            <a:r>
+              <a:rPr lang="he-IL" dirty="0" smtClean="0"/>
+              <a:t> נחליף כל תא ברשת </a:t>
+            </a:r>
+            <a:r>
+              <a:rPr lang="en-US" dirty="0" smtClean="0"/>
+              <a:t>RNN</a:t>
+            </a:r>
+            <a:r>
+              <a:rPr lang="he-IL" dirty="0" smtClean="0"/>
+              <a:t> בתא </a:t>
+            </a:r>
+            <a:r>
+              <a:rPr lang="en-US" dirty="0" smtClean="0"/>
+              <a:t>LSTM</a:t>
+            </a:r>
+            <a:r>
+              <a:rPr lang="he-IL" dirty="0" smtClean="0"/>
+              <a:t>.</a:t>
+            </a:r>
             <a:endParaRPr lang="en-US" dirty="0"/>
           </a:p>
         </p:txBody>
@@ -1388,12 +1602,95 @@
             </a:r>
             <a:r>
               <a:rPr lang="he-IL" baseline="0" dirty="0" smtClean="0"/>
-              <a:t> גדלים מאוד או קטנים מאוד ולכם נעלמים או מתפוצצים ותחילת המשפט לא מושפעת היטב כמו סוף המשפט ולהפך. פתרון נוסף הוא קיצוץ אבל לא ניכנס לזה כאן כי זה </a:t>
-            </a:r>
-            <a:r>
-              <a:rPr lang="he-IL" baseline="0" smtClean="0"/>
-              <a:t>לא העיקר. </a:t>
-            </a:r>
+              <a:t> גדלים מאוד או קטנים מאוד ולכם נעלמים או מתפוצצים ותחילת המשפט לא מושפעת היטב כמו סוף המשפט ולהפך. פתרון נוסף הוא קיצוץ אבל לא ניכנס לזה כאן כי זה לא העיקר. </a:t>
+            </a:r>
+          </a:p>
+          <a:p>
+            <a:pPr algn="r" rtl="1"/>
+            <a:r>
+              <a:rPr lang="en-US" baseline="0" dirty="0" smtClean="0"/>
+              <a:t>C</a:t>
+            </a:r>
+            <a:r>
+              <a:rPr lang="he-IL" baseline="0" dirty="0" smtClean="0"/>
+              <a:t> זה תא הזיכרון,</a:t>
+            </a:r>
+          </a:p>
+          <a:p>
+            <a:pPr algn="r" rtl="1"/>
+            <a:r>
+              <a:rPr lang="he-IL" baseline="0" dirty="0" smtClean="0"/>
+              <a:t>תפקיד השער הזיכרון הוא להחליט מתי לעדכן ערך</a:t>
+            </a:r>
+          </a:p>
+          <a:p>
+            <a:pPr algn="r" rtl="1"/>
+            <a:r>
+              <a:rPr lang="en-US" baseline="0" dirty="0" smtClean="0"/>
+              <a:t>Forget gate =f </a:t>
+            </a:r>
+            <a:r>
+              <a:rPr lang="he-IL" baseline="0" dirty="0" smtClean="0"/>
+              <a:t> שולט באם תא הזיכרון יהפוך ל0 או לא.</a:t>
+            </a:r>
+          </a:p>
+          <a:p>
+            <a:pPr algn="r" rtl="1"/>
+            <a:r>
+              <a:rPr lang="en-US" baseline="0" dirty="0" smtClean="0"/>
+              <a:t>Update gate=I</a:t>
+            </a:r>
+            <a:r>
+              <a:rPr lang="he-IL" baseline="0" dirty="0" smtClean="0"/>
+              <a:t> נועד או אינפוט </a:t>
+            </a:r>
+            <a:r>
+              <a:rPr lang="he-IL" baseline="0" dirty="0" err="1" smtClean="0"/>
+              <a:t>גייט</a:t>
+            </a:r>
+            <a:r>
+              <a:rPr lang="he-IL" baseline="0" dirty="0" smtClean="0"/>
+              <a:t>, קובע האם יש עדכון או לא.</a:t>
+            </a:r>
+            <a:endParaRPr lang="en-US" baseline="0" dirty="0" smtClean="0"/>
+          </a:p>
+          <a:p>
+            <a:pPr algn="r" rtl="1"/>
+            <a:r>
+              <a:rPr lang="en-US" baseline="0" dirty="0" smtClean="0"/>
+              <a:t>Output gate=o</a:t>
+            </a:r>
+            <a:r>
+              <a:rPr lang="he-IL" baseline="0" dirty="0" smtClean="0"/>
+              <a:t> שולט באם המידע של מצב התא הנוכחי יועבר הלאה או לא.</a:t>
+            </a:r>
+          </a:p>
+          <a:p>
+            <a:pPr algn="r" rtl="1"/>
+            <a:r>
+              <a:rPr lang="he-IL" baseline="0" dirty="0" err="1" smtClean="0"/>
+              <a:t>הטנגגנט</a:t>
+            </a:r>
+            <a:r>
+              <a:rPr lang="en-US" baseline="0" dirty="0" smtClean="0"/>
+              <a:t>H</a:t>
+            </a:r>
+            <a:r>
+              <a:rPr lang="he-IL" baseline="0" dirty="0" smtClean="0"/>
+              <a:t> דואג לפיזור </a:t>
+            </a:r>
+            <a:r>
+              <a:rPr lang="he-IL" baseline="0" dirty="0" err="1" smtClean="0"/>
+              <a:t>הגרידאנטים</a:t>
+            </a:r>
+            <a:r>
+              <a:rPr lang="he-IL" baseline="0" dirty="0" smtClean="0"/>
+              <a:t> כדי למנוע פיצוץ או איפוס</a:t>
+            </a:r>
+            <a:endParaRPr lang="en-US" baseline="0" dirty="0" smtClean="0"/>
+          </a:p>
+          <a:p>
+            <a:pPr algn="r" rtl="1"/>
             <a:endParaRPr lang="en-US" dirty="0"/>
           </a:p>
         </p:txBody>
@@ -1480,14 +1777,30 @@
           <a:p>
             <a:pPr algn="r" rtl="1"/>
             <a:r>
-              <a:rPr lang="en-US" dirty="0"/>
-              <a:t>H</a:t>
-            </a:r>
-            <a:r>
-              <a:rPr lang="he-IL" dirty="0"/>
-              <a:t> יכול להכיל מידע חשוב בנוגע לתוצאות בזמן אימון ודפוס הטשטוש, הוא מועבר לסקלה הבאה כאינפוט נוסף.</a:t>
-            </a:r>
-            <a:endParaRPr lang="en-US" dirty="0"/>
+              <a:rPr lang="he-IL" dirty="0" err="1" smtClean="0"/>
+              <a:t>האנקודר</a:t>
+            </a:r>
+            <a:r>
+              <a:rPr lang="he-IL" baseline="0" dirty="0" smtClean="0"/>
+              <a:t> הופך סיקוונס </a:t>
+            </a:r>
+            <a:r>
+              <a:rPr lang="he-IL" baseline="0" dirty="0" err="1" smtClean="0"/>
+              <a:t>לוקטור</a:t>
+            </a:r>
+            <a:r>
+              <a:rPr lang="he-IL" baseline="0" dirty="0" smtClean="0"/>
+              <a:t> </a:t>
+            </a:r>
+            <a:r>
+              <a:rPr lang="he-IL" baseline="0" dirty="0" err="1" smtClean="0"/>
+              <a:t>והדיקודר</a:t>
+            </a:r>
+            <a:r>
+              <a:rPr lang="he-IL" baseline="0" dirty="0" smtClean="0"/>
+              <a:t> הופך וקטור לסיקוונס. </a:t>
+            </a:r>
+            <a:endParaRPr lang="he-IL" dirty="0"/>
           </a:p>
         </p:txBody>
       </p:sp>
@@ -1498,7 +1811,7 @@
             <a:spLocks noGrp="1"/>
           </p:cNvSpPr>
           <p:nvPr>
-            <p:ph type="sldNum" sz="quarter" idx="5"/>
+            <p:ph type="sldNum" sz="quarter" idx="10"/>
           </p:nvPr>
         </p:nvSpPr>
         <p:spPr/>
@@ -1508,7 +1821,7 @@
           <a:p>
             <a:fld id="{D1424380-F98C-4904-AD4B-4459796C3B26}" type="slidenum">
               <a:rPr lang="en-US" smtClean="0"/>
-              <a:t>18</a:t>
+              <a:t>16</a:t>
             </a:fld>
             <a:endParaRPr lang="en-US"/>
           </a:p>
@@ -1517,7 +1830,7 @@
     </p:spTree>
     <p:extLst>
       <p:ext uri="{BB962C8B-B14F-4D97-AF65-F5344CB8AC3E}">
-        <p14:creationId xmlns:p14="http://schemas.microsoft.com/office/powerpoint/2010/main" val="1704606004"/>
+        <p14:creationId xmlns:p14="http://schemas.microsoft.com/office/powerpoint/2010/main" val="2468550058"/>
       </p:ext>
     </p:extLst>
   </p:cSld>
@@ -7199,14 +7512,25 @@
         <p:spPr/>
         <p:txBody>
           <a:bodyPr>
-            <a:normAutofit/>
+            <a:normAutofit fontScale="92500" lnSpcReduction="10000"/>
           </a:bodyPr>
           <a:lstStyle/>
           <a:p>
             <a:r>
               <a:rPr lang="en-US" dirty="0"/>
-              <a:t>Encoder-decoder as mentioned before, refers to a symmetric CNN structure that transform input data into feature maps with converging spatial size in the encoder and then transformed back to original size using the decoder.</a:t>
-            </a:r>
+              <a:t>Encoder-decoder as mentioned before, refers to a symmetric CNN structure that transform input data into feature maps with converging spatial size in the encoder and then transformed back to original size using the decoder</a:t>
+            </a:r>
+            <a:r>
+              <a:rPr lang="en-US" dirty="0" smtClean="0"/>
+              <a:t>.</a:t>
+            </a:r>
+          </a:p>
+          <a:p>
+            <a:r>
+              <a:rPr lang="en-US" dirty="0" smtClean="0"/>
+              <a:t>Encoder-decoder can accept a sequence of certain length and output another length.</a:t>
+            </a:r>
+            <a:endParaRPr lang="en-US" dirty="0"/>
           </a:p>
           <a:p>
             <a:r>
@@ -8052,13 +8376,7 @@
       </p:grpSpPr>
       <p:sp>
         <p:nvSpPr>
-          <p:cNvPr id="2" name="Title 1">
-            <a:extLst>
-              <a:ext uri="{FF2B5EF4-FFF2-40B4-BE49-F238E27FC236}">
-                <a16:creationId xmlns:a16="http://schemas.microsoft.com/office/drawing/2014/main" id="{E8671EC5-9286-4EFE-AA0D-361C647F95DD}"/>
-              </a:ext>
-            </a:extLst>
-          </p:cNvPr>
+          <p:cNvPr id="2" name="Title 1"/>
           <p:cNvSpPr>
             <a:spLocks noGrp="1"/>
           </p:cNvSpPr>
@@ -8072,21 +8390,16 @@
           <a:lstStyle/>
           <a:p>
             <a:r>
-              <a:rPr lang="en-US" dirty="0"/>
-              <a:t>Data used</a:t>
-            </a:r>
-          </a:p>
-        </p:txBody>
-      </p:sp>
-      <p:sp>
-        <p:nvSpPr>
-          <p:cNvPr id="3" name="Content Placeholder 2">
-            <a:extLst>
-              <a:ext uri="{FF2B5EF4-FFF2-40B4-BE49-F238E27FC236}">
-                <a16:creationId xmlns:a16="http://schemas.microsoft.com/office/drawing/2014/main" id="{88845DA5-C95C-4E53-ACB9-D8F007097E74}"/>
-              </a:ext>
-            </a:extLst>
-          </p:cNvPr>
+              <a:rPr lang="en-US" dirty="0" smtClean="0"/>
+              <a:t>Network input-output</a:t>
+            </a:r>
+            <a:endParaRPr lang="he-IL" dirty="0"/>
+          </a:p>
+        </p:txBody>
+      </p:sp>
+      <p:sp>
+        <p:nvSpPr>
+          <p:cNvPr id="3" name="Content Placeholder 2"/>
           <p:cNvSpPr>
             <a:spLocks noGrp="1"/>
           </p:cNvSpPr>
@@ -8096,54 +8409,17 @@
         </p:nvSpPr>
         <p:spPr/>
         <p:txBody>
-          <a:bodyPr>
-            <a:normAutofit lnSpcReduction="10000"/>
-          </a:bodyPr>
-          <a:lstStyle/>
-          <a:p>
-            <a:r>
-              <a:rPr lang="en-US" dirty="0"/>
-              <a:t>Early learning-based methods used blurred images from convolution of images with blur kernel.</a:t>
-            </a:r>
-          </a:p>
-          <a:p>
-            <a:r>
-              <a:rPr lang="en-US" dirty="0"/>
-              <a:t>The problem is that the real-world data is different, more complex.</a:t>
-            </a:r>
-          </a:p>
-          <a:p>
-            <a:r>
-              <a:rPr lang="en-US" dirty="0"/>
-              <a:t>The dataset used in this work is made from </a:t>
-            </a:r>
-            <a:r>
-              <a:rPr lang="en-US" dirty="0" err="1"/>
-              <a:t>avrageing</a:t>
-            </a:r>
-            <a:r>
-              <a:rPr lang="en-US" dirty="0"/>
-              <a:t> consecutive short-exposure frames from videos of high-speed camera.</a:t>
-            </a:r>
-          </a:p>
-          <a:p>
-            <a:r>
-              <a:rPr lang="en-US" dirty="0"/>
-              <a:t>The camera used is GoPro Hero 4, averaging frames is similar to long-exposure. This can simulate complex camera movement and object motion. Which is more common in real world data.</a:t>
-            </a:r>
-          </a:p>
-          <a:p>
-            <a:r>
-              <a:rPr lang="en-US" dirty="0"/>
-              <a:t>The resulting dataset contains 3214 blurry/clear image pairs. 2103 are used for training and the remaining 1111 are used for evaluation.</a:t>
-            </a:r>
+          <a:bodyPr/>
+          <a:lstStyle/>
+          <a:p>
+            <a:endParaRPr lang="he-IL"/>
           </a:p>
         </p:txBody>
       </p:sp>
     </p:spTree>
     <p:extLst>
       <p:ext uri="{BB962C8B-B14F-4D97-AF65-F5344CB8AC3E}">
-        <p14:creationId xmlns:p14="http://schemas.microsoft.com/office/powerpoint/2010/main" val="3418049258"/>
+        <p14:creationId xmlns:p14="http://schemas.microsoft.com/office/powerpoint/2010/main" val="3943756584"/>
       </p:ext>
     </p:extLst>
   </p:cSld>
@@ -8540,126 +8816,6 @@
 </file>
 
 <file path=ppt/slides/slide20.xml><?xml version="1.0" encoding="utf-8"?>
-<p:sld xmlns:a="http://schemas.openxmlformats.org/drawingml/2006/main" xmlns:r="http://schemas.openxmlformats.org/officeDocument/2006/relationships" xmlns:p="http://schemas.openxmlformats.org/presentationml/2006/main">
-  <p:cSld>
-    <p:spTree>
-      <p:nvGrpSpPr>
-        <p:cNvPr id="1" name=""/>
-        <p:cNvGrpSpPr/>
-        <p:nvPr/>
-      </p:nvGrpSpPr>
-      <p:grpSpPr>
-        <a:xfrm>
-          <a:off x="0" y="0"/>
-          <a:ext cx="0" cy="0"/>
-          <a:chOff x="0" y="0"/>
-          <a:chExt cx="0" cy="0"/>
-        </a:xfrm>
-      </p:grpSpPr>
-      <p:sp>
-        <p:nvSpPr>
-          <p:cNvPr id="2" name="Title 1">
-            <a:extLst>
-              <a:ext uri="{FF2B5EF4-FFF2-40B4-BE49-F238E27FC236}">
-                <a16:creationId xmlns:a16="http://schemas.microsoft.com/office/drawing/2014/main" id="{17EC52FA-9538-4201-85D5-7C10086A08D7}"/>
-              </a:ext>
-            </a:extLst>
-          </p:cNvPr>
-          <p:cNvSpPr>
-            <a:spLocks noGrp="1"/>
-          </p:cNvSpPr>
-          <p:nvPr>
-            <p:ph type="title"/>
-          </p:nvPr>
-        </p:nvSpPr>
-        <p:spPr/>
-        <p:txBody>
-          <a:bodyPr/>
-          <a:lstStyle/>
-          <a:p>
-            <a:r>
-              <a:rPr lang="en-US" dirty="0"/>
-              <a:t>Model training</a:t>
-            </a:r>
-          </a:p>
-        </p:txBody>
-      </p:sp>
-      <p:sp>
-        <p:nvSpPr>
-          <p:cNvPr id="3" name="Content Placeholder 2">
-            <a:extLst>
-              <a:ext uri="{FF2B5EF4-FFF2-40B4-BE49-F238E27FC236}">
-                <a16:creationId xmlns:a16="http://schemas.microsoft.com/office/drawing/2014/main" id="{F1C12BC7-BA75-4F41-B4FF-D3695ABF70BA}"/>
-              </a:ext>
-            </a:extLst>
-          </p:cNvPr>
-          <p:cNvSpPr>
-            <a:spLocks noGrp="1"/>
-          </p:cNvSpPr>
-          <p:nvPr>
-            <p:ph idx="1"/>
-          </p:nvPr>
-        </p:nvSpPr>
-        <p:spPr/>
-        <p:txBody>
-          <a:bodyPr/>
-          <a:lstStyle/>
-          <a:p>
-            <a:r>
-              <a:rPr lang="en-US" dirty="0"/>
-              <a:t>As said before, the solver is Adam with beta1=0.9, beta2=0.999, epsilon=10</a:t>
-            </a:r>
-            <a:r>
-              <a:rPr lang="en-US" baseline="30000" dirty="0"/>
-              <a:t>-8</a:t>
-            </a:r>
-            <a:r>
-              <a:rPr lang="en-US" dirty="0"/>
-              <a:t>.</a:t>
-            </a:r>
-          </a:p>
-          <a:p>
-            <a:r>
-              <a:rPr lang="en-US" dirty="0"/>
-              <a:t>Learning rate is exponentially decaying from 0.0001 to 1e</a:t>
-            </a:r>
-            <a:r>
-              <a:rPr lang="en-US" baseline="30000" dirty="0"/>
-              <a:t>-6</a:t>
-            </a:r>
-            <a:r>
-              <a:rPr lang="en-US" dirty="0"/>
-              <a:t> at 2000 epochs using 0.3 power.</a:t>
-            </a:r>
-          </a:p>
-          <a:p>
-            <a:r>
-              <a:rPr lang="en-US" dirty="0"/>
-              <a:t>The batch size in each iteration is 16 blurry images that are randomly cropped to 256x256 pixels as training input, the same goes for the ground truth.</a:t>
-            </a:r>
-          </a:p>
-          <a:p>
-            <a:r>
-              <a:rPr lang="en-US" dirty="0"/>
-              <a:t>All trainable parameters are initialized with Xavier method.</a:t>
-            </a:r>
-          </a:p>
-        </p:txBody>
-      </p:sp>
-    </p:spTree>
-    <p:extLst>
-      <p:ext uri="{BB962C8B-B14F-4D97-AF65-F5344CB8AC3E}">
-        <p14:creationId xmlns:p14="http://schemas.microsoft.com/office/powerpoint/2010/main" val="3987906564"/>
-      </p:ext>
-    </p:extLst>
-  </p:cSld>
-  <p:clrMapOvr>
-    <a:masterClrMapping/>
-  </p:clrMapOvr>
-</p:sld>
-</file>
-
-<file path=ppt/slides/slide21.xml><?xml version="1.0" encoding="utf-8"?>
 <p:sld xmlns:a="http://schemas.openxmlformats.org/drawingml/2006/main" xmlns:r="http://schemas.openxmlformats.org/officeDocument/2006/relationships" xmlns:p="http://schemas.openxmlformats.org/presentationml/2006/main">
   <p:cSld>
     <p:bg>
@@ -8829,6 +8985,126 @@
 </p:sld>
 </file>
 
+<file path=ppt/slides/slide21.xml><?xml version="1.0" encoding="utf-8"?>
+<p:sld xmlns:a="http://schemas.openxmlformats.org/drawingml/2006/main" xmlns:r="http://schemas.openxmlformats.org/officeDocument/2006/relationships" xmlns:p="http://schemas.openxmlformats.org/presentationml/2006/main">
+  <p:cSld>
+    <p:spTree>
+      <p:nvGrpSpPr>
+        <p:cNvPr id="1" name=""/>
+        <p:cNvGrpSpPr/>
+        <p:nvPr/>
+      </p:nvGrpSpPr>
+      <p:grpSpPr>
+        <a:xfrm>
+          <a:off x="0" y="0"/>
+          <a:ext cx="0" cy="0"/>
+          <a:chOff x="0" y="0"/>
+          <a:chExt cx="0" cy="0"/>
+        </a:xfrm>
+      </p:grpSpPr>
+      <p:sp>
+        <p:nvSpPr>
+          <p:cNvPr id="2" name="Title 1">
+            <a:extLst>
+              <a:ext uri="{FF2B5EF4-FFF2-40B4-BE49-F238E27FC236}">
+                <a16:creationId xmlns:a16="http://schemas.microsoft.com/office/drawing/2014/main" id="{E8671EC5-9286-4EFE-AA0D-361C647F95DD}"/>
+              </a:ext>
+            </a:extLst>
+          </p:cNvPr>
+          <p:cNvSpPr>
+            <a:spLocks noGrp="1"/>
+          </p:cNvSpPr>
+          <p:nvPr>
+            <p:ph type="title"/>
+          </p:nvPr>
+        </p:nvSpPr>
+        <p:spPr/>
+        <p:txBody>
+          <a:bodyPr/>
+          <a:lstStyle/>
+          <a:p>
+            <a:r>
+              <a:rPr lang="en-US" dirty="0"/>
+              <a:t>Data used</a:t>
+            </a:r>
+          </a:p>
+        </p:txBody>
+      </p:sp>
+      <p:sp>
+        <p:nvSpPr>
+          <p:cNvPr id="3" name="Content Placeholder 2">
+            <a:extLst>
+              <a:ext uri="{FF2B5EF4-FFF2-40B4-BE49-F238E27FC236}">
+                <a16:creationId xmlns:a16="http://schemas.microsoft.com/office/drawing/2014/main" id="{88845DA5-C95C-4E53-ACB9-D8F007097E74}"/>
+              </a:ext>
+            </a:extLst>
+          </p:cNvPr>
+          <p:cNvSpPr>
+            <a:spLocks noGrp="1"/>
+          </p:cNvSpPr>
+          <p:nvPr>
+            <p:ph idx="1"/>
+          </p:nvPr>
+        </p:nvSpPr>
+        <p:spPr/>
+        <p:txBody>
+          <a:bodyPr>
+            <a:normAutofit lnSpcReduction="10000"/>
+          </a:bodyPr>
+          <a:lstStyle/>
+          <a:p>
+            <a:r>
+              <a:rPr lang="en-US" dirty="0"/>
+              <a:t>Early learning-based methods used blurred images from convolution of images with blur kernel.</a:t>
+            </a:r>
+          </a:p>
+          <a:p>
+            <a:r>
+              <a:rPr lang="en-US" dirty="0"/>
+              <a:t>The problem is that the real-world data is different, more complex.</a:t>
+            </a:r>
+          </a:p>
+          <a:p>
+            <a:r>
+              <a:rPr lang="en-US" dirty="0"/>
+              <a:t>The dataset used in this work is made from </a:t>
+            </a:r>
+            <a:r>
+              <a:rPr lang="en-US" dirty="0" err="1"/>
+              <a:t>avrageing</a:t>
+            </a:r>
+            <a:r>
+              <a:rPr lang="en-US" dirty="0"/>
+              <a:t> consecutive short-exposure frames from videos of high-speed camera.</a:t>
+            </a:r>
+          </a:p>
+          <a:p>
+            <a:r>
+              <a:rPr lang="en-US" dirty="0"/>
+              <a:t>The camera used is GoPro Hero 4, averaging frames is similar to long-exposure. This can simulate complex camera movement and object motion. Which is more common in real world data.</a:t>
+            </a:r>
+          </a:p>
+          <a:p>
+            <a:r>
+              <a:rPr lang="en-US" dirty="0"/>
+              <a:t>The resulting dataset contains 3214 blurry/clear image pairs. 2103 are used for training and the remaining 1111 are used for evaluation.</a:t>
+            </a:r>
+          </a:p>
+        </p:txBody>
+      </p:sp>
+    </p:spTree>
+    <p:extLst>
+      <p:ext uri="{BB962C8B-B14F-4D97-AF65-F5344CB8AC3E}">
+        <p14:creationId xmlns:p14="http://schemas.microsoft.com/office/powerpoint/2010/main" val="3418049258"/>
+      </p:ext>
+    </p:extLst>
+  </p:cSld>
+  <p:clrMapOvr>
+    <a:masterClrMapping/>
+  </p:clrMapOvr>
+</p:sld>
+</file>
+
 <file path=ppt/slides/slide22.xml><?xml version="1.0" encoding="utf-8"?>
 <p:sld xmlns:a="http://schemas.openxmlformats.org/drawingml/2006/main" xmlns:r="http://schemas.openxmlformats.org/officeDocument/2006/relationships" xmlns:p="http://schemas.openxmlformats.org/presentationml/2006/main">
   <p:cSld>
@@ -8851,7 +9127,7 @@
           <p:cNvPr id="2" name="Title 1">
             <a:extLst>
               <a:ext uri="{FF2B5EF4-FFF2-40B4-BE49-F238E27FC236}">
-                <a16:creationId xmlns:a16="http://schemas.microsoft.com/office/drawing/2014/main" id="{739F7428-6C84-4949-B48D-6CFC1C401773}"/>
+                <a16:creationId xmlns:a16="http://schemas.microsoft.com/office/drawing/2014/main" id="{17EC52FA-9538-4201-85D5-7C10086A08D7}"/>
               </a:ext>
             </a:extLst>
           </p:cNvPr>
@@ -8869,7 +9145,7 @@
           <a:p>
             <a:r>
               <a:rPr lang="en-US" dirty="0"/>
-              <a:t>Experiments</a:t>
+              <a:t>Model training</a:t>
             </a:r>
           </a:p>
         </p:txBody>
@@ -8879,7 +9155,7 @@
           <p:cNvPr id="3" name="Content Placeholder 2">
             <a:extLst>
               <a:ext uri="{FF2B5EF4-FFF2-40B4-BE49-F238E27FC236}">
-                <a16:creationId xmlns:a16="http://schemas.microsoft.com/office/drawing/2014/main" id="{3F3E9D91-ACA8-4E7C-89D9-D2098CF40280}"/>
+                <a16:creationId xmlns:a16="http://schemas.microsoft.com/office/drawing/2014/main" id="{F1C12BC7-BA75-4F41-B4FF-D3695ABF70BA}"/>
               </a:ext>
             </a:extLst>
           </p:cNvPr>
@@ -8892,62 +9168,46 @@
         </p:nvSpPr>
         <p:spPr/>
         <p:txBody>
-          <a:bodyPr>
-            <a:normAutofit fontScale="77500" lnSpcReduction="20000"/>
-          </a:bodyPr>
+          <a:bodyPr/>
           <a:lstStyle/>
           <a:p>
             <a:r>
               <a:rPr lang="en-US" dirty="0"/>
-              <a:t>The searchers compared the final NN architecture to others by means of PSNR and SSIM.</a:t>
-            </a:r>
-          </a:p>
-          <a:p>
+              <a:t>As said before, the solver is Adam with beta1=0.9, beta2=0.999, epsilon=10</a:t>
+            </a:r>
+            <a:r>
+              <a:rPr lang="en-US" baseline="30000" dirty="0"/>
+              <a:t>-8</a:t>
+            </a:r>
             <a:r>
               <a:rPr lang="en-US" dirty="0"/>
-              <a:t>A single scale (SS) NN is tested, the recurrent connection are replaced by one convolution layer.</a:t>
+              <a:t>.</a:t>
             </a:r>
           </a:p>
           <a:p>
             <a:r>
               <a:rPr lang="en-US" dirty="0"/>
-              <a:t>SC network composed of the same SS-NN at three scales but independently.</a:t>
-            </a:r>
-          </a:p>
-          <a:p>
+              <a:t>Learning rate is exponentially decaying from 0.0001 to 1e</a:t>
+            </a:r>
+            <a:r>
+              <a:rPr lang="en-US" baseline="30000" dirty="0"/>
+              <a:t>-6</a:t>
+            </a:r>
             <a:r>
               <a:rPr lang="en-US" dirty="0"/>
-              <a:t>Model w/oR that do not contain recurrent modules in bottleneck layer, therefor is a shared weight version of SC.</a:t>
+              <a:t> at 2000 epochs using 0.3 power.</a:t>
             </a:r>
           </a:p>
           <a:p>
             <a:r>
               <a:rPr lang="en-US" dirty="0"/>
-              <a:t>Model RNN uses vanilla RNN rather then ConvLSTM.</a:t>
+              <a:t>The batch size in each iteration is 16 blurry images that are randomly cropped to 256x256 pixels as training input, the same goes for the ground truth.</a:t>
             </a:r>
           </a:p>
           <a:p>
             <a:r>
               <a:rPr lang="en-US" dirty="0"/>
-              <a:t>Models named SR-EDRB are models that use 1,2 and 3 ResBlock.</a:t>
-            </a:r>
-          </a:p>
-          <a:p>
-            <a:r>
-              <a:rPr lang="en-US" dirty="0"/>
-              <a:t>Model SR-Flat replace encoder-decoder with a flat convolution of 43 layers. </a:t>
-            </a:r>
-          </a:p>
-          <a:p>
-            <a:r>
-              <a:rPr lang="en-US" dirty="0"/>
-              <a:t>Model SR-RB replaces all Encoder blocks and Decoder blocks with ResBlocks without any stride.</a:t>
-            </a:r>
-          </a:p>
-          <a:p>
-            <a:r>
-              <a:rPr lang="en-US" dirty="0"/>
-              <a:t>Model SR-RD uses original encoder-decoder with ResBlocks replaced by 2 convolution layers.</a:t>
+              <a:t>All trainable parameters are initialized with Xavier method.</a:t>
             </a:r>
           </a:p>
         </p:txBody>
@@ -8955,7 +9215,7 @@
     </p:spTree>
     <p:extLst>
       <p:ext uri="{BB962C8B-B14F-4D97-AF65-F5344CB8AC3E}">
-        <p14:creationId xmlns:p14="http://schemas.microsoft.com/office/powerpoint/2010/main" val="465918031"/>
+        <p14:creationId xmlns:p14="http://schemas.microsoft.com/office/powerpoint/2010/main" val="3987906564"/>
       </p:ext>
     </p:extLst>
   </p:cSld>
@@ -8987,7 +9247,7 @@
           <p:cNvPr id="2" name="Title 1">
             <a:extLst>
               <a:ext uri="{FF2B5EF4-FFF2-40B4-BE49-F238E27FC236}">
-                <a16:creationId xmlns:a16="http://schemas.microsoft.com/office/drawing/2014/main" id="{762C1573-50E5-4531-A120-B6C566CDB565}"/>
+                <a16:creationId xmlns:a16="http://schemas.microsoft.com/office/drawing/2014/main" id="{739F7428-6C84-4949-B48D-6CFC1C401773}"/>
               </a:ext>
             </a:extLst>
           </p:cNvPr>
@@ -9005,7 +9265,7 @@
           <a:p>
             <a:r>
               <a:rPr lang="en-US" dirty="0"/>
-              <a:t>Comparison to models and other studies</a:t>
+              <a:t>Experiments</a:t>
             </a:r>
           </a:p>
         </p:txBody>
@@ -9015,7 +9275,7 @@
           <p:cNvPr id="3" name="Content Placeholder 2">
             <a:extLst>
               <a:ext uri="{FF2B5EF4-FFF2-40B4-BE49-F238E27FC236}">
-                <a16:creationId xmlns:a16="http://schemas.microsoft.com/office/drawing/2014/main" id="{45C2D090-E0B9-4644-8721-4F3E44B6464E}"/>
+                <a16:creationId xmlns:a16="http://schemas.microsoft.com/office/drawing/2014/main" id="{3F3E9D91-ACA8-4E7C-89D9-D2098CF40280}"/>
               </a:ext>
             </a:extLst>
           </p:cNvPr>
@@ -9028,17 +9288,70 @@
         </p:nvSpPr>
         <p:spPr/>
         <p:txBody>
-          <a:bodyPr/>
-          <a:lstStyle/>
-          <a:p>
-            <a:endParaRPr lang="en-US"/>
+          <a:bodyPr>
+            <a:normAutofit fontScale="77500" lnSpcReduction="20000"/>
+          </a:bodyPr>
+          <a:lstStyle/>
+          <a:p>
+            <a:r>
+              <a:rPr lang="en-US" dirty="0"/>
+              <a:t>The searchers compared the final NN architecture to others by means of PSNR and SSIM.</a:t>
+            </a:r>
+          </a:p>
+          <a:p>
+            <a:r>
+              <a:rPr lang="en-US" dirty="0"/>
+              <a:t>A single scale (SS) NN is tested, the recurrent connection are replaced by one convolution layer.</a:t>
+            </a:r>
+          </a:p>
+          <a:p>
+            <a:r>
+              <a:rPr lang="en-US" dirty="0"/>
+              <a:t>SC network composed of the same SS-NN at three scales but independently.</a:t>
+            </a:r>
+          </a:p>
+          <a:p>
+            <a:r>
+              <a:rPr lang="en-US" dirty="0"/>
+              <a:t>Model w/oR that do not contain recurrent modules in bottleneck layer, therefor is a shared weight version of SC.</a:t>
+            </a:r>
+          </a:p>
+          <a:p>
+            <a:r>
+              <a:rPr lang="en-US" dirty="0"/>
+              <a:t>Model RNN uses vanilla RNN rather then ConvLSTM.</a:t>
+            </a:r>
+          </a:p>
+          <a:p>
+            <a:r>
+              <a:rPr lang="en-US" dirty="0"/>
+              <a:t>Models named SR-EDRB are models that use 1,2 and 3 ResBlock.</a:t>
+            </a:r>
+          </a:p>
+          <a:p>
+            <a:r>
+              <a:rPr lang="en-US" dirty="0"/>
+              <a:t>Model SR-Flat replace encoder-decoder with a flat convolution of 43 layers. </a:t>
+            </a:r>
+          </a:p>
+          <a:p>
+            <a:r>
+              <a:rPr lang="en-US" dirty="0"/>
+              <a:t>Model SR-RB replaces all Encoder blocks and Decoder blocks with ResBlocks without any stride.</a:t>
+            </a:r>
+          </a:p>
+          <a:p>
+            <a:r>
+              <a:rPr lang="en-US" dirty="0"/>
+              <a:t>Model SR-RD uses original encoder-decoder with ResBlocks replaced by 2 convolution layers.</a:t>
+            </a:r>
           </a:p>
         </p:txBody>
       </p:sp>
     </p:spTree>
     <p:extLst>
       <p:ext uri="{BB962C8B-B14F-4D97-AF65-F5344CB8AC3E}">
-        <p14:creationId xmlns:p14="http://schemas.microsoft.com/office/powerpoint/2010/main" val="64674993"/>
+        <p14:creationId xmlns:p14="http://schemas.microsoft.com/office/powerpoint/2010/main" val="465918031"/>
       </p:ext>
     </p:extLst>
   </p:cSld>
@@ -9067,6 +9380,223 @@
       </p:grpSpPr>
       <p:sp>
         <p:nvSpPr>
+          <p:cNvPr id="2" name="Title 1"/>
+          <p:cNvSpPr>
+            <a:spLocks noGrp="1"/>
+          </p:cNvSpPr>
+          <p:nvPr>
+            <p:ph type="title"/>
+          </p:nvPr>
+        </p:nvSpPr>
+        <p:spPr/>
+        <p:txBody>
+          <a:bodyPr/>
+          <a:lstStyle/>
+          <a:p>
+            <a:r>
+              <a:rPr lang="en-US" dirty="0" smtClean="0"/>
+              <a:t>Quality measurement</a:t>
+            </a:r>
+            <a:endParaRPr lang="he-IL" dirty="0"/>
+          </a:p>
+        </p:txBody>
+      </p:sp>
+      <p:sp>
+        <p:nvSpPr>
+          <p:cNvPr id="3" name="Content Placeholder 2"/>
+          <p:cNvSpPr>
+            <a:spLocks noGrp="1"/>
+          </p:cNvSpPr>
+          <p:nvPr>
+            <p:ph idx="1"/>
+          </p:nvPr>
+        </p:nvSpPr>
+        <p:spPr/>
+        <p:txBody>
+          <a:bodyPr/>
+          <a:lstStyle/>
+          <a:p>
+            <a:r>
+              <a:rPr lang="en-US" dirty="0" smtClean="0"/>
+              <a:t>Peak signal-to-noise ratio (PSNR).</a:t>
+            </a:r>
+          </a:p>
+          <a:p>
+            <a:r>
+              <a:rPr lang="en-US" dirty="0"/>
+              <a:t>structural similarity index </a:t>
+            </a:r>
+            <a:r>
+              <a:rPr lang="en-US" dirty="0" smtClean="0"/>
+              <a:t>measure (SSIM).</a:t>
+            </a:r>
+            <a:endParaRPr lang="he-IL" dirty="0"/>
+          </a:p>
+        </p:txBody>
+      </p:sp>
+    </p:spTree>
+    <p:extLst>
+      <p:ext uri="{BB962C8B-B14F-4D97-AF65-F5344CB8AC3E}">
+        <p14:creationId xmlns:p14="http://schemas.microsoft.com/office/powerpoint/2010/main" val="1887299071"/>
+      </p:ext>
+    </p:extLst>
+  </p:cSld>
+  <p:clrMapOvr>
+    <a:masterClrMapping/>
+  </p:clrMapOvr>
+</p:sld>
+</file>
+
+<file path=ppt/slides/slide25.xml><?xml version="1.0" encoding="utf-8"?>
+<p:sld xmlns:a="http://schemas.openxmlformats.org/drawingml/2006/main" xmlns:r="http://schemas.openxmlformats.org/officeDocument/2006/relationships" xmlns:p="http://schemas.openxmlformats.org/presentationml/2006/main">
+  <p:cSld>
+    <p:spTree>
+      <p:nvGrpSpPr>
+        <p:cNvPr id="1" name=""/>
+        <p:cNvGrpSpPr/>
+        <p:nvPr/>
+      </p:nvGrpSpPr>
+      <p:grpSpPr>
+        <a:xfrm>
+          <a:off x="0" y="0"/>
+          <a:ext cx="0" cy="0"/>
+          <a:chOff x="0" y="0"/>
+          <a:chExt cx="0" cy="0"/>
+        </a:xfrm>
+      </p:grpSpPr>
+      <p:sp>
+        <p:nvSpPr>
+          <p:cNvPr id="2" name="Title 1">
+            <a:extLst>
+              <a:ext uri="{FF2B5EF4-FFF2-40B4-BE49-F238E27FC236}">
+                <a16:creationId xmlns:a16="http://schemas.microsoft.com/office/drawing/2014/main" id="{762C1573-50E5-4531-A120-B6C566CDB565}"/>
+              </a:ext>
+            </a:extLst>
+          </p:cNvPr>
+          <p:cNvSpPr>
+            <a:spLocks noGrp="1"/>
+          </p:cNvSpPr>
+          <p:nvPr>
+            <p:ph type="title"/>
+          </p:nvPr>
+        </p:nvSpPr>
+        <p:spPr/>
+        <p:txBody>
+          <a:bodyPr/>
+          <a:lstStyle/>
+          <a:p>
+            <a:r>
+              <a:rPr lang="en-US" dirty="0"/>
+              <a:t>Comparison to models and other studies</a:t>
+            </a:r>
+          </a:p>
+        </p:txBody>
+      </p:sp>
+      <p:sp>
+        <p:nvSpPr>
+          <p:cNvPr id="3" name="Content Placeholder 2">
+            <a:extLst>
+              <a:ext uri="{FF2B5EF4-FFF2-40B4-BE49-F238E27FC236}">
+                <a16:creationId xmlns:a16="http://schemas.microsoft.com/office/drawing/2014/main" id="{45C2D090-E0B9-4644-8721-4F3E44B6464E}"/>
+              </a:ext>
+            </a:extLst>
+          </p:cNvPr>
+          <p:cNvSpPr>
+            <a:spLocks noGrp="1"/>
+          </p:cNvSpPr>
+          <p:nvPr>
+            <p:ph idx="1"/>
+          </p:nvPr>
+        </p:nvSpPr>
+        <p:spPr/>
+        <p:txBody>
+          <a:bodyPr/>
+          <a:lstStyle/>
+          <a:p>
+            <a:endParaRPr lang="en-US"/>
+          </a:p>
+        </p:txBody>
+      </p:sp>
+      <p:pic>
+        <p:nvPicPr>
+          <p:cNvPr id="4" name="Picture 3"/>
+          <p:cNvPicPr>
+            <a:picLocks noChangeAspect="1"/>
+          </p:cNvPicPr>
+          <p:nvPr/>
+        </p:nvPicPr>
+        <p:blipFill>
+          <a:blip r:embed="rId2"/>
+          <a:stretch>
+            <a:fillRect/>
+          </a:stretch>
+        </p:blipFill>
+        <p:spPr>
+          <a:xfrm>
+            <a:off x="921706" y="3563937"/>
+            <a:ext cx="4496427" cy="2019582"/>
+          </a:xfrm>
+          <a:prstGeom prst="rect">
+            <a:avLst/>
+          </a:prstGeom>
+        </p:spPr>
+      </p:pic>
+      <p:pic>
+        <p:nvPicPr>
+          <p:cNvPr id="5" name="Picture 4"/>
+          <p:cNvPicPr>
+            <a:picLocks noChangeAspect="1"/>
+          </p:cNvPicPr>
+          <p:nvPr/>
+        </p:nvPicPr>
+        <p:blipFill>
+          <a:blip r:embed="rId3"/>
+          <a:stretch>
+            <a:fillRect/>
+          </a:stretch>
+        </p:blipFill>
+        <p:spPr>
+          <a:xfrm>
+            <a:off x="6659131" y="3935464"/>
+            <a:ext cx="4201111" cy="1276528"/>
+          </a:xfrm>
+          <a:prstGeom prst="rect">
+            <a:avLst/>
+          </a:prstGeom>
+        </p:spPr>
+      </p:pic>
+    </p:spTree>
+    <p:extLst>
+      <p:ext uri="{BB962C8B-B14F-4D97-AF65-F5344CB8AC3E}">
+        <p14:creationId xmlns:p14="http://schemas.microsoft.com/office/powerpoint/2010/main" val="64674993"/>
+      </p:ext>
+    </p:extLst>
+  </p:cSld>
+  <p:clrMapOvr>
+    <a:masterClrMapping/>
+  </p:clrMapOvr>
+</p:sld>
+</file>
+
+<file path=ppt/slides/slide26.xml><?xml version="1.0" encoding="utf-8"?>
+<p:sld xmlns:a="http://schemas.openxmlformats.org/drawingml/2006/main" xmlns:r="http://schemas.openxmlformats.org/officeDocument/2006/relationships" xmlns:p="http://schemas.openxmlformats.org/presentationml/2006/main">
+  <p:cSld>
+    <p:spTree>
+      <p:nvGrpSpPr>
+        <p:cNvPr id="1" name=""/>
+        <p:cNvGrpSpPr/>
+        <p:nvPr/>
+      </p:nvGrpSpPr>
+      <p:grpSpPr>
+        <a:xfrm>
+          <a:off x="0" y="0"/>
+          <a:ext cx="0" cy="0"/>
+          <a:chOff x="0" y="0"/>
+          <a:chExt cx="0" cy="0"/>
+        </a:xfrm>
+      </p:grpSpPr>
+      <p:sp>
+        <p:nvSpPr>
           <p:cNvPr id="2" name="Title 1">
             <a:extLst>
               <a:ext uri="{FF2B5EF4-FFF2-40B4-BE49-F238E27FC236}">
@@ -9118,6 +9648,30 @@
           </a:p>
         </p:txBody>
       </p:sp>
+      <p:pic>
+        <p:nvPicPr>
+          <p:cNvPr id="4" name="Picture 3"/>
+          <p:cNvPicPr>
+            <a:picLocks noChangeAspect="1"/>
+          </p:cNvPicPr>
+          <p:nvPr/>
+        </p:nvPicPr>
+        <p:blipFill>
+          <a:blip r:embed="rId2"/>
+          <a:stretch>
+            <a:fillRect/>
+          </a:stretch>
+        </p:blipFill>
+        <p:spPr>
+          <a:xfrm>
+            <a:off x="3995444" y="2790736"/>
+            <a:ext cx="4201111" cy="1276528"/>
+          </a:xfrm>
+          <a:prstGeom prst="rect">
+            <a:avLst/>
+          </a:prstGeom>
+        </p:spPr>
+      </p:pic>
     </p:spTree>
     <p:extLst>
       <p:ext uri="{BB962C8B-B14F-4D97-AF65-F5344CB8AC3E}">
@@ -9131,7 +9685,7 @@
 </p:sld>
 </file>
 
-<file path=ppt/slides/slide25.xml><?xml version="1.0" encoding="utf-8"?>
+<file path=ppt/slides/slide27.xml><?xml version="1.0" encoding="utf-8"?>
 <p:sld xmlns:a="http://schemas.openxmlformats.org/drawingml/2006/main" xmlns:r="http://schemas.openxmlformats.org/officeDocument/2006/relationships" xmlns:p="http://schemas.openxmlformats.org/presentationml/2006/main">
   <p:cSld>
     <p:spTree>
@@ -9323,13 +9877,25 @@
         </p:spPr>
         <p:txBody>
           <a:bodyPr anchor="b">
-            <a:normAutofit/>
+            <a:normAutofit fontScale="90000"/>
           </a:bodyPr>
           <a:lstStyle/>
           <a:p>
             <a:r>
-              <a:rPr lang="en-US" sz="5000"/>
-              <a:t>The Challenge – Single Image Deblurring </a:t>
+              <a:rPr lang="en-US" sz="5000" dirty="0"/>
+              <a:t>The Challenge – </a:t>
+            </a:r>
+            <a:r>
+              <a:rPr lang="en-US" sz="5000" strike="sngStrike" dirty="0" smtClean="0"/>
+              <a:t>Single</a:t>
+            </a:r>
+            <a:r>
+              <a:rPr lang="en-US" sz="5000" dirty="0" smtClean="0"/>
+              <a:t>(?) </a:t>
+            </a:r>
+            <a:r>
+              <a:rPr lang="en-US" sz="5000" dirty="0"/>
+              <a:t>Image Deblurring </a:t>
             </a:r>
           </a:p>
         </p:txBody>

--- a/Slideshow/Scale-recurrent network for deblurring.pptx
+++ b/Slideshow/Scale-recurrent network for deblurring.pptx
@@ -14,7 +14,7 @@
     <p:sldId id="262" r:id="rId5"/>
     <p:sldId id="259" r:id="rId6"/>
     <p:sldId id="258" r:id="rId7"/>
-    <p:sldId id="261" r:id="rId8"/>
+    <p:sldId id="284" r:id="rId8"/>
     <p:sldId id="263" r:id="rId9"/>
     <p:sldId id="264" r:id="rId10"/>
     <p:sldId id="275" r:id="rId11"/>
@@ -26,15 +26,15 @@
     <p:sldId id="279" r:id="rId17"/>
     <p:sldId id="280" r:id="rId18"/>
     <p:sldId id="267" r:id="rId19"/>
-    <p:sldId id="283" r:id="rId20"/>
-    <p:sldId id="271" r:id="rId21"/>
-    <p:sldId id="270" r:id="rId22"/>
-    <p:sldId id="278" r:id="rId23"/>
-    <p:sldId id="272" r:id="rId24"/>
-    <p:sldId id="282" r:id="rId25"/>
-    <p:sldId id="281" r:id="rId26"/>
-    <p:sldId id="273" r:id="rId27"/>
-    <p:sldId id="274" r:id="rId28"/>
+    <p:sldId id="271" r:id="rId20"/>
+    <p:sldId id="270" r:id="rId21"/>
+    <p:sldId id="278" r:id="rId22"/>
+    <p:sldId id="272" r:id="rId23"/>
+    <p:sldId id="282" r:id="rId24"/>
+    <p:sldId id="281" r:id="rId25"/>
+    <p:sldId id="273" r:id="rId26"/>
+    <p:sldId id="274" r:id="rId27"/>
+    <p:sldId id="285" r:id="rId28"/>
   </p:sldIdLst>
   <p:sldSz cx="12192000" cy="6858000"/>
   <p:notesSz cx="6858000" cy="9144000"/>
@@ -649,6 +649,378 @@
           <a:p>
             <a:pPr algn="r" rtl="1"/>
             <a:r>
+              <a:rPr lang="he-IL" dirty="0" smtClean="0"/>
+              <a:t>נועד</a:t>
+            </a:r>
+            <a:r>
+              <a:rPr lang="he-IL" baseline="0" dirty="0" smtClean="0"/>
+              <a:t> לפתור את הבעיה שנוצרת ב</a:t>
+            </a:r>
+            <a:r>
+              <a:rPr lang="en-US" baseline="0" dirty="0" smtClean="0"/>
+              <a:t>RNN</a:t>
+            </a:r>
+            <a:r>
+              <a:rPr lang="he-IL" baseline="0" dirty="0" smtClean="0"/>
+              <a:t> כאשר </a:t>
+            </a:r>
+            <a:r>
+              <a:rPr lang="he-IL" baseline="0" dirty="0" err="1" smtClean="0"/>
+              <a:t>הגרדיאנטים</a:t>
+            </a:r>
+            <a:r>
+              <a:rPr lang="he-IL" baseline="0" dirty="0" smtClean="0"/>
+              <a:t> גדלים מאוד או קטנים מאוד ולכם נעלמים או מתפוצצים ותחילת המשפט לא מושפעת היטב כמו סוף המשפט ולהפך. פתרון נוסף הוא קיצוץ אבל לא ניכנס לזה כאן כי זה לא העיקר. </a:t>
+            </a:r>
+          </a:p>
+          <a:p>
+            <a:pPr algn="r" rtl="1"/>
+            <a:r>
+              <a:rPr lang="en-US" baseline="0" dirty="0" smtClean="0"/>
+              <a:t>C</a:t>
+            </a:r>
+            <a:r>
+              <a:rPr lang="he-IL" baseline="0" dirty="0" smtClean="0"/>
+              <a:t> זה תא הזיכרון, בעצם מדובר </a:t>
+            </a:r>
+            <a:r>
+              <a:rPr lang="he-IL" baseline="0" dirty="0" err="1" smtClean="0"/>
+              <a:t>בונטקסט</a:t>
+            </a:r>
+            <a:r>
+              <a:rPr lang="he-IL" baseline="0" dirty="0" smtClean="0"/>
+              <a:t> </a:t>
+            </a:r>
+            <a:r>
+              <a:rPr lang="he-IL" baseline="0" dirty="0" err="1" smtClean="0"/>
+              <a:t>כלומרמדובר</a:t>
+            </a:r>
+            <a:r>
+              <a:rPr lang="he-IL" baseline="0" dirty="0" smtClean="0"/>
+              <a:t> כאן </a:t>
+            </a:r>
+            <a:r>
+              <a:rPr lang="he-IL" baseline="0" dirty="0" err="1" smtClean="0"/>
+              <a:t>בוקטור</a:t>
+            </a:r>
+            <a:r>
+              <a:rPr lang="he-IL" baseline="0" dirty="0" smtClean="0"/>
+              <a:t> או מטריצה שהיא </a:t>
+            </a:r>
+            <a:r>
+              <a:rPr lang="he-IL" baseline="0" dirty="0" err="1" smtClean="0"/>
+              <a:t>האינפוטים</a:t>
+            </a:r>
+            <a:endParaRPr lang="he-IL" baseline="0" dirty="0" smtClean="0"/>
+          </a:p>
+          <a:p>
+            <a:pPr algn="r" rtl="1"/>
+            <a:r>
+              <a:rPr lang="he-IL" baseline="0" dirty="0" smtClean="0"/>
+              <a:t>תפקיד השער הזיכרון הוא להחליט מתי לעדכן ערך</a:t>
+            </a:r>
+          </a:p>
+          <a:p>
+            <a:pPr algn="r" rtl="1"/>
+            <a:r>
+              <a:rPr lang="en-US" baseline="0" dirty="0" smtClean="0"/>
+              <a:t>Forget gate =f </a:t>
+            </a:r>
+            <a:r>
+              <a:rPr lang="he-IL" baseline="0" dirty="0" smtClean="0"/>
+              <a:t> שולט באם תא הזיכרון יהפוך ל0 או לא.</a:t>
+            </a:r>
+          </a:p>
+          <a:p>
+            <a:pPr algn="r" rtl="1"/>
+            <a:r>
+              <a:rPr lang="en-US" baseline="0" dirty="0" smtClean="0"/>
+              <a:t>Update gate=I</a:t>
+            </a:r>
+            <a:r>
+              <a:rPr lang="he-IL" baseline="0" dirty="0" smtClean="0"/>
+              <a:t> נועד או אינפוט </a:t>
+            </a:r>
+            <a:r>
+              <a:rPr lang="he-IL" baseline="0" dirty="0" err="1" smtClean="0"/>
+              <a:t>גייט</a:t>
+            </a:r>
+            <a:r>
+              <a:rPr lang="he-IL" baseline="0" dirty="0" smtClean="0"/>
+              <a:t>, קובע האם יש עדכון או לא.</a:t>
+            </a:r>
+            <a:endParaRPr lang="en-US" baseline="0" dirty="0" smtClean="0"/>
+          </a:p>
+          <a:p>
+            <a:pPr algn="r" rtl="1"/>
+            <a:r>
+              <a:rPr lang="en-US" baseline="0" dirty="0" smtClean="0"/>
+              <a:t>Output gate=o</a:t>
+            </a:r>
+            <a:r>
+              <a:rPr lang="he-IL" baseline="0" dirty="0" smtClean="0"/>
+              <a:t> שולט באם המידע של מצב התא הנוכחי יועבר הלאה או לא.</a:t>
+            </a:r>
+          </a:p>
+          <a:p>
+            <a:pPr algn="r" rtl="1"/>
+            <a:r>
+              <a:rPr lang="he-IL" baseline="0" dirty="0" err="1" smtClean="0"/>
+              <a:t>הטנגגנט</a:t>
+            </a:r>
+            <a:r>
+              <a:rPr lang="en-US" baseline="0" dirty="0" smtClean="0"/>
+              <a:t>H</a:t>
+            </a:r>
+            <a:r>
+              <a:rPr lang="he-IL" baseline="0" dirty="0" smtClean="0"/>
+              <a:t> דואג לפיזור </a:t>
+            </a:r>
+            <a:r>
+              <a:rPr lang="he-IL" baseline="0" dirty="0" err="1" smtClean="0"/>
+              <a:t>הגרידאנטים</a:t>
+            </a:r>
+            <a:r>
+              <a:rPr lang="he-IL" baseline="0" dirty="0" smtClean="0"/>
+              <a:t> כדי למנוע פיצוץ או איפוס</a:t>
+            </a:r>
+            <a:endParaRPr lang="en-US" baseline="0" dirty="0" smtClean="0"/>
+          </a:p>
+          <a:p>
+            <a:pPr algn="r" rtl="1"/>
+            <a:endParaRPr lang="he-IL" dirty="0" smtClean="0"/>
+          </a:p>
+          <a:p>
+            <a:pPr algn="r" rtl="1"/>
+            <a:r>
+              <a:rPr lang="en-US" dirty="0" smtClean="0"/>
+              <a:t>h</a:t>
+            </a:r>
+            <a:r>
+              <a:rPr lang="he-IL" baseline="0" dirty="0" smtClean="0"/>
+              <a:t> זוהי מטריצה של ערכים חבויים שהם בעצם הפלט של תאים קודמים.</a:t>
+            </a:r>
+          </a:p>
+          <a:p>
+            <a:pPr algn="r" rtl="1"/>
+            <a:r>
+              <a:rPr lang="en-US" baseline="0" dirty="0" smtClean="0"/>
+              <a:t>b</a:t>
+            </a:r>
+            <a:r>
+              <a:rPr lang="he-IL" baseline="0" dirty="0" smtClean="0"/>
+              <a:t> זה ה</a:t>
+            </a:r>
+            <a:r>
+              <a:rPr lang="en-US" baseline="0" dirty="0" smtClean="0"/>
+              <a:t>BIAS</a:t>
+            </a:r>
+            <a:endParaRPr lang="he-IL" baseline="0" dirty="0" smtClean="0"/>
+          </a:p>
+          <a:p>
+            <a:pPr algn="r" rtl="1"/>
+            <a:r>
+              <a:rPr lang="en-US" baseline="0" dirty="0" err="1" smtClean="0"/>
+              <a:t>Wx</a:t>
+            </a:r>
+            <a:r>
+              <a:rPr lang="he-IL" baseline="0" dirty="0" smtClean="0"/>
+              <a:t> זה מטריצת משקולות</a:t>
+            </a:r>
+          </a:p>
+        </p:txBody>
+      </p:sp>
+      <p:sp>
+        <p:nvSpPr>
+          <p:cNvPr id="4" name="Slide Number Placeholder 3"/>
+          <p:cNvSpPr>
+            <a:spLocks noGrp="1"/>
+          </p:cNvSpPr>
+          <p:nvPr>
+            <p:ph type="sldNum" sz="quarter" idx="5"/>
+          </p:nvPr>
+        </p:nvSpPr>
+        <p:spPr/>
+        <p:txBody>
+          <a:bodyPr/>
+          <a:lstStyle/>
+          <a:p>
+            <a:fld id="{D1424380-F98C-4904-AD4B-4459796C3B26}" type="slidenum">
+              <a:rPr lang="en-US" smtClean="0"/>
+              <a:t>14</a:t>
+            </a:fld>
+            <a:endParaRPr lang="en-US"/>
+          </a:p>
+        </p:txBody>
+      </p:sp>
+    </p:spTree>
+    <p:extLst>
+      <p:ext uri="{BB962C8B-B14F-4D97-AF65-F5344CB8AC3E}">
+        <p14:creationId xmlns:p14="http://schemas.microsoft.com/office/powerpoint/2010/main" val="1387693716"/>
+      </p:ext>
+    </p:extLst>
+  </p:cSld>
+  <p:clrMapOvr>
+    <a:masterClrMapping/>
+  </p:clrMapOvr>
+</p:notes>
+</file>
+
+<file path=ppt/notesSlides/notesSlide11.xml><?xml version="1.0" encoding="utf-8"?>
+<p:notes xmlns:a="http://schemas.openxmlformats.org/drawingml/2006/main" xmlns:r="http://schemas.openxmlformats.org/officeDocument/2006/relationships" xmlns:p="http://schemas.openxmlformats.org/presentationml/2006/main">
+  <p:cSld>
+    <p:spTree>
+      <p:nvGrpSpPr>
+        <p:cNvPr id="1" name=""/>
+        <p:cNvGrpSpPr/>
+        <p:nvPr/>
+      </p:nvGrpSpPr>
+      <p:grpSpPr>
+        <a:xfrm>
+          <a:off x="0" y="0"/>
+          <a:ext cx="0" cy="0"/>
+          <a:chOff x="0" y="0"/>
+          <a:chExt cx="0" cy="0"/>
+        </a:xfrm>
+      </p:grpSpPr>
+      <p:sp>
+        <p:nvSpPr>
+          <p:cNvPr id="2" name="Slide Image Placeholder 1"/>
+          <p:cNvSpPr>
+            <a:spLocks noGrp="1" noRot="1" noChangeAspect="1"/>
+          </p:cNvSpPr>
+          <p:nvPr>
+            <p:ph type="sldImg"/>
+          </p:nvPr>
+        </p:nvSpPr>
+        <p:spPr/>
+      </p:sp>
+      <p:sp>
+        <p:nvSpPr>
+          <p:cNvPr id="3" name="Notes Placeholder 2"/>
+          <p:cNvSpPr>
+            <a:spLocks noGrp="1"/>
+          </p:cNvSpPr>
+          <p:nvPr>
+            <p:ph type="body" idx="1"/>
+          </p:nvPr>
+        </p:nvSpPr>
+        <p:spPr/>
+        <p:txBody>
+          <a:bodyPr/>
+          <a:lstStyle/>
+          <a:p>
+            <a:pPr algn="r" rtl="1"/>
+            <a:r>
+              <a:rPr lang="he-IL" dirty="0" err="1" smtClean="0"/>
+              <a:t>האנקודר</a:t>
+            </a:r>
+            <a:r>
+              <a:rPr lang="he-IL" baseline="0" dirty="0" smtClean="0"/>
+              <a:t> הופך סיקוונס </a:t>
+            </a:r>
+            <a:r>
+              <a:rPr lang="he-IL" baseline="0" dirty="0" err="1" smtClean="0"/>
+              <a:t>לוקטור</a:t>
+            </a:r>
+            <a:r>
+              <a:rPr lang="he-IL" baseline="0" dirty="0" smtClean="0"/>
+              <a:t> </a:t>
+            </a:r>
+            <a:r>
+              <a:rPr lang="he-IL" baseline="0" dirty="0" err="1" smtClean="0"/>
+              <a:t>והדיקודר</a:t>
+            </a:r>
+            <a:r>
+              <a:rPr lang="he-IL" baseline="0" dirty="0" smtClean="0"/>
+              <a:t> הופך וקטור לסיקוונס. </a:t>
+            </a:r>
+            <a:endParaRPr lang="he-IL" dirty="0"/>
+          </a:p>
+        </p:txBody>
+      </p:sp>
+      <p:sp>
+        <p:nvSpPr>
+          <p:cNvPr id="4" name="Slide Number Placeholder 3"/>
+          <p:cNvSpPr>
+            <a:spLocks noGrp="1"/>
+          </p:cNvSpPr>
+          <p:nvPr>
+            <p:ph type="sldNum" sz="quarter" idx="10"/>
+          </p:nvPr>
+        </p:nvSpPr>
+        <p:spPr/>
+        <p:txBody>
+          <a:bodyPr/>
+          <a:lstStyle/>
+          <a:p>
+            <a:fld id="{D1424380-F98C-4904-AD4B-4459796C3B26}" type="slidenum">
+              <a:rPr lang="en-US" smtClean="0"/>
+              <a:t>16</a:t>
+            </a:fld>
+            <a:endParaRPr lang="en-US"/>
+          </a:p>
+        </p:txBody>
+      </p:sp>
+    </p:spTree>
+    <p:extLst>
+      <p:ext uri="{BB962C8B-B14F-4D97-AF65-F5344CB8AC3E}">
+        <p14:creationId xmlns:p14="http://schemas.microsoft.com/office/powerpoint/2010/main" val="2468550058"/>
+      </p:ext>
+    </p:extLst>
+  </p:cSld>
+  <p:clrMapOvr>
+    <a:masterClrMapping/>
+  </p:clrMapOvr>
+</p:notes>
+</file>
+
+<file path=ppt/notesSlides/notesSlide12.xml><?xml version="1.0" encoding="utf-8"?>
+<p:notes xmlns:a="http://schemas.openxmlformats.org/drawingml/2006/main" xmlns:r="http://schemas.openxmlformats.org/officeDocument/2006/relationships" xmlns:p="http://schemas.openxmlformats.org/presentationml/2006/main">
+  <p:cSld>
+    <p:spTree>
+      <p:nvGrpSpPr>
+        <p:cNvPr id="1" name=""/>
+        <p:cNvGrpSpPr/>
+        <p:nvPr/>
+      </p:nvGrpSpPr>
+      <p:grpSpPr>
+        <a:xfrm>
+          <a:off x="0" y="0"/>
+          <a:ext cx="0" cy="0"/>
+          <a:chOff x="0" y="0"/>
+          <a:chExt cx="0" cy="0"/>
+        </a:xfrm>
+      </p:grpSpPr>
+      <p:sp>
+        <p:nvSpPr>
+          <p:cNvPr id="2" name="Slide Image Placeholder 1"/>
+          <p:cNvSpPr>
+            <a:spLocks noGrp="1" noRot="1" noChangeAspect="1"/>
+          </p:cNvSpPr>
+          <p:nvPr>
+            <p:ph type="sldImg"/>
+          </p:nvPr>
+        </p:nvSpPr>
+        <p:spPr/>
+      </p:sp>
+      <p:sp>
+        <p:nvSpPr>
+          <p:cNvPr id="3" name="Notes Placeholder 2"/>
+          <p:cNvSpPr>
+            <a:spLocks noGrp="1"/>
+          </p:cNvSpPr>
+          <p:nvPr>
+            <p:ph type="body" idx="1"/>
+          </p:nvPr>
+        </p:nvSpPr>
+        <p:spPr/>
+        <p:txBody>
+          <a:bodyPr/>
+          <a:lstStyle/>
+          <a:p>
+            <a:pPr algn="r" rtl="1"/>
+            <a:r>
               <a:rPr lang="en-US" dirty="0"/>
               <a:t>H</a:t>
             </a:r>
@@ -1116,78 +1488,100 @@
           <a:p>
             <a:pPr algn="r" rtl="1"/>
             <a:r>
-              <a:rPr lang="en-US" dirty="0"/>
-              <a:t>I</a:t>
-            </a:r>
-            <a:r>
-              <a:rPr lang="he-IL" dirty="0"/>
-              <a:t> זו התמונה המשוחזרת משוערכת, </a:t>
-            </a:r>
-            <a:r>
-              <a:rPr lang="en-US" dirty="0"/>
-              <a:t>h</a:t>
-            </a:r>
-            <a:r>
-              <a:rPr lang="he-IL" dirty="0"/>
-              <a:t> אלו </a:t>
-            </a:r>
-            <a:r>
-              <a:rPr lang="he-IL" dirty="0" err="1"/>
-              <a:t>פיצרים</a:t>
-            </a:r>
-            <a:r>
-              <a:rPr lang="he-IL" dirty="0"/>
-              <a:t> פנימיים ברשת</a:t>
-            </a:r>
-            <a:r>
-              <a:rPr lang="en-US" dirty="0"/>
+              <a:rPr lang="he-IL" dirty="0" smtClean="0"/>
+              <a:t>השיטה המוצעת היא שימוש ברשת נוירונים אשר מקבלת תמונה בגודל מסוים, לאחר מכן חותכת אותה ומקטינה אותה ובעצם משתמשת במעין 3 </a:t>
+            </a:r>
+            <a:r>
+              <a:rPr lang="he-IL" dirty="0" err="1" smtClean="0"/>
+              <a:t>סקלות</a:t>
+            </a:r>
+            <a:r>
+              <a:rPr lang="he-IL" dirty="0" smtClean="0"/>
+              <a:t> שונות של גודל התמונה במהלך תהליך הלמידה. כלומר יש כאן מעין פירמידה בשינוי גודל התמונה.</a:t>
+            </a:r>
+            <a:r>
+              <a:rPr lang="en-US" dirty="0" smtClean="0"/>
               <a:t> </a:t>
             </a:r>
             <a:r>
-              <a:rPr lang="he-IL" dirty="0"/>
-              <a:t> </a:t>
-            </a:r>
-            <a:r>
-              <a:rPr lang="en-US" dirty="0"/>
-              <a:t>(hidden state vectors)</a:t>
-            </a:r>
-            <a:r>
-              <a:rPr lang="he-IL" dirty="0"/>
-              <a:t>, </a:t>
-            </a:r>
-            <a:r>
-              <a:rPr lang="en-US" dirty="0"/>
-              <a:t>B</a:t>
-            </a:r>
-            <a:r>
-              <a:rPr lang="he-IL" dirty="0"/>
-              <a:t> זו התמונה המטושטשת, </a:t>
-            </a:r>
-            <a:r>
-              <a:rPr lang="he-IL" dirty="0" err="1"/>
-              <a:t>תטא</a:t>
-            </a:r>
-            <a:r>
-              <a:rPr lang="he-IL" dirty="0"/>
-              <a:t> אלו פרמטרים של האימון ברשת.</a:t>
-            </a:r>
-            <a:r>
-              <a:rPr lang="en-US" dirty="0"/>
-              <a:t> </a:t>
-            </a:r>
-            <a:r>
-              <a:rPr lang="he-IL" dirty="0"/>
-              <a:t>הפרמטרים הפנימיים לומדים מבנים </a:t>
-            </a:r>
-            <a:r>
-              <a:rPr lang="he-IL" dirty="0" err="1"/>
-              <a:t>וקרנלים</a:t>
-            </a:r>
-            <a:r>
-              <a:rPr lang="he-IL" dirty="0"/>
-              <a:t> מתמונות מסקלות קודמות. </a:t>
-            </a:r>
-            <a:endParaRPr lang="en-US" dirty="0"/>
+              <a:rPr lang="he-IL" dirty="0" smtClean="0"/>
+              <a:t>יש כאן יצירה של תמונה חדה מתמונה מטושטשת מכל סקלה כתת משימה. עוד תכונה של הרשת היא שהיא מסוג </a:t>
+            </a:r>
+            <a:r>
+              <a:rPr lang="en-US" dirty="0" smtClean="0"/>
+              <a:t>RNN</a:t>
+            </a:r>
+            <a:r>
+              <a:rPr lang="he-IL" dirty="0" smtClean="0"/>
+              <a:t>, כלומר עוברת בצורת סיקוונס כך שתמונה בעצם נותנת מעין ניבוי לתמונה הבאה.</a:t>
+            </a:r>
+          </a:p>
+          <a:p>
+            <a:pPr algn="r" rtl="1"/>
+            <a:r>
+              <a:rPr lang="he-IL" dirty="0" smtClean="0"/>
+              <a:t>למשל שימוש ב</a:t>
+            </a:r>
+            <a:r>
+              <a:rPr lang="en-US" dirty="0" smtClean="0"/>
+              <a:t>RNN</a:t>
+            </a:r>
+            <a:r>
+              <a:rPr lang="he-IL" dirty="0" smtClean="0"/>
+              <a:t> על מנת לפרוס את הפרמטרים על פני כל הרשת. בדרך כלל בשיטות ניקוי טשטוש משתמשים בשיטת הפירמידה, כלומר מתחילים מתמונה קטנה ומטושטשת ועולים ברזולוציה ובניקוי בעוד 2 שלבים. היתרון ב</a:t>
+            </a:r>
+            <a:r>
+              <a:rPr lang="en-US" dirty="0" smtClean="0"/>
+              <a:t>RNN</a:t>
+            </a:r>
+            <a:r>
+              <a:rPr lang="he-IL" dirty="0" smtClean="0"/>
+              <a:t> כאן הוא שניתן לחלוק את הפרמטרים של כל </a:t>
+            </a:r>
+            <a:r>
+              <a:rPr lang="he-IL" dirty="0" err="1" smtClean="0"/>
+              <a:t>הסקלות</a:t>
+            </a:r>
+            <a:r>
+              <a:rPr lang="he-IL" dirty="0" smtClean="0"/>
+              <a:t> ולא לחשב פרמטרים שונים עבור כל סקלה וכך לחסוך מקום וזמן. נעשה שימוש בשיטת "</a:t>
+            </a:r>
+            <a:r>
+              <a:rPr lang="he-IL" dirty="0" err="1" smtClean="0"/>
+              <a:t>אנקודור-דיקודר</a:t>
+            </a:r>
+            <a:r>
+              <a:rPr lang="he-IL" dirty="0" smtClean="0"/>
+              <a:t>", השיטה הזו היא בעצם חלק אחד של הרשת לומד את האינפוט ובונה ממנו משקולות שיזהו אותו והחלק השני, </a:t>
+            </a:r>
+            <a:r>
+              <a:rPr lang="he-IL" dirty="0" err="1" smtClean="0"/>
+              <a:t>הדיקודר</a:t>
+            </a:r>
+            <a:r>
+              <a:rPr lang="he-IL" dirty="0" smtClean="0"/>
+              <a:t> בעצם לומד להשלים את </a:t>
+            </a:r>
+            <a:r>
+              <a:rPr lang="he-IL" dirty="0" err="1" smtClean="0"/>
+              <a:t>האנקודר</a:t>
+            </a:r>
+            <a:r>
+              <a:rPr lang="he-IL" dirty="0" smtClean="0"/>
+              <a:t>. כלומר </a:t>
+            </a:r>
+            <a:r>
+              <a:rPr lang="he-IL" dirty="0" err="1" smtClean="0"/>
+              <a:t>הדיקודר</a:t>
+            </a:r>
+            <a:r>
+              <a:rPr lang="he-IL" dirty="0" smtClean="0"/>
+              <a:t> הוא המנבא, במקרה שלנו לדוגמה הוא משערך את התמונה הנקייה. </a:t>
+            </a:r>
+            <a:endParaRPr lang="en-US" dirty="0" smtClean="0"/>
+          </a:p>
+          <a:p>
+            <a:endParaRPr lang="he-IL" dirty="0"/>
           </a:p>
         </p:txBody>
       </p:sp>
@@ -1198,7 +1592,7 @@
             <a:spLocks noGrp="1"/>
           </p:cNvSpPr>
           <p:nvPr>
-            <p:ph type="sldNum" sz="quarter" idx="5"/>
+            <p:ph type="sldNum" sz="quarter" idx="10"/>
           </p:nvPr>
         </p:nvSpPr>
         <p:spPr/>
@@ -1208,7 +1602,7 @@
           <a:p>
             <a:fld id="{D1424380-F98C-4904-AD4B-4459796C3B26}" type="slidenum">
               <a:rPr lang="en-US" smtClean="0"/>
-              <a:t>8</a:t>
+              <a:t>7</a:t>
             </a:fld>
             <a:endParaRPr lang="en-US"/>
           </a:p>
@@ -1217,7 +1611,7 @@
     </p:spTree>
     <p:extLst>
       <p:ext uri="{BB962C8B-B14F-4D97-AF65-F5344CB8AC3E}">
-        <p14:creationId xmlns:p14="http://schemas.microsoft.com/office/powerpoint/2010/main" val="3843219477"/>
+        <p14:creationId xmlns:p14="http://schemas.microsoft.com/office/powerpoint/2010/main" val="3381810849"/>
       </p:ext>
     </p:extLst>
   </p:cSld>
@@ -1273,24 +1667,76 @@
           <a:p>
             <a:pPr algn="r" rtl="1"/>
             <a:r>
+              <a:rPr lang="en-US" dirty="0"/>
+              <a:t>I</a:t>
+            </a:r>
+            <a:r>
               <a:rPr lang="he-IL" dirty="0"/>
-              <a:t>החוקרים כמעט ולא התייחסו </a:t>
+              <a:t> זו התמונה המשוחזרת משוערכת, </a:t>
+            </a:r>
+            <a:r>
+              <a:rPr lang="en-US" dirty="0"/>
+              <a:t>h</a:t>
+            </a:r>
+            <a:r>
+              <a:rPr lang="he-IL" dirty="0"/>
+              <a:t> אלו </a:t>
             </a:r>
             <a:r>
               <a:rPr lang="he-IL" dirty="0" err="1"/>
-              <a:t>לאופטימייזר</a:t>
+              <a:t>פיצרים</a:t>
             </a:r>
             <a:r>
               <a:rPr lang="he-IL" dirty="0"/>
-              <a:t> ואמרו שהם בחרו את </a:t>
+              <a:t> פנימיים ברשת</a:t>
+            </a:r>
+            <a:r>
+              <a:rPr lang="en-US" dirty="0"/>
+              <a:t> </a:t>
+            </a:r>
+            <a:r>
+              <a:rPr lang="he-IL" dirty="0"/>
+              <a:t> </a:t>
+            </a:r>
+            <a:r>
+              <a:rPr lang="en-US" dirty="0"/>
+              <a:t>(hidden state vectors)</a:t>
+            </a:r>
+            <a:r>
+              <a:rPr lang="he-IL" dirty="0"/>
+              <a:t>, </a:t>
+            </a:r>
+            <a:r>
+              <a:rPr lang="en-US" dirty="0"/>
+              <a:t>B</a:t>
+            </a:r>
+            <a:r>
+              <a:rPr lang="he-IL" dirty="0"/>
+              <a:t> זו התמונה המטושטשת, </a:t>
             </a:r>
             <a:r>
               <a:rPr lang="he-IL" dirty="0" err="1"/>
-              <a:t>הדיפולט</a:t>
+              <a:t>תטא</a:t>
             </a:r>
             <a:r>
               <a:rPr lang="he-IL" dirty="0"/>
-              <a:t> המומלץ.</a:t>
+              <a:t> אלו פרמטרים של האימון ברשת.</a:t>
+            </a:r>
+            <a:r>
+              <a:rPr lang="en-US" dirty="0"/>
+              <a:t> </a:t>
+            </a:r>
+            <a:r>
+              <a:rPr lang="he-IL" dirty="0"/>
+              <a:t>הפרמטרים הפנימיים לומדים מבנים </a:t>
+            </a:r>
+            <a:r>
+              <a:rPr lang="he-IL" dirty="0" err="1"/>
+              <a:t>וקרנלים</a:t>
+            </a:r>
+            <a:r>
+              <a:rPr lang="he-IL" dirty="0"/>
+              <a:t> מתמונות מסקלות קודמות. </a:t>
             </a:r>
             <a:endParaRPr lang="en-US" dirty="0"/>
           </a:p>
@@ -1313,7 +1759,7 @@
           <a:p>
             <a:fld id="{D1424380-F98C-4904-AD4B-4459796C3B26}" type="slidenum">
               <a:rPr lang="en-US" smtClean="0"/>
-              <a:t>10</a:t>
+              <a:t>8</a:t>
             </a:fld>
             <a:endParaRPr lang="en-US"/>
           </a:p>
@@ -1322,7 +1768,7 @@
     </p:spTree>
     <p:extLst>
       <p:ext uri="{BB962C8B-B14F-4D97-AF65-F5344CB8AC3E}">
-        <p14:creationId xmlns:p14="http://schemas.microsoft.com/office/powerpoint/2010/main" val="170770287"/>
+        <p14:creationId xmlns:p14="http://schemas.microsoft.com/office/powerpoint/2010/main" val="3843219477"/>
       </p:ext>
     </p:extLst>
   </p:cSld>
@@ -1361,144 +1807,317 @@
         </p:nvSpPr>
         <p:spPr/>
       </p:sp>
-      <p:sp>
-        <p:nvSpPr>
-          <p:cNvPr id="3" name="Notes Placeholder 2"/>
-          <p:cNvSpPr>
-            <a:spLocks noGrp="1"/>
-          </p:cNvSpPr>
-          <p:nvPr>
-            <p:ph type="body" idx="1"/>
-          </p:nvPr>
-        </p:nvSpPr>
-        <p:spPr/>
-        <p:txBody>
-          <a:bodyPr/>
-          <a:lstStyle/>
-          <a:p>
-            <a:pPr algn="r" rtl="1"/>
-            <a:endParaRPr lang="en-US" dirty="0" smtClean="0"/>
-          </a:p>
-          <a:p>
-            <a:pPr algn="r" rtl="1"/>
-            <a:r>
-              <a:rPr lang="en-US" dirty="0" smtClean="0"/>
-              <a:t>RNN</a:t>
-            </a:r>
-            <a:r>
-              <a:rPr lang="he-IL" dirty="0" smtClean="0"/>
-              <a:t> נוטה לגרום </a:t>
-            </a:r>
-            <a:r>
-              <a:rPr lang="he-IL" dirty="0" err="1" smtClean="0"/>
-              <a:t>לגרדיאנטים</a:t>
-            </a:r>
-            <a:r>
-              <a:rPr lang="he-IL" dirty="0" smtClean="0"/>
-              <a:t> להתפוצץ</a:t>
-            </a:r>
-            <a:r>
-              <a:rPr lang="he-IL" baseline="0" dirty="0" smtClean="0"/>
-              <a:t> או להיעלם יותר מהר מ</a:t>
-            </a:r>
-            <a:r>
-              <a:rPr lang="en-US" baseline="0" dirty="0" smtClean="0"/>
-              <a:t>CNN</a:t>
-            </a:r>
-            <a:r>
-              <a:rPr lang="he-IL" baseline="0" dirty="0" smtClean="0"/>
-              <a:t> לכן נעשה שימוש בעוד תוספות בדרך כלל ו</a:t>
-            </a:r>
-            <a:r>
-              <a:rPr lang="en-US" baseline="0" dirty="0" smtClean="0"/>
-              <a:t>SKIP</a:t>
-            </a:r>
-            <a:r>
-              <a:rPr lang="he-IL" baseline="0" dirty="0" smtClean="0"/>
-              <a:t>. הסיבה לכך היא שב</a:t>
-            </a:r>
-            <a:r>
-              <a:rPr lang="en-US" baseline="0" dirty="0" smtClean="0"/>
-              <a:t>RNN</a:t>
-            </a:r>
-            <a:r>
-              <a:rPr lang="he-IL" baseline="0" dirty="0" smtClean="0"/>
-              <a:t> הפרמטרים משותפים לעומת </a:t>
-            </a:r>
-            <a:r>
-              <a:rPr lang="en-US" baseline="0" dirty="0" smtClean="0"/>
-              <a:t>CNN</a:t>
-            </a:r>
-            <a:r>
-              <a:rPr lang="he-IL" baseline="0" dirty="0" smtClean="0"/>
-              <a:t>.</a:t>
-            </a:r>
-          </a:p>
-          <a:p>
-            <a:pPr algn="r" rtl="1"/>
-            <a:r>
-              <a:rPr lang="he-IL" baseline="0" dirty="0" smtClean="0"/>
-              <a:t>כדי לפתור את בעיית </a:t>
-            </a:r>
-            <a:r>
-              <a:rPr lang="he-IL" baseline="0" dirty="0" err="1" smtClean="0"/>
-              <a:t>הגרדיאנטים</a:t>
-            </a:r>
-            <a:r>
-              <a:rPr lang="he-IL" baseline="0" dirty="0" smtClean="0"/>
-              <a:t> הנעלמים יש צורך בלהציג פרמטר חדש שנקרא פרמטר </a:t>
-            </a:r>
-            <a:r>
-              <a:rPr lang="he-IL" baseline="0" dirty="0" err="1" smtClean="0"/>
-              <a:t>השכחון</a:t>
-            </a:r>
-            <a:r>
-              <a:rPr lang="he-IL" baseline="0" dirty="0" smtClean="0"/>
-              <a:t> או הזיכרון ואותו נראה ב</a:t>
-            </a:r>
-            <a:r>
-              <a:rPr lang="en-US" baseline="0" dirty="0" smtClean="0"/>
-              <a:t>LSTM</a:t>
-            </a:r>
-            <a:r>
-              <a:rPr lang="he-IL" baseline="0" dirty="0" smtClean="0"/>
-              <a:t> למשל.</a:t>
-            </a:r>
-          </a:p>
-          <a:p>
-            <a:pPr algn="r" rtl="1"/>
-            <a:r>
-              <a:rPr lang="he-IL" dirty="0" smtClean="0"/>
-              <a:t>ב</a:t>
-            </a:r>
-            <a:r>
-              <a:rPr lang="en-US" dirty="0" smtClean="0"/>
-              <a:t>LSTM</a:t>
-            </a:r>
-            <a:r>
-              <a:rPr lang="he-IL" dirty="0" smtClean="0"/>
-              <a:t> נחליף כל תא ברשת </a:t>
-            </a:r>
-            <a:r>
-              <a:rPr lang="en-US" dirty="0" smtClean="0"/>
-              <a:t>RNN</a:t>
-            </a:r>
-            <a:r>
-              <a:rPr lang="he-IL" dirty="0" smtClean="0"/>
-              <a:t> בתא </a:t>
-            </a:r>
-            <a:r>
-              <a:rPr lang="en-US" dirty="0" smtClean="0"/>
-              <a:t>LSTM</a:t>
-            </a:r>
-            <a:r>
-              <a:rPr lang="he-IL" dirty="0" smtClean="0"/>
-              <a:t>.</a:t>
-            </a:r>
-            <a:endParaRPr lang="en-US" dirty="0"/>
-          </a:p>
-        </p:txBody>
-      </p:sp>
+      <mc:AlternateContent xmlns:mc="http://schemas.openxmlformats.org/markup-compatibility/2006">
+        <mc:Choice xmlns:a14="http://schemas.microsoft.com/office/drawing/2010/main" Requires="a14">
+          <p:sp>
+            <p:nvSpPr>
+              <p:cNvPr id="3" name="Notes Placeholder 2"/>
+              <p:cNvSpPr>
+                <a:spLocks noGrp="1"/>
+              </p:cNvSpPr>
+              <p:nvPr>
+                <p:ph type="body" idx="1"/>
+              </p:nvPr>
+            </p:nvSpPr>
+            <p:spPr/>
+            <p:txBody>
+              <a:bodyPr/>
+              <a:lstStyle/>
+              <a:p>
+                <a:pPr algn="r" rtl="1"/>
+                <a:r>
+                  <a:rPr lang="he-IL" dirty="0"/>
+                  <a:t>החוקרים כמעט ולא התייחסו </a:t>
+                </a:r>
+                <a:r>
+                  <a:rPr lang="he-IL" dirty="0" err="1"/>
+                  <a:t>לאופטימייזר</a:t>
+                </a:r>
+                <a:r>
+                  <a:rPr lang="he-IL" dirty="0"/>
+                  <a:t> ואמרו שהם בחרו את </a:t>
+                </a:r>
+                <a:r>
+                  <a:rPr lang="he-IL" dirty="0" err="1"/>
+                  <a:t>הדיפולט</a:t>
+                </a:r>
+                <a:r>
+                  <a:rPr lang="he-IL" dirty="0"/>
+                  <a:t> המומלץ</a:t>
+                </a:r>
+                <a:r>
+                  <a:rPr lang="he-IL" dirty="0" smtClean="0"/>
+                  <a:t>.</a:t>
+                </a:r>
+              </a:p>
+              <a:p>
+                <a:pPr marL="0" marR="0" lvl="0" indent="0" algn="r" defTabSz="914400" rtl="1" eaLnBrk="1" fontAlgn="auto" latinLnBrk="0" hangingPunct="1">
+                  <a:lnSpc>
+                    <a:spcPct val="100000"/>
+                  </a:lnSpc>
+                  <a:spcBef>
+                    <a:spcPts val="0"/>
+                  </a:spcBef>
+                  <a:spcAft>
+                    <a:spcPts val="0"/>
+                  </a:spcAft>
+                  <a:buClrTx/>
+                  <a:buSzTx/>
+                  <a:buFontTx/>
+                  <a:buNone/>
+                  <a:tabLst/>
+                  <a:defRPr/>
+                </a:pPr>
+                <a:r>
+                  <a:rPr lang="en-US" dirty="0" smtClean="0"/>
+                  <a:t>Consider momentum: </a:t>
+                </a:r>
+                <a14:m>
+                  <m:oMath xmlns:m="http://schemas.openxmlformats.org/officeDocument/2006/math">
+                    <m:r>
+                      <m:rPr>
+                        <m:sty m:val="p"/>
+                      </m:rPr>
+                      <a:rPr lang="en-US" i="0">
+                        <a:latin typeface="Cambria Math" panose="02040503050406030204" pitchFamily="18" charset="0"/>
+                      </a:rPr>
+                      <m:t>x</m:t>
+                    </m:r>
+                    <m:r>
+                      <a:rPr lang="en-US" i="0">
+                        <a:latin typeface="Cambria Math" panose="02040503050406030204" pitchFamily="18" charset="0"/>
+                      </a:rPr>
+                      <m:t>=</m:t>
+                    </m:r>
+                    <m:r>
+                      <m:rPr>
+                        <m:sty m:val="p"/>
+                      </m:rPr>
+                      <a:rPr lang="en-US" b="0" i="0" smtClean="0">
+                        <a:latin typeface="Cambria Math" panose="02040503050406030204" pitchFamily="18" charset="0"/>
+                      </a:rPr>
+                      <m:t>mu</m:t>
+                    </m:r>
+                    <m:r>
+                      <a:rPr lang="en-US" b="0" i="0" smtClean="0">
+                        <a:latin typeface="Cambria Math" panose="02040503050406030204" pitchFamily="18" charset="0"/>
+                      </a:rPr>
+                      <m:t>∗</m:t>
+                    </m:r>
+                    <m:r>
+                      <m:rPr>
+                        <m:sty m:val="p"/>
+                      </m:rPr>
+                      <a:rPr lang="en-US" b="0" i="0" smtClean="0">
+                        <a:latin typeface="Cambria Math" panose="02040503050406030204" pitchFamily="18" charset="0"/>
+                      </a:rPr>
+                      <m:t>v</m:t>
+                    </m:r>
+                    <m:r>
+                      <a:rPr lang="en-US" i="0">
+                        <a:latin typeface="Cambria Math" panose="02040503050406030204" pitchFamily="18" charset="0"/>
+                      </a:rPr>
+                      <m:t>−</m:t>
+                    </m:r>
+                    <m:r>
+                      <m:rPr>
+                        <m:sty m:val="p"/>
+                      </m:rPr>
+                      <a:rPr lang="en-US" i="0">
+                        <a:latin typeface="Cambria Math" panose="02040503050406030204" pitchFamily="18" charset="0"/>
+                      </a:rPr>
+                      <m:t>learning</m:t>
+                    </m:r>
+                    <m:r>
+                      <a:rPr lang="en-US" b="0" i="0" smtClean="0">
+                        <a:latin typeface="Cambria Math" panose="02040503050406030204" pitchFamily="18" charset="0"/>
+                      </a:rPr>
+                      <m:t>_</m:t>
+                    </m:r>
+                    <m:r>
+                      <m:rPr>
+                        <m:sty m:val="p"/>
+                      </m:rPr>
+                      <a:rPr lang="en-US" b="0" i="0" smtClean="0">
+                        <a:latin typeface="Cambria Math" panose="02040503050406030204" pitchFamily="18" charset="0"/>
+                      </a:rPr>
+                      <m:t>rate</m:t>
+                    </m:r>
+                    <m:r>
+                      <a:rPr lang="en-US" i="1">
+                        <a:latin typeface="Cambria Math" panose="02040503050406030204" pitchFamily="18" charset="0"/>
+                      </a:rPr>
+                      <m:t>∗</m:t>
+                    </m:r>
+                    <m:r>
+                      <a:rPr lang="en-US" i="1">
+                        <a:latin typeface="Cambria Math" panose="02040503050406030204" pitchFamily="18" charset="0"/>
+                      </a:rPr>
+                      <m:t>𝑑𝑥</m:t>
+                    </m:r>
+                    <m:r>
+                      <a:rPr lang="en-US" b="0" i="1" smtClean="0">
+                        <a:latin typeface="Cambria Math" panose="02040503050406030204" pitchFamily="18" charset="0"/>
+                      </a:rPr>
+                      <m:t> ; </m:t>
+                    </m:r>
+                    <m:r>
+                      <m:rPr>
+                        <m:sty m:val="p"/>
+                      </m:rPr>
+                      <a:rPr lang="en-US" i="0">
+                        <a:latin typeface="Cambria Math" panose="02040503050406030204" pitchFamily="18" charset="0"/>
+                      </a:rPr>
+                      <m:t>x</m:t>
+                    </m:r>
+                    <m:r>
+                      <a:rPr lang="en-US" i="0">
+                        <a:latin typeface="Cambria Math" panose="02040503050406030204" pitchFamily="18" charset="0"/>
+                      </a:rPr>
+                      <m:t>+=</m:t>
+                    </m:r>
+                    <m:r>
+                      <m:rPr>
+                        <m:sty m:val="p"/>
+                      </m:rPr>
+                      <a:rPr lang="en-US" b="0" i="0" smtClean="0">
+                        <a:latin typeface="Cambria Math" panose="02040503050406030204" pitchFamily="18" charset="0"/>
+                      </a:rPr>
+                      <m:t>v</m:t>
+                    </m:r>
+                  </m:oMath>
+                </a14:m>
+                <a:endParaRPr lang="en-US" dirty="0"/>
+              </a:p>
+              <a:p>
+                <a:pPr algn="r" rtl="1"/>
+                <a:endParaRPr lang="en-US" dirty="0"/>
+              </a:p>
+            </p:txBody>
+          </p:sp>
+        </mc:Choice>
+        <mc:Fallback>
+          <p:sp>
+            <p:nvSpPr>
+              <p:cNvPr id="3" name="Notes Placeholder 2"/>
+              <p:cNvSpPr>
+                <a:spLocks noGrp="1"/>
+              </p:cNvSpPr>
+              <p:nvPr>
+                <p:ph type="body" idx="1"/>
+              </p:nvPr>
+            </p:nvSpPr>
+            <p:spPr/>
+            <p:txBody>
+              <a:bodyPr/>
+              <a:lstStyle/>
+              <a:p>
+                <a:pPr algn="r" rtl="1"/>
+                <a:r>
+                  <a:rPr lang="he-IL" dirty="0"/>
+                  <a:t>החוקרים כמעט ולא התייחסו </a:t>
+                </a:r>
+                <a:r>
+                  <a:rPr lang="he-IL" dirty="0" err="1"/>
+                  <a:t>לאופטימייזר</a:t>
+                </a:r>
+                <a:r>
+                  <a:rPr lang="he-IL" dirty="0"/>
+                  <a:t> ואמרו שהם בחרו את </a:t>
+                </a:r>
+                <a:r>
+                  <a:rPr lang="he-IL" dirty="0" err="1"/>
+                  <a:t>הדיפולט</a:t>
+                </a:r>
+                <a:r>
+                  <a:rPr lang="he-IL" dirty="0"/>
+                  <a:t> המומלץ</a:t>
+                </a:r>
+                <a:r>
+                  <a:rPr lang="he-IL" dirty="0" smtClean="0"/>
+                  <a:t>.</a:t>
+                </a:r>
+              </a:p>
+              <a:p>
+                <a:pPr marL="0" marR="0" lvl="0" indent="0" algn="r" defTabSz="914400" rtl="1" eaLnBrk="1" fontAlgn="auto" latinLnBrk="0" hangingPunct="1">
+                  <a:lnSpc>
+                    <a:spcPct val="100000"/>
+                  </a:lnSpc>
+                  <a:spcBef>
+                    <a:spcPts val="0"/>
+                  </a:spcBef>
+                  <a:spcAft>
+                    <a:spcPts val="0"/>
+                  </a:spcAft>
+                  <a:buClrTx/>
+                  <a:buSzTx/>
+                  <a:buFontTx/>
+                  <a:buNone/>
+                  <a:tabLst/>
+                  <a:defRPr/>
+                </a:pPr>
+                <a:r>
+                  <a:rPr lang="en-US" dirty="0" smtClean="0"/>
+                  <a:t>Consider momentum: </a:t>
+                </a:r>
+                <a:r>
+                  <a:rPr lang="en-US" i="0">
+                    <a:latin typeface="Cambria Math" panose="02040503050406030204" pitchFamily="18" charset="0"/>
+                  </a:rPr>
+                  <a:t>x=</a:t>
+                </a:r>
+                <a:r>
+                  <a:rPr lang="en-US" b="0" i="0" smtClean="0">
+                    <a:latin typeface="Cambria Math" panose="02040503050406030204" pitchFamily="18" charset="0"/>
+                  </a:rPr>
+                  <a:t>mu∗v</a:t>
+                </a:r>
+                <a:r>
+                  <a:rPr lang="en-US" i="0">
+                    <a:latin typeface="Cambria Math" panose="02040503050406030204" pitchFamily="18" charset="0"/>
+                  </a:rPr>
+                  <a:t>−learning</a:t>
+                </a:r>
+                <a:r>
+                  <a:rPr lang="en-US" b="0" i="0" smtClean="0">
+                    <a:latin typeface="Cambria Math" panose="02040503050406030204" pitchFamily="18" charset="0"/>
+                  </a:rPr>
+                  <a:t>_rate</a:t>
+                </a:r>
+                <a:r>
+                  <a:rPr lang="en-US" i="0">
+                    <a:latin typeface="Cambria Math" panose="02040503050406030204" pitchFamily="18" charset="0"/>
+                  </a:rPr>
+                  <a:t>∗𝑑𝑥</a:t>
+                </a:r>
+                <a:r>
+                  <a:rPr lang="en-US" b="0" i="0" smtClean="0">
+                    <a:latin typeface="Cambria Math" panose="02040503050406030204" pitchFamily="18" charset="0"/>
+                  </a:rPr>
+                  <a:t> ; </a:t>
+                </a:r>
+                <a:r>
+                  <a:rPr lang="en-US" i="0">
+                    <a:latin typeface="Cambria Math" panose="02040503050406030204" pitchFamily="18" charset="0"/>
+                  </a:rPr>
+                  <a:t>x+=</a:t>
+                </a:r>
+                <a:r>
+                  <a:rPr lang="en-US" b="0" i="0" smtClean="0">
+                    <a:latin typeface="Cambria Math" panose="02040503050406030204" pitchFamily="18" charset="0"/>
+                  </a:rPr>
+                  <a:t>v</a:t>
+                </a:r>
+                <a:endParaRPr lang="en-US" dirty="0"/>
+              </a:p>
+              <a:p>
+                <a:pPr algn="r" rtl="1"/>
+                <a:endParaRPr lang="en-US" dirty="0"/>
+              </a:p>
+            </p:txBody>
+          </p:sp>
+        </mc:Fallback>
+      </mc:AlternateContent>
       <p:sp>
         <p:nvSpPr>
           <p:cNvPr id="4" name="Slide Number Placeholder 3"/>
@@ -1516,7 +2135,7 @@
           <a:p>
             <a:fld id="{D1424380-F98C-4904-AD4B-4459796C3B26}" type="slidenum">
               <a:rPr lang="en-US" smtClean="0"/>
-              <a:t>13</a:t>
+              <a:t>10</a:t>
             </a:fld>
             <a:endParaRPr lang="en-US"/>
           </a:p>
@@ -1525,7 +2144,7 @@
     </p:spTree>
     <p:extLst>
       <p:ext uri="{BB962C8B-B14F-4D97-AF65-F5344CB8AC3E}">
-        <p14:creationId xmlns:p14="http://schemas.microsoft.com/office/powerpoint/2010/main" val="4271447267"/>
+        <p14:creationId xmlns:p14="http://schemas.microsoft.com/office/powerpoint/2010/main" val="170770287"/>
       </p:ext>
     </p:extLst>
   </p:cSld>
@@ -1581,117 +2200,22 @@
           <a:p>
             <a:pPr algn="r" rtl="1"/>
             <a:r>
-              <a:rPr lang="he-IL" dirty="0" smtClean="0"/>
-              <a:t>נועד</a:t>
+              <a:rPr lang="he-IL" dirty="0" err="1" smtClean="0"/>
+              <a:t>הסקיפ</a:t>
             </a:r>
             <a:r>
               <a:rPr lang="he-IL" baseline="0" dirty="0" smtClean="0"/>
-              <a:t> לפתור את הבעיה שנוצרת ב</a:t>
-            </a:r>
-            <a:r>
-              <a:rPr lang="en-US" baseline="0" dirty="0" smtClean="0"/>
-              <a:t>RNN</a:t>
+              <a:t> </a:t>
+            </a:r>
+            <a:r>
+              <a:rPr lang="he-IL" baseline="0" dirty="0" err="1" smtClean="0"/>
+              <a:t>קונקשיינס</a:t>
             </a:r>
             <a:r>
               <a:rPr lang="he-IL" baseline="0" dirty="0" smtClean="0"/>
-              <a:t> כאשר </a:t>
-            </a:r>
-            <a:r>
-              <a:rPr lang="he-IL" baseline="0" dirty="0" err="1" smtClean="0"/>
-              <a:t>הגרדיאנטים</a:t>
-            </a:r>
-            <a:r>
-              <a:rPr lang="he-IL" baseline="0" dirty="0" smtClean="0"/>
-              <a:t> גדלים מאוד או קטנים מאוד ולכם נעלמים או מתפוצצים ותחילת המשפט לא מושפעת היטב כמו סוף המשפט ולהפך. פתרון נוסף הוא קיצוץ אבל לא ניכנס לזה כאן כי זה לא העיקר. </a:t>
-            </a:r>
-          </a:p>
-          <a:p>
-            <a:pPr algn="r" rtl="1"/>
-            <a:r>
-              <a:rPr lang="en-US" baseline="0" dirty="0" smtClean="0"/>
-              <a:t>C</a:t>
-            </a:r>
-            <a:r>
-              <a:rPr lang="he-IL" baseline="0" dirty="0" smtClean="0"/>
-              <a:t> זה תא הזיכרון,</a:t>
-            </a:r>
-          </a:p>
-          <a:p>
-            <a:pPr algn="r" rtl="1"/>
-            <a:r>
-              <a:rPr lang="he-IL" baseline="0" dirty="0" smtClean="0"/>
-              <a:t>תפקיד השער הזיכרון הוא להחליט מתי לעדכן ערך</a:t>
-            </a:r>
-          </a:p>
-          <a:p>
-            <a:pPr algn="r" rtl="1"/>
-            <a:r>
-              <a:rPr lang="en-US" baseline="0" dirty="0" smtClean="0"/>
-              <a:t>Forget gate =f </a:t>
-            </a:r>
-            <a:r>
-              <a:rPr lang="he-IL" baseline="0" dirty="0" smtClean="0"/>
-              <a:t> שולט באם תא הזיכרון יהפוך ל0 או לא.</a:t>
-            </a:r>
-          </a:p>
-          <a:p>
-            <a:pPr algn="r" rtl="1"/>
-            <a:r>
-              <a:rPr lang="en-US" baseline="0" dirty="0" smtClean="0"/>
-              <a:t>Update gate=I</a:t>
-            </a:r>
-            <a:r>
-              <a:rPr lang="he-IL" baseline="0" dirty="0" smtClean="0"/>
-              <a:t> נועד או אינפוט </a:t>
-            </a:r>
-            <a:r>
-              <a:rPr lang="he-IL" baseline="0" dirty="0" err="1" smtClean="0"/>
-              <a:t>גייט</a:t>
-            </a:r>
-            <a:r>
-              <a:rPr lang="he-IL" baseline="0" dirty="0" smtClean="0"/>
-              <a:t>, קובע האם יש עדכון או לא.</a:t>
-            </a:r>
-            <a:endParaRPr lang="en-US" baseline="0" dirty="0" smtClean="0"/>
-          </a:p>
-          <a:p>
-            <a:pPr algn="r" rtl="1"/>
-            <a:r>
-              <a:rPr lang="en-US" baseline="0" dirty="0" smtClean="0"/>
-              <a:t>Output gate=o</a:t>
-            </a:r>
-            <a:r>
-              <a:rPr lang="he-IL" baseline="0" dirty="0" smtClean="0"/>
-              <a:t> שולט באם המידע של מצב התא הנוכחי יועבר הלאה או לא.</a:t>
-            </a:r>
-          </a:p>
-          <a:p>
-            <a:pPr algn="r" rtl="1"/>
-            <a:r>
-              <a:rPr lang="he-IL" baseline="0" dirty="0" err="1" smtClean="0"/>
-              <a:t>הטנגגנט</a:t>
-            </a:r>
-            <a:r>
-              <a:rPr lang="en-US" baseline="0" dirty="0" smtClean="0"/>
-              <a:t>H</a:t>
-            </a:r>
-            <a:r>
-              <a:rPr lang="he-IL" baseline="0" dirty="0" smtClean="0"/>
-              <a:t> דואג לפיזור </a:t>
-            </a:r>
-            <a:r>
-              <a:rPr lang="he-IL" baseline="0" dirty="0" err="1" smtClean="0"/>
-              <a:t>הגרידאנטים</a:t>
-            </a:r>
-            <a:r>
-              <a:rPr lang="he-IL" baseline="0" dirty="0" smtClean="0"/>
-              <a:t> כדי למנוע פיצוץ או איפוס</a:t>
-            </a:r>
-            <a:endParaRPr lang="en-US" baseline="0" dirty="0" smtClean="0"/>
-          </a:p>
-          <a:p>
-            <a:pPr algn="r" rtl="1"/>
-            <a:endParaRPr lang="en-US" dirty="0"/>
+              <a:t> עוזרים להתכנסות מהירה יותר.</a:t>
+            </a:r>
+            <a:endParaRPr lang="he-IL" dirty="0"/>
           </a:p>
         </p:txBody>
       </p:sp>
@@ -1702,7 +2226,7 @@
             <a:spLocks noGrp="1"/>
           </p:cNvSpPr>
           <p:nvPr>
-            <p:ph type="sldNum" sz="quarter" idx="5"/>
+            <p:ph type="sldNum" sz="quarter" idx="10"/>
           </p:nvPr>
         </p:nvSpPr>
         <p:spPr/>
@@ -1712,7 +2236,7 @@
           <a:p>
             <a:fld id="{D1424380-F98C-4904-AD4B-4459796C3B26}" type="slidenum">
               <a:rPr lang="en-US" smtClean="0"/>
-              <a:t>14</a:t>
+              <a:t>12</a:t>
             </a:fld>
             <a:endParaRPr lang="en-US"/>
           </a:p>
@@ -1721,7 +2245,7 @@
     </p:spTree>
     <p:extLst>
       <p:ext uri="{BB962C8B-B14F-4D97-AF65-F5344CB8AC3E}">
-        <p14:creationId xmlns:p14="http://schemas.microsoft.com/office/powerpoint/2010/main" val="1387693716"/>
+        <p14:creationId xmlns:p14="http://schemas.microsoft.com/office/powerpoint/2010/main" val="3723594741"/>
       </p:ext>
     </p:extLst>
   </p:cSld>
@@ -1776,31 +2300,125 @@
           <a:lstStyle/>
           <a:p>
             <a:pPr algn="r" rtl="1"/>
+            <a:endParaRPr lang="en-US" dirty="0" smtClean="0"/>
+          </a:p>
+          <a:p>
+            <a:pPr algn="r" rtl="1"/>
+            <a:r>
+              <a:rPr lang="en-US" dirty="0" smtClean="0"/>
+              <a:t>RNN</a:t>
+            </a:r>
+            <a:r>
+              <a:rPr lang="he-IL" dirty="0" smtClean="0"/>
+              <a:t> נוטה לגרום </a:t>
+            </a:r>
             <a:r>
               <a:rPr lang="he-IL" dirty="0" err="1" smtClean="0"/>
-              <a:t>האנקודר</a:t>
+              <a:t>לגרדיאנטים</a:t>
+            </a:r>
+            <a:r>
+              <a:rPr lang="he-IL" dirty="0" smtClean="0"/>
+              <a:t> להתפוצץ</a:t>
             </a:r>
             <a:r>
               <a:rPr lang="he-IL" baseline="0" dirty="0" smtClean="0"/>
-              <a:t> הופך סיקוונס </a:t>
+              <a:t> או להיעלם יותר מהר מ</a:t>
+            </a:r>
+            <a:r>
+              <a:rPr lang="en-US" baseline="0" dirty="0" smtClean="0"/>
+              <a:t>CNN</a:t>
+            </a:r>
+            <a:r>
+              <a:rPr lang="he-IL" baseline="0" dirty="0" smtClean="0"/>
+              <a:t> לכן נעשה שימוש בעוד תוספות בדרך כלל ו</a:t>
+            </a:r>
+            <a:r>
+              <a:rPr lang="en-US" baseline="0" dirty="0" smtClean="0"/>
+              <a:t>SKIP</a:t>
+            </a:r>
+            <a:r>
+              <a:rPr lang="he-IL" baseline="0" dirty="0" smtClean="0"/>
+              <a:t>. הסיבה לכך היא שב</a:t>
+            </a:r>
+            <a:r>
+              <a:rPr lang="en-US" baseline="0" dirty="0" smtClean="0"/>
+              <a:t>RNN</a:t>
+            </a:r>
+            <a:r>
+              <a:rPr lang="he-IL" baseline="0" dirty="0" smtClean="0"/>
+              <a:t> הפרמטרים משותפים לעומת </a:t>
+            </a:r>
+            <a:r>
+              <a:rPr lang="en-US" baseline="0" dirty="0" smtClean="0"/>
+              <a:t>CNN</a:t>
+            </a:r>
+            <a:r>
+              <a:rPr lang="he-IL" baseline="0" dirty="0" smtClean="0"/>
+              <a:t>.</a:t>
+            </a:r>
+          </a:p>
+          <a:p>
+            <a:pPr algn="r" rtl="1"/>
+            <a:r>
+              <a:rPr lang="he-IL" baseline="0" dirty="0" smtClean="0"/>
+              <a:t>כדי לפתור את בעיית </a:t>
             </a:r>
             <a:r>
               <a:rPr lang="he-IL" baseline="0" dirty="0" err="1" smtClean="0"/>
-              <a:t>לוקטור</a:t>
+              <a:t>הגרדיאנטים</a:t>
             </a:r>
             <a:r>
               <a:rPr lang="he-IL" baseline="0" dirty="0" smtClean="0"/>
-              <a:t> </a:t>
+              <a:t> הנעלמים יש צורך בלהציג פרמטר חדש שנקרא פרמטר </a:t>
             </a:r>
             <a:r>
               <a:rPr lang="he-IL" baseline="0" dirty="0" err="1" smtClean="0"/>
-              <a:t>והדיקודר</a:t>
+              <a:t>השכחון</a:t>
             </a:r>
             <a:r>
               <a:rPr lang="he-IL" baseline="0" dirty="0" smtClean="0"/>
-              <a:t> הופך וקטור לסיקוונס. </a:t>
-            </a:r>
-            <a:endParaRPr lang="he-IL" dirty="0"/>
+              <a:t> או הזיכרון ואותו נראה ב</a:t>
+            </a:r>
+            <a:r>
+              <a:rPr lang="en-US" baseline="0" dirty="0" smtClean="0"/>
+              <a:t>LSTM</a:t>
+            </a:r>
+            <a:r>
+              <a:rPr lang="he-IL" baseline="0" dirty="0" smtClean="0"/>
+              <a:t> למשל.</a:t>
+            </a:r>
+          </a:p>
+          <a:p>
+            <a:pPr algn="r" rtl="1"/>
+            <a:r>
+              <a:rPr lang="he-IL" dirty="0" smtClean="0"/>
+              <a:t>ב</a:t>
+            </a:r>
+            <a:r>
+              <a:rPr lang="en-US" dirty="0" smtClean="0"/>
+              <a:t>LSTM</a:t>
+            </a:r>
+            <a:r>
+              <a:rPr lang="he-IL" dirty="0" smtClean="0"/>
+              <a:t> נחליף כל תא ברשת </a:t>
+            </a:r>
+            <a:r>
+              <a:rPr lang="en-US" dirty="0" smtClean="0"/>
+              <a:t>RNN</a:t>
+            </a:r>
+            <a:r>
+              <a:rPr lang="he-IL" dirty="0" smtClean="0"/>
+              <a:t> בתא </a:t>
+            </a:r>
+            <a:r>
+              <a:rPr lang="en-US" dirty="0" smtClean="0"/>
+              <a:t>LSTM</a:t>
+            </a:r>
+            <a:r>
+              <a:rPr lang="he-IL" dirty="0" smtClean="0"/>
+              <a:t>.</a:t>
+            </a:r>
+            <a:endParaRPr lang="en-US" dirty="0"/>
           </a:p>
         </p:txBody>
       </p:sp>
@@ -1811,7 +2429,7 @@
             <a:spLocks noGrp="1"/>
           </p:cNvSpPr>
           <p:nvPr>
-            <p:ph type="sldNum" sz="quarter" idx="10"/>
+            <p:ph type="sldNum" sz="quarter" idx="5"/>
           </p:nvPr>
         </p:nvSpPr>
         <p:spPr/>
@@ -1821,7 +2439,7 @@
           <a:p>
             <a:fld id="{D1424380-F98C-4904-AD4B-4459796C3B26}" type="slidenum">
               <a:rPr lang="en-US" smtClean="0"/>
-              <a:t>16</a:t>
+              <a:t>13</a:t>
             </a:fld>
             <a:endParaRPr lang="en-US"/>
           </a:p>
@@ -1830,7 +2448,7 @@
     </p:spTree>
     <p:extLst>
       <p:ext uri="{BB962C8B-B14F-4D97-AF65-F5344CB8AC3E}">
-        <p14:creationId xmlns:p14="http://schemas.microsoft.com/office/powerpoint/2010/main" val="2468550058"/>
+        <p14:creationId xmlns:p14="http://schemas.microsoft.com/office/powerpoint/2010/main" val="4271447267"/>
       </p:ext>
     </p:extLst>
   </p:cSld>
@@ -5042,13 +5660,13 @@
             </p:nvSpPr>
             <p:spPr>
               <a:xfrm>
-                <a:off x="838200" y="1583635"/>
-                <a:ext cx="10515600" cy="4572000"/>
+                <a:off x="838200" y="1239078"/>
+                <a:ext cx="10515600" cy="5222682"/>
               </a:xfrm>
             </p:spPr>
             <p:txBody>
               <a:bodyPr>
-                <a:normAutofit fontScale="47500" lnSpcReduction="20000"/>
+                <a:noAutofit/>
               </a:bodyPr>
               <a:lstStyle/>
               <a:p>
@@ -5058,15 +5676,15 @@
                   </a:lnSpc>
                 </a:pPr>
                 <a:r>
-                  <a:rPr lang="en-US" dirty="0" smtClean="0"/>
+                  <a:rPr lang="en-US" sz="1600" dirty="0" smtClean="0"/>
                   <a:t>The network training solver, updating the kernels parameters is Adam. The loss function is simple L</a:t>
                 </a:r>
                 <a:r>
-                  <a:rPr lang="en-US" baseline="-25000" dirty="0"/>
+                  <a:rPr lang="en-US" sz="1600" baseline="-25000" dirty="0"/>
                   <a:t>2</a:t>
                 </a:r>
                 <a:r>
-                  <a:rPr lang="en-US" dirty="0"/>
+                  <a:rPr lang="en-US" sz="1600" dirty="0"/>
                   <a:t>-norm = </a:t>
                 </a:r>
                 <a14:m>
@@ -5074,14 +5692,14 @@
                     <m:sSub>
                       <m:sSubPr>
                         <m:ctrlPr>
-                          <a:rPr lang="en-US" b="0" i="1" smtClean="0">
+                          <a:rPr lang="en-US" sz="1600" b="0" i="1" smtClean="0">
                             <a:latin typeface="Cambria Math" panose="02040503050406030204" pitchFamily="18" charset="0"/>
                           </a:rPr>
                         </m:ctrlPr>
                       </m:sSubPr>
                       <m:e>
                         <m:r>
-                          <a:rPr lang="en-US" b="0" i="1" smtClean="0">
+                          <a:rPr lang="en-US" sz="1600" b="0" i="1" smtClean="0">
                             <a:latin typeface="Cambria Math" panose="02040503050406030204" pitchFamily="18" charset="0"/>
                           </a:rPr>
                           <m:t>𝐿</m:t>
@@ -5089,7 +5707,7 @@
                       </m:e>
                       <m:sub>
                         <m:r>
-                          <a:rPr lang="en-US" b="0" i="1" smtClean="0">
+                          <a:rPr lang="en-US" sz="1600" b="0" i="1" smtClean="0">
                             <a:latin typeface="Cambria Math" panose="02040503050406030204" pitchFamily="18" charset="0"/>
                           </a:rPr>
                           <m:t>2</m:t>
@@ -5097,7 +5715,7 @@
                       </m:sub>
                     </m:sSub>
                     <m:r>
-                      <a:rPr lang="en-US" b="0" i="1" smtClean="0">
+                      <a:rPr lang="en-US" sz="1600" b="0" i="1" smtClean="0">
                         <a:latin typeface="Cambria Math" panose="02040503050406030204" pitchFamily="18" charset="0"/>
                       </a:rPr>
                       <m:t>=</m:t>
@@ -5106,7 +5724,7 @@
                       <m:naryPr>
                         <m:chr m:val="∑"/>
                         <m:ctrlPr>
-                          <a:rPr lang="en-US" b="0" i="1" smtClean="0">
+                          <a:rPr lang="en-US" sz="1600" b="0" i="1" smtClean="0">
                             <a:latin typeface="Cambria Math" panose="02040503050406030204" pitchFamily="18" charset="0"/>
                           </a:rPr>
                         </m:ctrlPr>
@@ -5116,13 +5734,13 @@
                           <m:rPr>
                             <m:brk m:alnAt="23"/>
                           </m:rPr>
-                          <a:rPr lang="en-US" b="0" i="1" smtClean="0">
+                          <a:rPr lang="en-US" sz="1600" b="0" i="1" smtClean="0">
                             <a:latin typeface="Cambria Math" panose="02040503050406030204" pitchFamily="18" charset="0"/>
                           </a:rPr>
                           <m:t>𝑖</m:t>
                         </m:r>
                         <m:r>
-                          <a:rPr lang="en-US" b="0" i="1" smtClean="0">
+                          <a:rPr lang="en-US" sz="1600" b="0" i="1" smtClean="0">
                             <a:latin typeface="Cambria Math" panose="02040503050406030204" pitchFamily="18" charset="0"/>
                           </a:rPr>
                           <m:t>=</m:t>
@@ -5131,7 +5749,7 @@
                           <m:rPr>
                             <m:brk m:alnAt="23"/>
                           </m:rPr>
-                          <a:rPr lang="en-US" b="0" i="1" smtClean="0">
+                          <a:rPr lang="en-US" sz="1600" b="0" i="1" smtClean="0">
                             <a:latin typeface="Cambria Math" panose="02040503050406030204" pitchFamily="18" charset="0"/>
                           </a:rPr>
                           <m:t>1</m:t>
@@ -5139,7 +5757,7 @@
                       </m:sub>
                       <m:sup>
                         <m:r>
-                          <a:rPr lang="en-US" b="0" i="1" smtClean="0">
+                          <a:rPr lang="en-US" sz="1600" b="0" i="1" smtClean="0">
                             <a:latin typeface="Cambria Math" panose="02040503050406030204" pitchFamily="18" charset="0"/>
                           </a:rPr>
                           <m:t>𝑛</m:t>
@@ -5149,7 +5767,7 @@
                         <m:f>
                           <m:fPr>
                             <m:ctrlPr>
-                              <a:rPr lang="en-US" b="0" i="1" smtClean="0">
+                              <a:rPr lang="en-US" sz="1600" b="0" i="1" smtClean="0">
                                 <a:latin typeface="Cambria Math" panose="02040503050406030204" pitchFamily="18" charset="0"/>
                               </a:rPr>
                             </m:ctrlPr>
@@ -5158,14 +5776,14 @@
                             <m:sSub>
                               <m:sSubPr>
                                 <m:ctrlPr>
-                                  <a:rPr lang="en-US" b="0" i="1" smtClean="0">
+                                  <a:rPr lang="en-US" sz="1600" b="0" i="1" smtClean="0">
                                     <a:latin typeface="Cambria Math" panose="02040503050406030204" pitchFamily="18" charset="0"/>
                                   </a:rPr>
                                 </m:ctrlPr>
                               </m:sSubPr>
                               <m:e>
                                 <m:r>
-                                  <a:rPr lang="en-US" b="0" i="1" smtClean="0">
+                                  <a:rPr lang="en-US" sz="1600" b="0" i="1" smtClean="0">
                                     <a:latin typeface="Cambria Math" panose="02040503050406030204" pitchFamily="18" charset="0"/>
                                   </a:rPr>
                                   <m:t>𝑘</m:t>
@@ -5173,7 +5791,7 @@
                               </m:e>
                               <m:sub>
                                 <m:r>
-                                  <a:rPr lang="en-US" b="0" i="1" smtClean="0">
+                                  <a:rPr lang="en-US" sz="1600" b="0" i="1" smtClean="0">
                                     <a:latin typeface="Cambria Math" panose="02040503050406030204" pitchFamily="18" charset="0"/>
                                   </a:rPr>
                                   <m:t>𝑖</m:t>
@@ -5185,14 +5803,14 @@
                             <m:sSub>
                               <m:sSubPr>
                                 <m:ctrlPr>
-                                  <a:rPr lang="en-US" b="0" i="1" smtClean="0">
+                                  <a:rPr lang="en-US" sz="1600" b="0" i="1" smtClean="0">
                                     <a:latin typeface="Cambria Math" panose="02040503050406030204" pitchFamily="18" charset="0"/>
                                   </a:rPr>
                                 </m:ctrlPr>
                               </m:sSubPr>
                               <m:e>
                                 <m:r>
-                                  <a:rPr lang="en-US" b="0" i="1" smtClean="0">
+                                  <a:rPr lang="en-US" sz="1600" b="0" i="1" smtClean="0">
                                     <a:latin typeface="Cambria Math" panose="02040503050406030204" pitchFamily="18" charset="0"/>
                                   </a:rPr>
                                   <m:t>𝑁</m:t>
@@ -5200,7 +5818,7 @@
                               </m:e>
                               <m:sub>
                                 <m:r>
-                                  <a:rPr lang="en-US" b="0" i="1" smtClean="0">
+                                  <a:rPr lang="en-US" sz="1600" b="0" i="1" smtClean="0">
                                     <a:latin typeface="Cambria Math" panose="02040503050406030204" pitchFamily="18" charset="0"/>
                                   </a:rPr>
                                   <m:t>𝑖</m:t>
@@ -5212,7 +5830,7 @@
                         <m:sSubSup>
                           <m:sSubSupPr>
                             <m:ctrlPr>
-                              <a:rPr lang="en-US" b="0" i="1" smtClean="0">
+                              <a:rPr lang="en-US" sz="1600" b="0" i="1" smtClean="0">
                                 <a:latin typeface="Cambria Math" panose="02040503050406030204" pitchFamily="18" charset="0"/>
                               </a:rPr>
                             </m:ctrlPr>
@@ -5223,7 +5841,7 @@
                                 <m:begChr m:val="‖"/>
                                 <m:endChr m:val="‖"/>
                                 <m:ctrlPr>
-                                  <a:rPr lang="en-US" i="1">
+                                  <a:rPr lang="en-US" sz="1600" i="1">
                                     <a:latin typeface="Cambria Math" panose="02040503050406030204" pitchFamily="18" charset="0"/>
                                   </a:rPr>
                                 </m:ctrlPr>
@@ -5232,14 +5850,14 @@
                                 <m:sSup>
                                   <m:sSupPr>
                                     <m:ctrlPr>
-                                      <a:rPr lang="en-US" i="1">
+                                      <a:rPr lang="en-US" sz="1600" i="1">
                                         <a:latin typeface="Cambria Math" panose="02040503050406030204" pitchFamily="18" charset="0"/>
                                       </a:rPr>
                                     </m:ctrlPr>
                                   </m:sSupPr>
                                   <m:e>
                                     <m:r>
-                                      <a:rPr lang="en-US" i="1">
+                                      <a:rPr lang="en-US" sz="1600" i="1">
                                         <a:latin typeface="Cambria Math" panose="02040503050406030204" pitchFamily="18" charset="0"/>
                                       </a:rPr>
                                       <m:t>𝐼</m:t>
@@ -5247,7 +5865,7 @@
                                   </m:e>
                                   <m:sup>
                                     <m:r>
-                                      <a:rPr lang="en-US" i="1">
+                                      <a:rPr lang="en-US" sz="1600" i="1">
                                         <a:latin typeface="Cambria Math" panose="02040503050406030204" pitchFamily="18" charset="0"/>
                                       </a:rPr>
                                       <m:t>𝑖</m:t>
@@ -5255,7 +5873,7 @@
                                   </m:sup>
                                 </m:sSup>
                                 <m:r>
-                                  <a:rPr lang="en-US" i="1">
+                                  <a:rPr lang="en-US" sz="1600" i="1">
                                     <a:latin typeface="Cambria Math" panose="02040503050406030204" pitchFamily="18" charset="0"/>
                                   </a:rPr>
                                   <m:t>−</m:t>
@@ -5263,14 +5881,14 @@
                                 <m:sSubSup>
                                   <m:sSubSupPr>
                                     <m:ctrlPr>
-                                      <a:rPr lang="en-US" i="1">
+                                      <a:rPr lang="en-US" sz="1600" i="1">
                                         <a:latin typeface="Cambria Math" panose="02040503050406030204" pitchFamily="18" charset="0"/>
                                       </a:rPr>
                                     </m:ctrlPr>
                                   </m:sSubSupPr>
                                   <m:e>
                                     <m:r>
-                                      <a:rPr lang="en-US" i="1">
+                                      <a:rPr lang="en-US" sz="1600" i="1">
                                         <a:latin typeface="Cambria Math" panose="02040503050406030204" pitchFamily="18" charset="0"/>
                                       </a:rPr>
                                       <m:t>𝐼</m:t>
@@ -5278,7 +5896,7 @@
                                   </m:e>
                                   <m:sub>
                                     <m:r>
-                                      <a:rPr lang="en-US" i="1">
+                                      <a:rPr lang="en-US" sz="1600" i="1">
                                         <a:latin typeface="Cambria Math" panose="02040503050406030204" pitchFamily="18" charset="0"/>
                                       </a:rPr>
                                       <m:t>𝑡𝑟𝑢𝑒</m:t>
@@ -5286,7 +5904,7 @@
                                   </m:sub>
                                   <m:sup>
                                     <m:r>
-                                      <a:rPr lang="en-US" i="1">
+                                      <a:rPr lang="en-US" sz="1600" i="1">
                                         <a:latin typeface="Cambria Math" panose="02040503050406030204" pitchFamily="18" charset="0"/>
                                       </a:rPr>
                                       <m:t>𝑖</m:t>
@@ -5298,7 +5916,7 @@
                           </m:e>
                           <m:sub>
                             <m:r>
-                              <a:rPr lang="en-US" b="0" i="1" smtClean="0">
+                              <a:rPr lang="en-US" sz="1600" b="0" i="1" smtClean="0">
                                 <a:latin typeface="Cambria Math" panose="02040503050406030204" pitchFamily="18" charset="0"/>
                               </a:rPr>
                               <m:t>2</m:t>
@@ -5306,7 +5924,7 @@
                           </m:sub>
                           <m:sup>
                             <m:r>
-                              <a:rPr lang="en-US" b="0" i="1" smtClean="0">
+                              <a:rPr lang="en-US" sz="1600" b="0" i="1" smtClean="0">
                                 <a:latin typeface="Cambria Math" panose="02040503050406030204" pitchFamily="18" charset="0"/>
                               </a:rPr>
                               <m:t>2</m:t>
@@ -5317,7 +5935,7 @@
                     </m:nary>
                   </m:oMath>
                 </a14:m>
-                <a:endParaRPr lang="en-US" dirty="0"/>
+                <a:endParaRPr lang="en-US" sz="1600" dirty="0"/>
               </a:p>
               <a:p>
                 <a:pPr>
@@ -5326,7 +5944,7 @@
                   </a:lnSpc>
                 </a:pPr>
                 <a:r>
-                  <a:rPr lang="en-US" dirty="0"/>
+                  <a:rPr lang="en-US" sz="1600" dirty="0"/>
                   <a:t>Simplest form of a solver: x is a parameter vector, dx is the update gradient. So, </a:t>
                 </a:r>
                 <a14:m>
@@ -5335,13 +5953,13 @@
                       <m:rPr>
                         <m:sty m:val="p"/>
                       </m:rPr>
-                      <a:rPr lang="en-US" b="0" i="0" smtClean="0">
+                      <a:rPr lang="en-US" sz="1600" b="0" i="0" smtClean="0">
                         <a:latin typeface="Cambria Math" panose="02040503050406030204" pitchFamily="18" charset="0"/>
                       </a:rPr>
                       <m:t>x</m:t>
                     </m:r>
                     <m:r>
-                      <a:rPr lang="en-US" b="0" i="0" smtClean="0">
+                      <a:rPr lang="en-US" sz="1600" b="0" i="0" smtClean="0">
                         <a:latin typeface="Cambria Math" panose="02040503050406030204" pitchFamily="18" charset="0"/>
                       </a:rPr>
                       <m:t>+=−</m:t>
@@ -5350,13 +5968,13 @@
                       <m:rPr>
                         <m:sty m:val="p"/>
                       </m:rPr>
-                      <a:rPr lang="en-US" b="0" i="0" smtClean="0">
+                      <a:rPr lang="en-US" sz="1600" b="0" i="0" smtClean="0">
                         <a:latin typeface="Cambria Math" panose="02040503050406030204" pitchFamily="18" charset="0"/>
                       </a:rPr>
                       <m:t>learning</m:t>
                     </m:r>
                     <m:r>
-                      <a:rPr lang="en-US" b="0" i="0" smtClean="0">
+                      <a:rPr lang="en-US" sz="1600" b="0" i="0" smtClean="0">
                         <a:latin typeface="Cambria Math" panose="02040503050406030204" pitchFamily="18" charset="0"/>
                       </a:rPr>
                       <m:t>_</m:t>
@@ -5365,19 +5983,19 @@
                       <m:rPr>
                         <m:sty m:val="p"/>
                       </m:rPr>
-                      <a:rPr lang="en-US" b="0" i="0" smtClean="0">
+                      <a:rPr lang="en-US" sz="1600" b="0" i="0" smtClean="0">
                         <a:latin typeface="Cambria Math" panose="02040503050406030204" pitchFamily="18" charset="0"/>
                       </a:rPr>
                       <m:t>rate</m:t>
                     </m:r>
                     <m:r>
-                      <a:rPr lang="en-US" b="0" i="1" smtClean="0">
+                      <a:rPr lang="en-US" sz="1600" b="0" i="1" smtClean="0">
                         <a:latin typeface="Cambria Math" panose="02040503050406030204" pitchFamily="18" charset="0"/>
                       </a:rPr>
                       <m:t>∗</m:t>
                     </m:r>
                     <m:r>
-                      <a:rPr lang="en-US" b="0" i="1" smtClean="0">
+                      <a:rPr lang="en-US" sz="1600" b="0" i="1" smtClean="0">
                         <a:latin typeface="Cambria Math" panose="02040503050406030204" pitchFamily="18" charset="0"/>
                       </a:rPr>
                       <m:t>𝑑𝑥</m:t>
@@ -5385,7 +6003,7 @@
                   </m:oMath>
                 </a14:m>
                 <a:r>
-                  <a:rPr lang="en-US" dirty="0"/>
+                  <a:rPr lang="en-US" sz="1600" dirty="0"/>
                   <a:t>. </a:t>
                 </a:r>
               </a:p>
@@ -5396,135 +6014,12 @@
                   </a:lnSpc>
                 </a:pPr>
                 <a:r>
-                  <a:rPr lang="en-US" dirty="0"/>
-                  <a:t>Consider momentum: </a:t>
+                  <a:rPr lang="en-US" sz="1600" dirty="0" smtClean="0"/>
+                  <a:t>For </a:t>
                 </a:r>
-                <a14:m>
-                  <m:oMath xmlns:m="http://schemas.openxmlformats.org/officeDocument/2006/math">
-                    <m:r>
-                      <m:rPr>
-                        <m:sty m:val="p"/>
-                      </m:rPr>
-                      <a:rPr lang="en-US" i="0">
-                        <a:latin typeface="Cambria Math" panose="02040503050406030204" pitchFamily="18" charset="0"/>
-                      </a:rPr>
-                      <m:t>x</m:t>
-                    </m:r>
-                    <m:r>
-                      <a:rPr lang="en-US" i="0">
-                        <a:latin typeface="Cambria Math" panose="02040503050406030204" pitchFamily="18" charset="0"/>
-                      </a:rPr>
-                      <m:t>=</m:t>
-                    </m:r>
-                    <m:r>
-                      <m:rPr>
-                        <m:sty m:val="p"/>
-                      </m:rPr>
-                      <a:rPr lang="en-US" b="0" i="0" smtClean="0">
-                        <a:latin typeface="Cambria Math" panose="02040503050406030204" pitchFamily="18" charset="0"/>
-                      </a:rPr>
-                      <m:t>mu</m:t>
-                    </m:r>
-                    <m:r>
-                      <a:rPr lang="en-US" b="0" i="0" smtClean="0">
-                        <a:latin typeface="Cambria Math" panose="02040503050406030204" pitchFamily="18" charset="0"/>
-                      </a:rPr>
-                      <m:t>∗</m:t>
-                    </m:r>
-                    <m:r>
-                      <m:rPr>
-                        <m:sty m:val="p"/>
-                      </m:rPr>
-                      <a:rPr lang="en-US" b="0" i="0" smtClean="0">
-                        <a:latin typeface="Cambria Math" panose="02040503050406030204" pitchFamily="18" charset="0"/>
-                      </a:rPr>
-                      <m:t>v</m:t>
-                    </m:r>
-                    <m:r>
-                      <a:rPr lang="en-US" i="0">
-                        <a:latin typeface="Cambria Math" panose="02040503050406030204" pitchFamily="18" charset="0"/>
-                      </a:rPr>
-                      <m:t>−</m:t>
-                    </m:r>
-                    <m:r>
-                      <m:rPr>
-                        <m:sty m:val="p"/>
-                      </m:rPr>
-                      <a:rPr lang="en-US" i="0">
-                        <a:latin typeface="Cambria Math" panose="02040503050406030204" pitchFamily="18" charset="0"/>
-                      </a:rPr>
-                      <m:t>learning</m:t>
-                    </m:r>
-                    <m:r>
-                      <a:rPr lang="en-US" b="0" i="0" smtClean="0">
-                        <a:latin typeface="Cambria Math" panose="02040503050406030204" pitchFamily="18" charset="0"/>
-                      </a:rPr>
-                      <m:t>_</m:t>
-                    </m:r>
-                    <m:r>
-                      <m:rPr>
-                        <m:sty m:val="p"/>
-                      </m:rPr>
-                      <a:rPr lang="en-US" b="0" i="0" smtClean="0">
-                        <a:latin typeface="Cambria Math" panose="02040503050406030204" pitchFamily="18" charset="0"/>
-                      </a:rPr>
-                      <m:t>rate</m:t>
-                    </m:r>
-                    <m:r>
-                      <a:rPr lang="en-US" i="1">
-                        <a:latin typeface="Cambria Math" panose="02040503050406030204" pitchFamily="18" charset="0"/>
-                      </a:rPr>
-                      <m:t>∗</m:t>
-                    </m:r>
-                    <m:r>
-                      <a:rPr lang="en-US" i="1">
-                        <a:latin typeface="Cambria Math" panose="02040503050406030204" pitchFamily="18" charset="0"/>
-                      </a:rPr>
-                      <m:t>𝑑𝑥</m:t>
-                    </m:r>
-                    <m:r>
-                      <a:rPr lang="en-US" b="0" i="1" smtClean="0">
-                        <a:latin typeface="Cambria Math" panose="02040503050406030204" pitchFamily="18" charset="0"/>
-                      </a:rPr>
-                      <m:t> ; </m:t>
-                    </m:r>
-                    <m:r>
-                      <m:rPr>
-                        <m:sty m:val="p"/>
-                      </m:rPr>
-                      <a:rPr lang="en-US" i="0">
-                        <a:latin typeface="Cambria Math" panose="02040503050406030204" pitchFamily="18" charset="0"/>
-                      </a:rPr>
-                      <m:t>x</m:t>
-                    </m:r>
-                    <m:r>
-                      <a:rPr lang="en-US" i="0">
-                        <a:latin typeface="Cambria Math" panose="02040503050406030204" pitchFamily="18" charset="0"/>
-                      </a:rPr>
-                      <m:t>+=</m:t>
-                    </m:r>
-                    <m:r>
-                      <m:rPr>
-                        <m:sty m:val="p"/>
-                      </m:rPr>
-                      <a:rPr lang="en-US" b="0" i="0" smtClean="0">
-                        <a:latin typeface="Cambria Math" panose="02040503050406030204" pitchFamily="18" charset="0"/>
-                      </a:rPr>
-                      <m:t>v</m:t>
-                    </m:r>
-                  </m:oMath>
-                </a14:m>
-                <a:endParaRPr lang="en-US" dirty="0"/>
-              </a:p>
-              <a:p>
-                <a:pPr>
-                  <a:lnSpc>
-                    <a:spcPct val="170000"/>
-                  </a:lnSpc>
-                </a:pPr>
                 <a:r>
-                  <a:rPr lang="en-US" dirty="0"/>
-                  <a:t>For this research, a second order method is used, called Adam:</a:t>
+                  <a:rPr lang="en-US" sz="1600" dirty="0"/>
+                  <a:t>this research, a second order method is used, called Adam:</a:t>
                 </a:r>
               </a:p>
               <a:p>
@@ -5544,13 +6039,13 @@
                         <m:rPr>
                           <m:sty m:val="p"/>
                         </m:rPr>
-                        <a:rPr lang="sv-SE" i="0" smtClean="0">
+                        <a:rPr lang="sv-SE" sz="1600" i="0" smtClean="0">
                           <a:latin typeface="Cambria Math" panose="02040503050406030204" pitchFamily="18" charset="0"/>
                         </a:rPr>
                         <m:t>x</m:t>
                       </m:r>
                       <m:r>
-                        <a:rPr lang="sv-SE" i="0" smtClean="0">
+                        <a:rPr lang="sv-SE" sz="1600" i="0" smtClean="0">
                           <a:latin typeface="Cambria Math" panose="02040503050406030204" pitchFamily="18" charset="0"/>
                         </a:rPr>
                         <m:t> += − </m:t>
@@ -5559,13 +6054,13 @@
                         <m:rPr>
                           <m:sty m:val="p"/>
                         </m:rPr>
-                        <a:rPr lang="sv-SE" i="0" smtClean="0">
+                        <a:rPr lang="sv-SE" sz="1600" i="0" smtClean="0">
                           <a:latin typeface="Cambria Math" panose="02040503050406030204" pitchFamily="18" charset="0"/>
                         </a:rPr>
                         <m:t>learning</m:t>
                       </m:r>
                       <m:r>
-                        <a:rPr lang="sv-SE" i="0" smtClean="0">
+                        <a:rPr lang="sv-SE" sz="1600" i="0" smtClean="0">
                           <a:latin typeface="Cambria Math" panose="02040503050406030204" pitchFamily="18" charset="0"/>
                         </a:rPr>
                         <m:t>_</m:t>
@@ -5574,13 +6069,13 @@
                         <m:rPr>
                           <m:sty m:val="p"/>
                         </m:rPr>
-                        <a:rPr lang="sv-SE" i="0" smtClean="0">
+                        <a:rPr lang="sv-SE" sz="1600" i="0" smtClean="0">
                           <a:latin typeface="Cambria Math" panose="02040503050406030204" pitchFamily="18" charset="0"/>
                         </a:rPr>
                         <m:t>rate</m:t>
                       </m:r>
                       <m:r>
-                        <a:rPr lang="sv-SE" i="0" smtClean="0">
+                        <a:rPr lang="sv-SE" sz="1600" i="0" smtClean="0">
                           <a:latin typeface="Cambria Math" panose="02040503050406030204" pitchFamily="18" charset="0"/>
                         </a:rPr>
                         <m:t>∗ </m:t>
@@ -5589,25 +6084,25 @@
                         <m:rPr>
                           <m:sty m:val="p"/>
                         </m:rPr>
-                        <a:rPr lang="sv-SE" i="0" smtClean="0">
+                        <a:rPr lang="sv-SE" sz="1600" i="0" smtClean="0">
                           <a:latin typeface="Cambria Math" panose="02040503050406030204" pitchFamily="18" charset="0"/>
                         </a:rPr>
                         <m:t>m</m:t>
                       </m:r>
                       <m:r>
-                        <a:rPr lang="sv-SE" i="1" smtClean="0">
+                        <a:rPr lang="sv-SE" sz="1600" i="1" smtClean="0">
                           <a:latin typeface="Cambria Math" panose="02040503050406030204" pitchFamily="18" charset="0"/>
                         </a:rPr>
                         <m:t> </m:t>
                       </m:r>
                       <m:r>
-                        <a:rPr lang="sv-SE" i="0" smtClean="0">
+                        <a:rPr lang="sv-SE" sz="1600" i="0" smtClean="0">
                           <a:latin typeface="Cambria Math" panose="02040503050406030204" pitchFamily="18" charset="0"/>
                         </a:rPr>
                         <m:t>/</m:t>
                       </m:r>
                       <m:r>
-                        <a:rPr lang="sv-SE" i="0" smtClean="0">
+                        <a:rPr lang="sv-SE" sz="1600" i="0" smtClean="0">
                           <a:latin typeface="Cambria Math" panose="02040503050406030204" pitchFamily="18" charset="0"/>
                         </a:rPr>
                         <m:t> (</m:t>
@@ -5616,13 +6111,13 @@
                         <m:rPr>
                           <m:sty m:val="p"/>
                         </m:rPr>
-                        <a:rPr lang="sv-SE" i="0" smtClean="0">
+                        <a:rPr lang="sv-SE" sz="1600" i="0" smtClean="0">
                           <a:latin typeface="Cambria Math" panose="02040503050406030204" pitchFamily="18" charset="0"/>
                         </a:rPr>
                         <m:t>np</m:t>
                       </m:r>
                       <m:r>
-                        <a:rPr lang="sv-SE" i="0" smtClean="0">
+                        <a:rPr lang="sv-SE" sz="1600" i="0" smtClean="0">
                           <a:latin typeface="Cambria Math" panose="02040503050406030204" pitchFamily="18" charset="0"/>
                         </a:rPr>
                         <m:t>.</m:t>
@@ -5631,13 +6126,13 @@
                         <m:rPr>
                           <m:sty m:val="p"/>
                         </m:rPr>
-                        <a:rPr lang="sv-SE" i="0" smtClean="0">
+                        <a:rPr lang="sv-SE" sz="1600" i="0" smtClean="0">
                           <a:latin typeface="Cambria Math" panose="02040503050406030204" pitchFamily="18" charset="0"/>
                         </a:rPr>
                         <m:t>sqrt</m:t>
                       </m:r>
                       <m:r>
-                        <a:rPr lang="sv-SE" i="0" smtClean="0">
+                        <a:rPr lang="sv-SE" sz="1600" i="0" smtClean="0">
                           <a:latin typeface="Cambria Math" panose="02040503050406030204" pitchFamily="18" charset="0"/>
                         </a:rPr>
                         <m:t>(</m:t>
@@ -5646,13 +6141,13 @@
                         <m:rPr>
                           <m:sty m:val="p"/>
                         </m:rPr>
-                        <a:rPr lang="sv-SE" i="0" smtClean="0">
+                        <a:rPr lang="sv-SE" sz="1600" i="0" smtClean="0">
                           <a:latin typeface="Cambria Math" panose="02040503050406030204" pitchFamily="18" charset="0"/>
                         </a:rPr>
                         <m:t>v</m:t>
                       </m:r>
                       <m:r>
-                        <a:rPr lang="sv-SE" i="0" smtClean="0">
+                        <a:rPr lang="sv-SE" sz="1600" i="0" smtClean="0">
                           <a:latin typeface="Cambria Math" panose="02040503050406030204" pitchFamily="18" charset="0"/>
                         </a:rPr>
                         <m:t>)+ </m:t>
@@ -5661,13 +6156,13 @@
                         <m:rPr>
                           <m:sty m:val="p"/>
                         </m:rPr>
-                        <a:rPr lang="sv-SE" i="0" smtClean="0">
+                        <a:rPr lang="sv-SE" sz="1600" i="0" smtClean="0">
                           <a:latin typeface="Cambria Math" panose="02040503050406030204" pitchFamily="18" charset="0"/>
                         </a:rPr>
                         <m:t>eps</m:t>
                       </m:r>
                       <m:r>
-                        <a:rPr lang="sv-SE" i="0" smtClean="0">
+                        <a:rPr lang="sv-SE" sz="1600" i="0" smtClean="0">
                           <a:latin typeface="Cambria Math" panose="02040503050406030204" pitchFamily="18" charset="0"/>
                         </a:rPr>
                         <m:t>)</m:t>
@@ -5675,7 +6170,7 @@
                     </m:oMath>
                   </m:oMathPara>
                 </a14:m>
-                <a:endParaRPr lang="en-US" i="0" dirty="0" smtClean="0">
+                <a:endParaRPr lang="en-US" sz="1600" i="0" dirty="0" smtClean="0">
                   <a:latin typeface="Cambria Math" panose="02040503050406030204" pitchFamily="18" charset="0"/>
                 </a:endParaRPr>
               </a:p>
@@ -5696,13 +6191,13 @@
                         <m:rPr>
                           <m:sty m:val="p"/>
                         </m:rPr>
-                        <a:rPr lang="sv-SE" i="0" smtClean="0">
+                        <a:rPr lang="sv-SE" sz="1600" i="0" smtClean="0">
                           <a:latin typeface="Cambria Math" panose="02040503050406030204" pitchFamily="18" charset="0"/>
                         </a:rPr>
                         <m:t>v</m:t>
                       </m:r>
                       <m:r>
-                        <a:rPr lang="sv-SE" i="0" smtClean="0">
+                        <a:rPr lang="sv-SE" sz="1600" i="0" smtClean="0">
                           <a:latin typeface="Cambria Math" panose="02040503050406030204" pitchFamily="18" charset="0"/>
                         </a:rPr>
                         <m:t> = </m:t>
@@ -5711,19 +6206,19 @@
                         <m:rPr>
                           <m:sty m:val="p"/>
                         </m:rPr>
-                        <a:rPr lang="sv-SE" i="0" smtClean="0">
+                        <a:rPr lang="sv-SE" sz="1600" i="0" smtClean="0">
                           <a:latin typeface="Cambria Math" panose="02040503050406030204" pitchFamily="18" charset="0"/>
                         </a:rPr>
                         <m:t>beta</m:t>
                       </m:r>
                       <m:r>
-                        <a:rPr lang="sv-SE" i="0" smtClean="0">
+                        <a:rPr lang="sv-SE" sz="1600" i="0" smtClean="0">
                           <a:latin typeface="Cambria Math" panose="02040503050406030204" pitchFamily="18" charset="0"/>
                         </a:rPr>
                         <m:t>2</m:t>
                       </m:r>
                       <m:r>
-                        <a:rPr lang="sv-SE" i="0" smtClean="0">
+                        <a:rPr lang="sv-SE" sz="1600" i="0" smtClean="0">
                           <a:latin typeface="Cambria Math" panose="02040503050406030204" pitchFamily="18" charset="0"/>
                         </a:rPr>
                         <m:t>∗</m:t>
@@ -5732,13 +6227,13 @@
                         <m:rPr>
                           <m:sty m:val="p"/>
                         </m:rPr>
-                        <a:rPr lang="sv-SE" i="0" smtClean="0">
+                        <a:rPr lang="sv-SE" sz="1600" i="0" smtClean="0">
                           <a:latin typeface="Cambria Math" panose="02040503050406030204" pitchFamily="18" charset="0"/>
                         </a:rPr>
                         <m:t>v</m:t>
                       </m:r>
                       <m:r>
-                        <a:rPr lang="sv-SE" i="0" smtClean="0">
+                        <a:rPr lang="sv-SE" sz="1600" i="0" smtClean="0">
                           <a:latin typeface="Cambria Math" panose="02040503050406030204" pitchFamily="18" charset="0"/>
                         </a:rPr>
                         <m:t> + </m:t>
@@ -5746,20 +6241,20 @@
                       <m:d>
                         <m:dPr>
                           <m:ctrlPr>
-                            <a:rPr lang="sv-SE" i="1">
+                            <a:rPr lang="sv-SE" sz="1600" i="1">
                               <a:latin typeface="Cambria Math" panose="02040503050406030204" pitchFamily="18" charset="0"/>
                             </a:rPr>
                           </m:ctrlPr>
                         </m:dPr>
                         <m:e>
                           <m:r>
-                            <a:rPr lang="sv-SE" i="0">
+                            <a:rPr lang="sv-SE" sz="1600" i="0">
                               <a:latin typeface="Cambria Math" panose="02040503050406030204" pitchFamily="18" charset="0"/>
                             </a:rPr>
                             <m:t>1</m:t>
                           </m:r>
                           <m:r>
-                            <a:rPr lang="sv-SE" i="0">
+                            <a:rPr lang="sv-SE" sz="1600" i="0">
                               <a:latin typeface="Cambria Math" panose="02040503050406030204" pitchFamily="18" charset="0"/>
                             </a:rPr>
                             <m:t>−</m:t>
@@ -5768,13 +6263,13 @@
                             <m:rPr>
                               <m:sty m:val="p"/>
                             </m:rPr>
-                            <a:rPr lang="sv-SE" i="0">
+                            <a:rPr lang="sv-SE" sz="1600" i="0">
                               <a:latin typeface="Cambria Math" panose="02040503050406030204" pitchFamily="18" charset="0"/>
                             </a:rPr>
                             <m:t>beta</m:t>
                           </m:r>
                           <m:r>
-                            <a:rPr lang="sv-SE" i="0">
+                            <a:rPr lang="sv-SE" sz="1600" i="0">
                               <a:latin typeface="Cambria Math" panose="02040503050406030204" pitchFamily="18" charset="0"/>
                             </a:rPr>
                             <m:t>2</m:t>
@@ -5782,7 +6277,7 @@
                         </m:e>
                       </m:d>
                       <m:r>
-                        <a:rPr lang="sv-SE" i="0">
+                        <a:rPr lang="sv-SE" sz="1600" i="0">
                           <a:latin typeface="Cambria Math" panose="02040503050406030204" pitchFamily="18" charset="0"/>
                         </a:rPr>
                         <m:t>∗</m:t>
@@ -5790,7 +6285,7 @@
                       <m:d>
                         <m:dPr>
                           <m:ctrlPr>
-                            <a:rPr lang="sv-SE" i="1">
+                            <a:rPr lang="sv-SE" sz="1600" i="1">
                               <a:latin typeface="Cambria Math" panose="02040503050406030204" pitchFamily="18" charset="0"/>
                             </a:rPr>
                           </m:ctrlPr>
@@ -5799,7 +6294,7 @@
                           <m:sSup>
                             <m:sSupPr>
                               <m:ctrlPr>
-                                <a:rPr lang="sv-SE" i="1" smtClean="0">
+                                <a:rPr lang="sv-SE" sz="1600" i="1" smtClean="0">
                                   <a:latin typeface="Cambria Math" panose="02040503050406030204" pitchFamily="18" charset="0"/>
                                 </a:rPr>
                               </m:ctrlPr>
@@ -5809,7 +6304,7 @@
                                 <m:rPr>
                                   <m:sty m:val="p"/>
                                 </m:rPr>
-                                <a:rPr lang="en-US" b="0" i="0" smtClean="0">
+                                <a:rPr lang="en-US" sz="1600" b="0" i="0" smtClean="0">
                                   <a:latin typeface="Cambria Math" panose="02040503050406030204" pitchFamily="18" charset="0"/>
                                 </a:rPr>
                                 <m:t>dx</m:t>
@@ -5817,7 +6312,7 @@
                             </m:e>
                             <m:sup>
                               <m:r>
-                                <a:rPr lang="en-US" b="0" i="1" smtClean="0">
+                                <a:rPr lang="en-US" sz="1600" b="0" i="1" smtClean="0">
                                   <a:latin typeface="Cambria Math" panose="02040503050406030204" pitchFamily="18" charset="0"/>
                                 </a:rPr>
                                 <m:t>2</m:t>
@@ -5827,7 +6322,7 @@
                         </m:e>
                       </m:d>
                       <m:r>
-                        <a:rPr lang="sv-SE" i="0">
+                        <a:rPr lang="sv-SE" sz="1600" i="0">
                           <a:latin typeface="Cambria Math" panose="02040503050406030204" pitchFamily="18" charset="0"/>
                         </a:rPr>
                         <m:t>  </m:t>
@@ -5835,7 +6330,7 @@
                     </m:oMath>
                   </m:oMathPara>
                 </a14:m>
-                <a:endParaRPr lang="en-US" i="0" dirty="0" smtClean="0">
+                <a:endParaRPr lang="en-US" sz="1600" i="0" dirty="0" smtClean="0">
                   <a:latin typeface="Cambria Math" panose="02040503050406030204" pitchFamily="18" charset="0"/>
                 </a:endParaRPr>
               </a:p>
@@ -5856,13 +6351,13 @@
                         <m:rPr>
                           <m:sty m:val="p"/>
                         </m:rPr>
-                        <a:rPr lang="sv-SE" i="0" smtClean="0">
+                        <a:rPr lang="sv-SE" sz="1600" i="0" smtClean="0">
                           <a:latin typeface="Cambria Math" panose="02040503050406030204" pitchFamily="18" charset="0"/>
                         </a:rPr>
                         <m:t>m</m:t>
                       </m:r>
                       <m:r>
-                        <a:rPr lang="sv-SE" i="0" smtClean="0">
+                        <a:rPr lang="sv-SE" sz="1600" i="0" smtClean="0">
                           <a:latin typeface="Cambria Math" panose="02040503050406030204" pitchFamily="18" charset="0"/>
                         </a:rPr>
                         <m:t> = </m:t>
@@ -5871,19 +6366,19 @@
                         <m:rPr>
                           <m:sty m:val="p"/>
                         </m:rPr>
-                        <a:rPr lang="sv-SE" i="0" smtClean="0">
+                        <a:rPr lang="sv-SE" sz="1600" i="0" smtClean="0">
                           <a:latin typeface="Cambria Math" panose="02040503050406030204" pitchFamily="18" charset="0"/>
                         </a:rPr>
                         <m:t>beta</m:t>
                       </m:r>
                       <m:r>
-                        <a:rPr lang="sv-SE" i="0" smtClean="0">
+                        <a:rPr lang="sv-SE" sz="1600" i="0" smtClean="0">
                           <a:latin typeface="Cambria Math" panose="02040503050406030204" pitchFamily="18" charset="0"/>
                         </a:rPr>
                         <m:t>1</m:t>
                       </m:r>
                       <m:r>
-                        <a:rPr lang="sv-SE" i="0" smtClean="0">
+                        <a:rPr lang="sv-SE" sz="1600" i="0" smtClean="0">
                           <a:latin typeface="Cambria Math" panose="02040503050406030204" pitchFamily="18" charset="0"/>
                         </a:rPr>
                         <m:t>∗</m:t>
@@ -5892,13 +6387,13 @@
                         <m:rPr>
                           <m:sty m:val="p"/>
                         </m:rPr>
-                        <a:rPr lang="sv-SE" i="0" smtClean="0">
+                        <a:rPr lang="sv-SE" sz="1600" i="0" smtClean="0">
                           <a:latin typeface="Cambria Math" panose="02040503050406030204" pitchFamily="18" charset="0"/>
                         </a:rPr>
                         <m:t>m</m:t>
                       </m:r>
                       <m:r>
-                        <a:rPr lang="sv-SE" i="0" smtClean="0">
+                        <a:rPr lang="sv-SE" sz="1600" i="0" smtClean="0">
                           <a:latin typeface="Cambria Math" panose="02040503050406030204" pitchFamily="18" charset="0"/>
                         </a:rPr>
                         <m:t> + </m:t>
@@ -5906,20 +6401,20 @@
                       <m:d>
                         <m:dPr>
                           <m:ctrlPr>
-                            <a:rPr lang="sv-SE" i="1">
+                            <a:rPr lang="sv-SE" sz="1600" i="1">
                               <a:latin typeface="Cambria Math" panose="02040503050406030204" pitchFamily="18" charset="0"/>
                             </a:rPr>
                           </m:ctrlPr>
                         </m:dPr>
                         <m:e>
                           <m:r>
-                            <a:rPr lang="sv-SE" i="0">
+                            <a:rPr lang="sv-SE" sz="1600" i="0">
                               <a:latin typeface="Cambria Math" panose="02040503050406030204" pitchFamily="18" charset="0"/>
                             </a:rPr>
                             <m:t>1</m:t>
                           </m:r>
                           <m:r>
-                            <a:rPr lang="sv-SE" i="0">
+                            <a:rPr lang="sv-SE" sz="1600" i="0">
                               <a:latin typeface="Cambria Math" panose="02040503050406030204" pitchFamily="18" charset="0"/>
                             </a:rPr>
                             <m:t>−</m:t>
@@ -5928,13 +6423,13 @@
                             <m:rPr>
                               <m:sty m:val="p"/>
                             </m:rPr>
-                            <a:rPr lang="sv-SE" i="0">
+                            <a:rPr lang="sv-SE" sz="1600" i="0">
                               <a:latin typeface="Cambria Math" panose="02040503050406030204" pitchFamily="18" charset="0"/>
                             </a:rPr>
                             <m:t>beta</m:t>
                           </m:r>
                           <m:r>
-                            <a:rPr lang="sv-SE" i="0">
+                            <a:rPr lang="sv-SE" sz="1600" i="0">
                               <a:latin typeface="Cambria Math" panose="02040503050406030204" pitchFamily="18" charset="0"/>
                             </a:rPr>
                             <m:t>1</m:t>
@@ -5942,7 +6437,7 @@
                         </m:e>
                       </m:d>
                       <m:r>
-                        <a:rPr lang="sv-SE" i="0">
+                        <a:rPr lang="sv-SE" sz="1600" i="0">
                           <a:latin typeface="Cambria Math" panose="02040503050406030204" pitchFamily="18" charset="0"/>
                         </a:rPr>
                         <m:t>∗</m:t>
@@ -5951,13 +6446,13 @@
                         <m:rPr>
                           <m:sty m:val="p"/>
                         </m:rPr>
-                        <a:rPr lang="sv-SE" i="0">
+                        <a:rPr lang="sv-SE" sz="1600" i="0">
                           <a:latin typeface="Cambria Math" panose="02040503050406030204" pitchFamily="18" charset="0"/>
                         </a:rPr>
                         <m:t>dx</m:t>
                       </m:r>
                       <m:r>
-                        <a:rPr lang="sv-SE" i="0">
+                        <a:rPr lang="sv-SE" sz="1600" i="0">
                           <a:latin typeface="Cambria Math" panose="02040503050406030204" pitchFamily="18" charset="0"/>
                         </a:rPr>
                         <m:t>  </m:t>
@@ -5965,7 +6460,7 @@
                     </m:oMath>
                   </m:oMathPara>
                 </a14:m>
-                <a:endParaRPr lang="en-US" dirty="0"/>
+                <a:endParaRPr lang="en-US" sz="1600" dirty="0"/>
               </a:p>
               <a:p>
                 <a:pPr>
@@ -5974,20 +6469,20 @@
                   </a:lnSpc>
                 </a:pPr>
                 <a:r>
-                  <a:rPr lang="en-US" dirty="0"/>
+                  <a:rPr lang="en-US" sz="1600" dirty="0"/>
                   <a:t>While beta1=0.9, beta2=0.999 and smoothing factor </a:t>
                 </a:r>
                 <a14:m>
                   <m:oMath xmlns:m="http://schemas.openxmlformats.org/officeDocument/2006/math">
                     <m:r>
-                      <a:rPr lang="en-US" i="1" smtClean="0">
+                      <a:rPr lang="en-US" sz="1600" i="1" smtClean="0">
                         <a:latin typeface="Cambria Math" panose="02040503050406030204" pitchFamily="18" charset="0"/>
                         <a:ea typeface="Cambria Math" panose="02040503050406030204" pitchFamily="18" charset="0"/>
                       </a:rPr>
                       <m:t>𝜖</m:t>
                     </m:r>
                     <m:r>
-                      <a:rPr lang="en-US" b="0" i="1" smtClean="0">
+                      <a:rPr lang="en-US" sz="1600" b="0" i="1" smtClean="0">
                         <a:latin typeface="Cambria Math" panose="02040503050406030204" pitchFamily="18" charset="0"/>
                         <a:ea typeface="Cambria Math" panose="02040503050406030204" pitchFamily="18" charset="0"/>
                       </a:rPr>
@@ -5996,7 +6491,7 @@
                     <m:sSup>
                       <m:sSupPr>
                         <m:ctrlPr>
-                          <a:rPr lang="en-US" b="0" i="1" smtClean="0">
+                          <a:rPr lang="en-US" sz="1600" b="0" i="1" smtClean="0">
                             <a:latin typeface="Cambria Math" panose="02040503050406030204" pitchFamily="18" charset="0"/>
                             <a:ea typeface="Cambria Math" panose="02040503050406030204" pitchFamily="18" charset="0"/>
                           </a:rPr>
@@ -6004,7 +6499,7 @@
                       </m:sSupPr>
                       <m:e>
                         <m:r>
-                          <a:rPr lang="en-US" b="0" i="1" smtClean="0">
+                          <a:rPr lang="en-US" sz="1600" b="0" i="1" smtClean="0">
                             <a:latin typeface="Cambria Math" panose="02040503050406030204" pitchFamily="18" charset="0"/>
                             <a:ea typeface="Cambria Math" panose="02040503050406030204" pitchFamily="18" charset="0"/>
                           </a:rPr>
@@ -6013,14 +6508,14 @@
                       </m:e>
                       <m:sup>
                         <m:r>
-                          <a:rPr lang="en-US" b="0" i="1" smtClean="0">
+                          <a:rPr lang="en-US" sz="1600" b="0" i="1" smtClean="0">
                             <a:latin typeface="Cambria Math" panose="02040503050406030204" pitchFamily="18" charset="0"/>
                             <a:ea typeface="Cambria Math" panose="02040503050406030204" pitchFamily="18" charset="0"/>
                           </a:rPr>
                           <m:t>−</m:t>
                         </m:r>
                         <m:r>
-                          <a:rPr lang="en-US" b="0" i="1" smtClean="0">
+                          <a:rPr lang="en-US" sz="1600" b="0" i="1" smtClean="0">
                             <a:latin typeface="Cambria Math" panose="02040503050406030204" pitchFamily="18" charset="0"/>
                             <a:ea typeface="Cambria Math" panose="02040503050406030204" pitchFamily="18" charset="0"/>
                           </a:rPr>
@@ -6030,7 +6525,7 @@
                     </m:sSup>
                   </m:oMath>
                 </a14:m>
-                <a:endParaRPr lang="en-US" dirty="0"/>
+                <a:endParaRPr lang="en-US" sz="1600" dirty="0"/>
               </a:p>
               <a:p>
                 <a:pPr>
@@ -6039,7 +6534,7 @@
                   </a:lnSpc>
                 </a:pPr>
                 <a:r>
-                  <a:rPr lang="en-US" dirty="0"/>
+                  <a:rPr lang="en-US" sz="1600" dirty="0"/>
                   <a:t>The learning rate is decaying as: </a:t>
                 </a:r>
                 <a14:m>
@@ -6048,13 +6543,13 @@
                       <m:rPr>
                         <m:sty m:val="p"/>
                       </m:rPr>
-                      <a:rPr lang="en-US" b="0" i="0" smtClean="0">
+                      <a:rPr lang="en-US" sz="1600" b="0" i="0" smtClean="0">
                         <a:latin typeface="Cambria Math" panose="02040503050406030204" pitchFamily="18" charset="0"/>
                       </a:rPr>
                       <m:t>learning</m:t>
                     </m:r>
                     <m:r>
-                      <a:rPr lang="en-US" b="0" i="0" smtClean="0">
+                      <a:rPr lang="en-US" sz="1600" b="0" i="0" smtClean="0">
                         <a:latin typeface="Cambria Math" panose="02040503050406030204" pitchFamily="18" charset="0"/>
                       </a:rPr>
                       <m:t>_</m:t>
@@ -6063,13 +6558,13 @@
                       <m:rPr>
                         <m:sty m:val="p"/>
                       </m:rPr>
-                      <a:rPr lang="en-US" b="0" i="0" smtClean="0">
+                      <a:rPr lang="en-US" sz="1600" b="0" i="0" smtClean="0">
                         <a:latin typeface="Cambria Math" panose="02040503050406030204" pitchFamily="18" charset="0"/>
                       </a:rPr>
                       <m:t>rate</m:t>
                     </m:r>
                     <m:r>
-                      <a:rPr lang="en-US" b="0" i="0" smtClean="0">
+                      <a:rPr lang="en-US" sz="1600" b="0" i="0" smtClean="0">
                         <a:latin typeface="Cambria Math" panose="02040503050406030204" pitchFamily="18" charset="0"/>
                       </a:rPr>
                       <m:t>=</m:t>
@@ -6078,14 +6573,14 @@
                       <m:rPr>
                         <m:sty m:val="p"/>
                       </m:rPr>
-                      <a:rPr lang="el-GR" b="0" i="1" smtClean="0">
+                      <a:rPr lang="el-GR" sz="1600" b="0" i="1" smtClean="0">
                         <a:latin typeface="Cambria Math" panose="02040503050406030204" pitchFamily="18" charset="0"/>
                         <a:ea typeface="Cambria Math" panose="02040503050406030204" pitchFamily="18" charset="0"/>
                       </a:rPr>
                       <m:t>α</m:t>
                     </m:r>
                     <m:r>
-                      <a:rPr lang="en-US" b="0" i="1" smtClean="0">
+                      <a:rPr lang="en-US" sz="1600" b="0" i="1" smtClean="0">
                         <a:latin typeface="Cambria Math" panose="02040503050406030204" pitchFamily="18" charset="0"/>
                         <a:ea typeface="Cambria Math" panose="02040503050406030204" pitchFamily="18" charset="0"/>
                       </a:rPr>
@@ -6094,7 +6589,7 @@
                     <m:sSub>
                       <m:sSubPr>
                         <m:ctrlPr>
-                          <a:rPr lang="en-US" b="0" i="1" smtClean="0">
+                          <a:rPr lang="en-US" sz="1600" b="0" i="1" smtClean="0">
                             <a:latin typeface="Cambria Math" panose="02040503050406030204" pitchFamily="18" charset="0"/>
                             <a:ea typeface="Cambria Math" panose="02040503050406030204" pitchFamily="18" charset="0"/>
                           </a:rPr>
@@ -6102,7 +6597,7 @@
                       </m:sSubPr>
                       <m:e>
                         <m:r>
-                          <a:rPr lang="en-US" b="0" i="1" smtClean="0">
+                          <a:rPr lang="en-US" sz="1600" b="0" i="1" smtClean="0">
                             <a:latin typeface="Cambria Math" panose="02040503050406030204" pitchFamily="18" charset="0"/>
                             <a:ea typeface="Cambria Math" panose="02040503050406030204" pitchFamily="18" charset="0"/>
                           </a:rPr>
@@ -6111,7 +6606,7 @@
                       </m:e>
                       <m:sub>
                         <m:r>
-                          <a:rPr lang="en-US" b="0" i="1" smtClean="0">
+                          <a:rPr lang="en-US" sz="1600" b="0" i="1" smtClean="0">
                             <a:latin typeface="Cambria Math" panose="02040503050406030204" pitchFamily="18" charset="0"/>
                             <a:ea typeface="Cambria Math" panose="02040503050406030204" pitchFamily="18" charset="0"/>
                           </a:rPr>
@@ -6120,7 +6615,7 @@
                       </m:sub>
                     </m:sSub>
                     <m:r>
-                      <a:rPr lang="en-US" b="0" i="1" smtClean="0">
+                      <a:rPr lang="en-US" sz="1600" b="0" i="1" smtClean="0">
                         <a:latin typeface="Cambria Math" panose="02040503050406030204" pitchFamily="18" charset="0"/>
                         <a:ea typeface="Cambria Math" panose="02040503050406030204" pitchFamily="18" charset="0"/>
                       </a:rPr>
@@ -6129,7 +6624,7 @@
                     <m:sSup>
                       <m:sSupPr>
                         <m:ctrlPr>
-                          <a:rPr lang="en-US" b="0" i="1" smtClean="0">
+                          <a:rPr lang="en-US" sz="1600" b="0" i="1" smtClean="0">
                             <a:latin typeface="Cambria Math" panose="02040503050406030204" pitchFamily="18" charset="0"/>
                             <a:ea typeface="Cambria Math" panose="02040503050406030204" pitchFamily="18" charset="0"/>
                           </a:rPr>
@@ -6137,7 +6632,7 @@
                       </m:sSupPr>
                       <m:e>
                         <m:r>
-                          <a:rPr lang="en-US" b="0" i="1" smtClean="0">
+                          <a:rPr lang="en-US" sz="1600" b="0" i="1" smtClean="0">
                             <a:latin typeface="Cambria Math" panose="02040503050406030204" pitchFamily="18" charset="0"/>
                             <a:ea typeface="Cambria Math" panose="02040503050406030204" pitchFamily="18" charset="0"/>
                           </a:rPr>
@@ -6146,14 +6641,14 @@
                       </m:e>
                       <m:sup>
                         <m:r>
-                          <a:rPr lang="en-US" b="0" i="1" smtClean="0">
+                          <a:rPr lang="en-US" sz="1600" b="0" i="1" smtClean="0">
                             <a:latin typeface="Cambria Math" panose="02040503050406030204" pitchFamily="18" charset="0"/>
                             <a:ea typeface="Cambria Math" panose="02040503050406030204" pitchFamily="18" charset="0"/>
                           </a:rPr>
                           <m:t>−</m:t>
                         </m:r>
                         <m:r>
-                          <a:rPr lang="en-US" b="0" i="1" smtClean="0">
+                          <a:rPr lang="en-US" sz="1600" b="0" i="1" smtClean="0">
                             <a:latin typeface="Cambria Math" panose="02040503050406030204" pitchFamily="18" charset="0"/>
                             <a:ea typeface="Cambria Math" panose="02040503050406030204" pitchFamily="18" charset="0"/>
                           </a:rPr>
@@ -6164,7 +6659,7 @@
                   </m:oMath>
                 </a14:m>
                 <a:r>
-                  <a:rPr lang="en-US" dirty="0"/>
+                  <a:rPr lang="en-US" sz="1600" dirty="0"/>
                   <a:t>, where k is 0.3 and t is the iteration number. </a:t>
                 </a:r>
               </a:p>
@@ -6175,7 +6670,7 @@
                   </a:lnSpc>
                 </a:pPr>
                 <a:r>
-                  <a:rPr lang="en-US" dirty="0"/>
+                  <a:rPr lang="en-US" sz="1600" dirty="0"/>
                   <a:t>In each iteration a batch of 16 blurry images are sampled. The number of epoch the network sees the data is 2000.</a:t>
                 </a:r>
               </a:p>
@@ -6201,13 +6696,13 @@
             </p:nvSpPr>
             <p:spPr>
               <a:xfrm>
-                <a:off x="838200" y="1583635"/>
-                <a:ext cx="10515600" cy="4572000"/>
+                <a:off x="838200" y="1239078"/>
+                <a:ext cx="10515600" cy="5222682"/>
               </a:xfrm>
               <a:blipFill>
                 <a:blip r:embed="rId3"/>
                 <a:stretch>
-                  <a:fillRect l="-58" t="-2800"/>
+                  <a:fillRect l="-232"/>
                 </a:stretch>
               </a:blipFill>
             </p:spPr>
@@ -6582,7 +7077,7 @@
           <p:nvPr/>
         </p:nvPicPr>
         <p:blipFill>
-          <a:blip r:embed="rId2"/>
+          <a:blip r:embed="rId3"/>
           <a:stretch>
             <a:fillRect/>
           </a:stretch>
@@ -6612,7 +7107,7 @@
           <p:nvPr/>
         </p:nvPicPr>
         <p:blipFill>
-          <a:blip r:embed="rId3"/>
+          <a:blip r:embed="rId4"/>
           <a:stretch>
             <a:fillRect/>
           </a:stretch>
@@ -6642,7 +7137,7 @@
           <p:nvPr/>
         </p:nvPicPr>
         <p:blipFill>
-          <a:blip r:embed="rId4"/>
+          <a:blip r:embed="rId5"/>
           <a:stretch>
             <a:fillRect/>
           </a:stretch>
@@ -8360,464 +8855,6 @@
 <file path=ppt/slides/slide19.xml><?xml version="1.0" encoding="utf-8"?>
 <p:sld xmlns:a="http://schemas.openxmlformats.org/drawingml/2006/main" xmlns:r="http://schemas.openxmlformats.org/officeDocument/2006/relationships" xmlns:p="http://schemas.openxmlformats.org/presentationml/2006/main">
   <p:cSld>
-    <p:spTree>
-      <p:nvGrpSpPr>
-        <p:cNvPr id="1" name=""/>
-        <p:cNvGrpSpPr/>
-        <p:nvPr/>
-      </p:nvGrpSpPr>
-      <p:grpSpPr>
-        <a:xfrm>
-          <a:off x="0" y="0"/>
-          <a:ext cx="0" cy="0"/>
-          <a:chOff x="0" y="0"/>
-          <a:chExt cx="0" cy="0"/>
-        </a:xfrm>
-      </p:grpSpPr>
-      <p:sp>
-        <p:nvSpPr>
-          <p:cNvPr id="2" name="Title 1"/>
-          <p:cNvSpPr>
-            <a:spLocks noGrp="1"/>
-          </p:cNvSpPr>
-          <p:nvPr>
-            <p:ph type="title"/>
-          </p:nvPr>
-        </p:nvSpPr>
-        <p:spPr/>
-        <p:txBody>
-          <a:bodyPr/>
-          <a:lstStyle/>
-          <a:p>
-            <a:r>
-              <a:rPr lang="en-US" dirty="0" smtClean="0"/>
-              <a:t>Network input-output</a:t>
-            </a:r>
-            <a:endParaRPr lang="he-IL" dirty="0"/>
-          </a:p>
-        </p:txBody>
-      </p:sp>
-      <p:sp>
-        <p:nvSpPr>
-          <p:cNvPr id="3" name="Content Placeholder 2"/>
-          <p:cNvSpPr>
-            <a:spLocks noGrp="1"/>
-          </p:cNvSpPr>
-          <p:nvPr>
-            <p:ph idx="1"/>
-          </p:nvPr>
-        </p:nvSpPr>
-        <p:spPr/>
-        <p:txBody>
-          <a:bodyPr/>
-          <a:lstStyle/>
-          <a:p>
-            <a:endParaRPr lang="he-IL"/>
-          </a:p>
-        </p:txBody>
-      </p:sp>
-    </p:spTree>
-    <p:extLst>
-      <p:ext uri="{BB962C8B-B14F-4D97-AF65-F5344CB8AC3E}">
-        <p14:creationId xmlns:p14="http://schemas.microsoft.com/office/powerpoint/2010/main" val="3943756584"/>
-      </p:ext>
-    </p:extLst>
-  </p:cSld>
-  <p:clrMapOvr>
-    <a:masterClrMapping/>
-  </p:clrMapOvr>
-</p:sld>
-</file>
-
-<file path=ppt/slides/slide2.xml><?xml version="1.0" encoding="utf-8"?>
-<p:sld xmlns:a="http://schemas.openxmlformats.org/drawingml/2006/main" xmlns:r="http://schemas.openxmlformats.org/officeDocument/2006/relationships" xmlns:p="http://schemas.openxmlformats.org/presentationml/2006/main">
-  <p:cSld>
-    <p:bg>
-      <p:bgPr>
-        <a:solidFill>
-          <a:schemeClr val="bg1"/>
-        </a:solidFill>
-        <a:effectLst/>
-      </p:bgPr>
-    </p:bg>
-    <p:spTree>
-      <p:nvGrpSpPr>
-        <p:cNvPr id="1" name=""/>
-        <p:cNvGrpSpPr/>
-        <p:nvPr/>
-      </p:nvGrpSpPr>
-      <p:grpSpPr>
-        <a:xfrm>
-          <a:off x="0" y="0"/>
-          <a:ext cx="0" cy="0"/>
-          <a:chOff x="0" y="0"/>
-          <a:chExt cx="0" cy="0"/>
-        </a:xfrm>
-      </p:grpSpPr>
-      <p:sp useBgFill="1">
-        <p:nvSpPr>
-          <p:cNvPr id="12" name="Rectangle 11">
-            <a:extLst>
-              <a:ext uri="{FF2B5EF4-FFF2-40B4-BE49-F238E27FC236}">
-                <a16:creationId xmlns:a16="http://schemas.microsoft.com/office/drawing/2014/main" id="{7A203437-703A-4E00-A8C0-91D328D6C7C7}"/>
-              </a:ext>
-              <a:ext uri="{C183D7F6-B498-43B3-948B-1728B52AA6E4}">
-                <adec:decorative xmlns:adec="http://schemas.microsoft.com/office/drawing/2017/decorative" xmlns="" val="1"/>
-              </a:ext>
-            </a:extLst>
-          </p:cNvPr>
-          <p:cNvSpPr>
-            <a:spLocks noGrp="1" noRot="1" noChangeAspect="1" noMove="1" noResize="1" noEditPoints="1" noAdjustHandles="1" noChangeArrowheads="1" noChangeShapeType="1" noTextEdit="1"/>
-          </p:cNvSpPr>
-          <p:nvPr>
-            <p:extLst>
-              <p:ext uri="{386F3935-93C4-4BCD-93E2-E3B085C9AB24}">
-                <p16:designElem xmlns:p16="http://schemas.microsoft.com/office/powerpoint/2015/main" val="1"/>
-              </p:ext>
-            </p:extLst>
-          </p:nvPr>
-        </p:nvSpPr>
-        <p:spPr>
-          <a:xfrm>
-            <a:off x="0" y="-4233"/>
-            <a:ext cx="12192000" cy="6858000"/>
-          </a:xfrm>
-          <a:prstGeom prst="rect">
-            <a:avLst/>
-          </a:prstGeom>
-          <a:ln>
-            <a:noFill/>
-          </a:ln>
-        </p:spPr>
-        <p:style>
-          <a:lnRef idx="2">
-            <a:schemeClr val="accent1">
-              <a:shade val="50000"/>
-            </a:schemeClr>
-          </a:lnRef>
-          <a:fillRef idx="1">
-            <a:schemeClr val="accent1"/>
-          </a:fillRef>
-          <a:effectRef idx="0">
-            <a:schemeClr val="accent1"/>
-          </a:effectRef>
-          <a:fontRef idx="minor">
-            <a:schemeClr val="lt1"/>
-          </a:fontRef>
-        </p:style>
-        <p:txBody>
-          <a:bodyPr rtlCol="0" anchor="ctr"/>
-          <a:lstStyle/>
-          <a:p>
-            <a:pPr algn="ctr"/>
-            <a:endParaRPr lang="en-US"/>
-          </a:p>
-        </p:txBody>
-      </p:sp>
-      <p:sp>
-        <p:nvSpPr>
-          <p:cNvPr id="2" name="Title 1">
-            <a:extLst>
-              <a:ext uri="{FF2B5EF4-FFF2-40B4-BE49-F238E27FC236}">
-                <a16:creationId xmlns:a16="http://schemas.microsoft.com/office/drawing/2014/main" id="{42E185A2-350A-4D14-8818-193DBFEAC5BB}"/>
-              </a:ext>
-            </a:extLst>
-          </p:cNvPr>
-          <p:cNvSpPr>
-            <a:spLocks noGrp="1"/>
-          </p:cNvSpPr>
-          <p:nvPr>
-            <p:ph type="title"/>
-          </p:nvPr>
-        </p:nvSpPr>
-        <p:spPr>
-          <a:xfrm>
-            <a:off x="589009" y="502400"/>
-            <a:ext cx="3367171" cy="1818064"/>
-          </a:xfrm>
-        </p:spPr>
-        <p:txBody>
-          <a:bodyPr>
-            <a:normAutofit/>
-          </a:bodyPr>
-          <a:lstStyle/>
-          <a:p>
-            <a:pPr algn="ctr"/>
-            <a:r>
-              <a:rPr lang="en-US" sz="2800"/>
-              <a:t>Opening notes</a:t>
-            </a:r>
-          </a:p>
-        </p:txBody>
-      </p:sp>
-      <p:pic>
-        <p:nvPicPr>
-          <p:cNvPr id="7" name="Picture 6">
-            <a:extLst>
-              <a:ext uri="{FF2B5EF4-FFF2-40B4-BE49-F238E27FC236}">
-                <a16:creationId xmlns:a16="http://schemas.microsoft.com/office/drawing/2014/main" id="{0036F6FD-1383-49C3-8789-8755E1093C93}"/>
-              </a:ext>
-            </a:extLst>
-          </p:cNvPr>
-          <p:cNvPicPr>
-            <a:picLocks noChangeAspect="1"/>
-          </p:cNvPicPr>
-          <p:nvPr/>
-        </p:nvPicPr>
-        <p:blipFill rotWithShape="1">
-          <a:blip r:embed="rId3"/>
-          <a:srcRect r="14577" b="6364"/>
-          <a:stretch/>
-        </p:blipFill>
-        <p:spPr>
-          <a:xfrm>
-            <a:off x="5218300" y="-8466"/>
-            <a:ext cx="6523581" cy="2663681"/>
-          </a:xfrm>
-          <a:prstGeom prst="rect">
-            <a:avLst/>
-          </a:prstGeom>
-        </p:spPr>
-      </p:pic>
-      <p:sp>
-        <p:nvSpPr>
-          <p:cNvPr id="14" name="Rectangle 13">
-            <a:extLst>
-              <a:ext uri="{FF2B5EF4-FFF2-40B4-BE49-F238E27FC236}">
-                <a16:creationId xmlns:a16="http://schemas.microsoft.com/office/drawing/2014/main" id="{CD84038B-4A56-439B-A184-79B2D4506692}"/>
-              </a:ext>
-              <a:ext uri="{C183D7F6-B498-43B3-948B-1728B52AA6E4}">
-                <adec:decorative xmlns:adec="http://schemas.microsoft.com/office/drawing/2017/decorative" xmlns="" val="1"/>
-              </a:ext>
-            </a:extLst>
-          </p:cNvPr>
-          <p:cNvSpPr>
-            <a:spLocks noGrp="1" noRot="1" noChangeAspect="1" noMove="1" noResize="1" noEditPoints="1" noAdjustHandles="1" noChangeArrowheads="1" noChangeShapeType="1" noTextEdit="1"/>
-          </p:cNvSpPr>
-          <p:nvPr>
-            <p:extLst>
-              <p:ext uri="{386F3935-93C4-4BCD-93E2-E3B085C9AB24}">
-                <p16:designElem xmlns:p16="http://schemas.microsoft.com/office/powerpoint/2015/main" val="1"/>
-              </p:ext>
-            </p:extLst>
-          </p:nvPr>
-        </p:nvSpPr>
-        <p:spPr>
-          <a:xfrm>
-            <a:off x="0" y="2762729"/>
-            <a:ext cx="12192000" cy="64008"/>
-          </a:xfrm>
-          <a:prstGeom prst="rect">
-            <a:avLst/>
-          </a:prstGeom>
-          <a:solidFill>
-            <a:schemeClr val="tx2">
-              <a:lumMod val="50000"/>
-            </a:schemeClr>
-          </a:solidFill>
-          <a:ln>
-            <a:noFill/>
-          </a:ln>
-        </p:spPr>
-        <p:style>
-          <a:lnRef idx="2">
-            <a:schemeClr val="accent1">
-              <a:shade val="50000"/>
-            </a:schemeClr>
-          </a:lnRef>
-          <a:fillRef idx="1">
-            <a:schemeClr val="accent1"/>
-          </a:fillRef>
-          <a:effectRef idx="0">
-            <a:schemeClr val="accent1"/>
-          </a:effectRef>
-          <a:fontRef idx="minor">
-            <a:schemeClr val="lt1"/>
-          </a:fontRef>
-        </p:style>
-        <p:txBody>
-          <a:bodyPr rtlCol="0" anchor="ctr"/>
-          <a:lstStyle/>
-          <a:p>
-            <a:pPr algn="ctr"/>
-            <a:endParaRPr lang="en-US">
-              <a:solidFill>
-                <a:schemeClr val="tx2"/>
-              </a:solidFill>
-            </a:endParaRPr>
-          </a:p>
-        </p:txBody>
-      </p:sp>
-      <p:pic>
-        <p:nvPicPr>
-          <p:cNvPr id="5" name="Picture 4" descr="A wave in the ocean&#10;&#10;Description automatically generated with medium confidence">
-            <a:extLst>
-              <a:ext uri="{FF2B5EF4-FFF2-40B4-BE49-F238E27FC236}">
-                <a16:creationId xmlns:a16="http://schemas.microsoft.com/office/drawing/2014/main" id="{23A2F4AA-0C86-4FE4-9E14-E818465A270D}"/>
-              </a:ext>
-            </a:extLst>
-          </p:cNvPr>
-          <p:cNvPicPr>
-            <a:picLocks noChangeAspect="1"/>
-          </p:cNvPicPr>
-          <p:nvPr/>
-        </p:nvPicPr>
-        <p:blipFill rotWithShape="1">
-          <a:blip r:embed="rId4">
-            <a:extLst>
-              <a:ext uri="{28A0092B-C50C-407E-A947-70E740481C1C}">
-                <a14:useLocalDpi xmlns:a14="http://schemas.microsoft.com/office/drawing/2010/main" val="0"/>
-              </a:ext>
-            </a:extLst>
-          </a:blip>
-          <a:srcRect l="8304" r="16093" b="-2"/>
-          <a:stretch/>
-        </p:blipFill>
-        <p:spPr>
-          <a:xfrm>
-            <a:off x="-1" y="2826737"/>
-            <a:ext cx="4565779" cy="4031263"/>
-          </a:xfrm>
-          <a:prstGeom prst="rect">
-            <a:avLst/>
-          </a:prstGeom>
-        </p:spPr>
-      </p:pic>
-      <p:sp>
-        <p:nvSpPr>
-          <p:cNvPr id="3" name="Content Placeholder 2">
-            <a:extLst>
-              <a:ext uri="{FF2B5EF4-FFF2-40B4-BE49-F238E27FC236}">
-                <a16:creationId xmlns:a16="http://schemas.microsoft.com/office/drawing/2014/main" id="{4EABE564-2767-4C08-ACBC-29E48980C375}"/>
-              </a:ext>
-            </a:extLst>
-          </p:cNvPr>
-          <p:cNvSpPr>
-            <a:spLocks noGrp="1"/>
-          </p:cNvSpPr>
-          <p:nvPr>
-            <p:ph idx="1"/>
-          </p:nvPr>
-        </p:nvSpPr>
-        <p:spPr>
-          <a:xfrm>
-            <a:off x="5449633" y="3455208"/>
-            <a:ext cx="5742432" cy="2344708"/>
-          </a:xfrm>
-        </p:spPr>
-        <p:txBody>
-          <a:bodyPr anchor="ctr">
-            <a:normAutofit/>
-          </a:bodyPr>
-          <a:lstStyle/>
-          <a:p>
-            <a:r>
-              <a:rPr lang="en-US" sz="2000" dirty="0"/>
-              <a:t>This Presentation will fucus more on the article method and less about deblurring in general.</a:t>
-            </a:r>
-          </a:p>
-          <a:p>
-            <a:r>
-              <a:rPr lang="en-US" sz="2000" dirty="0"/>
-              <a:t>The basics principles of NN from the course won't be covered.</a:t>
-            </a:r>
-          </a:p>
-          <a:p>
-            <a:r>
-              <a:rPr lang="en-US" sz="2000" dirty="0"/>
-              <a:t>Brief summary of the article</a:t>
-            </a:r>
-          </a:p>
-          <a:p>
-            <a:endParaRPr lang="en-US" sz="2000" dirty="0"/>
-          </a:p>
-        </p:txBody>
-      </p:sp>
-      <p:sp>
-        <p:nvSpPr>
-          <p:cNvPr id="16" name="Rectangle 15">
-            <a:extLst>
-              <a:ext uri="{FF2B5EF4-FFF2-40B4-BE49-F238E27FC236}">
-                <a16:creationId xmlns:a16="http://schemas.microsoft.com/office/drawing/2014/main" id="{4F96EE13-2C4D-4262-812E-DDE5FC35F0AD}"/>
-              </a:ext>
-              <a:ext uri="{C183D7F6-B498-43B3-948B-1728B52AA6E4}">
-                <adec:decorative xmlns:adec="http://schemas.microsoft.com/office/drawing/2017/decorative" xmlns="" val="1"/>
-              </a:ext>
-            </a:extLst>
-          </p:cNvPr>
-          <p:cNvSpPr>
-            <a:spLocks noGrp="1" noRot="1" noChangeAspect="1" noMove="1" noResize="1" noEditPoints="1" noAdjustHandles="1" noChangeArrowheads="1" noChangeShapeType="1" noTextEdit="1"/>
-          </p:cNvSpPr>
-          <p:nvPr>
-            <p:extLst>
-              <p:ext uri="{386F3935-93C4-4BCD-93E2-E3B085C9AB24}">
-                <p16:designElem xmlns:p16="http://schemas.microsoft.com/office/powerpoint/2015/main" val="1"/>
-              </p:ext>
-            </p:extLst>
-          </p:nvPr>
-        </p:nvSpPr>
-        <p:spPr>
-          <a:xfrm rot="5400000">
-            <a:off x="1158239" y="3396995"/>
-            <a:ext cx="6858002" cy="64008"/>
-          </a:xfrm>
-          <a:prstGeom prst="rect">
-            <a:avLst/>
-          </a:prstGeom>
-          <a:solidFill>
-            <a:schemeClr val="tx2">
-              <a:lumMod val="50000"/>
-            </a:schemeClr>
-          </a:solidFill>
-          <a:ln>
-            <a:noFill/>
-          </a:ln>
-        </p:spPr>
-        <p:style>
-          <a:lnRef idx="2">
-            <a:schemeClr val="accent1">
-              <a:shade val="50000"/>
-            </a:schemeClr>
-          </a:lnRef>
-          <a:fillRef idx="1">
-            <a:schemeClr val="accent1"/>
-          </a:fillRef>
-          <a:effectRef idx="0">
-            <a:schemeClr val="accent1"/>
-          </a:effectRef>
-          <a:fontRef idx="minor">
-            <a:schemeClr val="lt1"/>
-          </a:fontRef>
-        </p:style>
-        <p:txBody>
-          <a:bodyPr rtlCol="0" anchor="ctr"/>
-          <a:lstStyle/>
-          <a:p>
-            <a:pPr algn="ctr"/>
-            <a:endParaRPr lang="en-US" dirty="0">
-              <a:solidFill>
-                <a:schemeClr val="tx2"/>
-              </a:solidFill>
-            </a:endParaRPr>
-          </a:p>
-        </p:txBody>
-      </p:sp>
-    </p:spTree>
-    <p:extLst>
-      <p:ext uri="{BB962C8B-B14F-4D97-AF65-F5344CB8AC3E}">
-        <p14:creationId xmlns:p14="http://schemas.microsoft.com/office/powerpoint/2010/main" val="1882881166"/>
-      </p:ext>
-    </p:extLst>
-  </p:cSld>
-  <p:clrMapOvr>
-    <a:masterClrMapping/>
-  </p:clrMapOvr>
-</p:sld>
-</file>
-
-<file path=ppt/slides/slide20.xml><?xml version="1.0" encoding="utf-8"?>
-<p:sld xmlns:a="http://schemas.openxmlformats.org/drawingml/2006/main" xmlns:r="http://schemas.openxmlformats.org/officeDocument/2006/relationships" xmlns:p="http://schemas.openxmlformats.org/presentationml/2006/main">
-  <p:cSld>
     <p:bg>
       <p:bgPr>
         <a:solidFill>
@@ -8985,6 +9022,512 @@
 </p:sld>
 </file>
 
+<file path=ppt/slides/slide2.xml><?xml version="1.0" encoding="utf-8"?>
+<p:sld xmlns:a="http://schemas.openxmlformats.org/drawingml/2006/main" xmlns:r="http://schemas.openxmlformats.org/officeDocument/2006/relationships" xmlns:p="http://schemas.openxmlformats.org/presentationml/2006/main">
+  <p:cSld>
+    <p:bg>
+      <p:bgPr>
+        <a:solidFill>
+          <a:schemeClr val="bg1"/>
+        </a:solidFill>
+        <a:effectLst/>
+      </p:bgPr>
+    </p:bg>
+    <p:spTree>
+      <p:nvGrpSpPr>
+        <p:cNvPr id="1" name=""/>
+        <p:cNvGrpSpPr/>
+        <p:nvPr/>
+      </p:nvGrpSpPr>
+      <p:grpSpPr>
+        <a:xfrm>
+          <a:off x="0" y="0"/>
+          <a:ext cx="0" cy="0"/>
+          <a:chOff x="0" y="0"/>
+          <a:chExt cx="0" cy="0"/>
+        </a:xfrm>
+      </p:grpSpPr>
+      <p:sp useBgFill="1">
+        <p:nvSpPr>
+          <p:cNvPr id="12" name="Rectangle 11">
+            <a:extLst>
+              <a:ext uri="{FF2B5EF4-FFF2-40B4-BE49-F238E27FC236}">
+                <a16:creationId xmlns:a16="http://schemas.microsoft.com/office/drawing/2014/main" id="{7A203437-703A-4E00-A8C0-91D328D6C7C7}"/>
+              </a:ext>
+              <a:ext uri="{C183D7F6-B498-43B3-948B-1728B52AA6E4}">
+                <adec:decorative xmlns:adec="http://schemas.microsoft.com/office/drawing/2017/decorative" xmlns="" val="1"/>
+              </a:ext>
+            </a:extLst>
+          </p:cNvPr>
+          <p:cNvSpPr>
+            <a:spLocks noGrp="1" noRot="1" noChangeAspect="1" noMove="1" noResize="1" noEditPoints="1" noAdjustHandles="1" noChangeArrowheads="1" noChangeShapeType="1" noTextEdit="1"/>
+          </p:cNvSpPr>
+          <p:nvPr>
+            <p:extLst>
+              <p:ext uri="{386F3935-93C4-4BCD-93E2-E3B085C9AB24}">
+                <p16:designElem xmlns:p16="http://schemas.microsoft.com/office/powerpoint/2015/main" val="1"/>
+              </p:ext>
+            </p:extLst>
+          </p:nvPr>
+        </p:nvSpPr>
+        <p:spPr>
+          <a:xfrm>
+            <a:off x="0" y="-4233"/>
+            <a:ext cx="12192000" cy="6858000"/>
+          </a:xfrm>
+          <a:prstGeom prst="rect">
+            <a:avLst/>
+          </a:prstGeom>
+          <a:ln>
+            <a:noFill/>
+          </a:ln>
+        </p:spPr>
+        <p:style>
+          <a:lnRef idx="2">
+            <a:schemeClr val="accent1">
+              <a:shade val="50000"/>
+            </a:schemeClr>
+          </a:lnRef>
+          <a:fillRef idx="1">
+            <a:schemeClr val="accent1"/>
+          </a:fillRef>
+          <a:effectRef idx="0">
+            <a:schemeClr val="accent1"/>
+          </a:effectRef>
+          <a:fontRef idx="minor">
+            <a:schemeClr val="lt1"/>
+          </a:fontRef>
+        </p:style>
+        <p:txBody>
+          <a:bodyPr rtlCol="0" anchor="ctr"/>
+          <a:lstStyle/>
+          <a:p>
+            <a:pPr algn="ctr"/>
+            <a:endParaRPr lang="en-US"/>
+          </a:p>
+        </p:txBody>
+      </p:sp>
+      <p:sp>
+        <p:nvSpPr>
+          <p:cNvPr id="2" name="Title 1">
+            <a:extLst>
+              <a:ext uri="{FF2B5EF4-FFF2-40B4-BE49-F238E27FC236}">
+                <a16:creationId xmlns:a16="http://schemas.microsoft.com/office/drawing/2014/main" id="{42E185A2-350A-4D14-8818-193DBFEAC5BB}"/>
+              </a:ext>
+            </a:extLst>
+          </p:cNvPr>
+          <p:cNvSpPr>
+            <a:spLocks noGrp="1"/>
+          </p:cNvSpPr>
+          <p:nvPr>
+            <p:ph type="title"/>
+          </p:nvPr>
+        </p:nvSpPr>
+        <p:spPr>
+          <a:xfrm>
+            <a:off x="589009" y="502400"/>
+            <a:ext cx="3367171" cy="1818064"/>
+          </a:xfrm>
+        </p:spPr>
+        <p:txBody>
+          <a:bodyPr>
+            <a:normAutofit/>
+          </a:bodyPr>
+          <a:lstStyle/>
+          <a:p>
+            <a:pPr algn="ctr"/>
+            <a:r>
+              <a:rPr lang="en-US" sz="2800"/>
+              <a:t>Opening notes</a:t>
+            </a:r>
+          </a:p>
+        </p:txBody>
+      </p:sp>
+      <p:pic>
+        <p:nvPicPr>
+          <p:cNvPr id="7" name="Picture 6">
+            <a:extLst>
+              <a:ext uri="{FF2B5EF4-FFF2-40B4-BE49-F238E27FC236}">
+                <a16:creationId xmlns:a16="http://schemas.microsoft.com/office/drawing/2014/main" id="{0036F6FD-1383-49C3-8789-8755E1093C93}"/>
+              </a:ext>
+            </a:extLst>
+          </p:cNvPr>
+          <p:cNvPicPr>
+            <a:picLocks noChangeAspect="1"/>
+          </p:cNvPicPr>
+          <p:nvPr/>
+        </p:nvPicPr>
+        <p:blipFill rotWithShape="1">
+          <a:blip r:embed="rId3"/>
+          <a:srcRect r="14577" b="6364"/>
+          <a:stretch/>
+        </p:blipFill>
+        <p:spPr>
+          <a:xfrm>
+            <a:off x="5218300" y="-8466"/>
+            <a:ext cx="6523581" cy="2663681"/>
+          </a:xfrm>
+          <a:prstGeom prst="rect">
+            <a:avLst/>
+          </a:prstGeom>
+        </p:spPr>
+      </p:pic>
+      <p:sp>
+        <p:nvSpPr>
+          <p:cNvPr id="14" name="Rectangle 13">
+            <a:extLst>
+              <a:ext uri="{FF2B5EF4-FFF2-40B4-BE49-F238E27FC236}">
+                <a16:creationId xmlns:a16="http://schemas.microsoft.com/office/drawing/2014/main" id="{CD84038B-4A56-439B-A184-79B2D4506692}"/>
+              </a:ext>
+              <a:ext uri="{C183D7F6-B498-43B3-948B-1728B52AA6E4}">
+                <adec:decorative xmlns:adec="http://schemas.microsoft.com/office/drawing/2017/decorative" xmlns="" val="1"/>
+              </a:ext>
+            </a:extLst>
+          </p:cNvPr>
+          <p:cNvSpPr>
+            <a:spLocks noGrp="1" noRot="1" noChangeAspect="1" noMove="1" noResize="1" noEditPoints="1" noAdjustHandles="1" noChangeArrowheads="1" noChangeShapeType="1" noTextEdit="1"/>
+          </p:cNvSpPr>
+          <p:nvPr>
+            <p:extLst>
+              <p:ext uri="{386F3935-93C4-4BCD-93E2-E3B085C9AB24}">
+                <p16:designElem xmlns:p16="http://schemas.microsoft.com/office/powerpoint/2015/main" val="1"/>
+              </p:ext>
+            </p:extLst>
+          </p:nvPr>
+        </p:nvSpPr>
+        <p:spPr>
+          <a:xfrm>
+            <a:off x="0" y="2762729"/>
+            <a:ext cx="12192000" cy="64008"/>
+          </a:xfrm>
+          <a:prstGeom prst="rect">
+            <a:avLst/>
+          </a:prstGeom>
+          <a:solidFill>
+            <a:schemeClr val="tx2">
+              <a:lumMod val="50000"/>
+            </a:schemeClr>
+          </a:solidFill>
+          <a:ln>
+            <a:noFill/>
+          </a:ln>
+        </p:spPr>
+        <p:style>
+          <a:lnRef idx="2">
+            <a:schemeClr val="accent1">
+              <a:shade val="50000"/>
+            </a:schemeClr>
+          </a:lnRef>
+          <a:fillRef idx="1">
+            <a:schemeClr val="accent1"/>
+          </a:fillRef>
+          <a:effectRef idx="0">
+            <a:schemeClr val="accent1"/>
+          </a:effectRef>
+          <a:fontRef idx="minor">
+            <a:schemeClr val="lt1"/>
+          </a:fontRef>
+        </p:style>
+        <p:txBody>
+          <a:bodyPr rtlCol="0" anchor="ctr"/>
+          <a:lstStyle/>
+          <a:p>
+            <a:pPr algn="ctr"/>
+            <a:endParaRPr lang="en-US">
+              <a:solidFill>
+                <a:schemeClr val="tx2"/>
+              </a:solidFill>
+            </a:endParaRPr>
+          </a:p>
+        </p:txBody>
+      </p:sp>
+      <p:pic>
+        <p:nvPicPr>
+          <p:cNvPr id="5" name="Picture 4" descr="A wave in the ocean&#10;&#10;Description automatically generated with medium confidence">
+            <a:extLst>
+              <a:ext uri="{FF2B5EF4-FFF2-40B4-BE49-F238E27FC236}">
+                <a16:creationId xmlns:a16="http://schemas.microsoft.com/office/drawing/2014/main" id="{23A2F4AA-0C86-4FE4-9E14-E818465A270D}"/>
+              </a:ext>
+            </a:extLst>
+          </p:cNvPr>
+          <p:cNvPicPr>
+            <a:picLocks noChangeAspect="1"/>
+          </p:cNvPicPr>
+          <p:nvPr/>
+        </p:nvPicPr>
+        <p:blipFill rotWithShape="1">
+          <a:blip r:embed="rId4">
+            <a:extLst>
+              <a:ext uri="{28A0092B-C50C-407E-A947-70E740481C1C}">
+                <a14:useLocalDpi xmlns:a14="http://schemas.microsoft.com/office/drawing/2010/main" val="0"/>
+              </a:ext>
+            </a:extLst>
+          </a:blip>
+          <a:srcRect l="8304" r="16093" b="-2"/>
+          <a:stretch/>
+        </p:blipFill>
+        <p:spPr>
+          <a:xfrm>
+            <a:off x="-1" y="2826737"/>
+            <a:ext cx="4565779" cy="4031263"/>
+          </a:xfrm>
+          <a:prstGeom prst="rect">
+            <a:avLst/>
+          </a:prstGeom>
+        </p:spPr>
+      </p:pic>
+      <p:sp>
+        <p:nvSpPr>
+          <p:cNvPr id="3" name="Content Placeholder 2">
+            <a:extLst>
+              <a:ext uri="{FF2B5EF4-FFF2-40B4-BE49-F238E27FC236}">
+                <a16:creationId xmlns:a16="http://schemas.microsoft.com/office/drawing/2014/main" id="{4EABE564-2767-4C08-ACBC-29E48980C375}"/>
+              </a:ext>
+            </a:extLst>
+          </p:cNvPr>
+          <p:cNvSpPr>
+            <a:spLocks noGrp="1"/>
+          </p:cNvSpPr>
+          <p:nvPr>
+            <p:ph idx="1"/>
+          </p:nvPr>
+        </p:nvSpPr>
+        <p:spPr>
+          <a:xfrm>
+            <a:off x="5449633" y="3455208"/>
+            <a:ext cx="5742432" cy="2344708"/>
+          </a:xfrm>
+        </p:spPr>
+        <p:txBody>
+          <a:bodyPr anchor="ctr">
+            <a:normAutofit/>
+          </a:bodyPr>
+          <a:lstStyle/>
+          <a:p>
+            <a:r>
+              <a:rPr lang="en-US" sz="2000" dirty="0"/>
+              <a:t>This Presentation will fucus more on the article method and less about deblurring in general.</a:t>
+            </a:r>
+          </a:p>
+          <a:p>
+            <a:r>
+              <a:rPr lang="en-US" sz="2000" dirty="0"/>
+              <a:t>The basics principles of NN from the course won't be covered.</a:t>
+            </a:r>
+          </a:p>
+          <a:p>
+            <a:r>
+              <a:rPr lang="en-US" sz="2000" dirty="0"/>
+              <a:t>Brief summary of the article</a:t>
+            </a:r>
+          </a:p>
+          <a:p>
+            <a:endParaRPr lang="en-US" sz="2000" dirty="0"/>
+          </a:p>
+        </p:txBody>
+      </p:sp>
+      <p:sp>
+        <p:nvSpPr>
+          <p:cNvPr id="16" name="Rectangle 15">
+            <a:extLst>
+              <a:ext uri="{FF2B5EF4-FFF2-40B4-BE49-F238E27FC236}">
+                <a16:creationId xmlns:a16="http://schemas.microsoft.com/office/drawing/2014/main" id="{4F96EE13-2C4D-4262-812E-DDE5FC35F0AD}"/>
+              </a:ext>
+              <a:ext uri="{C183D7F6-B498-43B3-948B-1728B52AA6E4}">
+                <adec:decorative xmlns:adec="http://schemas.microsoft.com/office/drawing/2017/decorative" xmlns="" val="1"/>
+              </a:ext>
+            </a:extLst>
+          </p:cNvPr>
+          <p:cNvSpPr>
+            <a:spLocks noGrp="1" noRot="1" noChangeAspect="1" noMove="1" noResize="1" noEditPoints="1" noAdjustHandles="1" noChangeArrowheads="1" noChangeShapeType="1" noTextEdit="1"/>
+          </p:cNvSpPr>
+          <p:nvPr>
+            <p:extLst>
+              <p:ext uri="{386F3935-93C4-4BCD-93E2-E3B085C9AB24}">
+                <p16:designElem xmlns:p16="http://schemas.microsoft.com/office/powerpoint/2015/main" val="1"/>
+              </p:ext>
+            </p:extLst>
+          </p:nvPr>
+        </p:nvSpPr>
+        <p:spPr>
+          <a:xfrm rot="5400000">
+            <a:off x="1158239" y="3396995"/>
+            <a:ext cx="6858002" cy="64008"/>
+          </a:xfrm>
+          <a:prstGeom prst="rect">
+            <a:avLst/>
+          </a:prstGeom>
+          <a:solidFill>
+            <a:schemeClr val="tx2">
+              <a:lumMod val="50000"/>
+            </a:schemeClr>
+          </a:solidFill>
+          <a:ln>
+            <a:noFill/>
+          </a:ln>
+        </p:spPr>
+        <p:style>
+          <a:lnRef idx="2">
+            <a:schemeClr val="accent1">
+              <a:shade val="50000"/>
+            </a:schemeClr>
+          </a:lnRef>
+          <a:fillRef idx="1">
+            <a:schemeClr val="accent1"/>
+          </a:fillRef>
+          <a:effectRef idx="0">
+            <a:schemeClr val="accent1"/>
+          </a:effectRef>
+          <a:fontRef idx="minor">
+            <a:schemeClr val="lt1"/>
+          </a:fontRef>
+        </p:style>
+        <p:txBody>
+          <a:bodyPr rtlCol="0" anchor="ctr"/>
+          <a:lstStyle/>
+          <a:p>
+            <a:pPr algn="ctr"/>
+            <a:endParaRPr lang="en-US" dirty="0">
+              <a:solidFill>
+                <a:schemeClr val="tx2"/>
+              </a:solidFill>
+            </a:endParaRPr>
+          </a:p>
+        </p:txBody>
+      </p:sp>
+    </p:spTree>
+    <p:extLst>
+      <p:ext uri="{BB962C8B-B14F-4D97-AF65-F5344CB8AC3E}">
+        <p14:creationId xmlns:p14="http://schemas.microsoft.com/office/powerpoint/2010/main" val="1882881166"/>
+      </p:ext>
+    </p:extLst>
+  </p:cSld>
+  <p:clrMapOvr>
+    <a:masterClrMapping/>
+  </p:clrMapOvr>
+</p:sld>
+</file>
+
+<file path=ppt/slides/slide20.xml><?xml version="1.0" encoding="utf-8"?>
+<p:sld xmlns:a="http://schemas.openxmlformats.org/drawingml/2006/main" xmlns:r="http://schemas.openxmlformats.org/officeDocument/2006/relationships" xmlns:p="http://schemas.openxmlformats.org/presentationml/2006/main">
+  <p:cSld>
+    <p:spTree>
+      <p:nvGrpSpPr>
+        <p:cNvPr id="1" name=""/>
+        <p:cNvGrpSpPr/>
+        <p:nvPr/>
+      </p:nvGrpSpPr>
+      <p:grpSpPr>
+        <a:xfrm>
+          <a:off x="0" y="0"/>
+          <a:ext cx="0" cy="0"/>
+          <a:chOff x="0" y="0"/>
+          <a:chExt cx="0" cy="0"/>
+        </a:xfrm>
+      </p:grpSpPr>
+      <p:sp>
+        <p:nvSpPr>
+          <p:cNvPr id="2" name="Title 1">
+            <a:extLst>
+              <a:ext uri="{FF2B5EF4-FFF2-40B4-BE49-F238E27FC236}">
+                <a16:creationId xmlns:a16="http://schemas.microsoft.com/office/drawing/2014/main" id="{E8671EC5-9286-4EFE-AA0D-361C647F95DD}"/>
+              </a:ext>
+            </a:extLst>
+          </p:cNvPr>
+          <p:cNvSpPr>
+            <a:spLocks noGrp="1"/>
+          </p:cNvSpPr>
+          <p:nvPr>
+            <p:ph type="title"/>
+          </p:nvPr>
+        </p:nvSpPr>
+        <p:spPr/>
+        <p:txBody>
+          <a:bodyPr/>
+          <a:lstStyle/>
+          <a:p>
+            <a:r>
+              <a:rPr lang="en-US" dirty="0"/>
+              <a:t>Data used</a:t>
+            </a:r>
+          </a:p>
+        </p:txBody>
+      </p:sp>
+      <p:sp>
+        <p:nvSpPr>
+          <p:cNvPr id="3" name="Content Placeholder 2">
+            <a:extLst>
+              <a:ext uri="{FF2B5EF4-FFF2-40B4-BE49-F238E27FC236}">
+                <a16:creationId xmlns:a16="http://schemas.microsoft.com/office/drawing/2014/main" id="{88845DA5-C95C-4E53-ACB9-D8F007097E74}"/>
+              </a:ext>
+            </a:extLst>
+          </p:cNvPr>
+          <p:cNvSpPr>
+            <a:spLocks noGrp="1"/>
+          </p:cNvSpPr>
+          <p:nvPr>
+            <p:ph idx="1"/>
+          </p:nvPr>
+        </p:nvSpPr>
+        <p:spPr/>
+        <p:txBody>
+          <a:bodyPr>
+            <a:normAutofit lnSpcReduction="10000"/>
+          </a:bodyPr>
+          <a:lstStyle/>
+          <a:p>
+            <a:r>
+              <a:rPr lang="en-US" dirty="0"/>
+              <a:t>Early learning-based methods used blurred images from convolution of images with blur kernel.</a:t>
+            </a:r>
+          </a:p>
+          <a:p>
+            <a:r>
+              <a:rPr lang="en-US" dirty="0"/>
+              <a:t>The problem is that the real-world data is different, more complex.</a:t>
+            </a:r>
+          </a:p>
+          <a:p>
+            <a:r>
+              <a:rPr lang="en-US" dirty="0"/>
+              <a:t>The dataset used in this work is made from </a:t>
+            </a:r>
+            <a:r>
+              <a:rPr lang="en-US" dirty="0" smtClean="0"/>
+              <a:t>averaging </a:t>
+            </a:r>
+            <a:r>
+              <a:rPr lang="en-US" dirty="0"/>
+              <a:t>consecutive short-exposure frames from videos of high-speed camera.</a:t>
+            </a:r>
+          </a:p>
+          <a:p>
+            <a:r>
+              <a:rPr lang="en-US" dirty="0"/>
+              <a:t>The camera used is GoPro Hero 4, averaging frames is similar to long-exposure. This can simulate complex camera movement and object motion. Which is more common in real world data.</a:t>
+            </a:r>
+          </a:p>
+          <a:p>
+            <a:r>
+              <a:rPr lang="en-US" dirty="0"/>
+              <a:t>The resulting dataset contains 3214 blurry/clear image pairs. 2103 are used for training and the remaining 1111 are used for evaluation.</a:t>
+            </a:r>
+          </a:p>
+        </p:txBody>
+      </p:sp>
+    </p:spTree>
+    <p:extLst>
+      <p:ext uri="{BB962C8B-B14F-4D97-AF65-F5344CB8AC3E}">
+        <p14:creationId xmlns:p14="http://schemas.microsoft.com/office/powerpoint/2010/main" val="3418049258"/>
+      </p:ext>
+    </p:extLst>
+  </p:cSld>
+  <p:clrMapOvr>
+    <a:masterClrMapping/>
+  </p:clrMapOvr>
+</p:sld>
+</file>
+
 <file path=ppt/slides/slide21.xml><?xml version="1.0" encoding="utf-8"?>
 <p:sld xmlns:a="http://schemas.openxmlformats.org/drawingml/2006/main" xmlns:r="http://schemas.openxmlformats.org/officeDocument/2006/relationships" xmlns:p="http://schemas.openxmlformats.org/presentationml/2006/main">
   <p:cSld>
@@ -9007,7 +9550,7 @@
           <p:cNvPr id="2" name="Title 1">
             <a:extLst>
               <a:ext uri="{FF2B5EF4-FFF2-40B4-BE49-F238E27FC236}">
-                <a16:creationId xmlns:a16="http://schemas.microsoft.com/office/drawing/2014/main" id="{E8671EC5-9286-4EFE-AA0D-361C647F95DD}"/>
+                <a16:creationId xmlns:a16="http://schemas.microsoft.com/office/drawing/2014/main" id="{17EC52FA-9538-4201-85D5-7C10086A08D7}"/>
               </a:ext>
             </a:extLst>
           </p:cNvPr>
@@ -9025,7 +9568,7 @@
           <a:p>
             <a:r>
               <a:rPr lang="en-US" dirty="0"/>
-              <a:t>Data used</a:t>
+              <a:t>Model training</a:t>
             </a:r>
           </a:p>
         </p:txBody>
@@ -9035,7 +9578,7 @@
           <p:cNvPr id="3" name="Content Placeholder 2">
             <a:extLst>
               <a:ext uri="{FF2B5EF4-FFF2-40B4-BE49-F238E27FC236}">
-                <a16:creationId xmlns:a16="http://schemas.microsoft.com/office/drawing/2014/main" id="{88845DA5-C95C-4E53-ACB9-D8F007097E74}"/>
+                <a16:creationId xmlns:a16="http://schemas.microsoft.com/office/drawing/2014/main" id="{F1C12BC7-BA75-4F41-B4FF-D3695ABF70BA}"/>
               </a:ext>
             </a:extLst>
           </p:cNvPr>
@@ -9048,46 +9591,46 @@
         </p:nvSpPr>
         <p:spPr/>
         <p:txBody>
-          <a:bodyPr>
-            <a:normAutofit lnSpcReduction="10000"/>
-          </a:bodyPr>
+          <a:bodyPr/>
           <a:lstStyle/>
           <a:p>
             <a:r>
               <a:rPr lang="en-US" dirty="0"/>
-              <a:t>Early learning-based methods used blurred images from convolution of images with blur kernel.</a:t>
-            </a:r>
-          </a:p>
-          <a:p>
+              <a:t>As said before, the solver is Adam with beta1=0.9, beta2=0.999, epsilon=10</a:t>
+            </a:r>
+            <a:r>
+              <a:rPr lang="en-US" baseline="30000" dirty="0"/>
+              <a:t>-8</a:t>
+            </a:r>
             <a:r>
               <a:rPr lang="en-US" dirty="0"/>
-              <a:t>The problem is that the real-world data is different, more complex.</a:t>
+              <a:t>.</a:t>
             </a:r>
           </a:p>
           <a:p>
             <a:r>
               <a:rPr lang="en-US" dirty="0"/>
-              <a:t>The dataset used in this work is made from </a:t>
-            </a:r>
-            <a:r>
-              <a:rPr lang="en-US" dirty="0" err="1"/>
-              <a:t>avrageing</a:t>
+              <a:t>Learning rate is exponentially decaying from 0.0001 to 1e</a:t>
+            </a:r>
+            <a:r>
+              <a:rPr lang="en-US" baseline="30000" dirty="0"/>
+              <a:t>-6</a:t>
             </a:r>
             <a:r>
               <a:rPr lang="en-US" dirty="0"/>
-              <a:t> consecutive short-exposure frames from videos of high-speed camera.</a:t>
+              <a:t> at 2000 epochs using 0.3 power.</a:t>
             </a:r>
           </a:p>
           <a:p>
             <a:r>
               <a:rPr lang="en-US" dirty="0"/>
-              <a:t>The camera used is GoPro Hero 4, averaging frames is similar to long-exposure. This can simulate complex camera movement and object motion. Which is more common in real world data.</a:t>
+              <a:t>The batch size in each iteration is 16 blurry images that are randomly cropped to 256x256 pixels as training input, the same goes for the ground truth.</a:t>
             </a:r>
           </a:p>
           <a:p>
             <a:r>
               <a:rPr lang="en-US" dirty="0"/>
-              <a:t>The resulting dataset contains 3214 blurry/clear image pairs. 2103 are used for training and the remaining 1111 are used for evaluation.</a:t>
+              <a:t>All trainable parameters are initialized with Xavier method.</a:t>
             </a:r>
           </a:p>
         </p:txBody>
@@ -9095,7 +9638,7 @@
     </p:spTree>
     <p:extLst>
       <p:ext uri="{BB962C8B-B14F-4D97-AF65-F5344CB8AC3E}">
-        <p14:creationId xmlns:p14="http://schemas.microsoft.com/office/powerpoint/2010/main" val="3418049258"/>
+        <p14:creationId xmlns:p14="http://schemas.microsoft.com/office/powerpoint/2010/main" val="3987906564"/>
       </p:ext>
     </p:extLst>
   </p:cSld>
@@ -9127,7 +9670,7 @@
           <p:cNvPr id="2" name="Title 1">
             <a:extLst>
               <a:ext uri="{FF2B5EF4-FFF2-40B4-BE49-F238E27FC236}">
-                <a16:creationId xmlns:a16="http://schemas.microsoft.com/office/drawing/2014/main" id="{17EC52FA-9538-4201-85D5-7C10086A08D7}"/>
+                <a16:creationId xmlns:a16="http://schemas.microsoft.com/office/drawing/2014/main" id="{739F7428-6C84-4949-B48D-6CFC1C401773}"/>
               </a:ext>
             </a:extLst>
           </p:cNvPr>
@@ -9145,7 +9688,7 @@
           <a:p>
             <a:r>
               <a:rPr lang="en-US" dirty="0"/>
-              <a:t>Model training</a:t>
+              <a:t>Experiments</a:t>
             </a:r>
           </a:p>
         </p:txBody>
@@ -9155,7 +9698,7 @@
           <p:cNvPr id="3" name="Content Placeholder 2">
             <a:extLst>
               <a:ext uri="{FF2B5EF4-FFF2-40B4-BE49-F238E27FC236}">
-                <a16:creationId xmlns:a16="http://schemas.microsoft.com/office/drawing/2014/main" id="{F1C12BC7-BA75-4F41-B4FF-D3695ABF70BA}"/>
+                <a16:creationId xmlns:a16="http://schemas.microsoft.com/office/drawing/2014/main" id="{3F3E9D91-ACA8-4E7C-89D9-D2098CF40280}"/>
               </a:ext>
             </a:extLst>
           </p:cNvPr>
@@ -9168,46 +9711,62 @@
         </p:nvSpPr>
         <p:spPr/>
         <p:txBody>
-          <a:bodyPr/>
+          <a:bodyPr>
+            <a:normAutofit fontScale="77500" lnSpcReduction="20000"/>
+          </a:bodyPr>
           <a:lstStyle/>
           <a:p>
             <a:r>
               <a:rPr lang="en-US" dirty="0"/>
-              <a:t>As said before, the solver is Adam with beta1=0.9, beta2=0.999, epsilon=10</a:t>
-            </a:r>
-            <a:r>
-              <a:rPr lang="en-US" baseline="30000" dirty="0"/>
-              <a:t>-8</a:t>
-            </a:r>
+              <a:t>The searchers compared the final NN architecture to others by means of PSNR and SSIM.</a:t>
+            </a:r>
+          </a:p>
+          <a:p>
             <a:r>
               <a:rPr lang="en-US" dirty="0"/>
-              <a:t>.</a:t>
+              <a:t>A single scale (SS) NN is tested, the recurrent connection are replaced by one convolution layer.</a:t>
             </a:r>
           </a:p>
           <a:p>
             <a:r>
               <a:rPr lang="en-US" dirty="0"/>
-              <a:t>Learning rate is exponentially decaying from 0.0001 to 1e</a:t>
-            </a:r>
-            <a:r>
-              <a:rPr lang="en-US" baseline="30000" dirty="0"/>
-              <a:t>-6</a:t>
-            </a:r>
+              <a:t>SC network composed of the same SS-NN at three scales but independently.</a:t>
+            </a:r>
+          </a:p>
+          <a:p>
             <a:r>
               <a:rPr lang="en-US" dirty="0"/>
-              <a:t> at 2000 epochs using 0.3 power.</a:t>
+              <a:t>Model w/oR that do not contain recurrent modules in bottleneck layer, therefor is a shared weight version of SC.</a:t>
             </a:r>
           </a:p>
           <a:p>
             <a:r>
               <a:rPr lang="en-US" dirty="0"/>
-              <a:t>The batch size in each iteration is 16 blurry images that are randomly cropped to 256x256 pixels as training input, the same goes for the ground truth.</a:t>
+              <a:t>Model RNN uses vanilla RNN rather then ConvLSTM.</a:t>
             </a:r>
           </a:p>
           <a:p>
             <a:r>
               <a:rPr lang="en-US" dirty="0"/>
-              <a:t>All trainable parameters are initialized with Xavier method.</a:t>
+              <a:t>Models named SR-EDRB are models that use 1,2 and 3 ResBlock.</a:t>
+            </a:r>
+          </a:p>
+          <a:p>
+            <a:r>
+              <a:rPr lang="en-US" dirty="0"/>
+              <a:t>Model SR-Flat replace encoder-decoder with a flat convolution of 43 layers. </a:t>
+            </a:r>
+          </a:p>
+          <a:p>
+            <a:r>
+              <a:rPr lang="en-US" dirty="0"/>
+              <a:t>Model SR-RB replaces all Encoder blocks and Decoder blocks with ResBlocks without any stride.</a:t>
+            </a:r>
+          </a:p>
+          <a:p>
+            <a:r>
+              <a:rPr lang="en-US" dirty="0"/>
+              <a:t>Model SR-RD uses original encoder-decoder with ResBlocks replaced by 2 convolution layers.</a:t>
             </a:r>
           </a:p>
         </p:txBody>
@@ -9215,7 +9774,7 @@
     </p:spTree>
     <p:extLst>
       <p:ext uri="{BB962C8B-B14F-4D97-AF65-F5344CB8AC3E}">
-        <p14:creationId xmlns:p14="http://schemas.microsoft.com/office/powerpoint/2010/main" val="3987906564"/>
+        <p14:creationId xmlns:p14="http://schemas.microsoft.com/office/powerpoint/2010/main" val="465918031"/>
       </p:ext>
     </p:extLst>
   </p:cSld>
@@ -9244,142 +9803,6 @@
       </p:grpSpPr>
       <p:sp>
         <p:nvSpPr>
-          <p:cNvPr id="2" name="Title 1">
-            <a:extLst>
-              <a:ext uri="{FF2B5EF4-FFF2-40B4-BE49-F238E27FC236}">
-                <a16:creationId xmlns:a16="http://schemas.microsoft.com/office/drawing/2014/main" id="{739F7428-6C84-4949-B48D-6CFC1C401773}"/>
-              </a:ext>
-            </a:extLst>
-          </p:cNvPr>
-          <p:cNvSpPr>
-            <a:spLocks noGrp="1"/>
-          </p:cNvSpPr>
-          <p:nvPr>
-            <p:ph type="title"/>
-          </p:nvPr>
-        </p:nvSpPr>
-        <p:spPr/>
-        <p:txBody>
-          <a:bodyPr/>
-          <a:lstStyle/>
-          <a:p>
-            <a:r>
-              <a:rPr lang="en-US" dirty="0"/>
-              <a:t>Experiments</a:t>
-            </a:r>
-          </a:p>
-        </p:txBody>
-      </p:sp>
-      <p:sp>
-        <p:nvSpPr>
-          <p:cNvPr id="3" name="Content Placeholder 2">
-            <a:extLst>
-              <a:ext uri="{FF2B5EF4-FFF2-40B4-BE49-F238E27FC236}">
-                <a16:creationId xmlns:a16="http://schemas.microsoft.com/office/drawing/2014/main" id="{3F3E9D91-ACA8-4E7C-89D9-D2098CF40280}"/>
-              </a:ext>
-            </a:extLst>
-          </p:cNvPr>
-          <p:cNvSpPr>
-            <a:spLocks noGrp="1"/>
-          </p:cNvSpPr>
-          <p:nvPr>
-            <p:ph idx="1"/>
-          </p:nvPr>
-        </p:nvSpPr>
-        <p:spPr/>
-        <p:txBody>
-          <a:bodyPr>
-            <a:normAutofit fontScale="77500" lnSpcReduction="20000"/>
-          </a:bodyPr>
-          <a:lstStyle/>
-          <a:p>
-            <a:r>
-              <a:rPr lang="en-US" dirty="0"/>
-              <a:t>The searchers compared the final NN architecture to others by means of PSNR and SSIM.</a:t>
-            </a:r>
-          </a:p>
-          <a:p>
-            <a:r>
-              <a:rPr lang="en-US" dirty="0"/>
-              <a:t>A single scale (SS) NN is tested, the recurrent connection are replaced by one convolution layer.</a:t>
-            </a:r>
-          </a:p>
-          <a:p>
-            <a:r>
-              <a:rPr lang="en-US" dirty="0"/>
-              <a:t>SC network composed of the same SS-NN at three scales but independently.</a:t>
-            </a:r>
-          </a:p>
-          <a:p>
-            <a:r>
-              <a:rPr lang="en-US" dirty="0"/>
-              <a:t>Model w/oR that do not contain recurrent modules in bottleneck layer, therefor is a shared weight version of SC.</a:t>
-            </a:r>
-          </a:p>
-          <a:p>
-            <a:r>
-              <a:rPr lang="en-US" dirty="0"/>
-              <a:t>Model RNN uses vanilla RNN rather then ConvLSTM.</a:t>
-            </a:r>
-          </a:p>
-          <a:p>
-            <a:r>
-              <a:rPr lang="en-US" dirty="0"/>
-              <a:t>Models named SR-EDRB are models that use 1,2 and 3 ResBlock.</a:t>
-            </a:r>
-          </a:p>
-          <a:p>
-            <a:r>
-              <a:rPr lang="en-US" dirty="0"/>
-              <a:t>Model SR-Flat replace encoder-decoder with a flat convolution of 43 layers. </a:t>
-            </a:r>
-          </a:p>
-          <a:p>
-            <a:r>
-              <a:rPr lang="en-US" dirty="0"/>
-              <a:t>Model SR-RB replaces all Encoder blocks and Decoder blocks with ResBlocks without any stride.</a:t>
-            </a:r>
-          </a:p>
-          <a:p>
-            <a:r>
-              <a:rPr lang="en-US" dirty="0"/>
-              <a:t>Model SR-RD uses original encoder-decoder with ResBlocks replaced by 2 convolution layers.</a:t>
-            </a:r>
-          </a:p>
-        </p:txBody>
-      </p:sp>
-    </p:spTree>
-    <p:extLst>
-      <p:ext uri="{BB962C8B-B14F-4D97-AF65-F5344CB8AC3E}">
-        <p14:creationId xmlns:p14="http://schemas.microsoft.com/office/powerpoint/2010/main" val="465918031"/>
-      </p:ext>
-    </p:extLst>
-  </p:cSld>
-  <p:clrMapOvr>
-    <a:masterClrMapping/>
-  </p:clrMapOvr>
-</p:sld>
-</file>
-
-<file path=ppt/slides/slide24.xml><?xml version="1.0" encoding="utf-8"?>
-<p:sld xmlns:a="http://schemas.openxmlformats.org/drawingml/2006/main" xmlns:r="http://schemas.openxmlformats.org/officeDocument/2006/relationships" xmlns:p="http://schemas.openxmlformats.org/presentationml/2006/main">
-  <p:cSld>
-    <p:spTree>
-      <p:nvGrpSpPr>
-        <p:cNvPr id="1" name=""/>
-        <p:cNvGrpSpPr/>
-        <p:nvPr/>
-      </p:nvGrpSpPr>
-      <p:grpSpPr>
-        <a:xfrm>
-          <a:off x="0" y="0"/>
-          <a:ext cx="0" cy="0"/>
-          <a:chOff x="0" y="0"/>
-          <a:chExt cx="0" cy="0"/>
-        </a:xfrm>
-      </p:grpSpPr>
-      <p:sp>
-        <p:nvSpPr>
           <p:cNvPr id="2" name="Title 1"/>
           <p:cNvSpPr>
             <a:spLocks noGrp="1"/>
@@ -9447,7 +9870,7 @@
 </p:sld>
 </file>
 
-<file path=ppt/slides/slide25.xml><?xml version="1.0" encoding="utf-8"?>
+<file path=ppt/slides/slide24.xml><?xml version="1.0" encoding="utf-8"?>
 <p:sld xmlns:a="http://schemas.openxmlformats.org/drawingml/2006/main" xmlns:r="http://schemas.openxmlformats.org/officeDocument/2006/relationships" xmlns:p="http://schemas.openxmlformats.org/presentationml/2006/main">
   <p:cSld>
     <p:spTree>
@@ -9578,7 +10001,7 @@
 </p:sld>
 </file>
 
-<file path=ppt/slides/slide26.xml><?xml version="1.0" encoding="utf-8"?>
+<file path=ppt/slides/slide25.xml><?xml version="1.0" encoding="utf-8"?>
 <p:sld xmlns:a="http://schemas.openxmlformats.org/drawingml/2006/main" xmlns:r="http://schemas.openxmlformats.org/officeDocument/2006/relationships" xmlns:p="http://schemas.openxmlformats.org/presentationml/2006/main">
   <p:cSld>
     <p:spTree>
@@ -9685,6 +10108,89 @@
 </p:sld>
 </file>
 
+<file path=ppt/slides/slide26.xml><?xml version="1.0" encoding="utf-8"?>
+<p:sld xmlns:a="http://schemas.openxmlformats.org/drawingml/2006/main" xmlns:r="http://schemas.openxmlformats.org/officeDocument/2006/relationships" xmlns:p="http://schemas.openxmlformats.org/presentationml/2006/main">
+  <p:cSld>
+    <p:spTree>
+      <p:nvGrpSpPr>
+        <p:cNvPr id="1" name=""/>
+        <p:cNvGrpSpPr/>
+        <p:nvPr/>
+      </p:nvGrpSpPr>
+      <p:grpSpPr>
+        <a:xfrm>
+          <a:off x="0" y="0"/>
+          <a:ext cx="0" cy="0"/>
+          <a:chOff x="0" y="0"/>
+          <a:chExt cx="0" cy="0"/>
+        </a:xfrm>
+      </p:grpSpPr>
+      <p:sp>
+        <p:nvSpPr>
+          <p:cNvPr id="2" name="Title 1">
+            <a:extLst>
+              <a:ext uri="{FF2B5EF4-FFF2-40B4-BE49-F238E27FC236}">
+                <a16:creationId xmlns:a16="http://schemas.microsoft.com/office/drawing/2014/main" id="{13CCD5F5-A8DF-4404-85D8-EFD42BFF4B09}"/>
+              </a:ext>
+            </a:extLst>
+          </p:cNvPr>
+          <p:cNvSpPr>
+            <a:spLocks noGrp="1"/>
+          </p:cNvSpPr>
+          <p:nvPr>
+            <p:ph type="title"/>
+          </p:nvPr>
+        </p:nvSpPr>
+        <p:spPr/>
+        <p:txBody>
+          <a:bodyPr/>
+          <a:lstStyle/>
+          <a:p>
+            <a:r>
+              <a:rPr lang="en-US" dirty="0"/>
+              <a:t>Conclusion and recent progress</a:t>
+            </a:r>
+          </a:p>
+        </p:txBody>
+      </p:sp>
+      <p:sp>
+        <p:nvSpPr>
+          <p:cNvPr id="3" name="Content Placeholder 2">
+            <a:extLst>
+              <a:ext uri="{FF2B5EF4-FFF2-40B4-BE49-F238E27FC236}">
+                <a16:creationId xmlns:a16="http://schemas.microsoft.com/office/drawing/2014/main" id="{FA12D7D2-EBDB-4AD8-BB80-BEC7503D5865}"/>
+              </a:ext>
+            </a:extLst>
+          </p:cNvPr>
+          <p:cNvSpPr>
+            <a:spLocks noGrp="1"/>
+          </p:cNvSpPr>
+          <p:nvPr>
+            <p:ph idx="1"/>
+          </p:nvPr>
+        </p:nvSpPr>
+        <p:spPr/>
+        <p:txBody>
+          <a:bodyPr/>
+          <a:lstStyle/>
+          <a:p>
+            <a:endParaRPr lang="en-US"/>
+          </a:p>
+        </p:txBody>
+      </p:sp>
+    </p:spTree>
+    <p:extLst>
+      <p:ext uri="{BB962C8B-B14F-4D97-AF65-F5344CB8AC3E}">
+        <p14:creationId xmlns:p14="http://schemas.microsoft.com/office/powerpoint/2010/main" val="1055901421"/>
+      </p:ext>
+    </p:extLst>
+  </p:cSld>
+  <p:clrMapOvr>
+    <a:masterClrMapping/>
+  </p:clrMapOvr>
+</p:sld>
+</file>
+
 <file path=ppt/slides/slide27.xml><?xml version="1.0" encoding="utf-8"?>
 <p:sld xmlns:a="http://schemas.openxmlformats.org/drawingml/2006/main" xmlns:r="http://schemas.openxmlformats.org/officeDocument/2006/relationships" xmlns:p="http://schemas.openxmlformats.org/presentationml/2006/main">
   <p:cSld>
@@ -9707,7 +10213,7 @@
           <p:cNvPr id="2" name="Title 1">
             <a:extLst>
               <a:ext uri="{FF2B5EF4-FFF2-40B4-BE49-F238E27FC236}">
-                <a16:creationId xmlns:a16="http://schemas.microsoft.com/office/drawing/2014/main" id="{13CCD5F5-A8DF-4404-85D8-EFD42BFF4B09}"/>
+                <a16:creationId xmlns:a16="http://schemas.microsoft.com/office/drawing/2014/main" id="{E42AF322-A107-4FFA-86F6-C14A52CA7F16}"/>
               </a:ext>
             </a:extLst>
           </p:cNvPr>
@@ -9725,7 +10231,7 @@
           <a:p>
             <a:r>
               <a:rPr lang="en-US" dirty="0"/>
-              <a:t>Conclusion and recent progress</a:t>
+              <a:t>Deconstructing the network</a:t>
             </a:r>
           </a:p>
         </p:txBody>
@@ -9735,7 +10241,7 @@
           <p:cNvPr id="3" name="Content Placeholder 2">
             <a:extLst>
               <a:ext uri="{FF2B5EF4-FFF2-40B4-BE49-F238E27FC236}">
-                <a16:creationId xmlns:a16="http://schemas.microsoft.com/office/drawing/2014/main" id="{FA12D7D2-EBDB-4AD8-BB80-BEC7503D5865}"/>
+                <a16:creationId xmlns:a16="http://schemas.microsoft.com/office/drawing/2014/main" id="{AD704D55-38BF-4D2A-A05D-5F2F1935160A}"/>
               </a:ext>
             </a:extLst>
           </p:cNvPr>
@@ -9748,17 +10254,90 @@
         </p:nvSpPr>
         <p:spPr/>
         <p:txBody>
-          <a:bodyPr/>
-          <a:lstStyle/>
-          <a:p>
-            <a:endParaRPr lang="en-US"/>
+          <a:bodyPr>
+            <a:normAutofit lnSpcReduction="10000"/>
+          </a:bodyPr>
+          <a:lstStyle/>
+          <a:p>
+            <a:r>
+              <a:rPr lang="en-US" dirty="0"/>
+              <a:t>NN input – output</a:t>
+            </a:r>
+          </a:p>
+          <a:p>
+            <a:r>
+              <a:rPr lang="en-US" dirty="0"/>
+              <a:t>Activation function and solver</a:t>
+            </a:r>
+          </a:p>
+          <a:p>
+            <a:r>
+              <a:rPr lang="en-US" dirty="0"/>
+              <a:t>Basics of CNN, RNN, LSTM and ConvLSTM</a:t>
+            </a:r>
+          </a:p>
+          <a:p>
+            <a:r>
+              <a:rPr lang="en-US" dirty="0"/>
+              <a:t>No pooling/averaging/</a:t>
+            </a:r>
+            <a:r>
+              <a:rPr lang="en-US" dirty="0" err="1"/>
+              <a:t>normaliztion</a:t>
+            </a:r>
+            <a:r>
+              <a:rPr lang="en-US" dirty="0"/>
+              <a:t> layers?</a:t>
+            </a:r>
+          </a:p>
+          <a:p>
+            <a:r>
+              <a:rPr lang="en-US" dirty="0"/>
+              <a:t>Up-sampling</a:t>
+            </a:r>
+          </a:p>
+          <a:p>
+            <a:r>
+              <a:rPr lang="en-US" dirty="0"/>
+              <a:t>Scale connection</a:t>
+            </a:r>
+          </a:p>
+          <a:p>
+            <a:r>
+              <a:rPr lang="en-US" dirty="0"/>
+              <a:t>“</a:t>
+            </a:r>
+            <a:r>
+              <a:rPr lang="en-US" dirty="0" err="1"/>
+              <a:t>Deconvoltion</a:t>
+            </a:r>
+            <a:r>
+              <a:rPr lang="en-US" dirty="0"/>
+              <a:t>” layer</a:t>
+            </a:r>
+          </a:p>
+          <a:p>
+            <a:r>
+              <a:rPr lang="en-US" dirty="0" err="1"/>
+              <a:t>ResBLock</a:t>
+            </a:r>
+            <a:endParaRPr lang="en-US" dirty="0"/>
+          </a:p>
+          <a:p>
+            <a:r>
+              <a:rPr lang="en-US" dirty="0"/>
+              <a:t>Data used</a:t>
+            </a:r>
+          </a:p>
+          <a:p>
+            <a:endParaRPr lang="en-US" dirty="0"/>
           </a:p>
         </p:txBody>
       </p:sp>
     </p:spTree>
     <p:extLst>
       <p:ext uri="{BB962C8B-B14F-4D97-AF65-F5344CB8AC3E}">
-        <p14:creationId xmlns:p14="http://schemas.microsoft.com/office/powerpoint/2010/main" val="1055901421"/>
+        <p14:creationId xmlns:p14="http://schemas.microsoft.com/office/powerpoint/2010/main" val="2528602466"/>
       </p:ext>
     </p:extLst>
   </p:cSld>
@@ -11219,8 +11798,13 @@
             </a:pPr>
             <a:r>
               <a:rPr lang="en-US" sz="2200" dirty="0"/>
-              <a:t>NN to inversely filter blurry images (learned inverse filter to deblur text).</a:t>
-            </a:r>
+              <a:t>NN to inversely filter blurry images (learned inverse filter to </a:t>
+            </a:r>
+            <a:r>
+              <a:rPr lang="en-US" sz="2200" dirty="0" smtClean="0"/>
+              <a:t>deblurr text for license plats).</a:t>
+            </a:r>
+            <a:endParaRPr lang="en-US" sz="2200" dirty="0"/>
           </a:p>
           <a:p>
             <a:pPr>
@@ -11230,7 +11814,23 @@
             </a:pPr>
             <a:r>
               <a:rPr lang="en-US" sz="2200" dirty="0"/>
-              <a:t>learning-based approaches for blind deconvolution try to learn the deconvolution solution for a single image.</a:t>
+              <a:t>learning-based approaches for blind </a:t>
+            </a:r>
+            <a:r>
+              <a:rPr lang="en-US" sz="2200" dirty="0" smtClean="0"/>
+              <a:t>deconvolution were used </a:t>
+            </a:r>
+            <a:r>
+              <a:rPr lang="en-US" sz="2200" dirty="0"/>
+              <a:t>to </a:t>
+            </a:r>
+            <a:r>
+              <a:rPr lang="en-US" sz="2200" dirty="0" smtClean="0"/>
+              <a:t>deconvolution </a:t>
+            </a:r>
+            <a:r>
+              <a:rPr lang="en-US" sz="2200" dirty="0"/>
+              <a:t>solution for a single image.</a:t>
             </a:r>
           </a:p>
           <a:p>
@@ -11323,8 +11923,12 @@
           <a:lstStyle/>
           <a:p>
             <a:r>
+              <a:rPr lang="en-US" dirty="0" smtClean="0"/>
+              <a:t>A Coarse-to-Fine </a:t>
+            </a:r>
+            <a:r>
               <a:rPr lang="en-US" dirty="0"/>
-              <a:t>Coarse-to-Fine pipeline.</a:t>
+              <a:t>pipeline.</a:t>
             </a:r>
           </a:p>
           <a:p>
@@ -11395,7 +11999,7 @@
           <p:cNvPr id="2" name="Title 1">
             <a:extLst>
               <a:ext uri="{FF2B5EF4-FFF2-40B4-BE49-F238E27FC236}">
-                <a16:creationId xmlns:a16="http://schemas.microsoft.com/office/drawing/2014/main" id="{E42AF322-A107-4FFA-86F6-C14A52CA7F16}"/>
+                <a16:creationId xmlns:a16="http://schemas.microsoft.com/office/drawing/2014/main" id="{81F3CBFE-04ED-4273-BAF9-91FEC66C48E1}"/>
               </a:ext>
             </a:extLst>
           </p:cNvPr>
@@ -11406,120 +12010,67 @@
             <p:ph type="title"/>
           </p:nvPr>
         </p:nvSpPr>
-        <p:spPr/>
-        <p:txBody>
-          <a:bodyPr/>
-          <a:lstStyle/>
-          <a:p>
-            <a:r>
-              <a:rPr lang="en-US" dirty="0"/>
-              <a:t>Deconstructing the network</a:t>
-            </a:r>
-          </a:p>
-        </p:txBody>
-      </p:sp>
-      <p:sp>
-        <p:nvSpPr>
-          <p:cNvPr id="3" name="Content Placeholder 2">
+        <p:spPr>
+          <a:xfrm>
+            <a:off x="838200" y="184805"/>
+            <a:ext cx="10515600" cy="1505883"/>
+          </a:xfrm>
+        </p:spPr>
+        <p:txBody>
+          <a:bodyPr vert="horz" lIns="91440" tIns="45720" rIns="91440" bIns="45720" rtlCol="0" anchor="ctr">
+            <a:normAutofit/>
+          </a:bodyPr>
+          <a:lstStyle/>
+          <a:p>
+            <a:r>
+              <a:rPr lang="en-US" sz="5200" dirty="0" smtClean="0"/>
+              <a:t>The Network Outline</a:t>
+            </a:r>
+            <a:endParaRPr lang="en-US" sz="5200" kern="1200" dirty="0">
+              <a:solidFill>
+                <a:schemeClr val="tx1"/>
+              </a:solidFill>
+              <a:latin typeface="+mj-lt"/>
+              <a:ea typeface="+mj-ea"/>
+              <a:cs typeface="+mj-cs"/>
+            </a:endParaRPr>
+          </a:p>
+        </p:txBody>
+      </p:sp>
+      <p:pic>
+        <p:nvPicPr>
+          <p:cNvPr id="5" name="Picture 4">
             <a:extLst>
               <a:ext uri="{FF2B5EF4-FFF2-40B4-BE49-F238E27FC236}">
-                <a16:creationId xmlns:a16="http://schemas.microsoft.com/office/drawing/2014/main" id="{AD704D55-38BF-4D2A-A05D-5F2F1935160A}"/>
+                <a16:creationId xmlns:a16="http://schemas.microsoft.com/office/drawing/2014/main" id="{379B7A83-05DE-458D-8BC4-C1B1BCF521B8}"/>
               </a:ext>
             </a:extLst>
           </p:cNvPr>
-          <p:cNvSpPr>
-            <a:spLocks noGrp="1"/>
-          </p:cNvSpPr>
-          <p:nvPr>
-            <p:ph idx="1"/>
-          </p:nvPr>
-        </p:nvSpPr>
-        <p:spPr/>
-        <p:txBody>
-          <a:bodyPr>
-            <a:normAutofit lnSpcReduction="10000"/>
-          </a:bodyPr>
-          <a:lstStyle/>
-          <a:p>
-            <a:r>
-              <a:rPr lang="en-US" dirty="0"/>
-              <a:t>NN input – output</a:t>
-            </a:r>
-          </a:p>
-          <a:p>
-            <a:r>
-              <a:rPr lang="en-US" dirty="0"/>
-              <a:t>Activation function and solver</a:t>
-            </a:r>
-          </a:p>
-          <a:p>
-            <a:r>
-              <a:rPr lang="en-US" dirty="0"/>
-              <a:t>Basics of CNN, RNN, LSTM and ConvLSTM</a:t>
-            </a:r>
-          </a:p>
-          <a:p>
-            <a:r>
-              <a:rPr lang="en-US" dirty="0"/>
-              <a:t>No pooling/averaging/</a:t>
-            </a:r>
-            <a:r>
-              <a:rPr lang="en-US" dirty="0" err="1"/>
-              <a:t>normaliztion</a:t>
-            </a:r>
-            <a:r>
-              <a:rPr lang="en-US" dirty="0"/>
-              <a:t> layers?</a:t>
-            </a:r>
-          </a:p>
-          <a:p>
-            <a:r>
-              <a:rPr lang="en-US" dirty="0"/>
-              <a:t>Up-sampling</a:t>
-            </a:r>
-          </a:p>
-          <a:p>
-            <a:r>
-              <a:rPr lang="en-US" dirty="0"/>
-              <a:t>Scale connection</a:t>
-            </a:r>
-          </a:p>
-          <a:p>
-            <a:r>
-              <a:rPr lang="en-US" dirty="0"/>
-              <a:t>“</a:t>
-            </a:r>
-            <a:r>
-              <a:rPr lang="en-US" dirty="0" err="1"/>
-              <a:t>Deconvoltion</a:t>
-            </a:r>
-            <a:r>
-              <a:rPr lang="en-US" dirty="0"/>
-              <a:t>” layer</a:t>
-            </a:r>
-          </a:p>
-          <a:p>
-            <a:r>
-              <a:rPr lang="en-US" dirty="0" err="1"/>
-              <a:t>ResBLock</a:t>
-            </a:r>
-            <a:endParaRPr lang="en-US" dirty="0"/>
-          </a:p>
-          <a:p>
-            <a:r>
-              <a:rPr lang="en-US" dirty="0"/>
-              <a:t>Data used</a:t>
-            </a:r>
-          </a:p>
-          <a:p>
-            <a:endParaRPr lang="en-US" dirty="0"/>
-          </a:p>
-        </p:txBody>
-      </p:sp>
+          <p:cNvPicPr>
+            <a:picLocks noChangeAspect="1"/>
+          </p:cNvPicPr>
+          <p:nvPr/>
+        </p:nvPicPr>
+        <p:blipFill>
+          <a:blip r:embed="rId3"/>
+          <a:stretch>
+            <a:fillRect/>
+          </a:stretch>
+        </p:blipFill>
+        <p:spPr>
+          <a:xfrm>
+            <a:off x="1915785" y="1845426"/>
+            <a:ext cx="8357377" cy="4450303"/>
+          </a:xfrm>
+          <a:prstGeom prst="rect">
+            <a:avLst/>
+          </a:prstGeom>
+        </p:spPr>
+      </p:pic>
     </p:spTree>
     <p:extLst>
       <p:ext uri="{BB962C8B-B14F-4D97-AF65-F5344CB8AC3E}">
-        <p14:creationId xmlns:p14="http://schemas.microsoft.com/office/powerpoint/2010/main" val="2138429393"/>
+        <p14:creationId xmlns:p14="http://schemas.microsoft.com/office/powerpoint/2010/main" val="3755823870"/>
       </p:ext>
     </p:extLst>
   </p:cSld>
@@ -11574,8 +12125,8 @@
           </a:p>
         </p:txBody>
       </p:sp>
-      <mc:AlternateContent xmlns:mc="http://schemas.openxmlformats.org/markup-compatibility/2006" xmlns:a14="http://schemas.microsoft.com/office/drawing/2010/main">
-        <mc:Choice Requires="a14">
+      <mc:AlternateContent xmlns:mc="http://schemas.openxmlformats.org/markup-compatibility/2006">
+        <mc:Choice xmlns:a14="http://schemas.microsoft.com/office/drawing/2010/main" Requires="a14">
           <p:sp>
             <p:nvSpPr>
               <p:cNvPr id="3" name="Content Placeholder 2">
@@ -11599,14 +12150,37 @@
               </a:xfrm>
             </p:spPr>
             <p:txBody>
-              <a:bodyPr/>
+              <a:bodyPr>
+                <a:normAutofit lnSpcReduction="10000"/>
+              </a:bodyPr>
               <a:lstStyle/>
               <a:p>
                 <a:pPr algn="just"/>
                 <a:r>
                   <a:rPr lang="en-US" dirty="0"/>
-                  <a:t>The input fed into the network as a sequence of blurry images</a:t>
+                  <a:t>The input </a:t>
                 </a:r>
+                <a:r>
+                  <a:rPr lang="en-US" dirty="0" smtClean="0"/>
+                  <a:t>of the </a:t>
+                </a:r>
+                <a:r>
+                  <a:rPr lang="en-US" dirty="0"/>
+                  <a:t>network </a:t>
+                </a:r>
+                <a:r>
+                  <a:rPr lang="en-US" dirty="0" smtClean="0"/>
+                  <a:t>is </a:t>
+                </a:r>
+                <a:r>
+                  <a:rPr lang="en-US" dirty="0"/>
+                  <a:t>a sequence of blurry </a:t>
+                </a:r>
+                <a:r>
+                  <a:rPr lang="en-US" dirty="0" smtClean="0"/>
+                  <a:t>images. </a:t>
+                </a:r>
+                <a:endParaRPr lang="en-US" dirty="0"/>
               </a:p>
               <a:p>
                 <a:pPr algn="just"/>
@@ -11615,20 +12189,33 @@
                   <a:t>The images are </a:t>
                 </a:r>
                 <a:r>
-                  <a:rPr lang="en-US" dirty="0" err="1"/>
-                  <a:t>downsampled</a:t>
+                  <a:rPr lang="en-US" dirty="0" smtClean="0"/>
+                  <a:t>down-sampled  </a:t>
                 </a:r>
                 <a:r>
                   <a:rPr lang="en-US" dirty="0"/>
-                  <a:t>  from the original at different scales</a:t>
+                  <a:t>from the original at different scales</a:t>
                 </a:r>
               </a:p>
               <a:p>
                 <a:pPr algn="just"/>
                 <a:r>
                   <a:rPr lang="en-US" dirty="0"/>
-                  <a:t>The output is a set of corresponding inputs as sharp images</a:t>
+                  <a:t>The output is a set of </a:t>
                 </a:r>
+                <a:r>
+                  <a:rPr lang="en-US" dirty="0" smtClean="0"/>
+                  <a:t>the corresponding </a:t>
+                </a:r>
+                <a:r>
+                  <a:rPr lang="en-US" dirty="0"/>
+                  <a:t>inputs as sharp </a:t>
+                </a:r>
+                <a:r>
+                  <a:rPr lang="en-US" dirty="0" smtClean="0"/>
+                  <a:t>images at different scales</a:t>
+                </a:r>
+                <a:endParaRPr lang="en-US" dirty="0"/>
               </a:p>
               <a:p>
                 <a:pPr algn="just"/>
@@ -11645,12 +12232,12 @@
                   <a:t>Blurry image are fed into the NN, the network outputs an initial </a:t>
                 </a:r>
                 <a:r>
-                  <a:rPr lang="en-US" dirty="0" err="1"/>
-                  <a:t>upsampled</a:t>
+                  <a:rPr lang="en-US" dirty="0" smtClean="0"/>
+                  <a:t>up-sampled </a:t>
                 </a:r>
                 <a:r>
                   <a:rPr lang="en-US" dirty="0"/>
-                  <a:t> deblurred result from previous scale as input for estimated sharp image as: </a:t>
+                  <a:t>deblurred result from previous scale as input for estimated sharp image as: </a:t>
                 </a:r>
                 <a:endParaRPr lang="en-US" b="0" dirty="0">
                   <a:latin typeface="Cambria Math" panose="02040503050406030204" pitchFamily="18" charset="0"/>
@@ -11971,7 +12558,7 @@
             </p:txBody>
           </p:sp>
         </mc:Choice>
-        <mc:Fallback xmlns="">
+        <mc:Fallback>
           <p:sp>
             <p:nvSpPr>
               <p:cNvPr id="3" name="Content Placeholder 2">
@@ -11996,7 +12583,7 @@
               <a:blipFill>
                 <a:blip r:embed="rId3"/>
                 <a:stretch>
-                  <a:fillRect l="-1043" t="-2384" r="-1159"/>
+                  <a:fillRect l="-1043" t="-3226" r="-1159"/>
                 </a:stretch>
               </a:blipFill>
             </p:spPr>
@@ -12005,7 +12592,7 @@
               <a:lstStyle/>
               <a:p>
                 <a:r>
-                  <a:rPr lang="en-US">
+                  <a:rPr lang="he-IL">
                     <a:noFill/>
                   </a:rPr>
                   <a:t> </a:t>

--- a/Slideshow/Scale-recurrent network for deblurring.pptx
+++ b/Slideshow/Scale-recurrent network for deblurring.pptx
@@ -5,7 +5,7 @@
     <p:sldMasterId id="2147483660" r:id="rId1"/>
   </p:sldMasterIdLst>
   <p:notesMasterIdLst>
-    <p:notesMasterId r:id="rId29"/>
+    <p:notesMasterId r:id="rId30"/>
   </p:notesMasterIdLst>
   <p:sldIdLst>
     <p:sldId id="256" r:id="rId2"/>
@@ -35,6 +35,7 @@
     <p:sldId id="273" r:id="rId26"/>
     <p:sldId id="274" r:id="rId27"/>
     <p:sldId id="285" r:id="rId28"/>
+    <p:sldId id="286" r:id="rId29"/>
   </p:sldIdLst>
   <p:sldSz cx="12192000" cy="6858000"/>
   <p:notesSz cx="6858000" cy="9144000"/>
@@ -670,7 +671,15 @@
             </a:r>
             <a:r>
               <a:rPr lang="he-IL" baseline="0" dirty="0" smtClean="0"/>
-              <a:t> גדלים מאוד או קטנים מאוד ולכם נעלמים או מתפוצצים ותחילת המשפט לא מושפעת היטב כמו סוף המשפט ולהפך. פתרון נוסף הוא קיצוץ אבל לא ניכנס לזה כאן כי זה לא העיקר. </a:t>
+              <a:t> גדלים מאוד או קטנים מאוד ולכם נעלמים או מתפוצצים וחיזוי משפט למשל לומד יותר מסוף המשפט מאשר תחילת משפט.  שיטה נוספת שמשתמשים בה כתוספת היא קיצוץ </a:t>
+            </a:r>
+            <a:r>
+              <a:rPr lang="he-IL" baseline="0" dirty="0" err="1" smtClean="0"/>
+              <a:t>גרדיאנטים</a:t>
+            </a:r>
+            <a:r>
+              <a:rPr lang="he-IL" baseline="0" dirty="0" smtClean="0"/>
+              <a:t>. </a:t>
             </a:r>
           </a:p>
           <a:p>
@@ -681,37 +690,117 @@
             </a:r>
             <a:r>
               <a:rPr lang="he-IL" baseline="0" dirty="0" smtClean="0"/>
-              <a:t> זה תא הזיכרון, בעצם מדובר </a:t>
+              <a:t> זה תא הזיכרון הנצבר, הוא צובר את מצב האינפורמציה הנוכחית. התא נכתב, מונגש ונערך על ידי פרמטרים מוגדרים ושערים.</a:t>
+            </a:r>
+          </a:p>
+          <a:p>
+            <a:pPr algn="r" rtl="1"/>
+            <a:r>
+              <a:rPr lang="he-IL" baseline="0" dirty="0" smtClean="0"/>
+              <a:t>כל פעם שקלט חדש מגיע, התא יצבור את המידע שלו אם שער הקלט </a:t>
+            </a:r>
+            <a:r>
+              <a:rPr lang="en-US" baseline="0" dirty="0" smtClean="0"/>
+              <a:t>I</a:t>
+            </a:r>
+            <a:r>
+              <a:rPr lang="he-IL" baseline="0" dirty="0" smtClean="0"/>
+              <a:t> מופעל. בנוסף, המצב הקודם של התא יכול להימחק חלקית אם שער </a:t>
             </a:r>
             <a:r>
               <a:rPr lang="he-IL" baseline="0" dirty="0" err="1" smtClean="0"/>
-              <a:t>בונטקסט</a:t>
+              <a:t>השכחון</a:t>
             </a:r>
             <a:r>
               <a:rPr lang="he-IL" baseline="0" dirty="0" smtClean="0"/>
               <a:t> </a:t>
             </a:r>
             <a:r>
+              <a:rPr lang="en-US" baseline="0" dirty="0" smtClean="0"/>
+              <a:t>F</a:t>
+            </a:r>
+            <a:r>
+              <a:rPr lang="he-IL" baseline="0" dirty="0" smtClean="0"/>
+              <a:t> מופעל. אם השער הנוכחי יעביר מידע הלאה או לא נקבע על ידי שער הפלט </a:t>
+            </a:r>
+            <a:r>
+              <a:rPr lang="en-US" baseline="0" dirty="0" smtClean="0"/>
+              <a:t>O</a:t>
+            </a:r>
+            <a:r>
+              <a:rPr lang="he-IL" baseline="0" dirty="0" smtClean="0"/>
+              <a:t>. כלומר</a:t>
+            </a:r>
+            <a:r>
+              <a:rPr lang="en-US" baseline="0" dirty="0" smtClean="0"/>
+              <a:t>h</a:t>
+            </a:r>
+            <a:r>
+              <a:rPr lang="he-IL" baseline="0" dirty="0" smtClean="0"/>
+              <a:t> אלו הפרמטרים הסופיים שמועברים </a:t>
+            </a:r>
+            <a:r>
               <a:rPr lang="he-IL" baseline="0" dirty="0" err="1" smtClean="0"/>
-              <a:t>כלומרמדובר</a:t>
+              <a:t>ורלוונטים</a:t>
             </a:r>
             <a:r>
               <a:rPr lang="he-IL" baseline="0" dirty="0" smtClean="0"/>
-              <a:t> כאן </a:t>
+              <a:t>. </a:t>
+            </a:r>
+            <a:r>
+              <a:rPr lang="en-US" baseline="0" dirty="0" smtClean="0"/>
+              <a:t>C</a:t>
+            </a:r>
+            <a:r>
+              <a:rPr lang="he-IL" baseline="0" dirty="0" smtClean="0"/>
+              <a:t> הוא רק מצב התא. </a:t>
+            </a:r>
+          </a:p>
+          <a:p>
+            <a:pPr algn="r" rtl="1"/>
+            <a:r>
+              <a:rPr lang="he-IL" baseline="0" dirty="0" smtClean="0"/>
+              <a:t>כעת, עבור תא מסוג </a:t>
             </a:r>
             <a:r>
               <a:rPr lang="he-IL" baseline="0" dirty="0" err="1" smtClean="0"/>
-              <a:t>בוקטור</a:t>
+              <a:t>קונבולציה</a:t>
             </a:r>
             <a:r>
               <a:rPr lang="he-IL" baseline="0" dirty="0" smtClean="0"/>
-              <a:t> או מטריצה שהיא </a:t>
+              <a:t>, ניתן להתייחס גם לפרמטרים המרחביים בכל שכל </a:t>
             </a:r>
             <a:r>
               <a:rPr lang="he-IL" baseline="0" dirty="0" err="1" smtClean="0"/>
               <a:t>האינפוטים</a:t>
             </a:r>
-            <a:endParaRPr lang="he-IL" baseline="0" dirty="0" smtClean="0"/>
+            <a:r>
+              <a:rPr lang="he-IL" baseline="0" dirty="0" smtClean="0"/>
+              <a:t>, המצבים, שערים ומצבים חבויים הם בצורת מידע ספקטרלי תלת </a:t>
+            </a:r>
+            <a:r>
+              <a:rPr lang="he-IL" baseline="0" dirty="0" err="1" smtClean="0"/>
+              <a:t>מימדי</a:t>
+            </a:r>
+            <a:r>
+              <a:rPr lang="he-IL" baseline="0" dirty="0" smtClean="0"/>
+              <a:t> כך שניתן להתייחס למידע דו </a:t>
+            </a:r>
+            <a:r>
+              <a:rPr lang="he-IL" baseline="0" dirty="0" err="1" smtClean="0"/>
+              <a:t>מימדי</a:t>
+            </a:r>
+            <a:r>
+              <a:rPr lang="he-IL" baseline="0" dirty="0" smtClean="0"/>
+              <a:t>.</a:t>
+            </a:r>
+          </a:p>
+          <a:p>
+            <a:pPr algn="r" rtl="1"/>
+            <a:r>
+              <a:rPr lang="he-IL" baseline="0" dirty="0" smtClean="0"/>
+              <a:t>אתחול השער הוא באפסים.</a:t>
+            </a:r>
           </a:p>
           <a:p>
             <a:pPr algn="r" rtl="1"/>
@@ -7769,8 +7858,8 @@
         </p:blipFill>
         <p:spPr>
           <a:xfrm>
-            <a:off x="838198" y="2508504"/>
-            <a:ext cx="5167185" cy="3537985"/>
+            <a:off x="533771" y="3143042"/>
+            <a:ext cx="4822000" cy="3301636"/>
           </a:xfrm>
           <a:prstGeom prst="rect">
             <a:avLst/>
@@ -7799,8 +7888,31 @@
         </p:blipFill>
         <p:spPr>
           <a:xfrm>
-            <a:off x="5893594" y="2879247"/>
+            <a:off x="5471904" y="4021902"/>
             <a:ext cx="6093526" cy="1949927"/>
+          </a:xfrm>
+          <a:prstGeom prst="rect">
+            <a:avLst/>
+          </a:prstGeom>
+        </p:spPr>
+      </p:pic>
+      <p:pic>
+        <p:nvPicPr>
+          <p:cNvPr id="4" name="Picture 3"/>
+          <p:cNvPicPr>
+            <a:picLocks noChangeAspect="1"/>
+          </p:cNvPicPr>
+          <p:nvPr/>
+        </p:nvPicPr>
+        <p:blipFill rotWithShape="1">
+          <a:blip r:embed="rId5"/>
+          <a:srcRect t="12242"/>
+          <a:stretch/>
+        </p:blipFill>
+        <p:spPr>
+          <a:xfrm>
+            <a:off x="4649180" y="2405919"/>
+            <a:ext cx="7145594" cy="1295241"/>
           </a:xfrm>
           <a:prstGeom prst="rect">
             <a:avLst/>
@@ -10347,6 +10459,241 @@
 </p:sld>
 </file>
 
+<file path=ppt/slides/slide28.xml><?xml version="1.0" encoding="utf-8"?>
+<p:sld xmlns:a="http://schemas.openxmlformats.org/drawingml/2006/main" xmlns:r="http://schemas.openxmlformats.org/officeDocument/2006/relationships" xmlns:p="http://schemas.openxmlformats.org/presentationml/2006/main">
+  <p:cSld>
+    <p:spTree>
+      <p:nvGrpSpPr>
+        <p:cNvPr id="1" name=""/>
+        <p:cNvGrpSpPr/>
+        <p:nvPr/>
+      </p:nvGrpSpPr>
+      <p:grpSpPr>
+        <a:xfrm>
+          <a:off x="0" y="0"/>
+          <a:ext cx="0" cy="0"/>
+          <a:chOff x="0" y="0"/>
+          <a:chExt cx="0" cy="0"/>
+        </a:xfrm>
+      </p:grpSpPr>
+      <p:sp>
+        <p:nvSpPr>
+          <p:cNvPr id="2" name="Title 1"/>
+          <p:cNvSpPr>
+            <a:spLocks noGrp="1"/>
+          </p:cNvSpPr>
+          <p:nvPr>
+            <p:ph type="title"/>
+          </p:nvPr>
+        </p:nvSpPr>
+        <p:spPr/>
+        <p:txBody>
+          <a:bodyPr/>
+          <a:lstStyle/>
+          <a:p>
+            <a:r>
+              <a:rPr lang="en-US" dirty="0" smtClean="0"/>
+              <a:t>References</a:t>
+            </a:r>
+            <a:endParaRPr lang="he-IL" dirty="0"/>
+          </a:p>
+        </p:txBody>
+      </p:sp>
+      <p:sp>
+        <p:nvSpPr>
+          <p:cNvPr id="3" name="Content Placeholder 2"/>
+          <p:cNvSpPr>
+            <a:spLocks noGrp="1"/>
+          </p:cNvSpPr>
+          <p:nvPr>
+            <p:ph idx="1"/>
+          </p:nvPr>
+        </p:nvSpPr>
+        <p:spPr/>
+        <p:txBody>
+          <a:bodyPr>
+            <a:normAutofit fontScale="92500" lnSpcReduction="20000"/>
+          </a:bodyPr>
+          <a:lstStyle/>
+          <a:p>
+            <a:pPr algn="just"/>
+            <a:r>
+              <a:rPr lang="en-US" dirty="0"/>
+              <a:t>Tao, Xin, et al. "Scale-recurrent network for deep image </a:t>
+            </a:r>
+            <a:r>
+              <a:rPr lang="en-US" dirty="0" err="1"/>
+              <a:t>deblurring</a:t>
+            </a:r>
+            <a:r>
+              <a:rPr lang="en-US" dirty="0"/>
+              <a:t>." </a:t>
+            </a:r>
+            <a:r>
+              <a:rPr lang="en-US" i="1" dirty="0"/>
+              <a:t>Proceedings of the IEEE Conference on Computer Vision and Pattern Recognition</a:t>
+            </a:r>
+            <a:r>
+              <a:rPr lang="en-US" dirty="0"/>
+              <a:t>. 2018.‏</a:t>
+            </a:r>
+            <a:endParaRPr lang="en-US" dirty="0" smtClean="0"/>
+          </a:p>
+          <a:p>
+            <a:pPr algn="just"/>
+            <a:r>
+              <a:rPr lang="en-US" dirty="0" smtClean="0"/>
+              <a:t>Shi</a:t>
+            </a:r>
+            <a:r>
+              <a:rPr lang="en-US" dirty="0"/>
+              <a:t>, Xingjian, et al. "Convolutional LSTM network: A machine learning approach for precipitation </a:t>
+            </a:r>
+            <a:r>
+              <a:rPr lang="en-US" dirty="0" err="1"/>
+              <a:t>nowcasting</a:t>
+            </a:r>
+            <a:r>
+              <a:rPr lang="en-US" dirty="0"/>
+              <a:t>." </a:t>
+            </a:r>
+            <a:r>
+              <a:rPr lang="en-US" i="1" dirty="0"/>
+              <a:t>Advances in neural information processing systems</a:t>
+            </a:r>
+            <a:r>
+              <a:rPr lang="en-US" dirty="0"/>
+              <a:t> 28 (2015): 802-810.</a:t>
+            </a:r>
+            <a:r>
+              <a:rPr lang="en-US" dirty="0" smtClean="0"/>
+              <a:t>‏</a:t>
+            </a:r>
+          </a:p>
+          <a:p>
+            <a:pPr algn="just"/>
+            <a:r>
+              <a:rPr lang="en-US" dirty="0"/>
+              <a:t>S. Nah, T. H. Kim, and K. M. Lee. Deep multi-scale </a:t>
+            </a:r>
+            <a:r>
+              <a:rPr lang="en-US" dirty="0" smtClean="0"/>
+              <a:t>convolutional neural </a:t>
+            </a:r>
+            <a:r>
+              <a:rPr lang="en-US" dirty="0"/>
+              <a:t>network for dynamic scene </a:t>
+            </a:r>
+            <a:r>
+              <a:rPr lang="en-US" dirty="0" err="1"/>
+              <a:t>deblurring</a:t>
+            </a:r>
+            <a:r>
+              <a:rPr lang="en-US" dirty="0"/>
+              <a:t>. </a:t>
+            </a:r>
+            <a:r>
+              <a:rPr lang="en-US" dirty="0" smtClean="0"/>
+              <a:t>pages</a:t>
+            </a:r>
+            <a:r>
+              <a:rPr lang="he-IL" dirty="0" smtClean="0"/>
+              <a:t>3883–3891</a:t>
+            </a:r>
+            <a:r>
+              <a:rPr lang="he-IL" dirty="0"/>
+              <a:t>, 2017</a:t>
+            </a:r>
+            <a:r>
+              <a:rPr lang="he-IL" dirty="0" smtClean="0"/>
+              <a:t>.</a:t>
+            </a:r>
+            <a:endParaRPr lang="en-US" dirty="0" smtClean="0"/>
+          </a:p>
+          <a:p>
+            <a:pPr algn="just"/>
+            <a:r>
+              <a:rPr lang="en-US" dirty="0"/>
+              <a:t>K. He, X. Zhang, S. Ren, and J. Sun. Deep residual </a:t>
+            </a:r>
+            <a:r>
+              <a:rPr lang="en-US" dirty="0" smtClean="0"/>
+              <a:t>learning for </a:t>
+            </a:r>
+            <a:r>
+              <a:rPr lang="en-US" dirty="0"/>
+              <a:t>image recognition. In </a:t>
+            </a:r>
+            <a:r>
+              <a:rPr lang="en-US" i="1" dirty="0"/>
+              <a:t>CVPR</a:t>
+            </a:r>
+            <a:r>
+              <a:rPr lang="en-US" dirty="0"/>
+              <a:t>, pages 770–778. </a:t>
+            </a:r>
+            <a:r>
+              <a:rPr lang="en-US" dirty="0" smtClean="0"/>
+              <a:t>IEEE,2016</a:t>
+            </a:r>
+            <a:r>
+              <a:rPr lang="he-IL" dirty="0" smtClean="0"/>
+              <a:t>.</a:t>
+            </a:r>
+            <a:endParaRPr lang="en-US" dirty="0" smtClean="0"/>
+          </a:p>
+          <a:p>
+            <a:r>
+              <a:rPr lang="en-US" dirty="0"/>
+              <a:t>X. Mao, C. Shen, and Y.-B. Yang. Image restoration </a:t>
+            </a:r>
+            <a:r>
+              <a:rPr lang="en-US" dirty="0" smtClean="0"/>
+              <a:t>using very </a:t>
+            </a:r>
+            <a:r>
+              <a:rPr lang="en-US" dirty="0"/>
+              <a:t>deep convolutional encoder-decoder networks </a:t>
+            </a:r>
+            <a:r>
+              <a:rPr lang="en-US" dirty="0" smtClean="0"/>
+              <a:t>with symmetric </a:t>
+            </a:r>
+            <a:r>
+              <a:rPr lang="en-US" dirty="0"/>
+              <a:t>skip connections. In </a:t>
+            </a:r>
+            <a:r>
+              <a:rPr lang="en-US" i="1" dirty="0"/>
+              <a:t>NIPS</a:t>
+            </a:r>
+            <a:r>
+              <a:rPr lang="en-US" dirty="0"/>
+              <a:t>, pages </a:t>
+            </a:r>
+            <a:r>
+              <a:rPr lang="en-US" dirty="0" smtClean="0"/>
+              <a:t>2802–2810,2016.</a:t>
+            </a:r>
+          </a:p>
+          <a:p>
+            <a:endParaRPr lang="he-IL" dirty="0"/>
+          </a:p>
+        </p:txBody>
+      </p:sp>
+    </p:spTree>
+    <p:extLst>
+      <p:ext uri="{BB962C8B-B14F-4D97-AF65-F5344CB8AC3E}">
+        <p14:creationId xmlns:p14="http://schemas.microsoft.com/office/powerpoint/2010/main" val="494712912"/>
+      </p:ext>
+    </p:extLst>
+  </p:cSld>
+  <p:clrMapOvr>
+    <a:masterClrMapping/>
+  </p:clrMapOvr>
+</p:sld>
+</file>
+
 <file path=ppt/slides/slide3.xml><?xml version="1.0" encoding="utf-8"?>
 <p:sld xmlns:a="http://schemas.openxmlformats.org/drawingml/2006/main" xmlns:r="http://schemas.openxmlformats.org/officeDocument/2006/relationships" xmlns:p="http://schemas.openxmlformats.org/presentationml/2006/main">
   <p:cSld>

--- a/Slideshow/Scale-recurrent network for deblurring.pptx
+++ b/Slideshow/Scale-recurrent network for deblurring.pptx
@@ -9952,23 +9952,244 @@
           <a:lstStyle/>
           <a:p>
             <a:r>
-              <a:rPr lang="en-US" dirty="0" smtClean="0"/>
+              <a:rPr lang="en-US" sz="2400" dirty="0" smtClean="0"/>
               <a:t>Peak signal-to-noise ratio (PSNR).</a:t>
             </a:r>
           </a:p>
           <a:p>
-            <a:r>
-              <a:rPr lang="en-US" dirty="0"/>
-              <a:t>structural similarity index </a:t>
-            </a:r>
-            <a:r>
-              <a:rPr lang="en-US" dirty="0" smtClean="0"/>
-              <a:t>measure (SSIM).</a:t>
-            </a:r>
+            <a:pPr marL="0" indent="0">
+              <a:buNone/>
+            </a:pPr>
+            <a:r>
+              <a:rPr lang="en-US" sz="2400" dirty="0" smtClean="0"/>
+              <a:t>For a grey level image (8-bits), f is the “clean image” and g is the image to test: </a:t>
+            </a:r>
+          </a:p>
+          <a:p>
+            <a:pPr marL="0" indent="0">
+              <a:buNone/>
+            </a:pPr>
+            <a:r>
+              <a:rPr lang="en-US" sz="2400" dirty="0" smtClean="0"/>
+              <a:t> </a:t>
+            </a:r>
+          </a:p>
+          <a:p>
+            <a:pPr marL="0" indent="0" algn="just">
+              <a:buNone/>
+            </a:pPr>
+            <a:r>
+              <a:rPr lang="en-US" sz="2400" dirty="0" smtClean="0"/>
+              <a:t>So the higher the PSNR, the better the signal to noise ratio because  the MSE is smaller (better image quality). Small PSNR can imply high numerical differences.</a:t>
+            </a:r>
+            <a:endParaRPr lang="en-US" sz="2400" dirty="0"/>
+          </a:p>
+          <a:p>
+            <a:pPr algn="just"/>
+            <a:r>
+              <a:rPr lang="en-US" sz="2400" dirty="0" smtClean="0"/>
+              <a:t>structural </a:t>
+            </a:r>
+            <a:r>
+              <a:rPr lang="en-US" sz="2400" dirty="0"/>
+              <a:t>similarity index </a:t>
+            </a:r>
+            <a:r>
+              <a:rPr lang="en-US" sz="2400" dirty="0" smtClean="0"/>
+              <a:t>measure (SSIM), good for measuring similarity between two images. Considered to be a good quality estimate for human visual system.</a:t>
+            </a:r>
+          </a:p>
+          <a:p>
             <a:endParaRPr lang="he-IL" dirty="0"/>
           </a:p>
         </p:txBody>
       </p:sp>
+      <p:pic>
+        <p:nvPicPr>
+          <p:cNvPr id="6" name="Picture 5"/>
+          <p:cNvPicPr>
+            <a:picLocks noChangeAspect="1"/>
+          </p:cNvPicPr>
+          <p:nvPr/>
+        </p:nvPicPr>
+        <p:blipFill>
+          <a:blip r:embed="rId2"/>
+          <a:stretch>
+            <a:fillRect/>
+          </a:stretch>
+        </p:blipFill>
+        <p:spPr>
+          <a:xfrm>
+            <a:off x="927373" y="5105485"/>
+            <a:ext cx="3248478" cy="266737"/>
+          </a:xfrm>
+          <a:prstGeom prst="rect">
+            <a:avLst/>
+          </a:prstGeom>
+        </p:spPr>
+      </p:pic>
+      <p:pic>
+        <p:nvPicPr>
+          <p:cNvPr id="7" name="Picture 6"/>
+          <p:cNvPicPr>
+            <a:picLocks noChangeAspect="1"/>
+          </p:cNvPicPr>
+          <p:nvPr/>
+        </p:nvPicPr>
+        <p:blipFill rotWithShape="1">
+          <a:blip r:embed="rId3"/>
+          <a:srcRect l="5808" b="62786"/>
+          <a:stretch/>
+        </p:blipFill>
+        <p:spPr>
+          <a:xfrm>
+            <a:off x="999577" y="5441891"/>
+            <a:ext cx="2045864" cy="804741"/>
+          </a:xfrm>
+          <a:prstGeom prst="rect">
+            <a:avLst/>
+          </a:prstGeom>
+        </p:spPr>
+      </p:pic>
+      <p:grpSp>
+        <p:nvGrpSpPr>
+          <p:cNvPr id="9" name="Group 8"/>
+          <p:cNvGrpSpPr/>
+          <p:nvPr/>
+        </p:nvGrpSpPr>
+        <p:grpSpPr>
+          <a:xfrm>
+            <a:off x="927373" y="2724503"/>
+            <a:ext cx="8828840" cy="552527"/>
+            <a:chOff x="927373" y="2724503"/>
+            <a:chExt cx="8828840" cy="552527"/>
+          </a:xfrm>
+        </p:grpSpPr>
+        <p:pic>
+          <p:nvPicPr>
+            <p:cNvPr id="4" name="Picture 3"/>
+            <p:cNvPicPr>
+              <a:picLocks noChangeAspect="1"/>
+            </p:cNvPicPr>
+            <p:nvPr/>
+          </p:nvPicPr>
+          <p:blipFill>
+            <a:blip r:embed="rId4"/>
+            <a:stretch>
+              <a:fillRect/>
+            </a:stretch>
+          </p:blipFill>
+          <p:spPr>
+            <a:xfrm>
+              <a:off x="927373" y="2814202"/>
+              <a:ext cx="4236137" cy="373131"/>
+            </a:xfrm>
+            <a:prstGeom prst="rect">
+              <a:avLst/>
+            </a:prstGeom>
+          </p:spPr>
+        </p:pic>
+        <p:pic>
+          <p:nvPicPr>
+            <p:cNvPr id="5" name="Picture 4"/>
+            <p:cNvPicPr>
+              <a:picLocks noChangeAspect="1"/>
+            </p:cNvPicPr>
+            <p:nvPr/>
+          </p:nvPicPr>
+          <p:blipFill>
+            <a:blip r:embed="rId5"/>
+            <a:stretch>
+              <a:fillRect/>
+            </a:stretch>
+          </p:blipFill>
+          <p:spPr>
+            <a:xfrm>
+              <a:off x="6574419" y="2724503"/>
+              <a:ext cx="3181794" cy="552527"/>
+            </a:xfrm>
+            <a:prstGeom prst="rect">
+              <a:avLst/>
+            </a:prstGeom>
+          </p:spPr>
+        </p:pic>
+        <p:sp>
+          <p:nvSpPr>
+            <p:cNvPr id="8" name="TextBox 7"/>
+            <p:cNvSpPr txBox="1"/>
+            <p:nvPr/>
+          </p:nvSpPr>
+          <p:spPr>
+            <a:xfrm>
+              <a:off x="5299838" y="2724503"/>
+              <a:ext cx="1158240" cy="461665"/>
+            </a:xfrm>
+            <a:prstGeom prst="rect">
+              <a:avLst/>
+            </a:prstGeom>
+            <a:noFill/>
+          </p:spPr>
+          <p:txBody>
+            <a:bodyPr wrap="square" rtlCol="1">
+              <a:spAutoFit/>
+            </a:bodyPr>
+            <a:lstStyle/>
+            <a:p>
+              <a:r>
+                <a:rPr lang="en-US" sz="2400" dirty="0" smtClean="0"/>
+                <a:t>where</a:t>
+              </a:r>
+              <a:endParaRPr lang="he-IL" sz="2400" dirty="0"/>
+            </a:p>
+          </p:txBody>
+        </p:sp>
+      </p:grpSp>
+      <p:pic>
+        <p:nvPicPr>
+          <p:cNvPr id="10" name="Picture 9"/>
+          <p:cNvPicPr>
+            <a:picLocks noChangeAspect="1"/>
+          </p:cNvPicPr>
+          <p:nvPr/>
+        </p:nvPicPr>
+        <p:blipFill rotWithShape="1">
+          <a:blip r:embed="rId3"/>
+          <a:srcRect l="5495" t="36006" b="30569"/>
+          <a:stretch/>
+        </p:blipFill>
+        <p:spPr>
+          <a:xfrm>
+            <a:off x="3395904" y="5589087"/>
+            <a:ext cx="2052652" cy="722813"/>
+          </a:xfrm>
+          <a:prstGeom prst="rect">
+            <a:avLst/>
+          </a:prstGeom>
+        </p:spPr>
+      </p:pic>
+      <p:pic>
+        <p:nvPicPr>
+          <p:cNvPr id="11" name="Picture 10"/>
+          <p:cNvPicPr>
+            <a:picLocks noChangeAspect="1"/>
+          </p:cNvPicPr>
+          <p:nvPr/>
+        </p:nvPicPr>
+        <p:blipFill rotWithShape="1">
+          <a:blip r:embed="rId3"/>
+          <a:srcRect l="5896" t="67820" b="2920"/>
+          <a:stretch/>
+        </p:blipFill>
+        <p:spPr>
+          <a:xfrm>
+            <a:off x="5799019" y="5613893"/>
+            <a:ext cx="2043944" cy="632739"/>
+          </a:xfrm>
+          <a:prstGeom prst="rect">
+            <a:avLst/>
+          </a:prstGeom>
+        </p:spPr>
+      </p:pic>
     </p:spTree>
     <p:extLst>
       <p:ext uri="{BB962C8B-B14F-4D97-AF65-F5344CB8AC3E}">

--- a/Slideshow/Scale-recurrent network for deblurring.pptx
+++ b/Slideshow/Scale-recurrent network for deblurring.pptx
@@ -29,13 +29,13 @@
     <p:sldId id="271" r:id="rId20"/>
     <p:sldId id="270" r:id="rId21"/>
     <p:sldId id="278" r:id="rId22"/>
-    <p:sldId id="272" r:id="rId23"/>
-    <p:sldId id="282" r:id="rId24"/>
+    <p:sldId id="282" r:id="rId23"/>
+    <p:sldId id="272" r:id="rId24"/>
     <p:sldId id="281" r:id="rId25"/>
     <p:sldId id="273" r:id="rId26"/>
     <p:sldId id="274" r:id="rId27"/>
-    <p:sldId id="285" r:id="rId28"/>
-    <p:sldId id="286" r:id="rId29"/>
+    <p:sldId id="286" r:id="rId28"/>
+    <p:sldId id="285" r:id="rId29"/>
   </p:sldIdLst>
   <p:sldSz cx="12192000" cy="6858000"/>
   <p:notesSz cx="6858000" cy="9144000"/>
@@ -224,7 +224,7 @@
           <a:p>
             <a:fld id="{90D6B5CC-58E5-4C9F-BB10-8E58567DCFC1}" type="datetimeFigureOut">
               <a:rPr lang="en-US" smtClean="0"/>
-              <a:t>1/12/2021</a:t>
+              <a:t>1/13/2021</a:t>
             </a:fld>
             <a:endParaRPr lang="en-US"/>
           </a:p>
@@ -649,273 +649,125 @@
           <a:lstStyle/>
           <a:p>
             <a:pPr algn="r" rtl="1"/>
-            <a:r>
-              <a:rPr lang="he-IL" dirty="0" smtClean="0"/>
-              <a:t>נועד</a:t>
-            </a:r>
-            <a:r>
-              <a:rPr lang="he-IL" baseline="0" dirty="0" smtClean="0"/>
-              <a:t> לפתור את הבעיה שנוצרת ב</a:t>
-            </a:r>
-            <a:r>
-              <a:rPr lang="en-US" baseline="0" dirty="0" smtClean="0"/>
+            <a:endParaRPr lang="en-US" dirty="0"/>
+          </a:p>
+          <a:p>
+            <a:pPr algn="r" rtl="1"/>
+            <a:r>
+              <a:rPr lang="en-US" dirty="0"/>
               <a:t>RNN</a:t>
             </a:r>
             <a:r>
-              <a:rPr lang="he-IL" baseline="0" dirty="0" smtClean="0"/>
-              <a:t> כאשר </a:t>
-            </a:r>
-            <a:r>
-              <a:rPr lang="he-IL" baseline="0" dirty="0" err="1" smtClean="0"/>
+              <a:rPr lang="he-IL" dirty="0"/>
+              <a:t> נוטה לגרום </a:t>
+            </a:r>
+            <a:r>
+              <a:rPr lang="he-IL" dirty="0" err="1"/>
+              <a:t>לגרדיאנטים</a:t>
+            </a:r>
+            <a:r>
+              <a:rPr lang="he-IL" dirty="0"/>
+              <a:t> להתפוצץ</a:t>
+            </a:r>
+            <a:r>
+              <a:rPr lang="he-IL" baseline="0" dirty="0"/>
+              <a:t> או להיעלם יותר מהר מ</a:t>
+            </a:r>
+            <a:r>
+              <a:rPr lang="en-US" baseline="0" dirty="0"/>
+              <a:t>CNN</a:t>
+            </a:r>
+            <a:r>
+              <a:rPr lang="he-IL" baseline="0" dirty="0"/>
+              <a:t> לכן נעשה שימוש בעוד תוספות בדרך כלל ו</a:t>
+            </a:r>
+            <a:r>
+              <a:rPr lang="en-US" baseline="0" dirty="0"/>
+              <a:t>SKIP</a:t>
+            </a:r>
+            <a:r>
+              <a:rPr lang="he-IL" baseline="0" dirty="0"/>
+              <a:t>. הסיבה לכך היא שב</a:t>
+            </a:r>
+            <a:r>
+              <a:rPr lang="en-US" baseline="0" dirty="0"/>
+              <a:t>RNN</a:t>
+            </a:r>
+            <a:r>
+              <a:rPr lang="he-IL" baseline="0" dirty="0"/>
+              <a:t> הפרמטרים משותפים לעומת </a:t>
+            </a:r>
+            <a:r>
+              <a:rPr lang="en-US" baseline="0" dirty="0"/>
+              <a:t>CNN</a:t>
+            </a:r>
+            <a:r>
+              <a:rPr lang="he-IL" baseline="0" dirty="0"/>
+              <a:t>.</a:t>
+            </a:r>
+          </a:p>
+          <a:p>
+            <a:pPr algn="r" rtl="1"/>
+            <a:r>
+              <a:rPr lang="he-IL" baseline="0" dirty="0"/>
+              <a:t>כדי לפתור את בעיית </a:t>
+            </a:r>
+            <a:r>
+              <a:rPr lang="he-IL" baseline="0" dirty="0" err="1"/>
               <a:t>הגרדיאנטים</a:t>
             </a:r>
             <a:r>
-              <a:rPr lang="he-IL" baseline="0" dirty="0" smtClean="0"/>
-              <a:t> גדלים מאוד או קטנים מאוד ולכם נעלמים או מתפוצצים וחיזוי משפט למשל לומד יותר מסוף המשפט מאשר תחילת משפט.  שיטה נוספת שמשתמשים בה כתוספת היא קיצוץ </a:t>
-            </a:r>
-            <a:r>
-              <a:rPr lang="he-IL" baseline="0" dirty="0" err="1" smtClean="0"/>
-              <a:t>גרדיאנטים</a:t>
-            </a:r>
-            <a:r>
-              <a:rPr lang="he-IL" baseline="0" dirty="0" smtClean="0"/>
-              <a:t>. </a:t>
+              <a:rPr lang="he-IL" baseline="0" dirty="0"/>
+              <a:t> הנעלמים יש צורך בלהציג פרמטר חדש שנקרא פרמטר </a:t>
+            </a:r>
+            <a:r>
+              <a:rPr lang="he-IL" baseline="0" dirty="0" err="1"/>
+              <a:t>השכחון</a:t>
+            </a:r>
+            <a:r>
+              <a:rPr lang="he-IL" baseline="0" dirty="0"/>
+              <a:t> או הזיכרון ואותו נראה ב</a:t>
+            </a:r>
+            <a:r>
+              <a:rPr lang="en-US" baseline="0" dirty="0"/>
+              <a:t>LSTM</a:t>
+            </a:r>
+            <a:r>
+              <a:rPr lang="he-IL" baseline="0" dirty="0"/>
+              <a:t> למשל.</a:t>
             </a:r>
           </a:p>
           <a:p>
             <a:pPr algn="r" rtl="1"/>
             <a:r>
-              <a:rPr lang="en-US" baseline="0" dirty="0" smtClean="0"/>
-              <a:t>C</a:t>
-            </a:r>
-            <a:r>
-              <a:rPr lang="he-IL" baseline="0" dirty="0" smtClean="0"/>
-              <a:t> זה תא הזיכרון הנצבר, הוא צובר את מצב האינפורמציה הנוכחית. התא נכתב, מונגש ונערך על ידי פרמטרים מוגדרים ושערים.</a:t>
-            </a:r>
-          </a:p>
-          <a:p>
-            <a:pPr algn="r" rtl="1"/>
-            <a:r>
-              <a:rPr lang="he-IL" baseline="0" dirty="0" smtClean="0"/>
-              <a:t>כל פעם שקלט חדש מגיע, התא יצבור את המידע שלו אם שער הקלט </a:t>
-            </a:r>
-            <a:r>
-              <a:rPr lang="en-US" baseline="0" dirty="0" smtClean="0"/>
-              <a:t>I</a:t>
-            </a:r>
-            <a:r>
-              <a:rPr lang="he-IL" baseline="0" dirty="0" smtClean="0"/>
-              <a:t> מופעל. בנוסף, המצב הקודם של התא יכול להימחק חלקית אם שער </a:t>
-            </a:r>
-            <a:r>
-              <a:rPr lang="he-IL" baseline="0" dirty="0" err="1" smtClean="0"/>
-              <a:t>השכחון</a:t>
-            </a:r>
-            <a:r>
-              <a:rPr lang="he-IL" baseline="0" dirty="0" smtClean="0"/>
-              <a:t> </a:t>
-            </a:r>
-            <a:r>
-              <a:rPr lang="en-US" baseline="0" dirty="0" smtClean="0"/>
-              <a:t>F</a:t>
-            </a:r>
-            <a:r>
-              <a:rPr lang="he-IL" baseline="0" dirty="0" smtClean="0"/>
-              <a:t> מופעל. אם השער הנוכחי יעביר מידע הלאה או לא נקבע על ידי שער הפלט </a:t>
-            </a:r>
-            <a:r>
-              <a:rPr lang="en-US" baseline="0" dirty="0" smtClean="0"/>
-              <a:t>O</a:t>
-            </a:r>
-            <a:r>
-              <a:rPr lang="he-IL" baseline="0" dirty="0" smtClean="0"/>
-              <a:t>. כלומר</a:t>
-            </a:r>
-            <a:r>
-              <a:rPr lang="en-US" baseline="0" dirty="0" smtClean="0"/>
-              <a:t>h</a:t>
-            </a:r>
-            <a:r>
-              <a:rPr lang="he-IL" baseline="0" dirty="0" smtClean="0"/>
-              <a:t> אלו הפרמטרים הסופיים שמועברים </a:t>
-            </a:r>
-            <a:r>
-              <a:rPr lang="he-IL" baseline="0" dirty="0" err="1" smtClean="0"/>
-              <a:t>ורלוונטים</a:t>
-            </a:r>
-            <a:r>
-              <a:rPr lang="he-IL" baseline="0" dirty="0" smtClean="0"/>
-              <a:t>. </a:t>
-            </a:r>
-            <a:r>
-              <a:rPr lang="en-US" baseline="0" dirty="0" smtClean="0"/>
-              <a:t>C</a:t>
-            </a:r>
-            <a:r>
-              <a:rPr lang="he-IL" baseline="0" dirty="0" smtClean="0"/>
-              <a:t> הוא רק מצב התא. </a:t>
-            </a:r>
-          </a:p>
-          <a:p>
-            <a:pPr algn="r" rtl="1"/>
-            <a:r>
-              <a:rPr lang="he-IL" baseline="0" dirty="0" smtClean="0"/>
-              <a:t>כעת, עבור תא מסוג </a:t>
-            </a:r>
-            <a:r>
-              <a:rPr lang="he-IL" baseline="0" dirty="0" err="1" smtClean="0"/>
-              <a:t>קונבולציה</a:t>
-            </a:r>
-            <a:r>
-              <a:rPr lang="he-IL" baseline="0" dirty="0" smtClean="0"/>
-              <a:t>, ניתן להתייחס גם לפרמטרים המרחביים בכל שכל </a:t>
-            </a:r>
-            <a:r>
-              <a:rPr lang="he-IL" baseline="0" dirty="0" err="1" smtClean="0"/>
-              <a:t>האינפוטים</a:t>
-            </a:r>
-            <a:r>
-              <a:rPr lang="he-IL" baseline="0" dirty="0" smtClean="0"/>
-              <a:t>, המצבים, שערים ומצבים חבויים הם בצורת מידע ספקטרלי תלת </a:t>
-            </a:r>
-            <a:r>
-              <a:rPr lang="he-IL" baseline="0" dirty="0" err="1" smtClean="0"/>
-              <a:t>מימדי</a:t>
-            </a:r>
-            <a:r>
-              <a:rPr lang="he-IL" baseline="0" dirty="0" smtClean="0"/>
-              <a:t> כך שניתן להתייחס למידע דו </a:t>
-            </a:r>
-            <a:r>
-              <a:rPr lang="he-IL" baseline="0" dirty="0" err="1" smtClean="0"/>
-              <a:t>מימדי</a:t>
-            </a:r>
-            <a:r>
-              <a:rPr lang="he-IL" baseline="0" dirty="0" smtClean="0"/>
+              <a:rPr lang="he-IL" dirty="0"/>
+              <a:t>ב</a:t>
+            </a:r>
+            <a:r>
+              <a:rPr lang="en-US" dirty="0"/>
+              <a:t>LSTM</a:t>
+            </a:r>
+            <a:r>
+              <a:rPr lang="he-IL" dirty="0"/>
+              <a:t> נחליף כל תא ברשת </a:t>
+            </a:r>
+            <a:r>
+              <a:rPr lang="en-US" dirty="0"/>
+              <a:t>RNN</a:t>
+            </a:r>
+            <a:r>
+              <a:rPr lang="he-IL" dirty="0"/>
+              <a:t> בתא </a:t>
+            </a:r>
+            <a:r>
+              <a:rPr lang="en-US" dirty="0"/>
+              <a:t>LSTM</a:t>
+            </a:r>
+            <a:r>
+              <a:rPr lang="he-IL" dirty="0"/>
               <a:t>.</a:t>
             </a:r>
-          </a:p>
-          <a:p>
-            <a:pPr algn="r" rtl="1"/>
-            <a:r>
-              <a:rPr lang="he-IL" baseline="0" dirty="0" smtClean="0"/>
-              <a:t>אתחול השער הוא באפסים.</a:t>
-            </a:r>
-          </a:p>
-          <a:p>
-            <a:pPr algn="r" rtl="1"/>
-            <a:r>
-              <a:rPr lang="he-IL" baseline="0" dirty="0" smtClean="0"/>
-              <a:t>תפקיד השער הזיכרון הוא להחליט מתי לעדכן ערך</a:t>
-            </a:r>
-          </a:p>
-          <a:p>
-            <a:pPr algn="r" rtl="1"/>
-            <a:r>
-              <a:rPr lang="en-US" baseline="0" dirty="0" smtClean="0"/>
-              <a:t>Forget gate =f </a:t>
-            </a:r>
-            <a:r>
-              <a:rPr lang="he-IL" baseline="0" dirty="0" smtClean="0"/>
-              <a:t> שולט באם תא הזיכרון יהפוך ל0 או לא.</a:t>
-            </a:r>
-          </a:p>
-          <a:p>
-            <a:pPr algn="r" rtl="1"/>
-            <a:r>
-              <a:rPr lang="en-US" baseline="0" dirty="0" smtClean="0"/>
-              <a:t>Update gate=I</a:t>
-            </a:r>
-            <a:r>
-              <a:rPr lang="he-IL" baseline="0" dirty="0" smtClean="0"/>
-              <a:t> נועד או אינפוט </a:t>
-            </a:r>
-            <a:r>
-              <a:rPr lang="he-IL" baseline="0" dirty="0" err="1" smtClean="0"/>
-              <a:t>גייט</a:t>
-            </a:r>
-            <a:r>
-              <a:rPr lang="he-IL" baseline="0" dirty="0" smtClean="0"/>
-              <a:t>, קובע האם יש עדכון או לא.</a:t>
-            </a:r>
-            <a:endParaRPr lang="en-US" baseline="0" dirty="0" smtClean="0"/>
-          </a:p>
-          <a:p>
-            <a:pPr algn="r" rtl="1"/>
-            <a:r>
-              <a:rPr lang="en-US" baseline="0" dirty="0" smtClean="0"/>
-              <a:t>Output gate=o</a:t>
-            </a:r>
-            <a:r>
-              <a:rPr lang="he-IL" baseline="0" dirty="0" smtClean="0"/>
-              <a:t> שולט באם המידע של מצב התא הנוכחי יועבר הלאה או לא.</a:t>
-            </a:r>
-          </a:p>
-          <a:p>
-            <a:pPr algn="r" rtl="1"/>
-            <a:r>
-              <a:rPr lang="he-IL" baseline="0" dirty="0" err="1" smtClean="0"/>
-              <a:t>הטנגגנט</a:t>
-            </a:r>
-            <a:r>
-              <a:rPr lang="en-US" baseline="0" dirty="0" smtClean="0"/>
-              <a:t>H</a:t>
-            </a:r>
-            <a:r>
-              <a:rPr lang="he-IL" baseline="0" dirty="0" smtClean="0"/>
-              <a:t> דואג לפיזור </a:t>
-            </a:r>
-            <a:r>
-              <a:rPr lang="he-IL" baseline="0" dirty="0" err="1" smtClean="0"/>
-              <a:t>הגרידאנטים</a:t>
-            </a:r>
-            <a:r>
-              <a:rPr lang="he-IL" baseline="0" dirty="0" smtClean="0"/>
-              <a:t> כדי למנוע פיצוץ או איפוס</a:t>
-            </a:r>
-            <a:endParaRPr lang="en-US" baseline="0" dirty="0" smtClean="0"/>
-          </a:p>
-          <a:p>
-            <a:pPr algn="r" rtl="1"/>
-            <a:endParaRPr lang="he-IL" dirty="0" smtClean="0"/>
-          </a:p>
-          <a:p>
-            <a:pPr algn="r" rtl="1"/>
-            <a:r>
-              <a:rPr lang="en-US" dirty="0" smtClean="0"/>
-              <a:t>h</a:t>
-            </a:r>
-            <a:r>
-              <a:rPr lang="he-IL" baseline="0" dirty="0" smtClean="0"/>
-              <a:t> זוהי מטריצה של ערכים חבויים שהם בעצם הפלט של תאים קודמים.</a:t>
-            </a:r>
-          </a:p>
-          <a:p>
-            <a:pPr algn="r" rtl="1"/>
-            <a:r>
-              <a:rPr lang="en-US" baseline="0" dirty="0" smtClean="0"/>
-              <a:t>b</a:t>
-            </a:r>
-            <a:r>
-              <a:rPr lang="he-IL" baseline="0" dirty="0" smtClean="0"/>
-              <a:t> זה ה</a:t>
-            </a:r>
-            <a:r>
-              <a:rPr lang="en-US" baseline="0" dirty="0" smtClean="0"/>
-              <a:t>BIAS</a:t>
-            </a:r>
-            <a:endParaRPr lang="he-IL" baseline="0" dirty="0" smtClean="0"/>
-          </a:p>
-          <a:p>
-            <a:pPr algn="r" rtl="1"/>
-            <a:r>
-              <a:rPr lang="en-US" baseline="0" dirty="0" err="1" smtClean="0"/>
-              <a:t>Wx</a:t>
-            </a:r>
-            <a:r>
-              <a:rPr lang="he-IL" baseline="0" dirty="0" smtClean="0"/>
-              <a:t> זה מטריצת משקולות</a:t>
-            </a:r>
+            <a:endParaRPr lang="en-US" dirty="0"/>
           </a:p>
         </p:txBody>
       </p:sp>
@@ -936,7 +788,7 @@
           <a:p>
             <a:fld id="{D1424380-F98C-4904-AD4B-4459796C3B26}" type="slidenum">
               <a:rPr lang="en-US" smtClean="0"/>
-              <a:t>14</a:t>
+              <a:t>13</a:t>
             </a:fld>
             <a:endParaRPr lang="en-US"/>
           </a:p>
@@ -945,7 +797,7 @@
     </p:spTree>
     <p:extLst>
       <p:ext uri="{BB962C8B-B14F-4D97-AF65-F5344CB8AC3E}">
-        <p14:creationId xmlns:p14="http://schemas.microsoft.com/office/powerpoint/2010/main" val="1387693716"/>
+        <p14:creationId xmlns:p14="http://schemas.microsoft.com/office/powerpoint/2010/main" val="4271447267"/>
       </p:ext>
     </p:extLst>
   </p:cSld>
@@ -1001,27 +853,378 @@
           <a:p>
             <a:pPr algn="r" rtl="1"/>
             <a:r>
-              <a:rPr lang="he-IL" dirty="0" err="1" smtClean="0"/>
+              <a:rPr lang="he-IL" dirty="0"/>
+              <a:t>נועד</a:t>
+            </a:r>
+            <a:r>
+              <a:rPr lang="he-IL" baseline="0" dirty="0"/>
+              <a:t> לפתור את הבעיה שנוצרת ב</a:t>
+            </a:r>
+            <a:r>
+              <a:rPr lang="en-US" baseline="0" dirty="0"/>
+              <a:t>RNN</a:t>
+            </a:r>
+            <a:r>
+              <a:rPr lang="he-IL" baseline="0" dirty="0"/>
+              <a:t> כאשר </a:t>
+            </a:r>
+            <a:r>
+              <a:rPr lang="he-IL" baseline="0" dirty="0" err="1"/>
+              <a:t>הגרדיאנטים</a:t>
+            </a:r>
+            <a:r>
+              <a:rPr lang="he-IL" baseline="0" dirty="0"/>
+              <a:t> גדלים מאוד או קטנים מאוד ולכם נעלמים או מתפוצצים וחיזוי משפט למשל לומד יותר מסוף המשפט מאשר תחילת משפט.  שיטה נוספת שמשתמשים בה כתוספת היא קיצוץ </a:t>
+            </a:r>
+            <a:r>
+              <a:rPr lang="he-IL" baseline="0" dirty="0" err="1"/>
+              <a:t>גרדיאנטים</a:t>
+            </a:r>
+            <a:r>
+              <a:rPr lang="he-IL" baseline="0" dirty="0"/>
+              <a:t>. </a:t>
+            </a:r>
+          </a:p>
+          <a:p>
+            <a:pPr algn="r" rtl="1"/>
+            <a:r>
+              <a:rPr lang="en-US" baseline="0" dirty="0"/>
+              <a:t>C</a:t>
+            </a:r>
+            <a:r>
+              <a:rPr lang="he-IL" baseline="0" dirty="0"/>
+              <a:t> זה תא הזיכרון הנצבר, הוא צובר את מצב האינפורמציה הנוכחית. התא נכתב, מונגש ונערך על ידי פרמטרים מוגדרים ושערים.</a:t>
+            </a:r>
+          </a:p>
+          <a:p>
+            <a:pPr algn="r" rtl="1"/>
+            <a:r>
+              <a:rPr lang="he-IL" baseline="0" dirty="0"/>
+              <a:t>כל פעם שקלט חדש מגיע, התא יצבור את המידע שלו אם שער הקלט </a:t>
+            </a:r>
+            <a:r>
+              <a:rPr lang="en-US" baseline="0" dirty="0"/>
+              <a:t>I</a:t>
+            </a:r>
+            <a:r>
+              <a:rPr lang="he-IL" baseline="0" dirty="0"/>
+              <a:t> מופעל. בנוסף, המצב הקודם של התא יכול להימחק חלקית אם שער </a:t>
+            </a:r>
+            <a:r>
+              <a:rPr lang="he-IL" baseline="0" dirty="0" err="1"/>
+              <a:t>השכחון</a:t>
+            </a:r>
+            <a:r>
+              <a:rPr lang="he-IL" baseline="0" dirty="0"/>
+              <a:t> </a:t>
+            </a:r>
+            <a:r>
+              <a:rPr lang="en-US" baseline="0" dirty="0"/>
+              <a:t>F</a:t>
+            </a:r>
+            <a:r>
+              <a:rPr lang="he-IL" baseline="0" dirty="0"/>
+              <a:t> מופעל. אם השער הנוכחי יעביר מידע הלאה או לא נקבע על ידי שער הפלט </a:t>
+            </a:r>
+            <a:r>
+              <a:rPr lang="en-US" baseline="0" dirty="0"/>
+              <a:t>O</a:t>
+            </a:r>
+            <a:r>
+              <a:rPr lang="he-IL" baseline="0" dirty="0"/>
+              <a:t>. כלומר</a:t>
+            </a:r>
+            <a:r>
+              <a:rPr lang="en-US" baseline="0" dirty="0"/>
+              <a:t>h</a:t>
+            </a:r>
+            <a:r>
+              <a:rPr lang="he-IL" baseline="0" dirty="0"/>
+              <a:t> אלו הפרמטרים הסופיים שמועברים </a:t>
+            </a:r>
+            <a:r>
+              <a:rPr lang="he-IL" baseline="0" dirty="0" err="1"/>
+              <a:t>ורלוונטים</a:t>
+            </a:r>
+            <a:r>
+              <a:rPr lang="he-IL" baseline="0" dirty="0"/>
+              <a:t>. </a:t>
+            </a:r>
+            <a:r>
+              <a:rPr lang="en-US" baseline="0" dirty="0"/>
+              <a:t>C</a:t>
+            </a:r>
+            <a:r>
+              <a:rPr lang="he-IL" baseline="0" dirty="0"/>
+              <a:t> הוא רק מצב התא. </a:t>
+            </a:r>
+          </a:p>
+          <a:p>
+            <a:pPr algn="r" rtl="1"/>
+            <a:r>
+              <a:rPr lang="he-IL" baseline="0" dirty="0"/>
+              <a:t>כעת, עבור תא מסוג </a:t>
+            </a:r>
+            <a:r>
+              <a:rPr lang="he-IL" baseline="0" dirty="0" err="1"/>
+              <a:t>קונבולציה</a:t>
+            </a:r>
+            <a:r>
+              <a:rPr lang="he-IL" baseline="0" dirty="0"/>
+              <a:t>, ניתן להתייחס גם לפרמטרים המרחביים בכל שכל </a:t>
+            </a:r>
+            <a:r>
+              <a:rPr lang="he-IL" baseline="0" dirty="0" err="1"/>
+              <a:t>האינפוטים</a:t>
+            </a:r>
+            <a:r>
+              <a:rPr lang="he-IL" baseline="0" dirty="0"/>
+              <a:t>, המצבים, שערים ומצבים חבויים הם בצורת מידע ספקטרלי תלת </a:t>
+            </a:r>
+            <a:r>
+              <a:rPr lang="he-IL" baseline="0" dirty="0" err="1"/>
+              <a:t>מימדי</a:t>
+            </a:r>
+            <a:r>
+              <a:rPr lang="he-IL" baseline="0" dirty="0"/>
+              <a:t> כך שניתן להתייחס למידע דו </a:t>
+            </a:r>
+            <a:r>
+              <a:rPr lang="he-IL" baseline="0" dirty="0" err="1"/>
+              <a:t>מימדי</a:t>
+            </a:r>
+            <a:r>
+              <a:rPr lang="he-IL" baseline="0" dirty="0"/>
+              <a:t>.</a:t>
+            </a:r>
+          </a:p>
+          <a:p>
+            <a:pPr algn="r" rtl="1"/>
+            <a:r>
+              <a:rPr lang="he-IL" baseline="0" dirty="0"/>
+              <a:t>אתחול השער הוא באפסים.</a:t>
+            </a:r>
+          </a:p>
+          <a:p>
+            <a:pPr algn="r" rtl="1"/>
+            <a:r>
+              <a:rPr lang="he-IL" baseline="0" dirty="0"/>
+              <a:t>תפקיד השער הזיכרון הוא להחליט מתי לעדכן ערך</a:t>
+            </a:r>
+          </a:p>
+          <a:p>
+            <a:pPr algn="r" rtl="1"/>
+            <a:r>
+              <a:rPr lang="en-US" baseline="0" dirty="0"/>
+              <a:t>Forget gate =f </a:t>
+            </a:r>
+            <a:r>
+              <a:rPr lang="he-IL" baseline="0" dirty="0"/>
+              <a:t> שולט באם תא הזיכרון יהפוך ל0 או לא.</a:t>
+            </a:r>
+          </a:p>
+          <a:p>
+            <a:pPr algn="r" rtl="1"/>
+            <a:r>
+              <a:rPr lang="en-US" baseline="0" dirty="0"/>
+              <a:t>Update gate=I</a:t>
+            </a:r>
+            <a:r>
+              <a:rPr lang="he-IL" baseline="0" dirty="0"/>
+              <a:t> נועד או אינפוט </a:t>
+            </a:r>
+            <a:r>
+              <a:rPr lang="he-IL" baseline="0" dirty="0" err="1"/>
+              <a:t>גייט</a:t>
+            </a:r>
+            <a:r>
+              <a:rPr lang="he-IL" baseline="0" dirty="0"/>
+              <a:t>, קובע האם יש עדכון או לא.</a:t>
+            </a:r>
+            <a:endParaRPr lang="en-US" baseline="0" dirty="0"/>
+          </a:p>
+          <a:p>
+            <a:pPr algn="r" rtl="1"/>
+            <a:r>
+              <a:rPr lang="en-US" baseline="0" dirty="0"/>
+              <a:t>Output gate=o</a:t>
+            </a:r>
+            <a:r>
+              <a:rPr lang="he-IL" baseline="0" dirty="0"/>
+              <a:t> שולט באם המידע של מצב התא הנוכחי יועבר הלאה או לא.</a:t>
+            </a:r>
+          </a:p>
+          <a:p>
+            <a:pPr algn="r" rtl="1"/>
+            <a:r>
+              <a:rPr lang="he-IL" baseline="0" dirty="0" err="1"/>
+              <a:t>הטנגגנט</a:t>
+            </a:r>
+            <a:r>
+              <a:rPr lang="en-US" baseline="0" dirty="0"/>
+              <a:t>H</a:t>
+            </a:r>
+            <a:r>
+              <a:rPr lang="he-IL" baseline="0" dirty="0"/>
+              <a:t> דואג לפיזור </a:t>
+            </a:r>
+            <a:r>
+              <a:rPr lang="he-IL" baseline="0" dirty="0" err="1"/>
+              <a:t>הגרידאנטים</a:t>
+            </a:r>
+            <a:r>
+              <a:rPr lang="he-IL" baseline="0" dirty="0"/>
+              <a:t> כדי למנוע פיצוץ או איפוס</a:t>
+            </a:r>
+            <a:endParaRPr lang="en-US" baseline="0" dirty="0"/>
+          </a:p>
+          <a:p>
+            <a:pPr algn="r" rtl="1"/>
+            <a:endParaRPr lang="he-IL" dirty="0"/>
+          </a:p>
+          <a:p>
+            <a:pPr algn="r" rtl="1"/>
+            <a:r>
+              <a:rPr lang="en-US" dirty="0"/>
+              <a:t>h</a:t>
+            </a:r>
+            <a:r>
+              <a:rPr lang="he-IL" baseline="0" dirty="0"/>
+              <a:t> זוהי מטריצה של ערכים חבויים שהם בעצם הפלט של תאים קודמים.</a:t>
+            </a:r>
+          </a:p>
+          <a:p>
+            <a:pPr algn="r" rtl="1"/>
+            <a:r>
+              <a:rPr lang="en-US" baseline="0" dirty="0"/>
+              <a:t>b</a:t>
+            </a:r>
+            <a:r>
+              <a:rPr lang="he-IL" baseline="0" dirty="0"/>
+              <a:t> זה ה</a:t>
+            </a:r>
+            <a:r>
+              <a:rPr lang="en-US" baseline="0" dirty="0"/>
+              <a:t>BIAS</a:t>
+            </a:r>
+            <a:endParaRPr lang="he-IL" baseline="0" dirty="0"/>
+          </a:p>
+          <a:p>
+            <a:pPr algn="r" rtl="1"/>
+            <a:r>
+              <a:rPr lang="en-US" baseline="0" dirty="0" err="1"/>
+              <a:t>Wx</a:t>
+            </a:r>
+            <a:r>
+              <a:rPr lang="he-IL" baseline="0" dirty="0"/>
+              <a:t> זה מטריצת משקולות</a:t>
+            </a:r>
+          </a:p>
+        </p:txBody>
+      </p:sp>
+      <p:sp>
+        <p:nvSpPr>
+          <p:cNvPr id="4" name="Slide Number Placeholder 3"/>
+          <p:cNvSpPr>
+            <a:spLocks noGrp="1"/>
+          </p:cNvSpPr>
+          <p:nvPr>
+            <p:ph type="sldNum" sz="quarter" idx="5"/>
+          </p:nvPr>
+        </p:nvSpPr>
+        <p:spPr/>
+        <p:txBody>
+          <a:bodyPr/>
+          <a:lstStyle/>
+          <a:p>
+            <a:fld id="{D1424380-F98C-4904-AD4B-4459796C3B26}" type="slidenum">
+              <a:rPr lang="en-US" smtClean="0"/>
+              <a:t>14</a:t>
+            </a:fld>
+            <a:endParaRPr lang="en-US"/>
+          </a:p>
+        </p:txBody>
+      </p:sp>
+    </p:spTree>
+    <p:extLst>
+      <p:ext uri="{BB962C8B-B14F-4D97-AF65-F5344CB8AC3E}">
+        <p14:creationId xmlns:p14="http://schemas.microsoft.com/office/powerpoint/2010/main" val="1387693716"/>
+      </p:ext>
+    </p:extLst>
+  </p:cSld>
+  <p:clrMapOvr>
+    <a:masterClrMapping/>
+  </p:clrMapOvr>
+</p:notes>
+</file>
+
+<file path=ppt/notesSlides/notesSlide12.xml><?xml version="1.0" encoding="utf-8"?>
+<p:notes xmlns:a="http://schemas.openxmlformats.org/drawingml/2006/main" xmlns:r="http://schemas.openxmlformats.org/officeDocument/2006/relationships" xmlns:p="http://schemas.openxmlformats.org/presentationml/2006/main">
+  <p:cSld>
+    <p:spTree>
+      <p:nvGrpSpPr>
+        <p:cNvPr id="1" name=""/>
+        <p:cNvGrpSpPr/>
+        <p:nvPr/>
+      </p:nvGrpSpPr>
+      <p:grpSpPr>
+        <a:xfrm>
+          <a:off x="0" y="0"/>
+          <a:ext cx="0" cy="0"/>
+          <a:chOff x="0" y="0"/>
+          <a:chExt cx="0" cy="0"/>
+        </a:xfrm>
+      </p:grpSpPr>
+      <p:sp>
+        <p:nvSpPr>
+          <p:cNvPr id="2" name="Slide Image Placeholder 1"/>
+          <p:cNvSpPr>
+            <a:spLocks noGrp="1" noRot="1" noChangeAspect="1"/>
+          </p:cNvSpPr>
+          <p:nvPr>
+            <p:ph type="sldImg"/>
+          </p:nvPr>
+        </p:nvSpPr>
+        <p:spPr/>
+      </p:sp>
+      <p:sp>
+        <p:nvSpPr>
+          <p:cNvPr id="3" name="Notes Placeholder 2"/>
+          <p:cNvSpPr>
+            <a:spLocks noGrp="1"/>
+          </p:cNvSpPr>
+          <p:nvPr>
+            <p:ph type="body" idx="1"/>
+          </p:nvPr>
+        </p:nvSpPr>
+        <p:spPr/>
+        <p:txBody>
+          <a:bodyPr/>
+          <a:lstStyle/>
+          <a:p>
+            <a:pPr algn="r" rtl="1"/>
+            <a:r>
+              <a:rPr lang="he-IL" dirty="0" err="1"/>
               <a:t>האנקודר</a:t>
             </a:r>
             <a:r>
-              <a:rPr lang="he-IL" baseline="0" dirty="0" smtClean="0"/>
+              <a:rPr lang="he-IL" baseline="0" dirty="0"/>
               <a:t> הופך סיקוונס </a:t>
             </a:r>
             <a:r>
-              <a:rPr lang="he-IL" baseline="0" dirty="0" err="1" smtClean="0"/>
+              <a:rPr lang="he-IL" baseline="0" dirty="0" err="1"/>
               <a:t>לוקטור</a:t>
             </a:r>
             <a:r>
-              <a:rPr lang="he-IL" baseline="0" dirty="0" smtClean="0"/>
+              <a:rPr lang="he-IL" baseline="0" dirty="0"/>
               <a:t> </a:t>
             </a:r>
             <a:r>
-              <a:rPr lang="he-IL" baseline="0" dirty="0" err="1" smtClean="0"/>
+              <a:rPr lang="he-IL" baseline="0" dirty="0" err="1"/>
               <a:t>והדיקודר</a:t>
             </a:r>
             <a:r>
-              <a:rPr lang="he-IL" baseline="0" dirty="0" smtClean="0"/>
+              <a:rPr lang="he-IL" baseline="0" dirty="0"/>
               <a:t> הופך וקטור לסיקוונס. </a:t>
             </a:r>
             <a:endParaRPr lang="he-IL" dirty="0"/>
@@ -1064,7 +1267,7 @@
 </p:notes>
 </file>
 
-<file path=ppt/notesSlides/notesSlide12.xml><?xml version="1.0" encoding="utf-8"?>
+<file path=ppt/notesSlides/notesSlide13.xml><?xml version="1.0" encoding="utf-8"?>
 <p:notes xmlns:a="http://schemas.openxmlformats.org/drawingml/2006/main" xmlns:r="http://schemas.openxmlformats.org/officeDocument/2006/relationships" xmlns:p="http://schemas.openxmlformats.org/presentationml/2006/main">
   <p:cSld>
     <p:spTree>
@@ -1577,97 +1780,97 @@
           <a:p>
             <a:pPr algn="r" rtl="1"/>
             <a:r>
-              <a:rPr lang="he-IL" dirty="0" smtClean="0"/>
+              <a:rPr lang="he-IL" dirty="0"/>
               <a:t>השיטה המוצעת היא שימוש ברשת נוירונים אשר מקבלת תמונה בגודל מסוים, לאחר מכן חותכת אותה ומקטינה אותה ובעצם משתמשת במעין 3 </a:t>
             </a:r>
             <a:r>
-              <a:rPr lang="he-IL" dirty="0" err="1" smtClean="0"/>
+              <a:rPr lang="he-IL" dirty="0" err="1"/>
               <a:t>סקלות</a:t>
             </a:r>
             <a:r>
-              <a:rPr lang="he-IL" dirty="0" smtClean="0"/>
+              <a:rPr lang="he-IL" dirty="0"/>
               <a:t> שונות של גודל התמונה במהלך תהליך הלמידה. כלומר יש כאן מעין פירמידה בשינוי גודל התמונה.</a:t>
             </a:r>
             <a:r>
-              <a:rPr lang="en-US" dirty="0" smtClean="0"/>
+              <a:rPr lang="en-US" dirty="0"/>
               <a:t> </a:t>
             </a:r>
             <a:r>
-              <a:rPr lang="he-IL" dirty="0" smtClean="0"/>
+              <a:rPr lang="he-IL" dirty="0"/>
               <a:t>יש כאן יצירה של תמונה חדה מתמונה מטושטשת מכל סקלה כתת משימה. עוד תכונה של הרשת היא שהיא מסוג </a:t>
             </a:r>
             <a:r>
-              <a:rPr lang="en-US" dirty="0" smtClean="0"/>
+              <a:rPr lang="en-US" dirty="0"/>
               <a:t>RNN</a:t>
             </a:r>
             <a:r>
-              <a:rPr lang="he-IL" dirty="0" smtClean="0"/>
+              <a:rPr lang="he-IL" dirty="0"/>
               <a:t>, כלומר עוברת בצורת סיקוונס כך שתמונה בעצם נותנת מעין ניבוי לתמונה הבאה.</a:t>
             </a:r>
           </a:p>
           <a:p>
             <a:pPr algn="r" rtl="1"/>
             <a:r>
-              <a:rPr lang="he-IL" dirty="0" smtClean="0"/>
+              <a:rPr lang="he-IL" dirty="0"/>
               <a:t>למשל שימוש ב</a:t>
             </a:r>
             <a:r>
-              <a:rPr lang="en-US" dirty="0" smtClean="0"/>
+              <a:rPr lang="en-US" dirty="0"/>
               <a:t>RNN</a:t>
             </a:r>
             <a:r>
-              <a:rPr lang="he-IL" dirty="0" smtClean="0"/>
+              <a:rPr lang="he-IL" dirty="0"/>
               <a:t> על מנת לפרוס את הפרמטרים על פני כל הרשת. בדרך כלל בשיטות ניקוי טשטוש משתמשים בשיטת הפירמידה, כלומר מתחילים מתמונה קטנה ומטושטשת ועולים ברזולוציה ובניקוי בעוד 2 שלבים. היתרון ב</a:t>
             </a:r>
             <a:r>
-              <a:rPr lang="en-US" dirty="0" smtClean="0"/>
+              <a:rPr lang="en-US" dirty="0"/>
               <a:t>RNN</a:t>
             </a:r>
             <a:r>
-              <a:rPr lang="he-IL" dirty="0" smtClean="0"/>
+              <a:rPr lang="he-IL" dirty="0"/>
               <a:t> כאן הוא שניתן לחלוק את הפרמטרים של כל </a:t>
             </a:r>
             <a:r>
-              <a:rPr lang="he-IL" dirty="0" err="1" smtClean="0"/>
+              <a:rPr lang="he-IL" dirty="0" err="1"/>
               <a:t>הסקלות</a:t>
             </a:r>
             <a:r>
-              <a:rPr lang="he-IL" dirty="0" smtClean="0"/>
+              <a:rPr lang="he-IL" dirty="0"/>
               <a:t> ולא לחשב פרמטרים שונים עבור כל סקלה וכך לחסוך מקום וזמן. נעשה שימוש בשיטת "</a:t>
             </a:r>
             <a:r>
-              <a:rPr lang="he-IL" dirty="0" err="1" smtClean="0"/>
+              <a:rPr lang="he-IL" dirty="0" err="1"/>
               <a:t>אנקודור-דיקודר</a:t>
             </a:r>
             <a:r>
-              <a:rPr lang="he-IL" dirty="0" smtClean="0"/>
+              <a:rPr lang="he-IL" dirty="0"/>
               <a:t>", השיטה הזו היא בעצם חלק אחד של הרשת לומד את האינפוט ובונה ממנו משקולות שיזהו אותו והחלק השני, </a:t>
             </a:r>
             <a:r>
-              <a:rPr lang="he-IL" dirty="0" err="1" smtClean="0"/>
+              <a:rPr lang="he-IL" dirty="0" err="1"/>
               <a:t>הדיקודר</a:t>
             </a:r>
             <a:r>
-              <a:rPr lang="he-IL" dirty="0" smtClean="0"/>
+              <a:rPr lang="he-IL" dirty="0"/>
               <a:t> בעצם לומד להשלים את </a:t>
             </a:r>
             <a:r>
-              <a:rPr lang="he-IL" dirty="0" err="1" smtClean="0"/>
+              <a:rPr lang="he-IL" dirty="0" err="1"/>
               <a:t>האנקודר</a:t>
             </a:r>
             <a:r>
-              <a:rPr lang="he-IL" dirty="0" smtClean="0"/>
+              <a:rPr lang="he-IL" dirty="0"/>
               <a:t>. כלומר </a:t>
             </a:r>
             <a:r>
-              <a:rPr lang="he-IL" dirty="0" err="1" smtClean="0"/>
+              <a:rPr lang="he-IL" dirty="0" err="1"/>
               <a:t>הדיקודר</a:t>
             </a:r>
             <a:r>
-              <a:rPr lang="he-IL" dirty="0" smtClean="0"/>
+              <a:rPr lang="he-IL" dirty="0"/>
               <a:t> הוא המנבא, במקרה שלנו לדוגמה הוא משערך את התמונה הנקייה. </a:t>
             </a:r>
-            <a:endParaRPr lang="en-US" dirty="0" smtClean="0"/>
+            <a:endParaRPr lang="en-US" dirty="0"/>
           </a:p>
           <a:p>
             <a:endParaRPr lang="he-IL" dirty="0"/>
@@ -1896,8 +2099,8 @@
         </p:nvSpPr>
         <p:spPr/>
       </p:sp>
-      <mc:AlternateContent xmlns:mc="http://schemas.openxmlformats.org/markup-compatibility/2006">
-        <mc:Choice xmlns:a14="http://schemas.microsoft.com/office/drawing/2010/main" Requires="a14">
+      <mc:AlternateContent xmlns:mc="http://schemas.openxmlformats.org/markup-compatibility/2006" xmlns:a14="http://schemas.microsoft.com/office/drawing/2010/main">
+        <mc:Choice Requires="a14">
           <p:sp>
             <p:nvSpPr>
               <p:cNvPr id="3" name="Notes Placeholder 2"/>
@@ -1932,11 +2135,7 @@
                 </a:r>
                 <a:r>
                   <a:rPr lang="he-IL" dirty="0"/>
-                  <a:t> המומלץ</a:t>
-                </a:r>
-                <a:r>
-                  <a:rPr lang="he-IL" dirty="0" smtClean="0"/>
-                  <a:t>.</a:t>
+                  <a:t> המומלץ.</a:t>
                 </a:r>
               </a:p>
               <a:p>
@@ -1958,7 +2157,7 @@
                   <a:defRPr/>
                 </a:pPr>
                 <a:r>
-                  <a:rPr lang="en-US" dirty="0" smtClean="0"/>
+                  <a:rPr lang="en-US" dirty="0"/>
                   <a:t>Consider momentum: </a:t>
                 </a:r>
                 <a14:m>
@@ -2085,7 +2284,7 @@
             </p:txBody>
           </p:sp>
         </mc:Choice>
-        <mc:Fallback>
+        <mc:Fallback xmlns="">
           <p:sp>
             <p:nvSpPr>
               <p:cNvPr id="3" name="Notes Placeholder 2"/>
@@ -2289,22 +2488,18 @@
           <a:p>
             <a:pPr algn="r" rtl="1"/>
             <a:r>
-              <a:rPr lang="he-IL" dirty="0" err="1" smtClean="0"/>
-              <a:t>הסקיפ</a:t>
-            </a:r>
-            <a:r>
-              <a:rPr lang="he-IL" baseline="0" dirty="0" smtClean="0"/>
-              <a:t> </a:t>
-            </a:r>
-            <a:r>
-              <a:rPr lang="he-IL" baseline="0" dirty="0" err="1" smtClean="0"/>
-              <a:t>קונקשיינס</a:t>
-            </a:r>
-            <a:r>
-              <a:rPr lang="he-IL" baseline="0" dirty="0" smtClean="0"/>
-              <a:t> עוזרים להתכנסות מהירה יותר.</a:t>
-            </a:r>
-            <a:endParaRPr lang="he-IL" dirty="0"/>
+              <a:rPr lang="he-IL" dirty="0"/>
+              <a:t>ברשת </a:t>
+            </a:r>
+            <a:r>
+              <a:rPr lang="en-US" dirty="0"/>
+              <a:t>CNN</a:t>
+            </a:r>
+            <a:r>
+              <a:rPr lang="he-IL" dirty="0"/>
+              <a:t> אנחנו מנסים לבנות פילטרים (משקולות) בצורה כללית כך שנוכל לזהות עצמים או לסווג תמונות על בסיס כמה שהם דומות לפילטרים שחישבנו במהלך האימון. הרשת מקבלת תמונות ולומדת לבנות פילטרים בשכבות רבות כך שיהיו פילטרים שיתאימו לכל "כיתה" שנרצה לסווג.</a:t>
+            </a:r>
+            <a:endParaRPr lang="en-US" dirty="0"/>
           </a:p>
         </p:txBody>
       </p:sp>
@@ -2315,7 +2510,7 @@
             <a:spLocks noGrp="1"/>
           </p:cNvSpPr>
           <p:nvPr>
-            <p:ph type="sldNum" sz="quarter" idx="10"/>
+            <p:ph type="sldNum" sz="quarter" idx="5"/>
           </p:nvPr>
         </p:nvSpPr>
         <p:spPr/>
@@ -2325,7 +2520,7 @@
           <a:p>
             <a:fld id="{D1424380-F98C-4904-AD4B-4459796C3B26}" type="slidenum">
               <a:rPr lang="en-US" smtClean="0"/>
-              <a:t>12</a:t>
+              <a:t>11</a:t>
             </a:fld>
             <a:endParaRPr lang="en-US"/>
           </a:p>
@@ -2334,7 +2529,7 @@
     </p:spTree>
     <p:extLst>
       <p:ext uri="{BB962C8B-B14F-4D97-AF65-F5344CB8AC3E}">
-        <p14:creationId xmlns:p14="http://schemas.microsoft.com/office/powerpoint/2010/main" val="3723594741"/>
+        <p14:creationId xmlns:p14="http://schemas.microsoft.com/office/powerpoint/2010/main" val="1972447633"/>
       </p:ext>
     </p:extLst>
   </p:cSld>
@@ -2389,125 +2584,23 @@
           <a:lstStyle/>
           <a:p>
             <a:pPr algn="r" rtl="1"/>
-            <a:endParaRPr lang="en-US" dirty="0" smtClean="0"/>
-          </a:p>
-          <a:p>
-            <a:pPr algn="r" rtl="1"/>
-            <a:r>
-              <a:rPr lang="en-US" dirty="0" smtClean="0"/>
-              <a:t>RNN</a:t>
-            </a:r>
-            <a:r>
-              <a:rPr lang="he-IL" dirty="0" smtClean="0"/>
-              <a:t> נוטה לגרום </a:t>
-            </a:r>
-            <a:r>
-              <a:rPr lang="he-IL" dirty="0" err="1" smtClean="0"/>
-              <a:t>לגרדיאנטים</a:t>
-            </a:r>
-            <a:r>
-              <a:rPr lang="he-IL" dirty="0" smtClean="0"/>
-              <a:t> להתפוצץ</a:t>
-            </a:r>
-            <a:r>
-              <a:rPr lang="he-IL" baseline="0" dirty="0" smtClean="0"/>
-              <a:t> או להיעלם יותר מהר מ</a:t>
-            </a:r>
-            <a:r>
-              <a:rPr lang="en-US" baseline="0" dirty="0" smtClean="0"/>
-              <a:t>CNN</a:t>
-            </a:r>
-            <a:r>
-              <a:rPr lang="he-IL" baseline="0" dirty="0" smtClean="0"/>
-              <a:t> לכן נעשה שימוש בעוד תוספות בדרך כלל ו</a:t>
-            </a:r>
-            <a:r>
-              <a:rPr lang="en-US" baseline="0" dirty="0" smtClean="0"/>
-              <a:t>SKIP</a:t>
-            </a:r>
-            <a:r>
-              <a:rPr lang="he-IL" baseline="0" dirty="0" smtClean="0"/>
-              <a:t>. הסיבה לכך היא שב</a:t>
-            </a:r>
-            <a:r>
-              <a:rPr lang="en-US" baseline="0" dirty="0" smtClean="0"/>
-              <a:t>RNN</a:t>
-            </a:r>
-            <a:r>
-              <a:rPr lang="he-IL" baseline="0" dirty="0" smtClean="0"/>
-              <a:t> הפרמטרים משותפים לעומת </a:t>
-            </a:r>
-            <a:r>
-              <a:rPr lang="en-US" baseline="0" dirty="0" smtClean="0"/>
-              <a:t>CNN</a:t>
-            </a:r>
-            <a:r>
-              <a:rPr lang="he-IL" baseline="0" dirty="0" smtClean="0"/>
-              <a:t>.</a:t>
-            </a:r>
-          </a:p>
-          <a:p>
-            <a:pPr algn="r" rtl="1"/>
-            <a:r>
-              <a:rPr lang="he-IL" baseline="0" dirty="0" smtClean="0"/>
-              <a:t>כדי לפתור את בעיית </a:t>
-            </a:r>
-            <a:r>
-              <a:rPr lang="he-IL" baseline="0" dirty="0" err="1" smtClean="0"/>
-              <a:t>הגרדיאנטים</a:t>
-            </a:r>
-            <a:r>
-              <a:rPr lang="he-IL" baseline="0" dirty="0" smtClean="0"/>
-              <a:t> הנעלמים יש צורך בלהציג פרמטר חדש שנקרא פרמטר </a:t>
-            </a:r>
-            <a:r>
-              <a:rPr lang="he-IL" baseline="0" dirty="0" err="1" smtClean="0"/>
-              <a:t>השכחון</a:t>
-            </a:r>
-            <a:r>
-              <a:rPr lang="he-IL" baseline="0" dirty="0" smtClean="0"/>
-              <a:t> או הזיכרון ואותו נראה ב</a:t>
-            </a:r>
-            <a:r>
-              <a:rPr lang="en-US" baseline="0" dirty="0" smtClean="0"/>
-              <a:t>LSTM</a:t>
-            </a:r>
-            <a:r>
-              <a:rPr lang="he-IL" baseline="0" dirty="0" smtClean="0"/>
-              <a:t> למשל.</a:t>
-            </a:r>
-          </a:p>
-          <a:p>
-            <a:pPr algn="r" rtl="1"/>
-            <a:r>
-              <a:rPr lang="he-IL" dirty="0" smtClean="0"/>
-              <a:t>ב</a:t>
-            </a:r>
-            <a:r>
-              <a:rPr lang="en-US" dirty="0" smtClean="0"/>
-              <a:t>LSTM</a:t>
-            </a:r>
-            <a:r>
-              <a:rPr lang="he-IL" dirty="0" smtClean="0"/>
-              <a:t> נחליף כל תא ברשת </a:t>
-            </a:r>
-            <a:r>
-              <a:rPr lang="en-US" dirty="0" smtClean="0"/>
-              <a:t>RNN</a:t>
-            </a:r>
-            <a:r>
-              <a:rPr lang="he-IL" dirty="0" smtClean="0"/>
-              <a:t> בתא </a:t>
-            </a:r>
-            <a:r>
-              <a:rPr lang="en-US" dirty="0" smtClean="0"/>
-              <a:t>LSTM</a:t>
-            </a:r>
-            <a:r>
-              <a:rPr lang="he-IL" dirty="0" smtClean="0"/>
-              <a:t>.</a:t>
-            </a:r>
-            <a:endParaRPr lang="en-US" dirty="0"/>
+            <a:r>
+              <a:rPr lang="he-IL" dirty="0" err="1"/>
+              <a:t>הסקיפ</a:t>
+            </a:r>
+            <a:r>
+              <a:rPr lang="he-IL" baseline="0" dirty="0"/>
+              <a:t> </a:t>
+            </a:r>
+            <a:r>
+              <a:rPr lang="he-IL" baseline="0" dirty="0" err="1"/>
+              <a:t>קונקשיינס</a:t>
+            </a:r>
+            <a:r>
+              <a:rPr lang="he-IL" baseline="0" dirty="0"/>
+              <a:t> עוזרים להתכנסות מהירה יותר.</a:t>
+            </a:r>
+            <a:endParaRPr lang="he-IL" dirty="0"/>
           </a:p>
         </p:txBody>
       </p:sp>
@@ -2518,7 +2611,7 @@
             <a:spLocks noGrp="1"/>
           </p:cNvSpPr>
           <p:nvPr>
-            <p:ph type="sldNum" sz="quarter" idx="5"/>
+            <p:ph type="sldNum" sz="quarter" idx="10"/>
           </p:nvPr>
         </p:nvSpPr>
         <p:spPr/>
@@ -2528,7 +2621,7 @@
           <a:p>
             <a:fld id="{D1424380-F98C-4904-AD4B-4459796C3B26}" type="slidenum">
               <a:rPr lang="en-US" smtClean="0"/>
-              <a:t>13</a:t>
+              <a:t>12</a:t>
             </a:fld>
             <a:endParaRPr lang="en-US"/>
           </a:p>
@@ -2537,7 +2630,7 @@
     </p:spTree>
     <p:extLst>
       <p:ext uri="{BB962C8B-B14F-4D97-AF65-F5344CB8AC3E}">
-        <p14:creationId xmlns:p14="http://schemas.microsoft.com/office/powerpoint/2010/main" val="4271447267"/>
+        <p14:creationId xmlns:p14="http://schemas.microsoft.com/office/powerpoint/2010/main" val="3723594741"/>
       </p:ext>
     </p:extLst>
   </p:cSld>
@@ -2678,7 +2771,7 @@
           <a:p>
             <a:fld id="{F3B86EC5-7C0C-4B78-9162-202D1C14F68C}" type="datetimeFigureOut">
               <a:rPr lang="en-US" smtClean="0"/>
-              <a:t>1/12/2021</a:t>
+              <a:t>1/13/2021</a:t>
             </a:fld>
             <a:endParaRPr lang="en-US"/>
           </a:p>
@@ -2848,7 +2941,7 @@
           <a:p>
             <a:fld id="{F3B86EC5-7C0C-4B78-9162-202D1C14F68C}" type="datetimeFigureOut">
               <a:rPr lang="en-US" smtClean="0"/>
-              <a:t>1/12/2021</a:t>
+              <a:t>1/13/2021</a:t>
             </a:fld>
             <a:endParaRPr lang="en-US"/>
           </a:p>
@@ -3028,7 +3121,7 @@
           <a:p>
             <a:fld id="{F3B86EC5-7C0C-4B78-9162-202D1C14F68C}" type="datetimeFigureOut">
               <a:rPr lang="en-US" smtClean="0"/>
-              <a:t>1/12/2021</a:t>
+              <a:t>1/13/2021</a:t>
             </a:fld>
             <a:endParaRPr lang="en-US"/>
           </a:p>
@@ -3198,7 +3291,7 @@
           <a:p>
             <a:fld id="{F3B86EC5-7C0C-4B78-9162-202D1C14F68C}" type="datetimeFigureOut">
               <a:rPr lang="en-US" smtClean="0"/>
-              <a:t>1/12/2021</a:t>
+              <a:t>1/13/2021</a:t>
             </a:fld>
             <a:endParaRPr lang="en-US"/>
           </a:p>
@@ -3444,7 +3537,7 @@
           <a:p>
             <a:fld id="{F3B86EC5-7C0C-4B78-9162-202D1C14F68C}" type="datetimeFigureOut">
               <a:rPr lang="en-US" smtClean="0"/>
-              <a:t>1/12/2021</a:t>
+              <a:t>1/13/2021</a:t>
             </a:fld>
             <a:endParaRPr lang="en-US"/>
           </a:p>
@@ -3676,7 +3769,7 @@
           <a:p>
             <a:fld id="{F3B86EC5-7C0C-4B78-9162-202D1C14F68C}" type="datetimeFigureOut">
               <a:rPr lang="en-US" smtClean="0"/>
-              <a:t>1/12/2021</a:t>
+              <a:t>1/13/2021</a:t>
             </a:fld>
             <a:endParaRPr lang="en-US"/>
           </a:p>
@@ -4043,7 +4136,7 @@
           <a:p>
             <a:fld id="{F3B86EC5-7C0C-4B78-9162-202D1C14F68C}" type="datetimeFigureOut">
               <a:rPr lang="en-US" smtClean="0"/>
-              <a:t>1/12/2021</a:t>
+              <a:t>1/13/2021</a:t>
             </a:fld>
             <a:endParaRPr lang="en-US"/>
           </a:p>
@@ -4161,7 +4254,7 @@
           <a:p>
             <a:fld id="{F3B86EC5-7C0C-4B78-9162-202D1C14F68C}" type="datetimeFigureOut">
               <a:rPr lang="en-US" smtClean="0"/>
-              <a:t>1/12/2021</a:t>
+              <a:t>1/13/2021</a:t>
             </a:fld>
             <a:endParaRPr lang="en-US"/>
           </a:p>
@@ -4256,7 +4349,7 @@
           <a:p>
             <a:fld id="{F3B86EC5-7C0C-4B78-9162-202D1C14F68C}" type="datetimeFigureOut">
               <a:rPr lang="en-US" smtClean="0"/>
-              <a:t>1/12/2021</a:t>
+              <a:t>1/13/2021</a:t>
             </a:fld>
             <a:endParaRPr lang="en-US"/>
           </a:p>
@@ -4533,7 +4626,7 @@
           <a:p>
             <a:fld id="{F3B86EC5-7C0C-4B78-9162-202D1C14F68C}" type="datetimeFigureOut">
               <a:rPr lang="en-US" smtClean="0"/>
-              <a:t>1/12/2021</a:t>
+              <a:t>1/13/2021</a:t>
             </a:fld>
             <a:endParaRPr lang="en-US"/>
           </a:p>
@@ -4790,7 +4883,7 @@
           <a:p>
             <a:fld id="{F3B86EC5-7C0C-4B78-9162-202D1C14F68C}" type="datetimeFigureOut">
               <a:rPr lang="en-US" smtClean="0"/>
-              <a:t>1/12/2021</a:t>
+              <a:t>1/13/2021</a:t>
             </a:fld>
             <a:endParaRPr lang="en-US"/>
           </a:p>
@@ -5003,7 +5096,7 @@
           <a:p>
             <a:fld id="{F3B86EC5-7C0C-4B78-9162-202D1C14F68C}" type="datetimeFigureOut">
               <a:rPr lang="en-US" smtClean="0"/>
-              <a:t>1/12/2021</a:t>
+              <a:t>1/13/2021</a:t>
             </a:fld>
             <a:endParaRPr lang="en-US"/>
           </a:p>
@@ -5729,8 +5822,8 @@
           </a:p>
         </p:txBody>
       </p:sp>
-      <mc:AlternateContent xmlns:mc="http://schemas.openxmlformats.org/markup-compatibility/2006">
-        <mc:Choice xmlns:a14="http://schemas.microsoft.com/office/drawing/2010/main" Requires="a14">
+      <mc:AlternateContent xmlns:mc="http://schemas.openxmlformats.org/markup-compatibility/2006" xmlns:a14="http://schemas.microsoft.com/office/drawing/2010/main">
+        <mc:Choice Requires="a14">
           <p:sp>
             <p:nvSpPr>
               <p:cNvPr id="3" name="Content Placeholder 2">
@@ -5765,7 +5858,7 @@
                   </a:lnSpc>
                 </a:pPr>
                 <a:r>
-                  <a:rPr lang="en-US" sz="1600" dirty="0" smtClean="0"/>
+                  <a:rPr lang="en-US" sz="1600" dirty="0"/>
                   <a:t>The network training solver, updating the kernels parameters is Adam. The loss function is simple L</a:t>
                 </a:r>
                 <a:r>
@@ -6103,12 +6196,8 @@
                   </a:lnSpc>
                 </a:pPr>
                 <a:r>
-                  <a:rPr lang="en-US" sz="1600" dirty="0" smtClean="0"/>
-                  <a:t>For </a:t>
-                </a:r>
-                <a:r>
                   <a:rPr lang="en-US" sz="1600" dirty="0"/>
-                  <a:t>this research, a second order method is used, called Adam:</a:t>
+                  <a:t>For this research, a second order method is used, called Adam:</a:t>
                 </a:r>
               </a:p>
               <a:p>
@@ -6188,13 +6277,7 @@
                         <a:rPr lang="sv-SE" sz="1600" i="0" smtClean="0">
                           <a:latin typeface="Cambria Math" panose="02040503050406030204" pitchFamily="18" charset="0"/>
                         </a:rPr>
-                        <m:t>/</m:t>
-                      </m:r>
-                      <m:r>
-                        <a:rPr lang="sv-SE" sz="1600" i="0" smtClean="0">
-                          <a:latin typeface="Cambria Math" panose="02040503050406030204" pitchFamily="18" charset="0"/>
-                        </a:rPr>
-                        <m:t> (</m:t>
+                        <m:t>/ (</m:t>
                       </m:r>
                       <m:r>
                         <m:rPr>
@@ -6259,7 +6342,7 @@
                     </m:oMath>
                   </m:oMathPara>
                 </a14:m>
-                <a:endParaRPr lang="en-US" sz="1600" i="0" dirty="0" smtClean="0">
+                <a:endParaRPr lang="en-US" sz="1600" i="0" dirty="0">
                   <a:latin typeface="Cambria Math" panose="02040503050406030204" pitchFamily="18" charset="0"/>
                 </a:endParaRPr>
               </a:p>
@@ -6419,7 +6502,7 @@
                     </m:oMath>
                   </m:oMathPara>
                 </a14:m>
-                <a:endParaRPr lang="en-US" sz="1600" i="0" dirty="0" smtClean="0">
+                <a:endParaRPr lang="en-US" sz="1600" i="0" dirty="0">
                   <a:latin typeface="Cambria Math" panose="02040503050406030204" pitchFamily="18" charset="0"/>
                 </a:endParaRPr>
               </a:p>
@@ -6766,7 +6849,7 @@
             </p:txBody>
           </p:sp>
         </mc:Choice>
-        <mc:Fallback>
+        <mc:Fallback xmlns="">
           <p:sp>
             <p:nvSpPr>
               <p:cNvPr id="3" name="Content Placeholder 2">
@@ -6891,7 +6974,7 @@
           <a:p>
             <a:r>
               <a:rPr lang="en-US" dirty="0"/>
-              <a:t>CNN :</a:t>
+              <a:t>CNN : </a:t>
             </a:r>
           </a:p>
           <a:p>
@@ -6926,14 +7009,14 @@
           <p:nvPr/>
         </p:nvPicPr>
         <p:blipFill>
-          <a:blip r:embed="rId2"/>
+          <a:blip r:embed="rId3"/>
           <a:stretch>
             <a:fillRect/>
           </a:stretch>
         </p:blipFill>
         <p:spPr>
           <a:xfrm>
-            <a:off x="838200" y="3124238"/>
+            <a:off x="1018200" y="4938638"/>
             <a:ext cx="5346488" cy="1466176"/>
           </a:xfrm>
           <a:prstGeom prst="rect">
@@ -6956,15 +7039,45 @@
           <p:nvPr/>
         </p:nvPicPr>
         <p:blipFill>
-          <a:blip r:embed="rId3"/>
+          <a:blip r:embed="rId4"/>
           <a:stretch>
             <a:fillRect/>
           </a:stretch>
         </p:blipFill>
         <p:spPr>
           <a:xfrm>
-            <a:off x="7404809" y="3061681"/>
+            <a:off x="7646097" y="4720611"/>
             <a:ext cx="3707703" cy="1591289"/>
+          </a:xfrm>
+          <a:prstGeom prst="rect">
+            <a:avLst/>
+          </a:prstGeom>
+        </p:spPr>
+      </p:pic>
+      <p:pic>
+        <p:nvPicPr>
+          <p:cNvPr id="6" name="Picture 5">
+            <a:extLst>
+              <a:ext uri="{FF2B5EF4-FFF2-40B4-BE49-F238E27FC236}">
+                <a16:creationId xmlns:a16="http://schemas.microsoft.com/office/drawing/2014/main" id="{34CBFE1E-BF78-4D15-89AF-CDD87E3E52AD}"/>
+              </a:ext>
+            </a:extLst>
+          </p:cNvPr>
+          <p:cNvPicPr>
+            <a:picLocks noChangeAspect="1"/>
+          </p:cNvPicPr>
+          <p:nvPr/>
+        </p:nvPicPr>
+        <p:blipFill>
+          <a:blip r:embed="rId5"/>
+          <a:stretch>
+            <a:fillRect/>
+          </a:stretch>
+        </p:blipFill>
+        <p:spPr>
+          <a:xfrm>
+            <a:off x="7455353" y="1850975"/>
+            <a:ext cx="4089189" cy="2734699"/>
           </a:xfrm>
           <a:prstGeom prst="rect">
             <a:avLst/>
@@ -7017,7 +7130,7 @@
                 <a16:creationId xmlns:a16="http://schemas.microsoft.com/office/drawing/2014/main" id="{70155189-D96C-4527-B0EC-654B946BE615}"/>
               </a:ext>
               <a:ext uri="{C183D7F6-B498-43B3-948B-1728B52AA6E4}">
-                <adec:decorative xmlns:adec="http://schemas.microsoft.com/office/drawing/2017/decorative" xmlns="" val="1"/>
+                <adec:decorative xmlns:adec="http://schemas.microsoft.com/office/drawing/2017/decorative" val="1"/>
               </a:ext>
             </a:extLst>
           </p:cNvPr>
@@ -7099,14 +7212,13 @@
           <a:p>
             <a:pPr algn="ctr"/>
             <a:r>
-              <a:rPr lang="en-US" sz="5200" dirty="0" err="1" smtClean="0"/>
+              <a:rPr lang="en-US" sz="5200" dirty="0" err="1"/>
               <a:t>ResBLock</a:t>
             </a:r>
             <a:r>
-              <a:rPr lang="en-US" sz="5200" dirty="0" smtClean="0"/>
+              <a:rPr lang="en-US" sz="5200" dirty="0"/>
               <a:t> and skip-connections</a:t>
             </a:r>
-            <a:endParaRPr lang="en-US" sz="5200" dirty="0"/>
           </a:p>
         </p:txBody>
       </p:sp>
@@ -7363,7 +7475,7 @@
                 <a16:creationId xmlns:a16="http://schemas.microsoft.com/office/drawing/2014/main" id="{5AAE9118-0436-4488-AC4A-C14DF6A7B6B1}"/>
               </a:ext>
               <a:ext uri="{C183D7F6-B498-43B3-948B-1728B52AA6E4}">
-                <adec:decorative xmlns:adec="http://schemas.microsoft.com/office/drawing/2017/decorative" xmlns="" val="1"/>
+                <adec:decorative xmlns:adec="http://schemas.microsoft.com/office/drawing/2017/decorative" val="1"/>
               </a:ext>
             </a:extLst>
           </p:cNvPr>
@@ -7455,7 +7567,7 @@
                 <a16:creationId xmlns:a16="http://schemas.microsoft.com/office/drawing/2014/main" id="{1B10F861-B8F1-49C7-BD58-EAB20CEE7F93}"/>
               </a:ext>
               <a:ext uri="{C183D7F6-B498-43B3-948B-1728B52AA6E4}">
-                <adec:decorative xmlns:adec="http://schemas.microsoft.com/office/drawing/2017/decorative" xmlns="" val="1"/>
+                <adec:decorative xmlns:adec="http://schemas.microsoft.com/office/drawing/2017/decorative" val="1"/>
               </a:ext>
             </a:extLst>
           </p:cNvPr>
@@ -7529,7 +7641,7 @@
                 <a16:creationId xmlns:a16="http://schemas.microsoft.com/office/drawing/2014/main" id="{61F6E425-22AB-4DA2-8FAC-58ADB58EF6C3}"/>
               </a:ext>
               <a:ext uri="{C183D7F6-B498-43B3-948B-1728B52AA6E4}">
-                <adec:decorative xmlns:adec="http://schemas.microsoft.com/office/drawing/2017/decorative" xmlns="" val="1"/>
+                <adec:decorative xmlns:adec="http://schemas.microsoft.com/office/drawing/2017/decorative" val="1"/>
               </a:ext>
             </a:extLst>
           </p:cNvPr>
@@ -7646,8 +7758,38 @@
         </p:blipFill>
         <p:spPr>
           <a:xfrm>
-            <a:off x="7142093" y="2596624"/>
+            <a:off x="7024115" y="2553424"/>
             <a:ext cx="3838880" cy="3291840"/>
+          </a:xfrm>
+          <a:prstGeom prst="rect">
+            <a:avLst/>
+          </a:prstGeom>
+        </p:spPr>
+      </p:pic>
+      <p:pic>
+        <p:nvPicPr>
+          <p:cNvPr id="6" name="Picture 5">
+            <a:extLst>
+              <a:ext uri="{FF2B5EF4-FFF2-40B4-BE49-F238E27FC236}">
+                <a16:creationId xmlns:a16="http://schemas.microsoft.com/office/drawing/2014/main" id="{971678D8-71BB-40AA-AA9F-350FD4CFA7D5}"/>
+              </a:ext>
+            </a:extLst>
+          </p:cNvPr>
+          <p:cNvPicPr>
+            <a:picLocks noChangeAspect="1"/>
+          </p:cNvPicPr>
+          <p:nvPr/>
+        </p:nvPicPr>
+        <p:blipFill>
+          <a:blip r:embed="rId5"/>
+          <a:stretch>
+            <a:fillRect/>
+          </a:stretch>
+        </p:blipFill>
+        <p:spPr>
+          <a:xfrm>
+            <a:off x="8345650" y="5777068"/>
+            <a:ext cx="1546966" cy="396919"/>
           </a:xfrm>
           <a:prstGeom prst="rect">
             <a:avLst/>
@@ -7700,7 +7842,7 @@
                 <a16:creationId xmlns:a16="http://schemas.microsoft.com/office/drawing/2014/main" id="{8761DDFE-071F-4200-B0AA-394476C2D2D6}"/>
               </a:ext>
               <a:ext uri="{C183D7F6-B498-43B3-948B-1728B52AA6E4}">
-                <adec:decorative xmlns:adec="http://schemas.microsoft.com/office/drawing/2017/decorative" xmlns="" val="1"/>
+                <adec:decorative xmlns:adec="http://schemas.microsoft.com/office/drawing/2017/decorative" val="1"/>
               </a:ext>
             </a:extLst>
           </p:cNvPr>
@@ -7824,16 +7966,15 @@
               <a:t>ConvLSTM</a:t>
             </a:r>
             <a:r>
-              <a:rPr lang="en-US" sz="2000" dirty="0" smtClean="0"/>
+              <a:rPr lang="en-US" sz="2000" dirty="0"/>
               <a:t>.</a:t>
             </a:r>
           </a:p>
           <a:p>
             <a:r>
-              <a:rPr lang="en-US" sz="2000" dirty="0" smtClean="0"/>
+              <a:rPr lang="en-US" sz="2000" dirty="0"/>
               <a:t>Originally design to solve the vanishing gradient problem.</a:t>
             </a:r>
-            <a:endParaRPr lang="en-US" sz="2000" dirty="0"/>
           </a:p>
         </p:txBody>
       </p:sp>
@@ -8125,19 +8266,14 @@
           <a:p>
             <a:r>
               <a:rPr lang="en-US" dirty="0"/>
-              <a:t>Encoder-decoder as mentioned before, refers to a symmetric CNN structure that transform input data into feature maps with converging spatial size in the encoder and then transformed back to original size using the decoder</a:t>
-            </a:r>
-            <a:r>
-              <a:rPr lang="en-US" dirty="0" smtClean="0"/>
-              <a:t>.</a:t>
-            </a:r>
-          </a:p>
-          <a:p>
-            <a:r>
-              <a:rPr lang="en-US" dirty="0" smtClean="0"/>
+              <a:t>Encoder-decoder as mentioned before, refers to a symmetric CNN structure that transform input data into feature maps with converging spatial size in the encoder and then transformed back to original size using the decoder.</a:t>
+            </a:r>
+          </a:p>
+          <a:p>
+            <a:r>
+              <a:rPr lang="en-US" dirty="0"/>
               <a:t>Encoder-decoder can accept a sequence of certain length and output another length.</a:t>
             </a:r>
-            <a:endParaRPr lang="en-US" dirty="0"/>
           </a:p>
           <a:p>
             <a:r>
@@ -8512,20 +8648,7 @@
                                 <a:rPr lang="en-US" b="0" i="1" smtClean="0">
                                   <a:latin typeface="Cambria Math" panose="02040503050406030204" pitchFamily="18" charset="0"/>
                                 </a:rPr>
-                                <m:t>+</m:t>
-                              </m:r>
-                              <m:r>
-                                <a:rPr lang="en-US" b="0" i="1" smtClean="0">
-                                  <a:latin typeface="Cambria Math" panose="02040503050406030204" pitchFamily="18" charset="0"/>
-                                </a:rPr>
-                                <m:t>1</m:t>
-                              </m:r>
-                              <m:r>
-                                <a:rPr lang="en-US" b="0" i="1" smtClean="0">
-                                  <a:latin typeface="Cambria Math" panose="02040503050406030204" pitchFamily="18" charset="0"/>
-                                  <a:ea typeface="Cambria Math" panose="02040503050406030204" pitchFamily="18" charset="0"/>
-                                </a:rPr>
-                                <m:t>↑</m:t>
+                                <m:t>+1↑</m:t>
                               </m:r>
                             </m:sup>
                           </m:sSup>
@@ -8682,20 +8805,7 @@
                                 <a:rPr lang="en-US" b="0" i="1" smtClean="0">
                                   <a:latin typeface="Cambria Math" panose="02040503050406030204" pitchFamily="18" charset="0"/>
                                 </a:rPr>
-                                <m:t>+</m:t>
-                              </m:r>
-                              <m:r>
-                                <a:rPr lang="en-US" b="0" i="1" smtClean="0">
-                                  <a:latin typeface="Cambria Math" panose="02040503050406030204" pitchFamily="18" charset="0"/>
-                                </a:rPr>
-                                <m:t>1</m:t>
-                              </m:r>
-                              <m:r>
-                                <a:rPr lang="en-US" b="0" i="1" smtClean="0">
-                                  <a:latin typeface="Cambria Math" panose="02040503050406030204" pitchFamily="18" charset="0"/>
-                                  <a:ea typeface="Cambria Math" panose="02040503050406030204" pitchFamily="18" charset="0"/>
-                                </a:rPr>
-                                <m:t>↑</m:t>
+                                <m:t>+1↑</m:t>
                               </m:r>
                             </m:sup>
                           </m:sSup>
@@ -8997,7 +9107,7 @@
                 <a16:creationId xmlns:a16="http://schemas.microsoft.com/office/drawing/2014/main" id="{53F29798-D584-4792-9B62-3F5F5C36D619}"/>
               </a:ext>
               <a:ext uri="{C183D7F6-B498-43B3-948B-1728B52AA6E4}">
-                <adec:decorative xmlns:adec="http://schemas.microsoft.com/office/drawing/2017/decorative" xmlns="" val="1"/>
+                <adec:decorative xmlns:adec="http://schemas.microsoft.com/office/drawing/2017/decorative" val="1"/>
               </a:ext>
             </a:extLst>
           </p:cNvPr>
@@ -9167,7 +9277,7 @@
                 <a16:creationId xmlns:a16="http://schemas.microsoft.com/office/drawing/2014/main" id="{7A203437-703A-4E00-A8C0-91D328D6C7C7}"/>
               </a:ext>
               <a:ext uri="{C183D7F6-B498-43B3-948B-1728B52AA6E4}">
-                <adec:decorative xmlns:adec="http://schemas.microsoft.com/office/drawing/2017/decorative" xmlns="" val="1"/>
+                <adec:decorative xmlns:adec="http://schemas.microsoft.com/office/drawing/2017/decorative" val="1"/>
               </a:ext>
             </a:extLst>
           </p:cNvPr>
@@ -9292,7 +9402,7 @@
                 <a16:creationId xmlns:a16="http://schemas.microsoft.com/office/drawing/2014/main" id="{CD84038B-4A56-439B-A184-79B2D4506692}"/>
               </a:ext>
               <a:ext uri="{C183D7F6-B498-43B3-948B-1728B52AA6E4}">
-                <adec:decorative xmlns:adec="http://schemas.microsoft.com/office/drawing/2017/decorative" xmlns="" val="1"/>
+                <adec:decorative xmlns:adec="http://schemas.microsoft.com/office/drawing/2017/decorative" val="1"/>
               </a:ext>
             </a:extLst>
           </p:cNvPr>
@@ -9446,7 +9556,7 @@
                 <a16:creationId xmlns:a16="http://schemas.microsoft.com/office/drawing/2014/main" id="{4F96EE13-2C4D-4262-812E-DDE5FC35F0AD}"/>
               </a:ext>
               <a:ext uri="{C183D7F6-B498-43B3-948B-1728B52AA6E4}">
-                <adec:decorative xmlns:adec="http://schemas.microsoft.com/office/drawing/2017/decorative" xmlns="" val="1"/>
+                <adec:decorative xmlns:adec="http://schemas.microsoft.com/office/drawing/2017/decorative" val="1"/>
               </a:ext>
             </a:extLst>
           </p:cNvPr>
@@ -9602,15 +9712,7 @@
           <a:p>
             <a:r>
               <a:rPr lang="en-US" dirty="0"/>
-              <a:t>The dataset used in this work is made from </a:t>
-            </a:r>
-            <a:r>
-              <a:rPr lang="en-US" dirty="0" smtClean="0"/>
-              <a:t>averaging </a:t>
-            </a:r>
-            <a:r>
-              <a:rPr lang="en-US" dirty="0"/>
-              <a:t>consecutive short-exposure frames from videos of high-speed camera.</a:t>
+              <a:t>The dataset used in this work is made from averaging consecutive short-exposure frames from videos of high-speed camera.</a:t>
             </a:r>
           </a:p>
           <a:p>
@@ -9779,13 +9881,7 @@
       </p:grpSpPr>
       <p:sp>
         <p:nvSpPr>
-          <p:cNvPr id="2" name="Title 1">
-            <a:extLst>
-              <a:ext uri="{FF2B5EF4-FFF2-40B4-BE49-F238E27FC236}">
-                <a16:creationId xmlns:a16="http://schemas.microsoft.com/office/drawing/2014/main" id="{739F7428-6C84-4949-B48D-6CFC1C401773}"/>
-              </a:ext>
-            </a:extLst>
-          </p:cNvPr>
+          <p:cNvPr id="2" name="Title 1"/>
           <p:cNvSpPr>
             <a:spLocks noGrp="1"/>
           </p:cNvSpPr>
@@ -9800,127 +9896,20 @@
           <a:p>
             <a:r>
               <a:rPr lang="en-US" dirty="0"/>
-              <a:t>Experiments</a:t>
-            </a:r>
-          </a:p>
-        </p:txBody>
-      </p:sp>
-      <p:sp>
-        <p:nvSpPr>
-          <p:cNvPr id="3" name="Content Placeholder 2">
-            <a:extLst>
-              <a:ext uri="{FF2B5EF4-FFF2-40B4-BE49-F238E27FC236}">
-                <a16:creationId xmlns:a16="http://schemas.microsoft.com/office/drawing/2014/main" id="{3F3E9D91-ACA8-4E7C-89D9-D2098CF40280}"/>
-              </a:ext>
-            </a:extLst>
-          </p:cNvPr>
+              <a:t>Quality measurement</a:t>
+            </a:r>
+            <a:endParaRPr lang="he-IL" dirty="0"/>
+          </a:p>
+        </p:txBody>
+      </p:sp>
+      <p:sp>
+        <p:nvSpPr>
+          <p:cNvPr id="3" name="Content Placeholder 2"/>
           <p:cNvSpPr>
             <a:spLocks noGrp="1"/>
           </p:cNvSpPr>
           <p:nvPr>
             <p:ph idx="1"/>
-          </p:nvPr>
-        </p:nvSpPr>
-        <p:spPr/>
-        <p:txBody>
-          <a:bodyPr>
-            <a:normAutofit fontScale="77500" lnSpcReduction="20000"/>
-          </a:bodyPr>
-          <a:lstStyle/>
-          <a:p>
-            <a:r>
-              <a:rPr lang="en-US" dirty="0"/>
-              <a:t>The searchers compared the final NN architecture to others by means of PSNR and SSIM.</a:t>
-            </a:r>
-          </a:p>
-          <a:p>
-            <a:r>
-              <a:rPr lang="en-US" dirty="0"/>
-              <a:t>A single scale (SS) NN is tested, the recurrent connection are replaced by one convolution layer.</a:t>
-            </a:r>
-          </a:p>
-          <a:p>
-            <a:r>
-              <a:rPr lang="en-US" dirty="0"/>
-              <a:t>SC network composed of the same SS-NN at three scales but independently.</a:t>
-            </a:r>
-          </a:p>
-          <a:p>
-            <a:r>
-              <a:rPr lang="en-US" dirty="0"/>
-              <a:t>Model w/oR that do not contain recurrent modules in bottleneck layer, therefor is a shared weight version of SC.</a:t>
-            </a:r>
-          </a:p>
-          <a:p>
-            <a:r>
-              <a:rPr lang="en-US" dirty="0"/>
-              <a:t>Model RNN uses vanilla RNN rather then ConvLSTM.</a:t>
-            </a:r>
-          </a:p>
-          <a:p>
-            <a:r>
-              <a:rPr lang="en-US" dirty="0"/>
-              <a:t>Models named SR-EDRB are models that use 1,2 and 3 ResBlock.</a:t>
-            </a:r>
-          </a:p>
-          <a:p>
-            <a:r>
-              <a:rPr lang="en-US" dirty="0"/>
-              <a:t>Model SR-Flat replace encoder-decoder with a flat convolution of 43 layers. </a:t>
-            </a:r>
-          </a:p>
-          <a:p>
-            <a:r>
-              <a:rPr lang="en-US" dirty="0"/>
-              <a:t>Model SR-RB replaces all Encoder blocks and Decoder blocks with ResBlocks without any stride.</a:t>
-            </a:r>
-          </a:p>
-          <a:p>
-            <a:r>
-              <a:rPr lang="en-US" dirty="0"/>
-              <a:t>Model SR-RD uses original encoder-decoder with ResBlocks replaced by 2 convolution layers.</a:t>
-            </a:r>
-          </a:p>
-        </p:txBody>
-      </p:sp>
-    </p:spTree>
-    <p:extLst>
-      <p:ext uri="{BB962C8B-B14F-4D97-AF65-F5344CB8AC3E}">
-        <p14:creationId xmlns:p14="http://schemas.microsoft.com/office/powerpoint/2010/main" val="465918031"/>
-      </p:ext>
-    </p:extLst>
-  </p:cSld>
-  <p:clrMapOvr>
-    <a:masterClrMapping/>
-  </p:clrMapOvr>
-</p:sld>
-</file>
-
-<file path=ppt/slides/slide23.xml><?xml version="1.0" encoding="utf-8"?>
-<p:sld xmlns:a="http://schemas.openxmlformats.org/drawingml/2006/main" xmlns:r="http://schemas.openxmlformats.org/officeDocument/2006/relationships" xmlns:p="http://schemas.openxmlformats.org/presentationml/2006/main">
-  <p:cSld>
-    <p:spTree>
-      <p:nvGrpSpPr>
-        <p:cNvPr id="1" name=""/>
-        <p:cNvGrpSpPr/>
-        <p:nvPr/>
-      </p:nvGrpSpPr>
-      <p:grpSpPr>
-        <a:xfrm>
-          <a:off x="0" y="0"/>
-          <a:ext cx="0" cy="0"/>
-          <a:chOff x="0" y="0"/>
-          <a:chExt cx="0" cy="0"/>
-        </a:xfrm>
-      </p:grpSpPr>
-      <p:sp>
-        <p:nvSpPr>
-          <p:cNvPr id="2" name="Title 1"/>
-          <p:cNvSpPr>
-            <a:spLocks noGrp="1"/>
-          </p:cNvSpPr>
-          <p:nvPr>
-            <p:ph type="title"/>
           </p:nvPr>
         </p:nvSpPr>
         <p:spPr/>
@@ -9929,30 +9918,7 @@
           <a:lstStyle/>
           <a:p>
             <a:r>
-              <a:rPr lang="en-US" dirty="0" smtClean="0"/>
-              <a:t>Quality measurement</a:t>
-            </a:r>
-            <a:endParaRPr lang="he-IL" dirty="0"/>
-          </a:p>
-        </p:txBody>
-      </p:sp>
-      <p:sp>
-        <p:nvSpPr>
-          <p:cNvPr id="3" name="Content Placeholder 2"/>
-          <p:cNvSpPr>
-            <a:spLocks noGrp="1"/>
-          </p:cNvSpPr>
-          <p:nvPr>
-            <p:ph idx="1"/>
-          </p:nvPr>
-        </p:nvSpPr>
-        <p:spPr/>
-        <p:txBody>
-          <a:bodyPr/>
-          <a:lstStyle/>
-          <a:p>
-            <a:r>
-              <a:rPr lang="en-US" sz="2400" dirty="0" smtClean="0"/>
+              <a:rPr lang="en-US" sz="2400" dirty="0"/>
               <a:t>Peak signal-to-noise ratio (PSNR).</a:t>
             </a:r>
           </a:p>
@@ -9961,7 +9927,7 @@
               <a:buNone/>
             </a:pPr>
             <a:r>
-              <a:rPr lang="en-US" sz="2400" dirty="0" smtClean="0"/>
+              <a:rPr lang="en-US" sz="2400" dirty="0"/>
               <a:t>For a grey level image (8-bits), f is the “clean image” and g is the image to test: </a:t>
             </a:r>
           </a:p>
@@ -9970,7 +9936,7 @@
               <a:buNone/>
             </a:pPr>
             <a:r>
-              <a:rPr lang="en-US" sz="2400" dirty="0" smtClean="0"/>
+              <a:rPr lang="en-US" sz="2400" dirty="0"/>
               <a:t> </a:t>
             </a:r>
           </a:p>
@@ -9979,24 +9945,15 @@
               <a:buNone/>
             </a:pPr>
             <a:r>
-              <a:rPr lang="en-US" sz="2400" dirty="0" smtClean="0"/>
-              <a:t>So the higher the PSNR, the better the signal to noise ratio because  the MSE is smaller (better image quality). Small PSNR can imply high numerical differences.</a:t>
-            </a:r>
-            <a:endParaRPr lang="en-US" sz="2400" dirty="0"/>
+              <a:rPr lang="en-US" sz="2400" dirty="0"/>
+              <a:t>So, the higher the PSNR, the better the signal to noise ratio because  the MSE is smaller (better image quality). Small PSNR can imply high numerical differences.</a:t>
+            </a:r>
           </a:p>
           <a:p>
             <a:pPr algn="just"/>
             <a:r>
-              <a:rPr lang="en-US" sz="2400" dirty="0" smtClean="0"/>
-              <a:t>structural </a:t>
-            </a:r>
-            <a:r>
               <a:rPr lang="en-US" sz="2400" dirty="0"/>
-              <a:t>similarity index </a:t>
-            </a:r>
-            <a:r>
-              <a:rPr lang="en-US" sz="2400" dirty="0" smtClean="0"/>
-              <a:t>measure (SSIM), good for measuring similarity between two images. Considered to be a good quality estimate for human visual system.</a:t>
+              <a:t>structural similarity index measure (SSIM), good for measuring similarity between two images. Considered to be a good quality estimate for human visual system.</a:t>
             </a:r>
           </a:p>
           <a:p>
@@ -10136,7 +10093,7 @@
             <a:lstStyle/>
             <a:p>
               <a:r>
-                <a:rPr lang="en-US" sz="2400" dirty="0" smtClean="0"/>
+                <a:rPr lang="en-US" sz="2400" dirty="0"/>
                 <a:t>where</a:t>
               </a:r>
               <a:endParaRPr lang="he-IL" sz="2400" dirty="0"/>
@@ -10203,9 +10160,17 @@
 </p:sld>
 </file>
 
-<file path=ppt/slides/slide24.xml><?xml version="1.0" encoding="utf-8"?>
+<file path=ppt/slides/slide23.xml><?xml version="1.0" encoding="utf-8"?>
 <p:sld xmlns:a="http://schemas.openxmlformats.org/drawingml/2006/main" xmlns:r="http://schemas.openxmlformats.org/officeDocument/2006/relationships" xmlns:p="http://schemas.openxmlformats.org/presentationml/2006/main">
   <p:cSld>
+    <p:bg>
+      <p:bgPr>
+        <a:solidFill>
+          <a:schemeClr val="bg1"/>
+        </a:solidFill>
+        <a:effectLst/>
+      </p:bgPr>
+    </p:bg>
     <p:spTree>
       <p:nvGrpSpPr>
         <p:cNvPr id="1" name=""/>
@@ -10220,12 +10185,72 @@
           <a:chExt cx="0" cy="0"/>
         </a:xfrm>
       </p:grpSpPr>
+      <p:sp useBgFill="1">
+        <p:nvSpPr>
+          <p:cNvPr id="9" name="Rectangle 8">
+            <a:extLst>
+              <a:ext uri="{FF2B5EF4-FFF2-40B4-BE49-F238E27FC236}">
+                <a16:creationId xmlns:a16="http://schemas.microsoft.com/office/drawing/2014/main" id="{22587ECF-85E9-4393-9D87-8EB6F3F6C208}"/>
+              </a:ext>
+              <a:ext uri="{C183D7F6-B498-43B3-948B-1728B52AA6E4}">
+                <adec:decorative xmlns:adec="http://schemas.microsoft.com/office/drawing/2017/decorative" val="1"/>
+              </a:ext>
+            </a:extLst>
+          </p:cNvPr>
+          <p:cNvSpPr>
+            <a:spLocks noGrp="1" noRot="1" noChangeAspect="1" noMove="1" noResize="1" noEditPoints="1" noAdjustHandles="1" noChangeArrowheads="1" noChangeShapeType="1" noTextEdit="1"/>
+          </p:cNvSpPr>
+          <p:nvPr>
+            <p:extLst>
+              <p:ext uri="{386F3935-93C4-4BCD-93E2-E3B085C9AB24}">
+                <p16:designElem xmlns:p16="http://schemas.microsoft.com/office/powerpoint/2015/main" val="1"/>
+              </p:ext>
+            </p:extLst>
+          </p:nvPr>
+        </p:nvSpPr>
+        <p:spPr>
+          <a:xfrm>
+            <a:off x="-1" y="0"/>
+            <a:ext cx="12188952" cy="6858000"/>
+          </a:xfrm>
+          <a:prstGeom prst="rect">
+            <a:avLst/>
+          </a:prstGeom>
+          <a:ln>
+            <a:noFill/>
+          </a:ln>
+        </p:spPr>
+        <p:style>
+          <a:lnRef idx="2">
+            <a:schemeClr val="accent1">
+              <a:shade val="50000"/>
+            </a:schemeClr>
+          </a:lnRef>
+          <a:fillRef idx="1">
+            <a:schemeClr val="accent1"/>
+          </a:fillRef>
+          <a:effectRef idx="0">
+            <a:schemeClr val="accent1"/>
+          </a:effectRef>
+          <a:fontRef idx="minor">
+            <a:schemeClr val="lt1"/>
+          </a:fontRef>
+        </p:style>
+        <p:txBody>
+          <a:bodyPr rtlCol="0" anchor="ctr"/>
+          <a:lstStyle/>
+          <a:p>
+            <a:pPr algn="ctr"/>
+            <a:endParaRPr lang="en-US"/>
+          </a:p>
+        </p:txBody>
+      </p:sp>
       <p:sp>
         <p:nvSpPr>
           <p:cNvPr id="2" name="Title 1">
             <a:extLst>
               <a:ext uri="{FF2B5EF4-FFF2-40B4-BE49-F238E27FC236}">
-                <a16:creationId xmlns:a16="http://schemas.microsoft.com/office/drawing/2014/main" id="{762C1573-50E5-4531-A120-B6C566CDB565}"/>
+                <a16:creationId xmlns:a16="http://schemas.microsoft.com/office/drawing/2014/main" id="{739F7428-6C84-4949-B48D-6CFC1C401773}"/>
               </a:ext>
             </a:extLst>
           </p:cNvPr>
@@ -10236,14 +10261,21 @@
             <p:ph type="title"/>
           </p:nvPr>
         </p:nvSpPr>
-        <p:spPr/>
-        <p:txBody>
-          <a:bodyPr/>
+        <p:spPr>
+          <a:xfrm>
+            <a:off x="838199" y="537883"/>
+            <a:ext cx="4783697" cy="880517"/>
+          </a:xfrm>
+        </p:spPr>
+        <p:txBody>
+          <a:bodyPr anchor="b">
+            <a:normAutofit/>
+          </a:bodyPr>
           <a:lstStyle/>
           <a:p>
             <a:r>
-              <a:rPr lang="en-US" dirty="0"/>
-              <a:t>Comparison to models and other studies</a:t>
+              <a:rPr lang="en-US" sz="4000" dirty="0"/>
+              <a:t>Experiments</a:t>
             </a:r>
           </a:p>
         </p:txBody>
@@ -10253,7 +10285,7 @@
           <p:cNvPr id="3" name="Content Placeholder 2">
             <a:extLst>
               <a:ext uri="{FF2B5EF4-FFF2-40B4-BE49-F238E27FC236}">
-                <a16:creationId xmlns:a16="http://schemas.microsoft.com/office/drawing/2014/main" id="{45C2D090-E0B9-4644-8721-4F3E44B6464E}"/>
+                <a16:creationId xmlns:a16="http://schemas.microsoft.com/office/drawing/2014/main" id="{3F3E9D91-ACA8-4E7C-89D9-D2098CF40280}"/>
               </a:ext>
             </a:extLst>
           </p:cNvPr>
@@ -10264,18 +10296,90 @@
             <p:ph idx="1"/>
           </p:nvPr>
         </p:nvSpPr>
-        <p:spPr/>
-        <p:txBody>
-          <a:bodyPr/>
+        <p:spPr>
+          <a:xfrm>
+            <a:off x="619200" y="1713601"/>
+            <a:ext cx="5709600" cy="4406306"/>
+          </a:xfrm>
+        </p:spPr>
+        <p:txBody>
+          <a:bodyPr>
+            <a:normAutofit/>
+          </a:bodyPr>
           <a:lstStyle/>
           <a:p>
-            <a:endParaRPr lang="en-US"/>
+            <a:r>
+              <a:rPr lang="en-US" sz="1200" dirty="0"/>
+              <a:t>The searchers compared the final NN architecture to others by means of PSNR and SSIM.</a:t>
+            </a:r>
+          </a:p>
+          <a:p>
+            <a:r>
+              <a:rPr lang="en-US" sz="1200" dirty="0"/>
+              <a:t>A single scale (SS) NN was tested, the recurrent connection are replaced by one convolution layer.</a:t>
+            </a:r>
+          </a:p>
+          <a:p>
+            <a:r>
+              <a:rPr lang="en-US" sz="1200" dirty="0"/>
+              <a:t>SC (single scale) network composed of the same SS-NN at three scales but independently.</a:t>
+            </a:r>
+          </a:p>
+          <a:p>
+            <a:r>
+              <a:rPr lang="en-US" sz="1200" dirty="0"/>
+              <a:t>A Model without recurrent modules (w/</a:t>
+            </a:r>
+            <a:r>
+              <a:rPr lang="en-US" sz="1200" dirty="0" err="1"/>
+              <a:t>oR</a:t>
+            </a:r>
+            <a:r>
+              <a:rPr lang="en-US" sz="1200" dirty="0"/>
+              <a:t>)in bottleneck layer, therefor is a shared weight version of SC.</a:t>
+            </a:r>
+          </a:p>
+          <a:p>
+            <a:r>
+              <a:rPr lang="en-US" sz="1200" dirty="0"/>
+              <a:t>Model RNN uses vanilla RNN rather then ConvLSTM.</a:t>
+            </a:r>
+          </a:p>
+          <a:p>
+            <a:r>
+              <a:rPr lang="en-US" sz="1200" dirty="0"/>
+              <a:t>Models named SR-EDRB are models that use 1,2 and 3 ResBlock.</a:t>
+            </a:r>
+          </a:p>
+          <a:p>
+            <a:r>
+              <a:rPr lang="en-US" sz="1200" dirty="0"/>
+              <a:t>Model SR-Flat replace encoder-decoder with a flat convolution of 43 layers. </a:t>
+            </a:r>
+          </a:p>
+          <a:p>
+            <a:r>
+              <a:rPr lang="en-US" sz="1200" dirty="0"/>
+              <a:t>Model SR-RB replaces all Encoder and Decoder blocks with ResBlocks without any stride.</a:t>
+            </a:r>
+          </a:p>
+          <a:p>
+            <a:r>
+              <a:rPr lang="en-US" sz="1200" dirty="0"/>
+              <a:t>Model SR-ED uses original encoder-decoder with ResBlocks replaced by 2 convolution layers.</a:t>
+            </a:r>
           </a:p>
         </p:txBody>
       </p:sp>
       <p:pic>
         <p:nvPicPr>
-          <p:cNvPr id="4" name="Picture 3"/>
+          <p:cNvPr id="4" name="Picture 3">
+            <a:extLst>
+              <a:ext uri="{FF2B5EF4-FFF2-40B4-BE49-F238E27FC236}">
+                <a16:creationId xmlns:a16="http://schemas.microsoft.com/office/drawing/2014/main" id="{09887A4D-C5D5-4A02-BF63-BAF1615CCC31}"/>
+              </a:ext>
+            </a:extLst>
+          </p:cNvPr>
           <p:cNvPicPr>
             <a:picLocks noChangeAspect="1"/>
           </p:cNvPicPr>
@@ -10289,8 +10393,228 @@
         </p:blipFill>
         <p:spPr>
           <a:xfrm>
-            <a:off x="921706" y="3563937"/>
-            <a:ext cx="4496427" cy="2019582"/>
+            <a:off x="6398824" y="1828757"/>
+            <a:ext cx="5365375" cy="2409872"/>
+          </a:xfrm>
+          <a:prstGeom prst="rect">
+            <a:avLst/>
+          </a:prstGeom>
+        </p:spPr>
+      </p:pic>
+    </p:spTree>
+    <p:extLst>
+      <p:ext uri="{BB962C8B-B14F-4D97-AF65-F5344CB8AC3E}">
+        <p14:creationId xmlns:p14="http://schemas.microsoft.com/office/powerpoint/2010/main" val="465918031"/>
+      </p:ext>
+    </p:extLst>
+  </p:cSld>
+  <p:clrMapOvr>
+    <a:masterClrMapping/>
+  </p:clrMapOvr>
+</p:sld>
+</file>
+
+<file path=ppt/slides/slide24.xml><?xml version="1.0" encoding="utf-8"?>
+<p:sld xmlns:a="http://schemas.openxmlformats.org/drawingml/2006/main" xmlns:r="http://schemas.openxmlformats.org/officeDocument/2006/relationships" xmlns:p="http://schemas.openxmlformats.org/presentationml/2006/main">
+  <p:cSld>
+    <p:bg>
+      <p:bgPr>
+        <a:solidFill>
+          <a:schemeClr val="bg1"/>
+        </a:solidFill>
+        <a:effectLst/>
+      </p:bgPr>
+    </p:bg>
+    <p:spTree>
+      <p:nvGrpSpPr>
+        <p:cNvPr id="1" name=""/>
+        <p:cNvGrpSpPr/>
+        <p:nvPr/>
+      </p:nvGrpSpPr>
+      <p:grpSpPr>
+        <a:xfrm>
+          <a:off x="0" y="0"/>
+          <a:ext cx="0" cy="0"/>
+          <a:chOff x="0" y="0"/>
+          <a:chExt cx="0" cy="0"/>
+        </a:xfrm>
+      </p:grpSpPr>
+      <p:sp useBgFill="1">
+        <p:nvSpPr>
+          <p:cNvPr id="12" name="Rectangle 11">
+            <a:extLst>
+              <a:ext uri="{FF2B5EF4-FFF2-40B4-BE49-F238E27FC236}">
+                <a16:creationId xmlns:a16="http://schemas.microsoft.com/office/drawing/2014/main" id="{84DF55BE-B4AB-4BA1-BDE1-E9F7FB3F110A}"/>
+              </a:ext>
+              <a:ext uri="{C183D7F6-B498-43B3-948B-1728B52AA6E4}">
+                <adec:decorative xmlns:adec="http://schemas.microsoft.com/office/drawing/2017/decorative" val="1"/>
+              </a:ext>
+            </a:extLst>
+          </p:cNvPr>
+          <p:cNvSpPr>
+            <a:spLocks noGrp="1" noRot="1" noChangeAspect="1" noMove="1" noResize="1" noEditPoints="1" noAdjustHandles="1" noChangeArrowheads="1" noChangeShapeType="1" noTextEdit="1"/>
+          </p:cNvSpPr>
+          <p:nvPr>
+            <p:extLst>
+              <p:ext uri="{386F3935-93C4-4BCD-93E2-E3B085C9AB24}">
+                <p16:designElem xmlns:p16="http://schemas.microsoft.com/office/powerpoint/2015/main" val="1"/>
+              </p:ext>
+            </p:extLst>
+          </p:nvPr>
+        </p:nvSpPr>
+        <p:spPr>
+          <a:xfrm>
+            <a:off x="-1" y="0"/>
+            <a:ext cx="12188952" cy="6858000"/>
+          </a:xfrm>
+          <a:prstGeom prst="rect">
+            <a:avLst/>
+          </a:prstGeom>
+          <a:ln>
+            <a:noFill/>
+          </a:ln>
+        </p:spPr>
+        <p:style>
+          <a:lnRef idx="2">
+            <a:schemeClr val="accent1">
+              <a:shade val="50000"/>
+            </a:schemeClr>
+          </a:lnRef>
+          <a:fillRef idx="1">
+            <a:schemeClr val="accent1"/>
+          </a:fillRef>
+          <a:effectRef idx="0">
+            <a:schemeClr val="accent1"/>
+          </a:effectRef>
+          <a:fontRef idx="minor">
+            <a:schemeClr val="lt1"/>
+          </a:fontRef>
+        </p:style>
+        <p:txBody>
+          <a:bodyPr rtlCol="0" anchor="ctr"/>
+          <a:lstStyle/>
+          <a:p>
+            <a:pPr algn="ctr"/>
+            <a:endParaRPr lang="en-US"/>
+          </a:p>
+        </p:txBody>
+      </p:sp>
+      <p:sp>
+        <p:nvSpPr>
+          <p:cNvPr id="2" name="Title 1">
+            <a:extLst>
+              <a:ext uri="{FF2B5EF4-FFF2-40B4-BE49-F238E27FC236}">
+                <a16:creationId xmlns:a16="http://schemas.microsoft.com/office/drawing/2014/main" id="{762C1573-50E5-4531-A120-B6C566CDB565}"/>
+              </a:ext>
+            </a:extLst>
+          </p:cNvPr>
+          <p:cNvSpPr>
+            <a:spLocks noGrp="1"/>
+          </p:cNvSpPr>
+          <p:nvPr>
+            <p:ph type="title"/>
+          </p:nvPr>
+        </p:nvSpPr>
+        <p:spPr>
+          <a:xfrm>
+            <a:off x="841249" y="539578"/>
+            <a:ext cx="5981278" cy="1684638"/>
+          </a:xfrm>
+        </p:spPr>
+        <p:txBody>
+          <a:bodyPr>
+            <a:normAutofit/>
+          </a:bodyPr>
+          <a:lstStyle/>
+          <a:p>
+            <a:r>
+              <a:rPr lang="en-US" sz="4000"/>
+              <a:t>Comparison to models and other studies</a:t>
+            </a:r>
+          </a:p>
+        </p:txBody>
+      </p:sp>
+      <p:sp>
+        <p:nvSpPr>
+          <p:cNvPr id="3" name="Content Placeholder 2">
+            <a:extLst>
+              <a:ext uri="{FF2B5EF4-FFF2-40B4-BE49-F238E27FC236}">
+                <a16:creationId xmlns:a16="http://schemas.microsoft.com/office/drawing/2014/main" id="{45C2D090-E0B9-4644-8721-4F3E44B6464E}"/>
+              </a:ext>
+            </a:extLst>
+          </p:cNvPr>
+          <p:cNvSpPr>
+            <a:spLocks noGrp="1"/>
+          </p:cNvSpPr>
+          <p:nvPr>
+            <p:ph idx="1"/>
+          </p:nvPr>
+        </p:nvSpPr>
+        <p:spPr>
+          <a:xfrm>
+            <a:off x="838201" y="2409568"/>
+            <a:ext cx="5981278" cy="3690551"/>
+          </a:xfrm>
+        </p:spPr>
+        <p:txBody>
+          <a:bodyPr>
+            <a:normAutofit/>
+          </a:bodyPr>
+          <a:lstStyle/>
+          <a:p>
+            <a:r>
+              <a:rPr lang="en-US" sz="2000" dirty="0"/>
+              <a:t>Since the method deals with both general camera shake and object motion. The authors did not compare it to traditional uniform methods.</a:t>
+            </a:r>
+          </a:p>
+          <a:p>
+            <a:r>
+              <a:rPr lang="en-US" sz="2000" dirty="0"/>
+              <a:t>Sun </a:t>
+            </a:r>
+            <a:r>
+              <a:rPr lang="en-US" sz="2000" i="1" dirty="0"/>
+              <a:t>et al</a:t>
+            </a:r>
+            <a:r>
+              <a:rPr lang="en-US" sz="2000" dirty="0"/>
+              <a:t> estimated blur kernels using CNN  and used traditional deconvolution methods to recover sharp images. </a:t>
+            </a:r>
+          </a:p>
+          <a:p>
+            <a:r>
+              <a:rPr lang="en-US" sz="2000" dirty="0"/>
+              <a:t>Nah </a:t>
+            </a:r>
+            <a:r>
+              <a:rPr lang="en-US" sz="2000" i="1" dirty="0"/>
+              <a:t>et al</a:t>
+            </a:r>
+            <a:r>
+              <a:rPr lang="en-US" sz="2000" dirty="0"/>
+              <a:t> used a Multi-scale network with ResBlocks.</a:t>
+            </a:r>
+          </a:p>
+        </p:txBody>
+      </p:sp>
+      <p:pic>
+        <p:nvPicPr>
+          <p:cNvPr id="5" name="Picture 4"/>
+          <p:cNvPicPr>
+            <a:picLocks noChangeAspect="1"/>
+          </p:cNvPicPr>
+          <p:nvPr/>
+        </p:nvPicPr>
+        <p:blipFill>
+          <a:blip r:embed="rId2"/>
+          <a:stretch>
+            <a:fillRect/>
+          </a:stretch>
+        </p:blipFill>
+        <p:spPr>
+          <a:xfrm>
+            <a:off x="6934350" y="1049167"/>
+            <a:ext cx="5006448" cy="1521233"/>
           </a:xfrm>
           <a:prstGeom prst="rect">
             <a:avLst/>
@@ -10299,7 +10623,13 @@
       </p:pic>
       <p:pic>
         <p:nvPicPr>
-          <p:cNvPr id="5" name="Picture 4"/>
+          <p:cNvPr id="7" name="Picture 6">
+            <a:extLst>
+              <a:ext uri="{FF2B5EF4-FFF2-40B4-BE49-F238E27FC236}">
+                <a16:creationId xmlns:a16="http://schemas.microsoft.com/office/drawing/2014/main" id="{AFF06138-064E-496E-B45C-5125449D859F}"/>
+              </a:ext>
+            </a:extLst>
+          </p:cNvPr>
           <p:cNvPicPr>
             <a:picLocks noChangeAspect="1"/>
           </p:cNvPicPr>
@@ -10313,8 +10643,8 @@
         </p:blipFill>
         <p:spPr>
           <a:xfrm>
-            <a:off x="6659131" y="3935464"/>
-            <a:ext cx="4201111" cy="1276528"/>
+            <a:off x="7187519" y="3153699"/>
+            <a:ext cx="4810874" cy="2754224"/>
           </a:xfrm>
           <a:prstGeom prst="rect">
             <a:avLst/>
@@ -10527,6 +10857,14 @@
 <file path=ppt/slides/slide27.xml><?xml version="1.0" encoding="utf-8"?>
 <p:sld xmlns:a="http://schemas.openxmlformats.org/drawingml/2006/main" xmlns:r="http://schemas.openxmlformats.org/officeDocument/2006/relationships" xmlns:p="http://schemas.openxmlformats.org/presentationml/2006/main">
   <p:cSld>
+    <p:bg>
+      <p:bgPr>
+        <a:solidFill>
+          <a:schemeClr val="bg1"/>
+        </a:solidFill>
+        <a:effectLst/>
+      </p:bgPr>
+    </p:bg>
     <p:spTree>
       <p:nvGrpSpPr>
         <p:cNvPr id="1" name=""/>
@@ -10541,136 +10879,227 @@
           <a:chExt cx="0" cy="0"/>
         </a:xfrm>
       </p:grpSpPr>
-      <p:sp>
-        <p:nvSpPr>
-          <p:cNvPr id="2" name="Title 1">
+      <p:sp useBgFill="1">
+        <p:nvSpPr>
+          <p:cNvPr id="10" name="Rectangle 9">
             <a:extLst>
               <a:ext uri="{FF2B5EF4-FFF2-40B4-BE49-F238E27FC236}">
-                <a16:creationId xmlns:a16="http://schemas.microsoft.com/office/drawing/2014/main" id="{E42AF322-A107-4FFA-86F6-C14A52CA7F16}"/>
+                <a16:creationId xmlns:a16="http://schemas.microsoft.com/office/drawing/2014/main" id="{9427AF5F-9A0E-42B7-A252-FD64C9885F9C}"/>
+              </a:ext>
+              <a:ext uri="{C183D7F6-B498-43B3-948B-1728B52AA6E4}">
+                <adec:decorative xmlns:adec="http://schemas.microsoft.com/office/drawing/2017/decorative" val="1"/>
               </a:ext>
             </a:extLst>
           </p:cNvPr>
           <p:cNvSpPr>
+            <a:spLocks noGrp="1" noRot="1" noChangeAspect="1" noMove="1" noResize="1" noEditPoints="1" noAdjustHandles="1" noChangeArrowheads="1" noChangeShapeType="1" noTextEdit="1"/>
+          </p:cNvSpPr>
+          <p:nvPr>
+            <p:extLst>
+              <p:ext uri="{386F3935-93C4-4BCD-93E2-E3B085C9AB24}">
+                <p16:designElem xmlns:p16="http://schemas.microsoft.com/office/powerpoint/2015/main" val="1"/>
+              </p:ext>
+            </p:extLst>
+          </p:nvPr>
+        </p:nvSpPr>
+        <p:spPr>
+          <a:xfrm>
+            <a:off x="-1" y="0"/>
+            <a:ext cx="12188952" cy="6858000"/>
+          </a:xfrm>
+          <a:prstGeom prst="rect">
+            <a:avLst/>
+          </a:prstGeom>
+          <a:ln>
+            <a:noFill/>
+          </a:ln>
+        </p:spPr>
+        <p:style>
+          <a:lnRef idx="2">
+            <a:schemeClr val="accent1">
+              <a:shade val="50000"/>
+            </a:schemeClr>
+          </a:lnRef>
+          <a:fillRef idx="1">
+            <a:schemeClr val="accent1"/>
+          </a:fillRef>
+          <a:effectRef idx="0">
+            <a:schemeClr val="accent1"/>
+          </a:effectRef>
+          <a:fontRef idx="minor">
+            <a:schemeClr val="lt1"/>
+          </a:fontRef>
+        </p:style>
+        <p:txBody>
+          <a:bodyPr rtlCol="0" anchor="ctr"/>
+          <a:lstStyle/>
+          <a:p>
+            <a:pPr algn="ctr"/>
+            <a:endParaRPr lang="en-US"/>
+          </a:p>
+        </p:txBody>
+      </p:sp>
+      <p:sp>
+        <p:nvSpPr>
+          <p:cNvPr id="2" name="Title 1"/>
+          <p:cNvSpPr>
             <a:spLocks noGrp="1"/>
           </p:cNvSpPr>
           <p:nvPr>
             <p:ph type="title"/>
           </p:nvPr>
         </p:nvSpPr>
-        <p:spPr/>
-        <p:txBody>
-          <a:bodyPr/>
+        <p:spPr>
+          <a:xfrm>
+            <a:off x="838200" y="365125"/>
+            <a:ext cx="10515600" cy="1306443"/>
+          </a:xfrm>
+        </p:spPr>
+        <p:txBody>
+          <a:bodyPr>
+            <a:normAutofit/>
+          </a:bodyPr>
           <a:lstStyle/>
           <a:p>
             <a:r>
-              <a:rPr lang="en-US" dirty="0"/>
-              <a:t>Deconstructing the network</a:t>
-            </a:r>
-          </a:p>
-        </p:txBody>
-      </p:sp>
-      <p:sp>
-        <p:nvSpPr>
-          <p:cNvPr id="3" name="Content Placeholder 2">
+              <a:rPr lang="en-US" sz="4000"/>
+              <a:t>References</a:t>
+            </a:r>
+            <a:endParaRPr lang="he-IL" sz="4000"/>
+          </a:p>
+        </p:txBody>
+      </p:sp>
+      <p:sp>
+        <p:nvSpPr>
+          <p:cNvPr id="3" name="Content Placeholder 2"/>
+          <p:cNvSpPr>
+            <a:spLocks noGrp="1"/>
+          </p:cNvSpPr>
+          <p:nvPr>
+            <p:ph idx="1"/>
+          </p:nvPr>
+        </p:nvSpPr>
+        <p:spPr>
+          <a:xfrm>
+            <a:off x="838200" y="1825625"/>
+            <a:ext cx="5562600" cy="4035175"/>
+          </a:xfrm>
+        </p:spPr>
+        <p:txBody>
+          <a:bodyPr>
+            <a:normAutofit/>
+          </a:bodyPr>
+          <a:lstStyle/>
+          <a:p>
+            <a:r>
+              <a:rPr lang="en-US" sz="1400" dirty="0"/>
+              <a:t>Tao, Xin, et al. "Scale-recurrent network for deep image deblurring." </a:t>
+            </a:r>
+            <a:r>
+              <a:rPr lang="en-US" sz="1400" i="1" dirty="0"/>
+              <a:t>Proceedings of the IEEE Conference on Computer Vision and Pattern Recognition</a:t>
+            </a:r>
+            <a:r>
+              <a:rPr lang="en-US" sz="1400" dirty="0"/>
+              <a:t>. 2018.‏</a:t>
+            </a:r>
+          </a:p>
+          <a:p>
+            <a:r>
+              <a:rPr lang="en-US" sz="1400" dirty="0"/>
+              <a:t>Shi, Xingjian, et al. "Convolutional LSTM network: A machine learning approach for precipitation nowcasting." </a:t>
+            </a:r>
+            <a:r>
+              <a:rPr lang="en-US" sz="1400" i="1" dirty="0"/>
+              <a:t>Advances in neural information processing systems</a:t>
+            </a:r>
+            <a:r>
+              <a:rPr lang="en-US" sz="1400" dirty="0"/>
+              <a:t> 28 (2015): 802-810.‏</a:t>
+            </a:r>
+          </a:p>
+          <a:p>
+            <a:r>
+              <a:rPr lang="en-US" sz="1400" dirty="0"/>
+              <a:t>S. Nah, T. H. Kim, and K. M. Lee. Deep multi-scale convolutional neural network for dynamic scene deblurring. pages</a:t>
+            </a:r>
+            <a:r>
+              <a:rPr lang="he-IL" sz="1400" dirty="0"/>
+              <a:t>3883–3891, 2017.</a:t>
+            </a:r>
+            <a:endParaRPr lang="en-US" sz="1400" dirty="0"/>
+          </a:p>
+          <a:p>
+            <a:r>
+              <a:rPr lang="en-US" sz="1400" dirty="0"/>
+              <a:t>K. He, X. Zhang, S. Ren, and J. Sun. Deep residual learning for image recognition. In </a:t>
+            </a:r>
+            <a:r>
+              <a:rPr lang="en-US" sz="1400" i="1" dirty="0"/>
+              <a:t>CVPR</a:t>
+            </a:r>
+            <a:r>
+              <a:rPr lang="en-US" sz="1400" dirty="0"/>
+              <a:t>, pages 770–778. IEEE,2016</a:t>
+            </a:r>
+            <a:r>
+              <a:rPr lang="he-IL" sz="1400" dirty="0"/>
+              <a:t>.</a:t>
+            </a:r>
+            <a:endParaRPr lang="en-US" sz="1400" dirty="0"/>
+          </a:p>
+          <a:p>
+            <a:r>
+              <a:rPr lang="en-US" sz="1400" dirty="0"/>
+              <a:t>X. Mao, C. Shen, and Y.-B. Yang. Image restoration using very deep convolutional encoder-decoder networks with symmetric skip connections. In </a:t>
+            </a:r>
+            <a:r>
+              <a:rPr lang="en-US" sz="1400" i="1" dirty="0"/>
+              <a:t>NIPS</a:t>
+            </a:r>
+            <a:r>
+              <a:rPr lang="en-US" sz="1400" dirty="0"/>
+              <a:t>, pages 2802–2810,2016.</a:t>
+            </a:r>
+          </a:p>
+          <a:p>
+            <a:endParaRPr lang="he-IL" sz="1400" dirty="0"/>
+          </a:p>
+        </p:txBody>
+      </p:sp>
+      <p:pic>
+        <p:nvPicPr>
+          <p:cNvPr id="5" name="Picture 4">
             <a:extLst>
               <a:ext uri="{FF2B5EF4-FFF2-40B4-BE49-F238E27FC236}">
-                <a16:creationId xmlns:a16="http://schemas.microsoft.com/office/drawing/2014/main" id="{AD704D55-38BF-4D2A-A05D-5F2F1935160A}"/>
+                <a16:creationId xmlns:a16="http://schemas.microsoft.com/office/drawing/2014/main" id="{543FDAAF-1B26-4C55-84E8-2F2C70A9A8C3}"/>
               </a:ext>
             </a:extLst>
           </p:cNvPr>
-          <p:cNvSpPr>
-            <a:spLocks noGrp="1"/>
-          </p:cNvSpPr>
-          <p:nvPr>
-            <p:ph idx="1"/>
-          </p:nvPr>
-        </p:nvSpPr>
-        <p:spPr/>
-        <p:txBody>
-          <a:bodyPr>
-            <a:normAutofit lnSpcReduction="10000"/>
-          </a:bodyPr>
-          <a:lstStyle/>
-          <a:p>
-            <a:r>
-              <a:rPr lang="en-US" dirty="0"/>
-              <a:t>NN input – output</a:t>
-            </a:r>
-          </a:p>
-          <a:p>
-            <a:r>
-              <a:rPr lang="en-US" dirty="0"/>
-              <a:t>Activation function and solver</a:t>
-            </a:r>
-          </a:p>
-          <a:p>
-            <a:r>
-              <a:rPr lang="en-US" dirty="0"/>
-              <a:t>Basics of CNN, RNN, LSTM and ConvLSTM</a:t>
-            </a:r>
-          </a:p>
-          <a:p>
-            <a:r>
-              <a:rPr lang="en-US" dirty="0"/>
-              <a:t>No pooling/averaging/</a:t>
-            </a:r>
-            <a:r>
-              <a:rPr lang="en-US" dirty="0" err="1"/>
-              <a:t>normaliztion</a:t>
-            </a:r>
-            <a:r>
-              <a:rPr lang="en-US" dirty="0"/>
-              <a:t> layers?</a:t>
-            </a:r>
-          </a:p>
-          <a:p>
-            <a:r>
-              <a:rPr lang="en-US" dirty="0"/>
-              <a:t>Up-sampling</a:t>
-            </a:r>
-          </a:p>
-          <a:p>
-            <a:r>
-              <a:rPr lang="en-US" dirty="0"/>
-              <a:t>Scale connection</a:t>
-            </a:r>
-          </a:p>
-          <a:p>
-            <a:r>
-              <a:rPr lang="en-US" dirty="0"/>
-              <a:t>“</a:t>
-            </a:r>
-            <a:r>
-              <a:rPr lang="en-US" dirty="0" err="1"/>
-              <a:t>Deconvoltion</a:t>
-            </a:r>
-            <a:r>
-              <a:rPr lang="en-US" dirty="0"/>
-              <a:t>” layer</a:t>
-            </a:r>
-          </a:p>
-          <a:p>
-            <a:r>
-              <a:rPr lang="en-US" dirty="0" err="1"/>
-              <a:t>ResBLock</a:t>
-            </a:r>
-            <a:endParaRPr lang="en-US" dirty="0"/>
-          </a:p>
-          <a:p>
-            <a:r>
-              <a:rPr lang="en-US" dirty="0"/>
-              <a:t>Data used</a:t>
-            </a:r>
-          </a:p>
-          <a:p>
-            <a:endParaRPr lang="en-US" dirty="0"/>
-          </a:p>
-        </p:txBody>
-      </p:sp>
+          <p:cNvPicPr>
+            <a:picLocks noChangeAspect="1"/>
+          </p:cNvPicPr>
+          <p:nvPr/>
+        </p:nvPicPr>
+        <p:blipFill rotWithShape="1">
+          <a:blip r:embed="rId2"/>
+          <a:srcRect r="1054" b="2"/>
+          <a:stretch/>
+        </p:blipFill>
+        <p:spPr>
+          <a:xfrm>
+            <a:off x="6581904" y="1825625"/>
+            <a:ext cx="5326295" cy="3646918"/>
+          </a:xfrm>
+          <a:prstGeom prst="rect">
+            <a:avLst/>
+          </a:prstGeom>
+        </p:spPr>
+      </p:pic>
     </p:spTree>
     <p:extLst>
       <p:ext uri="{BB962C8B-B14F-4D97-AF65-F5344CB8AC3E}">
-        <p14:creationId xmlns:p14="http://schemas.microsoft.com/office/powerpoint/2010/main" val="2528602466"/>
+        <p14:creationId xmlns:p14="http://schemas.microsoft.com/office/powerpoint/2010/main" val="494712912"/>
       </p:ext>
     </p:extLst>
   </p:cSld>
@@ -10699,7 +11128,13 @@
       </p:grpSpPr>
       <p:sp>
         <p:nvSpPr>
-          <p:cNvPr id="2" name="Title 1"/>
+          <p:cNvPr id="2" name="Title 1">
+            <a:extLst>
+              <a:ext uri="{FF2B5EF4-FFF2-40B4-BE49-F238E27FC236}">
+                <a16:creationId xmlns:a16="http://schemas.microsoft.com/office/drawing/2014/main" id="{E42AF322-A107-4FFA-86F6-C14A52CA7F16}"/>
+              </a:ext>
+            </a:extLst>
+          </p:cNvPr>
           <p:cNvSpPr>
             <a:spLocks noGrp="1"/>
           </p:cNvSpPr>
@@ -10713,16 +11148,21 @@
           <a:lstStyle/>
           <a:p>
             <a:r>
-              <a:rPr lang="en-US" dirty="0" smtClean="0"/>
-              <a:t>References</a:t>
-            </a:r>
-            <a:endParaRPr lang="he-IL" dirty="0"/>
-          </a:p>
-        </p:txBody>
-      </p:sp>
-      <p:sp>
-        <p:nvSpPr>
-          <p:cNvPr id="3" name="Content Placeholder 2"/>
+              <a:rPr lang="en-US" dirty="0"/>
+              <a:t>Deconstructing the network</a:t>
+            </a:r>
+          </a:p>
+        </p:txBody>
+      </p:sp>
+      <p:sp>
+        <p:nvSpPr>
+          <p:cNvPr id="3" name="Content Placeholder 2">
+            <a:extLst>
+              <a:ext uri="{FF2B5EF4-FFF2-40B4-BE49-F238E27FC236}">
+                <a16:creationId xmlns:a16="http://schemas.microsoft.com/office/drawing/2014/main" id="{AD704D55-38BF-4D2A-A05D-5F2F1935160A}"/>
+              </a:ext>
+            </a:extLst>
+          </p:cNvPr>
           <p:cNvSpPr>
             <a:spLocks noGrp="1"/>
           </p:cNvSpPr>
@@ -10733,179 +11173,89 @@
         <p:spPr/>
         <p:txBody>
           <a:bodyPr>
-            <a:normAutofit fontScale="92500" lnSpcReduction="20000"/>
+            <a:normAutofit lnSpcReduction="10000"/>
           </a:bodyPr>
           <a:lstStyle/>
           <a:p>
-            <a:pPr algn="just"/>
             <a:r>
               <a:rPr lang="en-US" dirty="0"/>
-              <a:t>Tao, Xin, et al. "Scale-recurrent network for deep image </a:t>
+              <a:t>NN input – output</a:t>
+            </a:r>
+          </a:p>
+          <a:p>
+            <a:r>
+              <a:rPr lang="en-US" dirty="0"/>
+              <a:t>Activation function and solver</a:t>
+            </a:r>
+          </a:p>
+          <a:p>
+            <a:r>
+              <a:rPr lang="en-US" dirty="0"/>
+              <a:t>Basics of CNN, RNN, LSTM and ConvLSTM</a:t>
+            </a:r>
+          </a:p>
+          <a:p>
+            <a:r>
+              <a:rPr lang="en-US" dirty="0"/>
+              <a:t>No pooling/averaging/</a:t>
             </a:r>
             <a:r>
               <a:rPr lang="en-US" dirty="0" err="1"/>
-              <a:t>deblurring</a:t>
+              <a:t>normaliztion</a:t>
             </a:r>
             <a:r>
               <a:rPr lang="en-US" dirty="0"/>
-              <a:t>." </a:t>
-            </a:r>
-            <a:r>
-              <a:rPr lang="en-US" i="1" dirty="0"/>
-              <a:t>Proceedings of the IEEE Conference on Computer Vision and Pattern Recognition</a:t>
-            </a:r>
+              <a:t> layers?</a:t>
+            </a:r>
+          </a:p>
+          <a:p>
             <a:r>
               <a:rPr lang="en-US" dirty="0"/>
-              <a:t>. 2018.‏</a:t>
-            </a:r>
-            <a:endParaRPr lang="en-US" dirty="0" smtClean="0"/>
-          </a:p>
-          <a:p>
-            <a:pPr algn="just"/>
-            <a:r>
-              <a:rPr lang="en-US" dirty="0" smtClean="0"/>
-              <a:t>Shi</a:t>
-            </a:r>
+              <a:t>Up-sampling</a:t>
+            </a:r>
+          </a:p>
+          <a:p>
             <a:r>
               <a:rPr lang="en-US" dirty="0"/>
-              <a:t>, Xingjian, et al. "Convolutional LSTM network: A machine learning approach for precipitation </a:t>
+              <a:t>Scale connection</a:t>
+            </a:r>
+          </a:p>
+          <a:p>
+            <a:r>
+              <a:rPr lang="en-US" dirty="0"/>
+              <a:t>“</a:t>
             </a:r>
             <a:r>
               <a:rPr lang="en-US" dirty="0" err="1"/>
-              <a:t>nowcasting</a:t>
+              <a:t>Deconvoltion</a:t>
             </a:r>
             <a:r>
               <a:rPr lang="en-US" dirty="0"/>
-              <a:t>." </a:t>
-            </a:r>
-            <a:r>
-              <a:rPr lang="en-US" i="1" dirty="0"/>
-              <a:t>Advances in neural information processing systems</a:t>
-            </a:r>
+              <a:t>” layer</a:t>
+            </a:r>
+          </a:p>
+          <a:p>
+            <a:r>
+              <a:rPr lang="en-US" dirty="0" err="1"/>
+              <a:t>ResBLock</a:t>
+            </a:r>
+            <a:endParaRPr lang="en-US" dirty="0"/>
+          </a:p>
+          <a:p>
             <a:r>
               <a:rPr lang="en-US" dirty="0"/>
-              <a:t> 28 (2015): 802-810.</a:t>
-            </a:r>
-            <a:r>
-              <a:rPr lang="en-US" dirty="0" smtClean="0"/>
-              <a:t>‏</a:t>
-            </a:r>
-          </a:p>
-          <a:p>
-            <a:pPr algn="just"/>
-            <a:r>
-              <a:rPr lang="en-US" dirty="0"/>
-              <a:t>S. Nah, T. H. Kim, and K. M. Lee. Deep multi-scale </a:t>
-            </a:r>
-            <a:r>
-              <a:rPr lang="en-US" dirty="0" smtClean="0"/>
-              <a:t>convolutional neural </a:t>
-            </a:r>
-            <a:r>
-              <a:rPr lang="en-US" dirty="0"/>
-              <a:t>network for dynamic scene </a:t>
-            </a:r>
-            <a:r>
-              <a:rPr lang="en-US" dirty="0" err="1"/>
-              <a:t>deblurring</a:t>
-            </a:r>
-            <a:r>
-              <a:rPr lang="en-US" dirty="0"/>
-              <a:t>. </a:t>
-            </a:r>
-            <a:r>
-              <a:rPr lang="en-US" dirty="0" smtClean="0"/>
-              <a:t>pages</a:t>
-            </a:r>
-            <a:r>
-              <a:rPr lang="he-IL" dirty="0" smtClean="0"/>
-              <a:t>3883–3891</a:t>
-            </a:r>
-            <a:r>
-              <a:rPr lang="he-IL" dirty="0"/>
-              <a:t>, 2017</a:t>
-            </a:r>
-            <a:r>
-              <a:rPr lang="he-IL" dirty="0" smtClean="0"/>
-              <a:t>.</a:t>
-            </a:r>
-            <a:endParaRPr lang="en-US" dirty="0" smtClean="0"/>
-          </a:p>
-          <a:p>
-            <a:pPr algn="just"/>
-            <a:r>
-              <a:rPr lang="en-US" dirty="0"/>
-              <a:t>K. He, X. Zhang, S. Ren, and J. Sun. Deep residual </a:t>
-            </a:r>
-            <a:r>
-              <a:rPr lang="en-US" dirty="0" smtClean="0"/>
-              <a:t>learning for </a:t>
-            </a:r>
-            <a:r>
-              <a:rPr lang="en-US" dirty="0"/>
-              <a:t>image recognition. In </a:t>
-            </a:r>
-            <a:r>
-              <a:rPr lang="en-US" i="1" dirty="0"/>
-              <a:t>CVPR</a:t>
-            </a:r>
-            <a:r>
-              <a:rPr lang="en-US" dirty="0"/>
-              <a:t>, pages 770–778. </a:t>
-            </a:r>
-            <a:r>
-              <a:rPr lang="en-US" dirty="0" smtClean="0"/>
-              <a:t>IEEE,2016</a:t>
-            </a:r>
-            <a:r>
-              <a:rPr lang="he-IL" dirty="0" smtClean="0"/>
-              <a:t>.</a:t>
-            </a:r>
-            <a:endParaRPr lang="en-US" dirty="0" smtClean="0"/>
-          </a:p>
-          <a:p>
-            <a:r>
-              <a:rPr lang="en-US" dirty="0"/>
-              <a:t>X. Mao, C. Shen, and Y.-B. Yang. Image restoration </a:t>
-            </a:r>
-            <a:r>
-              <a:rPr lang="en-US" dirty="0" smtClean="0"/>
-              <a:t>using very </a:t>
-            </a:r>
-            <a:r>
-              <a:rPr lang="en-US" dirty="0"/>
-              <a:t>deep convolutional encoder-decoder networks </a:t>
-            </a:r>
-            <a:r>
-              <a:rPr lang="en-US" dirty="0" smtClean="0"/>
-              <a:t>with symmetric </a:t>
-            </a:r>
-            <a:r>
-              <a:rPr lang="en-US" dirty="0"/>
-              <a:t>skip connections. In </a:t>
-            </a:r>
-            <a:r>
-              <a:rPr lang="en-US" i="1" dirty="0"/>
-              <a:t>NIPS</a:t>
-            </a:r>
-            <a:r>
-              <a:rPr lang="en-US" dirty="0"/>
-              <a:t>, pages </a:t>
-            </a:r>
-            <a:r>
-              <a:rPr lang="en-US" dirty="0" smtClean="0"/>
-              <a:t>2802–2810,2016.</a:t>
-            </a:r>
-          </a:p>
-          <a:p>
-            <a:endParaRPr lang="he-IL" dirty="0"/>
+              <a:t>Data used</a:t>
+            </a:r>
+          </a:p>
+          <a:p>
+            <a:endParaRPr lang="en-US" dirty="0"/>
           </a:p>
         </p:txBody>
       </p:sp>
     </p:spTree>
     <p:extLst>
       <p:ext uri="{BB962C8B-B14F-4D97-AF65-F5344CB8AC3E}">
-        <p14:creationId xmlns:p14="http://schemas.microsoft.com/office/powerpoint/2010/main" val="494712912"/>
+        <p14:creationId xmlns:p14="http://schemas.microsoft.com/office/powerpoint/2010/main" val="2528602466"/>
       </p:ext>
     </p:extLst>
   </p:cSld>
@@ -10948,7 +11298,7 @@
                 <a16:creationId xmlns:a16="http://schemas.microsoft.com/office/drawing/2014/main" id="{45D37F4E-DDB4-456B-97E0-9937730A039F}"/>
               </a:ext>
               <a:ext uri="{C183D7F6-B498-43B3-948B-1728B52AA6E4}">
-                <adec:decorative xmlns:adec="http://schemas.microsoft.com/office/drawing/2017/decorative" xmlns="" val="1"/>
+                <adec:decorative xmlns:adec="http://schemas.microsoft.com/office/drawing/2017/decorative" val="1"/>
               </a:ext>
             </a:extLst>
           </p:cNvPr>
@@ -11033,16 +11383,12 @@
               <a:t>The Challenge – </a:t>
             </a:r>
             <a:r>
-              <a:rPr lang="en-US" sz="5000" strike="sngStrike" dirty="0" smtClean="0"/>
+              <a:rPr lang="en-US" sz="5000" strike="sngStrike" dirty="0"/>
               <a:t>Single</a:t>
             </a:r>
             <a:r>
-              <a:rPr lang="en-US" sz="5000" dirty="0" smtClean="0"/>
-              <a:t>(?) </a:t>
-            </a:r>
-            <a:r>
               <a:rPr lang="en-US" sz="5000" dirty="0"/>
-              <a:t>Image Deblurring </a:t>
+              <a:t>(?) Image Deblurring </a:t>
             </a:r>
           </a:p>
         </p:txBody>
@@ -11055,7 +11401,7 @@
                 <a16:creationId xmlns:a16="http://schemas.microsoft.com/office/drawing/2014/main" id="{B2DD41CD-8F47-4F56-AD12-4E2FF7696987}"/>
               </a:ext>
               <a:ext uri="{C183D7F6-B498-43B3-948B-1728B52AA6E4}">
-                <adec:decorative xmlns:adec="http://schemas.microsoft.com/office/drawing/2017/decorative" xmlns="" val="1"/>
+                <adec:decorative xmlns:adec="http://schemas.microsoft.com/office/drawing/2017/decorative" val="1"/>
               </a:ext>
             </a:extLst>
           </p:cNvPr>
@@ -11672,7 +12018,7 @@
             <a:round/>
             <a:extLst>
               <a:ext uri="{C807C97D-BFC1-408E-A445-0C87EB9F89A2}">
-                <ask:lineSketchStyleProps xmlns:ask="http://schemas.microsoft.com/office/drawing/2018/sketchyshapes" xmlns="" sd="2727557108">
+                <ask:lineSketchStyleProps xmlns:ask="http://schemas.microsoft.com/office/drawing/2018/sketchyshapes" sd="2727557108">
                   <a:prstGeom prst="rect">
                     <a:avLst/>
                   </a:prstGeom>
@@ -11949,7 +12295,7 @@
                 <a16:creationId xmlns:a16="http://schemas.microsoft.com/office/drawing/2014/main" id="{70155189-D96C-4527-B0EC-654B946BE615}"/>
               </a:ext>
               <a:ext uri="{C183D7F6-B498-43B3-948B-1728B52AA6E4}">
-                <adec:decorative xmlns:adec="http://schemas.microsoft.com/office/drawing/2017/decorative" xmlns="" val="1"/>
+                <adec:decorative xmlns:adec="http://schemas.microsoft.com/office/drawing/2017/decorative" val="1"/>
               </a:ext>
             </a:extLst>
           </p:cNvPr>
@@ -12366,13 +12712,8 @@
             </a:pPr>
             <a:r>
               <a:rPr lang="en-US" sz="2200" dirty="0"/>
-              <a:t>NN to inversely filter blurry images (learned inverse filter to </a:t>
-            </a:r>
-            <a:r>
-              <a:rPr lang="en-US" sz="2200" dirty="0" smtClean="0"/>
-              <a:t>deblurr text for license plats).</a:t>
-            </a:r>
-            <a:endParaRPr lang="en-US" sz="2200" dirty="0"/>
+              <a:t>NN to inversely filter blurry images (learned inverse filter to deblurr text for license plats).</a:t>
+            </a:r>
           </a:p>
           <a:p>
             <a:pPr>
@@ -12382,23 +12723,7 @@
             </a:pPr>
             <a:r>
               <a:rPr lang="en-US" sz="2200" dirty="0"/>
-              <a:t>learning-based approaches for blind </a:t>
-            </a:r>
-            <a:r>
-              <a:rPr lang="en-US" sz="2200" dirty="0" smtClean="0"/>
-              <a:t>deconvolution were used </a:t>
-            </a:r>
-            <a:r>
-              <a:rPr lang="en-US" sz="2200" dirty="0"/>
-              <a:t>to </a:t>
-            </a:r>
-            <a:r>
-              <a:rPr lang="en-US" sz="2200" dirty="0" smtClean="0"/>
-              <a:t>deconvolution </a:t>
-            </a:r>
-            <a:r>
-              <a:rPr lang="en-US" sz="2200" dirty="0"/>
-              <a:t>solution for a single image.</a:t>
+              <a:t>learning-based approaches for blind deconvolution were used to deconvolution solution for a single image.</a:t>
             </a:r>
           </a:p>
           <a:p>
@@ -12491,12 +12816,8 @@
           <a:lstStyle/>
           <a:p>
             <a:r>
-              <a:rPr lang="en-US" dirty="0" smtClean="0"/>
-              <a:t>A Coarse-to-Fine </a:t>
-            </a:r>
-            <a:r>
               <a:rPr lang="en-US" dirty="0"/>
-              <a:t>pipeline.</a:t>
+              <a:t>A Coarse-to-Fine pipeline.</a:t>
             </a:r>
           </a:p>
           <a:p>
@@ -12520,13 +12841,13 @@
           <a:p>
             <a:r>
               <a:rPr lang="en-US" dirty="0"/>
-              <a:t>Encoder-decoder with ResBlock</a:t>
+              <a:t>Encoder-decoder with ResBlocks</a:t>
             </a:r>
           </a:p>
           <a:p>
             <a:r>
               <a:rPr lang="en-US" dirty="0"/>
-              <a:t>The RNN that is long-short term memory (LSTM).</a:t>
+              <a:t>RNN with long-short term memory (LSTM).</a:t>
             </a:r>
             <a:endParaRPr lang="he-IL" dirty="0"/>
           </a:p>
@@ -12591,7 +12912,7 @@
           <a:lstStyle/>
           <a:p>
             <a:r>
-              <a:rPr lang="en-US" sz="5200" dirty="0" smtClean="0"/>
+              <a:rPr lang="en-US" sz="5200" dirty="0"/>
               <a:t>The Network Outline</a:t>
             </a:r>
             <a:endParaRPr lang="en-US" sz="5200" kern="1200" dirty="0">
@@ -12693,8 +13014,8 @@
           </a:p>
         </p:txBody>
       </p:sp>
-      <mc:AlternateContent xmlns:mc="http://schemas.openxmlformats.org/markup-compatibility/2006">
-        <mc:Choice xmlns:a14="http://schemas.microsoft.com/office/drawing/2010/main" Requires="a14">
+      <mc:AlternateContent xmlns:mc="http://schemas.openxmlformats.org/markup-compatibility/2006" xmlns:a14="http://schemas.microsoft.com/office/drawing/2010/main">
+        <mc:Choice Requires="a14">
           <p:sp>
             <p:nvSpPr>
               <p:cNvPr id="3" name="Content Placeholder 2">
@@ -12726,64 +13047,22 @@
                 <a:pPr algn="just"/>
                 <a:r>
                   <a:rPr lang="en-US" dirty="0"/>
-                  <a:t>The input </a:t>
-                </a:r>
-                <a:r>
-                  <a:rPr lang="en-US" dirty="0" smtClean="0"/>
-                  <a:t>of the </a:t>
-                </a:r>
-                <a:r>
-                  <a:rPr lang="en-US" dirty="0"/>
-                  <a:t>network </a:t>
-                </a:r>
-                <a:r>
-                  <a:rPr lang="en-US" dirty="0" smtClean="0"/>
-                  <a:t>is </a:t>
-                </a:r>
-                <a:r>
-                  <a:rPr lang="en-US" dirty="0"/>
-                  <a:t>a sequence of blurry </a:t>
-                </a:r>
-                <a:r>
-                  <a:rPr lang="en-US" dirty="0" smtClean="0"/>
-                  <a:t>images. </a:t>
-                </a:r>
-                <a:endParaRPr lang="en-US" dirty="0"/>
-              </a:p>
-              <a:p>
-                <a:pPr algn="just"/>
-                <a:r>
-                  <a:rPr lang="en-US" dirty="0"/>
-                  <a:t>The images are </a:t>
-                </a:r>
-                <a:r>
-                  <a:rPr lang="en-US" dirty="0" smtClean="0"/>
-                  <a:t>down-sampled  </a:t>
-                </a:r>
-                <a:r>
-                  <a:rPr lang="en-US" dirty="0"/>
-                  <a:t>from the original at different scales</a:t>
+                  <a:t>The input of the network is a sequence of blurry images. </a:t>
                 </a:r>
               </a:p>
               <a:p>
                 <a:pPr algn="just"/>
                 <a:r>
                   <a:rPr lang="en-US" dirty="0"/>
-                  <a:t>The output is a set of </a:t>
+                  <a:t>The images are down-sampled  from the original at different scales</a:t>
                 </a:r>
-                <a:r>
-                  <a:rPr lang="en-US" dirty="0" smtClean="0"/>
-                  <a:t>the corresponding </a:t>
-                </a:r>
+              </a:p>
+              <a:p>
+                <a:pPr algn="just"/>
                 <a:r>
                   <a:rPr lang="en-US" dirty="0"/>
-                  <a:t>inputs as sharp </a:t>
+                  <a:t>The output is a set of the corresponding inputs as sharp images at different scales</a:t>
                 </a:r>
-                <a:r>
-                  <a:rPr lang="en-US" dirty="0" smtClean="0"/>
-                  <a:t>images at different scales</a:t>
-                </a:r>
-                <a:endParaRPr lang="en-US" dirty="0"/>
               </a:p>
               <a:p>
                 <a:pPr algn="just"/>
@@ -12797,15 +13076,7 @@
                 <a:pPr algn="just"/>
                 <a:r>
                   <a:rPr lang="en-US" dirty="0"/>
-                  <a:t>Blurry image are fed into the NN, the network outputs an initial </a:t>
-                </a:r>
-                <a:r>
-                  <a:rPr lang="en-US" dirty="0" smtClean="0"/>
-                  <a:t>up-sampled </a:t>
-                </a:r>
-                <a:r>
-                  <a:rPr lang="en-US" dirty="0"/>
-                  <a:t>deblurred result from previous scale as input for estimated sharp image as: </a:t>
+                  <a:t>Blurry image are fed into the NN, the network outputs an initial up-sampled deblurred result from previous scale as input for estimated sharp image as: </a:t>
                 </a:r>
                 <a:endParaRPr lang="en-US" b="0" dirty="0">
                   <a:latin typeface="Cambria Math" panose="02040503050406030204" pitchFamily="18" charset="0"/>
@@ -13126,7 +13397,7 @@
             </p:txBody>
           </p:sp>
         </mc:Choice>
-        <mc:Fallback>
+        <mc:Fallback xmlns="">
           <p:sp>
             <p:nvSpPr>
               <p:cNvPr id="3" name="Content Placeholder 2">
